--- a/Apresentação.pptx
+++ b/Apresentação.pptx
@@ -5,11 +5,21 @@
     <p:sldMasterId id="2147483660" r:id="rId1"/>
   </p:sldMasterIdLst>
   <p:notesMasterIdLst>
-    <p:notesMasterId r:id="rId4"/>
+    <p:notesMasterId r:id="rId14"/>
   </p:notesMasterIdLst>
   <p:sldIdLst>
     <p:sldId id="258" r:id="rId2"/>
     <p:sldId id="311" r:id="rId3"/>
+    <p:sldId id="312" r:id="rId4"/>
+    <p:sldId id="313" r:id="rId5"/>
+    <p:sldId id="314" r:id="rId6"/>
+    <p:sldId id="317" r:id="rId7"/>
+    <p:sldId id="316" r:id="rId8"/>
+    <p:sldId id="318" r:id="rId9"/>
+    <p:sldId id="320" r:id="rId10"/>
+    <p:sldId id="319" r:id="rId11"/>
+    <p:sldId id="322" r:id="rId12"/>
+    <p:sldId id="321" r:id="rId13"/>
   </p:sldIdLst>
   <p:sldSz cx="12192000" cy="6858000"/>
   <p:notesSz cx="6858000" cy="9144000"/>
@@ -198,7 +208,7 @@
           <a:p>
             <a:fld id="{BDCD0451-3787-49C1-9371-D8F30CC4CE7B}" type="datetimeFigureOut">
               <a:rPr lang="pt-BR" smtClean="0"/>
-              <a:t>26/10/2023</a:t>
+              <a:t>28/10/2023</a:t>
             </a:fld>
             <a:endParaRPr lang="pt-BR"/>
           </a:p>
@@ -775,7 +785,7 @@
           <a:p>
             <a:fld id="{3D79DCFB-87D3-483F-9E7B-C3948D8F2964}" type="datetimeFigureOut">
               <a:rPr lang="pt-BR" smtClean="0"/>
-              <a:t>26/10/2023</a:t>
+              <a:t>28/10/2023</a:t>
             </a:fld>
             <a:endParaRPr lang="pt-BR"/>
           </a:p>
@@ -983,7 +993,7 @@
           <a:p>
             <a:fld id="{3D79DCFB-87D3-483F-9E7B-C3948D8F2964}" type="datetimeFigureOut">
               <a:rPr lang="pt-BR" smtClean="0"/>
-              <a:t>26/10/2023</a:t>
+              <a:t>28/10/2023</a:t>
             </a:fld>
             <a:endParaRPr lang="pt-BR"/>
           </a:p>
@@ -1239,7 +1249,7 @@
           <a:p>
             <a:fld id="{3D79DCFB-87D3-483F-9E7B-C3948D8F2964}" type="datetimeFigureOut">
               <a:rPr lang="pt-BR" smtClean="0"/>
-              <a:t>26/10/2023</a:t>
+              <a:t>28/10/2023</a:t>
             </a:fld>
             <a:endParaRPr lang="pt-BR"/>
           </a:p>
@@ -1413,7 +1423,7 @@
           <a:p>
             <a:fld id="{3D79DCFB-87D3-483F-9E7B-C3948D8F2964}" type="datetimeFigureOut">
               <a:rPr lang="pt-BR" smtClean="0"/>
-              <a:t>26/10/2023</a:t>
+              <a:t>28/10/2023</a:t>
             </a:fld>
             <a:endParaRPr lang="pt-BR"/>
           </a:p>
@@ -1756,7 +1766,7 @@
           <a:p>
             <a:fld id="{3D79DCFB-87D3-483F-9E7B-C3948D8F2964}" type="datetimeFigureOut">
               <a:rPr lang="pt-BR" smtClean="0"/>
-              <a:t>26/10/2023</a:t>
+              <a:t>28/10/2023</a:t>
             </a:fld>
             <a:endParaRPr lang="pt-BR"/>
           </a:p>
@@ -2031,7 +2041,7 @@
           <a:p>
             <a:fld id="{3D79DCFB-87D3-483F-9E7B-C3948D8F2964}" type="datetimeFigureOut">
               <a:rPr lang="pt-BR" smtClean="0"/>
-              <a:t>26/10/2023</a:t>
+              <a:t>28/10/2023</a:t>
             </a:fld>
             <a:endParaRPr lang="pt-BR"/>
           </a:p>
@@ -2410,7 +2420,7 @@
           <a:p>
             <a:fld id="{3D79DCFB-87D3-483F-9E7B-C3948D8F2964}" type="datetimeFigureOut">
               <a:rPr lang="pt-BR" smtClean="0"/>
-              <a:t>26/10/2023</a:t>
+              <a:t>28/10/2023</a:t>
             </a:fld>
             <a:endParaRPr lang="pt-BR"/>
           </a:p>
@@ -2528,7 +2538,7 @@
           <a:p>
             <a:fld id="{3D79DCFB-87D3-483F-9E7B-C3948D8F2964}" type="datetimeFigureOut">
               <a:rPr lang="pt-BR" smtClean="0"/>
-              <a:t>26/10/2023</a:t>
+              <a:t>28/10/2023</a:t>
             </a:fld>
             <a:endParaRPr lang="pt-BR"/>
           </a:p>
@@ -2699,7 +2709,7 @@
           <a:p>
             <a:fld id="{3D79DCFB-87D3-483F-9E7B-C3948D8F2964}" type="datetimeFigureOut">
               <a:rPr lang="pt-BR" smtClean="0"/>
-              <a:t>26/10/2023</a:t>
+              <a:t>28/10/2023</a:t>
             </a:fld>
             <a:endParaRPr lang="pt-BR"/>
           </a:p>
@@ -3053,7 +3063,7 @@
           <a:p>
             <a:fld id="{3D79DCFB-87D3-483F-9E7B-C3948D8F2964}" type="datetimeFigureOut">
               <a:rPr lang="pt-BR" smtClean="0"/>
-              <a:t>26/10/2023</a:t>
+              <a:t>28/10/2023</a:t>
             </a:fld>
             <a:endParaRPr lang="pt-BR"/>
           </a:p>
@@ -3435,7 +3445,7 @@
           <a:p>
             <a:fld id="{3D79DCFB-87D3-483F-9E7B-C3948D8F2964}" type="datetimeFigureOut">
               <a:rPr lang="pt-BR" smtClean="0"/>
-              <a:t>26/10/2023</a:t>
+              <a:t>28/10/2023</a:t>
             </a:fld>
             <a:endParaRPr lang="pt-BR"/>
           </a:p>
@@ -3722,7 +3732,7 @@
           <a:p>
             <a:fld id="{3D79DCFB-87D3-483F-9E7B-C3948D8F2964}" type="datetimeFigureOut">
               <a:rPr lang="pt-BR" smtClean="0"/>
-              <a:t>26/10/2023</a:t>
+              <a:t>28/10/2023</a:t>
             </a:fld>
             <a:endParaRPr lang="pt-BR"/>
           </a:p>
@@ -4426,8 +4436,8 @@
         </p:nvSpPr>
         <p:spPr>
           <a:xfrm>
-            <a:off x="4513670" y="3880495"/>
-            <a:ext cx="3164648" cy="1015663"/>
+            <a:off x="4513669" y="4070343"/>
+            <a:ext cx="3164648" cy="707886"/>
           </a:xfrm>
           <a:prstGeom prst="rect">
             <a:avLst/>
@@ -4441,6 +4451,13 @@
           <a:lstStyle/>
           <a:p>
             <a:pPr algn="ctr"/>
+            <a:r>
+              <a:rPr lang="pt-BR" sz="2000" dirty="0">
+                <a:latin typeface="Arial" panose="020B0604020202020204" pitchFamily="34" charset="0"/>
+                <a:cs typeface="Arial" panose="020B0604020202020204" pitchFamily="34" charset="0"/>
+              </a:rPr>
+              <a:t>Kevin Querino</a:t>
+            </a:r>
             <a:br>
               <a:rPr lang="pt-BR" sz="2000" dirty="0">
                 <a:solidFill>
@@ -4458,36 +4475,8 @@
                 <a:latin typeface="Arial" panose="020B0604020202020204" pitchFamily="34" charset="0"/>
                 <a:cs typeface="Arial" panose="020B0604020202020204" pitchFamily="34" charset="0"/>
               </a:rPr>
-              <a:t>Rogério Gonçalves </a:t>
-            </a:r>
-            <a:r>
-              <a:rPr lang="pt-BR" sz="2000" dirty="0" err="1">
-                <a:solidFill>
-                  <a:schemeClr val="tx1"/>
-                </a:solidFill>
-                <a:latin typeface="Arial" panose="020B0604020202020204" pitchFamily="34" charset="0"/>
-                <a:cs typeface="Arial" panose="020B0604020202020204" pitchFamily="34" charset="0"/>
-              </a:rPr>
-              <a:t>Furigo</a:t>
-            </a:r>
-            <a:endParaRPr lang="pt-BR" sz="2000" dirty="0">
-              <a:solidFill>
-                <a:schemeClr val="tx1"/>
-              </a:solidFill>
-              <a:latin typeface="Arial" panose="020B0604020202020204" pitchFamily="34" charset="0"/>
-              <a:cs typeface="Arial" panose="020B0604020202020204" pitchFamily="34" charset="0"/>
-            </a:endParaRPr>
-          </a:p>
-          <a:p>
-            <a:pPr algn="ctr"/>
-            <a:r>
-              <a:rPr lang="pt-BR" sz="2000" dirty="0">
-                <a:latin typeface="Arial" panose="020B0604020202020204" pitchFamily="34" charset="0"/>
-                <a:cs typeface="Arial" panose="020B0604020202020204" pitchFamily="34" charset="0"/>
-              </a:rPr>
-              <a:t>Kevin Querino</a:t>
-            </a:r>
-            <a:endParaRPr lang="pt-BR" sz="2000" dirty="0"/>
+              <a:t>Rogério Gonçalves Furigo</a:t>
+            </a:r>
           </a:p>
         </p:txBody>
       </p:sp>
@@ -4535,6 +4524,1928 @@
 </p:sld>
 </file>
 
+<file path=ppt/slides/slide10.xml><?xml version="1.0" encoding="utf-8"?>
+<p:sld xmlns:a="http://schemas.openxmlformats.org/drawingml/2006/main" xmlns:r="http://schemas.openxmlformats.org/officeDocument/2006/relationships" xmlns:p="http://schemas.openxmlformats.org/presentationml/2006/main">
+  <p:cSld>
+    <p:spTree>
+      <p:nvGrpSpPr>
+        <p:cNvPr id="1" name=""/>
+        <p:cNvGrpSpPr/>
+        <p:nvPr/>
+      </p:nvGrpSpPr>
+      <p:grpSpPr>
+        <a:xfrm>
+          <a:off x="0" y="0"/>
+          <a:ext cx="0" cy="0"/>
+          <a:chOff x="0" y="0"/>
+          <a:chExt cx="0" cy="0"/>
+        </a:xfrm>
+      </p:grpSpPr>
+      <p:graphicFrame>
+        <p:nvGraphicFramePr>
+          <p:cNvPr id="4" name="Tabela 3">
+            <a:extLst>
+              <a:ext uri="{FF2B5EF4-FFF2-40B4-BE49-F238E27FC236}">
+                <a16:creationId xmlns:a16="http://schemas.microsoft.com/office/drawing/2014/main" id="{402EF19B-BC16-53D9-C338-95EA91D04A37}"/>
+              </a:ext>
+            </a:extLst>
+          </p:cNvPr>
+          <p:cNvGraphicFramePr>
+            <a:graphicFrameLocks noGrp="1"/>
+          </p:cNvGraphicFramePr>
+          <p:nvPr>
+            <p:extLst>
+              <p:ext uri="{D42A27DB-BD31-4B8C-83A1-F6EECF244321}">
+                <p14:modId xmlns:p14="http://schemas.microsoft.com/office/powerpoint/2010/main" val="2830372391"/>
+              </p:ext>
+            </p:extLst>
+          </p:nvPr>
+        </p:nvGraphicFramePr>
+        <p:xfrm>
+          <a:off x="1827289" y="2435382"/>
+          <a:ext cx="8537418" cy="3110398"/>
+        </p:xfrm>
+        <a:graphic>
+          <a:graphicData uri="http://schemas.openxmlformats.org/drawingml/2006/table">
+            <a:tbl>
+              <a:tblPr firstRow="1" bandRow="1">
+                <a:effectLst/>
+                <a:tableStyleId>{5C22544A-7EE6-4342-B048-85BDC9FD1C3A}</a:tableStyleId>
+              </a:tblPr>
+              <a:tblGrid>
+                <a:gridCol w="2307788">
+                  <a:extLst>
+                    <a:ext uri="{9D8B030D-6E8A-4147-A177-3AD203B41FA5}">
+                      <a16:colId xmlns:a16="http://schemas.microsoft.com/office/drawing/2014/main" val="4249006466"/>
+                    </a:ext>
+                  </a:extLst>
+                </a:gridCol>
+                <a:gridCol w="3114815">
+                  <a:extLst>
+                    <a:ext uri="{9D8B030D-6E8A-4147-A177-3AD203B41FA5}">
+                      <a16:colId xmlns:a16="http://schemas.microsoft.com/office/drawing/2014/main" val="1040954500"/>
+                    </a:ext>
+                  </a:extLst>
+                </a:gridCol>
+                <a:gridCol w="3114815">
+                  <a:extLst>
+                    <a:ext uri="{9D8B030D-6E8A-4147-A177-3AD203B41FA5}">
+                      <a16:colId xmlns:a16="http://schemas.microsoft.com/office/drawing/2014/main" val="2451120"/>
+                    </a:ext>
+                  </a:extLst>
+                </a:gridCol>
+              </a:tblGrid>
+              <a:tr h="366557">
+                <a:tc>
+                  <a:txBody>
+                    <a:bodyPr/>
+                    <a:lstStyle/>
+                    <a:p>
+                      <a:pPr algn="ctr"/>
+                      <a:r>
+                        <a:rPr lang="pt-BR" sz="1400" b="1" cap="none" spc="0" dirty="0">
+                          <a:ln>
+                            <a:noFill/>
+                          </a:ln>
+                          <a:solidFill>
+                            <a:schemeClr val="tx1"/>
+                          </a:solidFill>
+                          <a:effectLst/>
+                          <a:latin typeface="Arial" panose="020B0604020202020204" pitchFamily="34" charset="0"/>
+                          <a:cs typeface="Arial" panose="020B0604020202020204" pitchFamily="34" charset="0"/>
+                        </a:rPr>
+                        <a:t>Conjunto de Dados</a:t>
+                      </a:r>
+                    </a:p>
+                  </a:txBody>
+                  <a:tcPr>
+                    <a:lnL w="12700" cap="flat" cmpd="sng" algn="ctr">
+                      <a:solidFill>
+                        <a:schemeClr val="tx1"/>
+                      </a:solidFill>
+                      <a:prstDash val="solid"/>
+                      <a:round/>
+                      <a:headEnd type="none" w="med" len="med"/>
+                      <a:tailEnd type="none" w="med" len="med"/>
+                    </a:lnL>
+                    <a:lnR w="12700" cap="flat" cmpd="sng" algn="ctr">
+                      <a:solidFill>
+                        <a:schemeClr val="tx1"/>
+                      </a:solidFill>
+                      <a:prstDash val="solid"/>
+                      <a:round/>
+                      <a:headEnd type="none" w="med" len="med"/>
+                      <a:tailEnd type="none" w="med" len="med"/>
+                    </a:lnR>
+                    <a:lnT w="12700" cap="flat" cmpd="sng" algn="ctr">
+                      <a:solidFill>
+                        <a:schemeClr val="tx1"/>
+                      </a:solidFill>
+                      <a:prstDash val="solid"/>
+                      <a:round/>
+                      <a:headEnd type="none" w="med" len="med"/>
+                      <a:tailEnd type="none" w="med" len="med"/>
+                    </a:lnT>
+                    <a:lnB w="12700" cap="flat" cmpd="sng" algn="ctr">
+                      <a:solidFill>
+                        <a:schemeClr val="tx1"/>
+                      </a:solidFill>
+                      <a:prstDash val="solid"/>
+                      <a:round/>
+                      <a:headEnd type="none" w="med" len="med"/>
+                      <a:tailEnd type="none" w="med" len="med"/>
+                    </a:lnB>
+                    <a:noFill/>
+                  </a:tcPr>
+                </a:tc>
+                <a:tc>
+                  <a:txBody>
+                    <a:bodyPr/>
+                    <a:lstStyle/>
+                    <a:p>
+                      <a:pPr algn="ctr"/>
+                      <a:r>
+                        <a:rPr lang="pt-BR" sz="1400" b="1" cap="none" spc="0" dirty="0">
+                          <a:ln>
+                            <a:noFill/>
+                          </a:ln>
+                          <a:solidFill>
+                            <a:schemeClr val="tx1"/>
+                          </a:solidFill>
+                          <a:effectLst/>
+                          <a:latin typeface="Arial" panose="020B0604020202020204" pitchFamily="34" charset="0"/>
+                          <a:cs typeface="Arial" panose="020B0604020202020204" pitchFamily="34" charset="0"/>
+                        </a:rPr>
+                        <a:t>Tempo Treinamento</a:t>
+                      </a:r>
+                    </a:p>
+                  </a:txBody>
+                  <a:tcPr>
+                    <a:lnL w="12700" cap="flat" cmpd="sng" algn="ctr">
+                      <a:solidFill>
+                        <a:schemeClr val="tx1"/>
+                      </a:solidFill>
+                      <a:prstDash val="solid"/>
+                      <a:round/>
+                      <a:headEnd type="none" w="med" len="med"/>
+                      <a:tailEnd type="none" w="med" len="med"/>
+                    </a:lnL>
+                    <a:lnR w="12700" cap="flat" cmpd="sng" algn="ctr">
+                      <a:solidFill>
+                        <a:schemeClr val="tx1"/>
+                      </a:solidFill>
+                      <a:prstDash val="solid"/>
+                      <a:round/>
+                      <a:headEnd type="none" w="med" len="med"/>
+                      <a:tailEnd type="none" w="med" len="med"/>
+                    </a:lnR>
+                    <a:lnT w="12700" cap="flat" cmpd="sng" algn="ctr">
+                      <a:solidFill>
+                        <a:schemeClr val="tx1"/>
+                      </a:solidFill>
+                      <a:prstDash val="solid"/>
+                      <a:round/>
+                      <a:headEnd type="none" w="med" len="med"/>
+                      <a:tailEnd type="none" w="med" len="med"/>
+                    </a:lnT>
+                    <a:lnB w="12700" cap="flat" cmpd="sng" algn="ctr">
+                      <a:solidFill>
+                        <a:schemeClr val="tx1"/>
+                      </a:solidFill>
+                      <a:prstDash val="solid"/>
+                      <a:round/>
+                      <a:headEnd type="none" w="med" len="med"/>
+                      <a:tailEnd type="none" w="med" len="med"/>
+                    </a:lnB>
+                    <a:noFill/>
+                  </a:tcPr>
+                </a:tc>
+                <a:tc>
+                  <a:txBody>
+                    <a:bodyPr/>
+                    <a:lstStyle/>
+                    <a:p>
+                      <a:pPr algn="ctr"/>
+                      <a:r>
+                        <a:rPr lang="pt-BR" sz="1400" b="1" cap="none" spc="0" dirty="0">
+                          <a:ln>
+                            <a:noFill/>
+                          </a:ln>
+                          <a:solidFill>
+                            <a:schemeClr val="tx1"/>
+                          </a:solidFill>
+                          <a:effectLst/>
+                          <a:latin typeface="Arial" panose="020B0604020202020204" pitchFamily="34" charset="0"/>
+                          <a:cs typeface="Arial" panose="020B0604020202020204" pitchFamily="34" charset="0"/>
+                        </a:rPr>
+                        <a:t>Acurácia no conjunto de teste</a:t>
+                      </a:r>
+                    </a:p>
+                  </a:txBody>
+                  <a:tcPr>
+                    <a:lnL w="12700" cap="flat" cmpd="sng" algn="ctr">
+                      <a:solidFill>
+                        <a:schemeClr val="tx1"/>
+                      </a:solidFill>
+                      <a:prstDash val="solid"/>
+                      <a:round/>
+                      <a:headEnd type="none" w="med" len="med"/>
+                      <a:tailEnd type="none" w="med" len="med"/>
+                    </a:lnL>
+                    <a:lnR w="12700" cap="flat" cmpd="sng" algn="ctr">
+                      <a:solidFill>
+                        <a:schemeClr val="tx1"/>
+                      </a:solidFill>
+                      <a:prstDash val="solid"/>
+                      <a:round/>
+                      <a:headEnd type="none" w="med" len="med"/>
+                      <a:tailEnd type="none" w="med" len="med"/>
+                    </a:lnR>
+                    <a:lnT w="12700" cap="flat" cmpd="sng" algn="ctr">
+                      <a:solidFill>
+                        <a:schemeClr val="tx1"/>
+                      </a:solidFill>
+                      <a:prstDash val="solid"/>
+                      <a:round/>
+                      <a:headEnd type="none" w="med" len="med"/>
+                      <a:tailEnd type="none" w="med" len="med"/>
+                    </a:lnT>
+                    <a:lnB w="12700" cap="flat" cmpd="sng" algn="ctr">
+                      <a:solidFill>
+                        <a:schemeClr val="tx1"/>
+                      </a:solidFill>
+                      <a:prstDash val="solid"/>
+                      <a:round/>
+                      <a:headEnd type="none" w="med" len="med"/>
+                      <a:tailEnd type="none" w="med" len="med"/>
+                    </a:lnB>
+                    <a:noFill/>
+                  </a:tcPr>
+                </a:tc>
+                <a:extLst>
+                  <a:ext uri="{0D108BD9-81ED-4DB2-BD59-A6C34878D82A}">
+                    <a16:rowId xmlns:a16="http://schemas.microsoft.com/office/drawing/2014/main" val="3144703543"/>
+                  </a:ext>
+                </a:extLst>
+              </a:tr>
+              <a:tr h="366401">
+                <a:tc>
+                  <a:txBody>
+                    <a:bodyPr/>
+                    <a:lstStyle/>
+                    <a:p>
+                      <a:pPr algn="ctr"/>
+                      <a:r>
+                        <a:rPr lang="pt-BR" sz="1100" b="0" cap="none" spc="0" dirty="0">
+                          <a:ln>
+                            <a:noFill/>
+                          </a:ln>
+                          <a:solidFill>
+                            <a:schemeClr val="tx1"/>
+                          </a:solidFill>
+                          <a:effectLst/>
+                          <a:latin typeface="Arial" panose="020B0604020202020204" pitchFamily="34" charset="0"/>
+                          <a:cs typeface="Arial" panose="020B0604020202020204" pitchFamily="34" charset="0"/>
+                        </a:rPr>
+                        <a:t>SMS Spam (232 amostras)</a:t>
+                      </a:r>
+                    </a:p>
+                  </a:txBody>
+                  <a:tcPr>
+                    <a:lnL w="12700" cap="flat" cmpd="sng" algn="ctr">
+                      <a:solidFill>
+                        <a:schemeClr val="tx1"/>
+                      </a:solidFill>
+                      <a:prstDash val="solid"/>
+                      <a:round/>
+                      <a:headEnd type="none" w="med" len="med"/>
+                      <a:tailEnd type="none" w="med" len="med"/>
+                    </a:lnL>
+                    <a:lnR w="12700" cap="flat" cmpd="sng" algn="ctr">
+                      <a:solidFill>
+                        <a:schemeClr val="tx1"/>
+                      </a:solidFill>
+                      <a:prstDash val="solid"/>
+                      <a:round/>
+                      <a:headEnd type="none" w="med" len="med"/>
+                      <a:tailEnd type="none" w="med" len="med"/>
+                    </a:lnR>
+                    <a:lnT w="12700" cap="flat" cmpd="sng" algn="ctr">
+                      <a:solidFill>
+                        <a:schemeClr val="tx1"/>
+                      </a:solidFill>
+                      <a:prstDash val="solid"/>
+                      <a:round/>
+                      <a:headEnd type="none" w="med" len="med"/>
+                      <a:tailEnd type="none" w="med" len="med"/>
+                    </a:lnT>
+                    <a:lnB w="12700" cap="flat" cmpd="sng" algn="ctr">
+                      <a:solidFill>
+                        <a:schemeClr val="tx1"/>
+                      </a:solidFill>
+                      <a:prstDash val="solid"/>
+                      <a:round/>
+                      <a:headEnd type="none" w="med" len="med"/>
+                      <a:tailEnd type="none" w="med" len="med"/>
+                    </a:lnB>
+                    <a:noFill/>
+                  </a:tcPr>
+                </a:tc>
+                <a:tc>
+                  <a:txBody>
+                    <a:bodyPr/>
+                    <a:lstStyle/>
+                    <a:p>
+                      <a:pPr algn="ctr"/>
+                      <a:r>
+                        <a:rPr lang="pt-BR" sz="1100" b="0" cap="none" spc="0" dirty="0">
+                          <a:ln>
+                            <a:noFill/>
+                          </a:ln>
+                          <a:solidFill>
+                            <a:schemeClr val="tx1"/>
+                          </a:solidFill>
+                          <a:effectLst/>
+                          <a:latin typeface="Arial" panose="020B0604020202020204" pitchFamily="34" charset="0"/>
+                          <a:cs typeface="Arial" panose="020B0604020202020204" pitchFamily="34" charset="0"/>
+                        </a:rPr>
+                        <a:t>1 Minuto</a:t>
+                      </a:r>
+                    </a:p>
+                  </a:txBody>
+                  <a:tcPr>
+                    <a:lnL w="12700" cap="flat" cmpd="sng" algn="ctr">
+                      <a:solidFill>
+                        <a:schemeClr val="tx1"/>
+                      </a:solidFill>
+                      <a:prstDash val="solid"/>
+                      <a:round/>
+                      <a:headEnd type="none" w="med" len="med"/>
+                      <a:tailEnd type="none" w="med" len="med"/>
+                    </a:lnL>
+                    <a:lnR w="12700" cap="flat" cmpd="sng" algn="ctr">
+                      <a:solidFill>
+                        <a:schemeClr val="tx1"/>
+                      </a:solidFill>
+                      <a:prstDash val="solid"/>
+                      <a:round/>
+                      <a:headEnd type="none" w="med" len="med"/>
+                      <a:tailEnd type="none" w="med" len="med"/>
+                    </a:lnR>
+                    <a:lnT w="12700" cap="flat" cmpd="sng" algn="ctr">
+                      <a:solidFill>
+                        <a:schemeClr val="tx1"/>
+                      </a:solidFill>
+                      <a:prstDash val="solid"/>
+                      <a:round/>
+                      <a:headEnd type="none" w="med" len="med"/>
+                      <a:tailEnd type="none" w="med" len="med"/>
+                    </a:lnT>
+                    <a:lnB w="12700" cap="flat" cmpd="sng" algn="ctr">
+                      <a:solidFill>
+                        <a:schemeClr val="tx1"/>
+                      </a:solidFill>
+                      <a:prstDash val="solid"/>
+                      <a:round/>
+                      <a:headEnd type="none" w="med" len="med"/>
+                      <a:tailEnd type="none" w="med" len="med"/>
+                    </a:lnB>
+                    <a:noFill/>
+                  </a:tcPr>
+                </a:tc>
+                <a:tc>
+                  <a:txBody>
+                    <a:bodyPr/>
+                    <a:lstStyle/>
+                    <a:p>
+                      <a:pPr algn="ctr"/>
+                      <a:r>
+                        <a:rPr lang="pt-BR" sz="1100" dirty="0">
+                          <a:latin typeface="Arial" panose="020B0604020202020204" pitchFamily="34" charset="0"/>
+                          <a:cs typeface="Arial" panose="020B0604020202020204" pitchFamily="34" charset="0"/>
+                        </a:rPr>
+                        <a:t>84.78%</a:t>
+                      </a:r>
+                      <a:endParaRPr lang="pt-BR" sz="1100" b="0" cap="none" spc="0" dirty="0">
+                        <a:ln>
+                          <a:noFill/>
+                        </a:ln>
+                        <a:solidFill>
+                          <a:schemeClr val="tx1"/>
+                        </a:solidFill>
+                        <a:effectLst/>
+                        <a:latin typeface="Arial" panose="020B0604020202020204" pitchFamily="34" charset="0"/>
+                        <a:cs typeface="Arial" panose="020B0604020202020204" pitchFamily="34" charset="0"/>
+                      </a:endParaRPr>
+                    </a:p>
+                  </a:txBody>
+                  <a:tcPr>
+                    <a:lnL w="12700" cap="flat" cmpd="sng" algn="ctr">
+                      <a:solidFill>
+                        <a:schemeClr val="tx1"/>
+                      </a:solidFill>
+                      <a:prstDash val="solid"/>
+                      <a:round/>
+                      <a:headEnd type="none" w="med" len="med"/>
+                      <a:tailEnd type="none" w="med" len="med"/>
+                    </a:lnL>
+                    <a:lnR w="12700" cap="flat" cmpd="sng" algn="ctr">
+                      <a:solidFill>
+                        <a:schemeClr val="tx1"/>
+                      </a:solidFill>
+                      <a:prstDash val="solid"/>
+                      <a:round/>
+                      <a:headEnd type="none" w="med" len="med"/>
+                      <a:tailEnd type="none" w="med" len="med"/>
+                    </a:lnR>
+                    <a:lnT w="12700" cap="flat" cmpd="sng" algn="ctr">
+                      <a:solidFill>
+                        <a:schemeClr val="tx1"/>
+                      </a:solidFill>
+                      <a:prstDash val="solid"/>
+                      <a:round/>
+                      <a:headEnd type="none" w="med" len="med"/>
+                      <a:tailEnd type="none" w="med" len="med"/>
+                    </a:lnT>
+                    <a:lnB w="12700" cap="flat" cmpd="sng" algn="ctr">
+                      <a:solidFill>
+                        <a:schemeClr val="tx1"/>
+                      </a:solidFill>
+                      <a:prstDash val="solid"/>
+                      <a:round/>
+                      <a:headEnd type="none" w="med" len="med"/>
+                      <a:tailEnd type="none" w="med" len="med"/>
+                    </a:lnB>
+                    <a:noFill/>
+                  </a:tcPr>
+                </a:tc>
+                <a:extLst>
+                  <a:ext uri="{0D108BD9-81ED-4DB2-BD59-A6C34878D82A}">
+                    <a16:rowId xmlns:a16="http://schemas.microsoft.com/office/drawing/2014/main" val="3932085244"/>
+                  </a:ext>
+                </a:extLst>
+              </a:tr>
+              <a:tr h="482975">
+                <a:tc>
+                  <a:txBody>
+                    <a:bodyPr/>
+                    <a:lstStyle/>
+                    <a:p>
+                      <a:pPr marL="0" marR="0" lvl="0" indent="0" algn="ctr" defTabSz="914400" rtl="0" eaLnBrk="1" fontAlgn="auto" latinLnBrk="0" hangingPunct="1">
+                        <a:lnSpc>
+                          <a:spcPct val="100000"/>
+                        </a:lnSpc>
+                        <a:spcBef>
+                          <a:spcPts val="0"/>
+                        </a:spcBef>
+                        <a:spcAft>
+                          <a:spcPts val="0"/>
+                        </a:spcAft>
+                        <a:buClrTx/>
+                        <a:buSzTx/>
+                        <a:buFontTx/>
+                        <a:buNone/>
+                        <a:tabLst/>
+                        <a:defRPr/>
+                      </a:pPr>
+                      <a:r>
+                        <a:rPr lang="pt-BR" sz="1100" b="0" cap="none" spc="0" dirty="0">
+                          <a:ln>
+                            <a:noFill/>
+                          </a:ln>
+                          <a:solidFill>
+                            <a:schemeClr val="tx1"/>
+                          </a:solidFill>
+                          <a:effectLst/>
+                          <a:latin typeface="Arial" panose="020B0604020202020204" pitchFamily="34" charset="0"/>
+                          <a:cs typeface="Arial" panose="020B0604020202020204" pitchFamily="34" charset="0"/>
+                        </a:rPr>
+                        <a:t>SMS Spam + GPT-3 (464 amostras)</a:t>
+                      </a:r>
+                    </a:p>
+                    <a:p>
+                      <a:pPr algn="ctr"/>
+                      <a:endParaRPr lang="pt-BR" sz="1100" b="0" cap="none" spc="0" dirty="0">
+                        <a:ln>
+                          <a:noFill/>
+                        </a:ln>
+                        <a:solidFill>
+                          <a:schemeClr val="tx1"/>
+                        </a:solidFill>
+                        <a:effectLst/>
+                        <a:latin typeface="Arial" panose="020B0604020202020204" pitchFamily="34" charset="0"/>
+                        <a:cs typeface="Arial" panose="020B0604020202020204" pitchFamily="34" charset="0"/>
+                      </a:endParaRPr>
+                    </a:p>
+                  </a:txBody>
+                  <a:tcPr>
+                    <a:lnL w="12700" cap="flat" cmpd="sng" algn="ctr">
+                      <a:solidFill>
+                        <a:schemeClr val="tx1"/>
+                      </a:solidFill>
+                      <a:prstDash val="solid"/>
+                      <a:round/>
+                      <a:headEnd type="none" w="med" len="med"/>
+                      <a:tailEnd type="none" w="med" len="med"/>
+                    </a:lnL>
+                    <a:lnR w="12700" cap="flat" cmpd="sng" algn="ctr">
+                      <a:solidFill>
+                        <a:schemeClr val="tx1"/>
+                      </a:solidFill>
+                      <a:prstDash val="solid"/>
+                      <a:round/>
+                      <a:headEnd type="none" w="med" len="med"/>
+                      <a:tailEnd type="none" w="med" len="med"/>
+                    </a:lnR>
+                    <a:lnT w="12700" cap="flat" cmpd="sng" algn="ctr">
+                      <a:solidFill>
+                        <a:schemeClr val="tx1"/>
+                      </a:solidFill>
+                      <a:prstDash val="solid"/>
+                      <a:round/>
+                      <a:headEnd type="none" w="med" len="med"/>
+                      <a:tailEnd type="none" w="med" len="med"/>
+                    </a:lnT>
+                    <a:lnB w="12700" cap="flat" cmpd="sng" algn="ctr">
+                      <a:solidFill>
+                        <a:schemeClr val="tx1"/>
+                      </a:solidFill>
+                      <a:prstDash val="solid"/>
+                      <a:round/>
+                      <a:headEnd type="none" w="med" len="med"/>
+                      <a:tailEnd type="none" w="med" len="med"/>
+                    </a:lnB>
+                    <a:noFill/>
+                  </a:tcPr>
+                </a:tc>
+                <a:tc>
+                  <a:txBody>
+                    <a:bodyPr/>
+                    <a:lstStyle/>
+                    <a:p>
+                      <a:pPr algn="ctr"/>
+                      <a:r>
+                        <a:rPr lang="pt-BR" sz="1100" b="0" cap="none" spc="0" dirty="0">
+                          <a:ln>
+                            <a:noFill/>
+                          </a:ln>
+                          <a:solidFill>
+                            <a:schemeClr val="tx1"/>
+                          </a:solidFill>
+                          <a:effectLst/>
+                          <a:latin typeface="Arial" panose="020B0604020202020204" pitchFamily="34" charset="0"/>
+                          <a:cs typeface="Arial" panose="020B0604020202020204" pitchFamily="34" charset="0"/>
+                        </a:rPr>
+                        <a:t>49 Segundos</a:t>
+                      </a:r>
+                    </a:p>
+                  </a:txBody>
+                  <a:tcPr>
+                    <a:lnL w="12700" cap="flat" cmpd="sng" algn="ctr">
+                      <a:solidFill>
+                        <a:schemeClr val="tx1"/>
+                      </a:solidFill>
+                      <a:prstDash val="solid"/>
+                      <a:round/>
+                      <a:headEnd type="none" w="med" len="med"/>
+                      <a:tailEnd type="none" w="med" len="med"/>
+                    </a:lnL>
+                    <a:lnR w="12700" cap="flat" cmpd="sng" algn="ctr">
+                      <a:solidFill>
+                        <a:schemeClr val="tx1"/>
+                      </a:solidFill>
+                      <a:prstDash val="solid"/>
+                      <a:round/>
+                      <a:headEnd type="none" w="med" len="med"/>
+                      <a:tailEnd type="none" w="med" len="med"/>
+                    </a:lnR>
+                    <a:lnT w="12700" cap="flat" cmpd="sng" algn="ctr">
+                      <a:solidFill>
+                        <a:schemeClr val="tx1"/>
+                      </a:solidFill>
+                      <a:prstDash val="solid"/>
+                      <a:round/>
+                      <a:headEnd type="none" w="med" len="med"/>
+                      <a:tailEnd type="none" w="med" len="med"/>
+                    </a:lnT>
+                    <a:lnB w="12700" cap="flat" cmpd="sng" algn="ctr">
+                      <a:solidFill>
+                        <a:schemeClr val="tx1"/>
+                      </a:solidFill>
+                      <a:prstDash val="solid"/>
+                      <a:round/>
+                      <a:headEnd type="none" w="med" len="med"/>
+                      <a:tailEnd type="none" w="med" len="med"/>
+                    </a:lnB>
+                    <a:noFill/>
+                  </a:tcPr>
+                </a:tc>
+                <a:tc>
+                  <a:txBody>
+                    <a:bodyPr/>
+                    <a:lstStyle/>
+                    <a:p>
+                      <a:pPr algn="ctr"/>
+                      <a:r>
+                        <a:rPr lang="pt-BR" sz="1100" b="0" cap="none" spc="0" dirty="0">
+                          <a:ln>
+                            <a:noFill/>
+                          </a:ln>
+                          <a:solidFill>
+                            <a:schemeClr val="tx1"/>
+                          </a:solidFill>
+                          <a:effectLst/>
+                          <a:latin typeface="Arial" panose="020B0604020202020204" pitchFamily="34" charset="0"/>
+                          <a:cs typeface="Arial" panose="020B0604020202020204" pitchFamily="34" charset="0"/>
+                        </a:rPr>
+                        <a:t>80.65%</a:t>
+                      </a:r>
+                    </a:p>
+                  </a:txBody>
+                  <a:tcPr>
+                    <a:lnL w="12700" cap="flat" cmpd="sng" algn="ctr">
+                      <a:solidFill>
+                        <a:schemeClr val="tx1"/>
+                      </a:solidFill>
+                      <a:prstDash val="solid"/>
+                      <a:round/>
+                      <a:headEnd type="none" w="med" len="med"/>
+                      <a:tailEnd type="none" w="med" len="med"/>
+                    </a:lnL>
+                    <a:lnR w="12700" cap="flat" cmpd="sng" algn="ctr">
+                      <a:solidFill>
+                        <a:schemeClr val="tx1"/>
+                      </a:solidFill>
+                      <a:prstDash val="solid"/>
+                      <a:round/>
+                      <a:headEnd type="none" w="med" len="med"/>
+                      <a:tailEnd type="none" w="med" len="med"/>
+                    </a:lnR>
+                    <a:lnT w="12700" cap="flat" cmpd="sng" algn="ctr">
+                      <a:solidFill>
+                        <a:schemeClr val="tx1"/>
+                      </a:solidFill>
+                      <a:prstDash val="solid"/>
+                      <a:round/>
+                      <a:headEnd type="none" w="med" len="med"/>
+                      <a:tailEnd type="none" w="med" len="med"/>
+                    </a:lnT>
+                    <a:lnB w="12700" cap="flat" cmpd="sng" algn="ctr">
+                      <a:solidFill>
+                        <a:schemeClr val="tx1"/>
+                      </a:solidFill>
+                      <a:prstDash val="solid"/>
+                      <a:round/>
+                      <a:headEnd type="none" w="med" len="med"/>
+                      <a:tailEnd type="none" w="med" len="med"/>
+                    </a:lnB>
+                    <a:noFill/>
+                  </a:tcPr>
+                </a:tc>
+                <a:extLst>
+                  <a:ext uri="{0D108BD9-81ED-4DB2-BD59-A6C34878D82A}">
+                    <a16:rowId xmlns:a16="http://schemas.microsoft.com/office/drawing/2014/main" val="3877871028"/>
+                  </a:ext>
+                </a:extLst>
+              </a:tr>
+              <a:tr h="482975">
+                <a:tc>
+                  <a:txBody>
+                    <a:bodyPr/>
+                    <a:lstStyle/>
+                    <a:p>
+                      <a:pPr marL="0" marR="0" lvl="0" indent="0" algn="ctr" defTabSz="914400" rtl="0" eaLnBrk="1" fontAlgn="auto" latinLnBrk="0" hangingPunct="1">
+                        <a:lnSpc>
+                          <a:spcPct val="100000"/>
+                        </a:lnSpc>
+                        <a:spcBef>
+                          <a:spcPts val="0"/>
+                        </a:spcBef>
+                        <a:spcAft>
+                          <a:spcPts val="0"/>
+                        </a:spcAft>
+                        <a:buClrTx/>
+                        <a:buSzTx/>
+                        <a:buFontTx/>
+                        <a:buNone/>
+                        <a:tabLst/>
+                        <a:defRPr/>
+                      </a:pPr>
+                      <a:r>
+                        <a:rPr lang="pt-BR" sz="1100" b="0" cap="none" spc="0" dirty="0">
+                          <a:ln>
+                            <a:noFill/>
+                          </a:ln>
+                          <a:solidFill>
+                            <a:schemeClr val="tx1"/>
+                          </a:solidFill>
+                          <a:effectLst/>
+                          <a:latin typeface="Arial" panose="020B0604020202020204" pitchFamily="34" charset="0"/>
+                          <a:cs typeface="Arial" panose="020B0604020202020204" pitchFamily="34" charset="0"/>
+                        </a:rPr>
+                        <a:t>SMS Spam + Random Deletion (464 amostras)</a:t>
+                      </a:r>
+                    </a:p>
+                    <a:p>
+                      <a:pPr algn="ctr"/>
+                      <a:endParaRPr lang="pt-BR" sz="1100" b="0" cap="none" spc="0" dirty="0">
+                        <a:ln>
+                          <a:noFill/>
+                        </a:ln>
+                        <a:solidFill>
+                          <a:schemeClr val="tx1"/>
+                        </a:solidFill>
+                        <a:effectLst/>
+                        <a:latin typeface="Arial" panose="020B0604020202020204" pitchFamily="34" charset="0"/>
+                        <a:cs typeface="Arial" panose="020B0604020202020204" pitchFamily="34" charset="0"/>
+                      </a:endParaRPr>
+                    </a:p>
+                  </a:txBody>
+                  <a:tcPr>
+                    <a:lnL w="12700" cap="flat" cmpd="sng" algn="ctr">
+                      <a:solidFill>
+                        <a:schemeClr val="tx1"/>
+                      </a:solidFill>
+                      <a:prstDash val="solid"/>
+                      <a:round/>
+                      <a:headEnd type="none" w="med" len="med"/>
+                      <a:tailEnd type="none" w="med" len="med"/>
+                    </a:lnL>
+                    <a:lnR w="12700" cap="flat" cmpd="sng" algn="ctr">
+                      <a:solidFill>
+                        <a:schemeClr val="tx1"/>
+                      </a:solidFill>
+                      <a:prstDash val="solid"/>
+                      <a:round/>
+                      <a:headEnd type="none" w="med" len="med"/>
+                      <a:tailEnd type="none" w="med" len="med"/>
+                    </a:lnR>
+                    <a:lnT w="12700" cap="flat" cmpd="sng" algn="ctr">
+                      <a:solidFill>
+                        <a:schemeClr val="tx1"/>
+                      </a:solidFill>
+                      <a:prstDash val="solid"/>
+                      <a:round/>
+                      <a:headEnd type="none" w="med" len="med"/>
+                      <a:tailEnd type="none" w="med" len="med"/>
+                    </a:lnT>
+                    <a:lnB w="12700" cap="flat" cmpd="sng" algn="ctr">
+                      <a:solidFill>
+                        <a:schemeClr val="tx1"/>
+                      </a:solidFill>
+                      <a:prstDash val="solid"/>
+                      <a:round/>
+                      <a:headEnd type="none" w="med" len="med"/>
+                      <a:tailEnd type="none" w="med" len="med"/>
+                    </a:lnB>
+                    <a:noFill/>
+                  </a:tcPr>
+                </a:tc>
+                <a:tc>
+                  <a:txBody>
+                    <a:bodyPr/>
+                    <a:lstStyle/>
+                    <a:p>
+                      <a:pPr algn="ctr"/>
+                      <a:r>
+                        <a:rPr lang="pt-BR" sz="1100" b="0" cap="none" spc="0" dirty="0">
+                          <a:ln>
+                            <a:noFill/>
+                          </a:ln>
+                          <a:solidFill>
+                            <a:schemeClr val="tx1"/>
+                          </a:solidFill>
+                          <a:effectLst/>
+                          <a:latin typeface="Arial" panose="020B0604020202020204" pitchFamily="34" charset="0"/>
+                          <a:cs typeface="Arial" panose="020B0604020202020204" pitchFamily="34" charset="0"/>
+                        </a:rPr>
+                        <a:t>1 Minuto</a:t>
+                      </a:r>
+                    </a:p>
+                  </a:txBody>
+                  <a:tcPr>
+                    <a:lnL w="12700" cap="flat" cmpd="sng" algn="ctr">
+                      <a:solidFill>
+                        <a:schemeClr val="tx1"/>
+                      </a:solidFill>
+                      <a:prstDash val="solid"/>
+                      <a:round/>
+                      <a:headEnd type="none" w="med" len="med"/>
+                      <a:tailEnd type="none" w="med" len="med"/>
+                    </a:lnL>
+                    <a:lnR w="12700" cap="flat" cmpd="sng" algn="ctr">
+                      <a:solidFill>
+                        <a:schemeClr val="tx1"/>
+                      </a:solidFill>
+                      <a:prstDash val="solid"/>
+                      <a:round/>
+                      <a:headEnd type="none" w="med" len="med"/>
+                      <a:tailEnd type="none" w="med" len="med"/>
+                    </a:lnR>
+                    <a:lnT w="12700" cap="flat" cmpd="sng" algn="ctr">
+                      <a:solidFill>
+                        <a:schemeClr val="tx1"/>
+                      </a:solidFill>
+                      <a:prstDash val="solid"/>
+                      <a:round/>
+                      <a:headEnd type="none" w="med" len="med"/>
+                      <a:tailEnd type="none" w="med" len="med"/>
+                    </a:lnT>
+                    <a:lnB w="12700" cap="flat" cmpd="sng" algn="ctr">
+                      <a:solidFill>
+                        <a:schemeClr val="tx1"/>
+                      </a:solidFill>
+                      <a:prstDash val="solid"/>
+                      <a:round/>
+                      <a:headEnd type="none" w="med" len="med"/>
+                      <a:tailEnd type="none" w="med" len="med"/>
+                    </a:lnB>
+                    <a:noFill/>
+                  </a:tcPr>
+                </a:tc>
+                <a:tc>
+                  <a:txBody>
+                    <a:bodyPr/>
+                    <a:lstStyle/>
+                    <a:p>
+                      <a:pPr marL="0" algn="ctr" defTabSz="914400" rtl="0" eaLnBrk="1" latinLnBrk="0" hangingPunct="1"/>
+                      <a:r>
+                        <a:rPr lang="pt-BR" sz="1100" b="0" kern="1200" cap="none" spc="0" dirty="0">
+                          <a:ln>
+                            <a:noFill/>
+                          </a:ln>
+                          <a:solidFill>
+                            <a:schemeClr val="tx1"/>
+                          </a:solidFill>
+                          <a:effectLst/>
+                          <a:latin typeface="Arial" panose="020B0604020202020204" pitchFamily="34" charset="0"/>
+                          <a:ea typeface="+mn-ea"/>
+                          <a:cs typeface="Arial" panose="020B0604020202020204" pitchFamily="34" charset="0"/>
+                        </a:rPr>
+                        <a:t>89.25%</a:t>
+                      </a:r>
+                    </a:p>
+                  </a:txBody>
+                  <a:tcPr>
+                    <a:lnL w="12700" cap="flat" cmpd="sng" algn="ctr">
+                      <a:solidFill>
+                        <a:schemeClr val="tx1"/>
+                      </a:solidFill>
+                      <a:prstDash val="solid"/>
+                      <a:round/>
+                      <a:headEnd type="none" w="med" len="med"/>
+                      <a:tailEnd type="none" w="med" len="med"/>
+                    </a:lnL>
+                    <a:lnR w="12700" cap="flat" cmpd="sng" algn="ctr">
+                      <a:solidFill>
+                        <a:schemeClr val="tx1"/>
+                      </a:solidFill>
+                      <a:prstDash val="solid"/>
+                      <a:round/>
+                      <a:headEnd type="none" w="med" len="med"/>
+                      <a:tailEnd type="none" w="med" len="med"/>
+                    </a:lnR>
+                    <a:lnT w="12700" cap="flat" cmpd="sng" algn="ctr">
+                      <a:solidFill>
+                        <a:schemeClr val="tx1"/>
+                      </a:solidFill>
+                      <a:prstDash val="solid"/>
+                      <a:round/>
+                      <a:headEnd type="none" w="med" len="med"/>
+                      <a:tailEnd type="none" w="med" len="med"/>
+                    </a:lnT>
+                    <a:lnB w="12700" cap="flat" cmpd="sng" algn="ctr">
+                      <a:solidFill>
+                        <a:schemeClr val="tx1"/>
+                      </a:solidFill>
+                      <a:prstDash val="solid"/>
+                      <a:round/>
+                      <a:headEnd type="none" w="med" len="med"/>
+                      <a:tailEnd type="none" w="med" len="med"/>
+                    </a:lnB>
+                    <a:noFill/>
+                  </a:tcPr>
+                </a:tc>
+                <a:extLst>
+                  <a:ext uri="{0D108BD9-81ED-4DB2-BD59-A6C34878D82A}">
+                    <a16:rowId xmlns:a16="http://schemas.microsoft.com/office/drawing/2014/main" val="426775692"/>
+                  </a:ext>
+                </a:extLst>
+              </a:tr>
+              <a:tr h="482975">
+                <a:tc>
+                  <a:txBody>
+                    <a:bodyPr/>
+                    <a:lstStyle/>
+                    <a:p>
+                      <a:pPr marL="0" marR="0" lvl="0" indent="0" algn="ctr" defTabSz="914400" rtl="0" eaLnBrk="1" fontAlgn="auto" latinLnBrk="0" hangingPunct="1">
+                        <a:lnSpc>
+                          <a:spcPct val="100000"/>
+                        </a:lnSpc>
+                        <a:spcBef>
+                          <a:spcPts val="0"/>
+                        </a:spcBef>
+                        <a:spcAft>
+                          <a:spcPts val="0"/>
+                        </a:spcAft>
+                        <a:buClrTx/>
+                        <a:buSzTx/>
+                        <a:buFontTx/>
+                        <a:buNone/>
+                        <a:tabLst/>
+                        <a:defRPr/>
+                      </a:pPr>
+                      <a:r>
+                        <a:rPr lang="pt-BR" sz="1100" b="0" cap="none" spc="0" dirty="0">
+                          <a:ln>
+                            <a:noFill/>
+                          </a:ln>
+                          <a:solidFill>
+                            <a:schemeClr val="tx1"/>
+                          </a:solidFill>
+                          <a:effectLst/>
+                          <a:latin typeface="Arial" panose="020B0604020202020204" pitchFamily="34" charset="0"/>
+                          <a:cs typeface="Arial" panose="020B0604020202020204" pitchFamily="34" charset="0"/>
+                        </a:rPr>
+                        <a:t>SMS Spam + Random Swap (464 amostras)</a:t>
+                      </a:r>
+                    </a:p>
+                    <a:p>
+                      <a:pPr marL="0" marR="0" lvl="0" indent="0" algn="ctr" defTabSz="914400" rtl="0" eaLnBrk="1" fontAlgn="auto" latinLnBrk="0" hangingPunct="1">
+                        <a:lnSpc>
+                          <a:spcPct val="100000"/>
+                        </a:lnSpc>
+                        <a:spcBef>
+                          <a:spcPts val="0"/>
+                        </a:spcBef>
+                        <a:spcAft>
+                          <a:spcPts val="0"/>
+                        </a:spcAft>
+                        <a:buClrTx/>
+                        <a:buSzTx/>
+                        <a:buFontTx/>
+                        <a:buNone/>
+                        <a:tabLst/>
+                        <a:defRPr/>
+                      </a:pPr>
+                      <a:endParaRPr lang="pt-BR" sz="1100" b="0" cap="none" spc="0" dirty="0">
+                        <a:ln>
+                          <a:noFill/>
+                        </a:ln>
+                        <a:solidFill>
+                          <a:schemeClr val="tx1"/>
+                        </a:solidFill>
+                        <a:effectLst/>
+                        <a:latin typeface="Arial" panose="020B0604020202020204" pitchFamily="34" charset="0"/>
+                        <a:cs typeface="Arial" panose="020B0604020202020204" pitchFamily="34" charset="0"/>
+                      </a:endParaRPr>
+                    </a:p>
+                  </a:txBody>
+                  <a:tcPr>
+                    <a:lnL w="12700" cap="flat" cmpd="sng" algn="ctr">
+                      <a:solidFill>
+                        <a:schemeClr val="tx1"/>
+                      </a:solidFill>
+                      <a:prstDash val="solid"/>
+                      <a:round/>
+                      <a:headEnd type="none" w="med" len="med"/>
+                      <a:tailEnd type="none" w="med" len="med"/>
+                    </a:lnL>
+                    <a:lnR w="12700" cap="flat" cmpd="sng" algn="ctr">
+                      <a:solidFill>
+                        <a:schemeClr val="tx1"/>
+                      </a:solidFill>
+                      <a:prstDash val="solid"/>
+                      <a:round/>
+                      <a:headEnd type="none" w="med" len="med"/>
+                      <a:tailEnd type="none" w="med" len="med"/>
+                    </a:lnR>
+                    <a:lnT w="12700" cap="flat" cmpd="sng" algn="ctr">
+                      <a:solidFill>
+                        <a:schemeClr val="tx1"/>
+                      </a:solidFill>
+                      <a:prstDash val="solid"/>
+                      <a:round/>
+                      <a:headEnd type="none" w="med" len="med"/>
+                      <a:tailEnd type="none" w="med" len="med"/>
+                    </a:lnT>
+                    <a:lnB w="12700" cap="flat" cmpd="sng" algn="ctr">
+                      <a:solidFill>
+                        <a:schemeClr val="tx1"/>
+                      </a:solidFill>
+                      <a:prstDash val="solid"/>
+                      <a:round/>
+                      <a:headEnd type="none" w="med" len="med"/>
+                      <a:tailEnd type="none" w="med" len="med"/>
+                    </a:lnB>
+                    <a:noFill/>
+                  </a:tcPr>
+                </a:tc>
+                <a:tc>
+                  <a:txBody>
+                    <a:bodyPr/>
+                    <a:lstStyle/>
+                    <a:p>
+                      <a:pPr algn="ctr"/>
+                      <a:r>
+                        <a:rPr lang="pt-BR" sz="1100" b="0" cap="none" spc="0" dirty="0">
+                          <a:ln>
+                            <a:noFill/>
+                          </a:ln>
+                          <a:solidFill>
+                            <a:schemeClr val="tx1"/>
+                          </a:solidFill>
+                          <a:effectLst/>
+                          <a:latin typeface="Arial" panose="020B0604020202020204" pitchFamily="34" charset="0"/>
+                          <a:cs typeface="Arial" panose="020B0604020202020204" pitchFamily="34" charset="0"/>
+                        </a:rPr>
+                        <a:t>48 Segundos</a:t>
+                      </a:r>
+                    </a:p>
+                  </a:txBody>
+                  <a:tcPr>
+                    <a:lnL w="12700" cap="flat" cmpd="sng" algn="ctr">
+                      <a:solidFill>
+                        <a:schemeClr val="tx1"/>
+                      </a:solidFill>
+                      <a:prstDash val="solid"/>
+                      <a:round/>
+                      <a:headEnd type="none" w="med" len="med"/>
+                      <a:tailEnd type="none" w="med" len="med"/>
+                    </a:lnL>
+                    <a:lnR w="12700" cap="flat" cmpd="sng" algn="ctr">
+                      <a:solidFill>
+                        <a:schemeClr val="tx1"/>
+                      </a:solidFill>
+                      <a:prstDash val="solid"/>
+                      <a:round/>
+                      <a:headEnd type="none" w="med" len="med"/>
+                      <a:tailEnd type="none" w="med" len="med"/>
+                    </a:lnR>
+                    <a:lnT w="12700" cap="flat" cmpd="sng" algn="ctr">
+                      <a:solidFill>
+                        <a:schemeClr val="tx1"/>
+                      </a:solidFill>
+                      <a:prstDash val="solid"/>
+                      <a:round/>
+                      <a:headEnd type="none" w="med" len="med"/>
+                      <a:tailEnd type="none" w="med" len="med"/>
+                    </a:lnT>
+                    <a:lnB w="12700" cap="flat" cmpd="sng" algn="ctr">
+                      <a:solidFill>
+                        <a:schemeClr val="tx1"/>
+                      </a:solidFill>
+                      <a:prstDash val="solid"/>
+                      <a:round/>
+                      <a:headEnd type="none" w="med" len="med"/>
+                      <a:tailEnd type="none" w="med" len="med"/>
+                    </a:lnB>
+                    <a:noFill/>
+                  </a:tcPr>
+                </a:tc>
+                <a:tc>
+                  <a:txBody>
+                    <a:bodyPr/>
+                    <a:lstStyle/>
+                    <a:p>
+                      <a:pPr marL="0" algn="ctr" defTabSz="914400" rtl="0" eaLnBrk="1" latinLnBrk="0" hangingPunct="1"/>
+                      <a:r>
+                        <a:rPr lang="pt-BR" sz="1100" b="0" kern="1200" cap="none" spc="0" dirty="0">
+                          <a:ln>
+                            <a:noFill/>
+                          </a:ln>
+                          <a:solidFill>
+                            <a:schemeClr val="tx1"/>
+                          </a:solidFill>
+                          <a:effectLst/>
+                          <a:latin typeface="Arial" panose="020B0604020202020204" pitchFamily="34" charset="0"/>
+                          <a:ea typeface="+mn-ea"/>
+                          <a:cs typeface="Arial" panose="020B0604020202020204" pitchFamily="34" charset="0"/>
+                        </a:rPr>
+                        <a:t>94.62%</a:t>
+                      </a:r>
+                    </a:p>
+                  </a:txBody>
+                  <a:tcPr>
+                    <a:lnL w="12700" cap="flat" cmpd="sng" algn="ctr">
+                      <a:solidFill>
+                        <a:schemeClr val="tx1"/>
+                      </a:solidFill>
+                      <a:prstDash val="solid"/>
+                      <a:round/>
+                      <a:headEnd type="none" w="med" len="med"/>
+                      <a:tailEnd type="none" w="med" len="med"/>
+                    </a:lnL>
+                    <a:lnR w="12700" cap="flat" cmpd="sng" algn="ctr">
+                      <a:solidFill>
+                        <a:schemeClr val="tx1"/>
+                      </a:solidFill>
+                      <a:prstDash val="solid"/>
+                      <a:round/>
+                      <a:headEnd type="none" w="med" len="med"/>
+                      <a:tailEnd type="none" w="med" len="med"/>
+                    </a:lnR>
+                    <a:lnT w="12700" cap="flat" cmpd="sng" algn="ctr">
+                      <a:solidFill>
+                        <a:schemeClr val="tx1"/>
+                      </a:solidFill>
+                      <a:prstDash val="solid"/>
+                      <a:round/>
+                      <a:headEnd type="none" w="med" len="med"/>
+                      <a:tailEnd type="none" w="med" len="med"/>
+                    </a:lnT>
+                    <a:lnB w="12700" cap="flat" cmpd="sng" algn="ctr">
+                      <a:solidFill>
+                        <a:schemeClr val="tx1"/>
+                      </a:solidFill>
+                      <a:prstDash val="solid"/>
+                      <a:round/>
+                      <a:headEnd type="none" w="med" len="med"/>
+                      <a:tailEnd type="none" w="med" len="med"/>
+                    </a:lnB>
+                    <a:noFill/>
+                  </a:tcPr>
+                </a:tc>
+                <a:extLst>
+                  <a:ext uri="{0D108BD9-81ED-4DB2-BD59-A6C34878D82A}">
+                    <a16:rowId xmlns:a16="http://schemas.microsoft.com/office/drawing/2014/main" val="3027150795"/>
+                  </a:ext>
+                </a:extLst>
+              </a:tr>
+              <a:tr h="482975">
+                <a:tc>
+                  <a:txBody>
+                    <a:bodyPr/>
+                    <a:lstStyle/>
+                    <a:p>
+                      <a:pPr marL="0" marR="0" lvl="0" indent="0" algn="ctr" defTabSz="914400" rtl="0" eaLnBrk="1" fontAlgn="auto" latinLnBrk="0" hangingPunct="1">
+                        <a:lnSpc>
+                          <a:spcPct val="100000"/>
+                        </a:lnSpc>
+                        <a:spcBef>
+                          <a:spcPts val="0"/>
+                        </a:spcBef>
+                        <a:spcAft>
+                          <a:spcPts val="0"/>
+                        </a:spcAft>
+                        <a:buClrTx/>
+                        <a:buSzTx/>
+                        <a:buFontTx/>
+                        <a:buNone/>
+                        <a:tabLst/>
+                        <a:defRPr/>
+                      </a:pPr>
+                      <a:r>
+                        <a:rPr lang="pt-BR" sz="1100" b="0" cap="none" spc="0" dirty="0">
+                          <a:ln>
+                            <a:noFill/>
+                          </a:ln>
+                          <a:solidFill>
+                            <a:schemeClr val="tx1"/>
+                          </a:solidFill>
+                          <a:effectLst/>
+                          <a:latin typeface="Arial" panose="020B0604020202020204" pitchFamily="34" charset="0"/>
+                          <a:cs typeface="Arial" panose="020B0604020202020204" pitchFamily="34" charset="0"/>
+                        </a:rPr>
+                        <a:t>SMS Spam +  Back Translation (464 amostras)</a:t>
+                      </a:r>
+                    </a:p>
+                    <a:p>
+                      <a:pPr marL="0" marR="0" lvl="0" indent="0" algn="ctr" defTabSz="914400" rtl="0" eaLnBrk="1" fontAlgn="auto" latinLnBrk="0" hangingPunct="1">
+                        <a:lnSpc>
+                          <a:spcPct val="100000"/>
+                        </a:lnSpc>
+                        <a:spcBef>
+                          <a:spcPts val="0"/>
+                        </a:spcBef>
+                        <a:spcAft>
+                          <a:spcPts val="0"/>
+                        </a:spcAft>
+                        <a:buClrTx/>
+                        <a:buSzTx/>
+                        <a:buFontTx/>
+                        <a:buNone/>
+                        <a:tabLst/>
+                        <a:defRPr/>
+                      </a:pPr>
+                      <a:endParaRPr lang="pt-BR" sz="1100" b="0" cap="none" spc="0" dirty="0">
+                        <a:ln>
+                          <a:noFill/>
+                        </a:ln>
+                        <a:solidFill>
+                          <a:schemeClr val="tx1"/>
+                        </a:solidFill>
+                        <a:effectLst/>
+                        <a:latin typeface="Arial" panose="020B0604020202020204" pitchFamily="34" charset="0"/>
+                        <a:cs typeface="Arial" panose="020B0604020202020204" pitchFamily="34" charset="0"/>
+                      </a:endParaRPr>
+                    </a:p>
+                  </a:txBody>
+                  <a:tcPr>
+                    <a:lnL w="12700" cap="flat" cmpd="sng" algn="ctr">
+                      <a:solidFill>
+                        <a:schemeClr val="tx1"/>
+                      </a:solidFill>
+                      <a:prstDash val="solid"/>
+                      <a:round/>
+                      <a:headEnd type="none" w="med" len="med"/>
+                      <a:tailEnd type="none" w="med" len="med"/>
+                    </a:lnL>
+                    <a:lnR w="12700" cap="flat" cmpd="sng" algn="ctr">
+                      <a:solidFill>
+                        <a:schemeClr val="tx1"/>
+                      </a:solidFill>
+                      <a:prstDash val="solid"/>
+                      <a:round/>
+                      <a:headEnd type="none" w="med" len="med"/>
+                      <a:tailEnd type="none" w="med" len="med"/>
+                    </a:lnR>
+                    <a:lnT w="12700" cap="flat" cmpd="sng" algn="ctr">
+                      <a:solidFill>
+                        <a:schemeClr val="tx1"/>
+                      </a:solidFill>
+                      <a:prstDash val="solid"/>
+                      <a:round/>
+                      <a:headEnd type="none" w="med" len="med"/>
+                      <a:tailEnd type="none" w="med" len="med"/>
+                    </a:lnT>
+                    <a:lnB w="12700" cap="flat" cmpd="sng" algn="ctr">
+                      <a:solidFill>
+                        <a:schemeClr val="tx1"/>
+                      </a:solidFill>
+                      <a:prstDash val="solid"/>
+                      <a:round/>
+                      <a:headEnd type="none" w="med" len="med"/>
+                      <a:tailEnd type="none" w="med" len="med"/>
+                    </a:lnB>
+                    <a:noFill/>
+                  </a:tcPr>
+                </a:tc>
+                <a:tc>
+                  <a:txBody>
+                    <a:bodyPr/>
+                    <a:lstStyle/>
+                    <a:p>
+                      <a:pPr algn="ctr"/>
+                      <a:r>
+                        <a:rPr lang="pt-BR" sz="1100" b="0" kern="1200" cap="none" spc="0" dirty="0">
+                          <a:ln>
+                            <a:noFill/>
+                          </a:ln>
+                          <a:solidFill>
+                            <a:schemeClr val="tx1"/>
+                          </a:solidFill>
+                          <a:effectLst/>
+                          <a:latin typeface="Arial" panose="020B0604020202020204" pitchFamily="34" charset="0"/>
+                          <a:ea typeface="+mn-ea"/>
+                          <a:cs typeface="Arial" panose="020B0604020202020204" pitchFamily="34" charset="0"/>
+                        </a:rPr>
+                        <a:t>1 Minuto</a:t>
+                      </a:r>
+                    </a:p>
+                  </a:txBody>
+                  <a:tcPr>
+                    <a:lnL w="12700" cap="flat" cmpd="sng" algn="ctr">
+                      <a:solidFill>
+                        <a:schemeClr val="tx1"/>
+                      </a:solidFill>
+                      <a:prstDash val="solid"/>
+                      <a:round/>
+                      <a:headEnd type="none" w="med" len="med"/>
+                      <a:tailEnd type="none" w="med" len="med"/>
+                    </a:lnL>
+                    <a:lnR w="12700" cap="flat" cmpd="sng" algn="ctr">
+                      <a:solidFill>
+                        <a:schemeClr val="tx1"/>
+                      </a:solidFill>
+                      <a:prstDash val="solid"/>
+                      <a:round/>
+                      <a:headEnd type="none" w="med" len="med"/>
+                      <a:tailEnd type="none" w="med" len="med"/>
+                    </a:lnR>
+                    <a:lnT w="12700" cap="flat" cmpd="sng" algn="ctr">
+                      <a:solidFill>
+                        <a:schemeClr val="tx1"/>
+                      </a:solidFill>
+                      <a:prstDash val="solid"/>
+                      <a:round/>
+                      <a:headEnd type="none" w="med" len="med"/>
+                      <a:tailEnd type="none" w="med" len="med"/>
+                    </a:lnT>
+                    <a:lnB w="12700" cap="flat" cmpd="sng" algn="ctr">
+                      <a:solidFill>
+                        <a:schemeClr val="tx1"/>
+                      </a:solidFill>
+                      <a:prstDash val="solid"/>
+                      <a:round/>
+                      <a:headEnd type="none" w="med" len="med"/>
+                      <a:tailEnd type="none" w="med" len="med"/>
+                    </a:lnB>
+                    <a:noFill/>
+                  </a:tcPr>
+                </a:tc>
+                <a:tc>
+                  <a:txBody>
+                    <a:bodyPr/>
+                    <a:lstStyle/>
+                    <a:p>
+                      <a:pPr marL="0" algn="ctr" defTabSz="914400" rtl="0" eaLnBrk="1" latinLnBrk="0" hangingPunct="1"/>
+                      <a:r>
+                        <a:rPr lang="pt-BR" sz="1100" b="0" kern="1200" cap="none" spc="0" dirty="0">
+                          <a:ln>
+                            <a:noFill/>
+                          </a:ln>
+                          <a:solidFill>
+                            <a:schemeClr val="tx1"/>
+                          </a:solidFill>
+                          <a:effectLst/>
+                          <a:latin typeface="Arial" panose="020B0604020202020204" pitchFamily="34" charset="0"/>
+                          <a:ea typeface="+mn-ea"/>
+                          <a:cs typeface="Arial" panose="020B0604020202020204" pitchFamily="34" charset="0"/>
+                        </a:rPr>
+                        <a:t>83.87%</a:t>
+                      </a:r>
+                    </a:p>
+                  </a:txBody>
+                  <a:tcPr>
+                    <a:lnL w="12700" cap="flat" cmpd="sng" algn="ctr">
+                      <a:solidFill>
+                        <a:schemeClr val="tx1"/>
+                      </a:solidFill>
+                      <a:prstDash val="solid"/>
+                      <a:round/>
+                      <a:headEnd type="none" w="med" len="med"/>
+                      <a:tailEnd type="none" w="med" len="med"/>
+                    </a:lnL>
+                    <a:lnR w="12700" cap="flat" cmpd="sng" algn="ctr">
+                      <a:solidFill>
+                        <a:schemeClr val="tx1"/>
+                      </a:solidFill>
+                      <a:prstDash val="solid"/>
+                      <a:round/>
+                      <a:headEnd type="none" w="med" len="med"/>
+                      <a:tailEnd type="none" w="med" len="med"/>
+                    </a:lnR>
+                    <a:lnT w="12700" cap="flat" cmpd="sng" algn="ctr">
+                      <a:solidFill>
+                        <a:schemeClr val="tx1"/>
+                      </a:solidFill>
+                      <a:prstDash val="solid"/>
+                      <a:round/>
+                      <a:headEnd type="none" w="med" len="med"/>
+                      <a:tailEnd type="none" w="med" len="med"/>
+                    </a:lnT>
+                    <a:lnB w="12700" cap="flat" cmpd="sng" algn="ctr">
+                      <a:solidFill>
+                        <a:schemeClr val="tx1"/>
+                      </a:solidFill>
+                      <a:prstDash val="solid"/>
+                      <a:round/>
+                      <a:headEnd type="none" w="med" len="med"/>
+                      <a:tailEnd type="none" w="med" len="med"/>
+                    </a:lnB>
+                    <a:noFill/>
+                  </a:tcPr>
+                </a:tc>
+                <a:extLst>
+                  <a:ext uri="{0D108BD9-81ED-4DB2-BD59-A6C34878D82A}">
+                    <a16:rowId xmlns:a16="http://schemas.microsoft.com/office/drawing/2014/main" val="4194210041"/>
+                  </a:ext>
+                </a:extLst>
+              </a:tr>
+            </a:tbl>
+          </a:graphicData>
+        </a:graphic>
+      </p:graphicFrame>
+      <p:sp>
+        <p:nvSpPr>
+          <p:cNvPr id="5" name="Espaço Reservado para Rodapé 3">
+            <a:extLst>
+              <a:ext uri="{FF2B5EF4-FFF2-40B4-BE49-F238E27FC236}">
+                <a16:creationId xmlns:a16="http://schemas.microsoft.com/office/drawing/2014/main" id="{6A00E012-D503-2AF4-CA90-6960A1F7AE88}"/>
+              </a:ext>
+            </a:extLst>
+          </p:cNvPr>
+          <p:cNvSpPr>
+            <a:spLocks noGrp="1"/>
+          </p:cNvSpPr>
+          <p:nvPr>
+            <p:ph type="ftr" sz="quarter" idx="11"/>
+          </p:nvPr>
+        </p:nvSpPr>
+        <p:spPr>
+          <a:xfrm>
+            <a:off x="3684596" y="6455648"/>
+            <a:ext cx="4822804" cy="365125"/>
+          </a:xfrm>
+        </p:spPr>
+        <p:txBody>
+          <a:bodyPr/>
+          <a:lstStyle/>
+          <a:p>
+            <a:r>
+              <a:rPr lang="pt-BR" dirty="0"/>
+              <a:t>Aprendizado Profundo - 2023</a:t>
+            </a:r>
+          </a:p>
+        </p:txBody>
+      </p:sp>
+      <p:pic>
+        <p:nvPicPr>
+          <p:cNvPr id="6" name="Imagem 5" descr="Janela de vidro&#10;&#10;Descrição gerada automaticamente com confiança média">
+            <a:extLst>
+              <a:ext uri="{FF2B5EF4-FFF2-40B4-BE49-F238E27FC236}">
+                <a16:creationId xmlns:a16="http://schemas.microsoft.com/office/drawing/2014/main" id="{C6403B8D-C7A1-628E-F1BF-0898EAA41564}"/>
+              </a:ext>
+            </a:extLst>
+          </p:cNvPr>
+          <p:cNvPicPr>
+            <a:picLocks noChangeAspect="1"/>
+          </p:cNvPicPr>
+          <p:nvPr/>
+        </p:nvPicPr>
+        <p:blipFill>
+          <a:blip r:embed="rId2" cstate="print">
+            <a:extLst>
+              <a:ext uri="{28A0092B-C50C-407E-A947-70E740481C1C}">
+                <a14:useLocalDpi xmlns:a14="http://schemas.microsoft.com/office/drawing/2010/main" val="0"/>
+              </a:ext>
+            </a:extLst>
+          </a:blip>
+          <a:stretch>
+            <a:fillRect/>
+          </a:stretch>
+        </p:blipFill>
+        <p:spPr>
+          <a:xfrm>
+            <a:off x="118159" y="6470866"/>
+            <a:ext cx="373152" cy="332105"/>
+          </a:xfrm>
+          <a:prstGeom prst="rect">
+            <a:avLst/>
+          </a:prstGeom>
+        </p:spPr>
+      </p:pic>
+      <p:sp>
+        <p:nvSpPr>
+          <p:cNvPr id="10" name="Título 19">
+            <a:extLst>
+              <a:ext uri="{FF2B5EF4-FFF2-40B4-BE49-F238E27FC236}">
+                <a16:creationId xmlns:a16="http://schemas.microsoft.com/office/drawing/2014/main" id="{66ED56F9-FAFE-941C-9E25-B66992EE0AC3}"/>
+              </a:ext>
+            </a:extLst>
+          </p:cNvPr>
+          <p:cNvSpPr txBox="1">
+            <a:spLocks/>
+          </p:cNvSpPr>
+          <p:nvPr/>
+        </p:nvSpPr>
+        <p:spPr>
+          <a:xfrm>
+            <a:off x="1097280" y="626919"/>
+            <a:ext cx="10058400" cy="720197"/>
+          </a:xfrm>
+          <a:prstGeom prst="rect">
+            <a:avLst/>
+          </a:prstGeom>
+        </p:spPr>
+        <p:txBody>
+          <a:bodyPr vert="horz" lIns="91440" tIns="45720" rIns="91440" bIns="45720" rtlCol="0" anchor="b">
+            <a:normAutofit/>
+          </a:bodyPr>
+          <a:lstStyle>
+            <a:lvl1pPr marL="0" algn="l" defTabSz="914400" rtl="0" eaLnBrk="1" latinLnBrk="0" hangingPunct="1">
+              <a:lnSpc>
+                <a:spcPct val="85000"/>
+              </a:lnSpc>
+              <a:spcBef>
+                <a:spcPct val="0"/>
+              </a:spcBef>
+              <a:buNone/>
+              <a:defRPr sz="4800" kern="1200" spc="-50" baseline="0">
+                <a:solidFill>
+                  <a:schemeClr val="tx1">
+                    <a:lumMod val="75000"/>
+                    <a:lumOff val="25000"/>
+                  </a:schemeClr>
+                </a:solidFill>
+                <a:latin typeface="+mj-lt"/>
+                <a:ea typeface="+mj-ea"/>
+                <a:cs typeface="+mj-cs"/>
+              </a:defRPr>
+            </a:lvl1pPr>
+          </a:lstStyle>
+          <a:p>
+            <a:pPr marL="457200" indent="-457200">
+              <a:buFont typeface="Arial" panose="020B0604020202020204" pitchFamily="34" charset="0"/>
+              <a:buChar char="•"/>
+            </a:pPr>
+            <a:r>
+              <a:rPr lang="pt-BR" sz="2000" b="1" dirty="0">
+                <a:solidFill>
+                  <a:schemeClr val="tx1"/>
+                </a:solidFill>
+                <a:latin typeface="Arial" panose="020B0604020202020204" pitchFamily="34" charset="0"/>
+                <a:cs typeface="Arial" panose="020B0604020202020204" pitchFamily="34" charset="0"/>
+              </a:rPr>
+              <a:t>4.	</a:t>
+            </a:r>
+            <a:r>
+              <a:rPr lang="pt-BR" sz="2000" b="1" dirty="0">
+                <a:solidFill>
+                  <a:prstClr val="black"/>
+                </a:solidFill>
+                <a:latin typeface="Arial" panose="020B0604020202020204" pitchFamily="34" charset="0"/>
+                <a:cs typeface="Arial" panose="020B0604020202020204" pitchFamily="34" charset="0"/>
+              </a:rPr>
+              <a:t>RESULTADOS E CONCLUSÃO</a:t>
+            </a:r>
+            <a:br>
+              <a:rPr lang="pt-BR" sz="2000" b="1" dirty="0">
+                <a:solidFill>
+                  <a:schemeClr val="tx1"/>
+                </a:solidFill>
+                <a:latin typeface="Arial" panose="020B0604020202020204" pitchFamily="34" charset="0"/>
+                <a:cs typeface="Arial" panose="020B0604020202020204" pitchFamily="34" charset="0"/>
+              </a:rPr>
+            </a:br>
+            <a:r>
+              <a:rPr lang="pt-BR" sz="2000" b="1" dirty="0">
+                <a:solidFill>
+                  <a:schemeClr val="tx1"/>
+                </a:solidFill>
+                <a:latin typeface="Arial" panose="020B0604020202020204" pitchFamily="34" charset="0"/>
+                <a:cs typeface="Arial" panose="020B0604020202020204" pitchFamily="34" charset="0"/>
+              </a:rPr>
+              <a:t>	</a:t>
+            </a:r>
+            <a:r>
+              <a:rPr lang="pt-BR" sz="1600" b="1" dirty="0">
+                <a:solidFill>
+                  <a:schemeClr val="tx1"/>
+                </a:solidFill>
+                <a:latin typeface="Arial" panose="020B0604020202020204" pitchFamily="34" charset="0"/>
+                <a:cs typeface="Arial" panose="020B0604020202020204" pitchFamily="34" charset="0"/>
+              </a:rPr>
+              <a:t>4.2. Resultados</a:t>
+            </a:r>
+            <a:endParaRPr lang="pt-BR" sz="2000" b="1" dirty="0">
+              <a:solidFill>
+                <a:schemeClr val="tx1"/>
+              </a:solidFill>
+              <a:latin typeface="Arial" panose="020B0604020202020204" pitchFamily="34" charset="0"/>
+              <a:cs typeface="Arial" panose="020B0604020202020204" pitchFamily="34" charset="0"/>
+            </a:endParaRPr>
+          </a:p>
+        </p:txBody>
+      </p:sp>
+    </p:spTree>
+    <p:extLst>
+      <p:ext uri="{BB962C8B-B14F-4D97-AF65-F5344CB8AC3E}">
+        <p14:creationId xmlns:p14="http://schemas.microsoft.com/office/powerpoint/2010/main" val="654989789"/>
+      </p:ext>
+    </p:extLst>
+  </p:cSld>
+  <p:clrMapOvr>
+    <a:masterClrMapping/>
+  </p:clrMapOvr>
+</p:sld>
+</file>
+
+<file path=ppt/slides/slide11.xml><?xml version="1.0" encoding="utf-8"?>
+<p:sld xmlns:a="http://schemas.openxmlformats.org/drawingml/2006/main" xmlns:r="http://schemas.openxmlformats.org/officeDocument/2006/relationships" xmlns:p="http://schemas.openxmlformats.org/presentationml/2006/main">
+  <p:cSld>
+    <p:spTree>
+      <p:nvGrpSpPr>
+        <p:cNvPr id="1" name=""/>
+        <p:cNvGrpSpPr/>
+        <p:nvPr/>
+      </p:nvGrpSpPr>
+      <p:grpSpPr>
+        <a:xfrm>
+          <a:off x="0" y="0"/>
+          <a:ext cx="0" cy="0"/>
+          <a:chOff x="0" y="0"/>
+          <a:chExt cx="0" cy="0"/>
+        </a:xfrm>
+      </p:grpSpPr>
+      <p:sp>
+        <p:nvSpPr>
+          <p:cNvPr id="3" name="Espaço Reservado para Conteúdo 2">
+            <a:extLst>
+              <a:ext uri="{FF2B5EF4-FFF2-40B4-BE49-F238E27FC236}">
+                <a16:creationId xmlns:a16="http://schemas.microsoft.com/office/drawing/2014/main" id="{3AE310AD-524E-FFD2-D55C-D4F79985E4C7}"/>
+              </a:ext>
+            </a:extLst>
+          </p:cNvPr>
+          <p:cNvSpPr>
+            <a:spLocks noGrp="1"/>
+          </p:cNvSpPr>
+          <p:nvPr>
+            <p:ph idx="1"/>
+          </p:nvPr>
+        </p:nvSpPr>
+        <p:spPr/>
+        <p:txBody>
+          <a:bodyPr/>
+          <a:lstStyle/>
+          <a:p>
+            <a:endParaRPr lang="pt-BR" dirty="0"/>
+          </a:p>
+        </p:txBody>
+      </p:sp>
+      <p:sp>
+        <p:nvSpPr>
+          <p:cNvPr id="8" name="Título 19">
+            <a:extLst>
+              <a:ext uri="{FF2B5EF4-FFF2-40B4-BE49-F238E27FC236}">
+                <a16:creationId xmlns:a16="http://schemas.microsoft.com/office/drawing/2014/main" id="{8B6EAE50-108A-BE2B-13C2-068F38F9C6CC}"/>
+              </a:ext>
+            </a:extLst>
+          </p:cNvPr>
+          <p:cNvSpPr txBox="1">
+            <a:spLocks/>
+          </p:cNvSpPr>
+          <p:nvPr/>
+        </p:nvSpPr>
+        <p:spPr>
+          <a:xfrm>
+            <a:off x="1097280" y="626919"/>
+            <a:ext cx="10058400" cy="720197"/>
+          </a:xfrm>
+          <a:prstGeom prst="rect">
+            <a:avLst/>
+          </a:prstGeom>
+        </p:spPr>
+        <p:txBody>
+          <a:bodyPr vert="horz" lIns="91440" tIns="45720" rIns="91440" bIns="45720" rtlCol="0" anchor="b">
+            <a:normAutofit/>
+          </a:bodyPr>
+          <a:lstStyle>
+            <a:lvl1pPr marL="0" algn="l" defTabSz="914400" rtl="0" eaLnBrk="1" latinLnBrk="0" hangingPunct="1">
+              <a:lnSpc>
+                <a:spcPct val="85000"/>
+              </a:lnSpc>
+              <a:spcBef>
+                <a:spcPct val="0"/>
+              </a:spcBef>
+              <a:buNone/>
+              <a:defRPr sz="4800" kern="1200" spc="-50" baseline="0">
+                <a:solidFill>
+                  <a:schemeClr val="tx1">
+                    <a:lumMod val="75000"/>
+                    <a:lumOff val="25000"/>
+                  </a:schemeClr>
+                </a:solidFill>
+                <a:latin typeface="+mj-lt"/>
+                <a:ea typeface="+mj-ea"/>
+                <a:cs typeface="+mj-cs"/>
+              </a:defRPr>
+            </a:lvl1pPr>
+          </a:lstStyle>
+          <a:p>
+            <a:pPr marL="457200" indent="-457200">
+              <a:buFont typeface="Arial" panose="020B0604020202020204" pitchFamily="34" charset="0"/>
+              <a:buChar char="•"/>
+            </a:pPr>
+            <a:r>
+              <a:rPr lang="pt-BR" sz="2000" b="1" dirty="0">
+                <a:solidFill>
+                  <a:schemeClr val="tx1"/>
+                </a:solidFill>
+                <a:latin typeface="Arial" panose="020B0604020202020204" pitchFamily="34" charset="0"/>
+                <a:cs typeface="Arial" panose="020B0604020202020204" pitchFamily="34" charset="0"/>
+              </a:rPr>
+              <a:t>4.	</a:t>
+            </a:r>
+            <a:r>
+              <a:rPr lang="pt-BR" sz="2000" b="1" dirty="0">
+                <a:solidFill>
+                  <a:prstClr val="black"/>
+                </a:solidFill>
+                <a:latin typeface="Arial" panose="020B0604020202020204" pitchFamily="34" charset="0"/>
+                <a:cs typeface="Arial" panose="020B0604020202020204" pitchFamily="34" charset="0"/>
+              </a:rPr>
+              <a:t>RESULTADOS E CONCLUSÃO</a:t>
+            </a:r>
+            <a:br>
+              <a:rPr lang="pt-BR" sz="2000" b="1" dirty="0">
+                <a:solidFill>
+                  <a:schemeClr val="tx1"/>
+                </a:solidFill>
+                <a:latin typeface="Arial" panose="020B0604020202020204" pitchFamily="34" charset="0"/>
+                <a:cs typeface="Arial" panose="020B0604020202020204" pitchFamily="34" charset="0"/>
+              </a:rPr>
+            </a:br>
+            <a:r>
+              <a:rPr lang="pt-BR" sz="2000" b="1" dirty="0">
+                <a:solidFill>
+                  <a:schemeClr val="tx1"/>
+                </a:solidFill>
+                <a:latin typeface="Arial" panose="020B0604020202020204" pitchFamily="34" charset="0"/>
+                <a:cs typeface="Arial" panose="020B0604020202020204" pitchFamily="34" charset="0"/>
+              </a:rPr>
+              <a:t>	</a:t>
+            </a:r>
+            <a:r>
+              <a:rPr lang="pt-BR" sz="1600" b="1" dirty="0">
+                <a:solidFill>
+                  <a:schemeClr val="tx1"/>
+                </a:solidFill>
+                <a:latin typeface="Arial" panose="020B0604020202020204" pitchFamily="34" charset="0"/>
+                <a:cs typeface="Arial" panose="020B0604020202020204" pitchFamily="34" charset="0"/>
+              </a:rPr>
+              <a:t>4.3. Conclusão</a:t>
+            </a:r>
+            <a:endParaRPr lang="pt-BR" sz="2000" b="1" dirty="0">
+              <a:solidFill>
+                <a:schemeClr val="tx1"/>
+              </a:solidFill>
+              <a:latin typeface="Arial" panose="020B0604020202020204" pitchFamily="34" charset="0"/>
+              <a:cs typeface="Arial" panose="020B0604020202020204" pitchFamily="34" charset="0"/>
+            </a:endParaRPr>
+          </a:p>
+        </p:txBody>
+      </p:sp>
+    </p:spTree>
+    <p:extLst>
+      <p:ext uri="{BB962C8B-B14F-4D97-AF65-F5344CB8AC3E}">
+        <p14:creationId xmlns:p14="http://schemas.microsoft.com/office/powerpoint/2010/main" val="1790787106"/>
+      </p:ext>
+    </p:extLst>
+  </p:cSld>
+  <p:clrMapOvr>
+    <a:masterClrMapping/>
+  </p:clrMapOvr>
+</p:sld>
+</file>
+
+<file path=ppt/slides/slide12.xml><?xml version="1.0" encoding="utf-8"?>
+<p:sld xmlns:a="http://schemas.openxmlformats.org/drawingml/2006/main" xmlns:r="http://schemas.openxmlformats.org/officeDocument/2006/relationships" xmlns:p="http://schemas.openxmlformats.org/presentationml/2006/main">
+  <p:cSld>
+    <p:spTree>
+      <p:nvGrpSpPr>
+        <p:cNvPr id="1" name=""/>
+        <p:cNvGrpSpPr/>
+        <p:nvPr/>
+      </p:nvGrpSpPr>
+      <p:grpSpPr>
+        <a:xfrm>
+          <a:off x="0" y="0"/>
+          <a:ext cx="0" cy="0"/>
+          <a:chOff x="0" y="0"/>
+          <a:chExt cx="0" cy="0"/>
+        </a:xfrm>
+      </p:grpSpPr>
+      <p:sp>
+        <p:nvSpPr>
+          <p:cNvPr id="2" name="Título 1">
+            <a:extLst>
+              <a:ext uri="{FF2B5EF4-FFF2-40B4-BE49-F238E27FC236}">
+                <a16:creationId xmlns:a16="http://schemas.microsoft.com/office/drawing/2014/main" id="{8E82B1E4-8499-5F95-721F-90123F505BEF}"/>
+              </a:ext>
+            </a:extLst>
+          </p:cNvPr>
+          <p:cNvSpPr>
+            <a:spLocks noGrp="1"/>
+          </p:cNvSpPr>
+          <p:nvPr>
+            <p:ph type="title"/>
+          </p:nvPr>
+        </p:nvSpPr>
+        <p:spPr>
+          <a:xfrm>
+            <a:off x="1097280" y="740388"/>
+            <a:ext cx="10058400" cy="497035"/>
+          </a:xfrm>
+        </p:spPr>
+        <p:txBody>
+          <a:bodyPr>
+            <a:normAutofit/>
+          </a:bodyPr>
+          <a:lstStyle/>
+          <a:p>
+            <a:r>
+              <a:rPr lang="pt-BR" sz="2000" b="1" dirty="0">
+                <a:solidFill>
+                  <a:schemeClr val="tx1"/>
+                </a:solidFill>
+                <a:latin typeface="Arial" panose="020B0604020202020204" pitchFamily="34" charset="0"/>
+                <a:cs typeface="Arial" panose="020B0604020202020204" pitchFamily="34" charset="0"/>
+              </a:rPr>
+              <a:t>5.	REFERÊNCIAS</a:t>
+            </a:r>
+            <a:endParaRPr lang="pt-BR" sz="2000" dirty="0"/>
+          </a:p>
+        </p:txBody>
+      </p:sp>
+      <p:sp>
+        <p:nvSpPr>
+          <p:cNvPr id="3" name="Espaço Reservado para Conteúdo 2">
+            <a:extLst>
+              <a:ext uri="{FF2B5EF4-FFF2-40B4-BE49-F238E27FC236}">
+                <a16:creationId xmlns:a16="http://schemas.microsoft.com/office/drawing/2014/main" id="{5A850BBD-534B-DC79-F40A-87A0C4A3FAB7}"/>
+              </a:ext>
+            </a:extLst>
+          </p:cNvPr>
+          <p:cNvSpPr>
+            <a:spLocks noGrp="1"/>
+          </p:cNvSpPr>
+          <p:nvPr>
+            <p:ph idx="1"/>
+          </p:nvPr>
+        </p:nvSpPr>
+        <p:spPr/>
+        <p:txBody>
+          <a:bodyPr/>
+          <a:lstStyle/>
+          <a:p>
+            <a:endParaRPr lang="pt-BR" dirty="0"/>
+          </a:p>
+        </p:txBody>
+      </p:sp>
+      <p:sp>
+        <p:nvSpPr>
+          <p:cNvPr id="4" name="Espaço Reservado para Rodapé 3">
+            <a:extLst>
+              <a:ext uri="{FF2B5EF4-FFF2-40B4-BE49-F238E27FC236}">
+                <a16:creationId xmlns:a16="http://schemas.microsoft.com/office/drawing/2014/main" id="{711D9435-151F-99E9-B10D-4A4508DAC3FB}"/>
+              </a:ext>
+            </a:extLst>
+          </p:cNvPr>
+          <p:cNvSpPr>
+            <a:spLocks noGrp="1"/>
+          </p:cNvSpPr>
+          <p:nvPr>
+            <p:ph type="ftr" sz="quarter" idx="11"/>
+          </p:nvPr>
+        </p:nvSpPr>
+        <p:spPr>
+          <a:xfrm>
+            <a:off x="3684596" y="6455648"/>
+            <a:ext cx="4822804" cy="365125"/>
+          </a:xfrm>
+        </p:spPr>
+        <p:txBody>
+          <a:bodyPr/>
+          <a:lstStyle/>
+          <a:p>
+            <a:r>
+              <a:rPr lang="pt-BR" dirty="0"/>
+              <a:t>Aprendizado Profundo - 2023</a:t>
+            </a:r>
+          </a:p>
+        </p:txBody>
+      </p:sp>
+      <p:pic>
+        <p:nvPicPr>
+          <p:cNvPr id="5" name="Imagem 4" descr="Janela de vidro&#10;&#10;Descrição gerada automaticamente com confiança média">
+            <a:extLst>
+              <a:ext uri="{FF2B5EF4-FFF2-40B4-BE49-F238E27FC236}">
+                <a16:creationId xmlns:a16="http://schemas.microsoft.com/office/drawing/2014/main" id="{74B8D4E2-F312-61C7-0799-A47DE8326793}"/>
+              </a:ext>
+            </a:extLst>
+          </p:cNvPr>
+          <p:cNvPicPr>
+            <a:picLocks noChangeAspect="1"/>
+          </p:cNvPicPr>
+          <p:nvPr/>
+        </p:nvPicPr>
+        <p:blipFill>
+          <a:blip r:embed="rId2" cstate="print">
+            <a:extLst>
+              <a:ext uri="{28A0092B-C50C-407E-A947-70E740481C1C}">
+                <a14:useLocalDpi xmlns:a14="http://schemas.microsoft.com/office/drawing/2010/main" val="0"/>
+              </a:ext>
+            </a:extLst>
+          </a:blip>
+          <a:stretch>
+            <a:fillRect/>
+          </a:stretch>
+        </p:blipFill>
+        <p:spPr>
+          <a:xfrm>
+            <a:off x="118159" y="6470866"/>
+            <a:ext cx="373152" cy="332105"/>
+          </a:xfrm>
+          <a:prstGeom prst="rect">
+            <a:avLst/>
+          </a:prstGeom>
+        </p:spPr>
+      </p:pic>
+    </p:spTree>
+    <p:extLst>
+      <p:ext uri="{BB962C8B-B14F-4D97-AF65-F5344CB8AC3E}">
+        <p14:creationId xmlns:p14="http://schemas.microsoft.com/office/powerpoint/2010/main" val="4147454901"/>
+      </p:ext>
+    </p:extLst>
+  </p:cSld>
+  <p:clrMapOvr>
+    <a:masterClrMapping/>
+  </p:clrMapOvr>
+</p:sld>
+</file>
+
 <file path=ppt/slides/slide2.xml><?xml version="1.0" encoding="utf-8"?>
 <p:sld xmlns:a="http://schemas.openxmlformats.org/drawingml/2006/main" xmlns:r="http://schemas.openxmlformats.org/officeDocument/2006/relationships" xmlns:p="http://schemas.openxmlformats.org/presentationml/2006/main">
   <p:cSld>
@@ -4647,7 +6558,7 @@
         </p:nvSpPr>
         <p:spPr>
           <a:xfrm>
-            <a:off x="1260439" y="1948788"/>
+            <a:off x="1260439" y="1898112"/>
             <a:ext cx="4848314" cy="830997"/>
           </a:xfrm>
           <a:prstGeom prst="rect">
@@ -4720,7 +6631,7 @@
                 <a:latin typeface="Arial" panose="020B0604020202020204" pitchFamily="34" charset="0"/>
                 <a:cs typeface="Arial" panose="020B0604020202020204" pitchFamily="34" charset="0"/>
               </a:rPr>
-              <a:t>	1.1 OBJETIVOS</a:t>
+              <a:t>	1.1. OBJETIVOS</a:t>
             </a:r>
             <a:endParaRPr kumimoji="0" lang="pt-BR" sz="1600" b="1" i="0" u="none" strike="noStrike" kern="1200" cap="none" spc="0" normalizeH="0" baseline="0" noProof="0" dirty="0">
               <a:ln>
@@ -4770,7 +6681,7 @@
                 <a:ea typeface="+mn-ea"/>
                 <a:cs typeface="Arial" panose="020B0604020202020204" pitchFamily="34" charset="0"/>
               </a:rPr>
-              <a:t>1.1 PRÉ-PROCESSAMENTO</a:t>
+              <a:t>1.2. PRÉ-PROCESSAMENTO</a:t>
             </a:r>
           </a:p>
         </p:txBody>
@@ -4789,8 +6700,8 @@
         </p:nvSpPr>
         <p:spPr>
           <a:xfrm>
-            <a:off x="1260426" y="4157810"/>
-            <a:ext cx="6815261" cy="830997"/>
+            <a:off x="1260424" y="4239657"/>
+            <a:ext cx="6815261" cy="338554"/>
           </a:xfrm>
           <a:prstGeom prst="rect">
             <a:avLst/>
@@ -4828,7 +6739,65 @@
                 <a:latin typeface="Arial" panose="020B0604020202020204" pitchFamily="34" charset="0"/>
                 <a:cs typeface="Arial" panose="020B0604020202020204" pitchFamily="34" charset="0"/>
               </a:rPr>
-              <a:t>REGULARIZAÇÃO PARA CONJUNTOS DE TEXTO LIMITADOS</a:t>
+              <a:t>REGULARIZAÇÃO PARA CONJUNTOS DE DADOS LIMITADOS</a:t>
+            </a:r>
+          </a:p>
+        </p:txBody>
+      </p:sp>
+      <p:sp>
+        <p:nvSpPr>
+          <p:cNvPr id="14" name="CaixaDeTexto 13">
+            <a:extLst>
+              <a:ext uri="{FF2B5EF4-FFF2-40B4-BE49-F238E27FC236}">
+                <a16:creationId xmlns:a16="http://schemas.microsoft.com/office/drawing/2014/main" id="{0F4E52A4-742B-A94D-4D57-DA7BF22B1D3A}"/>
+              </a:ext>
+            </a:extLst>
+          </p:cNvPr>
+          <p:cNvSpPr txBox="1"/>
+          <p:nvPr/>
+        </p:nvSpPr>
+        <p:spPr>
+          <a:xfrm>
+            <a:off x="1260424" y="4765321"/>
+            <a:ext cx="5110385" cy="1077218"/>
+          </a:xfrm>
+          <a:prstGeom prst="rect">
+            <a:avLst/>
+          </a:prstGeom>
+          <a:noFill/>
+        </p:spPr>
+        <p:txBody>
+          <a:bodyPr wrap="square" rtlCol="0">
+            <a:spAutoFit/>
+          </a:bodyPr>
+          <a:lstStyle/>
+          <a:p>
+            <a:pPr marL="342900" marR="0" lvl="0" indent="-342900" algn="l" defTabSz="457200" rtl="0" eaLnBrk="1" fontAlgn="auto" latinLnBrk="0" hangingPunct="1">
+              <a:lnSpc>
+                <a:spcPct val="100000"/>
+              </a:lnSpc>
+              <a:spcBef>
+                <a:spcPts val="0"/>
+              </a:spcBef>
+              <a:spcAft>
+                <a:spcPts val="0"/>
+              </a:spcAft>
+              <a:buClrTx/>
+              <a:buSzTx/>
+              <a:buFontTx/>
+              <a:buAutoNum type="arabicPeriod" startAt="4"/>
+              <a:tabLst/>
+              <a:defRPr/>
+            </a:pPr>
+            <a:r>
+              <a:rPr lang="pt-BR" sz="1600" b="1" dirty="0">
+                <a:solidFill>
+                  <a:prstClr val="black"/>
+                </a:solidFill>
+                <a:latin typeface="Arial" panose="020B0604020202020204" pitchFamily="34" charset="0"/>
+                <a:cs typeface="Arial" panose="020B0604020202020204" pitchFamily="34" charset="0"/>
+              </a:rPr>
+              <a:t>RESULTADOS E CONCLUSÃO</a:t>
             </a:r>
           </a:p>
           <a:p>
@@ -4848,6 +6817,23 @@
               <a:defRPr/>
             </a:pPr>
             <a:r>
+              <a:rPr kumimoji="0" lang="pt-BR" sz="1600" b="1" i="0" u="none" strike="noStrike" kern="1200" cap="none" spc="0" normalizeH="0" baseline="0" noProof="0" dirty="0">
+                <a:ln>
+                  <a:noFill/>
+                </a:ln>
+                <a:solidFill>
+                  <a:prstClr val="black"/>
+                </a:solidFill>
+                <a:effectLst/>
+                <a:uLnTx/>
+                <a:uFillTx/>
+                <a:latin typeface="Arial" panose="020B0604020202020204" pitchFamily="34" charset="0"/>
+                <a:ea typeface="+mn-ea"/>
+                <a:cs typeface="Arial" panose="020B0604020202020204" pitchFamily="34" charset="0"/>
+              </a:rPr>
+              <a:t>	</a:t>
+            </a:r>
+            <a:r>
               <a:rPr lang="pt-BR" sz="1600" b="1" dirty="0">
                 <a:solidFill>
                   <a:prstClr val="black"/>
@@ -4855,7 +6841,7 @@
                 <a:latin typeface="Arial" panose="020B0604020202020204" pitchFamily="34" charset="0"/>
                 <a:cs typeface="Arial" panose="020B0604020202020204" pitchFamily="34" charset="0"/>
               </a:rPr>
-              <a:t>	3.1. Random Deletion</a:t>
+              <a:t>4.1. Conjuntos de Dados</a:t>
             </a:r>
           </a:p>
           <a:p>
@@ -4889,7 +6875,7 @@
                 <a:ea typeface="+mn-ea"/>
                 <a:cs typeface="Arial" panose="020B0604020202020204" pitchFamily="34" charset="0"/>
               </a:rPr>
-              <a:t>	3.2. </a:t>
+              <a:t>	4.</a:t>
             </a:r>
             <a:r>
               <a:rPr lang="pt-BR" sz="1600" b="1" dirty="0">
@@ -4899,7 +6885,75 @@
                 <a:latin typeface="Arial" panose="020B0604020202020204" pitchFamily="34" charset="0"/>
                 <a:cs typeface="Arial" panose="020B0604020202020204" pitchFamily="34" charset="0"/>
               </a:rPr>
-              <a:t>Back Translation</a:t>
+              <a:t>2</a:t>
+            </a:r>
+            <a:r>
+              <a:rPr kumimoji="0" lang="pt-BR" sz="1600" b="1" i="0" u="none" strike="noStrike" kern="1200" cap="none" spc="0" normalizeH="0" baseline="0" noProof="0" dirty="0">
+                <a:ln>
+                  <a:noFill/>
+                </a:ln>
+                <a:solidFill>
+                  <a:prstClr val="black"/>
+                </a:solidFill>
+                <a:effectLst/>
+                <a:uLnTx/>
+                <a:uFillTx/>
+                <a:latin typeface="Arial" panose="020B0604020202020204" pitchFamily="34" charset="0"/>
+                <a:ea typeface="+mn-ea"/>
+                <a:cs typeface="Arial" panose="020B0604020202020204" pitchFamily="34" charset="0"/>
+              </a:rPr>
+              <a:t>. Resultados</a:t>
+            </a:r>
+            <a:endParaRPr lang="pt-BR" sz="1600" b="1" dirty="0">
+              <a:solidFill>
+                <a:prstClr val="black"/>
+              </a:solidFill>
+              <a:latin typeface="Arial" panose="020B0604020202020204" pitchFamily="34" charset="0"/>
+              <a:cs typeface="Arial" panose="020B0604020202020204" pitchFamily="34" charset="0"/>
+            </a:endParaRPr>
+          </a:p>
+          <a:p>
+            <a:pPr marR="0" lvl="0" algn="l" defTabSz="457200" rtl="0" eaLnBrk="1" fontAlgn="auto" latinLnBrk="0" hangingPunct="1">
+              <a:lnSpc>
+                <a:spcPct val="100000"/>
+              </a:lnSpc>
+              <a:spcBef>
+                <a:spcPts val="0"/>
+              </a:spcBef>
+              <a:spcAft>
+                <a:spcPts val="0"/>
+              </a:spcAft>
+              <a:buClrTx/>
+              <a:buSzTx/>
+              <a:tabLst/>
+              <a:defRPr/>
+            </a:pPr>
+            <a:r>
+              <a:rPr kumimoji="0" lang="pt-BR" sz="1600" b="1" i="0" u="none" strike="noStrike" kern="1200" cap="none" spc="0" normalizeH="0" baseline="0" noProof="0" dirty="0">
+                <a:ln>
+                  <a:noFill/>
+                </a:ln>
+                <a:solidFill>
+                  <a:prstClr val="black"/>
+                </a:solidFill>
+                <a:effectLst/>
+                <a:uLnTx/>
+                <a:uFillTx/>
+                <a:latin typeface="Arial" panose="020B0604020202020204" pitchFamily="34" charset="0"/>
+                <a:ea typeface="+mn-ea"/>
+                <a:cs typeface="Arial" panose="020B0604020202020204" pitchFamily="34" charset="0"/>
+              </a:rPr>
+              <a:t>	4.3</a:t>
+            </a:r>
+            <a:r>
+              <a:rPr lang="pt-BR" sz="1600" b="1" dirty="0">
+                <a:solidFill>
+                  <a:prstClr val="black"/>
+                </a:solidFill>
+                <a:latin typeface="Arial" panose="020B0604020202020204" pitchFamily="34" charset="0"/>
+                <a:cs typeface="Arial" panose="020B0604020202020204" pitchFamily="34" charset="0"/>
+              </a:rPr>
+              <a:t>. Conclusão</a:t>
             </a:r>
             <a:endParaRPr kumimoji="0" lang="pt-BR" sz="1600" b="1" i="0" u="none" strike="noStrike" kern="1200" cap="none" spc="0" normalizeH="0" baseline="0" noProof="0" dirty="0">
               <a:ln>
@@ -4920,105 +6974,6 @@
       </p:sp>
       <p:sp>
         <p:nvSpPr>
-          <p:cNvPr id="14" name="CaixaDeTexto 13">
-            <a:extLst>
-              <a:ext uri="{FF2B5EF4-FFF2-40B4-BE49-F238E27FC236}">
-                <a16:creationId xmlns:a16="http://schemas.microsoft.com/office/drawing/2014/main" id="{0F4E52A4-742B-A94D-4D57-DA7BF22B1D3A}"/>
-              </a:ext>
-            </a:extLst>
-          </p:cNvPr>
-          <p:cNvSpPr txBox="1"/>
-          <p:nvPr/>
-        </p:nvSpPr>
-        <p:spPr>
-          <a:xfrm>
-            <a:off x="1260426" y="5245549"/>
-            <a:ext cx="5110385" cy="338554"/>
-          </a:xfrm>
-          <a:prstGeom prst="rect">
-            <a:avLst/>
-          </a:prstGeom>
-          <a:noFill/>
-        </p:spPr>
-        <p:txBody>
-          <a:bodyPr wrap="square" rtlCol="0">
-            <a:spAutoFit/>
-          </a:bodyPr>
-          <a:lstStyle/>
-          <a:p>
-            <a:pPr marL="0" marR="0" lvl="0" indent="0" algn="l" defTabSz="457200" rtl="0" eaLnBrk="1" fontAlgn="auto" latinLnBrk="0" hangingPunct="1">
-              <a:lnSpc>
-                <a:spcPct val="100000"/>
-              </a:lnSpc>
-              <a:spcBef>
-                <a:spcPts val="0"/>
-              </a:spcBef>
-              <a:spcAft>
-                <a:spcPts val="0"/>
-              </a:spcAft>
-              <a:buClrTx/>
-              <a:buSzTx/>
-              <a:buFontTx/>
-              <a:buNone/>
-              <a:tabLst/>
-              <a:defRPr/>
-            </a:pPr>
-            <a:r>
-              <a:rPr lang="pt-BR" sz="1600" b="1" dirty="0">
-                <a:solidFill>
-                  <a:prstClr val="black"/>
-                </a:solidFill>
-                <a:latin typeface="Arial" panose="020B0604020202020204" pitchFamily="34" charset="0"/>
-                <a:cs typeface="Arial" panose="020B0604020202020204" pitchFamily="34" charset="0"/>
-              </a:rPr>
-              <a:t>4</a:t>
-            </a:r>
-            <a:r>
-              <a:rPr kumimoji="0" lang="pt-BR" sz="1600" b="1" i="0" u="none" strike="noStrike" kern="1200" cap="none" spc="0" normalizeH="0" baseline="0" noProof="0" dirty="0">
-                <a:ln>
-                  <a:noFill/>
-                </a:ln>
-                <a:solidFill>
-                  <a:prstClr val="black"/>
-                </a:solidFill>
-                <a:effectLst/>
-                <a:uLnTx/>
-                <a:uFillTx/>
-                <a:latin typeface="Arial" panose="020B0604020202020204" pitchFamily="34" charset="0"/>
-                <a:ea typeface="+mn-ea"/>
-                <a:cs typeface="Arial" panose="020B0604020202020204" pitchFamily="34" charset="0"/>
-              </a:rPr>
-              <a:t>.	</a:t>
-            </a:r>
-            <a:r>
-              <a:rPr lang="pt-BR" sz="1600" b="1" dirty="0">
-                <a:solidFill>
-                  <a:prstClr val="black"/>
-                </a:solidFill>
-                <a:latin typeface="Arial" panose="020B0604020202020204" pitchFamily="34" charset="0"/>
-                <a:cs typeface="Arial" panose="020B0604020202020204" pitchFamily="34" charset="0"/>
-              </a:rPr>
-              <a:t>APLICAÇÃO E RESULTADOS</a:t>
-            </a:r>
-            <a:endParaRPr kumimoji="0" lang="pt-BR" sz="1600" b="1" i="0" u="none" strike="noStrike" kern="1200" cap="none" spc="0" normalizeH="0" baseline="0" noProof="0" dirty="0">
-              <a:ln>
-                <a:noFill/>
-              </a:ln>
-              <a:solidFill>
-                <a:prstClr val="black"/>
-              </a:solidFill>
-              <a:effectLst/>
-              <a:uLnTx/>
-              <a:uFillTx/>
-              <a:latin typeface="Arial" panose="020B0604020202020204" pitchFamily="34" charset="0"/>
-              <a:ea typeface="+mn-ea"/>
-              <a:cs typeface="Arial" panose="020B0604020202020204" pitchFamily="34" charset="0"/>
-            </a:endParaRPr>
-          </a:p>
-        </p:txBody>
-      </p:sp>
-      <p:sp>
-        <p:nvSpPr>
           <p:cNvPr id="7" name="CaixaDeTexto 6">
             <a:extLst>
               <a:ext uri="{FF2B5EF4-FFF2-40B4-BE49-F238E27FC236}">
@@ -5031,8 +6986,8 @@
         </p:nvSpPr>
         <p:spPr>
           <a:xfrm>
-            <a:off x="1260430" y="2828804"/>
-            <a:ext cx="5110385" cy="1077218"/>
+            <a:off x="1260424" y="2729109"/>
+            <a:ext cx="5110385" cy="1323439"/>
           </a:xfrm>
           <a:prstGeom prst="rect">
             <a:avLst/>
@@ -5200,20 +7155,6 @@
               </a:rPr>
               <a:t>LSTM</a:t>
             </a:r>
-            <a:endParaRPr kumimoji="0" lang="pt-BR" sz="1600" b="1" i="0" u="none" strike="noStrike" kern="1200" cap="none" spc="0" normalizeH="0" baseline="0" noProof="0" dirty="0">
-              <a:ln>
-                <a:noFill/>
-              </a:ln>
-              <a:solidFill>
-                <a:prstClr val="black"/>
-              </a:solidFill>
-              <a:effectLst/>
-              <a:uLnTx/>
-              <a:uFillTx/>
-              <a:latin typeface="Arial" panose="020B0604020202020204" pitchFamily="34" charset="0"/>
-              <a:ea typeface="+mn-ea"/>
-              <a:cs typeface="Arial" panose="020B0604020202020204" pitchFamily="34" charset="0"/>
-            </a:endParaRPr>
           </a:p>
           <a:p>
             <a:pPr marL="0" marR="0" lvl="0" indent="0" algn="l" defTabSz="457200" rtl="0" eaLnBrk="1" fontAlgn="auto" latinLnBrk="0" hangingPunct="1">
@@ -5234,57 +7175,23 @@
               <a:defRPr/>
             </a:pPr>
             <a:r>
-              <a:rPr lang="pt-BR" dirty="0">
+              <a:rPr kumimoji="0" lang="pt-BR" sz="1600" b="1" i="0" u="none" strike="noStrike" kern="1200" cap="none" spc="0" normalizeH="0" baseline="0" noProof="0" dirty="0">
+                <a:ln>
+                  <a:noFill/>
+                </a:ln>
                 <a:solidFill>
                   <a:prstClr val="black"/>
                 </a:solidFill>
+                <a:effectLst/>
+                <a:uLnTx/>
+                <a:uFillTx/>
+                <a:latin typeface="Arial" panose="020B0604020202020204" pitchFamily="34" charset="0"/>
+                <a:ea typeface="+mn-ea"/>
+                <a:cs typeface="Arial" panose="020B0604020202020204" pitchFamily="34" charset="0"/>
               </a:rPr>
-              <a:t>	2.3. TRANSFORMERS</a:t>
-            </a:r>
-            <a:endParaRPr kumimoji="0" lang="pt-BR" sz="1600" b="1" i="0" u="none" strike="noStrike" kern="1200" cap="none" spc="0" normalizeH="0" baseline="0" noProof="0" dirty="0">
-              <a:ln>
-                <a:noFill/>
-              </a:ln>
-              <a:solidFill>
-                <a:prstClr val="black"/>
-              </a:solidFill>
-              <a:effectLst/>
-              <a:uLnTx/>
-              <a:uFillTx/>
-              <a:latin typeface="Arial" panose="020B0604020202020204" pitchFamily="34" charset="0"/>
-              <a:ea typeface="+mn-ea"/>
-              <a:cs typeface="Arial" panose="020B0604020202020204" pitchFamily="34" charset="0"/>
-            </a:endParaRPr>
-          </a:p>
-        </p:txBody>
-      </p:sp>
-      <p:sp>
-        <p:nvSpPr>
-          <p:cNvPr id="8" name="CaixaDeTexto 7">
-            <a:extLst>
-              <a:ext uri="{FF2B5EF4-FFF2-40B4-BE49-F238E27FC236}">
-                <a16:creationId xmlns:a16="http://schemas.microsoft.com/office/drawing/2014/main" id="{94F1279E-CFBC-EE9C-F5D2-500606FB6846}"/>
-              </a:ext>
-            </a:extLst>
-          </p:cNvPr>
-          <p:cNvSpPr txBox="1"/>
-          <p:nvPr/>
-        </p:nvSpPr>
-        <p:spPr>
-          <a:xfrm>
-            <a:off x="1260426" y="5820358"/>
-            <a:ext cx="5110385" cy="338554"/>
-          </a:xfrm>
-          <a:prstGeom prst="rect">
-            <a:avLst/>
-          </a:prstGeom>
-          <a:noFill/>
-        </p:spPr>
-        <p:txBody>
-          <a:bodyPr wrap="square" rtlCol="0">
-            <a:spAutoFit/>
-          </a:bodyPr>
-          <a:lstStyle/>
+              <a:t>	2.3. GRU</a:t>
+            </a:r>
+          </a:p>
           <a:p>
             <a:pPr marL="0" marR="0" lvl="0" indent="0" algn="l" defTabSz="457200" rtl="0" eaLnBrk="1" fontAlgn="auto" latinLnBrk="0" hangingPunct="1">
               <a:lnSpc>
@@ -5304,6 +7211,76 @@
               <a:defRPr/>
             </a:pPr>
             <a:r>
+              <a:rPr lang="pt-BR" dirty="0">
+                <a:solidFill>
+                  <a:prstClr val="black"/>
+                </a:solidFill>
+              </a:rPr>
+              <a:t>	2.4. TRANSFORMERS</a:t>
+            </a:r>
+            <a:endParaRPr kumimoji="0" lang="pt-BR" sz="1600" b="1" i="0" u="none" strike="noStrike" kern="1200" cap="none" spc="0" normalizeH="0" baseline="0" noProof="0" dirty="0">
+              <a:ln>
+                <a:noFill/>
+              </a:ln>
+              <a:solidFill>
+                <a:prstClr val="black"/>
+              </a:solidFill>
+              <a:effectLst/>
+              <a:uLnTx/>
+              <a:uFillTx/>
+              <a:latin typeface="Arial" panose="020B0604020202020204" pitchFamily="34" charset="0"/>
+              <a:ea typeface="+mn-ea"/>
+              <a:cs typeface="Arial" panose="020B0604020202020204" pitchFamily="34" charset="0"/>
+            </a:endParaRPr>
+          </a:p>
+        </p:txBody>
+      </p:sp>
+      <p:sp>
+        <p:nvSpPr>
+          <p:cNvPr id="8" name="CaixaDeTexto 7">
+            <a:extLst>
+              <a:ext uri="{FF2B5EF4-FFF2-40B4-BE49-F238E27FC236}">
+                <a16:creationId xmlns:a16="http://schemas.microsoft.com/office/drawing/2014/main" id="{94F1279E-CFBC-EE9C-F5D2-500606FB6846}"/>
+              </a:ext>
+            </a:extLst>
+          </p:cNvPr>
+          <p:cNvSpPr txBox="1"/>
+          <p:nvPr/>
+        </p:nvSpPr>
+        <p:spPr>
+          <a:xfrm>
+            <a:off x="1260424" y="5842539"/>
+            <a:ext cx="5110385" cy="338554"/>
+          </a:xfrm>
+          <a:prstGeom prst="rect">
+            <a:avLst/>
+          </a:prstGeom>
+          <a:noFill/>
+        </p:spPr>
+        <p:txBody>
+          <a:bodyPr wrap="square" rtlCol="0">
+            <a:spAutoFit/>
+          </a:bodyPr>
+          <a:lstStyle/>
+          <a:p>
+            <a:pPr marL="0" marR="0" lvl="0" indent="0" algn="l" defTabSz="457200" rtl="0" eaLnBrk="1" fontAlgn="auto" latinLnBrk="0" hangingPunct="1">
+              <a:lnSpc>
+                <a:spcPct val="100000"/>
+              </a:lnSpc>
+              <a:spcBef>
+                <a:spcPts val="0"/>
+              </a:spcBef>
+              <a:spcAft>
+                <a:spcPts val="0"/>
+              </a:spcAft>
+              <a:buClrTx/>
+              <a:buSzTx/>
+              <a:buFontTx/>
+              <a:buNone/>
+              <a:tabLst/>
+              <a:defRPr/>
+            </a:pPr>
+            <a:r>
               <a:rPr lang="pt-BR" sz="1600" b="1" dirty="0">
                 <a:solidFill>
                   <a:prstClr val="black"/>
@@ -5370,6 +7347,3756 @@
     <p:extLst>
       <p:ext uri="{BB962C8B-B14F-4D97-AF65-F5344CB8AC3E}">
         <p14:creationId xmlns:p14="http://schemas.microsoft.com/office/powerpoint/2010/main" val="2536260634"/>
+      </p:ext>
+    </p:extLst>
+  </p:cSld>
+  <p:clrMapOvr>
+    <a:masterClrMapping/>
+  </p:clrMapOvr>
+</p:sld>
+</file>
+
+<file path=ppt/slides/slide3.xml><?xml version="1.0" encoding="utf-8"?>
+<p:sld xmlns:a="http://schemas.openxmlformats.org/drawingml/2006/main" xmlns:r="http://schemas.openxmlformats.org/officeDocument/2006/relationships" xmlns:p="http://schemas.openxmlformats.org/presentationml/2006/main">
+  <p:cSld>
+    <p:spTree>
+      <p:nvGrpSpPr>
+        <p:cNvPr id="1" name=""/>
+        <p:cNvGrpSpPr/>
+        <p:nvPr/>
+      </p:nvGrpSpPr>
+      <p:grpSpPr>
+        <a:xfrm>
+          <a:off x="0" y="0"/>
+          <a:ext cx="0" cy="0"/>
+          <a:chOff x="0" y="0"/>
+          <a:chExt cx="0" cy="0"/>
+        </a:xfrm>
+      </p:grpSpPr>
+      <p:sp>
+        <p:nvSpPr>
+          <p:cNvPr id="2" name="Título 1">
+            <a:extLst>
+              <a:ext uri="{FF2B5EF4-FFF2-40B4-BE49-F238E27FC236}">
+                <a16:creationId xmlns:a16="http://schemas.microsoft.com/office/drawing/2014/main" id="{EE1183D1-34E8-E552-59AB-8561D2D96AB7}"/>
+              </a:ext>
+            </a:extLst>
+          </p:cNvPr>
+          <p:cNvSpPr>
+            <a:spLocks noGrp="1"/>
+          </p:cNvSpPr>
+          <p:nvPr>
+            <p:ph type="title"/>
+          </p:nvPr>
+        </p:nvSpPr>
+        <p:spPr>
+          <a:xfrm>
+            <a:off x="1097280" y="526366"/>
+            <a:ext cx="10058400" cy="925079"/>
+          </a:xfrm>
+        </p:spPr>
+        <p:txBody>
+          <a:bodyPr vert="horz" lIns="91440" tIns="45720" rIns="91440" bIns="45720" rtlCol="0" anchor="b">
+            <a:normAutofit/>
+          </a:bodyPr>
+          <a:lstStyle/>
+          <a:p>
+            <a:pPr marL="457200" indent="-457200">
+              <a:buFont typeface="Arial" panose="020B0604020202020204" pitchFamily="34" charset="0"/>
+              <a:buChar char="•"/>
+            </a:pPr>
+            <a:r>
+              <a:rPr lang="pt-BR" sz="2400" b="1" dirty="0">
+                <a:solidFill>
+                  <a:schemeClr val="tx1"/>
+                </a:solidFill>
+                <a:latin typeface="Arial" panose="020B0604020202020204" pitchFamily="34" charset="0"/>
+                <a:cs typeface="Arial" panose="020B0604020202020204" pitchFamily="34" charset="0"/>
+              </a:rPr>
+              <a:t>1. INTRODUÇÃO</a:t>
+            </a:r>
+            <a:br>
+              <a:rPr lang="pt-BR" sz="2400" b="1" dirty="0">
+                <a:solidFill>
+                  <a:schemeClr val="tx1"/>
+                </a:solidFill>
+                <a:latin typeface="Arial" panose="020B0604020202020204" pitchFamily="34" charset="0"/>
+                <a:cs typeface="Arial" panose="020B0604020202020204" pitchFamily="34" charset="0"/>
+              </a:rPr>
+            </a:br>
+            <a:r>
+              <a:rPr lang="pt-BR" sz="2400" b="1" dirty="0">
+                <a:solidFill>
+                  <a:schemeClr val="tx1"/>
+                </a:solidFill>
+                <a:latin typeface="Arial" panose="020B0604020202020204" pitchFamily="34" charset="0"/>
+                <a:cs typeface="Arial" panose="020B0604020202020204" pitchFamily="34" charset="0"/>
+              </a:rPr>
+              <a:t>	</a:t>
+            </a:r>
+            <a:r>
+              <a:rPr lang="pt-BR" sz="1800" b="1" dirty="0">
+                <a:solidFill>
+                  <a:schemeClr val="tx1"/>
+                </a:solidFill>
+                <a:latin typeface="Arial" panose="020B0604020202020204" pitchFamily="34" charset="0"/>
+                <a:cs typeface="Arial" panose="020B0604020202020204" pitchFamily="34" charset="0"/>
+              </a:rPr>
+              <a:t>1.1. OBJETIVO</a:t>
+            </a:r>
+            <a:endParaRPr lang="pt-BR" sz="2400" b="1" dirty="0">
+              <a:solidFill>
+                <a:schemeClr val="tx1"/>
+              </a:solidFill>
+              <a:latin typeface="Arial" panose="020B0604020202020204" pitchFamily="34" charset="0"/>
+              <a:cs typeface="Arial" panose="020B0604020202020204" pitchFamily="34" charset="0"/>
+            </a:endParaRPr>
+          </a:p>
+        </p:txBody>
+      </p:sp>
+      <p:sp>
+        <p:nvSpPr>
+          <p:cNvPr id="3" name="Espaço Reservado para Conteúdo 2">
+            <a:extLst>
+              <a:ext uri="{FF2B5EF4-FFF2-40B4-BE49-F238E27FC236}">
+                <a16:creationId xmlns:a16="http://schemas.microsoft.com/office/drawing/2014/main" id="{7A62B0BC-AA1F-5365-D782-767020610AC3}"/>
+              </a:ext>
+            </a:extLst>
+          </p:cNvPr>
+          <p:cNvSpPr>
+            <a:spLocks noGrp="1"/>
+          </p:cNvSpPr>
+          <p:nvPr>
+            <p:ph idx="1"/>
+          </p:nvPr>
+        </p:nvSpPr>
+        <p:spPr>
+          <a:xfrm>
+            <a:off x="1097280" y="2630107"/>
+            <a:ext cx="10058400" cy="1323439"/>
+          </a:xfrm>
+          <a:noFill/>
+        </p:spPr>
+        <p:txBody>
+          <a:bodyPr wrap="square" rtlCol="0">
+            <a:spAutoFit/>
+          </a:bodyPr>
+          <a:lstStyle/>
+          <a:p>
+            <a:pPr marL="0" indent="0" defTabSz="457200">
+              <a:lnSpc>
+                <a:spcPct val="100000"/>
+              </a:lnSpc>
+              <a:spcBef>
+                <a:spcPts val="0"/>
+              </a:spcBef>
+              <a:spcAft>
+                <a:spcPts val="0"/>
+              </a:spcAft>
+              <a:buClrTx/>
+              <a:buSzTx/>
+              <a:buNone/>
+            </a:pPr>
+            <a:r>
+              <a:rPr lang="pt-BR" sz="1600" b="1" dirty="0">
+                <a:solidFill>
+                  <a:prstClr val="black"/>
+                </a:solidFill>
+                <a:latin typeface="Arial" panose="020B0604020202020204" pitchFamily="34" charset="0"/>
+                <a:cs typeface="Arial" panose="020B0604020202020204" pitchFamily="34" charset="0"/>
+              </a:rPr>
+              <a:t>DEEP LEARNING APLICAÇÕES</a:t>
+            </a:r>
+          </a:p>
+          <a:p>
+            <a:pPr marL="0" indent="0" defTabSz="457200">
+              <a:lnSpc>
+                <a:spcPct val="100000"/>
+              </a:lnSpc>
+              <a:spcBef>
+                <a:spcPts val="0"/>
+              </a:spcBef>
+              <a:spcAft>
+                <a:spcPts val="0"/>
+              </a:spcAft>
+              <a:buClrTx/>
+              <a:buSzTx/>
+              <a:buNone/>
+            </a:pPr>
+            <a:endParaRPr lang="pt-BR" sz="1600" b="1" dirty="0">
+              <a:solidFill>
+                <a:prstClr val="black"/>
+              </a:solidFill>
+              <a:latin typeface="Arial" panose="020B0604020202020204" pitchFamily="34" charset="0"/>
+              <a:cs typeface="Arial" panose="020B0604020202020204" pitchFamily="34" charset="0"/>
+            </a:endParaRPr>
+          </a:p>
+          <a:p>
+            <a:pPr marL="0" indent="0" defTabSz="457200">
+              <a:lnSpc>
+                <a:spcPct val="100000"/>
+              </a:lnSpc>
+              <a:spcBef>
+                <a:spcPts val="0"/>
+              </a:spcBef>
+              <a:spcAft>
+                <a:spcPts val="0"/>
+              </a:spcAft>
+              <a:buClrTx/>
+              <a:buSzTx/>
+              <a:buNone/>
+            </a:pPr>
+            <a:r>
+              <a:rPr lang="pt-BR" sz="1600" b="1" dirty="0">
+                <a:solidFill>
+                  <a:prstClr val="black"/>
+                </a:solidFill>
+                <a:latin typeface="Arial" panose="020B0604020202020204" pitchFamily="34" charset="0"/>
+                <a:cs typeface="Arial" panose="020B0604020202020204" pitchFamily="34" charset="0"/>
+              </a:rPr>
+              <a:t>LIDANDO COM CONJUNTOS LIMITADOS</a:t>
+            </a:r>
+          </a:p>
+          <a:p>
+            <a:pPr marL="0" indent="0" defTabSz="457200">
+              <a:lnSpc>
+                <a:spcPct val="100000"/>
+              </a:lnSpc>
+              <a:spcBef>
+                <a:spcPts val="0"/>
+              </a:spcBef>
+              <a:spcAft>
+                <a:spcPts val="0"/>
+              </a:spcAft>
+              <a:buClrTx/>
+              <a:buSzTx/>
+              <a:buNone/>
+            </a:pPr>
+            <a:endParaRPr lang="pt-BR" sz="1600" b="1" dirty="0">
+              <a:solidFill>
+                <a:prstClr val="black"/>
+              </a:solidFill>
+              <a:latin typeface="Arial" panose="020B0604020202020204" pitchFamily="34" charset="0"/>
+              <a:cs typeface="Arial" panose="020B0604020202020204" pitchFamily="34" charset="0"/>
+            </a:endParaRPr>
+          </a:p>
+          <a:p>
+            <a:pPr marL="0" indent="0" defTabSz="457200">
+              <a:lnSpc>
+                <a:spcPct val="100000"/>
+              </a:lnSpc>
+              <a:spcBef>
+                <a:spcPts val="0"/>
+              </a:spcBef>
+              <a:spcAft>
+                <a:spcPts val="0"/>
+              </a:spcAft>
+              <a:buClrTx/>
+              <a:buSzTx/>
+              <a:buNone/>
+            </a:pPr>
+            <a:r>
+              <a:rPr lang="pt-BR" sz="1600" b="1" dirty="0">
+                <a:solidFill>
+                  <a:prstClr val="black"/>
+                </a:solidFill>
+                <a:latin typeface="Arial" panose="020B0604020202020204" pitchFamily="34" charset="0"/>
+                <a:cs typeface="Arial" panose="020B0604020202020204" pitchFamily="34" charset="0"/>
+              </a:rPr>
+              <a:t>Resultados ALGORITMOS DE REGULARIZAÇÃO Data </a:t>
+            </a:r>
+            <a:r>
+              <a:rPr lang="pt-BR" sz="1600" b="1" dirty="0" err="1">
+                <a:solidFill>
+                  <a:prstClr val="black"/>
+                </a:solidFill>
+                <a:latin typeface="Arial" panose="020B0604020202020204" pitchFamily="34" charset="0"/>
+                <a:cs typeface="Arial" panose="020B0604020202020204" pitchFamily="34" charset="0"/>
+              </a:rPr>
+              <a:t>Augmentation</a:t>
+            </a:r>
+            <a:endParaRPr lang="pt-BR" sz="1600" b="1" dirty="0">
+              <a:solidFill>
+                <a:prstClr val="black"/>
+              </a:solidFill>
+              <a:latin typeface="Arial" panose="020B0604020202020204" pitchFamily="34" charset="0"/>
+              <a:cs typeface="Arial" panose="020B0604020202020204" pitchFamily="34" charset="0"/>
+            </a:endParaRPr>
+          </a:p>
+        </p:txBody>
+      </p:sp>
+      <p:sp>
+        <p:nvSpPr>
+          <p:cNvPr id="4" name="Espaço Reservado para Rodapé 3">
+            <a:extLst>
+              <a:ext uri="{FF2B5EF4-FFF2-40B4-BE49-F238E27FC236}">
+                <a16:creationId xmlns:a16="http://schemas.microsoft.com/office/drawing/2014/main" id="{9AC48AB9-44ED-C764-FE67-42BEC9495CD1}"/>
+              </a:ext>
+            </a:extLst>
+          </p:cNvPr>
+          <p:cNvSpPr>
+            <a:spLocks noGrp="1"/>
+          </p:cNvSpPr>
+          <p:nvPr>
+            <p:ph type="ftr" sz="quarter" idx="11"/>
+          </p:nvPr>
+        </p:nvSpPr>
+        <p:spPr>
+          <a:xfrm>
+            <a:off x="3684596" y="6455648"/>
+            <a:ext cx="4822804" cy="365125"/>
+          </a:xfrm>
+        </p:spPr>
+        <p:txBody>
+          <a:bodyPr/>
+          <a:lstStyle/>
+          <a:p>
+            <a:r>
+              <a:rPr lang="pt-BR" dirty="0"/>
+              <a:t>Aprendizado Profundo - 2023</a:t>
+            </a:r>
+          </a:p>
+        </p:txBody>
+      </p:sp>
+      <p:pic>
+        <p:nvPicPr>
+          <p:cNvPr id="5" name="Imagem 4" descr="Janela de vidro&#10;&#10;Descrição gerada automaticamente com confiança média">
+            <a:extLst>
+              <a:ext uri="{FF2B5EF4-FFF2-40B4-BE49-F238E27FC236}">
+                <a16:creationId xmlns:a16="http://schemas.microsoft.com/office/drawing/2014/main" id="{EA6A2664-2B45-3E45-0A94-8274AEA2B076}"/>
+              </a:ext>
+            </a:extLst>
+          </p:cNvPr>
+          <p:cNvPicPr>
+            <a:picLocks noChangeAspect="1"/>
+          </p:cNvPicPr>
+          <p:nvPr/>
+        </p:nvPicPr>
+        <p:blipFill>
+          <a:blip r:embed="rId2" cstate="print">
+            <a:extLst>
+              <a:ext uri="{28A0092B-C50C-407E-A947-70E740481C1C}">
+                <a14:useLocalDpi xmlns:a14="http://schemas.microsoft.com/office/drawing/2010/main" val="0"/>
+              </a:ext>
+            </a:extLst>
+          </a:blip>
+          <a:stretch>
+            <a:fillRect/>
+          </a:stretch>
+        </p:blipFill>
+        <p:spPr>
+          <a:xfrm>
+            <a:off x="118159" y="6470866"/>
+            <a:ext cx="373152" cy="332105"/>
+          </a:xfrm>
+          <a:prstGeom prst="rect">
+            <a:avLst/>
+          </a:prstGeom>
+        </p:spPr>
+      </p:pic>
+    </p:spTree>
+    <p:extLst>
+      <p:ext uri="{BB962C8B-B14F-4D97-AF65-F5344CB8AC3E}">
+        <p14:creationId xmlns:p14="http://schemas.microsoft.com/office/powerpoint/2010/main" val="247601607"/>
+      </p:ext>
+    </p:extLst>
+  </p:cSld>
+  <p:clrMapOvr>
+    <a:masterClrMapping/>
+  </p:clrMapOvr>
+</p:sld>
+</file>
+
+<file path=ppt/slides/slide4.xml><?xml version="1.0" encoding="utf-8"?>
+<p:sld xmlns:a="http://schemas.openxmlformats.org/drawingml/2006/main" xmlns:r="http://schemas.openxmlformats.org/officeDocument/2006/relationships" xmlns:p="http://schemas.openxmlformats.org/presentationml/2006/main">
+  <p:cSld>
+    <p:spTree>
+      <p:nvGrpSpPr>
+        <p:cNvPr id="1" name=""/>
+        <p:cNvGrpSpPr/>
+        <p:nvPr/>
+      </p:nvGrpSpPr>
+      <p:grpSpPr>
+        <a:xfrm>
+          <a:off x="0" y="0"/>
+          <a:ext cx="0" cy="0"/>
+          <a:chOff x="0" y="0"/>
+          <a:chExt cx="0" cy="0"/>
+        </a:xfrm>
+      </p:grpSpPr>
+      <p:sp>
+        <p:nvSpPr>
+          <p:cNvPr id="2" name="Título 1">
+            <a:extLst>
+              <a:ext uri="{FF2B5EF4-FFF2-40B4-BE49-F238E27FC236}">
+                <a16:creationId xmlns:a16="http://schemas.microsoft.com/office/drawing/2014/main" id="{BCEF0F2B-3A2E-BFC3-4D8E-86D6268FC3EC}"/>
+              </a:ext>
+            </a:extLst>
+          </p:cNvPr>
+          <p:cNvSpPr>
+            <a:spLocks noGrp="1"/>
+          </p:cNvSpPr>
+          <p:nvPr>
+            <p:ph type="title"/>
+          </p:nvPr>
+        </p:nvSpPr>
+        <p:spPr>
+          <a:xfrm>
+            <a:off x="1097280" y="642796"/>
+            <a:ext cx="10058400" cy="832919"/>
+          </a:xfrm>
+        </p:spPr>
+        <p:txBody>
+          <a:bodyPr>
+            <a:normAutofit/>
+          </a:bodyPr>
+          <a:lstStyle/>
+          <a:p>
+            <a:r>
+              <a:rPr kumimoji="0" lang="pt-BR" sz="2000" b="1" i="0" u="none" strike="noStrike" kern="1200" cap="none" spc="0" normalizeH="0" baseline="0" noProof="0" dirty="0">
+                <a:ln>
+                  <a:noFill/>
+                </a:ln>
+                <a:solidFill>
+                  <a:prstClr val="black"/>
+                </a:solidFill>
+                <a:effectLst/>
+                <a:uLnTx/>
+                <a:uFillTx/>
+                <a:latin typeface="Arial" panose="020B0604020202020204" pitchFamily="34" charset="0"/>
+                <a:ea typeface="+mn-ea"/>
+                <a:cs typeface="Arial" panose="020B0604020202020204" pitchFamily="34" charset="0"/>
+              </a:rPr>
+              <a:t>1.2. PRÉ-PROCESSAMENTO</a:t>
+            </a:r>
+            <a:br>
+              <a:rPr kumimoji="0" lang="pt-BR" sz="2000" b="1" i="0" u="none" strike="noStrike" kern="1200" cap="none" spc="0" normalizeH="0" baseline="0" noProof="0" dirty="0">
+                <a:ln>
+                  <a:noFill/>
+                </a:ln>
+                <a:solidFill>
+                  <a:prstClr val="black"/>
+                </a:solidFill>
+                <a:effectLst/>
+                <a:uLnTx/>
+                <a:uFillTx/>
+                <a:latin typeface="Arial" panose="020B0604020202020204" pitchFamily="34" charset="0"/>
+                <a:ea typeface="+mn-ea"/>
+                <a:cs typeface="Arial" panose="020B0604020202020204" pitchFamily="34" charset="0"/>
+              </a:rPr>
+            </a:br>
+            <a:endParaRPr lang="pt-BR" sz="2000" b="1" dirty="0">
+              <a:solidFill>
+                <a:schemeClr val="tx1"/>
+              </a:solidFill>
+              <a:latin typeface="Arial" panose="020B0604020202020204" pitchFamily="34" charset="0"/>
+              <a:cs typeface="Arial" panose="020B0604020202020204" pitchFamily="34" charset="0"/>
+            </a:endParaRPr>
+          </a:p>
+        </p:txBody>
+      </p:sp>
+      <p:sp>
+        <p:nvSpPr>
+          <p:cNvPr id="3" name="Espaço Reservado para Conteúdo 2">
+            <a:extLst>
+              <a:ext uri="{FF2B5EF4-FFF2-40B4-BE49-F238E27FC236}">
+                <a16:creationId xmlns:a16="http://schemas.microsoft.com/office/drawing/2014/main" id="{435882CF-4FED-4BAC-4BC7-95C7D4529215}"/>
+              </a:ext>
+            </a:extLst>
+          </p:cNvPr>
+          <p:cNvSpPr>
+            <a:spLocks noGrp="1"/>
+          </p:cNvSpPr>
+          <p:nvPr>
+            <p:ph idx="1"/>
+          </p:nvPr>
+        </p:nvSpPr>
+        <p:spPr/>
+        <p:txBody>
+          <a:bodyPr/>
+          <a:lstStyle/>
+          <a:p>
+            <a:endParaRPr lang="pt-BR" dirty="0"/>
+          </a:p>
+        </p:txBody>
+      </p:sp>
+      <p:sp>
+        <p:nvSpPr>
+          <p:cNvPr id="4" name="Espaço Reservado para Rodapé 3">
+            <a:extLst>
+              <a:ext uri="{FF2B5EF4-FFF2-40B4-BE49-F238E27FC236}">
+                <a16:creationId xmlns:a16="http://schemas.microsoft.com/office/drawing/2014/main" id="{FA1B1EDF-A373-1C79-91A3-6283F05A46F8}"/>
+              </a:ext>
+            </a:extLst>
+          </p:cNvPr>
+          <p:cNvSpPr>
+            <a:spLocks noGrp="1"/>
+          </p:cNvSpPr>
+          <p:nvPr>
+            <p:ph type="ftr" sz="quarter" idx="11"/>
+          </p:nvPr>
+        </p:nvSpPr>
+        <p:spPr>
+          <a:xfrm>
+            <a:off x="3684596" y="6455648"/>
+            <a:ext cx="4822804" cy="365125"/>
+          </a:xfrm>
+        </p:spPr>
+        <p:txBody>
+          <a:bodyPr/>
+          <a:lstStyle/>
+          <a:p>
+            <a:r>
+              <a:rPr lang="pt-BR" dirty="0"/>
+              <a:t>Aprendizado Profundo - 2023</a:t>
+            </a:r>
+          </a:p>
+        </p:txBody>
+      </p:sp>
+      <p:pic>
+        <p:nvPicPr>
+          <p:cNvPr id="5" name="Imagem 4" descr="Janela de vidro&#10;&#10;Descrição gerada automaticamente com confiança média">
+            <a:extLst>
+              <a:ext uri="{FF2B5EF4-FFF2-40B4-BE49-F238E27FC236}">
+                <a16:creationId xmlns:a16="http://schemas.microsoft.com/office/drawing/2014/main" id="{6FBDC2DB-4558-75E0-2809-02F96F910ED9}"/>
+              </a:ext>
+            </a:extLst>
+          </p:cNvPr>
+          <p:cNvPicPr>
+            <a:picLocks noChangeAspect="1"/>
+          </p:cNvPicPr>
+          <p:nvPr/>
+        </p:nvPicPr>
+        <p:blipFill>
+          <a:blip r:embed="rId2" cstate="print">
+            <a:extLst>
+              <a:ext uri="{28A0092B-C50C-407E-A947-70E740481C1C}">
+                <a14:useLocalDpi xmlns:a14="http://schemas.microsoft.com/office/drawing/2010/main" val="0"/>
+              </a:ext>
+            </a:extLst>
+          </a:blip>
+          <a:stretch>
+            <a:fillRect/>
+          </a:stretch>
+        </p:blipFill>
+        <p:spPr>
+          <a:xfrm>
+            <a:off x="118159" y="6470866"/>
+            <a:ext cx="373152" cy="332105"/>
+          </a:xfrm>
+          <a:prstGeom prst="rect">
+            <a:avLst/>
+          </a:prstGeom>
+        </p:spPr>
+      </p:pic>
+    </p:spTree>
+    <p:extLst>
+      <p:ext uri="{BB962C8B-B14F-4D97-AF65-F5344CB8AC3E}">
+        <p14:creationId xmlns:p14="http://schemas.microsoft.com/office/powerpoint/2010/main" val="2135548527"/>
+      </p:ext>
+    </p:extLst>
+  </p:cSld>
+  <p:clrMapOvr>
+    <a:masterClrMapping/>
+  </p:clrMapOvr>
+</p:sld>
+</file>
+
+<file path=ppt/slides/slide5.xml><?xml version="1.0" encoding="utf-8"?>
+<p:sld xmlns:a="http://schemas.openxmlformats.org/drawingml/2006/main" xmlns:r="http://schemas.openxmlformats.org/officeDocument/2006/relationships" xmlns:p="http://schemas.openxmlformats.org/presentationml/2006/main">
+  <p:cSld>
+    <p:spTree>
+      <p:nvGrpSpPr>
+        <p:cNvPr id="1" name=""/>
+        <p:cNvGrpSpPr/>
+        <p:nvPr/>
+      </p:nvGrpSpPr>
+      <p:grpSpPr>
+        <a:xfrm>
+          <a:off x="0" y="0"/>
+          <a:ext cx="0" cy="0"/>
+          <a:chOff x="0" y="0"/>
+          <a:chExt cx="0" cy="0"/>
+        </a:xfrm>
+      </p:grpSpPr>
+      <p:sp>
+        <p:nvSpPr>
+          <p:cNvPr id="10" name="Espaço Reservado para Rodapé 3">
+            <a:extLst>
+              <a:ext uri="{FF2B5EF4-FFF2-40B4-BE49-F238E27FC236}">
+                <a16:creationId xmlns:a16="http://schemas.microsoft.com/office/drawing/2014/main" id="{7F66009D-031C-6471-4F82-2BAE7C1BDF3D}"/>
+              </a:ext>
+            </a:extLst>
+          </p:cNvPr>
+          <p:cNvSpPr>
+            <a:spLocks noGrp="1"/>
+          </p:cNvSpPr>
+          <p:nvPr>
+            <p:ph type="ftr" sz="quarter" idx="11"/>
+          </p:nvPr>
+        </p:nvSpPr>
+        <p:spPr>
+          <a:xfrm>
+            <a:off x="3684596" y="6455648"/>
+            <a:ext cx="4822804" cy="365125"/>
+          </a:xfrm>
+        </p:spPr>
+        <p:txBody>
+          <a:bodyPr/>
+          <a:lstStyle/>
+          <a:p>
+            <a:r>
+              <a:rPr lang="pt-BR" dirty="0"/>
+              <a:t>Aprendizado Profundo - 2023</a:t>
+            </a:r>
+          </a:p>
+        </p:txBody>
+      </p:sp>
+      <p:pic>
+        <p:nvPicPr>
+          <p:cNvPr id="12" name="Imagem 11" descr="Janela de vidro&#10;&#10;Descrição gerada automaticamente com confiança média">
+            <a:extLst>
+              <a:ext uri="{FF2B5EF4-FFF2-40B4-BE49-F238E27FC236}">
+                <a16:creationId xmlns:a16="http://schemas.microsoft.com/office/drawing/2014/main" id="{D8FBDA2A-A6DD-C6CC-D078-3FD0953274F4}"/>
+              </a:ext>
+            </a:extLst>
+          </p:cNvPr>
+          <p:cNvPicPr>
+            <a:picLocks noChangeAspect="1"/>
+          </p:cNvPicPr>
+          <p:nvPr/>
+        </p:nvPicPr>
+        <p:blipFill>
+          <a:blip r:embed="rId2" cstate="print">
+            <a:extLst>
+              <a:ext uri="{28A0092B-C50C-407E-A947-70E740481C1C}">
+                <a14:useLocalDpi xmlns:a14="http://schemas.microsoft.com/office/drawing/2010/main" val="0"/>
+              </a:ext>
+            </a:extLst>
+          </a:blip>
+          <a:stretch>
+            <a:fillRect/>
+          </a:stretch>
+        </p:blipFill>
+        <p:spPr>
+          <a:xfrm>
+            <a:off x="118159" y="6470866"/>
+            <a:ext cx="373152" cy="332105"/>
+          </a:xfrm>
+          <a:prstGeom prst="rect">
+            <a:avLst/>
+          </a:prstGeom>
+        </p:spPr>
+      </p:pic>
+      <p:sp>
+        <p:nvSpPr>
+          <p:cNvPr id="14" name="Título 19">
+            <a:extLst>
+              <a:ext uri="{FF2B5EF4-FFF2-40B4-BE49-F238E27FC236}">
+                <a16:creationId xmlns:a16="http://schemas.microsoft.com/office/drawing/2014/main" id="{D9016752-F5C9-2BC1-143F-03C2F91A3F25}"/>
+              </a:ext>
+            </a:extLst>
+          </p:cNvPr>
+          <p:cNvSpPr txBox="1">
+            <a:spLocks/>
+          </p:cNvSpPr>
+          <p:nvPr/>
+        </p:nvSpPr>
+        <p:spPr>
+          <a:xfrm>
+            <a:off x="1097280" y="626919"/>
+            <a:ext cx="10058400" cy="720197"/>
+          </a:xfrm>
+          <a:prstGeom prst="rect">
+            <a:avLst/>
+          </a:prstGeom>
+        </p:spPr>
+        <p:txBody>
+          <a:bodyPr vert="horz" lIns="91440" tIns="45720" rIns="91440" bIns="45720" rtlCol="0" anchor="b">
+            <a:normAutofit/>
+          </a:bodyPr>
+          <a:lstStyle>
+            <a:lvl1pPr marL="0" algn="l" defTabSz="914400" rtl="0" eaLnBrk="1" latinLnBrk="0" hangingPunct="1">
+              <a:lnSpc>
+                <a:spcPct val="85000"/>
+              </a:lnSpc>
+              <a:spcBef>
+                <a:spcPct val="0"/>
+              </a:spcBef>
+              <a:buNone/>
+              <a:defRPr sz="4800" kern="1200" spc="-50" baseline="0">
+                <a:solidFill>
+                  <a:schemeClr val="tx1">
+                    <a:lumMod val="75000"/>
+                    <a:lumOff val="25000"/>
+                  </a:schemeClr>
+                </a:solidFill>
+                <a:latin typeface="+mj-lt"/>
+                <a:ea typeface="+mj-ea"/>
+                <a:cs typeface="+mj-cs"/>
+              </a:defRPr>
+            </a:lvl1pPr>
+          </a:lstStyle>
+          <a:p>
+            <a:pPr marL="457200" indent="-457200">
+              <a:buFont typeface="Arial" panose="020B0604020202020204" pitchFamily="34" charset="0"/>
+              <a:buChar char="•"/>
+            </a:pPr>
+            <a:r>
+              <a:rPr lang="pt-BR" sz="2000" b="1" dirty="0">
+                <a:solidFill>
+                  <a:schemeClr val="tx1"/>
+                </a:solidFill>
+                <a:latin typeface="Arial" panose="020B0604020202020204" pitchFamily="34" charset="0"/>
+                <a:cs typeface="Arial" panose="020B0604020202020204" pitchFamily="34" charset="0"/>
+              </a:rPr>
+              <a:t>4.	</a:t>
+            </a:r>
+            <a:r>
+              <a:rPr lang="pt-BR" sz="2000" b="1" dirty="0">
+                <a:solidFill>
+                  <a:prstClr val="black"/>
+                </a:solidFill>
+                <a:latin typeface="Arial" panose="020B0604020202020204" pitchFamily="34" charset="0"/>
+                <a:cs typeface="Arial" panose="020B0604020202020204" pitchFamily="34" charset="0"/>
+              </a:rPr>
+              <a:t>RESULTADOS E CONCLUSÃO</a:t>
+            </a:r>
+            <a:br>
+              <a:rPr lang="pt-BR" sz="2000" b="1" dirty="0">
+                <a:solidFill>
+                  <a:schemeClr val="tx1"/>
+                </a:solidFill>
+                <a:latin typeface="Arial" panose="020B0604020202020204" pitchFamily="34" charset="0"/>
+                <a:cs typeface="Arial" panose="020B0604020202020204" pitchFamily="34" charset="0"/>
+              </a:rPr>
+            </a:br>
+            <a:r>
+              <a:rPr lang="pt-BR" sz="2000" b="1" dirty="0">
+                <a:solidFill>
+                  <a:schemeClr val="tx1"/>
+                </a:solidFill>
+                <a:latin typeface="Arial" panose="020B0604020202020204" pitchFamily="34" charset="0"/>
+                <a:cs typeface="Arial" panose="020B0604020202020204" pitchFamily="34" charset="0"/>
+              </a:rPr>
+              <a:t>	</a:t>
+            </a:r>
+            <a:r>
+              <a:rPr lang="pt-BR" sz="1600" b="1" dirty="0">
+                <a:solidFill>
+                  <a:schemeClr val="tx1"/>
+                </a:solidFill>
+                <a:latin typeface="Arial" panose="020B0604020202020204" pitchFamily="34" charset="0"/>
+                <a:cs typeface="Arial" panose="020B0604020202020204" pitchFamily="34" charset="0"/>
+              </a:rPr>
+              <a:t>4.1. Conjuntos de Dados</a:t>
+            </a:r>
+            <a:endParaRPr lang="pt-BR" sz="2000" b="1" dirty="0">
+              <a:solidFill>
+                <a:schemeClr val="tx1"/>
+              </a:solidFill>
+              <a:latin typeface="Arial" panose="020B0604020202020204" pitchFamily="34" charset="0"/>
+              <a:cs typeface="Arial" panose="020B0604020202020204" pitchFamily="34" charset="0"/>
+            </a:endParaRPr>
+          </a:p>
+        </p:txBody>
+      </p:sp>
+      <p:graphicFrame>
+        <p:nvGraphicFramePr>
+          <p:cNvPr id="6" name="Tabela 5">
+            <a:extLst>
+              <a:ext uri="{FF2B5EF4-FFF2-40B4-BE49-F238E27FC236}">
+                <a16:creationId xmlns:a16="http://schemas.microsoft.com/office/drawing/2014/main" id="{D28D93F6-F59E-6972-BAAB-870B7503203C}"/>
+              </a:ext>
+            </a:extLst>
+          </p:cNvPr>
+          <p:cNvGraphicFramePr>
+            <a:graphicFrameLocks noGrp="1"/>
+          </p:cNvGraphicFramePr>
+          <p:nvPr>
+            <p:extLst>
+              <p:ext uri="{D42A27DB-BD31-4B8C-83A1-F6EECF244321}">
+                <p14:modId xmlns:p14="http://schemas.microsoft.com/office/powerpoint/2010/main" val="1195934678"/>
+              </p:ext>
+            </p:extLst>
+          </p:nvPr>
+        </p:nvGraphicFramePr>
+        <p:xfrm>
+          <a:off x="4341233" y="2496322"/>
+          <a:ext cx="3970124" cy="1965960"/>
+        </p:xfrm>
+        <a:graphic>
+          <a:graphicData uri="http://schemas.openxmlformats.org/drawingml/2006/table">
+            <a:tbl>
+              <a:tblPr firstRow="1" bandRow="1">
+                <a:effectLst/>
+                <a:tableStyleId>{5C22544A-7EE6-4342-B048-85BDC9FD1C3A}</a:tableStyleId>
+              </a:tblPr>
+              <a:tblGrid>
+                <a:gridCol w="1689631">
+                  <a:extLst>
+                    <a:ext uri="{9D8B030D-6E8A-4147-A177-3AD203B41FA5}">
+                      <a16:colId xmlns:a16="http://schemas.microsoft.com/office/drawing/2014/main" val="4249006466"/>
+                    </a:ext>
+                  </a:extLst>
+                </a:gridCol>
+                <a:gridCol w="2280493">
+                  <a:extLst>
+                    <a:ext uri="{9D8B030D-6E8A-4147-A177-3AD203B41FA5}">
+                      <a16:colId xmlns:a16="http://schemas.microsoft.com/office/drawing/2014/main" val="1040954500"/>
+                    </a:ext>
+                  </a:extLst>
+                </a:gridCol>
+              </a:tblGrid>
+              <a:tr h="165838">
+                <a:tc>
+                  <a:txBody>
+                    <a:bodyPr/>
+                    <a:lstStyle/>
+                    <a:p>
+                      <a:pPr algn="ctr"/>
+                      <a:r>
+                        <a:rPr lang="pt-BR" sz="1200" b="1" cap="none" spc="0" dirty="0">
+                          <a:ln>
+                            <a:noFill/>
+                          </a:ln>
+                          <a:solidFill>
+                            <a:schemeClr val="tx1"/>
+                          </a:solidFill>
+                          <a:effectLst/>
+                          <a:latin typeface="Arial" panose="020B0604020202020204" pitchFamily="34" charset="0"/>
+                          <a:cs typeface="Arial" panose="020B0604020202020204" pitchFamily="34" charset="0"/>
+                        </a:rPr>
+                        <a:t>Conjuntos de Dados</a:t>
+                      </a:r>
+                    </a:p>
+                  </a:txBody>
+                  <a:tcPr>
+                    <a:lnL w="12700" cap="flat" cmpd="sng" algn="ctr">
+                      <a:solidFill>
+                        <a:schemeClr val="tx1"/>
+                      </a:solidFill>
+                      <a:prstDash val="solid"/>
+                      <a:round/>
+                      <a:headEnd type="none" w="med" len="med"/>
+                      <a:tailEnd type="none" w="med" len="med"/>
+                    </a:lnL>
+                    <a:lnR w="12700" cap="flat" cmpd="sng" algn="ctr">
+                      <a:solidFill>
+                        <a:schemeClr val="tx1"/>
+                      </a:solidFill>
+                      <a:prstDash val="solid"/>
+                      <a:round/>
+                      <a:headEnd type="none" w="med" len="med"/>
+                      <a:tailEnd type="none" w="med" len="med"/>
+                    </a:lnR>
+                    <a:lnT w="12700" cap="flat" cmpd="sng" algn="ctr">
+                      <a:solidFill>
+                        <a:schemeClr val="tx1"/>
+                      </a:solidFill>
+                      <a:prstDash val="solid"/>
+                      <a:round/>
+                      <a:headEnd type="none" w="med" len="med"/>
+                      <a:tailEnd type="none" w="med" len="med"/>
+                    </a:lnT>
+                    <a:lnB w="12700" cap="flat" cmpd="sng" algn="ctr">
+                      <a:solidFill>
+                        <a:schemeClr val="tx1"/>
+                      </a:solidFill>
+                      <a:prstDash val="solid"/>
+                      <a:round/>
+                      <a:headEnd type="none" w="med" len="med"/>
+                      <a:tailEnd type="none" w="med" len="med"/>
+                    </a:lnB>
+                    <a:noFill/>
+                  </a:tcPr>
+                </a:tc>
+                <a:tc>
+                  <a:txBody>
+                    <a:bodyPr/>
+                    <a:lstStyle/>
+                    <a:p>
+                      <a:pPr algn="ctr"/>
+                      <a:r>
+                        <a:rPr lang="pt-BR" sz="1200" b="1" cap="none" spc="0" dirty="0">
+                          <a:ln>
+                            <a:noFill/>
+                          </a:ln>
+                          <a:solidFill>
+                            <a:schemeClr val="tx1"/>
+                          </a:solidFill>
+                          <a:effectLst/>
+                          <a:latin typeface="Arial" panose="020B0604020202020204" pitchFamily="34" charset="0"/>
+                          <a:cs typeface="Arial" panose="020B0604020202020204" pitchFamily="34" charset="0"/>
+                        </a:rPr>
+                        <a:t>Classes: Quantidade</a:t>
+                      </a:r>
+                    </a:p>
+                  </a:txBody>
+                  <a:tcPr>
+                    <a:lnL w="12700" cap="flat" cmpd="sng" algn="ctr">
+                      <a:solidFill>
+                        <a:schemeClr val="tx1"/>
+                      </a:solidFill>
+                      <a:prstDash val="solid"/>
+                      <a:round/>
+                      <a:headEnd type="none" w="med" len="med"/>
+                      <a:tailEnd type="none" w="med" len="med"/>
+                    </a:lnL>
+                    <a:lnR w="12700" cap="flat" cmpd="sng" algn="ctr">
+                      <a:solidFill>
+                        <a:schemeClr val="tx1"/>
+                      </a:solidFill>
+                      <a:prstDash val="solid"/>
+                      <a:round/>
+                      <a:headEnd type="none" w="med" len="med"/>
+                      <a:tailEnd type="none" w="med" len="med"/>
+                    </a:lnR>
+                    <a:lnT w="12700" cap="flat" cmpd="sng" algn="ctr">
+                      <a:solidFill>
+                        <a:schemeClr val="tx1"/>
+                      </a:solidFill>
+                      <a:prstDash val="solid"/>
+                      <a:round/>
+                      <a:headEnd type="none" w="med" len="med"/>
+                      <a:tailEnd type="none" w="med" len="med"/>
+                    </a:lnT>
+                    <a:lnB w="12700" cap="flat" cmpd="sng" algn="ctr">
+                      <a:solidFill>
+                        <a:schemeClr val="tx1"/>
+                      </a:solidFill>
+                      <a:prstDash val="solid"/>
+                      <a:round/>
+                      <a:headEnd type="none" w="med" len="med"/>
+                      <a:tailEnd type="none" w="med" len="med"/>
+                    </a:lnB>
+                    <a:noFill/>
+                  </a:tcPr>
+                </a:tc>
+                <a:extLst>
+                  <a:ext uri="{0D108BD9-81ED-4DB2-BD59-A6C34878D82A}">
+                    <a16:rowId xmlns:a16="http://schemas.microsoft.com/office/drawing/2014/main" val="3144703543"/>
+                  </a:ext>
+                </a:extLst>
+              </a:tr>
+              <a:tr h="119368">
+                <a:tc>
+                  <a:txBody>
+                    <a:bodyPr/>
+                    <a:lstStyle/>
+                    <a:p>
+                      <a:pPr algn="ctr"/>
+                      <a:r>
+                        <a:rPr lang="pt-BR" sz="1100" b="0" cap="none" spc="0" dirty="0">
+                          <a:ln>
+                            <a:noFill/>
+                          </a:ln>
+                          <a:solidFill>
+                            <a:schemeClr val="tx1"/>
+                          </a:solidFill>
+                          <a:effectLst/>
+                          <a:latin typeface="Arial" panose="020B0604020202020204" pitchFamily="34" charset="0"/>
+                          <a:cs typeface="Arial" panose="020B0604020202020204" pitchFamily="34" charset="0"/>
+                        </a:rPr>
+                        <a:t>Livraria</a:t>
+                      </a:r>
+                    </a:p>
+                  </a:txBody>
+                  <a:tcPr>
+                    <a:lnL w="12700" cap="flat" cmpd="sng" algn="ctr">
+                      <a:solidFill>
+                        <a:schemeClr val="tx1"/>
+                      </a:solidFill>
+                      <a:prstDash val="solid"/>
+                      <a:round/>
+                      <a:headEnd type="none" w="med" len="med"/>
+                      <a:tailEnd type="none" w="med" len="med"/>
+                    </a:lnL>
+                    <a:lnR w="12700" cap="flat" cmpd="sng" algn="ctr">
+                      <a:solidFill>
+                        <a:schemeClr val="tx1"/>
+                      </a:solidFill>
+                      <a:prstDash val="solid"/>
+                      <a:round/>
+                      <a:headEnd type="none" w="med" len="med"/>
+                      <a:tailEnd type="none" w="med" len="med"/>
+                    </a:lnR>
+                    <a:lnT w="12700" cap="flat" cmpd="sng" algn="ctr">
+                      <a:solidFill>
+                        <a:schemeClr val="tx1"/>
+                      </a:solidFill>
+                      <a:prstDash val="solid"/>
+                      <a:round/>
+                      <a:headEnd type="none" w="med" len="med"/>
+                      <a:tailEnd type="none" w="med" len="med"/>
+                    </a:lnT>
+                    <a:lnB w="12700" cap="flat" cmpd="sng" algn="ctr">
+                      <a:solidFill>
+                        <a:schemeClr val="tx1"/>
+                      </a:solidFill>
+                      <a:prstDash val="solid"/>
+                      <a:round/>
+                      <a:headEnd type="none" w="med" len="med"/>
+                      <a:tailEnd type="none" w="med" len="med"/>
+                    </a:lnB>
+                    <a:noFill/>
+                  </a:tcPr>
+                </a:tc>
+                <a:tc>
+                  <a:txBody>
+                    <a:bodyPr/>
+                    <a:lstStyle/>
+                    <a:p>
+                      <a:pPr marL="0" marR="0" lvl="0" indent="0" algn="ctr" defTabSz="914400" rtl="0" eaLnBrk="1" fontAlgn="auto" latinLnBrk="0" hangingPunct="1">
+                        <a:lnSpc>
+                          <a:spcPct val="100000"/>
+                        </a:lnSpc>
+                        <a:spcBef>
+                          <a:spcPts val="0"/>
+                        </a:spcBef>
+                        <a:spcAft>
+                          <a:spcPts val="0"/>
+                        </a:spcAft>
+                        <a:buClrTx/>
+                        <a:buSzTx/>
+                        <a:buFontTx/>
+                        <a:buNone/>
+                        <a:tabLst/>
+                        <a:defRPr/>
+                      </a:pPr>
+                      <a:r>
+                        <a:rPr lang="pt-BR" sz="1100" b="0" kern="1200" cap="none" spc="0" dirty="0" err="1">
+                          <a:ln>
+                            <a:noFill/>
+                          </a:ln>
+                          <a:solidFill>
+                            <a:schemeClr val="tx1"/>
+                          </a:solidFill>
+                          <a:effectLst/>
+                          <a:latin typeface="Arial" panose="020B0604020202020204" pitchFamily="34" charset="0"/>
+                          <a:ea typeface="+mn-ea"/>
+                          <a:cs typeface="Arial" panose="020B0604020202020204" pitchFamily="34" charset="0"/>
+                        </a:rPr>
+                        <a:t>Administracao</a:t>
+                      </a:r>
+                      <a:r>
+                        <a:rPr lang="pt-BR" sz="1100" b="0" kern="1200" cap="none" spc="0" dirty="0">
+                          <a:ln>
+                            <a:noFill/>
+                          </a:ln>
+                          <a:solidFill>
+                            <a:schemeClr val="tx1"/>
+                          </a:solidFill>
+                          <a:effectLst/>
+                          <a:latin typeface="Arial" panose="020B0604020202020204" pitchFamily="34" charset="0"/>
+                          <a:ea typeface="+mn-ea"/>
+                          <a:cs typeface="Arial" panose="020B0604020202020204" pitchFamily="34" charset="0"/>
+                        </a:rPr>
+                        <a:t>: 134</a:t>
+                      </a:r>
+                    </a:p>
+                    <a:p>
+                      <a:pPr marL="0" marR="0" lvl="0" indent="0" algn="ctr" defTabSz="914400" rtl="0" eaLnBrk="1" fontAlgn="auto" latinLnBrk="0" hangingPunct="1">
+                        <a:lnSpc>
+                          <a:spcPct val="100000"/>
+                        </a:lnSpc>
+                        <a:spcBef>
+                          <a:spcPts val="0"/>
+                        </a:spcBef>
+                        <a:spcAft>
+                          <a:spcPts val="0"/>
+                        </a:spcAft>
+                        <a:buClrTx/>
+                        <a:buSzTx/>
+                        <a:buFontTx/>
+                        <a:buNone/>
+                        <a:tabLst/>
+                        <a:defRPr/>
+                      </a:pPr>
+                      <a:r>
+                        <a:rPr lang="pt-BR" sz="1100" b="0" kern="1200" cap="none" spc="0" dirty="0">
+                          <a:ln>
+                            <a:noFill/>
+                          </a:ln>
+                          <a:solidFill>
+                            <a:schemeClr val="tx1"/>
+                          </a:solidFill>
+                          <a:effectLst/>
+                          <a:latin typeface="Arial" panose="020B0604020202020204" pitchFamily="34" charset="0"/>
+                          <a:ea typeface="+mn-ea"/>
+                          <a:cs typeface="Arial" panose="020B0604020202020204" pitchFamily="34" charset="0"/>
+                        </a:rPr>
+                        <a:t>Historia: 350</a:t>
+                      </a:r>
+                    </a:p>
+                    <a:p>
+                      <a:pPr marL="0" marR="0" lvl="0" indent="0" algn="ctr" defTabSz="914400" rtl="0" eaLnBrk="1" fontAlgn="auto" latinLnBrk="0" hangingPunct="1">
+                        <a:lnSpc>
+                          <a:spcPct val="100000"/>
+                        </a:lnSpc>
+                        <a:spcBef>
+                          <a:spcPts val="0"/>
+                        </a:spcBef>
+                        <a:spcAft>
+                          <a:spcPts val="0"/>
+                        </a:spcAft>
+                        <a:buClrTx/>
+                        <a:buSzTx/>
+                        <a:buFontTx/>
+                        <a:buNone/>
+                        <a:tabLst/>
+                        <a:defRPr/>
+                      </a:pPr>
+                      <a:r>
+                        <a:rPr lang="pt-BR" sz="1100" b="0" kern="1200" cap="none" spc="0" dirty="0">
+                          <a:ln>
+                            <a:noFill/>
+                          </a:ln>
+                          <a:solidFill>
+                            <a:schemeClr val="tx1"/>
+                          </a:solidFill>
+                          <a:effectLst/>
+                          <a:latin typeface="Arial" panose="020B0604020202020204" pitchFamily="34" charset="0"/>
+                          <a:ea typeface="+mn-ea"/>
+                          <a:cs typeface="Arial" panose="020B0604020202020204" pitchFamily="34" charset="0"/>
+                        </a:rPr>
+                        <a:t> Artes: 70</a:t>
+                      </a:r>
+                    </a:p>
+                    <a:p>
+                      <a:pPr marL="0" marR="0" lvl="0" indent="0" algn="ctr" defTabSz="914400" rtl="0" eaLnBrk="1" fontAlgn="auto" latinLnBrk="0" hangingPunct="1">
+                        <a:lnSpc>
+                          <a:spcPct val="100000"/>
+                        </a:lnSpc>
+                        <a:spcBef>
+                          <a:spcPts val="0"/>
+                        </a:spcBef>
+                        <a:spcAft>
+                          <a:spcPts val="0"/>
+                        </a:spcAft>
+                        <a:buClrTx/>
+                        <a:buSzTx/>
+                        <a:buFontTx/>
+                        <a:buNone/>
+                        <a:tabLst/>
+                        <a:defRPr/>
+                      </a:pPr>
+                      <a:r>
+                        <a:rPr lang="pt-BR" sz="1100" b="0" kern="1200" cap="none" spc="0" dirty="0">
+                          <a:ln>
+                            <a:noFill/>
+                          </a:ln>
+                          <a:solidFill>
+                            <a:schemeClr val="tx1"/>
+                          </a:solidFill>
+                          <a:effectLst/>
+                          <a:latin typeface="Arial" panose="020B0604020202020204" pitchFamily="34" charset="0"/>
+                          <a:ea typeface="+mn-ea"/>
+                          <a:cs typeface="Arial" panose="020B0604020202020204" pitchFamily="34" charset="0"/>
+                        </a:rPr>
+                        <a:t> Biologia: 114</a:t>
+                      </a:r>
+                    </a:p>
+                    <a:p>
+                      <a:pPr marL="0" marR="0" lvl="0" indent="0" algn="ctr" defTabSz="914400" rtl="0" eaLnBrk="1" fontAlgn="auto" latinLnBrk="0" hangingPunct="1">
+                        <a:lnSpc>
+                          <a:spcPct val="100000"/>
+                        </a:lnSpc>
+                        <a:spcBef>
+                          <a:spcPts val="0"/>
+                        </a:spcBef>
+                        <a:spcAft>
+                          <a:spcPts val="0"/>
+                        </a:spcAft>
+                        <a:buClrTx/>
+                        <a:buSzTx/>
+                        <a:buFontTx/>
+                        <a:buNone/>
+                        <a:tabLst/>
+                        <a:defRPr/>
+                      </a:pPr>
+                      <a:r>
+                        <a:rPr lang="pt-BR" sz="1100" b="0" kern="1200" cap="none" spc="0" dirty="0">
+                          <a:ln>
+                            <a:noFill/>
+                          </a:ln>
+                          <a:solidFill>
+                            <a:schemeClr val="tx1"/>
+                          </a:solidFill>
+                          <a:effectLst/>
+                          <a:latin typeface="Arial" panose="020B0604020202020204" pitchFamily="34" charset="0"/>
+                          <a:ea typeface="+mn-ea"/>
+                          <a:cs typeface="Arial" panose="020B0604020202020204" pitchFamily="34" charset="0"/>
+                        </a:rPr>
+                        <a:t> </a:t>
+                      </a:r>
+                      <a:r>
+                        <a:rPr lang="pt-BR" sz="1100" b="0" kern="1200" cap="none" spc="0" dirty="0" err="1">
+                          <a:ln>
+                            <a:noFill/>
+                          </a:ln>
+                          <a:solidFill>
+                            <a:schemeClr val="tx1"/>
+                          </a:solidFill>
+                          <a:effectLst/>
+                          <a:latin typeface="Arial" panose="020B0604020202020204" pitchFamily="34" charset="0"/>
+                          <a:ea typeface="+mn-ea"/>
+                          <a:cs typeface="Arial" panose="020B0604020202020204" pitchFamily="34" charset="0"/>
+                        </a:rPr>
+                        <a:t>Matematica</a:t>
+                      </a:r>
+                      <a:r>
+                        <a:rPr lang="pt-BR" sz="1100" b="0" kern="1200" cap="none" spc="0" dirty="0">
+                          <a:ln>
+                            <a:noFill/>
+                          </a:ln>
+                          <a:solidFill>
+                            <a:schemeClr val="tx1"/>
+                          </a:solidFill>
+                          <a:effectLst/>
+                          <a:latin typeface="Arial" panose="020B0604020202020204" pitchFamily="34" charset="0"/>
+                          <a:ea typeface="+mn-ea"/>
+                          <a:cs typeface="Arial" panose="020B0604020202020204" pitchFamily="34" charset="0"/>
+                        </a:rPr>
+                        <a:t>: 104</a:t>
+                      </a:r>
+                    </a:p>
+                    <a:p>
+                      <a:pPr marL="0" marR="0" lvl="0" indent="0" algn="ctr" defTabSz="914400" rtl="0" eaLnBrk="1" fontAlgn="auto" latinLnBrk="0" hangingPunct="1">
+                        <a:lnSpc>
+                          <a:spcPct val="100000"/>
+                        </a:lnSpc>
+                        <a:spcBef>
+                          <a:spcPts val="0"/>
+                        </a:spcBef>
+                        <a:spcAft>
+                          <a:spcPts val="0"/>
+                        </a:spcAft>
+                        <a:buClrTx/>
+                        <a:buSzTx/>
+                        <a:buFontTx/>
+                        <a:buNone/>
+                        <a:tabLst/>
+                        <a:defRPr/>
+                      </a:pPr>
+                      <a:r>
+                        <a:rPr lang="pt-BR" sz="1100" b="0" kern="1200" cap="none" spc="0" dirty="0">
+                          <a:ln>
+                            <a:noFill/>
+                          </a:ln>
+                          <a:solidFill>
+                            <a:schemeClr val="tx1"/>
+                          </a:solidFill>
+                          <a:effectLst/>
+                          <a:latin typeface="Arial" panose="020B0604020202020204" pitchFamily="34" charset="0"/>
+                          <a:ea typeface="+mn-ea"/>
+                          <a:cs typeface="Arial" panose="020B0604020202020204" pitchFamily="34" charset="0"/>
+                        </a:rPr>
+                        <a:t> Geografia: 116</a:t>
+                      </a:r>
+                    </a:p>
+                    <a:p>
+                      <a:pPr marL="0" marR="0" lvl="0" indent="0" algn="ctr" defTabSz="914400" rtl="0" eaLnBrk="1" fontAlgn="auto" latinLnBrk="0" hangingPunct="1">
+                        <a:lnSpc>
+                          <a:spcPct val="100000"/>
+                        </a:lnSpc>
+                        <a:spcBef>
+                          <a:spcPts val="0"/>
+                        </a:spcBef>
+                        <a:spcAft>
+                          <a:spcPts val="0"/>
+                        </a:spcAft>
+                        <a:buClrTx/>
+                        <a:buSzTx/>
+                        <a:buFontTx/>
+                        <a:buNone/>
+                        <a:tabLst/>
+                        <a:defRPr/>
+                      </a:pPr>
+                      <a:r>
+                        <a:rPr lang="pt-BR" sz="1100" b="0" kern="1200" cap="none" spc="0" dirty="0">
+                          <a:ln>
+                            <a:noFill/>
+                          </a:ln>
+                          <a:solidFill>
+                            <a:schemeClr val="tx1"/>
+                          </a:solidFill>
+                          <a:effectLst/>
+                          <a:latin typeface="Arial" panose="020B0604020202020204" pitchFamily="34" charset="0"/>
+                          <a:ea typeface="+mn-ea"/>
+                          <a:cs typeface="Arial" panose="020B0604020202020204" pitchFamily="34" charset="0"/>
+                        </a:rPr>
+                        <a:t> Literatura: 42</a:t>
+                      </a:r>
+                    </a:p>
+                  </a:txBody>
+                  <a:tcPr>
+                    <a:lnL w="12700" cap="flat" cmpd="sng" algn="ctr">
+                      <a:solidFill>
+                        <a:schemeClr val="tx1"/>
+                      </a:solidFill>
+                      <a:prstDash val="solid"/>
+                      <a:round/>
+                      <a:headEnd type="none" w="med" len="med"/>
+                      <a:tailEnd type="none" w="med" len="med"/>
+                    </a:lnL>
+                    <a:lnR w="12700" cap="flat" cmpd="sng" algn="ctr">
+                      <a:solidFill>
+                        <a:schemeClr val="tx1"/>
+                      </a:solidFill>
+                      <a:prstDash val="solid"/>
+                      <a:round/>
+                      <a:headEnd type="none" w="med" len="med"/>
+                      <a:tailEnd type="none" w="med" len="med"/>
+                    </a:lnR>
+                    <a:lnT w="12700" cap="flat" cmpd="sng" algn="ctr">
+                      <a:solidFill>
+                        <a:schemeClr val="tx1"/>
+                      </a:solidFill>
+                      <a:prstDash val="solid"/>
+                      <a:round/>
+                      <a:headEnd type="none" w="med" len="med"/>
+                      <a:tailEnd type="none" w="med" len="med"/>
+                    </a:lnT>
+                    <a:lnB w="12700" cap="flat" cmpd="sng" algn="ctr">
+                      <a:solidFill>
+                        <a:schemeClr val="tx1"/>
+                      </a:solidFill>
+                      <a:prstDash val="solid"/>
+                      <a:round/>
+                      <a:headEnd type="none" w="med" len="med"/>
+                      <a:tailEnd type="none" w="med" len="med"/>
+                    </a:lnB>
+                    <a:noFill/>
+                  </a:tcPr>
+                </a:tc>
+                <a:extLst>
+                  <a:ext uri="{0D108BD9-81ED-4DB2-BD59-A6C34878D82A}">
+                    <a16:rowId xmlns:a16="http://schemas.microsoft.com/office/drawing/2014/main" val="3932085244"/>
+                  </a:ext>
+                </a:extLst>
+              </a:tr>
+              <a:tr h="119368">
+                <a:tc>
+                  <a:txBody>
+                    <a:bodyPr/>
+                    <a:lstStyle/>
+                    <a:p>
+                      <a:pPr algn="ctr"/>
+                      <a:r>
+                        <a:rPr lang="pt-BR" sz="1100" b="0" cap="none" spc="0" dirty="0">
+                          <a:ln>
+                            <a:noFill/>
+                          </a:ln>
+                          <a:solidFill>
+                            <a:schemeClr val="tx1"/>
+                          </a:solidFill>
+                          <a:effectLst/>
+                          <a:latin typeface="Arial" panose="020B0604020202020204" pitchFamily="34" charset="0"/>
+                          <a:cs typeface="Arial" panose="020B0604020202020204" pitchFamily="34" charset="0"/>
+                        </a:rPr>
+                        <a:t>SMS Spam</a:t>
+                      </a:r>
+                    </a:p>
+                  </a:txBody>
+                  <a:tcPr>
+                    <a:lnL w="12700" cap="flat" cmpd="sng" algn="ctr">
+                      <a:solidFill>
+                        <a:schemeClr val="tx1"/>
+                      </a:solidFill>
+                      <a:prstDash val="solid"/>
+                      <a:round/>
+                      <a:headEnd type="none" w="med" len="med"/>
+                      <a:tailEnd type="none" w="med" len="med"/>
+                    </a:lnL>
+                    <a:lnR w="12700" cap="flat" cmpd="sng" algn="ctr">
+                      <a:solidFill>
+                        <a:schemeClr val="tx1"/>
+                      </a:solidFill>
+                      <a:prstDash val="solid"/>
+                      <a:round/>
+                      <a:headEnd type="none" w="med" len="med"/>
+                      <a:tailEnd type="none" w="med" len="med"/>
+                    </a:lnR>
+                    <a:lnT w="12700" cap="flat" cmpd="sng" algn="ctr">
+                      <a:solidFill>
+                        <a:schemeClr val="tx1"/>
+                      </a:solidFill>
+                      <a:prstDash val="solid"/>
+                      <a:round/>
+                      <a:headEnd type="none" w="med" len="med"/>
+                      <a:tailEnd type="none" w="med" len="med"/>
+                    </a:lnT>
+                    <a:lnB w="12700" cap="flat" cmpd="sng" algn="ctr">
+                      <a:solidFill>
+                        <a:schemeClr val="tx1"/>
+                      </a:solidFill>
+                      <a:prstDash val="solid"/>
+                      <a:round/>
+                      <a:headEnd type="none" w="med" len="med"/>
+                      <a:tailEnd type="none" w="med" len="med"/>
+                    </a:lnB>
+                    <a:noFill/>
+                  </a:tcPr>
+                </a:tc>
+                <a:tc>
+                  <a:txBody>
+                    <a:bodyPr/>
+                    <a:lstStyle/>
+                    <a:p>
+                      <a:pPr algn="ctr"/>
+                      <a:r>
+                        <a:rPr lang="pt-BR" sz="1100" b="0" cap="none" spc="0" dirty="0">
+                          <a:ln>
+                            <a:noFill/>
+                          </a:ln>
+                          <a:solidFill>
+                            <a:schemeClr val="tx1"/>
+                          </a:solidFill>
+                          <a:effectLst/>
+                          <a:latin typeface="Arial" panose="020B0604020202020204" pitchFamily="34" charset="0"/>
+                          <a:cs typeface="Arial" panose="020B0604020202020204" pitchFamily="34" charset="0"/>
+                        </a:rPr>
+                        <a:t>Ham: 87 </a:t>
+                      </a:r>
+                    </a:p>
+                    <a:p>
+                      <a:pPr algn="ctr"/>
+                      <a:r>
+                        <a:rPr lang="pt-BR" sz="1100" b="0" cap="none" spc="0" dirty="0">
+                          <a:ln>
+                            <a:noFill/>
+                          </a:ln>
+                          <a:solidFill>
+                            <a:schemeClr val="tx1"/>
+                          </a:solidFill>
+                          <a:effectLst/>
+                          <a:latin typeface="Arial" panose="020B0604020202020204" pitchFamily="34" charset="0"/>
+                          <a:cs typeface="Arial" panose="020B0604020202020204" pitchFamily="34" charset="0"/>
+                        </a:rPr>
+                        <a:t>Spam: 99</a:t>
+                      </a:r>
+                    </a:p>
+                  </a:txBody>
+                  <a:tcPr>
+                    <a:lnL w="12700" cap="flat" cmpd="sng" algn="ctr">
+                      <a:solidFill>
+                        <a:schemeClr val="tx1"/>
+                      </a:solidFill>
+                      <a:prstDash val="solid"/>
+                      <a:round/>
+                      <a:headEnd type="none" w="med" len="med"/>
+                      <a:tailEnd type="none" w="med" len="med"/>
+                    </a:lnL>
+                    <a:lnR w="12700" cap="flat" cmpd="sng" algn="ctr">
+                      <a:solidFill>
+                        <a:schemeClr val="tx1"/>
+                      </a:solidFill>
+                      <a:prstDash val="solid"/>
+                      <a:round/>
+                      <a:headEnd type="none" w="med" len="med"/>
+                      <a:tailEnd type="none" w="med" len="med"/>
+                    </a:lnR>
+                    <a:lnT w="12700" cap="flat" cmpd="sng" algn="ctr">
+                      <a:solidFill>
+                        <a:schemeClr val="tx1"/>
+                      </a:solidFill>
+                      <a:prstDash val="solid"/>
+                      <a:round/>
+                      <a:headEnd type="none" w="med" len="med"/>
+                      <a:tailEnd type="none" w="med" len="med"/>
+                    </a:lnT>
+                    <a:lnB w="12700" cap="flat" cmpd="sng" algn="ctr">
+                      <a:solidFill>
+                        <a:schemeClr val="tx1"/>
+                      </a:solidFill>
+                      <a:prstDash val="solid"/>
+                      <a:round/>
+                      <a:headEnd type="none" w="med" len="med"/>
+                      <a:tailEnd type="none" w="med" len="med"/>
+                    </a:lnB>
+                    <a:noFill/>
+                  </a:tcPr>
+                </a:tc>
+                <a:extLst>
+                  <a:ext uri="{0D108BD9-81ED-4DB2-BD59-A6C34878D82A}">
+                    <a16:rowId xmlns:a16="http://schemas.microsoft.com/office/drawing/2014/main" val="3877871028"/>
+                  </a:ext>
+                </a:extLst>
+              </a:tr>
+            </a:tbl>
+          </a:graphicData>
+        </a:graphic>
+      </p:graphicFrame>
+      <p:pic>
+        <p:nvPicPr>
+          <p:cNvPr id="8" name="Imagem 7">
+            <a:extLst>
+              <a:ext uri="{FF2B5EF4-FFF2-40B4-BE49-F238E27FC236}">
+                <a16:creationId xmlns:a16="http://schemas.microsoft.com/office/drawing/2014/main" id="{DA782B1C-6EC9-FED1-5E23-F89D541060BE}"/>
+              </a:ext>
+            </a:extLst>
+          </p:cNvPr>
+          <p:cNvPicPr>
+            <a:picLocks noChangeAspect="1"/>
+          </p:cNvPicPr>
+          <p:nvPr/>
+        </p:nvPicPr>
+        <p:blipFill>
+          <a:blip r:embed="rId3"/>
+          <a:stretch>
+            <a:fillRect/>
+          </a:stretch>
+        </p:blipFill>
+        <p:spPr>
+          <a:xfrm>
+            <a:off x="1097280" y="2032995"/>
+            <a:ext cx="2927105" cy="2792009"/>
+          </a:xfrm>
+          <a:prstGeom prst="rect">
+            <a:avLst/>
+          </a:prstGeom>
+        </p:spPr>
+      </p:pic>
+      <p:pic>
+        <p:nvPicPr>
+          <p:cNvPr id="11" name="Imagem 10">
+            <a:extLst>
+              <a:ext uri="{FF2B5EF4-FFF2-40B4-BE49-F238E27FC236}">
+                <a16:creationId xmlns:a16="http://schemas.microsoft.com/office/drawing/2014/main" id="{A10A35BF-FAC7-B9CB-A4AD-4A74FA50F75F}"/>
+              </a:ext>
+            </a:extLst>
+          </p:cNvPr>
+          <p:cNvPicPr>
+            <a:picLocks noChangeAspect="1"/>
+          </p:cNvPicPr>
+          <p:nvPr/>
+        </p:nvPicPr>
+        <p:blipFill>
+          <a:blip r:embed="rId4"/>
+          <a:stretch>
+            <a:fillRect/>
+          </a:stretch>
+        </p:blipFill>
+        <p:spPr>
+          <a:xfrm>
+            <a:off x="8628206" y="2133600"/>
+            <a:ext cx="2631760" cy="2691404"/>
+          </a:xfrm>
+          <a:prstGeom prst="rect">
+            <a:avLst/>
+          </a:prstGeom>
+        </p:spPr>
+      </p:pic>
+    </p:spTree>
+    <p:extLst>
+      <p:ext uri="{BB962C8B-B14F-4D97-AF65-F5344CB8AC3E}">
+        <p14:creationId xmlns:p14="http://schemas.microsoft.com/office/powerpoint/2010/main" val="4115437027"/>
+      </p:ext>
+    </p:extLst>
+  </p:cSld>
+  <p:clrMapOvr>
+    <a:masterClrMapping/>
+  </p:clrMapOvr>
+</p:sld>
+</file>
+
+<file path=ppt/slides/slide6.xml><?xml version="1.0" encoding="utf-8"?>
+<p:sld xmlns:a="http://schemas.openxmlformats.org/drawingml/2006/main" xmlns:r="http://schemas.openxmlformats.org/officeDocument/2006/relationships" xmlns:p="http://schemas.openxmlformats.org/presentationml/2006/main">
+  <p:cSld>
+    <p:spTree>
+      <p:nvGrpSpPr>
+        <p:cNvPr id="1" name=""/>
+        <p:cNvGrpSpPr/>
+        <p:nvPr/>
+      </p:nvGrpSpPr>
+      <p:grpSpPr>
+        <a:xfrm>
+          <a:off x="0" y="0"/>
+          <a:ext cx="0" cy="0"/>
+          <a:chOff x="0" y="0"/>
+          <a:chExt cx="0" cy="0"/>
+        </a:xfrm>
+      </p:grpSpPr>
+      <p:pic>
+        <p:nvPicPr>
+          <p:cNvPr id="5" name="Imagem 4">
+            <a:extLst>
+              <a:ext uri="{FF2B5EF4-FFF2-40B4-BE49-F238E27FC236}">
+                <a16:creationId xmlns:a16="http://schemas.microsoft.com/office/drawing/2014/main" id="{3A51B374-E7F4-ED40-90E9-F499EFA613E4}"/>
+              </a:ext>
+            </a:extLst>
+          </p:cNvPr>
+          <p:cNvPicPr>
+            <a:picLocks noChangeAspect="1"/>
+          </p:cNvPicPr>
+          <p:nvPr/>
+        </p:nvPicPr>
+        <p:blipFill>
+          <a:blip r:embed="rId2"/>
+          <a:stretch>
+            <a:fillRect/>
+          </a:stretch>
+        </p:blipFill>
+        <p:spPr>
+          <a:xfrm>
+            <a:off x="1097280" y="4071377"/>
+            <a:ext cx="4446612" cy="2213639"/>
+          </a:xfrm>
+          <a:prstGeom prst="rect">
+            <a:avLst/>
+          </a:prstGeom>
+        </p:spPr>
+      </p:pic>
+      <p:pic>
+        <p:nvPicPr>
+          <p:cNvPr id="6" name="Imagem 5">
+            <a:extLst>
+              <a:ext uri="{FF2B5EF4-FFF2-40B4-BE49-F238E27FC236}">
+                <a16:creationId xmlns:a16="http://schemas.microsoft.com/office/drawing/2014/main" id="{EBF2753E-8CA7-9463-8202-AAD7F69F6908}"/>
+              </a:ext>
+            </a:extLst>
+          </p:cNvPr>
+          <p:cNvPicPr>
+            <a:picLocks noChangeAspect="1"/>
+          </p:cNvPicPr>
+          <p:nvPr/>
+        </p:nvPicPr>
+        <p:blipFill>
+          <a:blip r:embed="rId3"/>
+          <a:stretch>
+            <a:fillRect/>
+          </a:stretch>
+        </p:blipFill>
+        <p:spPr>
+          <a:xfrm>
+            <a:off x="6418906" y="4056866"/>
+            <a:ext cx="4446612" cy="2228150"/>
+          </a:xfrm>
+          <a:prstGeom prst="rect">
+            <a:avLst/>
+          </a:prstGeom>
+        </p:spPr>
+      </p:pic>
+      <p:pic>
+        <p:nvPicPr>
+          <p:cNvPr id="7" name="Imagem 6">
+            <a:extLst>
+              <a:ext uri="{FF2B5EF4-FFF2-40B4-BE49-F238E27FC236}">
+                <a16:creationId xmlns:a16="http://schemas.microsoft.com/office/drawing/2014/main" id="{2A11A574-01CE-CAB0-CB18-52BB453F026A}"/>
+              </a:ext>
+            </a:extLst>
+          </p:cNvPr>
+          <p:cNvPicPr>
+            <a:picLocks noChangeAspect="1"/>
+          </p:cNvPicPr>
+          <p:nvPr/>
+        </p:nvPicPr>
+        <p:blipFill>
+          <a:blip r:embed="rId4"/>
+          <a:stretch>
+            <a:fillRect/>
+          </a:stretch>
+        </p:blipFill>
+        <p:spPr>
+          <a:xfrm>
+            <a:off x="997116" y="1821374"/>
+            <a:ext cx="4611296" cy="2250003"/>
+          </a:xfrm>
+          <a:prstGeom prst="rect">
+            <a:avLst/>
+          </a:prstGeom>
+        </p:spPr>
+      </p:pic>
+      <p:sp>
+        <p:nvSpPr>
+          <p:cNvPr id="10" name="Espaço Reservado para Rodapé 3">
+            <a:extLst>
+              <a:ext uri="{FF2B5EF4-FFF2-40B4-BE49-F238E27FC236}">
+                <a16:creationId xmlns:a16="http://schemas.microsoft.com/office/drawing/2014/main" id="{FFC1FF1C-F97B-4D44-822B-6676F42AE012}"/>
+              </a:ext>
+            </a:extLst>
+          </p:cNvPr>
+          <p:cNvSpPr>
+            <a:spLocks noGrp="1"/>
+          </p:cNvSpPr>
+          <p:nvPr>
+            <p:ph type="ftr" sz="quarter" idx="11"/>
+          </p:nvPr>
+        </p:nvSpPr>
+        <p:spPr>
+          <a:xfrm>
+            <a:off x="3684596" y="6455648"/>
+            <a:ext cx="4822804" cy="365125"/>
+          </a:xfrm>
+        </p:spPr>
+        <p:txBody>
+          <a:bodyPr/>
+          <a:lstStyle/>
+          <a:p>
+            <a:r>
+              <a:rPr lang="pt-BR" dirty="0"/>
+              <a:t>Aprendizado Profundo - 2023</a:t>
+            </a:r>
+          </a:p>
+        </p:txBody>
+      </p:sp>
+      <p:pic>
+        <p:nvPicPr>
+          <p:cNvPr id="11" name="Imagem 10" descr="Janela de vidro&#10;&#10;Descrição gerada automaticamente com confiança média">
+            <a:extLst>
+              <a:ext uri="{FF2B5EF4-FFF2-40B4-BE49-F238E27FC236}">
+                <a16:creationId xmlns:a16="http://schemas.microsoft.com/office/drawing/2014/main" id="{EF02C0CA-7A86-A796-60E9-E73268242E69}"/>
+              </a:ext>
+            </a:extLst>
+          </p:cNvPr>
+          <p:cNvPicPr>
+            <a:picLocks noChangeAspect="1"/>
+          </p:cNvPicPr>
+          <p:nvPr/>
+        </p:nvPicPr>
+        <p:blipFill>
+          <a:blip r:embed="rId5" cstate="print">
+            <a:extLst>
+              <a:ext uri="{28A0092B-C50C-407E-A947-70E740481C1C}">
+                <a14:useLocalDpi xmlns:a14="http://schemas.microsoft.com/office/drawing/2010/main" val="0"/>
+              </a:ext>
+            </a:extLst>
+          </a:blip>
+          <a:stretch>
+            <a:fillRect/>
+          </a:stretch>
+        </p:blipFill>
+        <p:spPr>
+          <a:xfrm>
+            <a:off x="118159" y="6470866"/>
+            <a:ext cx="373152" cy="332105"/>
+          </a:xfrm>
+          <a:prstGeom prst="rect">
+            <a:avLst/>
+          </a:prstGeom>
+        </p:spPr>
+      </p:pic>
+      <p:pic>
+        <p:nvPicPr>
+          <p:cNvPr id="13" name="Imagem 12">
+            <a:extLst>
+              <a:ext uri="{FF2B5EF4-FFF2-40B4-BE49-F238E27FC236}">
+                <a16:creationId xmlns:a16="http://schemas.microsoft.com/office/drawing/2014/main" id="{C86AB45C-E5BB-A0B9-A7C8-0EDDFAE42894}"/>
+              </a:ext>
+            </a:extLst>
+          </p:cNvPr>
+          <p:cNvPicPr>
+            <a:picLocks noChangeAspect="1"/>
+          </p:cNvPicPr>
+          <p:nvPr/>
+        </p:nvPicPr>
+        <p:blipFill>
+          <a:blip r:embed="rId6"/>
+          <a:stretch>
+            <a:fillRect/>
+          </a:stretch>
+        </p:blipFill>
+        <p:spPr>
+          <a:xfrm>
+            <a:off x="6418907" y="1818997"/>
+            <a:ext cx="4446611" cy="2237869"/>
+          </a:xfrm>
+          <a:prstGeom prst="rect">
+            <a:avLst/>
+          </a:prstGeom>
+        </p:spPr>
+      </p:pic>
+      <p:sp>
+        <p:nvSpPr>
+          <p:cNvPr id="17" name="Título 19">
+            <a:extLst>
+              <a:ext uri="{FF2B5EF4-FFF2-40B4-BE49-F238E27FC236}">
+                <a16:creationId xmlns:a16="http://schemas.microsoft.com/office/drawing/2014/main" id="{776052EC-7D49-8320-BBE8-0CB7C46933A9}"/>
+              </a:ext>
+            </a:extLst>
+          </p:cNvPr>
+          <p:cNvSpPr txBox="1">
+            <a:spLocks/>
+          </p:cNvSpPr>
+          <p:nvPr/>
+        </p:nvSpPr>
+        <p:spPr>
+          <a:xfrm>
+            <a:off x="1097280" y="626919"/>
+            <a:ext cx="10058400" cy="720197"/>
+          </a:xfrm>
+          <a:prstGeom prst="rect">
+            <a:avLst/>
+          </a:prstGeom>
+        </p:spPr>
+        <p:txBody>
+          <a:bodyPr vert="horz" lIns="91440" tIns="45720" rIns="91440" bIns="45720" rtlCol="0" anchor="b">
+            <a:normAutofit/>
+          </a:bodyPr>
+          <a:lstStyle>
+            <a:lvl1pPr marL="0" algn="l" defTabSz="914400" rtl="0" eaLnBrk="1" latinLnBrk="0" hangingPunct="1">
+              <a:lnSpc>
+                <a:spcPct val="85000"/>
+              </a:lnSpc>
+              <a:spcBef>
+                <a:spcPct val="0"/>
+              </a:spcBef>
+              <a:buNone/>
+              <a:defRPr sz="4800" kern="1200" spc="-50" baseline="0">
+                <a:solidFill>
+                  <a:schemeClr val="tx1">
+                    <a:lumMod val="75000"/>
+                    <a:lumOff val="25000"/>
+                  </a:schemeClr>
+                </a:solidFill>
+                <a:latin typeface="+mj-lt"/>
+                <a:ea typeface="+mj-ea"/>
+                <a:cs typeface="+mj-cs"/>
+              </a:defRPr>
+            </a:lvl1pPr>
+          </a:lstStyle>
+          <a:p>
+            <a:pPr marL="457200" indent="-457200">
+              <a:buFont typeface="Arial" panose="020B0604020202020204" pitchFamily="34" charset="0"/>
+              <a:buChar char="•"/>
+            </a:pPr>
+            <a:r>
+              <a:rPr lang="pt-BR" sz="2000" b="1" dirty="0">
+                <a:solidFill>
+                  <a:schemeClr val="tx1"/>
+                </a:solidFill>
+                <a:latin typeface="Arial" panose="020B0604020202020204" pitchFamily="34" charset="0"/>
+                <a:cs typeface="Arial" panose="020B0604020202020204" pitchFamily="34" charset="0"/>
+              </a:rPr>
+              <a:t>4.	</a:t>
+            </a:r>
+            <a:r>
+              <a:rPr lang="pt-BR" sz="2000" b="1" dirty="0">
+                <a:solidFill>
+                  <a:prstClr val="black"/>
+                </a:solidFill>
+                <a:latin typeface="Arial" panose="020B0604020202020204" pitchFamily="34" charset="0"/>
+                <a:cs typeface="Arial" panose="020B0604020202020204" pitchFamily="34" charset="0"/>
+              </a:rPr>
+              <a:t>RESULTADOS E CONCLUSÃO</a:t>
+            </a:r>
+            <a:br>
+              <a:rPr lang="pt-BR" sz="2000" b="1" dirty="0">
+                <a:solidFill>
+                  <a:schemeClr val="tx1"/>
+                </a:solidFill>
+                <a:latin typeface="Arial" panose="020B0604020202020204" pitchFamily="34" charset="0"/>
+                <a:cs typeface="Arial" panose="020B0604020202020204" pitchFamily="34" charset="0"/>
+              </a:rPr>
+            </a:br>
+            <a:r>
+              <a:rPr lang="pt-BR" sz="2000" b="1" dirty="0">
+                <a:solidFill>
+                  <a:schemeClr val="tx1"/>
+                </a:solidFill>
+                <a:latin typeface="Arial" panose="020B0604020202020204" pitchFamily="34" charset="0"/>
+                <a:cs typeface="Arial" panose="020B0604020202020204" pitchFamily="34" charset="0"/>
+              </a:rPr>
+              <a:t>	</a:t>
+            </a:r>
+            <a:r>
+              <a:rPr lang="pt-BR" sz="1600" b="1" dirty="0">
+                <a:solidFill>
+                  <a:schemeClr val="tx1"/>
+                </a:solidFill>
+                <a:latin typeface="Arial" panose="020B0604020202020204" pitchFamily="34" charset="0"/>
+                <a:cs typeface="Arial" panose="020B0604020202020204" pitchFamily="34" charset="0"/>
+              </a:rPr>
+              <a:t>4.2. Resultados</a:t>
+            </a:r>
+            <a:endParaRPr lang="pt-BR" sz="2000" b="1" dirty="0">
+              <a:solidFill>
+                <a:schemeClr val="tx1"/>
+              </a:solidFill>
+              <a:latin typeface="Arial" panose="020B0604020202020204" pitchFamily="34" charset="0"/>
+              <a:cs typeface="Arial" panose="020B0604020202020204" pitchFamily="34" charset="0"/>
+            </a:endParaRPr>
+          </a:p>
+        </p:txBody>
+      </p:sp>
+    </p:spTree>
+    <p:extLst>
+      <p:ext uri="{BB962C8B-B14F-4D97-AF65-F5344CB8AC3E}">
+        <p14:creationId xmlns:p14="http://schemas.microsoft.com/office/powerpoint/2010/main" val="2436323197"/>
+      </p:ext>
+    </p:extLst>
+  </p:cSld>
+  <p:clrMapOvr>
+    <a:masterClrMapping/>
+  </p:clrMapOvr>
+</p:sld>
+</file>
+
+<file path=ppt/slides/slide7.xml><?xml version="1.0" encoding="utf-8"?>
+<p:sld xmlns:a="http://schemas.openxmlformats.org/drawingml/2006/main" xmlns:r="http://schemas.openxmlformats.org/officeDocument/2006/relationships" xmlns:p="http://schemas.openxmlformats.org/presentationml/2006/main">
+  <p:cSld>
+    <p:spTree>
+      <p:nvGrpSpPr>
+        <p:cNvPr id="1" name=""/>
+        <p:cNvGrpSpPr/>
+        <p:nvPr/>
+      </p:nvGrpSpPr>
+      <p:grpSpPr>
+        <a:xfrm>
+          <a:off x="0" y="0"/>
+          <a:ext cx="0" cy="0"/>
+          <a:chOff x="0" y="0"/>
+          <a:chExt cx="0" cy="0"/>
+        </a:xfrm>
+      </p:grpSpPr>
+      <p:graphicFrame>
+        <p:nvGraphicFramePr>
+          <p:cNvPr id="8" name="Tabela 7">
+            <a:extLst>
+              <a:ext uri="{FF2B5EF4-FFF2-40B4-BE49-F238E27FC236}">
+                <a16:creationId xmlns:a16="http://schemas.microsoft.com/office/drawing/2014/main" id="{7F63E94D-6163-31F4-1B26-1D0F5B0D623C}"/>
+              </a:ext>
+            </a:extLst>
+          </p:cNvPr>
+          <p:cNvGraphicFramePr>
+            <a:graphicFrameLocks noGrp="1"/>
+          </p:cNvGraphicFramePr>
+          <p:nvPr>
+            <p:extLst>
+              <p:ext uri="{D42A27DB-BD31-4B8C-83A1-F6EECF244321}">
+                <p14:modId xmlns:p14="http://schemas.microsoft.com/office/powerpoint/2010/main" val="1038695321"/>
+              </p:ext>
+            </p:extLst>
+          </p:nvPr>
+        </p:nvGraphicFramePr>
+        <p:xfrm>
+          <a:off x="1827291" y="2670772"/>
+          <a:ext cx="8537418" cy="2181883"/>
+        </p:xfrm>
+        <a:graphic>
+          <a:graphicData uri="http://schemas.openxmlformats.org/drawingml/2006/table">
+            <a:tbl>
+              <a:tblPr firstRow="1" bandRow="1">
+                <a:effectLst/>
+                <a:tableStyleId>{5C22544A-7EE6-4342-B048-85BDC9FD1C3A}</a:tableStyleId>
+              </a:tblPr>
+              <a:tblGrid>
+                <a:gridCol w="2307788">
+                  <a:extLst>
+                    <a:ext uri="{9D8B030D-6E8A-4147-A177-3AD203B41FA5}">
+                      <a16:colId xmlns:a16="http://schemas.microsoft.com/office/drawing/2014/main" val="4249006466"/>
+                    </a:ext>
+                  </a:extLst>
+                </a:gridCol>
+                <a:gridCol w="3114815">
+                  <a:extLst>
+                    <a:ext uri="{9D8B030D-6E8A-4147-A177-3AD203B41FA5}">
+                      <a16:colId xmlns:a16="http://schemas.microsoft.com/office/drawing/2014/main" val="1040954500"/>
+                    </a:ext>
+                  </a:extLst>
+                </a:gridCol>
+                <a:gridCol w="3114815">
+                  <a:extLst>
+                    <a:ext uri="{9D8B030D-6E8A-4147-A177-3AD203B41FA5}">
+                      <a16:colId xmlns:a16="http://schemas.microsoft.com/office/drawing/2014/main" val="2451120"/>
+                    </a:ext>
+                  </a:extLst>
+                </a:gridCol>
+              </a:tblGrid>
+              <a:tr h="366557">
+                <a:tc>
+                  <a:txBody>
+                    <a:bodyPr/>
+                    <a:lstStyle/>
+                    <a:p>
+                      <a:pPr algn="ctr"/>
+                      <a:r>
+                        <a:rPr lang="pt-BR" sz="1400" b="1" cap="none" spc="0" dirty="0">
+                          <a:ln>
+                            <a:noFill/>
+                          </a:ln>
+                          <a:solidFill>
+                            <a:schemeClr val="tx1"/>
+                          </a:solidFill>
+                          <a:effectLst/>
+                          <a:latin typeface="Arial" panose="020B0604020202020204" pitchFamily="34" charset="0"/>
+                          <a:cs typeface="Arial" panose="020B0604020202020204" pitchFamily="34" charset="0"/>
+                        </a:rPr>
+                        <a:t>Conjunto de Dados</a:t>
+                      </a:r>
+                    </a:p>
+                  </a:txBody>
+                  <a:tcPr>
+                    <a:lnL w="12700" cap="flat" cmpd="sng" algn="ctr">
+                      <a:solidFill>
+                        <a:schemeClr val="tx1"/>
+                      </a:solidFill>
+                      <a:prstDash val="solid"/>
+                      <a:round/>
+                      <a:headEnd type="none" w="med" len="med"/>
+                      <a:tailEnd type="none" w="med" len="med"/>
+                    </a:lnL>
+                    <a:lnR w="12700" cap="flat" cmpd="sng" algn="ctr">
+                      <a:solidFill>
+                        <a:schemeClr val="tx1"/>
+                      </a:solidFill>
+                      <a:prstDash val="solid"/>
+                      <a:round/>
+                      <a:headEnd type="none" w="med" len="med"/>
+                      <a:tailEnd type="none" w="med" len="med"/>
+                    </a:lnR>
+                    <a:lnT w="12700" cap="flat" cmpd="sng" algn="ctr">
+                      <a:solidFill>
+                        <a:schemeClr val="tx1"/>
+                      </a:solidFill>
+                      <a:prstDash val="solid"/>
+                      <a:round/>
+                      <a:headEnd type="none" w="med" len="med"/>
+                      <a:tailEnd type="none" w="med" len="med"/>
+                    </a:lnT>
+                    <a:lnB w="12700" cap="flat" cmpd="sng" algn="ctr">
+                      <a:solidFill>
+                        <a:schemeClr val="tx1"/>
+                      </a:solidFill>
+                      <a:prstDash val="solid"/>
+                      <a:round/>
+                      <a:headEnd type="none" w="med" len="med"/>
+                      <a:tailEnd type="none" w="med" len="med"/>
+                    </a:lnB>
+                    <a:noFill/>
+                  </a:tcPr>
+                </a:tc>
+                <a:tc>
+                  <a:txBody>
+                    <a:bodyPr/>
+                    <a:lstStyle/>
+                    <a:p>
+                      <a:pPr algn="ctr"/>
+                      <a:r>
+                        <a:rPr lang="pt-BR" sz="1400" b="1" cap="none" spc="0" dirty="0">
+                          <a:ln>
+                            <a:noFill/>
+                          </a:ln>
+                          <a:solidFill>
+                            <a:schemeClr val="tx1"/>
+                          </a:solidFill>
+                          <a:effectLst/>
+                          <a:latin typeface="Arial" panose="020B0604020202020204" pitchFamily="34" charset="0"/>
+                          <a:cs typeface="Arial" panose="020B0604020202020204" pitchFamily="34" charset="0"/>
+                        </a:rPr>
+                        <a:t>Tempo Treinamento</a:t>
+                      </a:r>
+                    </a:p>
+                  </a:txBody>
+                  <a:tcPr>
+                    <a:lnL w="12700" cap="flat" cmpd="sng" algn="ctr">
+                      <a:solidFill>
+                        <a:schemeClr val="tx1"/>
+                      </a:solidFill>
+                      <a:prstDash val="solid"/>
+                      <a:round/>
+                      <a:headEnd type="none" w="med" len="med"/>
+                      <a:tailEnd type="none" w="med" len="med"/>
+                    </a:lnL>
+                    <a:lnR w="12700" cap="flat" cmpd="sng" algn="ctr">
+                      <a:solidFill>
+                        <a:schemeClr val="tx1"/>
+                      </a:solidFill>
+                      <a:prstDash val="solid"/>
+                      <a:round/>
+                      <a:headEnd type="none" w="med" len="med"/>
+                      <a:tailEnd type="none" w="med" len="med"/>
+                    </a:lnR>
+                    <a:lnT w="12700" cap="flat" cmpd="sng" algn="ctr">
+                      <a:solidFill>
+                        <a:schemeClr val="tx1"/>
+                      </a:solidFill>
+                      <a:prstDash val="solid"/>
+                      <a:round/>
+                      <a:headEnd type="none" w="med" len="med"/>
+                      <a:tailEnd type="none" w="med" len="med"/>
+                    </a:lnT>
+                    <a:lnB w="12700" cap="flat" cmpd="sng" algn="ctr">
+                      <a:solidFill>
+                        <a:schemeClr val="tx1"/>
+                      </a:solidFill>
+                      <a:prstDash val="solid"/>
+                      <a:round/>
+                      <a:headEnd type="none" w="med" len="med"/>
+                      <a:tailEnd type="none" w="med" len="med"/>
+                    </a:lnB>
+                    <a:noFill/>
+                  </a:tcPr>
+                </a:tc>
+                <a:tc>
+                  <a:txBody>
+                    <a:bodyPr/>
+                    <a:lstStyle/>
+                    <a:p>
+                      <a:pPr algn="ctr"/>
+                      <a:r>
+                        <a:rPr lang="pt-BR" sz="1400" b="1" cap="none" spc="0" dirty="0">
+                          <a:ln>
+                            <a:noFill/>
+                          </a:ln>
+                          <a:solidFill>
+                            <a:schemeClr val="tx1"/>
+                          </a:solidFill>
+                          <a:effectLst/>
+                          <a:latin typeface="Arial" panose="020B0604020202020204" pitchFamily="34" charset="0"/>
+                          <a:cs typeface="Arial" panose="020B0604020202020204" pitchFamily="34" charset="0"/>
+                        </a:rPr>
+                        <a:t>Acurácia no conjunto de teste</a:t>
+                      </a:r>
+                    </a:p>
+                  </a:txBody>
+                  <a:tcPr>
+                    <a:lnL w="12700" cap="flat" cmpd="sng" algn="ctr">
+                      <a:solidFill>
+                        <a:schemeClr val="tx1"/>
+                      </a:solidFill>
+                      <a:prstDash val="solid"/>
+                      <a:round/>
+                      <a:headEnd type="none" w="med" len="med"/>
+                      <a:tailEnd type="none" w="med" len="med"/>
+                    </a:lnL>
+                    <a:lnR w="12700" cap="flat" cmpd="sng" algn="ctr">
+                      <a:solidFill>
+                        <a:schemeClr val="tx1"/>
+                      </a:solidFill>
+                      <a:prstDash val="solid"/>
+                      <a:round/>
+                      <a:headEnd type="none" w="med" len="med"/>
+                      <a:tailEnd type="none" w="med" len="med"/>
+                    </a:lnR>
+                    <a:lnT w="12700" cap="flat" cmpd="sng" algn="ctr">
+                      <a:solidFill>
+                        <a:schemeClr val="tx1"/>
+                      </a:solidFill>
+                      <a:prstDash val="solid"/>
+                      <a:round/>
+                      <a:headEnd type="none" w="med" len="med"/>
+                      <a:tailEnd type="none" w="med" len="med"/>
+                    </a:lnT>
+                    <a:lnB w="12700" cap="flat" cmpd="sng" algn="ctr">
+                      <a:solidFill>
+                        <a:schemeClr val="tx1"/>
+                      </a:solidFill>
+                      <a:prstDash val="solid"/>
+                      <a:round/>
+                      <a:headEnd type="none" w="med" len="med"/>
+                      <a:tailEnd type="none" w="med" len="med"/>
+                    </a:lnB>
+                    <a:noFill/>
+                  </a:tcPr>
+                </a:tc>
+                <a:extLst>
+                  <a:ext uri="{0D108BD9-81ED-4DB2-BD59-A6C34878D82A}">
+                    <a16:rowId xmlns:a16="http://schemas.microsoft.com/office/drawing/2014/main" val="3144703543"/>
+                  </a:ext>
+                </a:extLst>
+              </a:tr>
+              <a:tr h="366401">
+                <a:tc>
+                  <a:txBody>
+                    <a:bodyPr/>
+                    <a:lstStyle/>
+                    <a:p>
+                      <a:pPr algn="ctr"/>
+                      <a:r>
+                        <a:rPr lang="pt-BR" sz="1100" b="0" cap="none" spc="0" dirty="0">
+                          <a:ln>
+                            <a:noFill/>
+                          </a:ln>
+                          <a:solidFill>
+                            <a:schemeClr val="tx1"/>
+                          </a:solidFill>
+                          <a:effectLst/>
+                          <a:latin typeface="Arial" panose="020B0604020202020204" pitchFamily="34" charset="0"/>
+                          <a:cs typeface="Arial" panose="020B0604020202020204" pitchFamily="34" charset="0"/>
+                        </a:rPr>
+                        <a:t>Livraria (1163 amostras)</a:t>
+                      </a:r>
+                    </a:p>
+                  </a:txBody>
+                  <a:tcPr>
+                    <a:lnL w="12700" cap="flat" cmpd="sng" algn="ctr">
+                      <a:solidFill>
+                        <a:schemeClr val="tx1"/>
+                      </a:solidFill>
+                      <a:prstDash val="solid"/>
+                      <a:round/>
+                      <a:headEnd type="none" w="med" len="med"/>
+                      <a:tailEnd type="none" w="med" len="med"/>
+                    </a:lnL>
+                    <a:lnR w="12700" cap="flat" cmpd="sng" algn="ctr">
+                      <a:solidFill>
+                        <a:schemeClr val="tx1"/>
+                      </a:solidFill>
+                      <a:prstDash val="solid"/>
+                      <a:round/>
+                      <a:headEnd type="none" w="med" len="med"/>
+                      <a:tailEnd type="none" w="med" len="med"/>
+                    </a:lnR>
+                    <a:lnT w="12700" cap="flat" cmpd="sng" algn="ctr">
+                      <a:solidFill>
+                        <a:schemeClr val="tx1"/>
+                      </a:solidFill>
+                      <a:prstDash val="solid"/>
+                      <a:round/>
+                      <a:headEnd type="none" w="med" len="med"/>
+                      <a:tailEnd type="none" w="med" len="med"/>
+                    </a:lnT>
+                    <a:lnB w="12700" cap="flat" cmpd="sng" algn="ctr">
+                      <a:solidFill>
+                        <a:schemeClr val="tx1"/>
+                      </a:solidFill>
+                      <a:prstDash val="solid"/>
+                      <a:round/>
+                      <a:headEnd type="none" w="med" len="med"/>
+                      <a:tailEnd type="none" w="med" len="med"/>
+                    </a:lnB>
+                    <a:noFill/>
+                  </a:tcPr>
+                </a:tc>
+                <a:tc>
+                  <a:txBody>
+                    <a:bodyPr/>
+                    <a:lstStyle/>
+                    <a:p>
+                      <a:pPr marL="0" marR="0" lvl="0" indent="0" algn="ctr" defTabSz="914400" rtl="0" eaLnBrk="1" fontAlgn="auto" latinLnBrk="0" hangingPunct="1">
+                        <a:lnSpc>
+                          <a:spcPct val="100000"/>
+                        </a:lnSpc>
+                        <a:spcBef>
+                          <a:spcPts val="0"/>
+                        </a:spcBef>
+                        <a:spcAft>
+                          <a:spcPts val="0"/>
+                        </a:spcAft>
+                        <a:buClrTx/>
+                        <a:buSzTx/>
+                        <a:buFontTx/>
+                        <a:buNone/>
+                        <a:tabLst/>
+                        <a:defRPr/>
+                      </a:pPr>
+                      <a:r>
+                        <a:rPr lang="pt-BR" sz="1100" b="0" cap="none" spc="0" dirty="0">
+                          <a:ln>
+                            <a:noFill/>
+                          </a:ln>
+                          <a:solidFill>
+                            <a:schemeClr val="tx1"/>
+                          </a:solidFill>
+                          <a:effectLst/>
+                          <a:latin typeface="Arial" panose="020B0604020202020204" pitchFamily="34" charset="0"/>
+                          <a:cs typeface="Arial" panose="020B0604020202020204" pitchFamily="34" charset="0"/>
+                        </a:rPr>
+                        <a:t>6 Segundos</a:t>
+                      </a:r>
+                    </a:p>
+                  </a:txBody>
+                  <a:tcPr>
+                    <a:lnL w="12700" cap="flat" cmpd="sng" algn="ctr">
+                      <a:solidFill>
+                        <a:schemeClr val="tx1"/>
+                      </a:solidFill>
+                      <a:prstDash val="solid"/>
+                      <a:round/>
+                      <a:headEnd type="none" w="med" len="med"/>
+                      <a:tailEnd type="none" w="med" len="med"/>
+                    </a:lnL>
+                    <a:lnR w="12700" cap="flat" cmpd="sng" algn="ctr">
+                      <a:solidFill>
+                        <a:schemeClr val="tx1"/>
+                      </a:solidFill>
+                      <a:prstDash val="solid"/>
+                      <a:round/>
+                      <a:headEnd type="none" w="med" len="med"/>
+                      <a:tailEnd type="none" w="med" len="med"/>
+                    </a:lnR>
+                    <a:lnT w="12700" cap="flat" cmpd="sng" algn="ctr">
+                      <a:solidFill>
+                        <a:schemeClr val="tx1"/>
+                      </a:solidFill>
+                      <a:prstDash val="solid"/>
+                      <a:round/>
+                      <a:headEnd type="none" w="med" len="med"/>
+                      <a:tailEnd type="none" w="med" len="med"/>
+                    </a:lnT>
+                    <a:lnB w="12700" cap="flat" cmpd="sng" algn="ctr">
+                      <a:solidFill>
+                        <a:schemeClr val="tx1"/>
+                      </a:solidFill>
+                      <a:prstDash val="solid"/>
+                      <a:round/>
+                      <a:headEnd type="none" w="med" len="med"/>
+                      <a:tailEnd type="none" w="med" len="med"/>
+                    </a:lnB>
+                    <a:noFill/>
+                  </a:tcPr>
+                </a:tc>
+                <a:tc>
+                  <a:txBody>
+                    <a:bodyPr/>
+                    <a:lstStyle/>
+                    <a:p>
+                      <a:pPr marL="0" marR="0" lvl="0" indent="0" algn="ctr" defTabSz="914400" rtl="0" eaLnBrk="1" fontAlgn="auto" latinLnBrk="0" hangingPunct="1">
+                        <a:lnSpc>
+                          <a:spcPct val="100000"/>
+                        </a:lnSpc>
+                        <a:spcBef>
+                          <a:spcPts val="0"/>
+                        </a:spcBef>
+                        <a:spcAft>
+                          <a:spcPts val="0"/>
+                        </a:spcAft>
+                        <a:buClrTx/>
+                        <a:buSzTx/>
+                        <a:buFontTx/>
+                        <a:buNone/>
+                        <a:tabLst/>
+                        <a:defRPr/>
+                      </a:pPr>
+                      <a:r>
+                        <a:rPr lang="pt-BR" sz="1100" b="0" cap="none" spc="0" dirty="0">
+                          <a:ln>
+                            <a:noFill/>
+                          </a:ln>
+                          <a:solidFill>
+                            <a:schemeClr val="tx1"/>
+                          </a:solidFill>
+                          <a:effectLst/>
+                          <a:latin typeface="Arial" panose="020B0604020202020204" pitchFamily="34" charset="0"/>
+                          <a:cs typeface="Arial" panose="020B0604020202020204" pitchFamily="34" charset="0"/>
+                        </a:rPr>
+                        <a:t>80.26%</a:t>
+                      </a:r>
+                    </a:p>
+                  </a:txBody>
+                  <a:tcPr>
+                    <a:lnL w="12700" cap="flat" cmpd="sng" algn="ctr">
+                      <a:solidFill>
+                        <a:schemeClr val="tx1"/>
+                      </a:solidFill>
+                      <a:prstDash val="solid"/>
+                      <a:round/>
+                      <a:headEnd type="none" w="med" len="med"/>
+                      <a:tailEnd type="none" w="med" len="med"/>
+                    </a:lnL>
+                    <a:lnR w="12700" cap="flat" cmpd="sng" algn="ctr">
+                      <a:solidFill>
+                        <a:schemeClr val="tx1"/>
+                      </a:solidFill>
+                      <a:prstDash val="solid"/>
+                      <a:round/>
+                      <a:headEnd type="none" w="med" len="med"/>
+                      <a:tailEnd type="none" w="med" len="med"/>
+                    </a:lnR>
+                    <a:lnT w="12700" cap="flat" cmpd="sng" algn="ctr">
+                      <a:solidFill>
+                        <a:schemeClr val="tx1"/>
+                      </a:solidFill>
+                      <a:prstDash val="solid"/>
+                      <a:round/>
+                      <a:headEnd type="none" w="med" len="med"/>
+                      <a:tailEnd type="none" w="med" len="med"/>
+                    </a:lnT>
+                    <a:lnB w="12700" cap="flat" cmpd="sng" algn="ctr">
+                      <a:solidFill>
+                        <a:schemeClr val="tx1"/>
+                      </a:solidFill>
+                      <a:prstDash val="solid"/>
+                      <a:round/>
+                      <a:headEnd type="none" w="med" len="med"/>
+                      <a:tailEnd type="none" w="med" len="med"/>
+                    </a:lnB>
+                    <a:noFill/>
+                  </a:tcPr>
+                </a:tc>
+                <a:extLst>
+                  <a:ext uri="{0D108BD9-81ED-4DB2-BD59-A6C34878D82A}">
+                    <a16:rowId xmlns:a16="http://schemas.microsoft.com/office/drawing/2014/main" val="3932085244"/>
+                  </a:ext>
+                </a:extLst>
+              </a:tr>
+              <a:tr h="482975">
+                <a:tc>
+                  <a:txBody>
+                    <a:bodyPr/>
+                    <a:lstStyle/>
+                    <a:p>
+                      <a:pPr algn="ctr"/>
+                      <a:r>
+                        <a:rPr lang="pt-BR" sz="1100" b="0" cap="none" spc="0" dirty="0">
+                          <a:ln>
+                            <a:noFill/>
+                          </a:ln>
+                          <a:solidFill>
+                            <a:schemeClr val="tx1"/>
+                          </a:solidFill>
+                          <a:effectLst/>
+                          <a:latin typeface="Arial" panose="020B0604020202020204" pitchFamily="34" charset="0"/>
+                          <a:cs typeface="Arial" panose="020B0604020202020204" pitchFamily="34" charset="0"/>
+                        </a:rPr>
+                        <a:t>Livraria + Random Deletion (2326 amostras)</a:t>
+                      </a:r>
+                    </a:p>
+                  </a:txBody>
+                  <a:tcPr>
+                    <a:lnL w="12700" cap="flat" cmpd="sng" algn="ctr">
+                      <a:solidFill>
+                        <a:schemeClr val="tx1"/>
+                      </a:solidFill>
+                      <a:prstDash val="solid"/>
+                      <a:round/>
+                      <a:headEnd type="none" w="med" len="med"/>
+                      <a:tailEnd type="none" w="med" len="med"/>
+                    </a:lnL>
+                    <a:lnR w="12700" cap="flat" cmpd="sng" algn="ctr">
+                      <a:solidFill>
+                        <a:schemeClr val="tx1"/>
+                      </a:solidFill>
+                      <a:prstDash val="solid"/>
+                      <a:round/>
+                      <a:headEnd type="none" w="med" len="med"/>
+                      <a:tailEnd type="none" w="med" len="med"/>
+                    </a:lnR>
+                    <a:lnT w="12700" cap="flat" cmpd="sng" algn="ctr">
+                      <a:solidFill>
+                        <a:schemeClr val="tx1"/>
+                      </a:solidFill>
+                      <a:prstDash val="solid"/>
+                      <a:round/>
+                      <a:headEnd type="none" w="med" len="med"/>
+                      <a:tailEnd type="none" w="med" len="med"/>
+                    </a:lnT>
+                    <a:lnB w="12700" cap="flat" cmpd="sng" algn="ctr">
+                      <a:solidFill>
+                        <a:schemeClr val="tx1"/>
+                      </a:solidFill>
+                      <a:prstDash val="solid"/>
+                      <a:round/>
+                      <a:headEnd type="none" w="med" len="med"/>
+                      <a:tailEnd type="none" w="med" len="med"/>
+                    </a:lnB>
+                    <a:noFill/>
+                  </a:tcPr>
+                </a:tc>
+                <a:tc>
+                  <a:txBody>
+                    <a:bodyPr/>
+                    <a:lstStyle/>
+                    <a:p>
+                      <a:pPr algn="ctr"/>
+                      <a:r>
+                        <a:rPr lang="pt-BR" sz="1100" b="0" cap="none" spc="0" dirty="0">
+                          <a:ln>
+                            <a:noFill/>
+                          </a:ln>
+                          <a:solidFill>
+                            <a:schemeClr val="tx1"/>
+                          </a:solidFill>
+                          <a:effectLst/>
+                          <a:latin typeface="Arial" panose="020B0604020202020204" pitchFamily="34" charset="0"/>
+                          <a:cs typeface="Arial" panose="020B0604020202020204" pitchFamily="34" charset="0"/>
+                        </a:rPr>
+                        <a:t>19 Segundos</a:t>
+                      </a:r>
+                    </a:p>
+                  </a:txBody>
+                  <a:tcPr>
+                    <a:lnL w="12700" cap="flat" cmpd="sng" algn="ctr">
+                      <a:solidFill>
+                        <a:schemeClr val="tx1"/>
+                      </a:solidFill>
+                      <a:prstDash val="solid"/>
+                      <a:round/>
+                      <a:headEnd type="none" w="med" len="med"/>
+                      <a:tailEnd type="none" w="med" len="med"/>
+                    </a:lnL>
+                    <a:lnR w="12700" cap="flat" cmpd="sng" algn="ctr">
+                      <a:solidFill>
+                        <a:schemeClr val="tx1"/>
+                      </a:solidFill>
+                      <a:prstDash val="solid"/>
+                      <a:round/>
+                      <a:headEnd type="none" w="med" len="med"/>
+                      <a:tailEnd type="none" w="med" len="med"/>
+                    </a:lnR>
+                    <a:lnT w="12700" cap="flat" cmpd="sng" algn="ctr">
+                      <a:solidFill>
+                        <a:schemeClr val="tx1"/>
+                      </a:solidFill>
+                      <a:prstDash val="solid"/>
+                      <a:round/>
+                      <a:headEnd type="none" w="med" len="med"/>
+                      <a:tailEnd type="none" w="med" len="med"/>
+                    </a:lnT>
+                    <a:lnB w="12700" cap="flat" cmpd="sng" algn="ctr">
+                      <a:solidFill>
+                        <a:schemeClr val="tx1"/>
+                      </a:solidFill>
+                      <a:prstDash val="solid"/>
+                      <a:round/>
+                      <a:headEnd type="none" w="med" len="med"/>
+                      <a:tailEnd type="none" w="med" len="med"/>
+                    </a:lnB>
+                    <a:noFill/>
+                  </a:tcPr>
+                </a:tc>
+                <a:tc>
+                  <a:txBody>
+                    <a:bodyPr/>
+                    <a:lstStyle/>
+                    <a:p>
+                      <a:pPr marL="0" marR="0" lvl="0" indent="0" algn="ctr" defTabSz="914400" rtl="0" eaLnBrk="1" fontAlgn="auto" latinLnBrk="0" hangingPunct="1">
+                        <a:lnSpc>
+                          <a:spcPct val="100000"/>
+                        </a:lnSpc>
+                        <a:spcBef>
+                          <a:spcPts val="0"/>
+                        </a:spcBef>
+                        <a:spcAft>
+                          <a:spcPts val="0"/>
+                        </a:spcAft>
+                        <a:buClrTx/>
+                        <a:buSzTx/>
+                        <a:buFontTx/>
+                        <a:buNone/>
+                        <a:tabLst/>
+                        <a:defRPr/>
+                      </a:pPr>
+                      <a:r>
+                        <a:rPr lang="pt-BR" sz="1100" b="0" kern="1200" cap="none" spc="0" dirty="0">
+                          <a:ln>
+                            <a:noFill/>
+                          </a:ln>
+                          <a:solidFill>
+                            <a:schemeClr val="tx1"/>
+                          </a:solidFill>
+                          <a:effectLst/>
+                          <a:latin typeface="Arial" panose="020B0604020202020204" pitchFamily="34" charset="0"/>
+                          <a:ea typeface="+mn-ea"/>
+                          <a:cs typeface="Arial" panose="020B0604020202020204" pitchFamily="34" charset="0"/>
+                        </a:rPr>
+                        <a:t>83.23%</a:t>
+                      </a:r>
+                    </a:p>
+                  </a:txBody>
+                  <a:tcPr>
+                    <a:lnL w="12700" cap="flat" cmpd="sng" algn="ctr">
+                      <a:solidFill>
+                        <a:schemeClr val="tx1"/>
+                      </a:solidFill>
+                      <a:prstDash val="solid"/>
+                      <a:round/>
+                      <a:headEnd type="none" w="med" len="med"/>
+                      <a:tailEnd type="none" w="med" len="med"/>
+                    </a:lnL>
+                    <a:lnR w="12700" cap="flat" cmpd="sng" algn="ctr">
+                      <a:solidFill>
+                        <a:schemeClr val="tx1"/>
+                      </a:solidFill>
+                      <a:prstDash val="solid"/>
+                      <a:round/>
+                      <a:headEnd type="none" w="med" len="med"/>
+                      <a:tailEnd type="none" w="med" len="med"/>
+                    </a:lnR>
+                    <a:lnT w="12700" cap="flat" cmpd="sng" algn="ctr">
+                      <a:solidFill>
+                        <a:schemeClr val="tx1"/>
+                      </a:solidFill>
+                      <a:prstDash val="solid"/>
+                      <a:round/>
+                      <a:headEnd type="none" w="med" len="med"/>
+                      <a:tailEnd type="none" w="med" len="med"/>
+                    </a:lnT>
+                    <a:lnB w="12700" cap="flat" cmpd="sng" algn="ctr">
+                      <a:solidFill>
+                        <a:schemeClr val="tx1"/>
+                      </a:solidFill>
+                      <a:prstDash val="solid"/>
+                      <a:round/>
+                      <a:headEnd type="none" w="med" len="med"/>
+                      <a:tailEnd type="none" w="med" len="med"/>
+                    </a:lnB>
+                    <a:noFill/>
+                  </a:tcPr>
+                </a:tc>
+                <a:extLst>
+                  <a:ext uri="{0D108BD9-81ED-4DB2-BD59-A6C34878D82A}">
+                    <a16:rowId xmlns:a16="http://schemas.microsoft.com/office/drawing/2014/main" val="3877871028"/>
+                  </a:ext>
+                </a:extLst>
+              </a:tr>
+              <a:tr h="482975">
+                <a:tc>
+                  <a:txBody>
+                    <a:bodyPr/>
+                    <a:lstStyle/>
+                    <a:p>
+                      <a:pPr algn="ctr"/>
+                      <a:r>
+                        <a:rPr lang="pt-BR" sz="1100" b="0" cap="none" spc="0" dirty="0">
+                          <a:ln>
+                            <a:noFill/>
+                          </a:ln>
+                          <a:solidFill>
+                            <a:schemeClr val="tx1"/>
+                          </a:solidFill>
+                          <a:effectLst/>
+                          <a:latin typeface="Arial" panose="020B0604020202020204" pitchFamily="34" charset="0"/>
+                          <a:cs typeface="Arial" panose="020B0604020202020204" pitchFamily="34" charset="0"/>
+                        </a:rPr>
+                        <a:t>Livraria  + Back Translation (2326 amostras)</a:t>
+                      </a:r>
+                    </a:p>
+                  </a:txBody>
+                  <a:tcPr>
+                    <a:lnL w="12700" cap="flat" cmpd="sng" algn="ctr">
+                      <a:solidFill>
+                        <a:schemeClr val="tx1"/>
+                      </a:solidFill>
+                      <a:prstDash val="solid"/>
+                      <a:round/>
+                      <a:headEnd type="none" w="med" len="med"/>
+                      <a:tailEnd type="none" w="med" len="med"/>
+                    </a:lnL>
+                    <a:lnR w="12700" cap="flat" cmpd="sng" algn="ctr">
+                      <a:solidFill>
+                        <a:schemeClr val="tx1"/>
+                      </a:solidFill>
+                      <a:prstDash val="solid"/>
+                      <a:round/>
+                      <a:headEnd type="none" w="med" len="med"/>
+                      <a:tailEnd type="none" w="med" len="med"/>
+                    </a:lnR>
+                    <a:lnT w="12700" cap="flat" cmpd="sng" algn="ctr">
+                      <a:solidFill>
+                        <a:schemeClr val="tx1"/>
+                      </a:solidFill>
+                      <a:prstDash val="solid"/>
+                      <a:round/>
+                      <a:headEnd type="none" w="med" len="med"/>
+                      <a:tailEnd type="none" w="med" len="med"/>
+                    </a:lnT>
+                    <a:lnB w="12700" cap="flat" cmpd="sng" algn="ctr">
+                      <a:solidFill>
+                        <a:schemeClr val="tx1"/>
+                      </a:solidFill>
+                      <a:prstDash val="solid"/>
+                      <a:round/>
+                      <a:headEnd type="none" w="med" len="med"/>
+                      <a:tailEnd type="none" w="med" len="med"/>
+                    </a:lnB>
+                    <a:noFill/>
+                  </a:tcPr>
+                </a:tc>
+                <a:tc>
+                  <a:txBody>
+                    <a:bodyPr/>
+                    <a:lstStyle/>
+                    <a:p>
+                      <a:pPr algn="ctr"/>
+                      <a:r>
+                        <a:rPr lang="pt-BR" sz="1100" b="0" cap="none" spc="0" dirty="0">
+                          <a:ln>
+                            <a:noFill/>
+                          </a:ln>
+                          <a:solidFill>
+                            <a:schemeClr val="tx1"/>
+                          </a:solidFill>
+                          <a:effectLst/>
+                          <a:latin typeface="Arial" panose="020B0604020202020204" pitchFamily="34" charset="0"/>
+                          <a:cs typeface="Arial" panose="020B0604020202020204" pitchFamily="34" charset="0"/>
+                        </a:rPr>
+                        <a:t>24 Segundos</a:t>
+                      </a:r>
+                    </a:p>
+                  </a:txBody>
+                  <a:tcPr>
+                    <a:lnL w="12700" cap="flat" cmpd="sng" algn="ctr">
+                      <a:solidFill>
+                        <a:schemeClr val="tx1"/>
+                      </a:solidFill>
+                      <a:prstDash val="solid"/>
+                      <a:round/>
+                      <a:headEnd type="none" w="med" len="med"/>
+                      <a:tailEnd type="none" w="med" len="med"/>
+                    </a:lnL>
+                    <a:lnR w="12700" cap="flat" cmpd="sng" algn="ctr">
+                      <a:solidFill>
+                        <a:schemeClr val="tx1"/>
+                      </a:solidFill>
+                      <a:prstDash val="solid"/>
+                      <a:round/>
+                      <a:headEnd type="none" w="med" len="med"/>
+                      <a:tailEnd type="none" w="med" len="med"/>
+                    </a:lnR>
+                    <a:lnT w="12700" cap="flat" cmpd="sng" algn="ctr">
+                      <a:solidFill>
+                        <a:schemeClr val="tx1"/>
+                      </a:solidFill>
+                      <a:prstDash val="solid"/>
+                      <a:round/>
+                      <a:headEnd type="none" w="med" len="med"/>
+                      <a:tailEnd type="none" w="med" len="med"/>
+                    </a:lnT>
+                    <a:lnB w="12700" cap="flat" cmpd="sng" algn="ctr">
+                      <a:solidFill>
+                        <a:schemeClr val="tx1"/>
+                      </a:solidFill>
+                      <a:prstDash val="solid"/>
+                      <a:round/>
+                      <a:headEnd type="none" w="med" len="med"/>
+                      <a:tailEnd type="none" w="med" len="med"/>
+                    </a:lnB>
+                    <a:noFill/>
+                  </a:tcPr>
+                </a:tc>
+                <a:tc>
+                  <a:txBody>
+                    <a:bodyPr/>
+                    <a:lstStyle/>
+                    <a:p>
+                      <a:pPr algn="ctr"/>
+                      <a:r>
+                        <a:rPr lang="pt-BR" sz="1100" b="0" cap="none" spc="0" dirty="0">
+                          <a:ln>
+                            <a:noFill/>
+                          </a:ln>
+                          <a:solidFill>
+                            <a:schemeClr val="tx1"/>
+                          </a:solidFill>
+                          <a:effectLst/>
+                          <a:latin typeface="Arial" panose="020B0604020202020204" pitchFamily="34" charset="0"/>
+                          <a:cs typeface="Arial" panose="020B0604020202020204" pitchFamily="34" charset="0"/>
+                        </a:rPr>
+                        <a:t>86.45%</a:t>
+                      </a:r>
+                    </a:p>
+                  </a:txBody>
+                  <a:tcPr>
+                    <a:lnL w="12700" cap="flat" cmpd="sng" algn="ctr">
+                      <a:solidFill>
+                        <a:schemeClr val="tx1"/>
+                      </a:solidFill>
+                      <a:prstDash val="solid"/>
+                      <a:round/>
+                      <a:headEnd type="none" w="med" len="med"/>
+                      <a:tailEnd type="none" w="med" len="med"/>
+                    </a:lnL>
+                    <a:lnR w="12700" cap="flat" cmpd="sng" algn="ctr">
+                      <a:solidFill>
+                        <a:schemeClr val="tx1"/>
+                      </a:solidFill>
+                      <a:prstDash val="solid"/>
+                      <a:round/>
+                      <a:headEnd type="none" w="med" len="med"/>
+                      <a:tailEnd type="none" w="med" len="med"/>
+                    </a:lnR>
+                    <a:lnT w="12700" cap="flat" cmpd="sng" algn="ctr">
+                      <a:solidFill>
+                        <a:schemeClr val="tx1"/>
+                      </a:solidFill>
+                      <a:prstDash val="solid"/>
+                      <a:round/>
+                      <a:headEnd type="none" w="med" len="med"/>
+                      <a:tailEnd type="none" w="med" len="med"/>
+                    </a:lnT>
+                    <a:lnB w="12700" cap="flat" cmpd="sng" algn="ctr">
+                      <a:solidFill>
+                        <a:schemeClr val="tx1"/>
+                      </a:solidFill>
+                      <a:prstDash val="solid"/>
+                      <a:round/>
+                      <a:headEnd type="none" w="med" len="med"/>
+                      <a:tailEnd type="none" w="med" len="med"/>
+                    </a:lnB>
+                    <a:noFill/>
+                  </a:tcPr>
+                </a:tc>
+                <a:extLst>
+                  <a:ext uri="{0D108BD9-81ED-4DB2-BD59-A6C34878D82A}">
+                    <a16:rowId xmlns:a16="http://schemas.microsoft.com/office/drawing/2014/main" val="426775692"/>
+                  </a:ext>
+                </a:extLst>
+              </a:tr>
+              <a:tr h="482975">
+                <a:tc>
+                  <a:txBody>
+                    <a:bodyPr/>
+                    <a:lstStyle/>
+                    <a:p>
+                      <a:pPr marL="0" marR="0" lvl="0" indent="0" algn="ctr" defTabSz="914400" rtl="0" eaLnBrk="1" fontAlgn="auto" latinLnBrk="0" hangingPunct="1">
+                        <a:lnSpc>
+                          <a:spcPct val="100000"/>
+                        </a:lnSpc>
+                        <a:spcBef>
+                          <a:spcPts val="0"/>
+                        </a:spcBef>
+                        <a:spcAft>
+                          <a:spcPts val="0"/>
+                        </a:spcAft>
+                        <a:buClrTx/>
+                        <a:buSzTx/>
+                        <a:buFontTx/>
+                        <a:buNone/>
+                        <a:tabLst/>
+                        <a:defRPr/>
+                      </a:pPr>
+                      <a:r>
+                        <a:rPr lang="pt-BR" sz="1100" b="0" cap="none" spc="0" dirty="0">
+                          <a:ln>
+                            <a:noFill/>
+                          </a:ln>
+                          <a:solidFill>
+                            <a:schemeClr val="tx1"/>
+                          </a:solidFill>
+                          <a:effectLst/>
+                          <a:latin typeface="Arial" panose="020B0604020202020204" pitchFamily="34" charset="0"/>
+                          <a:cs typeface="Arial" panose="020B0604020202020204" pitchFamily="34" charset="0"/>
+                        </a:rPr>
+                        <a:t>Livraria  + Random Swap (2326 amostras)</a:t>
+                      </a:r>
+                    </a:p>
+                  </a:txBody>
+                  <a:tcPr>
+                    <a:lnL w="12700" cap="flat" cmpd="sng" algn="ctr">
+                      <a:solidFill>
+                        <a:schemeClr val="tx1"/>
+                      </a:solidFill>
+                      <a:prstDash val="solid"/>
+                      <a:round/>
+                      <a:headEnd type="none" w="med" len="med"/>
+                      <a:tailEnd type="none" w="med" len="med"/>
+                    </a:lnL>
+                    <a:lnR w="12700" cap="flat" cmpd="sng" algn="ctr">
+                      <a:solidFill>
+                        <a:schemeClr val="tx1"/>
+                      </a:solidFill>
+                      <a:prstDash val="solid"/>
+                      <a:round/>
+                      <a:headEnd type="none" w="med" len="med"/>
+                      <a:tailEnd type="none" w="med" len="med"/>
+                    </a:lnR>
+                    <a:lnT w="12700" cap="flat" cmpd="sng" algn="ctr">
+                      <a:solidFill>
+                        <a:schemeClr val="tx1"/>
+                      </a:solidFill>
+                      <a:prstDash val="solid"/>
+                      <a:round/>
+                      <a:headEnd type="none" w="med" len="med"/>
+                      <a:tailEnd type="none" w="med" len="med"/>
+                    </a:lnT>
+                    <a:lnB w="12700" cap="flat" cmpd="sng" algn="ctr">
+                      <a:solidFill>
+                        <a:schemeClr val="tx1"/>
+                      </a:solidFill>
+                      <a:prstDash val="solid"/>
+                      <a:round/>
+                      <a:headEnd type="none" w="med" len="med"/>
+                      <a:tailEnd type="none" w="med" len="med"/>
+                    </a:lnB>
+                    <a:noFill/>
+                  </a:tcPr>
+                </a:tc>
+                <a:tc>
+                  <a:txBody>
+                    <a:bodyPr/>
+                    <a:lstStyle/>
+                    <a:p>
+                      <a:pPr algn="ctr"/>
+                      <a:r>
+                        <a:rPr lang="pt-BR" sz="1100" b="0" cap="none" spc="0" dirty="0">
+                          <a:ln>
+                            <a:noFill/>
+                          </a:ln>
+                          <a:solidFill>
+                            <a:schemeClr val="tx1"/>
+                          </a:solidFill>
+                          <a:effectLst/>
+                          <a:latin typeface="Arial" panose="020B0604020202020204" pitchFamily="34" charset="0"/>
+                          <a:cs typeface="Arial" panose="020B0604020202020204" pitchFamily="34" charset="0"/>
+                        </a:rPr>
+                        <a:t>23 Segundos</a:t>
+                      </a:r>
+                    </a:p>
+                  </a:txBody>
+                  <a:tcPr>
+                    <a:lnL w="12700" cap="flat" cmpd="sng" algn="ctr">
+                      <a:solidFill>
+                        <a:schemeClr val="tx1"/>
+                      </a:solidFill>
+                      <a:prstDash val="solid"/>
+                      <a:round/>
+                      <a:headEnd type="none" w="med" len="med"/>
+                      <a:tailEnd type="none" w="med" len="med"/>
+                    </a:lnL>
+                    <a:lnR w="12700" cap="flat" cmpd="sng" algn="ctr">
+                      <a:solidFill>
+                        <a:schemeClr val="tx1"/>
+                      </a:solidFill>
+                      <a:prstDash val="solid"/>
+                      <a:round/>
+                      <a:headEnd type="none" w="med" len="med"/>
+                      <a:tailEnd type="none" w="med" len="med"/>
+                    </a:lnR>
+                    <a:lnT w="12700" cap="flat" cmpd="sng" algn="ctr">
+                      <a:solidFill>
+                        <a:schemeClr val="tx1"/>
+                      </a:solidFill>
+                      <a:prstDash val="solid"/>
+                      <a:round/>
+                      <a:headEnd type="none" w="med" len="med"/>
+                      <a:tailEnd type="none" w="med" len="med"/>
+                    </a:lnT>
+                    <a:lnB w="12700" cap="flat" cmpd="sng" algn="ctr">
+                      <a:solidFill>
+                        <a:schemeClr val="tx1"/>
+                      </a:solidFill>
+                      <a:prstDash val="solid"/>
+                      <a:round/>
+                      <a:headEnd type="none" w="med" len="med"/>
+                      <a:tailEnd type="none" w="med" len="med"/>
+                    </a:lnB>
+                    <a:noFill/>
+                  </a:tcPr>
+                </a:tc>
+                <a:tc>
+                  <a:txBody>
+                    <a:bodyPr/>
+                    <a:lstStyle/>
+                    <a:p>
+                      <a:pPr algn="ctr"/>
+                      <a:r>
+                        <a:rPr lang="pt-BR" sz="1100" b="0" cap="none" spc="0" dirty="0">
+                          <a:ln>
+                            <a:noFill/>
+                          </a:ln>
+                          <a:solidFill>
+                            <a:schemeClr val="tx1"/>
+                          </a:solidFill>
+                          <a:effectLst/>
+                          <a:latin typeface="Arial" panose="020B0604020202020204" pitchFamily="34" charset="0"/>
+                          <a:cs typeface="Arial" panose="020B0604020202020204" pitchFamily="34" charset="0"/>
+                        </a:rPr>
+                        <a:t>85.59%</a:t>
+                      </a:r>
+                    </a:p>
+                  </a:txBody>
+                  <a:tcPr>
+                    <a:lnL w="12700" cap="flat" cmpd="sng" algn="ctr">
+                      <a:solidFill>
+                        <a:schemeClr val="tx1"/>
+                      </a:solidFill>
+                      <a:prstDash val="solid"/>
+                      <a:round/>
+                      <a:headEnd type="none" w="med" len="med"/>
+                      <a:tailEnd type="none" w="med" len="med"/>
+                    </a:lnL>
+                    <a:lnR w="12700" cap="flat" cmpd="sng" algn="ctr">
+                      <a:solidFill>
+                        <a:schemeClr val="tx1"/>
+                      </a:solidFill>
+                      <a:prstDash val="solid"/>
+                      <a:round/>
+                      <a:headEnd type="none" w="med" len="med"/>
+                      <a:tailEnd type="none" w="med" len="med"/>
+                    </a:lnR>
+                    <a:lnT w="12700" cap="flat" cmpd="sng" algn="ctr">
+                      <a:solidFill>
+                        <a:schemeClr val="tx1"/>
+                      </a:solidFill>
+                      <a:prstDash val="solid"/>
+                      <a:round/>
+                      <a:headEnd type="none" w="med" len="med"/>
+                      <a:tailEnd type="none" w="med" len="med"/>
+                    </a:lnT>
+                    <a:lnB w="12700" cap="flat" cmpd="sng" algn="ctr">
+                      <a:solidFill>
+                        <a:schemeClr val="tx1"/>
+                      </a:solidFill>
+                      <a:prstDash val="solid"/>
+                      <a:round/>
+                      <a:headEnd type="none" w="med" len="med"/>
+                      <a:tailEnd type="none" w="med" len="med"/>
+                    </a:lnB>
+                    <a:noFill/>
+                  </a:tcPr>
+                </a:tc>
+                <a:extLst>
+                  <a:ext uri="{0D108BD9-81ED-4DB2-BD59-A6C34878D82A}">
+                    <a16:rowId xmlns:a16="http://schemas.microsoft.com/office/drawing/2014/main" val="3027150795"/>
+                  </a:ext>
+                </a:extLst>
+              </a:tr>
+            </a:tbl>
+          </a:graphicData>
+        </a:graphic>
+      </p:graphicFrame>
+      <p:sp>
+        <p:nvSpPr>
+          <p:cNvPr id="4" name="Espaço Reservado para Rodapé 3">
+            <a:extLst>
+              <a:ext uri="{FF2B5EF4-FFF2-40B4-BE49-F238E27FC236}">
+                <a16:creationId xmlns:a16="http://schemas.microsoft.com/office/drawing/2014/main" id="{23C34890-ABA2-CBE3-6BC1-8A105611FD12}"/>
+              </a:ext>
+            </a:extLst>
+          </p:cNvPr>
+          <p:cNvSpPr>
+            <a:spLocks noGrp="1"/>
+          </p:cNvSpPr>
+          <p:nvPr>
+            <p:ph type="ftr" sz="quarter" idx="11"/>
+          </p:nvPr>
+        </p:nvSpPr>
+        <p:spPr>
+          <a:xfrm>
+            <a:off x="3684596" y="6455648"/>
+            <a:ext cx="4822804" cy="365125"/>
+          </a:xfrm>
+        </p:spPr>
+        <p:txBody>
+          <a:bodyPr/>
+          <a:lstStyle/>
+          <a:p>
+            <a:r>
+              <a:rPr lang="pt-BR" dirty="0"/>
+              <a:t>Aprendizado Profundo - 2023</a:t>
+            </a:r>
+          </a:p>
+        </p:txBody>
+      </p:sp>
+      <p:pic>
+        <p:nvPicPr>
+          <p:cNvPr id="5" name="Imagem 4" descr="Janela de vidro&#10;&#10;Descrição gerada automaticamente com confiança média">
+            <a:extLst>
+              <a:ext uri="{FF2B5EF4-FFF2-40B4-BE49-F238E27FC236}">
+                <a16:creationId xmlns:a16="http://schemas.microsoft.com/office/drawing/2014/main" id="{B6F7DADD-A5BA-CB78-9532-70815E05CEF7}"/>
+              </a:ext>
+            </a:extLst>
+          </p:cNvPr>
+          <p:cNvPicPr>
+            <a:picLocks noChangeAspect="1"/>
+          </p:cNvPicPr>
+          <p:nvPr/>
+        </p:nvPicPr>
+        <p:blipFill>
+          <a:blip r:embed="rId2" cstate="print">
+            <a:extLst>
+              <a:ext uri="{28A0092B-C50C-407E-A947-70E740481C1C}">
+                <a14:useLocalDpi xmlns:a14="http://schemas.microsoft.com/office/drawing/2010/main" val="0"/>
+              </a:ext>
+            </a:extLst>
+          </a:blip>
+          <a:stretch>
+            <a:fillRect/>
+          </a:stretch>
+        </p:blipFill>
+        <p:spPr>
+          <a:xfrm>
+            <a:off x="118159" y="6470866"/>
+            <a:ext cx="373152" cy="332105"/>
+          </a:xfrm>
+          <a:prstGeom prst="rect">
+            <a:avLst/>
+          </a:prstGeom>
+        </p:spPr>
+      </p:pic>
+      <p:sp>
+        <p:nvSpPr>
+          <p:cNvPr id="10" name="Título 19">
+            <a:extLst>
+              <a:ext uri="{FF2B5EF4-FFF2-40B4-BE49-F238E27FC236}">
+                <a16:creationId xmlns:a16="http://schemas.microsoft.com/office/drawing/2014/main" id="{EB7B4D14-F298-7222-DED5-2D8BF04076F7}"/>
+              </a:ext>
+            </a:extLst>
+          </p:cNvPr>
+          <p:cNvSpPr txBox="1">
+            <a:spLocks/>
+          </p:cNvSpPr>
+          <p:nvPr/>
+        </p:nvSpPr>
+        <p:spPr>
+          <a:xfrm>
+            <a:off x="1097280" y="626919"/>
+            <a:ext cx="10058400" cy="720197"/>
+          </a:xfrm>
+          <a:prstGeom prst="rect">
+            <a:avLst/>
+          </a:prstGeom>
+        </p:spPr>
+        <p:txBody>
+          <a:bodyPr vert="horz" lIns="91440" tIns="45720" rIns="91440" bIns="45720" rtlCol="0" anchor="b">
+            <a:normAutofit/>
+          </a:bodyPr>
+          <a:lstStyle>
+            <a:lvl1pPr marL="0" algn="l" defTabSz="914400" rtl="0" eaLnBrk="1" latinLnBrk="0" hangingPunct="1">
+              <a:lnSpc>
+                <a:spcPct val="85000"/>
+              </a:lnSpc>
+              <a:spcBef>
+                <a:spcPct val="0"/>
+              </a:spcBef>
+              <a:buNone/>
+              <a:defRPr sz="4800" kern="1200" spc="-50" baseline="0">
+                <a:solidFill>
+                  <a:schemeClr val="tx1">
+                    <a:lumMod val="75000"/>
+                    <a:lumOff val="25000"/>
+                  </a:schemeClr>
+                </a:solidFill>
+                <a:latin typeface="+mj-lt"/>
+                <a:ea typeface="+mj-ea"/>
+                <a:cs typeface="+mj-cs"/>
+              </a:defRPr>
+            </a:lvl1pPr>
+          </a:lstStyle>
+          <a:p>
+            <a:pPr marL="457200" indent="-457200">
+              <a:buFont typeface="Arial" panose="020B0604020202020204" pitchFamily="34" charset="0"/>
+              <a:buChar char="•"/>
+            </a:pPr>
+            <a:r>
+              <a:rPr lang="pt-BR" sz="2000" b="1" dirty="0">
+                <a:solidFill>
+                  <a:schemeClr val="tx1"/>
+                </a:solidFill>
+                <a:latin typeface="Arial" panose="020B0604020202020204" pitchFamily="34" charset="0"/>
+                <a:cs typeface="Arial" panose="020B0604020202020204" pitchFamily="34" charset="0"/>
+              </a:rPr>
+              <a:t>4.	</a:t>
+            </a:r>
+            <a:r>
+              <a:rPr lang="pt-BR" sz="2000" b="1" dirty="0">
+                <a:solidFill>
+                  <a:prstClr val="black"/>
+                </a:solidFill>
+                <a:latin typeface="Arial" panose="020B0604020202020204" pitchFamily="34" charset="0"/>
+                <a:cs typeface="Arial" panose="020B0604020202020204" pitchFamily="34" charset="0"/>
+              </a:rPr>
+              <a:t>RESULTADOS E CONCLUSÃO</a:t>
+            </a:r>
+            <a:br>
+              <a:rPr lang="pt-BR" sz="2000" b="1" dirty="0">
+                <a:solidFill>
+                  <a:schemeClr val="tx1"/>
+                </a:solidFill>
+                <a:latin typeface="Arial" panose="020B0604020202020204" pitchFamily="34" charset="0"/>
+                <a:cs typeface="Arial" panose="020B0604020202020204" pitchFamily="34" charset="0"/>
+              </a:rPr>
+            </a:br>
+            <a:r>
+              <a:rPr lang="pt-BR" sz="2000" b="1" dirty="0">
+                <a:solidFill>
+                  <a:schemeClr val="tx1"/>
+                </a:solidFill>
+                <a:latin typeface="Arial" panose="020B0604020202020204" pitchFamily="34" charset="0"/>
+                <a:cs typeface="Arial" panose="020B0604020202020204" pitchFamily="34" charset="0"/>
+              </a:rPr>
+              <a:t>	</a:t>
+            </a:r>
+            <a:r>
+              <a:rPr lang="pt-BR" sz="1600" b="1" dirty="0">
+                <a:solidFill>
+                  <a:schemeClr val="tx1"/>
+                </a:solidFill>
+                <a:latin typeface="Arial" panose="020B0604020202020204" pitchFamily="34" charset="0"/>
+                <a:cs typeface="Arial" panose="020B0604020202020204" pitchFamily="34" charset="0"/>
+              </a:rPr>
+              <a:t>4.2. Resultados</a:t>
+            </a:r>
+            <a:endParaRPr lang="pt-BR" sz="2000" b="1" dirty="0">
+              <a:solidFill>
+                <a:schemeClr val="tx1"/>
+              </a:solidFill>
+              <a:latin typeface="Arial" panose="020B0604020202020204" pitchFamily="34" charset="0"/>
+              <a:cs typeface="Arial" panose="020B0604020202020204" pitchFamily="34" charset="0"/>
+            </a:endParaRPr>
+          </a:p>
+        </p:txBody>
+      </p:sp>
+    </p:spTree>
+    <p:extLst>
+      <p:ext uri="{BB962C8B-B14F-4D97-AF65-F5344CB8AC3E}">
+        <p14:creationId xmlns:p14="http://schemas.microsoft.com/office/powerpoint/2010/main" val="3528112276"/>
+      </p:ext>
+    </p:extLst>
+  </p:cSld>
+  <p:clrMapOvr>
+    <a:masterClrMapping/>
+  </p:clrMapOvr>
+</p:sld>
+</file>
+
+<file path=ppt/slides/slide8.xml><?xml version="1.0" encoding="utf-8"?>
+<p:sld xmlns:a="http://schemas.openxmlformats.org/drawingml/2006/main" xmlns:r="http://schemas.openxmlformats.org/officeDocument/2006/relationships" xmlns:p="http://schemas.openxmlformats.org/presentationml/2006/main">
+  <p:cSld>
+    <p:spTree>
+      <p:nvGrpSpPr>
+        <p:cNvPr id="1" name=""/>
+        <p:cNvGrpSpPr/>
+        <p:nvPr/>
+      </p:nvGrpSpPr>
+      <p:grpSpPr>
+        <a:xfrm>
+          <a:off x="0" y="0"/>
+          <a:ext cx="0" cy="0"/>
+          <a:chOff x="0" y="0"/>
+          <a:chExt cx="0" cy="0"/>
+        </a:xfrm>
+      </p:grpSpPr>
+      <p:pic>
+        <p:nvPicPr>
+          <p:cNvPr id="4" name="Imagem 3">
+            <a:extLst>
+              <a:ext uri="{FF2B5EF4-FFF2-40B4-BE49-F238E27FC236}">
+                <a16:creationId xmlns:a16="http://schemas.microsoft.com/office/drawing/2014/main" id="{03584B3D-9095-0874-F13B-31AB0145119D}"/>
+              </a:ext>
+            </a:extLst>
+          </p:cNvPr>
+          <p:cNvPicPr>
+            <a:picLocks noChangeAspect="1"/>
+          </p:cNvPicPr>
+          <p:nvPr/>
+        </p:nvPicPr>
+        <p:blipFill>
+          <a:blip r:embed="rId2"/>
+          <a:stretch>
+            <a:fillRect/>
+          </a:stretch>
+        </p:blipFill>
+        <p:spPr>
+          <a:xfrm>
+            <a:off x="1097280" y="1812004"/>
+            <a:ext cx="4226096" cy="2173687"/>
+          </a:xfrm>
+          <a:prstGeom prst="rect">
+            <a:avLst/>
+          </a:prstGeom>
+        </p:spPr>
+      </p:pic>
+      <p:sp>
+        <p:nvSpPr>
+          <p:cNvPr id="6" name="Espaço Reservado para Rodapé 3">
+            <a:extLst>
+              <a:ext uri="{FF2B5EF4-FFF2-40B4-BE49-F238E27FC236}">
+                <a16:creationId xmlns:a16="http://schemas.microsoft.com/office/drawing/2014/main" id="{F7B09A21-FC12-F36E-76C4-968ADA050D48}"/>
+              </a:ext>
+            </a:extLst>
+          </p:cNvPr>
+          <p:cNvSpPr>
+            <a:spLocks noGrp="1"/>
+          </p:cNvSpPr>
+          <p:nvPr>
+            <p:ph type="ftr" sz="quarter" idx="11"/>
+          </p:nvPr>
+        </p:nvSpPr>
+        <p:spPr>
+          <a:xfrm>
+            <a:off x="3684596" y="6455648"/>
+            <a:ext cx="4822804" cy="365125"/>
+          </a:xfrm>
+        </p:spPr>
+        <p:txBody>
+          <a:bodyPr/>
+          <a:lstStyle/>
+          <a:p>
+            <a:r>
+              <a:rPr lang="pt-BR" dirty="0"/>
+              <a:t>Aprendizado Profundo - 2023</a:t>
+            </a:r>
+          </a:p>
+        </p:txBody>
+      </p:sp>
+      <p:pic>
+        <p:nvPicPr>
+          <p:cNvPr id="7" name="Imagem 6" descr="Janela de vidro&#10;&#10;Descrição gerada automaticamente com confiança média">
+            <a:extLst>
+              <a:ext uri="{FF2B5EF4-FFF2-40B4-BE49-F238E27FC236}">
+                <a16:creationId xmlns:a16="http://schemas.microsoft.com/office/drawing/2014/main" id="{44FF787D-21C5-B6C5-E6F6-5EBBFA5CD0B5}"/>
+              </a:ext>
+            </a:extLst>
+          </p:cNvPr>
+          <p:cNvPicPr>
+            <a:picLocks noChangeAspect="1"/>
+          </p:cNvPicPr>
+          <p:nvPr/>
+        </p:nvPicPr>
+        <p:blipFill>
+          <a:blip r:embed="rId3" cstate="print">
+            <a:extLst>
+              <a:ext uri="{28A0092B-C50C-407E-A947-70E740481C1C}">
+                <a14:useLocalDpi xmlns:a14="http://schemas.microsoft.com/office/drawing/2010/main" val="0"/>
+              </a:ext>
+            </a:extLst>
+          </a:blip>
+          <a:stretch>
+            <a:fillRect/>
+          </a:stretch>
+        </p:blipFill>
+        <p:spPr>
+          <a:xfrm>
+            <a:off x="118159" y="6470866"/>
+            <a:ext cx="373152" cy="332105"/>
+          </a:xfrm>
+          <a:prstGeom prst="rect">
+            <a:avLst/>
+          </a:prstGeom>
+        </p:spPr>
+      </p:pic>
+      <p:pic>
+        <p:nvPicPr>
+          <p:cNvPr id="11" name="Imagem 10">
+            <a:extLst>
+              <a:ext uri="{FF2B5EF4-FFF2-40B4-BE49-F238E27FC236}">
+                <a16:creationId xmlns:a16="http://schemas.microsoft.com/office/drawing/2014/main" id="{93D8288B-08DC-5C8D-F2A4-DA8EA83AED82}"/>
+              </a:ext>
+            </a:extLst>
+          </p:cNvPr>
+          <p:cNvPicPr>
+            <a:picLocks noChangeAspect="1"/>
+          </p:cNvPicPr>
+          <p:nvPr/>
+        </p:nvPicPr>
+        <p:blipFill>
+          <a:blip r:embed="rId4"/>
+          <a:stretch>
+            <a:fillRect/>
+          </a:stretch>
+        </p:blipFill>
+        <p:spPr>
+          <a:xfrm>
+            <a:off x="6813357" y="1826831"/>
+            <a:ext cx="4281363" cy="2192663"/>
+          </a:xfrm>
+          <a:prstGeom prst="rect">
+            <a:avLst/>
+          </a:prstGeom>
+        </p:spPr>
+      </p:pic>
+      <p:pic>
+        <p:nvPicPr>
+          <p:cNvPr id="13" name="Imagem 12">
+            <a:extLst>
+              <a:ext uri="{FF2B5EF4-FFF2-40B4-BE49-F238E27FC236}">
+                <a16:creationId xmlns:a16="http://schemas.microsoft.com/office/drawing/2014/main" id="{0F853861-4E82-B295-59B2-28134E1487A2}"/>
+              </a:ext>
+            </a:extLst>
+          </p:cNvPr>
+          <p:cNvPicPr>
+            <a:picLocks noChangeAspect="1"/>
+          </p:cNvPicPr>
+          <p:nvPr/>
+        </p:nvPicPr>
+        <p:blipFill>
+          <a:blip r:embed="rId5"/>
+          <a:stretch>
+            <a:fillRect/>
+          </a:stretch>
+        </p:blipFill>
+        <p:spPr>
+          <a:xfrm>
+            <a:off x="1134332" y="3985691"/>
+            <a:ext cx="4226096" cy="2188514"/>
+          </a:xfrm>
+          <a:prstGeom prst="rect">
+            <a:avLst/>
+          </a:prstGeom>
+        </p:spPr>
+      </p:pic>
+      <p:pic>
+        <p:nvPicPr>
+          <p:cNvPr id="15" name="Imagem 14">
+            <a:extLst>
+              <a:ext uri="{FF2B5EF4-FFF2-40B4-BE49-F238E27FC236}">
+                <a16:creationId xmlns:a16="http://schemas.microsoft.com/office/drawing/2014/main" id="{BA54C8C2-439E-3EFC-B088-6702EA8DA7CE}"/>
+              </a:ext>
+            </a:extLst>
+          </p:cNvPr>
+          <p:cNvPicPr>
+            <a:picLocks noChangeAspect="1"/>
+          </p:cNvPicPr>
+          <p:nvPr/>
+        </p:nvPicPr>
+        <p:blipFill>
+          <a:blip r:embed="rId6"/>
+          <a:stretch>
+            <a:fillRect/>
+          </a:stretch>
+        </p:blipFill>
+        <p:spPr>
+          <a:xfrm>
+            <a:off x="6813357" y="4019494"/>
+            <a:ext cx="4277765" cy="2188514"/>
+          </a:xfrm>
+          <a:prstGeom prst="rect">
+            <a:avLst/>
+          </a:prstGeom>
+        </p:spPr>
+      </p:pic>
+      <p:sp>
+        <p:nvSpPr>
+          <p:cNvPr id="18" name="Título 19">
+            <a:extLst>
+              <a:ext uri="{FF2B5EF4-FFF2-40B4-BE49-F238E27FC236}">
+                <a16:creationId xmlns:a16="http://schemas.microsoft.com/office/drawing/2014/main" id="{F1F2F8A7-6E32-9420-FEC7-A13B82D3D4FD}"/>
+              </a:ext>
+            </a:extLst>
+          </p:cNvPr>
+          <p:cNvSpPr txBox="1">
+            <a:spLocks/>
+          </p:cNvSpPr>
+          <p:nvPr/>
+        </p:nvSpPr>
+        <p:spPr>
+          <a:xfrm>
+            <a:off x="1097280" y="626919"/>
+            <a:ext cx="10058400" cy="720197"/>
+          </a:xfrm>
+          <a:prstGeom prst="rect">
+            <a:avLst/>
+          </a:prstGeom>
+        </p:spPr>
+        <p:txBody>
+          <a:bodyPr vert="horz" lIns="91440" tIns="45720" rIns="91440" bIns="45720" rtlCol="0" anchor="b">
+            <a:normAutofit/>
+          </a:bodyPr>
+          <a:lstStyle>
+            <a:lvl1pPr marL="0" algn="l" defTabSz="914400" rtl="0" eaLnBrk="1" latinLnBrk="0" hangingPunct="1">
+              <a:lnSpc>
+                <a:spcPct val="85000"/>
+              </a:lnSpc>
+              <a:spcBef>
+                <a:spcPct val="0"/>
+              </a:spcBef>
+              <a:buNone/>
+              <a:defRPr sz="4800" kern="1200" spc="-50" baseline="0">
+                <a:solidFill>
+                  <a:schemeClr val="tx1">
+                    <a:lumMod val="75000"/>
+                    <a:lumOff val="25000"/>
+                  </a:schemeClr>
+                </a:solidFill>
+                <a:latin typeface="+mj-lt"/>
+                <a:ea typeface="+mj-ea"/>
+                <a:cs typeface="+mj-cs"/>
+              </a:defRPr>
+            </a:lvl1pPr>
+          </a:lstStyle>
+          <a:p>
+            <a:pPr marL="457200" indent="-457200">
+              <a:buFont typeface="Arial" panose="020B0604020202020204" pitchFamily="34" charset="0"/>
+              <a:buChar char="•"/>
+            </a:pPr>
+            <a:r>
+              <a:rPr lang="pt-BR" sz="2000" b="1" dirty="0">
+                <a:solidFill>
+                  <a:schemeClr val="tx1"/>
+                </a:solidFill>
+                <a:latin typeface="Arial" panose="020B0604020202020204" pitchFamily="34" charset="0"/>
+                <a:cs typeface="Arial" panose="020B0604020202020204" pitchFamily="34" charset="0"/>
+              </a:rPr>
+              <a:t>4.	</a:t>
+            </a:r>
+            <a:r>
+              <a:rPr lang="pt-BR" sz="2000" b="1" dirty="0">
+                <a:solidFill>
+                  <a:prstClr val="black"/>
+                </a:solidFill>
+                <a:latin typeface="Arial" panose="020B0604020202020204" pitchFamily="34" charset="0"/>
+                <a:cs typeface="Arial" panose="020B0604020202020204" pitchFamily="34" charset="0"/>
+              </a:rPr>
+              <a:t>RESULTADOS E CONCLUSÃO</a:t>
+            </a:r>
+            <a:br>
+              <a:rPr lang="pt-BR" sz="2000" b="1" dirty="0">
+                <a:solidFill>
+                  <a:schemeClr val="tx1"/>
+                </a:solidFill>
+                <a:latin typeface="Arial" panose="020B0604020202020204" pitchFamily="34" charset="0"/>
+                <a:cs typeface="Arial" panose="020B0604020202020204" pitchFamily="34" charset="0"/>
+              </a:rPr>
+            </a:br>
+            <a:r>
+              <a:rPr lang="pt-BR" sz="2000" b="1" dirty="0">
+                <a:solidFill>
+                  <a:schemeClr val="tx1"/>
+                </a:solidFill>
+                <a:latin typeface="Arial" panose="020B0604020202020204" pitchFamily="34" charset="0"/>
+                <a:cs typeface="Arial" panose="020B0604020202020204" pitchFamily="34" charset="0"/>
+              </a:rPr>
+              <a:t>	</a:t>
+            </a:r>
+            <a:r>
+              <a:rPr lang="pt-BR" sz="1600" b="1" dirty="0">
+                <a:solidFill>
+                  <a:schemeClr val="tx1"/>
+                </a:solidFill>
+                <a:latin typeface="Arial" panose="020B0604020202020204" pitchFamily="34" charset="0"/>
+                <a:cs typeface="Arial" panose="020B0604020202020204" pitchFamily="34" charset="0"/>
+              </a:rPr>
+              <a:t>4.2. Resultados</a:t>
+            </a:r>
+            <a:endParaRPr lang="pt-BR" sz="2000" b="1" dirty="0">
+              <a:solidFill>
+                <a:schemeClr val="tx1"/>
+              </a:solidFill>
+              <a:latin typeface="Arial" panose="020B0604020202020204" pitchFamily="34" charset="0"/>
+              <a:cs typeface="Arial" panose="020B0604020202020204" pitchFamily="34" charset="0"/>
+            </a:endParaRPr>
+          </a:p>
+        </p:txBody>
+      </p:sp>
+    </p:spTree>
+    <p:extLst>
+      <p:ext uri="{BB962C8B-B14F-4D97-AF65-F5344CB8AC3E}">
+        <p14:creationId xmlns:p14="http://schemas.microsoft.com/office/powerpoint/2010/main" val="19552723"/>
+      </p:ext>
+    </p:extLst>
+  </p:cSld>
+  <p:clrMapOvr>
+    <a:masterClrMapping/>
+  </p:clrMapOvr>
+</p:sld>
+</file>
+
+<file path=ppt/slides/slide9.xml><?xml version="1.0" encoding="utf-8"?>
+<p:sld xmlns:a="http://schemas.openxmlformats.org/drawingml/2006/main" xmlns:r="http://schemas.openxmlformats.org/officeDocument/2006/relationships" xmlns:p="http://schemas.openxmlformats.org/presentationml/2006/main">
+  <p:cSld>
+    <p:spTree>
+      <p:nvGrpSpPr>
+        <p:cNvPr id="1" name=""/>
+        <p:cNvGrpSpPr/>
+        <p:nvPr/>
+      </p:nvGrpSpPr>
+      <p:grpSpPr>
+        <a:xfrm>
+          <a:off x="0" y="0"/>
+          <a:ext cx="0" cy="0"/>
+          <a:chOff x="0" y="0"/>
+          <a:chExt cx="0" cy="0"/>
+        </a:xfrm>
+      </p:grpSpPr>
+      <p:pic>
+        <p:nvPicPr>
+          <p:cNvPr id="5" name="Espaço Reservado para Conteúdo 4">
+            <a:extLst>
+              <a:ext uri="{FF2B5EF4-FFF2-40B4-BE49-F238E27FC236}">
+                <a16:creationId xmlns:a16="http://schemas.microsoft.com/office/drawing/2014/main" id="{0F4E1111-A42E-321E-F440-59149F740401}"/>
+              </a:ext>
+            </a:extLst>
+          </p:cNvPr>
+          <p:cNvPicPr>
+            <a:picLocks noGrp="1" noChangeAspect="1"/>
+          </p:cNvPicPr>
+          <p:nvPr>
+            <p:ph idx="1"/>
+          </p:nvPr>
+        </p:nvPicPr>
+        <p:blipFill>
+          <a:blip r:embed="rId2"/>
+          <a:stretch>
+            <a:fillRect/>
+          </a:stretch>
+        </p:blipFill>
+        <p:spPr>
+          <a:xfrm>
+            <a:off x="2194983" y="2014214"/>
+            <a:ext cx="7862993" cy="4022725"/>
+          </a:xfrm>
+        </p:spPr>
+      </p:pic>
+      <p:sp>
+        <p:nvSpPr>
+          <p:cNvPr id="7" name="Espaço Reservado para Rodapé 3">
+            <a:extLst>
+              <a:ext uri="{FF2B5EF4-FFF2-40B4-BE49-F238E27FC236}">
+                <a16:creationId xmlns:a16="http://schemas.microsoft.com/office/drawing/2014/main" id="{B082EAD7-1FC7-7B91-164D-9045AF9C11C8}"/>
+              </a:ext>
+            </a:extLst>
+          </p:cNvPr>
+          <p:cNvSpPr>
+            <a:spLocks noGrp="1"/>
+          </p:cNvSpPr>
+          <p:nvPr>
+            <p:ph type="ftr" sz="quarter" idx="11"/>
+          </p:nvPr>
+        </p:nvSpPr>
+        <p:spPr>
+          <a:xfrm>
+            <a:off x="3684596" y="6455648"/>
+            <a:ext cx="4822804" cy="365125"/>
+          </a:xfrm>
+        </p:spPr>
+        <p:txBody>
+          <a:bodyPr/>
+          <a:lstStyle/>
+          <a:p>
+            <a:r>
+              <a:rPr lang="pt-BR" dirty="0"/>
+              <a:t>Aprendizado Profundo - 2023</a:t>
+            </a:r>
+          </a:p>
+        </p:txBody>
+      </p:sp>
+      <p:pic>
+        <p:nvPicPr>
+          <p:cNvPr id="8" name="Imagem 7" descr="Janela de vidro&#10;&#10;Descrição gerada automaticamente com confiança média">
+            <a:extLst>
+              <a:ext uri="{FF2B5EF4-FFF2-40B4-BE49-F238E27FC236}">
+                <a16:creationId xmlns:a16="http://schemas.microsoft.com/office/drawing/2014/main" id="{594694D9-EAAC-5646-6358-5765438BCEE3}"/>
+              </a:ext>
+            </a:extLst>
+          </p:cNvPr>
+          <p:cNvPicPr>
+            <a:picLocks noChangeAspect="1"/>
+          </p:cNvPicPr>
+          <p:nvPr/>
+        </p:nvPicPr>
+        <p:blipFill>
+          <a:blip r:embed="rId3" cstate="print">
+            <a:extLst>
+              <a:ext uri="{28A0092B-C50C-407E-A947-70E740481C1C}">
+                <a14:useLocalDpi xmlns:a14="http://schemas.microsoft.com/office/drawing/2010/main" val="0"/>
+              </a:ext>
+            </a:extLst>
+          </a:blip>
+          <a:stretch>
+            <a:fillRect/>
+          </a:stretch>
+        </p:blipFill>
+        <p:spPr>
+          <a:xfrm>
+            <a:off x="118159" y="6470866"/>
+            <a:ext cx="373152" cy="332105"/>
+          </a:xfrm>
+          <a:prstGeom prst="rect">
+            <a:avLst/>
+          </a:prstGeom>
+        </p:spPr>
+      </p:pic>
+      <p:sp>
+        <p:nvSpPr>
+          <p:cNvPr id="11" name="Título 19">
+            <a:extLst>
+              <a:ext uri="{FF2B5EF4-FFF2-40B4-BE49-F238E27FC236}">
+                <a16:creationId xmlns:a16="http://schemas.microsoft.com/office/drawing/2014/main" id="{B9B3E25C-1BF6-500B-3438-BC5F701431B8}"/>
+              </a:ext>
+            </a:extLst>
+          </p:cNvPr>
+          <p:cNvSpPr txBox="1">
+            <a:spLocks/>
+          </p:cNvSpPr>
+          <p:nvPr/>
+        </p:nvSpPr>
+        <p:spPr>
+          <a:xfrm>
+            <a:off x="1097280" y="626919"/>
+            <a:ext cx="10058400" cy="720197"/>
+          </a:xfrm>
+          <a:prstGeom prst="rect">
+            <a:avLst/>
+          </a:prstGeom>
+        </p:spPr>
+        <p:txBody>
+          <a:bodyPr vert="horz" lIns="91440" tIns="45720" rIns="91440" bIns="45720" rtlCol="0" anchor="b">
+            <a:normAutofit/>
+          </a:bodyPr>
+          <a:lstStyle>
+            <a:lvl1pPr marL="0" algn="l" defTabSz="914400" rtl="0" eaLnBrk="1" latinLnBrk="0" hangingPunct="1">
+              <a:lnSpc>
+                <a:spcPct val="85000"/>
+              </a:lnSpc>
+              <a:spcBef>
+                <a:spcPct val="0"/>
+              </a:spcBef>
+              <a:buNone/>
+              <a:defRPr sz="4800" kern="1200" spc="-50" baseline="0">
+                <a:solidFill>
+                  <a:schemeClr val="tx1">
+                    <a:lumMod val="75000"/>
+                    <a:lumOff val="25000"/>
+                  </a:schemeClr>
+                </a:solidFill>
+                <a:latin typeface="+mj-lt"/>
+                <a:ea typeface="+mj-ea"/>
+                <a:cs typeface="+mj-cs"/>
+              </a:defRPr>
+            </a:lvl1pPr>
+          </a:lstStyle>
+          <a:p>
+            <a:pPr marL="457200" indent="-457200">
+              <a:buFont typeface="Arial" panose="020B0604020202020204" pitchFamily="34" charset="0"/>
+              <a:buChar char="•"/>
+            </a:pPr>
+            <a:r>
+              <a:rPr lang="pt-BR" sz="2000" b="1" dirty="0">
+                <a:solidFill>
+                  <a:schemeClr val="tx1"/>
+                </a:solidFill>
+                <a:latin typeface="Arial" panose="020B0604020202020204" pitchFamily="34" charset="0"/>
+                <a:cs typeface="Arial" panose="020B0604020202020204" pitchFamily="34" charset="0"/>
+              </a:rPr>
+              <a:t>4.	</a:t>
+            </a:r>
+            <a:r>
+              <a:rPr lang="pt-BR" sz="2000" b="1" dirty="0">
+                <a:solidFill>
+                  <a:prstClr val="black"/>
+                </a:solidFill>
+                <a:latin typeface="Arial" panose="020B0604020202020204" pitchFamily="34" charset="0"/>
+                <a:cs typeface="Arial" panose="020B0604020202020204" pitchFamily="34" charset="0"/>
+              </a:rPr>
+              <a:t>RESULTADOS E CONCLUSÃO</a:t>
+            </a:r>
+            <a:br>
+              <a:rPr lang="pt-BR" sz="2000" b="1" dirty="0">
+                <a:solidFill>
+                  <a:schemeClr val="tx1"/>
+                </a:solidFill>
+                <a:latin typeface="Arial" panose="020B0604020202020204" pitchFamily="34" charset="0"/>
+                <a:cs typeface="Arial" panose="020B0604020202020204" pitchFamily="34" charset="0"/>
+              </a:rPr>
+            </a:br>
+            <a:r>
+              <a:rPr lang="pt-BR" sz="2000" b="1" dirty="0">
+                <a:solidFill>
+                  <a:schemeClr val="tx1"/>
+                </a:solidFill>
+                <a:latin typeface="Arial" panose="020B0604020202020204" pitchFamily="34" charset="0"/>
+                <a:cs typeface="Arial" panose="020B0604020202020204" pitchFamily="34" charset="0"/>
+              </a:rPr>
+              <a:t>	</a:t>
+            </a:r>
+            <a:r>
+              <a:rPr lang="pt-BR" sz="1600" b="1" dirty="0">
+                <a:solidFill>
+                  <a:schemeClr val="tx1"/>
+                </a:solidFill>
+                <a:latin typeface="Arial" panose="020B0604020202020204" pitchFamily="34" charset="0"/>
+                <a:cs typeface="Arial" panose="020B0604020202020204" pitchFamily="34" charset="0"/>
+              </a:rPr>
+              <a:t>4.2. Resultados</a:t>
+            </a:r>
+            <a:endParaRPr lang="pt-BR" sz="2000" b="1" dirty="0">
+              <a:solidFill>
+                <a:schemeClr val="tx1"/>
+              </a:solidFill>
+              <a:latin typeface="Arial" panose="020B0604020202020204" pitchFamily="34" charset="0"/>
+              <a:cs typeface="Arial" panose="020B0604020202020204" pitchFamily="34" charset="0"/>
+            </a:endParaRPr>
+          </a:p>
+        </p:txBody>
+      </p:sp>
+    </p:spTree>
+    <p:extLst>
+      <p:ext uri="{BB962C8B-B14F-4D97-AF65-F5344CB8AC3E}">
+        <p14:creationId xmlns:p14="http://schemas.microsoft.com/office/powerpoint/2010/main" val="1963934838"/>
       </p:ext>
     </p:extLst>
   </p:cSld>

--- a/Apresentação.pptx
+++ b/Apresentação.pptx
@@ -5,21 +5,23 @@
     <p:sldMasterId id="2147483660" r:id="rId1"/>
   </p:sldMasterIdLst>
   <p:notesMasterIdLst>
-    <p:notesMasterId r:id="rId14"/>
+    <p:notesMasterId r:id="rId16"/>
   </p:notesMasterIdLst>
   <p:sldIdLst>
     <p:sldId id="258" r:id="rId2"/>
     <p:sldId id="311" r:id="rId3"/>
     <p:sldId id="312" r:id="rId4"/>
     <p:sldId id="313" r:id="rId5"/>
-    <p:sldId id="314" r:id="rId6"/>
-    <p:sldId id="317" r:id="rId7"/>
-    <p:sldId id="316" r:id="rId8"/>
-    <p:sldId id="318" r:id="rId9"/>
-    <p:sldId id="320" r:id="rId10"/>
-    <p:sldId id="319" r:id="rId11"/>
-    <p:sldId id="322" r:id="rId12"/>
-    <p:sldId id="321" r:id="rId13"/>
+    <p:sldId id="323" r:id="rId6"/>
+    <p:sldId id="324" r:id="rId7"/>
+    <p:sldId id="314" r:id="rId8"/>
+    <p:sldId id="317" r:id="rId9"/>
+    <p:sldId id="316" r:id="rId10"/>
+    <p:sldId id="318" r:id="rId11"/>
+    <p:sldId id="320" r:id="rId12"/>
+    <p:sldId id="319" r:id="rId13"/>
+    <p:sldId id="322" r:id="rId14"/>
+    <p:sldId id="321" r:id="rId15"/>
   </p:sldIdLst>
   <p:sldSz cx="12192000" cy="6858000"/>
   <p:notesSz cx="6858000" cy="9144000"/>
@@ -4541,6 +4543,579 @@
           <a:chExt cx="0" cy="0"/>
         </a:xfrm>
       </p:grpSpPr>
+      <p:pic>
+        <p:nvPicPr>
+          <p:cNvPr id="4" name="Imagem 3">
+            <a:extLst>
+              <a:ext uri="{FF2B5EF4-FFF2-40B4-BE49-F238E27FC236}">
+                <a16:creationId xmlns:a16="http://schemas.microsoft.com/office/drawing/2014/main" id="{03584B3D-9095-0874-F13B-31AB0145119D}"/>
+              </a:ext>
+            </a:extLst>
+          </p:cNvPr>
+          <p:cNvPicPr>
+            <a:picLocks noChangeAspect="1"/>
+          </p:cNvPicPr>
+          <p:nvPr/>
+        </p:nvPicPr>
+        <p:blipFill>
+          <a:blip r:embed="rId2"/>
+          <a:stretch>
+            <a:fillRect/>
+          </a:stretch>
+        </p:blipFill>
+        <p:spPr>
+          <a:xfrm>
+            <a:off x="1097280" y="1812004"/>
+            <a:ext cx="4226096" cy="2173687"/>
+          </a:xfrm>
+          <a:prstGeom prst="rect">
+            <a:avLst/>
+          </a:prstGeom>
+        </p:spPr>
+      </p:pic>
+      <p:sp>
+        <p:nvSpPr>
+          <p:cNvPr id="6" name="Espaço Reservado para Rodapé 3">
+            <a:extLst>
+              <a:ext uri="{FF2B5EF4-FFF2-40B4-BE49-F238E27FC236}">
+                <a16:creationId xmlns:a16="http://schemas.microsoft.com/office/drawing/2014/main" id="{F7B09A21-FC12-F36E-76C4-968ADA050D48}"/>
+              </a:ext>
+            </a:extLst>
+          </p:cNvPr>
+          <p:cNvSpPr>
+            <a:spLocks noGrp="1"/>
+          </p:cNvSpPr>
+          <p:nvPr>
+            <p:ph type="ftr" sz="quarter" idx="11"/>
+          </p:nvPr>
+        </p:nvSpPr>
+        <p:spPr>
+          <a:xfrm>
+            <a:off x="3684596" y="6455648"/>
+            <a:ext cx="4822804" cy="365125"/>
+          </a:xfrm>
+        </p:spPr>
+        <p:txBody>
+          <a:bodyPr/>
+          <a:lstStyle/>
+          <a:p>
+            <a:r>
+              <a:rPr lang="pt-BR" dirty="0"/>
+              <a:t>Aprendizado Profundo - 2023</a:t>
+            </a:r>
+          </a:p>
+        </p:txBody>
+      </p:sp>
+      <p:pic>
+        <p:nvPicPr>
+          <p:cNvPr id="7" name="Imagem 6" descr="Janela de vidro&#10;&#10;Descrição gerada automaticamente com confiança média">
+            <a:extLst>
+              <a:ext uri="{FF2B5EF4-FFF2-40B4-BE49-F238E27FC236}">
+                <a16:creationId xmlns:a16="http://schemas.microsoft.com/office/drawing/2014/main" id="{44FF787D-21C5-B6C5-E6F6-5EBBFA5CD0B5}"/>
+              </a:ext>
+            </a:extLst>
+          </p:cNvPr>
+          <p:cNvPicPr>
+            <a:picLocks noChangeAspect="1"/>
+          </p:cNvPicPr>
+          <p:nvPr/>
+        </p:nvPicPr>
+        <p:blipFill>
+          <a:blip r:embed="rId3" cstate="print">
+            <a:extLst>
+              <a:ext uri="{28A0092B-C50C-407E-A947-70E740481C1C}">
+                <a14:useLocalDpi xmlns:a14="http://schemas.microsoft.com/office/drawing/2010/main" val="0"/>
+              </a:ext>
+            </a:extLst>
+          </a:blip>
+          <a:stretch>
+            <a:fillRect/>
+          </a:stretch>
+        </p:blipFill>
+        <p:spPr>
+          <a:xfrm>
+            <a:off x="118159" y="6470866"/>
+            <a:ext cx="373152" cy="332105"/>
+          </a:xfrm>
+          <a:prstGeom prst="rect">
+            <a:avLst/>
+          </a:prstGeom>
+        </p:spPr>
+      </p:pic>
+      <p:pic>
+        <p:nvPicPr>
+          <p:cNvPr id="11" name="Imagem 10">
+            <a:extLst>
+              <a:ext uri="{FF2B5EF4-FFF2-40B4-BE49-F238E27FC236}">
+                <a16:creationId xmlns:a16="http://schemas.microsoft.com/office/drawing/2014/main" id="{93D8288B-08DC-5C8D-F2A4-DA8EA83AED82}"/>
+              </a:ext>
+            </a:extLst>
+          </p:cNvPr>
+          <p:cNvPicPr>
+            <a:picLocks noChangeAspect="1"/>
+          </p:cNvPicPr>
+          <p:nvPr/>
+        </p:nvPicPr>
+        <p:blipFill>
+          <a:blip r:embed="rId4"/>
+          <a:stretch>
+            <a:fillRect/>
+          </a:stretch>
+        </p:blipFill>
+        <p:spPr>
+          <a:xfrm>
+            <a:off x="6813357" y="1826831"/>
+            <a:ext cx="4281363" cy="2192663"/>
+          </a:xfrm>
+          <a:prstGeom prst="rect">
+            <a:avLst/>
+          </a:prstGeom>
+        </p:spPr>
+      </p:pic>
+      <p:pic>
+        <p:nvPicPr>
+          <p:cNvPr id="13" name="Imagem 12">
+            <a:extLst>
+              <a:ext uri="{FF2B5EF4-FFF2-40B4-BE49-F238E27FC236}">
+                <a16:creationId xmlns:a16="http://schemas.microsoft.com/office/drawing/2014/main" id="{0F853861-4E82-B295-59B2-28134E1487A2}"/>
+              </a:ext>
+            </a:extLst>
+          </p:cNvPr>
+          <p:cNvPicPr>
+            <a:picLocks noChangeAspect="1"/>
+          </p:cNvPicPr>
+          <p:nvPr/>
+        </p:nvPicPr>
+        <p:blipFill>
+          <a:blip r:embed="rId5"/>
+          <a:stretch>
+            <a:fillRect/>
+          </a:stretch>
+        </p:blipFill>
+        <p:spPr>
+          <a:xfrm>
+            <a:off x="1134332" y="3985691"/>
+            <a:ext cx="4226096" cy="2188514"/>
+          </a:xfrm>
+          <a:prstGeom prst="rect">
+            <a:avLst/>
+          </a:prstGeom>
+        </p:spPr>
+      </p:pic>
+      <p:pic>
+        <p:nvPicPr>
+          <p:cNvPr id="15" name="Imagem 14">
+            <a:extLst>
+              <a:ext uri="{FF2B5EF4-FFF2-40B4-BE49-F238E27FC236}">
+                <a16:creationId xmlns:a16="http://schemas.microsoft.com/office/drawing/2014/main" id="{BA54C8C2-439E-3EFC-B088-6702EA8DA7CE}"/>
+              </a:ext>
+            </a:extLst>
+          </p:cNvPr>
+          <p:cNvPicPr>
+            <a:picLocks noChangeAspect="1"/>
+          </p:cNvPicPr>
+          <p:nvPr/>
+        </p:nvPicPr>
+        <p:blipFill>
+          <a:blip r:embed="rId6"/>
+          <a:stretch>
+            <a:fillRect/>
+          </a:stretch>
+        </p:blipFill>
+        <p:spPr>
+          <a:xfrm>
+            <a:off x="6813357" y="4019494"/>
+            <a:ext cx="4277765" cy="2188514"/>
+          </a:xfrm>
+          <a:prstGeom prst="rect">
+            <a:avLst/>
+          </a:prstGeom>
+        </p:spPr>
+      </p:pic>
+      <p:sp>
+        <p:nvSpPr>
+          <p:cNvPr id="18" name="Título 19">
+            <a:extLst>
+              <a:ext uri="{FF2B5EF4-FFF2-40B4-BE49-F238E27FC236}">
+                <a16:creationId xmlns:a16="http://schemas.microsoft.com/office/drawing/2014/main" id="{F1F2F8A7-6E32-9420-FEC7-A13B82D3D4FD}"/>
+              </a:ext>
+            </a:extLst>
+          </p:cNvPr>
+          <p:cNvSpPr txBox="1">
+            <a:spLocks/>
+          </p:cNvSpPr>
+          <p:nvPr/>
+        </p:nvSpPr>
+        <p:spPr>
+          <a:xfrm>
+            <a:off x="1097280" y="626919"/>
+            <a:ext cx="10058400" cy="720197"/>
+          </a:xfrm>
+          <a:prstGeom prst="rect">
+            <a:avLst/>
+          </a:prstGeom>
+        </p:spPr>
+        <p:txBody>
+          <a:bodyPr vert="horz" lIns="91440" tIns="45720" rIns="91440" bIns="45720" rtlCol="0" anchor="b">
+            <a:normAutofit/>
+          </a:bodyPr>
+          <a:lstStyle>
+            <a:lvl1pPr marL="0" algn="l" defTabSz="914400" rtl="0" eaLnBrk="1" latinLnBrk="0" hangingPunct="1">
+              <a:lnSpc>
+                <a:spcPct val="85000"/>
+              </a:lnSpc>
+              <a:spcBef>
+                <a:spcPct val="0"/>
+              </a:spcBef>
+              <a:buNone/>
+              <a:defRPr sz="4800" kern="1200" spc="-50" baseline="0">
+                <a:solidFill>
+                  <a:schemeClr val="tx1">
+                    <a:lumMod val="75000"/>
+                    <a:lumOff val="25000"/>
+                  </a:schemeClr>
+                </a:solidFill>
+                <a:latin typeface="+mj-lt"/>
+                <a:ea typeface="+mj-ea"/>
+                <a:cs typeface="+mj-cs"/>
+              </a:defRPr>
+            </a:lvl1pPr>
+          </a:lstStyle>
+          <a:p>
+            <a:pPr marL="457200" indent="-457200">
+              <a:buFont typeface="Arial" panose="020B0604020202020204" pitchFamily="34" charset="0"/>
+              <a:buChar char="•"/>
+            </a:pPr>
+            <a:r>
+              <a:rPr lang="pt-BR" sz="2000" b="1" dirty="0">
+                <a:solidFill>
+                  <a:schemeClr val="tx1"/>
+                </a:solidFill>
+                <a:latin typeface="Arial" panose="020B0604020202020204" pitchFamily="34" charset="0"/>
+                <a:cs typeface="Arial" panose="020B0604020202020204" pitchFamily="34" charset="0"/>
+              </a:rPr>
+              <a:t>4.	</a:t>
+            </a:r>
+            <a:r>
+              <a:rPr lang="pt-BR" sz="2000" b="1" dirty="0">
+                <a:solidFill>
+                  <a:prstClr val="black"/>
+                </a:solidFill>
+                <a:latin typeface="Arial" panose="020B0604020202020204" pitchFamily="34" charset="0"/>
+                <a:cs typeface="Arial" panose="020B0604020202020204" pitchFamily="34" charset="0"/>
+              </a:rPr>
+              <a:t>RESULTADOS E CONCLUSÃO</a:t>
+            </a:r>
+            <a:br>
+              <a:rPr lang="pt-BR" sz="2000" b="1" dirty="0">
+                <a:solidFill>
+                  <a:schemeClr val="tx1"/>
+                </a:solidFill>
+                <a:latin typeface="Arial" panose="020B0604020202020204" pitchFamily="34" charset="0"/>
+                <a:cs typeface="Arial" panose="020B0604020202020204" pitchFamily="34" charset="0"/>
+              </a:rPr>
+            </a:br>
+            <a:r>
+              <a:rPr lang="pt-BR" sz="2000" b="1" dirty="0">
+                <a:solidFill>
+                  <a:schemeClr val="tx1"/>
+                </a:solidFill>
+                <a:latin typeface="Arial" panose="020B0604020202020204" pitchFamily="34" charset="0"/>
+                <a:cs typeface="Arial" panose="020B0604020202020204" pitchFamily="34" charset="0"/>
+              </a:rPr>
+              <a:t>	</a:t>
+            </a:r>
+            <a:r>
+              <a:rPr lang="pt-BR" sz="1600" b="1" dirty="0">
+                <a:solidFill>
+                  <a:schemeClr val="tx1"/>
+                </a:solidFill>
+                <a:latin typeface="Arial" panose="020B0604020202020204" pitchFamily="34" charset="0"/>
+                <a:cs typeface="Arial" panose="020B0604020202020204" pitchFamily="34" charset="0"/>
+              </a:rPr>
+              <a:t>4.2. Resultados</a:t>
+            </a:r>
+            <a:endParaRPr lang="pt-BR" sz="2000" b="1" dirty="0">
+              <a:solidFill>
+                <a:schemeClr val="tx1"/>
+              </a:solidFill>
+              <a:latin typeface="Arial" panose="020B0604020202020204" pitchFamily="34" charset="0"/>
+              <a:cs typeface="Arial" panose="020B0604020202020204" pitchFamily="34" charset="0"/>
+            </a:endParaRPr>
+          </a:p>
+        </p:txBody>
+      </p:sp>
+    </p:spTree>
+    <p:extLst>
+      <p:ext uri="{BB962C8B-B14F-4D97-AF65-F5344CB8AC3E}">
+        <p14:creationId xmlns:p14="http://schemas.microsoft.com/office/powerpoint/2010/main" val="19552723"/>
+      </p:ext>
+    </p:extLst>
+  </p:cSld>
+  <p:clrMapOvr>
+    <a:masterClrMapping/>
+  </p:clrMapOvr>
+</p:sld>
+</file>
+
+<file path=ppt/slides/slide11.xml><?xml version="1.0" encoding="utf-8"?>
+<p:sld xmlns:a="http://schemas.openxmlformats.org/drawingml/2006/main" xmlns:r="http://schemas.openxmlformats.org/officeDocument/2006/relationships" xmlns:p="http://schemas.openxmlformats.org/presentationml/2006/main">
+  <p:cSld>
+    <p:spTree>
+      <p:nvGrpSpPr>
+        <p:cNvPr id="1" name=""/>
+        <p:cNvGrpSpPr/>
+        <p:nvPr/>
+      </p:nvGrpSpPr>
+      <p:grpSpPr>
+        <a:xfrm>
+          <a:off x="0" y="0"/>
+          <a:ext cx="0" cy="0"/>
+          <a:chOff x="0" y="0"/>
+          <a:chExt cx="0" cy="0"/>
+        </a:xfrm>
+      </p:grpSpPr>
+      <p:pic>
+        <p:nvPicPr>
+          <p:cNvPr id="5" name="Espaço Reservado para Conteúdo 4">
+            <a:extLst>
+              <a:ext uri="{FF2B5EF4-FFF2-40B4-BE49-F238E27FC236}">
+                <a16:creationId xmlns:a16="http://schemas.microsoft.com/office/drawing/2014/main" id="{0F4E1111-A42E-321E-F440-59149F740401}"/>
+              </a:ext>
+            </a:extLst>
+          </p:cNvPr>
+          <p:cNvPicPr>
+            <a:picLocks noGrp="1" noChangeAspect="1"/>
+          </p:cNvPicPr>
+          <p:nvPr>
+            <p:ph idx="1"/>
+          </p:nvPr>
+        </p:nvPicPr>
+        <p:blipFill>
+          <a:blip r:embed="rId2"/>
+          <a:stretch>
+            <a:fillRect/>
+          </a:stretch>
+        </p:blipFill>
+        <p:spPr>
+          <a:xfrm>
+            <a:off x="3182804" y="2410985"/>
+            <a:ext cx="5826387" cy="2980793"/>
+          </a:xfrm>
+        </p:spPr>
+      </p:pic>
+      <p:sp>
+        <p:nvSpPr>
+          <p:cNvPr id="7" name="Espaço Reservado para Rodapé 3">
+            <a:extLst>
+              <a:ext uri="{FF2B5EF4-FFF2-40B4-BE49-F238E27FC236}">
+                <a16:creationId xmlns:a16="http://schemas.microsoft.com/office/drawing/2014/main" id="{B082EAD7-1FC7-7B91-164D-9045AF9C11C8}"/>
+              </a:ext>
+            </a:extLst>
+          </p:cNvPr>
+          <p:cNvSpPr>
+            <a:spLocks noGrp="1"/>
+          </p:cNvSpPr>
+          <p:nvPr>
+            <p:ph type="ftr" sz="quarter" idx="11"/>
+          </p:nvPr>
+        </p:nvSpPr>
+        <p:spPr>
+          <a:xfrm>
+            <a:off x="3684596" y="6455648"/>
+            <a:ext cx="4822804" cy="365125"/>
+          </a:xfrm>
+        </p:spPr>
+        <p:txBody>
+          <a:bodyPr/>
+          <a:lstStyle/>
+          <a:p>
+            <a:r>
+              <a:rPr lang="pt-BR" dirty="0"/>
+              <a:t>Aprendizado Profundo - 2023</a:t>
+            </a:r>
+          </a:p>
+        </p:txBody>
+      </p:sp>
+      <p:pic>
+        <p:nvPicPr>
+          <p:cNvPr id="8" name="Imagem 7" descr="Janela de vidro&#10;&#10;Descrição gerada automaticamente com confiança média">
+            <a:extLst>
+              <a:ext uri="{FF2B5EF4-FFF2-40B4-BE49-F238E27FC236}">
+                <a16:creationId xmlns:a16="http://schemas.microsoft.com/office/drawing/2014/main" id="{594694D9-EAAC-5646-6358-5765438BCEE3}"/>
+              </a:ext>
+            </a:extLst>
+          </p:cNvPr>
+          <p:cNvPicPr>
+            <a:picLocks noChangeAspect="1"/>
+          </p:cNvPicPr>
+          <p:nvPr/>
+        </p:nvPicPr>
+        <p:blipFill>
+          <a:blip r:embed="rId3" cstate="print">
+            <a:extLst>
+              <a:ext uri="{28A0092B-C50C-407E-A947-70E740481C1C}">
+                <a14:useLocalDpi xmlns:a14="http://schemas.microsoft.com/office/drawing/2010/main" val="0"/>
+              </a:ext>
+            </a:extLst>
+          </a:blip>
+          <a:stretch>
+            <a:fillRect/>
+          </a:stretch>
+        </p:blipFill>
+        <p:spPr>
+          <a:xfrm>
+            <a:off x="118159" y="6470866"/>
+            <a:ext cx="373152" cy="332105"/>
+          </a:xfrm>
+          <a:prstGeom prst="rect">
+            <a:avLst/>
+          </a:prstGeom>
+        </p:spPr>
+      </p:pic>
+      <p:sp>
+        <p:nvSpPr>
+          <p:cNvPr id="11" name="Título 19">
+            <a:extLst>
+              <a:ext uri="{FF2B5EF4-FFF2-40B4-BE49-F238E27FC236}">
+                <a16:creationId xmlns:a16="http://schemas.microsoft.com/office/drawing/2014/main" id="{B9B3E25C-1BF6-500B-3438-BC5F701431B8}"/>
+              </a:ext>
+            </a:extLst>
+          </p:cNvPr>
+          <p:cNvSpPr txBox="1">
+            <a:spLocks/>
+          </p:cNvSpPr>
+          <p:nvPr/>
+        </p:nvSpPr>
+        <p:spPr>
+          <a:xfrm>
+            <a:off x="1097280" y="626919"/>
+            <a:ext cx="10058400" cy="720197"/>
+          </a:xfrm>
+          <a:prstGeom prst="rect">
+            <a:avLst/>
+          </a:prstGeom>
+        </p:spPr>
+        <p:txBody>
+          <a:bodyPr vert="horz" lIns="91440" tIns="45720" rIns="91440" bIns="45720" rtlCol="0" anchor="b">
+            <a:normAutofit/>
+          </a:bodyPr>
+          <a:lstStyle>
+            <a:lvl1pPr marL="0" algn="l" defTabSz="914400" rtl="0" eaLnBrk="1" latinLnBrk="0" hangingPunct="1">
+              <a:lnSpc>
+                <a:spcPct val="85000"/>
+              </a:lnSpc>
+              <a:spcBef>
+                <a:spcPct val="0"/>
+              </a:spcBef>
+              <a:buNone/>
+              <a:defRPr sz="4800" kern="1200" spc="-50" baseline="0">
+                <a:solidFill>
+                  <a:schemeClr val="tx1">
+                    <a:lumMod val="75000"/>
+                    <a:lumOff val="25000"/>
+                  </a:schemeClr>
+                </a:solidFill>
+                <a:latin typeface="+mj-lt"/>
+                <a:ea typeface="+mj-ea"/>
+                <a:cs typeface="+mj-cs"/>
+              </a:defRPr>
+            </a:lvl1pPr>
+          </a:lstStyle>
+          <a:p>
+            <a:pPr marL="457200" indent="-457200">
+              <a:buFont typeface="Arial" panose="020B0604020202020204" pitchFamily="34" charset="0"/>
+              <a:buChar char="•"/>
+            </a:pPr>
+            <a:r>
+              <a:rPr lang="pt-BR" sz="2000" b="1" dirty="0">
+                <a:solidFill>
+                  <a:schemeClr val="tx1"/>
+                </a:solidFill>
+                <a:latin typeface="Arial" panose="020B0604020202020204" pitchFamily="34" charset="0"/>
+                <a:cs typeface="Arial" panose="020B0604020202020204" pitchFamily="34" charset="0"/>
+              </a:rPr>
+              <a:t>4.	</a:t>
+            </a:r>
+            <a:r>
+              <a:rPr lang="pt-BR" sz="2000" b="1" dirty="0">
+                <a:solidFill>
+                  <a:prstClr val="black"/>
+                </a:solidFill>
+                <a:latin typeface="Arial" panose="020B0604020202020204" pitchFamily="34" charset="0"/>
+                <a:cs typeface="Arial" panose="020B0604020202020204" pitchFamily="34" charset="0"/>
+              </a:rPr>
+              <a:t>RESULTADOS E CONCLUSÃO</a:t>
+            </a:r>
+            <a:br>
+              <a:rPr lang="pt-BR" sz="2000" b="1" dirty="0">
+                <a:solidFill>
+                  <a:schemeClr val="tx1"/>
+                </a:solidFill>
+                <a:latin typeface="Arial" panose="020B0604020202020204" pitchFamily="34" charset="0"/>
+                <a:cs typeface="Arial" panose="020B0604020202020204" pitchFamily="34" charset="0"/>
+              </a:rPr>
+            </a:br>
+            <a:r>
+              <a:rPr lang="pt-BR" sz="2000" b="1" dirty="0">
+                <a:solidFill>
+                  <a:schemeClr val="tx1"/>
+                </a:solidFill>
+                <a:latin typeface="Arial" panose="020B0604020202020204" pitchFamily="34" charset="0"/>
+                <a:cs typeface="Arial" panose="020B0604020202020204" pitchFamily="34" charset="0"/>
+              </a:rPr>
+              <a:t>	</a:t>
+            </a:r>
+            <a:r>
+              <a:rPr lang="pt-BR" sz="1600" b="1" dirty="0">
+                <a:solidFill>
+                  <a:schemeClr val="tx1"/>
+                </a:solidFill>
+                <a:latin typeface="Arial" panose="020B0604020202020204" pitchFamily="34" charset="0"/>
+                <a:cs typeface="Arial" panose="020B0604020202020204" pitchFamily="34" charset="0"/>
+              </a:rPr>
+              <a:t>4.2. Resultados</a:t>
+            </a:r>
+            <a:endParaRPr lang="pt-BR" sz="2000" b="1" dirty="0">
+              <a:solidFill>
+                <a:schemeClr val="tx1"/>
+              </a:solidFill>
+              <a:latin typeface="Arial" panose="020B0604020202020204" pitchFamily="34" charset="0"/>
+              <a:cs typeface="Arial" panose="020B0604020202020204" pitchFamily="34" charset="0"/>
+            </a:endParaRPr>
+          </a:p>
+        </p:txBody>
+      </p:sp>
+    </p:spTree>
+    <p:extLst>
+      <p:ext uri="{BB962C8B-B14F-4D97-AF65-F5344CB8AC3E}">
+        <p14:creationId xmlns:p14="http://schemas.microsoft.com/office/powerpoint/2010/main" val="1963934838"/>
+      </p:ext>
+    </p:extLst>
+  </p:cSld>
+  <p:clrMapOvr>
+    <a:masterClrMapping/>
+  </p:clrMapOvr>
+</p:sld>
+</file>
+
+<file path=ppt/slides/slide12.xml><?xml version="1.0" encoding="utf-8"?>
+<p:sld xmlns:a="http://schemas.openxmlformats.org/drawingml/2006/main" xmlns:r="http://schemas.openxmlformats.org/officeDocument/2006/relationships" xmlns:p="http://schemas.openxmlformats.org/presentationml/2006/main">
+  <p:cSld>
+    <p:spTree>
+      <p:nvGrpSpPr>
+        <p:cNvPr id="1" name=""/>
+        <p:cNvGrpSpPr/>
+        <p:nvPr/>
+      </p:nvGrpSpPr>
+      <p:grpSpPr>
+        <a:xfrm>
+          <a:off x="0" y="0"/>
+          <a:ext cx="0" cy="0"/>
+          <a:chOff x="0" y="0"/>
+          <a:chExt cx="0" cy="0"/>
+        </a:xfrm>
+      </p:grpSpPr>
       <p:graphicFrame>
         <p:nvGraphicFramePr>
           <p:cNvPr id="4" name="Tabela 3">
@@ -6112,7 +6687,7 @@
 </p:sld>
 </file>
 
-<file path=ppt/slides/slide11.xml><?xml version="1.0" encoding="utf-8"?>
+<file path=ppt/slides/slide13.xml><?xml version="1.0" encoding="utf-8"?>
 <p:sld xmlns:a="http://schemas.openxmlformats.org/drawingml/2006/main" xmlns:r="http://schemas.openxmlformats.org/officeDocument/2006/relationships" xmlns:p="http://schemas.openxmlformats.org/presentationml/2006/main">
   <p:cSld>
     <p:spTree>
@@ -6280,7 +6855,7 @@
 </p:sld>
 </file>
 
-<file path=ppt/slides/slide12.xml><?xml version="1.0" encoding="utf-8"?>
+<file path=ppt/slides/slide14.xml><?xml version="1.0" encoding="utf-8"?>
 <p:sld xmlns:a="http://schemas.openxmlformats.org/drawingml/2006/main" xmlns:r="http://schemas.openxmlformats.org/officeDocument/2006/relationships" xmlns:p="http://schemas.openxmlformats.org/presentationml/2006/main">
   <p:cSld>
     <p:spTree>
@@ -7406,7 +7981,7 @@
               <a:buChar char="•"/>
             </a:pPr>
             <a:r>
-              <a:rPr lang="pt-BR" sz="2400" b="1" dirty="0">
+              <a:rPr lang="pt-BR" sz="2000" b="1" dirty="0">
                 <a:solidFill>
                   <a:schemeClr val="tx1"/>
                 </a:solidFill>
@@ -7435,7 +8010,7 @@
               <a:t>	</a:t>
             </a:r>
             <a:r>
-              <a:rPr lang="pt-BR" sz="1800" b="1" dirty="0">
+              <a:rPr lang="pt-BR" sz="1600" b="1" dirty="0">
                 <a:solidFill>
                   <a:schemeClr val="tx1"/>
                 </a:solidFill>
@@ -7472,8 +8047,8 @@
         </p:nvSpPr>
         <p:spPr>
           <a:xfrm>
-            <a:off x="1097280" y="2630107"/>
-            <a:ext cx="10058400" cy="1323439"/>
+            <a:off x="1097280" y="2702535"/>
+            <a:ext cx="10058400" cy="1815882"/>
           </a:xfrm>
           <a:noFill/>
         </p:spPr>
@@ -7483,7 +8058,7 @@
           </a:bodyPr>
           <a:lstStyle/>
           <a:p>
-            <a:pPr marL="0" indent="0" defTabSz="457200">
+            <a:pPr defTabSz="457200">
               <a:lnSpc>
                 <a:spcPct val="100000"/>
               </a:lnSpc>
@@ -7495,7 +8070,8 @@
               </a:spcAft>
               <a:buClrTx/>
               <a:buSzTx/>
-              <a:buNone/>
+              <a:buFont typeface="Wingdings" panose="05000000000000000000" pitchFamily="2" charset="2"/>
+              <a:buChar char="Ø"/>
             </a:pPr>
             <a:r>
               <a:rPr lang="pt-BR" sz="1600" b="1" dirty="0">
@@ -7505,7 +8081,7 @@
                 <a:latin typeface="Arial" panose="020B0604020202020204" pitchFamily="34" charset="0"/>
                 <a:cs typeface="Arial" panose="020B0604020202020204" pitchFamily="34" charset="0"/>
               </a:rPr>
-              <a:t>DEEP LEARNING APLICAÇÕES</a:t>
+              <a:t> Principais modelos para lidar com sequências.</a:t>
             </a:r>
           </a:p>
           <a:p>
@@ -7546,6 +8122,30 @@
               <a:buSzTx/>
               <a:buNone/>
             </a:pPr>
+            <a:endParaRPr lang="pt-BR" sz="1600" b="1" dirty="0">
+              <a:solidFill>
+                <a:prstClr val="black"/>
+              </a:solidFill>
+              <a:latin typeface="Arial" panose="020B0604020202020204" pitchFamily="34" charset="0"/>
+              <a:cs typeface="Arial" panose="020B0604020202020204" pitchFamily="34" charset="0"/>
+            </a:endParaRPr>
+          </a:p>
+          <a:p>
+            <a:pPr defTabSz="457200">
+              <a:lnSpc>
+                <a:spcPct val="100000"/>
+              </a:lnSpc>
+              <a:spcBef>
+                <a:spcPts val="0"/>
+              </a:spcBef>
+              <a:spcAft>
+                <a:spcPts val="0"/>
+              </a:spcAft>
+              <a:buClrTx/>
+              <a:buSzTx/>
+              <a:buFont typeface="Wingdings" panose="05000000000000000000" pitchFamily="2" charset="2"/>
+              <a:buChar char="Ø"/>
+            </a:pPr>
             <a:r>
               <a:rPr lang="pt-BR" sz="1600" b="1" dirty="0">
                 <a:solidFill>
@@ -7554,7 +8154,7 @@
                 <a:latin typeface="Arial" panose="020B0604020202020204" pitchFamily="34" charset="0"/>
                 <a:cs typeface="Arial" panose="020B0604020202020204" pitchFamily="34" charset="0"/>
               </a:rPr>
-              <a:t>LIDANDO COM CONJUNTOS LIMITADOS</a:t>
+              <a:t> Como lidar com conjuntos de texto limitados.</a:t>
             </a:r>
           </a:p>
           <a:p>
@@ -7595,6 +8195,30 @@
               <a:buSzTx/>
               <a:buNone/>
             </a:pPr>
+            <a:endParaRPr lang="pt-BR" sz="1600" b="1" dirty="0">
+              <a:solidFill>
+                <a:prstClr val="black"/>
+              </a:solidFill>
+              <a:latin typeface="Arial" panose="020B0604020202020204" pitchFamily="34" charset="0"/>
+              <a:cs typeface="Arial" panose="020B0604020202020204" pitchFamily="34" charset="0"/>
+            </a:endParaRPr>
+          </a:p>
+          <a:p>
+            <a:pPr defTabSz="457200">
+              <a:lnSpc>
+                <a:spcPct val="100000"/>
+              </a:lnSpc>
+              <a:spcBef>
+                <a:spcPts val="0"/>
+              </a:spcBef>
+              <a:spcAft>
+                <a:spcPts val="0"/>
+              </a:spcAft>
+              <a:buClrTx/>
+              <a:buSzTx/>
+              <a:buFont typeface="Wingdings" panose="05000000000000000000" pitchFamily="2" charset="2"/>
+              <a:buChar char="Ø"/>
+            </a:pPr>
             <a:r>
               <a:rPr lang="pt-BR" sz="1600" b="1" dirty="0">
                 <a:solidFill>
@@ -7603,7 +8227,7 @@
                 <a:latin typeface="Arial" panose="020B0604020202020204" pitchFamily="34" charset="0"/>
                 <a:cs typeface="Arial" panose="020B0604020202020204" pitchFamily="34" charset="0"/>
               </a:rPr>
-              <a:t>Resultados ALGORITMOS DE REGULARIZAÇÃO Data </a:t>
+              <a:t> Aplicar algoritmos de Data </a:t>
             </a:r>
             <a:r>
               <a:rPr lang="pt-BR" sz="1600" b="1" dirty="0" err="1">
@@ -7615,13 +8239,16 @@
               </a:rPr>
               <a:t>Augmentation</a:t>
             </a:r>
-            <a:endParaRPr lang="pt-BR" sz="1600" b="1" dirty="0">
-              <a:solidFill>
-                <a:prstClr val="black"/>
-              </a:solidFill>
-              <a:latin typeface="Arial" panose="020B0604020202020204" pitchFamily="34" charset="0"/>
-              <a:cs typeface="Arial" panose="020B0604020202020204" pitchFamily="34" charset="0"/>
-            </a:endParaRPr>
+            <a:r>
+              <a:rPr lang="pt-BR" sz="1600" b="1" dirty="0">
+                <a:solidFill>
+                  <a:prstClr val="black"/>
+                </a:solidFill>
+                <a:latin typeface="Arial" panose="020B0604020202020204" pitchFamily="34" charset="0"/>
+                <a:cs typeface="Arial" panose="020B0604020202020204" pitchFamily="34" charset="0"/>
+              </a:rPr>
+              <a:t> para testar a eficácia.</a:t>
+            </a:r>
           </a:p>
         </p:txBody>
       </p:sp>
@@ -7726,77 +8353,6 @@
       </p:grpSpPr>
       <p:sp>
         <p:nvSpPr>
-          <p:cNvPr id="2" name="Título 1">
-            <a:extLst>
-              <a:ext uri="{FF2B5EF4-FFF2-40B4-BE49-F238E27FC236}">
-                <a16:creationId xmlns:a16="http://schemas.microsoft.com/office/drawing/2014/main" id="{BCEF0F2B-3A2E-BFC3-4D8E-86D6268FC3EC}"/>
-              </a:ext>
-            </a:extLst>
-          </p:cNvPr>
-          <p:cNvSpPr>
-            <a:spLocks noGrp="1"/>
-          </p:cNvSpPr>
-          <p:nvPr>
-            <p:ph type="title"/>
-          </p:nvPr>
-        </p:nvSpPr>
-        <p:spPr>
-          <a:xfrm>
-            <a:off x="1097280" y="642796"/>
-            <a:ext cx="10058400" cy="832919"/>
-          </a:xfrm>
-        </p:spPr>
-        <p:txBody>
-          <a:bodyPr>
-            <a:normAutofit/>
-          </a:bodyPr>
-          <a:lstStyle/>
-          <a:p>
-            <a:r>
-              <a:rPr kumimoji="0" lang="pt-BR" sz="2000" b="1" i="0" u="none" strike="noStrike" kern="1200" cap="none" spc="0" normalizeH="0" baseline="0" noProof="0" dirty="0">
-                <a:ln>
-                  <a:noFill/>
-                </a:ln>
-                <a:solidFill>
-                  <a:prstClr val="black"/>
-                </a:solidFill>
-                <a:effectLst/>
-                <a:uLnTx/>
-                <a:uFillTx/>
-                <a:latin typeface="Arial" panose="020B0604020202020204" pitchFamily="34" charset="0"/>
-                <a:ea typeface="+mn-ea"/>
-                <a:cs typeface="Arial" panose="020B0604020202020204" pitchFamily="34" charset="0"/>
-              </a:rPr>
-              <a:t>1.2. PRÉ-PROCESSAMENTO</a:t>
-            </a:r>
-            <a:br>
-              <a:rPr kumimoji="0" lang="pt-BR" sz="2000" b="1" i="0" u="none" strike="noStrike" kern="1200" cap="none" spc="0" normalizeH="0" baseline="0" noProof="0" dirty="0">
-                <a:ln>
-                  <a:noFill/>
-                </a:ln>
-                <a:solidFill>
-                  <a:prstClr val="black"/>
-                </a:solidFill>
-                <a:effectLst/>
-                <a:uLnTx/>
-                <a:uFillTx/>
-                <a:latin typeface="Arial" panose="020B0604020202020204" pitchFamily="34" charset="0"/>
-                <a:ea typeface="+mn-ea"/>
-                <a:cs typeface="Arial" panose="020B0604020202020204" pitchFamily="34" charset="0"/>
-              </a:rPr>
-            </a:br>
-            <a:endParaRPr lang="pt-BR" sz="2000" b="1" dirty="0">
-              <a:solidFill>
-                <a:schemeClr val="tx1"/>
-              </a:solidFill>
-              <a:latin typeface="Arial" panose="020B0604020202020204" pitchFamily="34" charset="0"/>
-              <a:cs typeface="Arial" panose="020B0604020202020204" pitchFamily="34" charset="0"/>
-            </a:endParaRPr>
-          </a:p>
-        </p:txBody>
-      </p:sp>
-      <p:sp>
-        <p:nvSpPr>
           <p:cNvPr id="3" name="Espaço Reservado para Conteúdo 2">
             <a:extLst>
               <a:ext uri="{FF2B5EF4-FFF2-40B4-BE49-F238E27FC236}">
@@ -7811,12 +8367,288 @@
             <p:ph idx="1"/>
           </p:nvPr>
         </p:nvSpPr>
-        <p:spPr/>
+        <p:spPr>
+          <a:xfrm>
+            <a:off x="1097280" y="2035857"/>
+            <a:ext cx="10058400" cy="2554545"/>
+          </a:xfrm>
+          <a:noFill/>
+        </p:spPr>
         <p:txBody>
-          <a:bodyPr/>
+          <a:bodyPr vert="horz" wrap="square" lIns="0" tIns="45720" rIns="0" bIns="45720" rtlCol="0">
+            <a:spAutoFit/>
+          </a:bodyPr>
           <a:lstStyle/>
           <a:p>
-            <a:endParaRPr lang="pt-BR" dirty="0"/>
+            <a:pPr defTabSz="457200">
+              <a:lnSpc>
+                <a:spcPct val="100000"/>
+              </a:lnSpc>
+              <a:spcBef>
+                <a:spcPts val="0"/>
+              </a:spcBef>
+              <a:spcAft>
+                <a:spcPts val="0"/>
+              </a:spcAft>
+              <a:buClrTx/>
+              <a:buSzTx/>
+              <a:buFont typeface="Wingdings" panose="05000000000000000000" pitchFamily="2" charset="2"/>
+              <a:buChar char="Ø"/>
+            </a:pPr>
+            <a:r>
+              <a:rPr lang="pt-BR" sz="1600" b="1" dirty="0">
+                <a:solidFill>
+                  <a:prstClr val="black"/>
+                </a:solidFill>
+                <a:latin typeface="Arial" panose="020B0604020202020204" pitchFamily="34" charset="0"/>
+                <a:cs typeface="Arial" panose="020B0604020202020204" pitchFamily="34" charset="0"/>
+              </a:rPr>
+              <a:t> Tokenizing</a:t>
+            </a:r>
+          </a:p>
+          <a:p>
+            <a:pPr defTabSz="457200">
+              <a:lnSpc>
+                <a:spcPct val="100000"/>
+              </a:lnSpc>
+              <a:spcBef>
+                <a:spcPts val="0"/>
+              </a:spcBef>
+              <a:spcAft>
+                <a:spcPts val="0"/>
+              </a:spcAft>
+              <a:buClrTx/>
+              <a:buSzTx/>
+              <a:buFont typeface="Wingdings" panose="05000000000000000000" pitchFamily="2" charset="2"/>
+              <a:buChar char="Ø"/>
+            </a:pPr>
+            <a:endParaRPr lang="pt-BR" sz="1600" b="1" dirty="0">
+              <a:solidFill>
+                <a:prstClr val="black"/>
+              </a:solidFill>
+              <a:latin typeface="Arial" panose="020B0604020202020204" pitchFamily="34" charset="0"/>
+              <a:cs typeface="Arial" panose="020B0604020202020204" pitchFamily="34" charset="0"/>
+            </a:endParaRPr>
+          </a:p>
+          <a:p>
+            <a:pPr marL="0" indent="0" defTabSz="457200">
+              <a:lnSpc>
+                <a:spcPct val="100000"/>
+              </a:lnSpc>
+              <a:spcBef>
+                <a:spcPts val="0"/>
+              </a:spcBef>
+              <a:spcAft>
+                <a:spcPts val="0"/>
+              </a:spcAft>
+              <a:buClrTx/>
+              <a:buSzTx/>
+              <a:buNone/>
+            </a:pPr>
+            <a:r>
+              <a:rPr lang="pt-BR" sz="1600" b="1" dirty="0">
+                <a:solidFill>
+                  <a:prstClr val="black"/>
+                </a:solidFill>
+                <a:latin typeface="Arial" panose="020B0604020202020204" pitchFamily="34" charset="0"/>
+                <a:cs typeface="Arial" panose="020B0604020202020204" pitchFamily="34" charset="0"/>
+              </a:rPr>
+              <a:t>Exemplo:</a:t>
+            </a:r>
+          </a:p>
+          <a:p>
+            <a:pPr marL="0" indent="0" defTabSz="457200">
+              <a:lnSpc>
+                <a:spcPct val="100000"/>
+              </a:lnSpc>
+              <a:spcBef>
+                <a:spcPts val="0"/>
+              </a:spcBef>
+              <a:spcAft>
+                <a:spcPts val="0"/>
+              </a:spcAft>
+              <a:buClrTx/>
+              <a:buSzTx/>
+              <a:buNone/>
+            </a:pPr>
+            <a:r>
+              <a:rPr lang="pt-BR" sz="1600" b="1" dirty="0">
+                <a:solidFill>
+                  <a:prstClr val="black"/>
+                </a:solidFill>
+                <a:latin typeface="Arial" panose="020B0604020202020204" pitchFamily="34" charset="0"/>
+                <a:cs typeface="Arial" panose="020B0604020202020204" pitchFamily="34" charset="0"/>
+              </a:rPr>
+              <a:t>	Frase: </a:t>
+            </a:r>
+            <a:r>
+              <a:rPr lang="pt-BR" sz="1600" dirty="0">
+                <a:solidFill>
+                  <a:prstClr val="black"/>
+                </a:solidFill>
+                <a:latin typeface="Arial" panose="020B0604020202020204" pitchFamily="34" charset="0"/>
+                <a:cs typeface="Arial" panose="020B0604020202020204" pitchFamily="34" charset="0"/>
+              </a:rPr>
+              <a:t>“Esta é a forma correta”</a:t>
+            </a:r>
+          </a:p>
+          <a:p>
+            <a:pPr marL="0" indent="0" defTabSz="457200">
+              <a:lnSpc>
+                <a:spcPct val="100000"/>
+              </a:lnSpc>
+              <a:spcBef>
+                <a:spcPts val="0"/>
+              </a:spcBef>
+              <a:spcAft>
+                <a:spcPts val="0"/>
+              </a:spcAft>
+              <a:buClrTx/>
+              <a:buSzTx/>
+              <a:buNone/>
+            </a:pPr>
+            <a:r>
+              <a:rPr lang="pt-BR" sz="1600" b="1" dirty="0">
+                <a:solidFill>
+                  <a:prstClr val="black"/>
+                </a:solidFill>
+                <a:latin typeface="Arial" panose="020B0604020202020204" pitchFamily="34" charset="0"/>
+                <a:cs typeface="Arial" panose="020B0604020202020204" pitchFamily="34" charset="0"/>
+              </a:rPr>
+              <a:t>	Tokenizing: </a:t>
+            </a:r>
+            <a:r>
+              <a:rPr lang="pt-BR" sz="1600" dirty="0">
+                <a:solidFill>
+                  <a:prstClr val="black"/>
+                </a:solidFill>
+                <a:latin typeface="Arial" panose="020B0604020202020204" pitchFamily="34" charset="0"/>
+                <a:cs typeface="Arial" panose="020B0604020202020204" pitchFamily="34" charset="0"/>
+              </a:rPr>
+              <a:t>[‘Esta’, ‘é’, ‘a’, ‘forma’, ‘correta’]</a:t>
+            </a:r>
+          </a:p>
+          <a:p>
+            <a:pPr marL="0" indent="0" defTabSz="457200">
+              <a:lnSpc>
+                <a:spcPct val="100000"/>
+              </a:lnSpc>
+              <a:spcBef>
+                <a:spcPts val="0"/>
+              </a:spcBef>
+              <a:spcAft>
+                <a:spcPts val="0"/>
+              </a:spcAft>
+              <a:buClrTx/>
+              <a:buSzTx/>
+              <a:buNone/>
+            </a:pPr>
+            <a:endParaRPr lang="pt-BR" sz="1600" b="1" dirty="0">
+              <a:solidFill>
+                <a:prstClr val="black"/>
+              </a:solidFill>
+              <a:latin typeface="Arial" panose="020B0604020202020204" pitchFamily="34" charset="0"/>
+              <a:cs typeface="Arial" panose="020B0604020202020204" pitchFamily="34" charset="0"/>
+            </a:endParaRPr>
+          </a:p>
+          <a:p>
+            <a:pPr marL="0" indent="0" defTabSz="457200">
+              <a:lnSpc>
+                <a:spcPct val="100000"/>
+              </a:lnSpc>
+              <a:spcBef>
+                <a:spcPts val="0"/>
+              </a:spcBef>
+              <a:spcAft>
+                <a:spcPts val="0"/>
+              </a:spcAft>
+              <a:buClrTx/>
+              <a:buSzTx/>
+              <a:buNone/>
+            </a:pPr>
+            <a:endParaRPr lang="pt-BR" sz="1600" b="1" dirty="0">
+              <a:solidFill>
+                <a:prstClr val="black"/>
+              </a:solidFill>
+              <a:latin typeface="Arial" panose="020B0604020202020204" pitchFamily="34" charset="0"/>
+              <a:cs typeface="Arial" panose="020B0604020202020204" pitchFamily="34" charset="0"/>
+            </a:endParaRPr>
+          </a:p>
+          <a:p>
+            <a:pPr defTabSz="457200">
+              <a:lnSpc>
+                <a:spcPct val="100000"/>
+              </a:lnSpc>
+              <a:spcBef>
+                <a:spcPts val="0"/>
+              </a:spcBef>
+              <a:spcAft>
+                <a:spcPts val="0"/>
+              </a:spcAft>
+              <a:buClrTx/>
+              <a:buSzTx/>
+              <a:buFont typeface="Wingdings" panose="05000000000000000000" pitchFamily="2" charset="2"/>
+              <a:buChar char="Ø"/>
+            </a:pPr>
+            <a:r>
+              <a:rPr lang="pt-BR" sz="1600" b="1" dirty="0">
+                <a:solidFill>
+                  <a:prstClr val="black"/>
+                </a:solidFill>
+                <a:latin typeface="Arial" panose="020B0604020202020204" pitchFamily="34" charset="0"/>
+                <a:cs typeface="Arial" panose="020B0604020202020204" pitchFamily="34" charset="0"/>
+              </a:rPr>
+              <a:t> Vetorização</a:t>
+            </a:r>
+          </a:p>
+          <a:p>
+            <a:pPr marL="0" indent="0" defTabSz="457200">
+              <a:lnSpc>
+                <a:spcPct val="100000"/>
+              </a:lnSpc>
+              <a:spcBef>
+                <a:spcPts val="0"/>
+              </a:spcBef>
+              <a:spcAft>
+                <a:spcPts val="0"/>
+              </a:spcAft>
+              <a:buClrTx/>
+              <a:buSzTx/>
+              <a:buNone/>
+            </a:pPr>
+            <a:endParaRPr lang="pt-BR" sz="1600" b="1" dirty="0">
+              <a:solidFill>
+                <a:prstClr val="black"/>
+              </a:solidFill>
+              <a:latin typeface="Arial" panose="020B0604020202020204" pitchFamily="34" charset="0"/>
+              <a:cs typeface="Arial" panose="020B0604020202020204" pitchFamily="34" charset="0"/>
+            </a:endParaRPr>
+          </a:p>
+          <a:p>
+            <a:pPr marL="0" indent="0" defTabSz="457200">
+              <a:lnSpc>
+                <a:spcPct val="100000"/>
+              </a:lnSpc>
+              <a:spcBef>
+                <a:spcPts val="0"/>
+              </a:spcBef>
+              <a:spcAft>
+                <a:spcPts val="0"/>
+              </a:spcAft>
+              <a:buClrTx/>
+              <a:buSzTx/>
+              <a:buNone/>
+            </a:pPr>
+            <a:r>
+              <a:rPr lang="pt-BR" sz="1400" b="1" dirty="0">
+                <a:solidFill>
+                  <a:prstClr val="black"/>
+                </a:solidFill>
+                <a:latin typeface="Arial" panose="020B0604020202020204" pitchFamily="34" charset="0"/>
+                <a:cs typeface="Arial" panose="020B0604020202020204" pitchFamily="34" charset="0"/>
+              </a:rPr>
+              <a:t>Exemplo:</a:t>
+            </a:r>
           </a:p>
         </p:txBody>
       </p:sp>
@@ -7889,6 +8721,110 @@
           </a:prstGeom>
         </p:spPr>
       </p:pic>
+      <p:sp>
+        <p:nvSpPr>
+          <p:cNvPr id="9" name="Título 1">
+            <a:extLst>
+              <a:ext uri="{FF2B5EF4-FFF2-40B4-BE49-F238E27FC236}">
+                <a16:creationId xmlns:a16="http://schemas.microsoft.com/office/drawing/2014/main" id="{DA80E41A-23C7-5F61-35CC-9E0BEFEF5936}"/>
+              </a:ext>
+            </a:extLst>
+          </p:cNvPr>
+          <p:cNvSpPr>
+            <a:spLocks noGrp="1"/>
+          </p:cNvSpPr>
+          <p:nvPr>
+            <p:ph type="title"/>
+          </p:nvPr>
+        </p:nvSpPr>
+        <p:spPr>
+          <a:xfrm>
+            <a:off x="1097280" y="526366"/>
+            <a:ext cx="10058400" cy="925079"/>
+          </a:xfrm>
+        </p:spPr>
+        <p:txBody>
+          <a:bodyPr vert="horz" lIns="91440" tIns="45720" rIns="91440" bIns="45720" rtlCol="0" anchor="b">
+            <a:normAutofit/>
+          </a:bodyPr>
+          <a:lstStyle/>
+          <a:p>
+            <a:pPr marL="457200" indent="-457200">
+              <a:buFont typeface="Arial" panose="020B0604020202020204" pitchFamily="34" charset="0"/>
+              <a:buChar char="•"/>
+            </a:pPr>
+            <a:r>
+              <a:rPr lang="pt-BR" sz="2000" b="1" dirty="0">
+                <a:solidFill>
+                  <a:schemeClr val="tx1"/>
+                </a:solidFill>
+                <a:latin typeface="Arial" panose="020B0604020202020204" pitchFamily="34" charset="0"/>
+                <a:cs typeface="Arial" panose="020B0604020202020204" pitchFamily="34" charset="0"/>
+              </a:rPr>
+              <a:t>1. INTRODUÇÃO</a:t>
+            </a:r>
+            <a:br>
+              <a:rPr lang="pt-BR" sz="2000" b="1" dirty="0">
+                <a:solidFill>
+                  <a:schemeClr val="tx1"/>
+                </a:solidFill>
+                <a:latin typeface="Arial" panose="020B0604020202020204" pitchFamily="34" charset="0"/>
+                <a:cs typeface="Arial" panose="020B0604020202020204" pitchFamily="34" charset="0"/>
+              </a:rPr>
+            </a:br>
+            <a:r>
+              <a:rPr lang="pt-BR" sz="2000" b="1" dirty="0">
+                <a:solidFill>
+                  <a:schemeClr val="tx1"/>
+                </a:solidFill>
+                <a:latin typeface="Arial" panose="020B0604020202020204" pitchFamily="34" charset="0"/>
+                <a:cs typeface="Arial" panose="020B0604020202020204" pitchFamily="34" charset="0"/>
+              </a:rPr>
+              <a:t>	</a:t>
+            </a:r>
+            <a:r>
+              <a:rPr lang="pt-BR" sz="1600" b="1" dirty="0">
+                <a:solidFill>
+                  <a:schemeClr val="tx1"/>
+                </a:solidFill>
+                <a:latin typeface="Arial" panose="020B0604020202020204" pitchFamily="34" charset="0"/>
+                <a:cs typeface="Arial" panose="020B0604020202020204" pitchFamily="34" charset="0"/>
+              </a:rPr>
+              <a:t>1.2. PRÉ-PROCESSAMENTO</a:t>
+            </a:r>
+          </a:p>
+        </p:txBody>
+      </p:sp>
+      <p:pic>
+        <p:nvPicPr>
+          <p:cNvPr id="12" name="Imagem 11">
+            <a:extLst>
+              <a:ext uri="{FF2B5EF4-FFF2-40B4-BE49-F238E27FC236}">
+                <a16:creationId xmlns:a16="http://schemas.microsoft.com/office/drawing/2014/main" id="{290461FE-E3E2-09A2-F88D-ECF134A4B0D0}"/>
+              </a:ext>
+            </a:extLst>
+          </p:cNvPr>
+          <p:cNvPicPr>
+            <a:picLocks noChangeAspect="1"/>
+          </p:cNvPicPr>
+          <p:nvPr/>
+        </p:nvPicPr>
+        <p:blipFill>
+          <a:blip r:embed="rId3"/>
+          <a:stretch>
+            <a:fillRect/>
+          </a:stretch>
+        </p:blipFill>
+        <p:spPr>
+          <a:xfrm>
+            <a:off x="1097280" y="4731902"/>
+            <a:ext cx="5203932" cy="795996"/>
+          </a:xfrm>
+          <a:prstGeom prst="rect">
+            <a:avLst/>
+          </a:prstGeom>
+        </p:spPr>
+      </p:pic>
     </p:spTree>
     <p:extLst>
       <p:ext uri="{BB962C8B-B14F-4D97-AF65-F5344CB8AC3E}">
@@ -7903,6 +8839,373 @@
 </file>
 
 <file path=ppt/slides/slide5.xml><?xml version="1.0" encoding="utf-8"?>
+<p:sld xmlns:a="http://schemas.openxmlformats.org/drawingml/2006/main" xmlns:r="http://schemas.openxmlformats.org/officeDocument/2006/relationships" xmlns:p="http://schemas.openxmlformats.org/presentationml/2006/main">
+  <p:cSld>
+    <p:spTree>
+      <p:nvGrpSpPr>
+        <p:cNvPr id="1" name=""/>
+        <p:cNvGrpSpPr/>
+        <p:nvPr/>
+      </p:nvGrpSpPr>
+      <p:grpSpPr>
+        <a:xfrm>
+          <a:off x="0" y="0"/>
+          <a:ext cx="0" cy="0"/>
+          <a:chOff x="0" y="0"/>
+          <a:chExt cx="0" cy="0"/>
+        </a:xfrm>
+      </p:grpSpPr>
+      <p:sp>
+        <p:nvSpPr>
+          <p:cNvPr id="2" name="Título 1">
+            <a:extLst>
+              <a:ext uri="{FF2B5EF4-FFF2-40B4-BE49-F238E27FC236}">
+                <a16:creationId xmlns:a16="http://schemas.microsoft.com/office/drawing/2014/main" id="{0B93A7E2-5BB9-4FBB-F8E5-8D5CBBF51774}"/>
+              </a:ext>
+            </a:extLst>
+          </p:cNvPr>
+          <p:cNvSpPr>
+            <a:spLocks noGrp="1"/>
+          </p:cNvSpPr>
+          <p:nvPr>
+            <p:ph type="title"/>
+          </p:nvPr>
+        </p:nvSpPr>
+        <p:spPr>
+          <a:xfrm>
+            <a:off x="1097280" y="651850"/>
+            <a:ext cx="10058400" cy="696211"/>
+          </a:xfrm>
+        </p:spPr>
+        <p:txBody>
+          <a:bodyPr vert="horz" lIns="91440" tIns="45720" rIns="91440" bIns="45720" rtlCol="0" anchor="b">
+            <a:normAutofit/>
+          </a:bodyPr>
+          <a:lstStyle/>
+          <a:p>
+            <a:pPr marL="457200" indent="-457200">
+              <a:buFont typeface="Arial" panose="020B0604020202020204" pitchFamily="34" charset="0"/>
+              <a:buChar char="•"/>
+            </a:pPr>
+            <a:r>
+              <a:rPr lang="pt-BR" sz="2000" b="1" dirty="0">
+                <a:solidFill>
+                  <a:schemeClr val="tx1"/>
+                </a:solidFill>
+                <a:latin typeface="Arial" panose="020B0604020202020204" pitchFamily="34" charset="0"/>
+                <a:cs typeface="Arial" panose="020B0604020202020204" pitchFamily="34" charset="0"/>
+              </a:rPr>
+              <a:t>2. MODELOS</a:t>
+            </a:r>
+            <a:br>
+              <a:rPr lang="pt-BR" sz="2000" b="1" dirty="0">
+                <a:solidFill>
+                  <a:schemeClr val="tx1"/>
+                </a:solidFill>
+                <a:latin typeface="Arial" panose="020B0604020202020204" pitchFamily="34" charset="0"/>
+                <a:cs typeface="Arial" panose="020B0604020202020204" pitchFamily="34" charset="0"/>
+              </a:rPr>
+            </a:br>
+            <a:r>
+              <a:rPr lang="pt-BR" sz="2000" b="1" dirty="0">
+                <a:solidFill>
+                  <a:schemeClr val="tx1"/>
+                </a:solidFill>
+                <a:latin typeface="Arial" panose="020B0604020202020204" pitchFamily="34" charset="0"/>
+                <a:cs typeface="Arial" panose="020B0604020202020204" pitchFamily="34" charset="0"/>
+              </a:rPr>
+              <a:t>	</a:t>
+            </a:r>
+            <a:r>
+              <a:rPr lang="pt-BR" sz="1600" b="1" dirty="0">
+                <a:solidFill>
+                  <a:schemeClr val="tx1"/>
+                </a:solidFill>
+                <a:latin typeface="Arial" panose="020B0604020202020204" pitchFamily="34" charset="0"/>
+                <a:cs typeface="Arial" panose="020B0604020202020204" pitchFamily="34" charset="0"/>
+              </a:rPr>
+              <a:t>2.1. RNN</a:t>
+            </a:r>
+          </a:p>
+        </p:txBody>
+      </p:sp>
+      <p:sp>
+        <p:nvSpPr>
+          <p:cNvPr id="3" name="Espaço Reservado para Conteúdo 2">
+            <a:extLst>
+              <a:ext uri="{FF2B5EF4-FFF2-40B4-BE49-F238E27FC236}">
+                <a16:creationId xmlns:a16="http://schemas.microsoft.com/office/drawing/2014/main" id="{0CC67115-8C0A-C9E6-87FD-5AE6443F1112}"/>
+              </a:ext>
+            </a:extLst>
+          </p:cNvPr>
+          <p:cNvSpPr>
+            <a:spLocks noGrp="1"/>
+          </p:cNvSpPr>
+          <p:nvPr>
+            <p:ph idx="1"/>
+          </p:nvPr>
+        </p:nvSpPr>
+        <p:spPr/>
+        <p:txBody>
+          <a:bodyPr/>
+          <a:lstStyle/>
+          <a:p>
+            <a:endParaRPr lang="pt-BR" dirty="0"/>
+          </a:p>
+        </p:txBody>
+      </p:sp>
+      <p:sp>
+        <p:nvSpPr>
+          <p:cNvPr id="4" name="Espaço Reservado para Rodapé 3">
+            <a:extLst>
+              <a:ext uri="{FF2B5EF4-FFF2-40B4-BE49-F238E27FC236}">
+                <a16:creationId xmlns:a16="http://schemas.microsoft.com/office/drawing/2014/main" id="{D0C0B93D-660B-03A4-39AE-C9E7285EFEF8}"/>
+              </a:ext>
+            </a:extLst>
+          </p:cNvPr>
+          <p:cNvSpPr>
+            <a:spLocks noGrp="1"/>
+          </p:cNvSpPr>
+          <p:nvPr>
+            <p:ph type="ftr" sz="quarter" idx="11"/>
+          </p:nvPr>
+        </p:nvSpPr>
+        <p:spPr>
+          <a:xfrm>
+            <a:off x="3684596" y="6455648"/>
+            <a:ext cx="4822804" cy="365125"/>
+          </a:xfrm>
+        </p:spPr>
+        <p:txBody>
+          <a:bodyPr/>
+          <a:lstStyle/>
+          <a:p>
+            <a:r>
+              <a:rPr lang="pt-BR" dirty="0"/>
+              <a:t>Aprendizado Profundo - 2023</a:t>
+            </a:r>
+          </a:p>
+        </p:txBody>
+      </p:sp>
+      <p:pic>
+        <p:nvPicPr>
+          <p:cNvPr id="5" name="Imagem 4" descr="Janela de vidro&#10;&#10;Descrição gerada automaticamente com confiança média">
+            <a:extLst>
+              <a:ext uri="{FF2B5EF4-FFF2-40B4-BE49-F238E27FC236}">
+                <a16:creationId xmlns:a16="http://schemas.microsoft.com/office/drawing/2014/main" id="{43FCBFCA-21B5-F18F-7A51-76E9C2236716}"/>
+              </a:ext>
+            </a:extLst>
+          </p:cNvPr>
+          <p:cNvPicPr>
+            <a:picLocks noChangeAspect="1"/>
+          </p:cNvPicPr>
+          <p:nvPr/>
+        </p:nvPicPr>
+        <p:blipFill>
+          <a:blip r:embed="rId2" cstate="print">
+            <a:extLst>
+              <a:ext uri="{28A0092B-C50C-407E-A947-70E740481C1C}">
+                <a14:useLocalDpi xmlns:a14="http://schemas.microsoft.com/office/drawing/2010/main" val="0"/>
+              </a:ext>
+            </a:extLst>
+          </a:blip>
+          <a:stretch>
+            <a:fillRect/>
+          </a:stretch>
+        </p:blipFill>
+        <p:spPr>
+          <a:xfrm>
+            <a:off x="118159" y="6470866"/>
+            <a:ext cx="373152" cy="332105"/>
+          </a:xfrm>
+          <a:prstGeom prst="rect">
+            <a:avLst/>
+          </a:prstGeom>
+        </p:spPr>
+      </p:pic>
+    </p:spTree>
+    <p:extLst>
+      <p:ext uri="{BB962C8B-B14F-4D97-AF65-F5344CB8AC3E}">
+        <p14:creationId xmlns:p14="http://schemas.microsoft.com/office/powerpoint/2010/main" val="2068953292"/>
+      </p:ext>
+    </p:extLst>
+  </p:cSld>
+  <p:clrMapOvr>
+    <a:masterClrMapping/>
+  </p:clrMapOvr>
+</p:sld>
+</file>
+
+<file path=ppt/slides/slide6.xml><?xml version="1.0" encoding="utf-8"?>
+<p:sld xmlns:a="http://schemas.openxmlformats.org/drawingml/2006/main" xmlns:r="http://schemas.openxmlformats.org/officeDocument/2006/relationships" xmlns:p="http://schemas.openxmlformats.org/presentationml/2006/main">
+  <p:cSld>
+    <p:spTree>
+      <p:nvGrpSpPr>
+        <p:cNvPr id="1" name=""/>
+        <p:cNvGrpSpPr/>
+        <p:nvPr/>
+      </p:nvGrpSpPr>
+      <p:grpSpPr>
+        <a:xfrm>
+          <a:off x="0" y="0"/>
+          <a:ext cx="0" cy="0"/>
+          <a:chOff x="0" y="0"/>
+          <a:chExt cx="0" cy="0"/>
+        </a:xfrm>
+      </p:grpSpPr>
+      <p:sp>
+        <p:nvSpPr>
+          <p:cNvPr id="3" name="Espaço Reservado para Conteúdo 2">
+            <a:extLst>
+              <a:ext uri="{FF2B5EF4-FFF2-40B4-BE49-F238E27FC236}">
+                <a16:creationId xmlns:a16="http://schemas.microsoft.com/office/drawing/2014/main" id="{805A83F4-46D9-B4ED-60A3-B7F54D2925C3}"/>
+              </a:ext>
+            </a:extLst>
+          </p:cNvPr>
+          <p:cNvSpPr>
+            <a:spLocks noGrp="1"/>
+          </p:cNvSpPr>
+          <p:nvPr>
+            <p:ph idx="1"/>
+          </p:nvPr>
+        </p:nvSpPr>
+        <p:spPr/>
+        <p:txBody>
+          <a:bodyPr/>
+          <a:lstStyle/>
+          <a:p>
+            <a:endParaRPr lang="pt-BR" dirty="0"/>
+          </a:p>
+        </p:txBody>
+      </p:sp>
+      <p:sp>
+        <p:nvSpPr>
+          <p:cNvPr id="4" name="Título 1">
+            <a:extLst>
+              <a:ext uri="{FF2B5EF4-FFF2-40B4-BE49-F238E27FC236}">
+                <a16:creationId xmlns:a16="http://schemas.microsoft.com/office/drawing/2014/main" id="{5CFFA940-D9EE-88CD-A223-2424EA93C53C}"/>
+              </a:ext>
+            </a:extLst>
+          </p:cNvPr>
+          <p:cNvSpPr>
+            <a:spLocks noGrp="1"/>
+          </p:cNvSpPr>
+          <p:nvPr>
+            <p:ph type="title"/>
+          </p:nvPr>
+        </p:nvSpPr>
+        <p:spPr>
+          <a:xfrm>
+            <a:off x="1097280" y="534154"/>
+            <a:ext cx="10058400" cy="813907"/>
+          </a:xfrm>
+        </p:spPr>
+        <p:txBody>
+          <a:bodyPr vert="horz" lIns="91440" tIns="45720" rIns="91440" bIns="45720" rtlCol="0" anchor="b">
+            <a:normAutofit/>
+          </a:bodyPr>
+          <a:lstStyle/>
+          <a:p>
+            <a:pPr marL="457200" indent="-457200">
+              <a:buFont typeface="Arial" panose="020B0604020202020204" pitchFamily="34" charset="0"/>
+              <a:buChar char="•"/>
+            </a:pPr>
+            <a:r>
+              <a:rPr lang="pt-BR" sz="2000" b="1" dirty="0">
+                <a:solidFill>
+                  <a:schemeClr val="tx1"/>
+                </a:solidFill>
+                <a:latin typeface="Arial" panose="020B0604020202020204" pitchFamily="34" charset="0"/>
+                <a:cs typeface="Arial" panose="020B0604020202020204" pitchFamily="34" charset="0"/>
+              </a:rPr>
+              <a:t>3. REGULARIZAÇÃO PARA CONJUNTOS DE DADOS LIMITADOS</a:t>
+            </a:r>
+          </a:p>
+        </p:txBody>
+      </p:sp>
+      <p:sp>
+        <p:nvSpPr>
+          <p:cNvPr id="5" name="Espaço Reservado para Rodapé 3">
+            <a:extLst>
+              <a:ext uri="{FF2B5EF4-FFF2-40B4-BE49-F238E27FC236}">
+                <a16:creationId xmlns:a16="http://schemas.microsoft.com/office/drawing/2014/main" id="{476549B4-AE53-07DC-6D00-76917EAECF44}"/>
+              </a:ext>
+            </a:extLst>
+          </p:cNvPr>
+          <p:cNvSpPr>
+            <a:spLocks noGrp="1"/>
+          </p:cNvSpPr>
+          <p:nvPr>
+            <p:ph type="ftr" sz="quarter" idx="11"/>
+          </p:nvPr>
+        </p:nvSpPr>
+        <p:spPr>
+          <a:xfrm>
+            <a:off x="3684596" y="6455648"/>
+            <a:ext cx="4822804" cy="365125"/>
+          </a:xfrm>
+        </p:spPr>
+        <p:txBody>
+          <a:bodyPr/>
+          <a:lstStyle/>
+          <a:p>
+            <a:r>
+              <a:rPr lang="pt-BR" dirty="0"/>
+              <a:t>Aprendizado Profundo - 2023</a:t>
+            </a:r>
+          </a:p>
+        </p:txBody>
+      </p:sp>
+      <p:pic>
+        <p:nvPicPr>
+          <p:cNvPr id="6" name="Imagem 5" descr="Janela de vidro&#10;&#10;Descrição gerada automaticamente com confiança média">
+            <a:extLst>
+              <a:ext uri="{FF2B5EF4-FFF2-40B4-BE49-F238E27FC236}">
+                <a16:creationId xmlns:a16="http://schemas.microsoft.com/office/drawing/2014/main" id="{DB247F00-31E4-779D-51D2-45E3451637F5}"/>
+              </a:ext>
+            </a:extLst>
+          </p:cNvPr>
+          <p:cNvPicPr>
+            <a:picLocks noChangeAspect="1"/>
+          </p:cNvPicPr>
+          <p:nvPr/>
+        </p:nvPicPr>
+        <p:blipFill>
+          <a:blip r:embed="rId2" cstate="print">
+            <a:extLst>
+              <a:ext uri="{28A0092B-C50C-407E-A947-70E740481C1C}">
+                <a14:useLocalDpi xmlns:a14="http://schemas.microsoft.com/office/drawing/2010/main" val="0"/>
+              </a:ext>
+            </a:extLst>
+          </a:blip>
+          <a:stretch>
+            <a:fillRect/>
+          </a:stretch>
+        </p:blipFill>
+        <p:spPr>
+          <a:xfrm>
+            <a:off x="118159" y="6470866"/>
+            <a:ext cx="373152" cy="332105"/>
+          </a:xfrm>
+          <a:prstGeom prst="rect">
+            <a:avLst/>
+          </a:prstGeom>
+        </p:spPr>
+      </p:pic>
+    </p:spTree>
+    <p:extLst>
+      <p:ext uri="{BB962C8B-B14F-4D97-AF65-F5344CB8AC3E}">
+        <p14:creationId xmlns:p14="http://schemas.microsoft.com/office/powerpoint/2010/main" val="3364916802"/>
+      </p:ext>
+    </p:extLst>
+  </p:cSld>
+  <p:clrMapOvr>
+    <a:masterClrMapping/>
+  </p:clrMapOvr>
+</p:sld>
+</file>
+
+<file path=ppt/slides/slide7.xml><?xml version="1.0" encoding="utf-8"?>
 <p:sld xmlns:a="http://schemas.openxmlformats.org/drawingml/2006/main" xmlns:r="http://schemas.openxmlformats.org/officeDocument/2006/relationships" xmlns:p="http://schemas.openxmlformats.org/presentationml/2006/main">
   <p:cSld>
     <p:spTree>
@@ -8116,13 +9419,13 @@
           <p:nvPr>
             <p:extLst>
               <p:ext uri="{D42A27DB-BD31-4B8C-83A1-F6EECF244321}">
-                <p14:modId xmlns:p14="http://schemas.microsoft.com/office/powerpoint/2010/main" val="1195934678"/>
+                <p14:modId xmlns:p14="http://schemas.microsoft.com/office/powerpoint/2010/main" val="675322667"/>
               </p:ext>
             </p:extLst>
           </p:nvPr>
         </p:nvGraphicFramePr>
         <p:xfrm>
-          <a:off x="4341233" y="2496322"/>
+          <a:off x="4341233" y="2133600"/>
           <a:ext cx="3970124" cy="1965960"/>
         </p:xfrm>
         <a:graphic>
@@ -8850,7 +10153,7 @@
         </p:blipFill>
         <p:spPr>
           <a:xfrm>
-            <a:off x="1097280" y="2032995"/>
+            <a:off x="1097280" y="1969621"/>
             <a:ext cx="2927105" cy="2792009"/>
           </a:xfrm>
           <a:prstGeom prst="rect">
@@ -8880,7 +10183,7 @@
         </p:blipFill>
         <p:spPr>
           <a:xfrm>
-            <a:off x="8628206" y="2133600"/>
+            <a:off x="8628205" y="1969621"/>
             <a:ext cx="2631760" cy="2691404"/>
           </a:xfrm>
           <a:prstGeom prst="rect">
@@ -8901,7 +10204,7 @@
 </p:sld>
 </file>
 
-<file path=ppt/slides/slide6.xml><?xml version="1.0" encoding="utf-8"?>
+<file path=ppt/slides/slide8.xml><?xml version="1.0" encoding="utf-8"?>
 <p:sld xmlns:a="http://schemas.openxmlformats.org/drawingml/2006/main" xmlns:r="http://schemas.openxmlformats.org/officeDocument/2006/relationships" xmlns:p="http://schemas.openxmlformats.org/presentationml/2006/main">
   <p:cSld>
     <p:spTree>
@@ -9233,7 +10536,7 @@
 </p:sld>
 </file>
 
-<file path=ppt/slides/slide7.xml><?xml version="1.0" encoding="utf-8"?>
+<file path=ppt/slides/slide9.xml><?xml version="1.0" encoding="utf-8"?>
 <p:sld xmlns:a="http://schemas.openxmlformats.org/drawingml/2006/main" xmlns:r="http://schemas.openxmlformats.org/officeDocument/2006/relationships" xmlns:p="http://schemas.openxmlformats.org/presentationml/2006/main">
   <p:cSld>
     <p:spTree>
@@ -10524,579 +11827,6 @@
     <p:extLst>
       <p:ext uri="{BB962C8B-B14F-4D97-AF65-F5344CB8AC3E}">
         <p14:creationId xmlns:p14="http://schemas.microsoft.com/office/powerpoint/2010/main" val="3528112276"/>
-      </p:ext>
-    </p:extLst>
-  </p:cSld>
-  <p:clrMapOvr>
-    <a:masterClrMapping/>
-  </p:clrMapOvr>
-</p:sld>
-</file>
-
-<file path=ppt/slides/slide8.xml><?xml version="1.0" encoding="utf-8"?>
-<p:sld xmlns:a="http://schemas.openxmlformats.org/drawingml/2006/main" xmlns:r="http://schemas.openxmlformats.org/officeDocument/2006/relationships" xmlns:p="http://schemas.openxmlformats.org/presentationml/2006/main">
-  <p:cSld>
-    <p:spTree>
-      <p:nvGrpSpPr>
-        <p:cNvPr id="1" name=""/>
-        <p:cNvGrpSpPr/>
-        <p:nvPr/>
-      </p:nvGrpSpPr>
-      <p:grpSpPr>
-        <a:xfrm>
-          <a:off x="0" y="0"/>
-          <a:ext cx="0" cy="0"/>
-          <a:chOff x="0" y="0"/>
-          <a:chExt cx="0" cy="0"/>
-        </a:xfrm>
-      </p:grpSpPr>
-      <p:pic>
-        <p:nvPicPr>
-          <p:cNvPr id="4" name="Imagem 3">
-            <a:extLst>
-              <a:ext uri="{FF2B5EF4-FFF2-40B4-BE49-F238E27FC236}">
-                <a16:creationId xmlns:a16="http://schemas.microsoft.com/office/drawing/2014/main" id="{03584B3D-9095-0874-F13B-31AB0145119D}"/>
-              </a:ext>
-            </a:extLst>
-          </p:cNvPr>
-          <p:cNvPicPr>
-            <a:picLocks noChangeAspect="1"/>
-          </p:cNvPicPr>
-          <p:nvPr/>
-        </p:nvPicPr>
-        <p:blipFill>
-          <a:blip r:embed="rId2"/>
-          <a:stretch>
-            <a:fillRect/>
-          </a:stretch>
-        </p:blipFill>
-        <p:spPr>
-          <a:xfrm>
-            <a:off x="1097280" y="1812004"/>
-            <a:ext cx="4226096" cy="2173687"/>
-          </a:xfrm>
-          <a:prstGeom prst="rect">
-            <a:avLst/>
-          </a:prstGeom>
-        </p:spPr>
-      </p:pic>
-      <p:sp>
-        <p:nvSpPr>
-          <p:cNvPr id="6" name="Espaço Reservado para Rodapé 3">
-            <a:extLst>
-              <a:ext uri="{FF2B5EF4-FFF2-40B4-BE49-F238E27FC236}">
-                <a16:creationId xmlns:a16="http://schemas.microsoft.com/office/drawing/2014/main" id="{F7B09A21-FC12-F36E-76C4-968ADA050D48}"/>
-              </a:ext>
-            </a:extLst>
-          </p:cNvPr>
-          <p:cNvSpPr>
-            <a:spLocks noGrp="1"/>
-          </p:cNvSpPr>
-          <p:nvPr>
-            <p:ph type="ftr" sz="quarter" idx="11"/>
-          </p:nvPr>
-        </p:nvSpPr>
-        <p:spPr>
-          <a:xfrm>
-            <a:off x="3684596" y="6455648"/>
-            <a:ext cx="4822804" cy="365125"/>
-          </a:xfrm>
-        </p:spPr>
-        <p:txBody>
-          <a:bodyPr/>
-          <a:lstStyle/>
-          <a:p>
-            <a:r>
-              <a:rPr lang="pt-BR" dirty="0"/>
-              <a:t>Aprendizado Profundo - 2023</a:t>
-            </a:r>
-          </a:p>
-        </p:txBody>
-      </p:sp>
-      <p:pic>
-        <p:nvPicPr>
-          <p:cNvPr id="7" name="Imagem 6" descr="Janela de vidro&#10;&#10;Descrição gerada automaticamente com confiança média">
-            <a:extLst>
-              <a:ext uri="{FF2B5EF4-FFF2-40B4-BE49-F238E27FC236}">
-                <a16:creationId xmlns:a16="http://schemas.microsoft.com/office/drawing/2014/main" id="{44FF787D-21C5-B6C5-E6F6-5EBBFA5CD0B5}"/>
-              </a:ext>
-            </a:extLst>
-          </p:cNvPr>
-          <p:cNvPicPr>
-            <a:picLocks noChangeAspect="1"/>
-          </p:cNvPicPr>
-          <p:nvPr/>
-        </p:nvPicPr>
-        <p:blipFill>
-          <a:blip r:embed="rId3" cstate="print">
-            <a:extLst>
-              <a:ext uri="{28A0092B-C50C-407E-A947-70E740481C1C}">
-                <a14:useLocalDpi xmlns:a14="http://schemas.microsoft.com/office/drawing/2010/main" val="0"/>
-              </a:ext>
-            </a:extLst>
-          </a:blip>
-          <a:stretch>
-            <a:fillRect/>
-          </a:stretch>
-        </p:blipFill>
-        <p:spPr>
-          <a:xfrm>
-            <a:off x="118159" y="6470866"/>
-            <a:ext cx="373152" cy="332105"/>
-          </a:xfrm>
-          <a:prstGeom prst="rect">
-            <a:avLst/>
-          </a:prstGeom>
-        </p:spPr>
-      </p:pic>
-      <p:pic>
-        <p:nvPicPr>
-          <p:cNvPr id="11" name="Imagem 10">
-            <a:extLst>
-              <a:ext uri="{FF2B5EF4-FFF2-40B4-BE49-F238E27FC236}">
-                <a16:creationId xmlns:a16="http://schemas.microsoft.com/office/drawing/2014/main" id="{93D8288B-08DC-5C8D-F2A4-DA8EA83AED82}"/>
-              </a:ext>
-            </a:extLst>
-          </p:cNvPr>
-          <p:cNvPicPr>
-            <a:picLocks noChangeAspect="1"/>
-          </p:cNvPicPr>
-          <p:nvPr/>
-        </p:nvPicPr>
-        <p:blipFill>
-          <a:blip r:embed="rId4"/>
-          <a:stretch>
-            <a:fillRect/>
-          </a:stretch>
-        </p:blipFill>
-        <p:spPr>
-          <a:xfrm>
-            <a:off x="6813357" y="1826831"/>
-            <a:ext cx="4281363" cy="2192663"/>
-          </a:xfrm>
-          <a:prstGeom prst="rect">
-            <a:avLst/>
-          </a:prstGeom>
-        </p:spPr>
-      </p:pic>
-      <p:pic>
-        <p:nvPicPr>
-          <p:cNvPr id="13" name="Imagem 12">
-            <a:extLst>
-              <a:ext uri="{FF2B5EF4-FFF2-40B4-BE49-F238E27FC236}">
-                <a16:creationId xmlns:a16="http://schemas.microsoft.com/office/drawing/2014/main" id="{0F853861-4E82-B295-59B2-28134E1487A2}"/>
-              </a:ext>
-            </a:extLst>
-          </p:cNvPr>
-          <p:cNvPicPr>
-            <a:picLocks noChangeAspect="1"/>
-          </p:cNvPicPr>
-          <p:nvPr/>
-        </p:nvPicPr>
-        <p:blipFill>
-          <a:blip r:embed="rId5"/>
-          <a:stretch>
-            <a:fillRect/>
-          </a:stretch>
-        </p:blipFill>
-        <p:spPr>
-          <a:xfrm>
-            <a:off x="1134332" y="3985691"/>
-            <a:ext cx="4226096" cy="2188514"/>
-          </a:xfrm>
-          <a:prstGeom prst="rect">
-            <a:avLst/>
-          </a:prstGeom>
-        </p:spPr>
-      </p:pic>
-      <p:pic>
-        <p:nvPicPr>
-          <p:cNvPr id="15" name="Imagem 14">
-            <a:extLst>
-              <a:ext uri="{FF2B5EF4-FFF2-40B4-BE49-F238E27FC236}">
-                <a16:creationId xmlns:a16="http://schemas.microsoft.com/office/drawing/2014/main" id="{BA54C8C2-439E-3EFC-B088-6702EA8DA7CE}"/>
-              </a:ext>
-            </a:extLst>
-          </p:cNvPr>
-          <p:cNvPicPr>
-            <a:picLocks noChangeAspect="1"/>
-          </p:cNvPicPr>
-          <p:nvPr/>
-        </p:nvPicPr>
-        <p:blipFill>
-          <a:blip r:embed="rId6"/>
-          <a:stretch>
-            <a:fillRect/>
-          </a:stretch>
-        </p:blipFill>
-        <p:spPr>
-          <a:xfrm>
-            <a:off x="6813357" y="4019494"/>
-            <a:ext cx="4277765" cy="2188514"/>
-          </a:xfrm>
-          <a:prstGeom prst="rect">
-            <a:avLst/>
-          </a:prstGeom>
-        </p:spPr>
-      </p:pic>
-      <p:sp>
-        <p:nvSpPr>
-          <p:cNvPr id="18" name="Título 19">
-            <a:extLst>
-              <a:ext uri="{FF2B5EF4-FFF2-40B4-BE49-F238E27FC236}">
-                <a16:creationId xmlns:a16="http://schemas.microsoft.com/office/drawing/2014/main" id="{F1F2F8A7-6E32-9420-FEC7-A13B82D3D4FD}"/>
-              </a:ext>
-            </a:extLst>
-          </p:cNvPr>
-          <p:cNvSpPr txBox="1">
-            <a:spLocks/>
-          </p:cNvSpPr>
-          <p:nvPr/>
-        </p:nvSpPr>
-        <p:spPr>
-          <a:xfrm>
-            <a:off x="1097280" y="626919"/>
-            <a:ext cx="10058400" cy="720197"/>
-          </a:xfrm>
-          <a:prstGeom prst="rect">
-            <a:avLst/>
-          </a:prstGeom>
-        </p:spPr>
-        <p:txBody>
-          <a:bodyPr vert="horz" lIns="91440" tIns="45720" rIns="91440" bIns="45720" rtlCol="0" anchor="b">
-            <a:normAutofit/>
-          </a:bodyPr>
-          <a:lstStyle>
-            <a:lvl1pPr marL="0" algn="l" defTabSz="914400" rtl="0" eaLnBrk="1" latinLnBrk="0" hangingPunct="1">
-              <a:lnSpc>
-                <a:spcPct val="85000"/>
-              </a:lnSpc>
-              <a:spcBef>
-                <a:spcPct val="0"/>
-              </a:spcBef>
-              <a:buNone/>
-              <a:defRPr sz="4800" kern="1200" spc="-50" baseline="0">
-                <a:solidFill>
-                  <a:schemeClr val="tx1">
-                    <a:lumMod val="75000"/>
-                    <a:lumOff val="25000"/>
-                  </a:schemeClr>
-                </a:solidFill>
-                <a:latin typeface="+mj-lt"/>
-                <a:ea typeface="+mj-ea"/>
-                <a:cs typeface="+mj-cs"/>
-              </a:defRPr>
-            </a:lvl1pPr>
-          </a:lstStyle>
-          <a:p>
-            <a:pPr marL="457200" indent="-457200">
-              <a:buFont typeface="Arial" panose="020B0604020202020204" pitchFamily="34" charset="0"/>
-              <a:buChar char="•"/>
-            </a:pPr>
-            <a:r>
-              <a:rPr lang="pt-BR" sz="2000" b="1" dirty="0">
-                <a:solidFill>
-                  <a:schemeClr val="tx1"/>
-                </a:solidFill>
-                <a:latin typeface="Arial" panose="020B0604020202020204" pitchFamily="34" charset="0"/>
-                <a:cs typeface="Arial" panose="020B0604020202020204" pitchFamily="34" charset="0"/>
-              </a:rPr>
-              <a:t>4.	</a:t>
-            </a:r>
-            <a:r>
-              <a:rPr lang="pt-BR" sz="2000" b="1" dirty="0">
-                <a:solidFill>
-                  <a:prstClr val="black"/>
-                </a:solidFill>
-                <a:latin typeface="Arial" panose="020B0604020202020204" pitchFamily="34" charset="0"/>
-                <a:cs typeface="Arial" panose="020B0604020202020204" pitchFamily="34" charset="0"/>
-              </a:rPr>
-              <a:t>RESULTADOS E CONCLUSÃO</a:t>
-            </a:r>
-            <a:br>
-              <a:rPr lang="pt-BR" sz="2000" b="1" dirty="0">
-                <a:solidFill>
-                  <a:schemeClr val="tx1"/>
-                </a:solidFill>
-                <a:latin typeface="Arial" panose="020B0604020202020204" pitchFamily="34" charset="0"/>
-                <a:cs typeface="Arial" panose="020B0604020202020204" pitchFamily="34" charset="0"/>
-              </a:rPr>
-            </a:br>
-            <a:r>
-              <a:rPr lang="pt-BR" sz="2000" b="1" dirty="0">
-                <a:solidFill>
-                  <a:schemeClr val="tx1"/>
-                </a:solidFill>
-                <a:latin typeface="Arial" panose="020B0604020202020204" pitchFamily="34" charset="0"/>
-                <a:cs typeface="Arial" panose="020B0604020202020204" pitchFamily="34" charset="0"/>
-              </a:rPr>
-              <a:t>	</a:t>
-            </a:r>
-            <a:r>
-              <a:rPr lang="pt-BR" sz="1600" b="1" dirty="0">
-                <a:solidFill>
-                  <a:schemeClr val="tx1"/>
-                </a:solidFill>
-                <a:latin typeface="Arial" panose="020B0604020202020204" pitchFamily="34" charset="0"/>
-                <a:cs typeface="Arial" panose="020B0604020202020204" pitchFamily="34" charset="0"/>
-              </a:rPr>
-              <a:t>4.2. Resultados</a:t>
-            </a:r>
-            <a:endParaRPr lang="pt-BR" sz="2000" b="1" dirty="0">
-              <a:solidFill>
-                <a:schemeClr val="tx1"/>
-              </a:solidFill>
-              <a:latin typeface="Arial" panose="020B0604020202020204" pitchFamily="34" charset="0"/>
-              <a:cs typeface="Arial" panose="020B0604020202020204" pitchFamily="34" charset="0"/>
-            </a:endParaRPr>
-          </a:p>
-        </p:txBody>
-      </p:sp>
-    </p:spTree>
-    <p:extLst>
-      <p:ext uri="{BB962C8B-B14F-4D97-AF65-F5344CB8AC3E}">
-        <p14:creationId xmlns:p14="http://schemas.microsoft.com/office/powerpoint/2010/main" val="19552723"/>
-      </p:ext>
-    </p:extLst>
-  </p:cSld>
-  <p:clrMapOvr>
-    <a:masterClrMapping/>
-  </p:clrMapOvr>
-</p:sld>
-</file>
-
-<file path=ppt/slides/slide9.xml><?xml version="1.0" encoding="utf-8"?>
-<p:sld xmlns:a="http://schemas.openxmlformats.org/drawingml/2006/main" xmlns:r="http://schemas.openxmlformats.org/officeDocument/2006/relationships" xmlns:p="http://schemas.openxmlformats.org/presentationml/2006/main">
-  <p:cSld>
-    <p:spTree>
-      <p:nvGrpSpPr>
-        <p:cNvPr id="1" name=""/>
-        <p:cNvGrpSpPr/>
-        <p:nvPr/>
-      </p:nvGrpSpPr>
-      <p:grpSpPr>
-        <a:xfrm>
-          <a:off x="0" y="0"/>
-          <a:ext cx="0" cy="0"/>
-          <a:chOff x="0" y="0"/>
-          <a:chExt cx="0" cy="0"/>
-        </a:xfrm>
-      </p:grpSpPr>
-      <p:pic>
-        <p:nvPicPr>
-          <p:cNvPr id="5" name="Espaço Reservado para Conteúdo 4">
-            <a:extLst>
-              <a:ext uri="{FF2B5EF4-FFF2-40B4-BE49-F238E27FC236}">
-                <a16:creationId xmlns:a16="http://schemas.microsoft.com/office/drawing/2014/main" id="{0F4E1111-A42E-321E-F440-59149F740401}"/>
-              </a:ext>
-            </a:extLst>
-          </p:cNvPr>
-          <p:cNvPicPr>
-            <a:picLocks noGrp="1" noChangeAspect="1"/>
-          </p:cNvPicPr>
-          <p:nvPr>
-            <p:ph idx="1"/>
-          </p:nvPr>
-        </p:nvPicPr>
-        <p:blipFill>
-          <a:blip r:embed="rId2"/>
-          <a:stretch>
-            <a:fillRect/>
-          </a:stretch>
-        </p:blipFill>
-        <p:spPr>
-          <a:xfrm>
-            <a:off x="2194983" y="2014214"/>
-            <a:ext cx="7862993" cy="4022725"/>
-          </a:xfrm>
-        </p:spPr>
-      </p:pic>
-      <p:sp>
-        <p:nvSpPr>
-          <p:cNvPr id="7" name="Espaço Reservado para Rodapé 3">
-            <a:extLst>
-              <a:ext uri="{FF2B5EF4-FFF2-40B4-BE49-F238E27FC236}">
-                <a16:creationId xmlns:a16="http://schemas.microsoft.com/office/drawing/2014/main" id="{B082EAD7-1FC7-7B91-164D-9045AF9C11C8}"/>
-              </a:ext>
-            </a:extLst>
-          </p:cNvPr>
-          <p:cNvSpPr>
-            <a:spLocks noGrp="1"/>
-          </p:cNvSpPr>
-          <p:nvPr>
-            <p:ph type="ftr" sz="quarter" idx="11"/>
-          </p:nvPr>
-        </p:nvSpPr>
-        <p:spPr>
-          <a:xfrm>
-            <a:off x="3684596" y="6455648"/>
-            <a:ext cx="4822804" cy="365125"/>
-          </a:xfrm>
-        </p:spPr>
-        <p:txBody>
-          <a:bodyPr/>
-          <a:lstStyle/>
-          <a:p>
-            <a:r>
-              <a:rPr lang="pt-BR" dirty="0"/>
-              <a:t>Aprendizado Profundo - 2023</a:t>
-            </a:r>
-          </a:p>
-        </p:txBody>
-      </p:sp>
-      <p:pic>
-        <p:nvPicPr>
-          <p:cNvPr id="8" name="Imagem 7" descr="Janela de vidro&#10;&#10;Descrição gerada automaticamente com confiança média">
-            <a:extLst>
-              <a:ext uri="{FF2B5EF4-FFF2-40B4-BE49-F238E27FC236}">
-                <a16:creationId xmlns:a16="http://schemas.microsoft.com/office/drawing/2014/main" id="{594694D9-EAAC-5646-6358-5765438BCEE3}"/>
-              </a:ext>
-            </a:extLst>
-          </p:cNvPr>
-          <p:cNvPicPr>
-            <a:picLocks noChangeAspect="1"/>
-          </p:cNvPicPr>
-          <p:nvPr/>
-        </p:nvPicPr>
-        <p:blipFill>
-          <a:blip r:embed="rId3" cstate="print">
-            <a:extLst>
-              <a:ext uri="{28A0092B-C50C-407E-A947-70E740481C1C}">
-                <a14:useLocalDpi xmlns:a14="http://schemas.microsoft.com/office/drawing/2010/main" val="0"/>
-              </a:ext>
-            </a:extLst>
-          </a:blip>
-          <a:stretch>
-            <a:fillRect/>
-          </a:stretch>
-        </p:blipFill>
-        <p:spPr>
-          <a:xfrm>
-            <a:off x="118159" y="6470866"/>
-            <a:ext cx="373152" cy="332105"/>
-          </a:xfrm>
-          <a:prstGeom prst="rect">
-            <a:avLst/>
-          </a:prstGeom>
-        </p:spPr>
-      </p:pic>
-      <p:sp>
-        <p:nvSpPr>
-          <p:cNvPr id="11" name="Título 19">
-            <a:extLst>
-              <a:ext uri="{FF2B5EF4-FFF2-40B4-BE49-F238E27FC236}">
-                <a16:creationId xmlns:a16="http://schemas.microsoft.com/office/drawing/2014/main" id="{B9B3E25C-1BF6-500B-3438-BC5F701431B8}"/>
-              </a:ext>
-            </a:extLst>
-          </p:cNvPr>
-          <p:cNvSpPr txBox="1">
-            <a:spLocks/>
-          </p:cNvSpPr>
-          <p:nvPr/>
-        </p:nvSpPr>
-        <p:spPr>
-          <a:xfrm>
-            <a:off x="1097280" y="626919"/>
-            <a:ext cx="10058400" cy="720197"/>
-          </a:xfrm>
-          <a:prstGeom prst="rect">
-            <a:avLst/>
-          </a:prstGeom>
-        </p:spPr>
-        <p:txBody>
-          <a:bodyPr vert="horz" lIns="91440" tIns="45720" rIns="91440" bIns="45720" rtlCol="0" anchor="b">
-            <a:normAutofit/>
-          </a:bodyPr>
-          <a:lstStyle>
-            <a:lvl1pPr marL="0" algn="l" defTabSz="914400" rtl="0" eaLnBrk="1" latinLnBrk="0" hangingPunct="1">
-              <a:lnSpc>
-                <a:spcPct val="85000"/>
-              </a:lnSpc>
-              <a:spcBef>
-                <a:spcPct val="0"/>
-              </a:spcBef>
-              <a:buNone/>
-              <a:defRPr sz="4800" kern="1200" spc="-50" baseline="0">
-                <a:solidFill>
-                  <a:schemeClr val="tx1">
-                    <a:lumMod val="75000"/>
-                    <a:lumOff val="25000"/>
-                  </a:schemeClr>
-                </a:solidFill>
-                <a:latin typeface="+mj-lt"/>
-                <a:ea typeface="+mj-ea"/>
-                <a:cs typeface="+mj-cs"/>
-              </a:defRPr>
-            </a:lvl1pPr>
-          </a:lstStyle>
-          <a:p>
-            <a:pPr marL="457200" indent="-457200">
-              <a:buFont typeface="Arial" panose="020B0604020202020204" pitchFamily="34" charset="0"/>
-              <a:buChar char="•"/>
-            </a:pPr>
-            <a:r>
-              <a:rPr lang="pt-BR" sz="2000" b="1" dirty="0">
-                <a:solidFill>
-                  <a:schemeClr val="tx1"/>
-                </a:solidFill>
-                <a:latin typeface="Arial" panose="020B0604020202020204" pitchFamily="34" charset="0"/>
-                <a:cs typeface="Arial" panose="020B0604020202020204" pitchFamily="34" charset="0"/>
-              </a:rPr>
-              <a:t>4.	</a:t>
-            </a:r>
-            <a:r>
-              <a:rPr lang="pt-BR" sz="2000" b="1" dirty="0">
-                <a:solidFill>
-                  <a:prstClr val="black"/>
-                </a:solidFill>
-                <a:latin typeface="Arial" panose="020B0604020202020204" pitchFamily="34" charset="0"/>
-                <a:cs typeface="Arial" panose="020B0604020202020204" pitchFamily="34" charset="0"/>
-              </a:rPr>
-              <a:t>RESULTADOS E CONCLUSÃO</a:t>
-            </a:r>
-            <a:br>
-              <a:rPr lang="pt-BR" sz="2000" b="1" dirty="0">
-                <a:solidFill>
-                  <a:schemeClr val="tx1"/>
-                </a:solidFill>
-                <a:latin typeface="Arial" panose="020B0604020202020204" pitchFamily="34" charset="0"/>
-                <a:cs typeface="Arial" panose="020B0604020202020204" pitchFamily="34" charset="0"/>
-              </a:rPr>
-            </a:br>
-            <a:r>
-              <a:rPr lang="pt-BR" sz="2000" b="1" dirty="0">
-                <a:solidFill>
-                  <a:schemeClr val="tx1"/>
-                </a:solidFill>
-                <a:latin typeface="Arial" panose="020B0604020202020204" pitchFamily="34" charset="0"/>
-                <a:cs typeface="Arial" panose="020B0604020202020204" pitchFamily="34" charset="0"/>
-              </a:rPr>
-              <a:t>	</a:t>
-            </a:r>
-            <a:r>
-              <a:rPr lang="pt-BR" sz="1600" b="1" dirty="0">
-                <a:solidFill>
-                  <a:schemeClr val="tx1"/>
-                </a:solidFill>
-                <a:latin typeface="Arial" panose="020B0604020202020204" pitchFamily="34" charset="0"/>
-                <a:cs typeface="Arial" panose="020B0604020202020204" pitchFamily="34" charset="0"/>
-              </a:rPr>
-              <a:t>4.2. Resultados</a:t>
-            </a:r>
-            <a:endParaRPr lang="pt-BR" sz="2000" b="1" dirty="0">
-              <a:solidFill>
-                <a:schemeClr val="tx1"/>
-              </a:solidFill>
-              <a:latin typeface="Arial" panose="020B0604020202020204" pitchFamily="34" charset="0"/>
-              <a:cs typeface="Arial" panose="020B0604020202020204" pitchFamily="34" charset="0"/>
-            </a:endParaRPr>
-          </a:p>
-        </p:txBody>
-      </p:sp>
-    </p:spTree>
-    <p:extLst>
-      <p:ext uri="{BB962C8B-B14F-4D97-AF65-F5344CB8AC3E}">
-        <p14:creationId xmlns:p14="http://schemas.microsoft.com/office/powerpoint/2010/main" val="1963934838"/>
       </p:ext>
     </p:extLst>
   </p:cSld>

--- a/Apresentação.pptx
+++ b/Apresentação.pptx
@@ -5,7 +5,7 @@
     <p:sldMasterId id="2147483660" r:id="rId1"/>
   </p:sldMasterIdLst>
   <p:notesMasterIdLst>
-    <p:notesMasterId r:id="rId16"/>
+    <p:notesMasterId r:id="rId19"/>
   </p:notesMasterIdLst>
   <p:sldIdLst>
     <p:sldId id="258" r:id="rId2"/>
@@ -13,15 +13,18 @@
     <p:sldId id="312" r:id="rId4"/>
     <p:sldId id="313" r:id="rId5"/>
     <p:sldId id="323" r:id="rId6"/>
-    <p:sldId id="324" r:id="rId7"/>
-    <p:sldId id="314" r:id="rId8"/>
-    <p:sldId id="317" r:id="rId9"/>
-    <p:sldId id="316" r:id="rId10"/>
-    <p:sldId id="318" r:id="rId11"/>
-    <p:sldId id="320" r:id="rId12"/>
-    <p:sldId id="319" r:id="rId13"/>
-    <p:sldId id="322" r:id="rId14"/>
-    <p:sldId id="321" r:id="rId15"/>
+    <p:sldId id="325" r:id="rId7"/>
+    <p:sldId id="326" r:id="rId8"/>
+    <p:sldId id="327" r:id="rId9"/>
+    <p:sldId id="324" r:id="rId10"/>
+    <p:sldId id="314" r:id="rId11"/>
+    <p:sldId id="317" r:id="rId12"/>
+    <p:sldId id="316" r:id="rId13"/>
+    <p:sldId id="318" r:id="rId14"/>
+    <p:sldId id="320" r:id="rId15"/>
+    <p:sldId id="319" r:id="rId16"/>
+    <p:sldId id="322" r:id="rId17"/>
+    <p:sldId id="321" r:id="rId18"/>
   </p:sldIdLst>
   <p:sldSz cx="12192000" cy="6858000"/>
   <p:notesSz cx="6858000" cy="9144000"/>
@@ -210,7 +213,7 @@
           <a:p>
             <a:fld id="{BDCD0451-3787-49C1-9371-D8F30CC4CE7B}" type="datetimeFigureOut">
               <a:rPr lang="pt-BR" smtClean="0"/>
-              <a:t>28/10/2023</a:t>
+              <a:t>29/10/2023</a:t>
             </a:fld>
             <a:endParaRPr lang="pt-BR"/>
           </a:p>
@@ -561,6 +564,90 @@
 </p:notes>
 </file>
 
+<file path=ppt/notesSlides/notesSlide2.xml><?xml version="1.0" encoding="utf-8"?>
+<p:notes xmlns:a="http://schemas.openxmlformats.org/drawingml/2006/main" xmlns:r="http://schemas.openxmlformats.org/officeDocument/2006/relationships" xmlns:p="http://schemas.openxmlformats.org/presentationml/2006/main">
+  <p:cSld>
+    <p:spTree>
+      <p:nvGrpSpPr>
+        <p:cNvPr id="1" name=""/>
+        <p:cNvGrpSpPr/>
+        <p:nvPr/>
+      </p:nvGrpSpPr>
+      <p:grpSpPr>
+        <a:xfrm>
+          <a:off x="0" y="0"/>
+          <a:ext cx="0" cy="0"/>
+          <a:chOff x="0" y="0"/>
+          <a:chExt cx="0" cy="0"/>
+        </a:xfrm>
+      </p:grpSpPr>
+      <p:sp>
+        <p:nvSpPr>
+          <p:cNvPr id="2" name="Espaço Reservado para Imagem de Slide 1"/>
+          <p:cNvSpPr>
+            <a:spLocks noGrp="1" noRot="1" noChangeAspect="1"/>
+          </p:cNvSpPr>
+          <p:nvPr>
+            <p:ph type="sldImg"/>
+          </p:nvPr>
+        </p:nvSpPr>
+        <p:spPr/>
+      </p:sp>
+      <p:sp>
+        <p:nvSpPr>
+          <p:cNvPr id="3" name="Espaço Reservado para Anotações 2"/>
+          <p:cNvSpPr>
+            <a:spLocks noGrp="1"/>
+          </p:cNvSpPr>
+          <p:nvPr>
+            <p:ph type="body" idx="1"/>
+          </p:nvPr>
+        </p:nvSpPr>
+        <p:spPr/>
+        <p:txBody>
+          <a:bodyPr/>
+          <a:lstStyle/>
+          <a:p>
+            <a:endParaRPr lang="pt-BR" dirty="0"/>
+          </a:p>
+        </p:txBody>
+      </p:sp>
+      <p:sp>
+        <p:nvSpPr>
+          <p:cNvPr id="4" name="Espaço Reservado para Número de Slide 3"/>
+          <p:cNvSpPr>
+            <a:spLocks noGrp="1"/>
+          </p:cNvSpPr>
+          <p:nvPr>
+            <p:ph type="sldNum" sz="quarter" idx="5"/>
+          </p:nvPr>
+        </p:nvSpPr>
+        <p:spPr/>
+        <p:txBody>
+          <a:bodyPr/>
+          <a:lstStyle/>
+          <a:p>
+            <a:fld id="{44DE9B84-5C6D-4B77-8E3A-C6A6A2059A61}" type="slidenum">
+              <a:rPr lang="pt-BR" smtClean="0"/>
+              <a:t>6</a:t>
+            </a:fld>
+            <a:endParaRPr lang="pt-BR"/>
+          </a:p>
+        </p:txBody>
+      </p:sp>
+    </p:spTree>
+    <p:extLst>
+      <p:ext uri="{BB962C8B-B14F-4D97-AF65-F5344CB8AC3E}">
+        <p14:creationId xmlns:p14="http://schemas.microsoft.com/office/powerpoint/2010/main" val="3426892097"/>
+      </p:ext>
+    </p:extLst>
+  </p:cSld>
+  <p:clrMapOvr>
+    <a:masterClrMapping/>
+  </p:clrMapOvr>
+</p:notes>
+</file>
+
 <file path=ppt/slideLayouts/slideLayout1.xml><?xml version="1.0" encoding="utf-8"?>
 <p:sldLayout xmlns:a="http://schemas.openxmlformats.org/drawingml/2006/main" xmlns:r="http://schemas.openxmlformats.org/officeDocument/2006/relationships" xmlns:p="http://schemas.openxmlformats.org/presentationml/2006/main" showMasterSp="0" type="title" preserve="1">
   <p:cSld name="Slide de Título">
@@ -787,7 +874,7 @@
           <a:p>
             <a:fld id="{3D79DCFB-87D3-483F-9E7B-C3948D8F2964}" type="datetimeFigureOut">
               <a:rPr lang="pt-BR" smtClean="0"/>
-              <a:t>28/10/2023</a:t>
+              <a:t>29/10/2023</a:t>
             </a:fld>
             <a:endParaRPr lang="pt-BR"/>
           </a:p>
@@ -995,7 +1082,7 @@
           <a:p>
             <a:fld id="{3D79DCFB-87D3-483F-9E7B-C3948D8F2964}" type="datetimeFigureOut">
               <a:rPr lang="pt-BR" smtClean="0"/>
-              <a:t>28/10/2023</a:t>
+              <a:t>29/10/2023</a:t>
             </a:fld>
             <a:endParaRPr lang="pt-BR"/>
           </a:p>
@@ -1251,7 +1338,7 @@
           <a:p>
             <a:fld id="{3D79DCFB-87D3-483F-9E7B-C3948D8F2964}" type="datetimeFigureOut">
               <a:rPr lang="pt-BR" smtClean="0"/>
-              <a:t>28/10/2023</a:t>
+              <a:t>29/10/2023</a:t>
             </a:fld>
             <a:endParaRPr lang="pt-BR"/>
           </a:p>
@@ -1425,7 +1512,7 @@
           <a:p>
             <a:fld id="{3D79DCFB-87D3-483F-9E7B-C3948D8F2964}" type="datetimeFigureOut">
               <a:rPr lang="pt-BR" smtClean="0"/>
-              <a:t>28/10/2023</a:t>
+              <a:t>29/10/2023</a:t>
             </a:fld>
             <a:endParaRPr lang="pt-BR"/>
           </a:p>
@@ -1768,7 +1855,7 @@
           <a:p>
             <a:fld id="{3D79DCFB-87D3-483F-9E7B-C3948D8F2964}" type="datetimeFigureOut">
               <a:rPr lang="pt-BR" smtClean="0"/>
-              <a:t>28/10/2023</a:t>
+              <a:t>29/10/2023</a:t>
             </a:fld>
             <a:endParaRPr lang="pt-BR"/>
           </a:p>
@@ -2043,7 +2130,7 @@
           <a:p>
             <a:fld id="{3D79DCFB-87D3-483F-9E7B-C3948D8F2964}" type="datetimeFigureOut">
               <a:rPr lang="pt-BR" smtClean="0"/>
-              <a:t>28/10/2023</a:t>
+              <a:t>29/10/2023</a:t>
             </a:fld>
             <a:endParaRPr lang="pt-BR"/>
           </a:p>
@@ -2422,7 +2509,7 @@
           <a:p>
             <a:fld id="{3D79DCFB-87D3-483F-9E7B-C3948D8F2964}" type="datetimeFigureOut">
               <a:rPr lang="pt-BR" smtClean="0"/>
-              <a:t>28/10/2023</a:t>
+              <a:t>29/10/2023</a:t>
             </a:fld>
             <a:endParaRPr lang="pt-BR"/>
           </a:p>
@@ -2540,7 +2627,7 @@
           <a:p>
             <a:fld id="{3D79DCFB-87D3-483F-9E7B-C3948D8F2964}" type="datetimeFigureOut">
               <a:rPr lang="pt-BR" smtClean="0"/>
-              <a:t>28/10/2023</a:t>
+              <a:t>29/10/2023</a:t>
             </a:fld>
             <a:endParaRPr lang="pt-BR"/>
           </a:p>
@@ -2711,7 +2798,7 @@
           <a:p>
             <a:fld id="{3D79DCFB-87D3-483F-9E7B-C3948D8F2964}" type="datetimeFigureOut">
               <a:rPr lang="pt-BR" smtClean="0"/>
-              <a:t>28/10/2023</a:t>
+              <a:t>29/10/2023</a:t>
             </a:fld>
             <a:endParaRPr lang="pt-BR"/>
           </a:p>
@@ -3065,7 +3152,7 @@
           <a:p>
             <a:fld id="{3D79DCFB-87D3-483F-9E7B-C3948D8F2964}" type="datetimeFigureOut">
               <a:rPr lang="pt-BR" smtClean="0"/>
-              <a:t>28/10/2023</a:t>
+              <a:t>29/10/2023</a:t>
             </a:fld>
             <a:endParaRPr lang="pt-BR"/>
           </a:p>
@@ -3447,7 +3534,7 @@
           <a:p>
             <a:fld id="{3D79DCFB-87D3-483F-9E7B-C3948D8F2964}" type="datetimeFigureOut">
               <a:rPr lang="pt-BR" smtClean="0"/>
-              <a:t>28/10/2023</a:t>
+              <a:t>29/10/2023</a:t>
             </a:fld>
             <a:endParaRPr lang="pt-BR"/>
           </a:p>
@@ -3734,7 +3821,7 @@
           <a:p>
             <a:fld id="{3D79DCFB-87D3-483F-9E7B-C3948D8F2964}" type="datetimeFigureOut">
               <a:rPr lang="pt-BR" smtClean="0"/>
-              <a:t>28/10/2023</a:t>
+              <a:t>29/10/2023</a:t>
             </a:fld>
             <a:endParaRPr lang="pt-BR"/>
           </a:p>
@@ -4543,6 +4630,2637 @@
           <a:chExt cx="0" cy="0"/>
         </a:xfrm>
       </p:grpSpPr>
+      <p:sp>
+        <p:nvSpPr>
+          <p:cNvPr id="10" name="Espaço Reservado para Rodapé 3">
+            <a:extLst>
+              <a:ext uri="{FF2B5EF4-FFF2-40B4-BE49-F238E27FC236}">
+                <a16:creationId xmlns:a16="http://schemas.microsoft.com/office/drawing/2014/main" id="{7F66009D-031C-6471-4F82-2BAE7C1BDF3D}"/>
+              </a:ext>
+            </a:extLst>
+          </p:cNvPr>
+          <p:cNvSpPr>
+            <a:spLocks noGrp="1"/>
+          </p:cNvSpPr>
+          <p:nvPr>
+            <p:ph type="ftr" sz="quarter" idx="11"/>
+          </p:nvPr>
+        </p:nvSpPr>
+        <p:spPr>
+          <a:xfrm>
+            <a:off x="3684596" y="6455648"/>
+            <a:ext cx="4822804" cy="365125"/>
+          </a:xfrm>
+        </p:spPr>
+        <p:txBody>
+          <a:bodyPr/>
+          <a:lstStyle/>
+          <a:p>
+            <a:r>
+              <a:rPr lang="pt-BR" dirty="0"/>
+              <a:t>Aprendizado Profundo - 2023</a:t>
+            </a:r>
+          </a:p>
+        </p:txBody>
+      </p:sp>
+      <p:pic>
+        <p:nvPicPr>
+          <p:cNvPr id="12" name="Imagem 11" descr="Janela de vidro&#10;&#10;Descrição gerada automaticamente com confiança média">
+            <a:extLst>
+              <a:ext uri="{FF2B5EF4-FFF2-40B4-BE49-F238E27FC236}">
+                <a16:creationId xmlns:a16="http://schemas.microsoft.com/office/drawing/2014/main" id="{D8FBDA2A-A6DD-C6CC-D078-3FD0953274F4}"/>
+              </a:ext>
+            </a:extLst>
+          </p:cNvPr>
+          <p:cNvPicPr>
+            <a:picLocks noChangeAspect="1"/>
+          </p:cNvPicPr>
+          <p:nvPr/>
+        </p:nvPicPr>
+        <p:blipFill>
+          <a:blip r:embed="rId2" cstate="print">
+            <a:extLst>
+              <a:ext uri="{28A0092B-C50C-407E-A947-70E740481C1C}">
+                <a14:useLocalDpi xmlns:a14="http://schemas.microsoft.com/office/drawing/2010/main" val="0"/>
+              </a:ext>
+            </a:extLst>
+          </a:blip>
+          <a:stretch>
+            <a:fillRect/>
+          </a:stretch>
+        </p:blipFill>
+        <p:spPr>
+          <a:xfrm>
+            <a:off x="118159" y="6470866"/>
+            <a:ext cx="373152" cy="332105"/>
+          </a:xfrm>
+          <a:prstGeom prst="rect">
+            <a:avLst/>
+          </a:prstGeom>
+        </p:spPr>
+      </p:pic>
+      <p:sp>
+        <p:nvSpPr>
+          <p:cNvPr id="14" name="Título 19">
+            <a:extLst>
+              <a:ext uri="{FF2B5EF4-FFF2-40B4-BE49-F238E27FC236}">
+                <a16:creationId xmlns:a16="http://schemas.microsoft.com/office/drawing/2014/main" id="{D9016752-F5C9-2BC1-143F-03C2F91A3F25}"/>
+              </a:ext>
+            </a:extLst>
+          </p:cNvPr>
+          <p:cNvSpPr txBox="1">
+            <a:spLocks/>
+          </p:cNvSpPr>
+          <p:nvPr/>
+        </p:nvSpPr>
+        <p:spPr>
+          <a:xfrm>
+            <a:off x="1097280" y="626919"/>
+            <a:ext cx="10058400" cy="720197"/>
+          </a:xfrm>
+          <a:prstGeom prst="rect">
+            <a:avLst/>
+          </a:prstGeom>
+        </p:spPr>
+        <p:txBody>
+          <a:bodyPr vert="horz" lIns="91440" tIns="45720" rIns="91440" bIns="45720" rtlCol="0" anchor="b">
+            <a:normAutofit/>
+          </a:bodyPr>
+          <a:lstStyle>
+            <a:lvl1pPr marL="0" algn="l" defTabSz="914400" rtl="0" eaLnBrk="1" latinLnBrk="0" hangingPunct="1">
+              <a:lnSpc>
+                <a:spcPct val="85000"/>
+              </a:lnSpc>
+              <a:spcBef>
+                <a:spcPct val="0"/>
+              </a:spcBef>
+              <a:buNone/>
+              <a:defRPr sz="4800" kern="1200" spc="-50" baseline="0">
+                <a:solidFill>
+                  <a:schemeClr val="tx1">
+                    <a:lumMod val="75000"/>
+                    <a:lumOff val="25000"/>
+                  </a:schemeClr>
+                </a:solidFill>
+                <a:latin typeface="+mj-lt"/>
+                <a:ea typeface="+mj-ea"/>
+                <a:cs typeface="+mj-cs"/>
+              </a:defRPr>
+            </a:lvl1pPr>
+          </a:lstStyle>
+          <a:p>
+            <a:pPr marL="457200" indent="-457200">
+              <a:buFont typeface="Arial" panose="020B0604020202020204" pitchFamily="34" charset="0"/>
+              <a:buChar char="•"/>
+            </a:pPr>
+            <a:r>
+              <a:rPr lang="pt-BR" sz="2000" b="1" dirty="0">
+                <a:solidFill>
+                  <a:schemeClr val="tx1"/>
+                </a:solidFill>
+                <a:latin typeface="Arial" panose="020B0604020202020204" pitchFamily="34" charset="0"/>
+                <a:cs typeface="Arial" panose="020B0604020202020204" pitchFamily="34" charset="0"/>
+              </a:rPr>
+              <a:t>4.	</a:t>
+            </a:r>
+            <a:r>
+              <a:rPr lang="pt-BR" sz="2000" b="1" dirty="0">
+                <a:solidFill>
+                  <a:prstClr val="black"/>
+                </a:solidFill>
+                <a:latin typeface="Arial" panose="020B0604020202020204" pitchFamily="34" charset="0"/>
+                <a:cs typeface="Arial" panose="020B0604020202020204" pitchFamily="34" charset="0"/>
+              </a:rPr>
+              <a:t>RESULTADOS E CONCLUSÃO</a:t>
+            </a:r>
+            <a:br>
+              <a:rPr lang="pt-BR" sz="2000" b="1" dirty="0">
+                <a:solidFill>
+                  <a:schemeClr val="tx1"/>
+                </a:solidFill>
+                <a:latin typeface="Arial" panose="020B0604020202020204" pitchFamily="34" charset="0"/>
+                <a:cs typeface="Arial" panose="020B0604020202020204" pitchFamily="34" charset="0"/>
+              </a:rPr>
+            </a:br>
+            <a:r>
+              <a:rPr lang="pt-BR" sz="2000" b="1" dirty="0">
+                <a:solidFill>
+                  <a:schemeClr val="tx1"/>
+                </a:solidFill>
+                <a:latin typeface="Arial" panose="020B0604020202020204" pitchFamily="34" charset="0"/>
+                <a:cs typeface="Arial" panose="020B0604020202020204" pitchFamily="34" charset="0"/>
+              </a:rPr>
+              <a:t>	</a:t>
+            </a:r>
+            <a:r>
+              <a:rPr lang="pt-BR" sz="1600" b="1" dirty="0">
+                <a:solidFill>
+                  <a:schemeClr val="tx1"/>
+                </a:solidFill>
+                <a:latin typeface="Arial" panose="020B0604020202020204" pitchFamily="34" charset="0"/>
+                <a:cs typeface="Arial" panose="020B0604020202020204" pitchFamily="34" charset="0"/>
+              </a:rPr>
+              <a:t>4.1. Conjuntos de Dados</a:t>
+            </a:r>
+            <a:endParaRPr lang="pt-BR" sz="2000" b="1" dirty="0">
+              <a:solidFill>
+                <a:schemeClr val="tx1"/>
+              </a:solidFill>
+              <a:latin typeface="Arial" panose="020B0604020202020204" pitchFamily="34" charset="0"/>
+              <a:cs typeface="Arial" panose="020B0604020202020204" pitchFamily="34" charset="0"/>
+            </a:endParaRPr>
+          </a:p>
+        </p:txBody>
+      </p:sp>
+      <p:graphicFrame>
+        <p:nvGraphicFramePr>
+          <p:cNvPr id="6" name="Tabela 5">
+            <a:extLst>
+              <a:ext uri="{FF2B5EF4-FFF2-40B4-BE49-F238E27FC236}">
+                <a16:creationId xmlns:a16="http://schemas.microsoft.com/office/drawing/2014/main" id="{D28D93F6-F59E-6972-BAAB-870B7503203C}"/>
+              </a:ext>
+            </a:extLst>
+          </p:cNvPr>
+          <p:cNvGraphicFramePr>
+            <a:graphicFrameLocks noGrp="1"/>
+          </p:cNvGraphicFramePr>
+          <p:nvPr>
+            <p:extLst>
+              <p:ext uri="{D42A27DB-BD31-4B8C-83A1-F6EECF244321}">
+                <p14:modId xmlns:p14="http://schemas.microsoft.com/office/powerpoint/2010/main" val="675322667"/>
+              </p:ext>
+            </p:extLst>
+          </p:nvPr>
+        </p:nvGraphicFramePr>
+        <p:xfrm>
+          <a:off x="4341233" y="2133600"/>
+          <a:ext cx="3970124" cy="1965960"/>
+        </p:xfrm>
+        <a:graphic>
+          <a:graphicData uri="http://schemas.openxmlformats.org/drawingml/2006/table">
+            <a:tbl>
+              <a:tblPr firstRow="1" bandRow="1">
+                <a:effectLst/>
+                <a:tableStyleId>{5C22544A-7EE6-4342-B048-85BDC9FD1C3A}</a:tableStyleId>
+              </a:tblPr>
+              <a:tblGrid>
+                <a:gridCol w="1689631">
+                  <a:extLst>
+                    <a:ext uri="{9D8B030D-6E8A-4147-A177-3AD203B41FA5}">
+                      <a16:colId xmlns:a16="http://schemas.microsoft.com/office/drawing/2014/main" val="4249006466"/>
+                    </a:ext>
+                  </a:extLst>
+                </a:gridCol>
+                <a:gridCol w="2280493">
+                  <a:extLst>
+                    <a:ext uri="{9D8B030D-6E8A-4147-A177-3AD203B41FA5}">
+                      <a16:colId xmlns:a16="http://schemas.microsoft.com/office/drawing/2014/main" val="1040954500"/>
+                    </a:ext>
+                  </a:extLst>
+                </a:gridCol>
+              </a:tblGrid>
+              <a:tr h="165838">
+                <a:tc>
+                  <a:txBody>
+                    <a:bodyPr/>
+                    <a:lstStyle/>
+                    <a:p>
+                      <a:pPr algn="ctr"/>
+                      <a:r>
+                        <a:rPr lang="pt-BR" sz="1200" b="1" cap="none" spc="0" dirty="0">
+                          <a:ln>
+                            <a:noFill/>
+                          </a:ln>
+                          <a:solidFill>
+                            <a:schemeClr val="tx1"/>
+                          </a:solidFill>
+                          <a:effectLst/>
+                          <a:latin typeface="Arial" panose="020B0604020202020204" pitchFamily="34" charset="0"/>
+                          <a:cs typeface="Arial" panose="020B0604020202020204" pitchFamily="34" charset="0"/>
+                        </a:rPr>
+                        <a:t>Conjuntos de Dados</a:t>
+                      </a:r>
+                    </a:p>
+                  </a:txBody>
+                  <a:tcPr>
+                    <a:lnL w="12700" cap="flat" cmpd="sng" algn="ctr">
+                      <a:solidFill>
+                        <a:schemeClr val="tx1"/>
+                      </a:solidFill>
+                      <a:prstDash val="solid"/>
+                      <a:round/>
+                      <a:headEnd type="none" w="med" len="med"/>
+                      <a:tailEnd type="none" w="med" len="med"/>
+                    </a:lnL>
+                    <a:lnR w="12700" cap="flat" cmpd="sng" algn="ctr">
+                      <a:solidFill>
+                        <a:schemeClr val="tx1"/>
+                      </a:solidFill>
+                      <a:prstDash val="solid"/>
+                      <a:round/>
+                      <a:headEnd type="none" w="med" len="med"/>
+                      <a:tailEnd type="none" w="med" len="med"/>
+                    </a:lnR>
+                    <a:lnT w="12700" cap="flat" cmpd="sng" algn="ctr">
+                      <a:solidFill>
+                        <a:schemeClr val="tx1"/>
+                      </a:solidFill>
+                      <a:prstDash val="solid"/>
+                      <a:round/>
+                      <a:headEnd type="none" w="med" len="med"/>
+                      <a:tailEnd type="none" w="med" len="med"/>
+                    </a:lnT>
+                    <a:lnB w="12700" cap="flat" cmpd="sng" algn="ctr">
+                      <a:solidFill>
+                        <a:schemeClr val="tx1"/>
+                      </a:solidFill>
+                      <a:prstDash val="solid"/>
+                      <a:round/>
+                      <a:headEnd type="none" w="med" len="med"/>
+                      <a:tailEnd type="none" w="med" len="med"/>
+                    </a:lnB>
+                    <a:noFill/>
+                  </a:tcPr>
+                </a:tc>
+                <a:tc>
+                  <a:txBody>
+                    <a:bodyPr/>
+                    <a:lstStyle/>
+                    <a:p>
+                      <a:pPr algn="ctr"/>
+                      <a:r>
+                        <a:rPr lang="pt-BR" sz="1200" b="1" cap="none" spc="0" dirty="0">
+                          <a:ln>
+                            <a:noFill/>
+                          </a:ln>
+                          <a:solidFill>
+                            <a:schemeClr val="tx1"/>
+                          </a:solidFill>
+                          <a:effectLst/>
+                          <a:latin typeface="Arial" panose="020B0604020202020204" pitchFamily="34" charset="0"/>
+                          <a:cs typeface="Arial" panose="020B0604020202020204" pitchFamily="34" charset="0"/>
+                        </a:rPr>
+                        <a:t>Classes: Quantidade</a:t>
+                      </a:r>
+                    </a:p>
+                  </a:txBody>
+                  <a:tcPr>
+                    <a:lnL w="12700" cap="flat" cmpd="sng" algn="ctr">
+                      <a:solidFill>
+                        <a:schemeClr val="tx1"/>
+                      </a:solidFill>
+                      <a:prstDash val="solid"/>
+                      <a:round/>
+                      <a:headEnd type="none" w="med" len="med"/>
+                      <a:tailEnd type="none" w="med" len="med"/>
+                    </a:lnL>
+                    <a:lnR w="12700" cap="flat" cmpd="sng" algn="ctr">
+                      <a:solidFill>
+                        <a:schemeClr val="tx1"/>
+                      </a:solidFill>
+                      <a:prstDash val="solid"/>
+                      <a:round/>
+                      <a:headEnd type="none" w="med" len="med"/>
+                      <a:tailEnd type="none" w="med" len="med"/>
+                    </a:lnR>
+                    <a:lnT w="12700" cap="flat" cmpd="sng" algn="ctr">
+                      <a:solidFill>
+                        <a:schemeClr val="tx1"/>
+                      </a:solidFill>
+                      <a:prstDash val="solid"/>
+                      <a:round/>
+                      <a:headEnd type="none" w="med" len="med"/>
+                      <a:tailEnd type="none" w="med" len="med"/>
+                    </a:lnT>
+                    <a:lnB w="12700" cap="flat" cmpd="sng" algn="ctr">
+                      <a:solidFill>
+                        <a:schemeClr val="tx1"/>
+                      </a:solidFill>
+                      <a:prstDash val="solid"/>
+                      <a:round/>
+                      <a:headEnd type="none" w="med" len="med"/>
+                      <a:tailEnd type="none" w="med" len="med"/>
+                    </a:lnB>
+                    <a:noFill/>
+                  </a:tcPr>
+                </a:tc>
+                <a:extLst>
+                  <a:ext uri="{0D108BD9-81ED-4DB2-BD59-A6C34878D82A}">
+                    <a16:rowId xmlns:a16="http://schemas.microsoft.com/office/drawing/2014/main" val="3144703543"/>
+                  </a:ext>
+                </a:extLst>
+              </a:tr>
+              <a:tr h="119368">
+                <a:tc>
+                  <a:txBody>
+                    <a:bodyPr/>
+                    <a:lstStyle/>
+                    <a:p>
+                      <a:pPr algn="ctr"/>
+                      <a:r>
+                        <a:rPr lang="pt-BR" sz="1100" b="0" cap="none" spc="0" dirty="0">
+                          <a:ln>
+                            <a:noFill/>
+                          </a:ln>
+                          <a:solidFill>
+                            <a:schemeClr val="tx1"/>
+                          </a:solidFill>
+                          <a:effectLst/>
+                          <a:latin typeface="Arial" panose="020B0604020202020204" pitchFamily="34" charset="0"/>
+                          <a:cs typeface="Arial" panose="020B0604020202020204" pitchFamily="34" charset="0"/>
+                        </a:rPr>
+                        <a:t>Livraria</a:t>
+                      </a:r>
+                    </a:p>
+                  </a:txBody>
+                  <a:tcPr>
+                    <a:lnL w="12700" cap="flat" cmpd="sng" algn="ctr">
+                      <a:solidFill>
+                        <a:schemeClr val="tx1"/>
+                      </a:solidFill>
+                      <a:prstDash val="solid"/>
+                      <a:round/>
+                      <a:headEnd type="none" w="med" len="med"/>
+                      <a:tailEnd type="none" w="med" len="med"/>
+                    </a:lnL>
+                    <a:lnR w="12700" cap="flat" cmpd="sng" algn="ctr">
+                      <a:solidFill>
+                        <a:schemeClr val="tx1"/>
+                      </a:solidFill>
+                      <a:prstDash val="solid"/>
+                      <a:round/>
+                      <a:headEnd type="none" w="med" len="med"/>
+                      <a:tailEnd type="none" w="med" len="med"/>
+                    </a:lnR>
+                    <a:lnT w="12700" cap="flat" cmpd="sng" algn="ctr">
+                      <a:solidFill>
+                        <a:schemeClr val="tx1"/>
+                      </a:solidFill>
+                      <a:prstDash val="solid"/>
+                      <a:round/>
+                      <a:headEnd type="none" w="med" len="med"/>
+                      <a:tailEnd type="none" w="med" len="med"/>
+                    </a:lnT>
+                    <a:lnB w="12700" cap="flat" cmpd="sng" algn="ctr">
+                      <a:solidFill>
+                        <a:schemeClr val="tx1"/>
+                      </a:solidFill>
+                      <a:prstDash val="solid"/>
+                      <a:round/>
+                      <a:headEnd type="none" w="med" len="med"/>
+                      <a:tailEnd type="none" w="med" len="med"/>
+                    </a:lnB>
+                    <a:noFill/>
+                  </a:tcPr>
+                </a:tc>
+                <a:tc>
+                  <a:txBody>
+                    <a:bodyPr/>
+                    <a:lstStyle/>
+                    <a:p>
+                      <a:pPr marL="0" marR="0" lvl="0" indent="0" algn="ctr" defTabSz="914400" rtl="0" eaLnBrk="1" fontAlgn="auto" latinLnBrk="0" hangingPunct="1">
+                        <a:lnSpc>
+                          <a:spcPct val="100000"/>
+                        </a:lnSpc>
+                        <a:spcBef>
+                          <a:spcPts val="0"/>
+                        </a:spcBef>
+                        <a:spcAft>
+                          <a:spcPts val="0"/>
+                        </a:spcAft>
+                        <a:buClrTx/>
+                        <a:buSzTx/>
+                        <a:buFontTx/>
+                        <a:buNone/>
+                        <a:tabLst/>
+                        <a:defRPr/>
+                      </a:pPr>
+                      <a:r>
+                        <a:rPr lang="pt-BR" sz="1100" b="0" kern="1200" cap="none" spc="0" dirty="0" err="1">
+                          <a:ln>
+                            <a:noFill/>
+                          </a:ln>
+                          <a:solidFill>
+                            <a:schemeClr val="tx1"/>
+                          </a:solidFill>
+                          <a:effectLst/>
+                          <a:latin typeface="Arial" panose="020B0604020202020204" pitchFamily="34" charset="0"/>
+                          <a:ea typeface="+mn-ea"/>
+                          <a:cs typeface="Arial" panose="020B0604020202020204" pitchFamily="34" charset="0"/>
+                        </a:rPr>
+                        <a:t>Administracao</a:t>
+                      </a:r>
+                      <a:r>
+                        <a:rPr lang="pt-BR" sz="1100" b="0" kern="1200" cap="none" spc="0" dirty="0">
+                          <a:ln>
+                            <a:noFill/>
+                          </a:ln>
+                          <a:solidFill>
+                            <a:schemeClr val="tx1"/>
+                          </a:solidFill>
+                          <a:effectLst/>
+                          <a:latin typeface="Arial" panose="020B0604020202020204" pitchFamily="34" charset="0"/>
+                          <a:ea typeface="+mn-ea"/>
+                          <a:cs typeface="Arial" panose="020B0604020202020204" pitchFamily="34" charset="0"/>
+                        </a:rPr>
+                        <a:t>: 134</a:t>
+                      </a:r>
+                    </a:p>
+                    <a:p>
+                      <a:pPr marL="0" marR="0" lvl="0" indent="0" algn="ctr" defTabSz="914400" rtl="0" eaLnBrk="1" fontAlgn="auto" latinLnBrk="0" hangingPunct="1">
+                        <a:lnSpc>
+                          <a:spcPct val="100000"/>
+                        </a:lnSpc>
+                        <a:spcBef>
+                          <a:spcPts val="0"/>
+                        </a:spcBef>
+                        <a:spcAft>
+                          <a:spcPts val="0"/>
+                        </a:spcAft>
+                        <a:buClrTx/>
+                        <a:buSzTx/>
+                        <a:buFontTx/>
+                        <a:buNone/>
+                        <a:tabLst/>
+                        <a:defRPr/>
+                      </a:pPr>
+                      <a:r>
+                        <a:rPr lang="pt-BR" sz="1100" b="0" kern="1200" cap="none" spc="0" dirty="0">
+                          <a:ln>
+                            <a:noFill/>
+                          </a:ln>
+                          <a:solidFill>
+                            <a:schemeClr val="tx1"/>
+                          </a:solidFill>
+                          <a:effectLst/>
+                          <a:latin typeface="Arial" panose="020B0604020202020204" pitchFamily="34" charset="0"/>
+                          <a:ea typeface="+mn-ea"/>
+                          <a:cs typeface="Arial" panose="020B0604020202020204" pitchFamily="34" charset="0"/>
+                        </a:rPr>
+                        <a:t>Historia: 350</a:t>
+                      </a:r>
+                    </a:p>
+                    <a:p>
+                      <a:pPr marL="0" marR="0" lvl="0" indent="0" algn="ctr" defTabSz="914400" rtl="0" eaLnBrk="1" fontAlgn="auto" latinLnBrk="0" hangingPunct="1">
+                        <a:lnSpc>
+                          <a:spcPct val="100000"/>
+                        </a:lnSpc>
+                        <a:spcBef>
+                          <a:spcPts val="0"/>
+                        </a:spcBef>
+                        <a:spcAft>
+                          <a:spcPts val="0"/>
+                        </a:spcAft>
+                        <a:buClrTx/>
+                        <a:buSzTx/>
+                        <a:buFontTx/>
+                        <a:buNone/>
+                        <a:tabLst/>
+                        <a:defRPr/>
+                      </a:pPr>
+                      <a:r>
+                        <a:rPr lang="pt-BR" sz="1100" b="0" kern="1200" cap="none" spc="0" dirty="0">
+                          <a:ln>
+                            <a:noFill/>
+                          </a:ln>
+                          <a:solidFill>
+                            <a:schemeClr val="tx1"/>
+                          </a:solidFill>
+                          <a:effectLst/>
+                          <a:latin typeface="Arial" panose="020B0604020202020204" pitchFamily="34" charset="0"/>
+                          <a:ea typeface="+mn-ea"/>
+                          <a:cs typeface="Arial" panose="020B0604020202020204" pitchFamily="34" charset="0"/>
+                        </a:rPr>
+                        <a:t> Artes: 70</a:t>
+                      </a:r>
+                    </a:p>
+                    <a:p>
+                      <a:pPr marL="0" marR="0" lvl="0" indent="0" algn="ctr" defTabSz="914400" rtl="0" eaLnBrk="1" fontAlgn="auto" latinLnBrk="0" hangingPunct="1">
+                        <a:lnSpc>
+                          <a:spcPct val="100000"/>
+                        </a:lnSpc>
+                        <a:spcBef>
+                          <a:spcPts val="0"/>
+                        </a:spcBef>
+                        <a:spcAft>
+                          <a:spcPts val="0"/>
+                        </a:spcAft>
+                        <a:buClrTx/>
+                        <a:buSzTx/>
+                        <a:buFontTx/>
+                        <a:buNone/>
+                        <a:tabLst/>
+                        <a:defRPr/>
+                      </a:pPr>
+                      <a:r>
+                        <a:rPr lang="pt-BR" sz="1100" b="0" kern="1200" cap="none" spc="0" dirty="0">
+                          <a:ln>
+                            <a:noFill/>
+                          </a:ln>
+                          <a:solidFill>
+                            <a:schemeClr val="tx1"/>
+                          </a:solidFill>
+                          <a:effectLst/>
+                          <a:latin typeface="Arial" panose="020B0604020202020204" pitchFamily="34" charset="0"/>
+                          <a:ea typeface="+mn-ea"/>
+                          <a:cs typeface="Arial" panose="020B0604020202020204" pitchFamily="34" charset="0"/>
+                        </a:rPr>
+                        <a:t> Biologia: 114</a:t>
+                      </a:r>
+                    </a:p>
+                    <a:p>
+                      <a:pPr marL="0" marR="0" lvl="0" indent="0" algn="ctr" defTabSz="914400" rtl="0" eaLnBrk="1" fontAlgn="auto" latinLnBrk="0" hangingPunct="1">
+                        <a:lnSpc>
+                          <a:spcPct val="100000"/>
+                        </a:lnSpc>
+                        <a:spcBef>
+                          <a:spcPts val="0"/>
+                        </a:spcBef>
+                        <a:spcAft>
+                          <a:spcPts val="0"/>
+                        </a:spcAft>
+                        <a:buClrTx/>
+                        <a:buSzTx/>
+                        <a:buFontTx/>
+                        <a:buNone/>
+                        <a:tabLst/>
+                        <a:defRPr/>
+                      </a:pPr>
+                      <a:r>
+                        <a:rPr lang="pt-BR" sz="1100" b="0" kern="1200" cap="none" spc="0" dirty="0">
+                          <a:ln>
+                            <a:noFill/>
+                          </a:ln>
+                          <a:solidFill>
+                            <a:schemeClr val="tx1"/>
+                          </a:solidFill>
+                          <a:effectLst/>
+                          <a:latin typeface="Arial" panose="020B0604020202020204" pitchFamily="34" charset="0"/>
+                          <a:ea typeface="+mn-ea"/>
+                          <a:cs typeface="Arial" panose="020B0604020202020204" pitchFamily="34" charset="0"/>
+                        </a:rPr>
+                        <a:t> </a:t>
+                      </a:r>
+                      <a:r>
+                        <a:rPr lang="pt-BR" sz="1100" b="0" kern="1200" cap="none" spc="0" dirty="0" err="1">
+                          <a:ln>
+                            <a:noFill/>
+                          </a:ln>
+                          <a:solidFill>
+                            <a:schemeClr val="tx1"/>
+                          </a:solidFill>
+                          <a:effectLst/>
+                          <a:latin typeface="Arial" panose="020B0604020202020204" pitchFamily="34" charset="0"/>
+                          <a:ea typeface="+mn-ea"/>
+                          <a:cs typeface="Arial" panose="020B0604020202020204" pitchFamily="34" charset="0"/>
+                        </a:rPr>
+                        <a:t>Matematica</a:t>
+                      </a:r>
+                      <a:r>
+                        <a:rPr lang="pt-BR" sz="1100" b="0" kern="1200" cap="none" spc="0" dirty="0">
+                          <a:ln>
+                            <a:noFill/>
+                          </a:ln>
+                          <a:solidFill>
+                            <a:schemeClr val="tx1"/>
+                          </a:solidFill>
+                          <a:effectLst/>
+                          <a:latin typeface="Arial" panose="020B0604020202020204" pitchFamily="34" charset="0"/>
+                          <a:ea typeface="+mn-ea"/>
+                          <a:cs typeface="Arial" panose="020B0604020202020204" pitchFamily="34" charset="0"/>
+                        </a:rPr>
+                        <a:t>: 104</a:t>
+                      </a:r>
+                    </a:p>
+                    <a:p>
+                      <a:pPr marL="0" marR="0" lvl="0" indent="0" algn="ctr" defTabSz="914400" rtl="0" eaLnBrk="1" fontAlgn="auto" latinLnBrk="0" hangingPunct="1">
+                        <a:lnSpc>
+                          <a:spcPct val="100000"/>
+                        </a:lnSpc>
+                        <a:spcBef>
+                          <a:spcPts val="0"/>
+                        </a:spcBef>
+                        <a:spcAft>
+                          <a:spcPts val="0"/>
+                        </a:spcAft>
+                        <a:buClrTx/>
+                        <a:buSzTx/>
+                        <a:buFontTx/>
+                        <a:buNone/>
+                        <a:tabLst/>
+                        <a:defRPr/>
+                      </a:pPr>
+                      <a:r>
+                        <a:rPr lang="pt-BR" sz="1100" b="0" kern="1200" cap="none" spc="0" dirty="0">
+                          <a:ln>
+                            <a:noFill/>
+                          </a:ln>
+                          <a:solidFill>
+                            <a:schemeClr val="tx1"/>
+                          </a:solidFill>
+                          <a:effectLst/>
+                          <a:latin typeface="Arial" panose="020B0604020202020204" pitchFamily="34" charset="0"/>
+                          <a:ea typeface="+mn-ea"/>
+                          <a:cs typeface="Arial" panose="020B0604020202020204" pitchFamily="34" charset="0"/>
+                        </a:rPr>
+                        <a:t> Geografia: 116</a:t>
+                      </a:r>
+                    </a:p>
+                    <a:p>
+                      <a:pPr marL="0" marR="0" lvl="0" indent="0" algn="ctr" defTabSz="914400" rtl="0" eaLnBrk="1" fontAlgn="auto" latinLnBrk="0" hangingPunct="1">
+                        <a:lnSpc>
+                          <a:spcPct val="100000"/>
+                        </a:lnSpc>
+                        <a:spcBef>
+                          <a:spcPts val="0"/>
+                        </a:spcBef>
+                        <a:spcAft>
+                          <a:spcPts val="0"/>
+                        </a:spcAft>
+                        <a:buClrTx/>
+                        <a:buSzTx/>
+                        <a:buFontTx/>
+                        <a:buNone/>
+                        <a:tabLst/>
+                        <a:defRPr/>
+                      </a:pPr>
+                      <a:r>
+                        <a:rPr lang="pt-BR" sz="1100" b="0" kern="1200" cap="none" spc="0" dirty="0">
+                          <a:ln>
+                            <a:noFill/>
+                          </a:ln>
+                          <a:solidFill>
+                            <a:schemeClr val="tx1"/>
+                          </a:solidFill>
+                          <a:effectLst/>
+                          <a:latin typeface="Arial" panose="020B0604020202020204" pitchFamily="34" charset="0"/>
+                          <a:ea typeface="+mn-ea"/>
+                          <a:cs typeface="Arial" panose="020B0604020202020204" pitchFamily="34" charset="0"/>
+                        </a:rPr>
+                        <a:t> Literatura: 42</a:t>
+                      </a:r>
+                    </a:p>
+                  </a:txBody>
+                  <a:tcPr>
+                    <a:lnL w="12700" cap="flat" cmpd="sng" algn="ctr">
+                      <a:solidFill>
+                        <a:schemeClr val="tx1"/>
+                      </a:solidFill>
+                      <a:prstDash val="solid"/>
+                      <a:round/>
+                      <a:headEnd type="none" w="med" len="med"/>
+                      <a:tailEnd type="none" w="med" len="med"/>
+                    </a:lnL>
+                    <a:lnR w="12700" cap="flat" cmpd="sng" algn="ctr">
+                      <a:solidFill>
+                        <a:schemeClr val="tx1"/>
+                      </a:solidFill>
+                      <a:prstDash val="solid"/>
+                      <a:round/>
+                      <a:headEnd type="none" w="med" len="med"/>
+                      <a:tailEnd type="none" w="med" len="med"/>
+                    </a:lnR>
+                    <a:lnT w="12700" cap="flat" cmpd="sng" algn="ctr">
+                      <a:solidFill>
+                        <a:schemeClr val="tx1"/>
+                      </a:solidFill>
+                      <a:prstDash val="solid"/>
+                      <a:round/>
+                      <a:headEnd type="none" w="med" len="med"/>
+                      <a:tailEnd type="none" w="med" len="med"/>
+                    </a:lnT>
+                    <a:lnB w="12700" cap="flat" cmpd="sng" algn="ctr">
+                      <a:solidFill>
+                        <a:schemeClr val="tx1"/>
+                      </a:solidFill>
+                      <a:prstDash val="solid"/>
+                      <a:round/>
+                      <a:headEnd type="none" w="med" len="med"/>
+                      <a:tailEnd type="none" w="med" len="med"/>
+                    </a:lnB>
+                    <a:noFill/>
+                  </a:tcPr>
+                </a:tc>
+                <a:extLst>
+                  <a:ext uri="{0D108BD9-81ED-4DB2-BD59-A6C34878D82A}">
+                    <a16:rowId xmlns:a16="http://schemas.microsoft.com/office/drawing/2014/main" val="3932085244"/>
+                  </a:ext>
+                </a:extLst>
+              </a:tr>
+              <a:tr h="119368">
+                <a:tc>
+                  <a:txBody>
+                    <a:bodyPr/>
+                    <a:lstStyle/>
+                    <a:p>
+                      <a:pPr algn="ctr"/>
+                      <a:r>
+                        <a:rPr lang="pt-BR" sz="1100" b="0" cap="none" spc="0" dirty="0">
+                          <a:ln>
+                            <a:noFill/>
+                          </a:ln>
+                          <a:solidFill>
+                            <a:schemeClr val="tx1"/>
+                          </a:solidFill>
+                          <a:effectLst/>
+                          <a:latin typeface="Arial" panose="020B0604020202020204" pitchFamily="34" charset="0"/>
+                          <a:cs typeface="Arial" panose="020B0604020202020204" pitchFamily="34" charset="0"/>
+                        </a:rPr>
+                        <a:t>SMS Spam</a:t>
+                      </a:r>
+                    </a:p>
+                  </a:txBody>
+                  <a:tcPr>
+                    <a:lnL w="12700" cap="flat" cmpd="sng" algn="ctr">
+                      <a:solidFill>
+                        <a:schemeClr val="tx1"/>
+                      </a:solidFill>
+                      <a:prstDash val="solid"/>
+                      <a:round/>
+                      <a:headEnd type="none" w="med" len="med"/>
+                      <a:tailEnd type="none" w="med" len="med"/>
+                    </a:lnL>
+                    <a:lnR w="12700" cap="flat" cmpd="sng" algn="ctr">
+                      <a:solidFill>
+                        <a:schemeClr val="tx1"/>
+                      </a:solidFill>
+                      <a:prstDash val="solid"/>
+                      <a:round/>
+                      <a:headEnd type="none" w="med" len="med"/>
+                      <a:tailEnd type="none" w="med" len="med"/>
+                    </a:lnR>
+                    <a:lnT w="12700" cap="flat" cmpd="sng" algn="ctr">
+                      <a:solidFill>
+                        <a:schemeClr val="tx1"/>
+                      </a:solidFill>
+                      <a:prstDash val="solid"/>
+                      <a:round/>
+                      <a:headEnd type="none" w="med" len="med"/>
+                      <a:tailEnd type="none" w="med" len="med"/>
+                    </a:lnT>
+                    <a:lnB w="12700" cap="flat" cmpd="sng" algn="ctr">
+                      <a:solidFill>
+                        <a:schemeClr val="tx1"/>
+                      </a:solidFill>
+                      <a:prstDash val="solid"/>
+                      <a:round/>
+                      <a:headEnd type="none" w="med" len="med"/>
+                      <a:tailEnd type="none" w="med" len="med"/>
+                    </a:lnB>
+                    <a:noFill/>
+                  </a:tcPr>
+                </a:tc>
+                <a:tc>
+                  <a:txBody>
+                    <a:bodyPr/>
+                    <a:lstStyle/>
+                    <a:p>
+                      <a:pPr algn="ctr"/>
+                      <a:r>
+                        <a:rPr lang="pt-BR" sz="1100" b="0" cap="none" spc="0" dirty="0">
+                          <a:ln>
+                            <a:noFill/>
+                          </a:ln>
+                          <a:solidFill>
+                            <a:schemeClr val="tx1"/>
+                          </a:solidFill>
+                          <a:effectLst/>
+                          <a:latin typeface="Arial" panose="020B0604020202020204" pitchFamily="34" charset="0"/>
+                          <a:cs typeface="Arial" panose="020B0604020202020204" pitchFamily="34" charset="0"/>
+                        </a:rPr>
+                        <a:t>Ham: 87 </a:t>
+                      </a:r>
+                    </a:p>
+                    <a:p>
+                      <a:pPr algn="ctr"/>
+                      <a:r>
+                        <a:rPr lang="pt-BR" sz="1100" b="0" cap="none" spc="0" dirty="0">
+                          <a:ln>
+                            <a:noFill/>
+                          </a:ln>
+                          <a:solidFill>
+                            <a:schemeClr val="tx1"/>
+                          </a:solidFill>
+                          <a:effectLst/>
+                          <a:latin typeface="Arial" panose="020B0604020202020204" pitchFamily="34" charset="0"/>
+                          <a:cs typeface="Arial" panose="020B0604020202020204" pitchFamily="34" charset="0"/>
+                        </a:rPr>
+                        <a:t>Spam: 99</a:t>
+                      </a:r>
+                    </a:p>
+                  </a:txBody>
+                  <a:tcPr>
+                    <a:lnL w="12700" cap="flat" cmpd="sng" algn="ctr">
+                      <a:solidFill>
+                        <a:schemeClr val="tx1"/>
+                      </a:solidFill>
+                      <a:prstDash val="solid"/>
+                      <a:round/>
+                      <a:headEnd type="none" w="med" len="med"/>
+                      <a:tailEnd type="none" w="med" len="med"/>
+                    </a:lnL>
+                    <a:lnR w="12700" cap="flat" cmpd="sng" algn="ctr">
+                      <a:solidFill>
+                        <a:schemeClr val="tx1"/>
+                      </a:solidFill>
+                      <a:prstDash val="solid"/>
+                      <a:round/>
+                      <a:headEnd type="none" w="med" len="med"/>
+                      <a:tailEnd type="none" w="med" len="med"/>
+                    </a:lnR>
+                    <a:lnT w="12700" cap="flat" cmpd="sng" algn="ctr">
+                      <a:solidFill>
+                        <a:schemeClr val="tx1"/>
+                      </a:solidFill>
+                      <a:prstDash val="solid"/>
+                      <a:round/>
+                      <a:headEnd type="none" w="med" len="med"/>
+                      <a:tailEnd type="none" w="med" len="med"/>
+                    </a:lnT>
+                    <a:lnB w="12700" cap="flat" cmpd="sng" algn="ctr">
+                      <a:solidFill>
+                        <a:schemeClr val="tx1"/>
+                      </a:solidFill>
+                      <a:prstDash val="solid"/>
+                      <a:round/>
+                      <a:headEnd type="none" w="med" len="med"/>
+                      <a:tailEnd type="none" w="med" len="med"/>
+                    </a:lnB>
+                    <a:noFill/>
+                  </a:tcPr>
+                </a:tc>
+                <a:extLst>
+                  <a:ext uri="{0D108BD9-81ED-4DB2-BD59-A6C34878D82A}">
+                    <a16:rowId xmlns:a16="http://schemas.microsoft.com/office/drawing/2014/main" val="3877871028"/>
+                  </a:ext>
+                </a:extLst>
+              </a:tr>
+            </a:tbl>
+          </a:graphicData>
+        </a:graphic>
+      </p:graphicFrame>
+      <p:pic>
+        <p:nvPicPr>
+          <p:cNvPr id="8" name="Imagem 7">
+            <a:extLst>
+              <a:ext uri="{FF2B5EF4-FFF2-40B4-BE49-F238E27FC236}">
+                <a16:creationId xmlns:a16="http://schemas.microsoft.com/office/drawing/2014/main" id="{DA782B1C-6EC9-FED1-5E23-F89D541060BE}"/>
+              </a:ext>
+            </a:extLst>
+          </p:cNvPr>
+          <p:cNvPicPr>
+            <a:picLocks noChangeAspect="1"/>
+          </p:cNvPicPr>
+          <p:nvPr/>
+        </p:nvPicPr>
+        <p:blipFill>
+          <a:blip r:embed="rId3"/>
+          <a:stretch>
+            <a:fillRect/>
+          </a:stretch>
+        </p:blipFill>
+        <p:spPr>
+          <a:xfrm>
+            <a:off x="1097280" y="1969621"/>
+            <a:ext cx="2927105" cy="2792009"/>
+          </a:xfrm>
+          <a:prstGeom prst="rect">
+            <a:avLst/>
+          </a:prstGeom>
+        </p:spPr>
+      </p:pic>
+      <p:pic>
+        <p:nvPicPr>
+          <p:cNvPr id="11" name="Imagem 10">
+            <a:extLst>
+              <a:ext uri="{FF2B5EF4-FFF2-40B4-BE49-F238E27FC236}">
+                <a16:creationId xmlns:a16="http://schemas.microsoft.com/office/drawing/2014/main" id="{A10A35BF-FAC7-B9CB-A4AD-4A74FA50F75F}"/>
+              </a:ext>
+            </a:extLst>
+          </p:cNvPr>
+          <p:cNvPicPr>
+            <a:picLocks noChangeAspect="1"/>
+          </p:cNvPicPr>
+          <p:nvPr/>
+        </p:nvPicPr>
+        <p:blipFill>
+          <a:blip r:embed="rId4"/>
+          <a:stretch>
+            <a:fillRect/>
+          </a:stretch>
+        </p:blipFill>
+        <p:spPr>
+          <a:xfrm>
+            <a:off x="8628205" y="1969621"/>
+            <a:ext cx="2631760" cy="2691404"/>
+          </a:xfrm>
+          <a:prstGeom prst="rect">
+            <a:avLst/>
+          </a:prstGeom>
+        </p:spPr>
+      </p:pic>
+    </p:spTree>
+    <p:extLst>
+      <p:ext uri="{BB962C8B-B14F-4D97-AF65-F5344CB8AC3E}">
+        <p14:creationId xmlns:p14="http://schemas.microsoft.com/office/powerpoint/2010/main" val="4115437027"/>
+      </p:ext>
+    </p:extLst>
+  </p:cSld>
+  <p:clrMapOvr>
+    <a:masterClrMapping/>
+  </p:clrMapOvr>
+</p:sld>
+</file>
+
+<file path=ppt/slides/slide11.xml><?xml version="1.0" encoding="utf-8"?>
+<p:sld xmlns:a="http://schemas.openxmlformats.org/drawingml/2006/main" xmlns:r="http://schemas.openxmlformats.org/officeDocument/2006/relationships" xmlns:p="http://schemas.openxmlformats.org/presentationml/2006/main">
+  <p:cSld>
+    <p:spTree>
+      <p:nvGrpSpPr>
+        <p:cNvPr id="1" name=""/>
+        <p:cNvGrpSpPr/>
+        <p:nvPr/>
+      </p:nvGrpSpPr>
+      <p:grpSpPr>
+        <a:xfrm>
+          <a:off x="0" y="0"/>
+          <a:ext cx="0" cy="0"/>
+          <a:chOff x="0" y="0"/>
+          <a:chExt cx="0" cy="0"/>
+        </a:xfrm>
+      </p:grpSpPr>
+      <p:pic>
+        <p:nvPicPr>
+          <p:cNvPr id="5" name="Imagem 4">
+            <a:extLst>
+              <a:ext uri="{FF2B5EF4-FFF2-40B4-BE49-F238E27FC236}">
+                <a16:creationId xmlns:a16="http://schemas.microsoft.com/office/drawing/2014/main" id="{3A51B374-E7F4-ED40-90E9-F499EFA613E4}"/>
+              </a:ext>
+            </a:extLst>
+          </p:cNvPr>
+          <p:cNvPicPr>
+            <a:picLocks noChangeAspect="1"/>
+          </p:cNvPicPr>
+          <p:nvPr/>
+        </p:nvPicPr>
+        <p:blipFill>
+          <a:blip r:embed="rId2"/>
+          <a:stretch>
+            <a:fillRect/>
+          </a:stretch>
+        </p:blipFill>
+        <p:spPr>
+          <a:xfrm>
+            <a:off x="1097280" y="4071377"/>
+            <a:ext cx="4446612" cy="2213639"/>
+          </a:xfrm>
+          <a:prstGeom prst="rect">
+            <a:avLst/>
+          </a:prstGeom>
+        </p:spPr>
+      </p:pic>
+      <p:pic>
+        <p:nvPicPr>
+          <p:cNvPr id="6" name="Imagem 5">
+            <a:extLst>
+              <a:ext uri="{FF2B5EF4-FFF2-40B4-BE49-F238E27FC236}">
+                <a16:creationId xmlns:a16="http://schemas.microsoft.com/office/drawing/2014/main" id="{EBF2753E-8CA7-9463-8202-AAD7F69F6908}"/>
+              </a:ext>
+            </a:extLst>
+          </p:cNvPr>
+          <p:cNvPicPr>
+            <a:picLocks noChangeAspect="1"/>
+          </p:cNvPicPr>
+          <p:nvPr/>
+        </p:nvPicPr>
+        <p:blipFill>
+          <a:blip r:embed="rId3"/>
+          <a:stretch>
+            <a:fillRect/>
+          </a:stretch>
+        </p:blipFill>
+        <p:spPr>
+          <a:xfrm>
+            <a:off x="6418906" y="4056866"/>
+            <a:ext cx="4446612" cy="2228150"/>
+          </a:xfrm>
+          <a:prstGeom prst="rect">
+            <a:avLst/>
+          </a:prstGeom>
+        </p:spPr>
+      </p:pic>
+      <p:pic>
+        <p:nvPicPr>
+          <p:cNvPr id="7" name="Imagem 6">
+            <a:extLst>
+              <a:ext uri="{FF2B5EF4-FFF2-40B4-BE49-F238E27FC236}">
+                <a16:creationId xmlns:a16="http://schemas.microsoft.com/office/drawing/2014/main" id="{2A11A574-01CE-CAB0-CB18-52BB453F026A}"/>
+              </a:ext>
+            </a:extLst>
+          </p:cNvPr>
+          <p:cNvPicPr>
+            <a:picLocks noChangeAspect="1"/>
+          </p:cNvPicPr>
+          <p:nvPr/>
+        </p:nvPicPr>
+        <p:blipFill>
+          <a:blip r:embed="rId4"/>
+          <a:stretch>
+            <a:fillRect/>
+          </a:stretch>
+        </p:blipFill>
+        <p:spPr>
+          <a:xfrm>
+            <a:off x="997116" y="1821374"/>
+            <a:ext cx="4611296" cy="2250003"/>
+          </a:xfrm>
+          <a:prstGeom prst="rect">
+            <a:avLst/>
+          </a:prstGeom>
+        </p:spPr>
+      </p:pic>
+      <p:sp>
+        <p:nvSpPr>
+          <p:cNvPr id="10" name="Espaço Reservado para Rodapé 3">
+            <a:extLst>
+              <a:ext uri="{FF2B5EF4-FFF2-40B4-BE49-F238E27FC236}">
+                <a16:creationId xmlns:a16="http://schemas.microsoft.com/office/drawing/2014/main" id="{FFC1FF1C-F97B-4D44-822B-6676F42AE012}"/>
+              </a:ext>
+            </a:extLst>
+          </p:cNvPr>
+          <p:cNvSpPr>
+            <a:spLocks noGrp="1"/>
+          </p:cNvSpPr>
+          <p:nvPr>
+            <p:ph type="ftr" sz="quarter" idx="11"/>
+          </p:nvPr>
+        </p:nvSpPr>
+        <p:spPr>
+          <a:xfrm>
+            <a:off x="3684596" y="6455648"/>
+            <a:ext cx="4822804" cy="365125"/>
+          </a:xfrm>
+        </p:spPr>
+        <p:txBody>
+          <a:bodyPr/>
+          <a:lstStyle/>
+          <a:p>
+            <a:r>
+              <a:rPr lang="pt-BR" dirty="0"/>
+              <a:t>Aprendizado Profundo - 2023</a:t>
+            </a:r>
+          </a:p>
+        </p:txBody>
+      </p:sp>
+      <p:pic>
+        <p:nvPicPr>
+          <p:cNvPr id="11" name="Imagem 10" descr="Janela de vidro&#10;&#10;Descrição gerada automaticamente com confiança média">
+            <a:extLst>
+              <a:ext uri="{FF2B5EF4-FFF2-40B4-BE49-F238E27FC236}">
+                <a16:creationId xmlns:a16="http://schemas.microsoft.com/office/drawing/2014/main" id="{EF02C0CA-7A86-A796-60E9-E73268242E69}"/>
+              </a:ext>
+            </a:extLst>
+          </p:cNvPr>
+          <p:cNvPicPr>
+            <a:picLocks noChangeAspect="1"/>
+          </p:cNvPicPr>
+          <p:nvPr/>
+        </p:nvPicPr>
+        <p:blipFill>
+          <a:blip r:embed="rId5" cstate="print">
+            <a:extLst>
+              <a:ext uri="{28A0092B-C50C-407E-A947-70E740481C1C}">
+                <a14:useLocalDpi xmlns:a14="http://schemas.microsoft.com/office/drawing/2010/main" val="0"/>
+              </a:ext>
+            </a:extLst>
+          </a:blip>
+          <a:stretch>
+            <a:fillRect/>
+          </a:stretch>
+        </p:blipFill>
+        <p:spPr>
+          <a:xfrm>
+            <a:off x="118159" y="6470866"/>
+            <a:ext cx="373152" cy="332105"/>
+          </a:xfrm>
+          <a:prstGeom prst="rect">
+            <a:avLst/>
+          </a:prstGeom>
+        </p:spPr>
+      </p:pic>
+      <p:pic>
+        <p:nvPicPr>
+          <p:cNvPr id="13" name="Imagem 12">
+            <a:extLst>
+              <a:ext uri="{FF2B5EF4-FFF2-40B4-BE49-F238E27FC236}">
+                <a16:creationId xmlns:a16="http://schemas.microsoft.com/office/drawing/2014/main" id="{C86AB45C-E5BB-A0B9-A7C8-0EDDFAE42894}"/>
+              </a:ext>
+            </a:extLst>
+          </p:cNvPr>
+          <p:cNvPicPr>
+            <a:picLocks noChangeAspect="1"/>
+          </p:cNvPicPr>
+          <p:nvPr/>
+        </p:nvPicPr>
+        <p:blipFill>
+          <a:blip r:embed="rId6"/>
+          <a:stretch>
+            <a:fillRect/>
+          </a:stretch>
+        </p:blipFill>
+        <p:spPr>
+          <a:xfrm>
+            <a:off x="6418907" y="1818997"/>
+            <a:ext cx="4446611" cy="2237869"/>
+          </a:xfrm>
+          <a:prstGeom prst="rect">
+            <a:avLst/>
+          </a:prstGeom>
+        </p:spPr>
+      </p:pic>
+      <p:sp>
+        <p:nvSpPr>
+          <p:cNvPr id="17" name="Título 19">
+            <a:extLst>
+              <a:ext uri="{FF2B5EF4-FFF2-40B4-BE49-F238E27FC236}">
+                <a16:creationId xmlns:a16="http://schemas.microsoft.com/office/drawing/2014/main" id="{776052EC-7D49-8320-BBE8-0CB7C46933A9}"/>
+              </a:ext>
+            </a:extLst>
+          </p:cNvPr>
+          <p:cNvSpPr txBox="1">
+            <a:spLocks/>
+          </p:cNvSpPr>
+          <p:nvPr/>
+        </p:nvSpPr>
+        <p:spPr>
+          <a:xfrm>
+            <a:off x="1097280" y="626919"/>
+            <a:ext cx="10058400" cy="720197"/>
+          </a:xfrm>
+          <a:prstGeom prst="rect">
+            <a:avLst/>
+          </a:prstGeom>
+        </p:spPr>
+        <p:txBody>
+          <a:bodyPr vert="horz" lIns="91440" tIns="45720" rIns="91440" bIns="45720" rtlCol="0" anchor="b">
+            <a:normAutofit/>
+          </a:bodyPr>
+          <a:lstStyle>
+            <a:lvl1pPr marL="0" algn="l" defTabSz="914400" rtl="0" eaLnBrk="1" latinLnBrk="0" hangingPunct="1">
+              <a:lnSpc>
+                <a:spcPct val="85000"/>
+              </a:lnSpc>
+              <a:spcBef>
+                <a:spcPct val="0"/>
+              </a:spcBef>
+              <a:buNone/>
+              <a:defRPr sz="4800" kern="1200" spc="-50" baseline="0">
+                <a:solidFill>
+                  <a:schemeClr val="tx1">
+                    <a:lumMod val="75000"/>
+                    <a:lumOff val="25000"/>
+                  </a:schemeClr>
+                </a:solidFill>
+                <a:latin typeface="+mj-lt"/>
+                <a:ea typeface="+mj-ea"/>
+                <a:cs typeface="+mj-cs"/>
+              </a:defRPr>
+            </a:lvl1pPr>
+          </a:lstStyle>
+          <a:p>
+            <a:pPr marL="457200" indent="-457200">
+              <a:buFont typeface="Arial" panose="020B0604020202020204" pitchFamily="34" charset="0"/>
+              <a:buChar char="•"/>
+            </a:pPr>
+            <a:r>
+              <a:rPr lang="pt-BR" sz="2000" b="1" dirty="0">
+                <a:solidFill>
+                  <a:schemeClr val="tx1"/>
+                </a:solidFill>
+                <a:latin typeface="Arial" panose="020B0604020202020204" pitchFamily="34" charset="0"/>
+                <a:cs typeface="Arial" panose="020B0604020202020204" pitchFamily="34" charset="0"/>
+              </a:rPr>
+              <a:t>4.	</a:t>
+            </a:r>
+            <a:r>
+              <a:rPr lang="pt-BR" sz="2000" b="1" dirty="0">
+                <a:solidFill>
+                  <a:prstClr val="black"/>
+                </a:solidFill>
+                <a:latin typeface="Arial" panose="020B0604020202020204" pitchFamily="34" charset="0"/>
+                <a:cs typeface="Arial" panose="020B0604020202020204" pitchFamily="34" charset="0"/>
+              </a:rPr>
+              <a:t>RESULTADOS E CONCLUSÃO</a:t>
+            </a:r>
+            <a:br>
+              <a:rPr lang="pt-BR" sz="2000" b="1" dirty="0">
+                <a:solidFill>
+                  <a:schemeClr val="tx1"/>
+                </a:solidFill>
+                <a:latin typeface="Arial" panose="020B0604020202020204" pitchFamily="34" charset="0"/>
+                <a:cs typeface="Arial" panose="020B0604020202020204" pitchFamily="34" charset="0"/>
+              </a:rPr>
+            </a:br>
+            <a:r>
+              <a:rPr lang="pt-BR" sz="2000" b="1" dirty="0">
+                <a:solidFill>
+                  <a:schemeClr val="tx1"/>
+                </a:solidFill>
+                <a:latin typeface="Arial" panose="020B0604020202020204" pitchFamily="34" charset="0"/>
+                <a:cs typeface="Arial" panose="020B0604020202020204" pitchFamily="34" charset="0"/>
+              </a:rPr>
+              <a:t>	</a:t>
+            </a:r>
+            <a:r>
+              <a:rPr lang="pt-BR" sz="1600" b="1" dirty="0">
+                <a:solidFill>
+                  <a:schemeClr val="tx1"/>
+                </a:solidFill>
+                <a:latin typeface="Arial" panose="020B0604020202020204" pitchFamily="34" charset="0"/>
+                <a:cs typeface="Arial" panose="020B0604020202020204" pitchFamily="34" charset="0"/>
+              </a:rPr>
+              <a:t>4.2. Resultados</a:t>
+            </a:r>
+            <a:endParaRPr lang="pt-BR" sz="2000" b="1" dirty="0">
+              <a:solidFill>
+                <a:schemeClr val="tx1"/>
+              </a:solidFill>
+              <a:latin typeface="Arial" panose="020B0604020202020204" pitchFamily="34" charset="0"/>
+              <a:cs typeface="Arial" panose="020B0604020202020204" pitchFamily="34" charset="0"/>
+            </a:endParaRPr>
+          </a:p>
+        </p:txBody>
+      </p:sp>
+    </p:spTree>
+    <p:extLst>
+      <p:ext uri="{BB962C8B-B14F-4D97-AF65-F5344CB8AC3E}">
+        <p14:creationId xmlns:p14="http://schemas.microsoft.com/office/powerpoint/2010/main" val="2436323197"/>
+      </p:ext>
+    </p:extLst>
+  </p:cSld>
+  <p:clrMapOvr>
+    <a:masterClrMapping/>
+  </p:clrMapOvr>
+</p:sld>
+</file>
+
+<file path=ppt/slides/slide12.xml><?xml version="1.0" encoding="utf-8"?>
+<p:sld xmlns:a="http://schemas.openxmlformats.org/drawingml/2006/main" xmlns:r="http://schemas.openxmlformats.org/officeDocument/2006/relationships" xmlns:p="http://schemas.openxmlformats.org/presentationml/2006/main">
+  <p:cSld>
+    <p:spTree>
+      <p:nvGrpSpPr>
+        <p:cNvPr id="1" name=""/>
+        <p:cNvGrpSpPr/>
+        <p:nvPr/>
+      </p:nvGrpSpPr>
+      <p:grpSpPr>
+        <a:xfrm>
+          <a:off x="0" y="0"/>
+          <a:ext cx="0" cy="0"/>
+          <a:chOff x="0" y="0"/>
+          <a:chExt cx="0" cy="0"/>
+        </a:xfrm>
+      </p:grpSpPr>
+      <p:graphicFrame>
+        <p:nvGraphicFramePr>
+          <p:cNvPr id="8" name="Tabela 7">
+            <a:extLst>
+              <a:ext uri="{FF2B5EF4-FFF2-40B4-BE49-F238E27FC236}">
+                <a16:creationId xmlns:a16="http://schemas.microsoft.com/office/drawing/2014/main" id="{7F63E94D-6163-31F4-1B26-1D0F5B0D623C}"/>
+              </a:ext>
+            </a:extLst>
+          </p:cNvPr>
+          <p:cNvGraphicFramePr>
+            <a:graphicFrameLocks noGrp="1"/>
+          </p:cNvGraphicFramePr>
+          <p:nvPr>
+            <p:extLst>
+              <p:ext uri="{D42A27DB-BD31-4B8C-83A1-F6EECF244321}">
+                <p14:modId xmlns:p14="http://schemas.microsoft.com/office/powerpoint/2010/main" val="1038695321"/>
+              </p:ext>
+            </p:extLst>
+          </p:nvPr>
+        </p:nvGraphicFramePr>
+        <p:xfrm>
+          <a:off x="1827291" y="2670772"/>
+          <a:ext cx="8537418" cy="2181883"/>
+        </p:xfrm>
+        <a:graphic>
+          <a:graphicData uri="http://schemas.openxmlformats.org/drawingml/2006/table">
+            <a:tbl>
+              <a:tblPr firstRow="1" bandRow="1">
+                <a:effectLst/>
+                <a:tableStyleId>{5C22544A-7EE6-4342-B048-85BDC9FD1C3A}</a:tableStyleId>
+              </a:tblPr>
+              <a:tblGrid>
+                <a:gridCol w="2307788">
+                  <a:extLst>
+                    <a:ext uri="{9D8B030D-6E8A-4147-A177-3AD203B41FA5}">
+                      <a16:colId xmlns:a16="http://schemas.microsoft.com/office/drawing/2014/main" val="4249006466"/>
+                    </a:ext>
+                  </a:extLst>
+                </a:gridCol>
+                <a:gridCol w="3114815">
+                  <a:extLst>
+                    <a:ext uri="{9D8B030D-6E8A-4147-A177-3AD203B41FA5}">
+                      <a16:colId xmlns:a16="http://schemas.microsoft.com/office/drawing/2014/main" val="1040954500"/>
+                    </a:ext>
+                  </a:extLst>
+                </a:gridCol>
+                <a:gridCol w="3114815">
+                  <a:extLst>
+                    <a:ext uri="{9D8B030D-6E8A-4147-A177-3AD203B41FA5}">
+                      <a16:colId xmlns:a16="http://schemas.microsoft.com/office/drawing/2014/main" val="2451120"/>
+                    </a:ext>
+                  </a:extLst>
+                </a:gridCol>
+              </a:tblGrid>
+              <a:tr h="366557">
+                <a:tc>
+                  <a:txBody>
+                    <a:bodyPr/>
+                    <a:lstStyle/>
+                    <a:p>
+                      <a:pPr algn="ctr"/>
+                      <a:r>
+                        <a:rPr lang="pt-BR" sz="1400" b="1" cap="none" spc="0" dirty="0">
+                          <a:ln>
+                            <a:noFill/>
+                          </a:ln>
+                          <a:solidFill>
+                            <a:schemeClr val="tx1"/>
+                          </a:solidFill>
+                          <a:effectLst/>
+                          <a:latin typeface="Arial" panose="020B0604020202020204" pitchFamily="34" charset="0"/>
+                          <a:cs typeface="Arial" panose="020B0604020202020204" pitchFamily="34" charset="0"/>
+                        </a:rPr>
+                        <a:t>Conjunto de Dados</a:t>
+                      </a:r>
+                    </a:p>
+                  </a:txBody>
+                  <a:tcPr>
+                    <a:lnL w="12700" cap="flat" cmpd="sng" algn="ctr">
+                      <a:solidFill>
+                        <a:schemeClr val="tx1"/>
+                      </a:solidFill>
+                      <a:prstDash val="solid"/>
+                      <a:round/>
+                      <a:headEnd type="none" w="med" len="med"/>
+                      <a:tailEnd type="none" w="med" len="med"/>
+                    </a:lnL>
+                    <a:lnR w="12700" cap="flat" cmpd="sng" algn="ctr">
+                      <a:solidFill>
+                        <a:schemeClr val="tx1"/>
+                      </a:solidFill>
+                      <a:prstDash val="solid"/>
+                      <a:round/>
+                      <a:headEnd type="none" w="med" len="med"/>
+                      <a:tailEnd type="none" w="med" len="med"/>
+                    </a:lnR>
+                    <a:lnT w="12700" cap="flat" cmpd="sng" algn="ctr">
+                      <a:solidFill>
+                        <a:schemeClr val="tx1"/>
+                      </a:solidFill>
+                      <a:prstDash val="solid"/>
+                      <a:round/>
+                      <a:headEnd type="none" w="med" len="med"/>
+                      <a:tailEnd type="none" w="med" len="med"/>
+                    </a:lnT>
+                    <a:lnB w="12700" cap="flat" cmpd="sng" algn="ctr">
+                      <a:solidFill>
+                        <a:schemeClr val="tx1"/>
+                      </a:solidFill>
+                      <a:prstDash val="solid"/>
+                      <a:round/>
+                      <a:headEnd type="none" w="med" len="med"/>
+                      <a:tailEnd type="none" w="med" len="med"/>
+                    </a:lnB>
+                    <a:noFill/>
+                  </a:tcPr>
+                </a:tc>
+                <a:tc>
+                  <a:txBody>
+                    <a:bodyPr/>
+                    <a:lstStyle/>
+                    <a:p>
+                      <a:pPr algn="ctr"/>
+                      <a:r>
+                        <a:rPr lang="pt-BR" sz="1400" b="1" cap="none" spc="0" dirty="0">
+                          <a:ln>
+                            <a:noFill/>
+                          </a:ln>
+                          <a:solidFill>
+                            <a:schemeClr val="tx1"/>
+                          </a:solidFill>
+                          <a:effectLst/>
+                          <a:latin typeface="Arial" panose="020B0604020202020204" pitchFamily="34" charset="0"/>
+                          <a:cs typeface="Arial" panose="020B0604020202020204" pitchFamily="34" charset="0"/>
+                        </a:rPr>
+                        <a:t>Tempo Treinamento</a:t>
+                      </a:r>
+                    </a:p>
+                  </a:txBody>
+                  <a:tcPr>
+                    <a:lnL w="12700" cap="flat" cmpd="sng" algn="ctr">
+                      <a:solidFill>
+                        <a:schemeClr val="tx1"/>
+                      </a:solidFill>
+                      <a:prstDash val="solid"/>
+                      <a:round/>
+                      <a:headEnd type="none" w="med" len="med"/>
+                      <a:tailEnd type="none" w="med" len="med"/>
+                    </a:lnL>
+                    <a:lnR w="12700" cap="flat" cmpd="sng" algn="ctr">
+                      <a:solidFill>
+                        <a:schemeClr val="tx1"/>
+                      </a:solidFill>
+                      <a:prstDash val="solid"/>
+                      <a:round/>
+                      <a:headEnd type="none" w="med" len="med"/>
+                      <a:tailEnd type="none" w="med" len="med"/>
+                    </a:lnR>
+                    <a:lnT w="12700" cap="flat" cmpd="sng" algn="ctr">
+                      <a:solidFill>
+                        <a:schemeClr val="tx1"/>
+                      </a:solidFill>
+                      <a:prstDash val="solid"/>
+                      <a:round/>
+                      <a:headEnd type="none" w="med" len="med"/>
+                      <a:tailEnd type="none" w="med" len="med"/>
+                    </a:lnT>
+                    <a:lnB w="12700" cap="flat" cmpd="sng" algn="ctr">
+                      <a:solidFill>
+                        <a:schemeClr val="tx1"/>
+                      </a:solidFill>
+                      <a:prstDash val="solid"/>
+                      <a:round/>
+                      <a:headEnd type="none" w="med" len="med"/>
+                      <a:tailEnd type="none" w="med" len="med"/>
+                    </a:lnB>
+                    <a:noFill/>
+                  </a:tcPr>
+                </a:tc>
+                <a:tc>
+                  <a:txBody>
+                    <a:bodyPr/>
+                    <a:lstStyle/>
+                    <a:p>
+                      <a:pPr algn="ctr"/>
+                      <a:r>
+                        <a:rPr lang="pt-BR" sz="1400" b="1" cap="none" spc="0" dirty="0">
+                          <a:ln>
+                            <a:noFill/>
+                          </a:ln>
+                          <a:solidFill>
+                            <a:schemeClr val="tx1"/>
+                          </a:solidFill>
+                          <a:effectLst/>
+                          <a:latin typeface="Arial" panose="020B0604020202020204" pitchFamily="34" charset="0"/>
+                          <a:cs typeface="Arial" panose="020B0604020202020204" pitchFamily="34" charset="0"/>
+                        </a:rPr>
+                        <a:t>Acurácia no conjunto de teste</a:t>
+                      </a:r>
+                    </a:p>
+                  </a:txBody>
+                  <a:tcPr>
+                    <a:lnL w="12700" cap="flat" cmpd="sng" algn="ctr">
+                      <a:solidFill>
+                        <a:schemeClr val="tx1"/>
+                      </a:solidFill>
+                      <a:prstDash val="solid"/>
+                      <a:round/>
+                      <a:headEnd type="none" w="med" len="med"/>
+                      <a:tailEnd type="none" w="med" len="med"/>
+                    </a:lnL>
+                    <a:lnR w="12700" cap="flat" cmpd="sng" algn="ctr">
+                      <a:solidFill>
+                        <a:schemeClr val="tx1"/>
+                      </a:solidFill>
+                      <a:prstDash val="solid"/>
+                      <a:round/>
+                      <a:headEnd type="none" w="med" len="med"/>
+                      <a:tailEnd type="none" w="med" len="med"/>
+                    </a:lnR>
+                    <a:lnT w="12700" cap="flat" cmpd="sng" algn="ctr">
+                      <a:solidFill>
+                        <a:schemeClr val="tx1"/>
+                      </a:solidFill>
+                      <a:prstDash val="solid"/>
+                      <a:round/>
+                      <a:headEnd type="none" w="med" len="med"/>
+                      <a:tailEnd type="none" w="med" len="med"/>
+                    </a:lnT>
+                    <a:lnB w="12700" cap="flat" cmpd="sng" algn="ctr">
+                      <a:solidFill>
+                        <a:schemeClr val="tx1"/>
+                      </a:solidFill>
+                      <a:prstDash val="solid"/>
+                      <a:round/>
+                      <a:headEnd type="none" w="med" len="med"/>
+                      <a:tailEnd type="none" w="med" len="med"/>
+                    </a:lnB>
+                    <a:noFill/>
+                  </a:tcPr>
+                </a:tc>
+                <a:extLst>
+                  <a:ext uri="{0D108BD9-81ED-4DB2-BD59-A6C34878D82A}">
+                    <a16:rowId xmlns:a16="http://schemas.microsoft.com/office/drawing/2014/main" val="3144703543"/>
+                  </a:ext>
+                </a:extLst>
+              </a:tr>
+              <a:tr h="366401">
+                <a:tc>
+                  <a:txBody>
+                    <a:bodyPr/>
+                    <a:lstStyle/>
+                    <a:p>
+                      <a:pPr algn="ctr"/>
+                      <a:r>
+                        <a:rPr lang="pt-BR" sz="1100" b="0" cap="none" spc="0" dirty="0">
+                          <a:ln>
+                            <a:noFill/>
+                          </a:ln>
+                          <a:solidFill>
+                            <a:schemeClr val="tx1"/>
+                          </a:solidFill>
+                          <a:effectLst/>
+                          <a:latin typeface="Arial" panose="020B0604020202020204" pitchFamily="34" charset="0"/>
+                          <a:cs typeface="Arial" panose="020B0604020202020204" pitchFamily="34" charset="0"/>
+                        </a:rPr>
+                        <a:t>Livraria (1163 amostras)</a:t>
+                      </a:r>
+                    </a:p>
+                  </a:txBody>
+                  <a:tcPr>
+                    <a:lnL w="12700" cap="flat" cmpd="sng" algn="ctr">
+                      <a:solidFill>
+                        <a:schemeClr val="tx1"/>
+                      </a:solidFill>
+                      <a:prstDash val="solid"/>
+                      <a:round/>
+                      <a:headEnd type="none" w="med" len="med"/>
+                      <a:tailEnd type="none" w="med" len="med"/>
+                    </a:lnL>
+                    <a:lnR w="12700" cap="flat" cmpd="sng" algn="ctr">
+                      <a:solidFill>
+                        <a:schemeClr val="tx1"/>
+                      </a:solidFill>
+                      <a:prstDash val="solid"/>
+                      <a:round/>
+                      <a:headEnd type="none" w="med" len="med"/>
+                      <a:tailEnd type="none" w="med" len="med"/>
+                    </a:lnR>
+                    <a:lnT w="12700" cap="flat" cmpd="sng" algn="ctr">
+                      <a:solidFill>
+                        <a:schemeClr val="tx1"/>
+                      </a:solidFill>
+                      <a:prstDash val="solid"/>
+                      <a:round/>
+                      <a:headEnd type="none" w="med" len="med"/>
+                      <a:tailEnd type="none" w="med" len="med"/>
+                    </a:lnT>
+                    <a:lnB w="12700" cap="flat" cmpd="sng" algn="ctr">
+                      <a:solidFill>
+                        <a:schemeClr val="tx1"/>
+                      </a:solidFill>
+                      <a:prstDash val="solid"/>
+                      <a:round/>
+                      <a:headEnd type="none" w="med" len="med"/>
+                      <a:tailEnd type="none" w="med" len="med"/>
+                    </a:lnB>
+                    <a:noFill/>
+                  </a:tcPr>
+                </a:tc>
+                <a:tc>
+                  <a:txBody>
+                    <a:bodyPr/>
+                    <a:lstStyle/>
+                    <a:p>
+                      <a:pPr marL="0" marR="0" lvl="0" indent="0" algn="ctr" defTabSz="914400" rtl="0" eaLnBrk="1" fontAlgn="auto" latinLnBrk="0" hangingPunct="1">
+                        <a:lnSpc>
+                          <a:spcPct val="100000"/>
+                        </a:lnSpc>
+                        <a:spcBef>
+                          <a:spcPts val="0"/>
+                        </a:spcBef>
+                        <a:spcAft>
+                          <a:spcPts val="0"/>
+                        </a:spcAft>
+                        <a:buClrTx/>
+                        <a:buSzTx/>
+                        <a:buFontTx/>
+                        <a:buNone/>
+                        <a:tabLst/>
+                        <a:defRPr/>
+                      </a:pPr>
+                      <a:r>
+                        <a:rPr lang="pt-BR" sz="1100" b="0" cap="none" spc="0" dirty="0">
+                          <a:ln>
+                            <a:noFill/>
+                          </a:ln>
+                          <a:solidFill>
+                            <a:schemeClr val="tx1"/>
+                          </a:solidFill>
+                          <a:effectLst/>
+                          <a:latin typeface="Arial" panose="020B0604020202020204" pitchFamily="34" charset="0"/>
+                          <a:cs typeface="Arial" panose="020B0604020202020204" pitchFamily="34" charset="0"/>
+                        </a:rPr>
+                        <a:t>6 Segundos</a:t>
+                      </a:r>
+                    </a:p>
+                  </a:txBody>
+                  <a:tcPr>
+                    <a:lnL w="12700" cap="flat" cmpd="sng" algn="ctr">
+                      <a:solidFill>
+                        <a:schemeClr val="tx1"/>
+                      </a:solidFill>
+                      <a:prstDash val="solid"/>
+                      <a:round/>
+                      <a:headEnd type="none" w="med" len="med"/>
+                      <a:tailEnd type="none" w="med" len="med"/>
+                    </a:lnL>
+                    <a:lnR w="12700" cap="flat" cmpd="sng" algn="ctr">
+                      <a:solidFill>
+                        <a:schemeClr val="tx1"/>
+                      </a:solidFill>
+                      <a:prstDash val="solid"/>
+                      <a:round/>
+                      <a:headEnd type="none" w="med" len="med"/>
+                      <a:tailEnd type="none" w="med" len="med"/>
+                    </a:lnR>
+                    <a:lnT w="12700" cap="flat" cmpd="sng" algn="ctr">
+                      <a:solidFill>
+                        <a:schemeClr val="tx1"/>
+                      </a:solidFill>
+                      <a:prstDash val="solid"/>
+                      <a:round/>
+                      <a:headEnd type="none" w="med" len="med"/>
+                      <a:tailEnd type="none" w="med" len="med"/>
+                    </a:lnT>
+                    <a:lnB w="12700" cap="flat" cmpd="sng" algn="ctr">
+                      <a:solidFill>
+                        <a:schemeClr val="tx1"/>
+                      </a:solidFill>
+                      <a:prstDash val="solid"/>
+                      <a:round/>
+                      <a:headEnd type="none" w="med" len="med"/>
+                      <a:tailEnd type="none" w="med" len="med"/>
+                    </a:lnB>
+                    <a:noFill/>
+                  </a:tcPr>
+                </a:tc>
+                <a:tc>
+                  <a:txBody>
+                    <a:bodyPr/>
+                    <a:lstStyle/>
+                    <a:p>
+                      <a:pPr marL="0" marR="0" lvl="0" indent="0" algn="ctr" defTabSz="914400" rtl="0" eaLnBrk="1" fontAlgn="auto" latinLnBrk="0" hangingPunct="1">
+                        <a:lnSpc>
+                          <a:spcPct val="100000"/>
+                        </a:lnSpc>
+                        <a:spcBef>
+                          <a:spcPts val="0"/>
+                        </a:spcBef>
+                        <a:spcAft>
+                          <a:spcPts val="0"/>
+                        </a:spcAft>
+                        <a:buClrTx/>
+                        <a:buSzTx/>
+                        <a:buFontTx/>
+                        <a:buNone/>
+                        <a:tabLst/>
+                        <a:defRPr/>
+                      </a:pPr>
+                      <a:r>
+                        <a:rPr lang="pt-BR" sz="1100" b="0" cap="none" spc="0" dirty="0">
+                          <a:ln>
+                            <a:noFill/>
+                          </a:ln>
+                          <a:solidFill>
+                            <a:schemeClr val="tx1"/>
+                          </a:solidFill>
+                          <a:effectLst/>
+                          <a:latin typeface="Arial" panose="020B0604020202020204" pitchFamily="34" charset="0"/>
+                          <a:cs typeface="Arial" panose="020B0604020202020204" pitchFamily="34" charset="0"/>
+                        </a:rPr>
+                        <a:t>80.26%</a:t>
+                      </a:r>
+                    </a:p>
+                  </a:txBody>
+                  <a:tcPr>
+                    <a:lnL w="12700" cap="flat" cmpd="sng" algn="ctr">
+                      <a:solidFill>
+                        <a:schemeClr val="tx1"/>
+                      </a:solidFill>
+                      <a:prstDash val="solid"/>
+                      <a:round/>
+                      <a:headEnd type="none" w="med" len="med"/>
+                      <a:tailEnd type="none" w="med" len="med"/>
+                    </a:lnL>
+                    <a:lnR w="12700" cap="flat" cmpd="sng" algn="ctr">
+                      <a:solidFill>
+                        <a:schemeClr val="tx1"/>
+                      </a:solidFill>
+                      <a:prstDash val="solid"/>
+                      <a:round/>
+                      <a:headEnd type="none" w="med" len="med"/>
+                      <a:tailEnd type="none" w="med" len="med"/>
+                    </a:lnR>
+                    <a:lnT w="12700" cap="flat" cmpd="sng" algn="ctr">
+                      <a:solidFill>
+                        <a:schemeClr val="tx1"/>
+                      </a:solidFill>
+                      <a:prstDash val="solid"/>
+                      <a:round/>
+                      <a:headEnd type="none" w="med" len="med"/>
+                      <a:tailEnd type="none" w="med" len="med"/>
+                    </a:lnT>
+                    <a:lnB w="12700" cap="flat" cmpd="sng" algn="ctr">
+                      <a:solidFill>
+                        <a:schemeClr val="tx1"/>
+                      </a:solidFill>
+                      <a:prstDash val="solid"/>
+                      <a:round/>
+                      <a:headEnd type="none" w="med" len="med"/>
+                      <a:tailEnd type="none" w="med" len="med"/>
+                    </a:lnB>
+                    <a:noFill/>
+                  </a:tcPr>
+                </a:tc>
+                <a:extLst>
+                  <a:ext uri="{0D108BD9-81ED-4DB2-BD59-A6C34878D82A}">
+                    <a16:rowId xmlns:a16="http://schemas.microsoft.com/office/drawing/2014/main" val="3932085244"/>
+                  </a:ext>
+                </a:extLst>
+              </a:tr>
+              <a:tr h="482975">
+                <a:tc>
+                  <a:txBody>
+                    <a:bodyPr/>
+                    <a:lstStyle/>
+                    <a:p>
+                      <a:pPr algn="ctr"/>
+                      <a:r>
+                        <a:rPr lang="pt-BR" sz="1100" b="0" cap="none" spc="0" dirty="0">
+                          <a:ln>
+                            <a:noFill/>
+                          </a:ln>
+                          <a:solidFill>
+                            <a:schemeClr val="tx1"/>
+                          </a:solidFill>
+                          <a:effectLst/>
+                          <a:latin typeface="Arial" panose="020B0604020202020204" pitchFamily="34" charset="0"/>
+                          <a:cs typeface="Arial" panose="020B0604020202020204" pitchFamily="34" charset="0"/>
+                        </a:rPr>
+                        <a:t>Livraria + Random Deletion (2326 amostras)</a:t>
+                      </a:r>
+                    </a:p>
+                  </a:txBody>
+                  <a:tcPr>
+                    <a:lnL w="12700" cap="flat" cmpd="sng" algn="ctr">
+                      <a:solidFill>
+                        <a:schemeClr val="tx1"/>
+                      </a:solidFill>
+                      <a:prstDash val="solid"/>
+                      <a:round/>
+                      <a:headEnd type="none" w="med" len="med"/>
+                      <a:tailEnd type="none" w="med" len="med"/>
+                    </a:lnL>
+                    <a:lnR w="12700" cap="flat" cmpd="sng" algn="ctr">
+                      <a:solidFill>
+                        <a:schemeClr val="tx1"/>
+                      </a:solidFill>
+                      <a:prstDash val="solid"/>
+                      <a:round/>
+                      <a:headEnd type="none" w="med" len="med"/>
+                      <a:tailEnd type="none" w="med" len="med"/>
+                    </a:lnR>
+                    <a:lnT w="12700" cap="flat" cmpd="sng" algn="ctr">
+                      <a:solidFill>
+                        <a:schemeClr val="tx1"/>
+                      </a:solidFill>
+                      <a:prstDash val="solid"/>
+                      <a:round/>
+                      <a:headEnd type="none" w="med" len="med"/>
+                      <a:tailEnd type="none" w="med" len="med"/>
+                    </a:lnT>
+                    <a:lnB w="12700" cap="flat" cmpd="sng" algn="ctr">
+                      <a:solidFill>
+                        <a:schemeClr val="tx1"/>
+                      </a:solidFill>
+                      <a:prstDash val="solid"/>
+                      <a:round/>
+                      <a:headEnd type="none" w="med" len="med"/>
+                      <a:tailEnd type="none" w="med" len="med"/>
+                    </a:lnB>
+                    <a:noFill/>
+                  </a:tcPr>
+                </a:tc>
+                <a:tc>
+                  <a:txBody>
+                    <a:bodyPr/>
+                    <a:lstStyle/>
+                    <a:p>
+                      <a:pPr algn="ctr"/>
+                      <a:r>
+                        <a:rPr lang="pt-BR" sz="1100" b="0" cap="none" spc="0" dirty="0">
+                          <a:ln>
+                            <a:noFill/>
+                          </a:ln>
+                          <a:solidFill>
+                            <a:schemeClr val="tx1"/>
+                          </a:solidFill>
+                          <a:effectLst/>
+                          <a:latin typeface="Arial" panose="020B0604020202020204" pitchFamily="34" charset="0"/>
+                          <a:cs typeface="Arial" panose="020B0604020202020204" pitchFamily="34" charset="0"/>
+                        </a:rPr>
+                        <a:t>19 Segundos</a:t>
+                      </a:r>
+                    </a:p>
+                  </a:txBody>
+                  <a:tcPr>
+                    <a:lnL w="12700" cap="flat" cmpd="sng" algn="ctr">
+                      <a:solidFill>
+                        <a:schemeClr val="tx1"/>
+                      </a:solidFill>
+                      <a:prstDash val="solid"/>
+                      <a:round/>
+                      <a:headEnd type="none" w="med" len="med"/>
+                      <a:tailEnd type="none" w="med" len="med"/>
+                    </a:lnL>
+                    <a:lnR w="12700" cap="flat" cmpd="sng" algn="ctr">
+                      <a:solidFill>
+                        <a:schemeClr val="tx1"/>
+                      </a:solidFill>
+                      <a:prstDash val="solid"/>
+                      <a:round/>
+                      <a:headEnd type="none" w="med" len="med"/>
+                      <a:tailEnd type="none" w="med" len="med"/>
+                    </a:lnR>
+                    <a:lnT w="12700" cap="flat" cmpd="sng" algn="ctr">
+                      <a:solidFill>
+                        <a:schemeClr val="tx1"/>
+                      </a:solidFill>
+                      <a:prstDash val="solid"/>
+                      <a:round/>
+                      <a:headEnd type="none" w="med" len="med"/>
+                      <a:tailEnd type="none" w="med" len="med"/>
+                    </a:lnT>
+                    <a:lnB w="12700" cap="flat" cmpd="sng" algn="ctr">
+                      <a:solidFill>
+                        <a:schemeClr val="tx1"/>
+                      </a:solidFill>
+                      <a:prstDash val="solid"/>
+                      <a:round/>
+                      <a:headEnd type="none" w="med" len="med"/>
+                      <a:tailEnd type="none" w="med" len="med"/>
+                    </a:lnB>
+                    <a:noFill/>
+                  </a:tcPr>
+                </a:tc>
+                <a:tc>
+                  <a:txBody>
+                    <a:bodyPr/>
+                    <a:lstStyle/>
+                    <a:p>
+                      <a:pPr marL="0" marR="0" lvl="0" indent="0" algn="ctr" defTabSz="914400" rtl="0" eaLnBrk="1" fontAlgn="auto" latinLnBrk="0" hangingPunct="1">
+                        <a:lnSpc>
+                          <a:spcPct val="100000"/>
+                        </a:lnSpc>
+                        <a:spcBef>
+                          <a:spcPts val="0"/>
+                        </a:spcBef>
+                        <a:spcAft>
+                          <a:spcPts val="0"/>
+                        </a:spcAft>
+                        <a:buClrTx/>
+                        <a:buSzTx/>
+                        <a:buFontTx/>
+                        <a:buNone/>
+                        <a:tabLst/>
+                        <a:defRPr/>
+                      </a:pPr>
+                      <a:r>
+                        <a:rPr lang="pt-BR" sz="1100" b="0" kern="1200" cap="none" spc="0" dirty="0">
+                          <a:ln>
+                            <a:noFill/>
+                          </a:ln>
+                          <a:solidFill>
+                            <a:schemeClr val="tx1"/>
+                          </a:solidFill>
+                          <a:effectLst/>
+                          <a:latin typeface="Arial" panose="020B0604020202020204" pitchFamily="34" charset="0"/>
+                          <a:ea typeface="+mn-ea"/>
+                          <a:cs typeface="Arial" panose="020B0604020202020204" pitchFamily="34" charset="0"/>
+                        </a:rPr>
+                        <a:t>83.23%</a:t>
+                      </a:r>
+                    </a:p>
+                  </a:txBody>
+                  <a:tcPr>
+                    <a:lnL w="12700" cap="flat" cmpd="sng" algn="ctr">
+                      <a:solidFill>
+                        <a:schemeClr val="tx1"/>
+                      </a:solidFill>
+                      <a:prstDash val="solid"/>
+                      <a:round/>
+                      <a:headEnd type="none" w="med" len="med"/>
+                      <a:tailEnd type="none" w="med" len="med"/>
+                    </a:lnL>
+                    <a:lnR w="12700" cap="flat" cmpd="sng" algn="ctr">
+                      <a:solidFill>
+                        <a:schemeClr val="tx1"/>
+                      </a:solidFill>
+                      <a:prstDash val="solid"/>
+                      <a:round/>
+                      <a:headEnd type="none" w="med" len="med"/>
+                      <a:tailEnd type="none" w="med" len="med"/>
+                    </a:lnR>
+                    <a:lnT w="12700" cap="flat" cmpd="sng" algn="ctr">
+                      <a:solidFill>
+                        <a:schemeClr val="tx1"/>
+                      </a:solidFill>
+                      <a:prstDash val="solid"/>
+                      <a:round/>
+                      <a:headEnd type="none" w="med" len="med"/>
+                      <a:tailEnd type="none" w="med" len="med"/>
+                    </a:lnT>
+                    <a:lnB w="12700" cap="flat" cmpd="sng" algn="ctr">
+                      <a:solidFill>
+                        <a:schemeClr val="tx1"/>
+                      </a:solidFill>
+                      <a:prstDash val="solid"/>
+                      <a:round/>
+                      <a:headEnd type="none" w="med" len="med"/>
+                      <a:tailEnd type="none" w="med" len="med"/>
+                    </a:lnB>
+                    <a:noFill/>
+                  </a:tcPr>
+                </a:tc>
+                <a:extLst>
+                  <a:ext uri="{0D108BD9-81ED-4DB2-BD59-A6C34878D82A}">
+                    <a16:rowId xmlns:a16="http://schemas.microsoft.com/office/drawing/2014/main" val="3877871028"/>
+                  </a:ext>
+                </a:extLst>
+              </a:tr>
+              <a:tr h="482975">
+                <a:tc>
+                  <a:txBody>
+                    <a:bodyPr/>
+                    <a:lstStyle/>
+                    <a:p>
+                      <a:pPr algn="ctr"/>
+                      <a:r>
+                        <a:rPr lang="pt-BR" sz="1100" b="0" cap="none" spc="0" dirty="0">
+                          <a:ln>
+                            <a:noFill/>
+                          </a:ln>
+                          <a:solidFill>
+                            <a:schemeClr val="tx1"/>
+                          </a:solidFill>
+                          <a:effectLst/>
+                          <a:latin typeface="Arial" panose="020B0604020202020204" pitchFamily="34" charset="0"/>
+                          <a:cs typeface="Arial" panose="020B0604020202020204" pitchFamily="34" charset="0"/>
+                        </a:rPr>
+                        <a:t>Livraria  + Back Translation (2326 amostras)</a:t>
+                      </a:r>
+                    </a:p>
+                  </a:txBody>
+                  <a:tcPr>
+                    <a:lnL w="12700" cap="flat" cmpd="sng" algn="ctr">
+                      <a:solidFill>
+                        <a:schemeClr val="tx1"/>
+                      </a:solidFill>
+                      <a:prstDash val="solid"/>
+                      <a:round/>
+                      <a:headEnd type="none" w="med" len="med"/>
+                      <a:tailEnd type="none" w="med" len="med"/>
+                    </a:lnL>
+                    <a:lnR w="12700" cap="flat" cmpd="sng" algn="ctr">
+                      <a:solidFill>
+                        <a:schemeClr val="tx1"/>
+                      </a:solidFill>
+                      <a:prstDash val="solid"/>
+                      <a:round/>
+                      <a:headEnd type="none" w="med" len="med"/>
+                      <a:tailEnd type="none" w="med" len="med"/>
+                    </a:lnR>
+                    <a:lnT w="12700" cap="flat" cmpd="sng" algn="ctr">
+                      <a:solidFill>
+                        <a:schemeClr val="tx1"/>
+                      </a:solidFill>
+                      <a:prstDash val="solid"/>
+                      <a:round/>
+                      <a:headEnd type="none" w="med" len="med"/>
+                      <a:tailEnd type="none" w="med" len="med"/>
+                    </a:lnT>
+                    <a:lnB w="12700" cap="flat" cmpd="sng" algn="ctr">
+                      <a:solidFill>
+                        <a:schemeClr val="tx1"/>
+                      </a:solidFill>
+                      <a:prstDash val="solid"/>
+                      <a:round/>
+                      <a:headEnd type="none" w="med" len="med"/>
+                      <a:tailEnd type="none" w="med" len="med"/>
+                    </a:lnB>
+                    <a:noFill/>
+                  </a:tcPr>
+                </a:tc>
+                <a:tc>
+                  <a:txBody>
+                    <a:bodyPr/>
+                    <a:lstStyle/>
+                    <a:p>
+                      <a:pPr algn="ctr"/>
+                      <a:r>
+                        <a:rPr lang="pt-BR" sz="1100" b="0" cap="none" spc="0" dirty="0">
+                          <a:ln>
+                            <a:noFill/>
+                          </a:ln>
+                          <a:solidFill>
+                            <a:schemeClr val="tx1"/>
+                          </a:solidFill>
+                          <a:effectLst/>
+                          <a:latin typeface="Arial" panose="020B0604020202020204" pitchFamily="34" charset="0"/>
+                          <a:cs typeface="Arial" panose="020B0604020202020204" pitchFamily="34" charset="0"/>
+                        </a:rPr>
+                        <a:t>24 Segundos</a:t>
+                      </a:r>
+                    </a:p>
+                  </a:txBody>
+                  <a:tcPr>
+                    <a:lnL w="12700" cap="flat" cmpd="sng" algn="ctr">
+                      <a:solidFill>
+                        <a:schemeClr val="tx1"/>
+                      </a:solidFill>
+                      <a:prstDash val="solid"/>
+                      <a:round/>
+                      <a:headEnd type="none" w="med" len="med"/>
+                      <a:tailEnd type="none" w="med" len="med"/>
+                    </a:lnL>
+                    <a:lnR w="12700" cap="flat" cmpd="sng" algn="ctr">
+                      <a:solidFill>
+                        <a:schemeClr val="tx1"/>
+                      </a:solidFill>
+                      <a:prstDash val="solid"/>
+                      <a:round/>
+                      <a:headEnd type="none" w="med" len="med"/>
+                      <a:tailEnd type="none" w="med" len="med"/>
+                    </a:lnR>
+                    <a:lnT w="12700" cap="flat" cmpd="sng" algn="ctr">
+                      <a:solidFill>
+                        <a:schemeClr val="tx1"/>
+                      </a:solidFill>
+                      <a:prstDash val="solid"/>
+                      <a:round/>
+                      <a:headEnd type="none" w="med" len="med"/>
+                      <a:tailEnd type="none" w="med" len="med"/>
+                    </a:lnT>
+                    <a:lnB w="12700" cap="flat" cmpd="sng" algn="ctr">
+                      <a:solidFill>
+                        <a:schemeClr val="tx1"/>
+                      </a:solidFill>
+                      <a:prstDash val="solid"/>
+                      <a:round/>
+                      <a:headEnd type="none" w="med" len="med"/>
+                      <a:tailEnd type="none" w="med" len="med"/>
+                    </a:lnB>
+                    <a:noFill/>
+                  </a:tcPr>
+                </a:tc>
+                <a:tc>
+                  <a:txBody>
+                    <a:bodyPr/>
+                    <a:lstStyle/>
+                    <a:p>
+                      <a:pPr algn="ctr"/>
+                      <a:r>
+                        <a:rPr lang="pt-BR" sz="1100" b="0" cap="none" spc="0" dirty="0">
+                          <a:ln>
+                            <a:noFill/>
+                          </a:ln>
+                          <a:solidFill>
+                            <a:schemeClr val="tx1"/>
+                          </a:solidFill>
+                          <a:effectLst/>
+                          <a:latin typeface="Arial" panose="020B0604020202020204" pitchFamily="34" charset="0"/>
+                          <a:cs typeface="Arial" panose="020B0604020202020204" pitchFamily="34" charset="0"/>
+                        </a:rPr>
+                        <a:t>86.45%</a:t>
+                      </a:r>
+                    </a:p>
+                  </a:txBody>
+                  <a:tcPr>
+                    <a:lnL w="12700" cap="flat" cmpd="sng" algn="ctr">
+                      <a:solidFill>
+                        <a:schemeClr val="tx1"/>
+                      </a:solidFill>
+                      <a:prstDash val="solid"/>
+                      <a:round/>
+                      <a:headEnd type="none" w="med" len="med"/>
+                      <a:tailEnd type="none" w="med" len="med"/>
+                    </a:lnL>
+                    <a:lnR w="12700" cap="flat" cmpd="sng" algn="ctr">
+                      <a:solidFill>
+                        <a:schemeClr val="tx1"/>
+                      </a:solidFill>
+                      <a:prstDash val="solid"/>
+                      <a:round/>
+                      <a:headEnd type="none" w="med" len="med"/>
+                      <a:tailEnd type="none" w="med" len="med"/>
+                    </a:lnR>
+                    <a:lnT w="12700" cap="flat" cmpd="sng" algn="ctr">
+                      <a:solidFill>
+                        <a:schemeClr val="tx1"/>
+                      </a:solidFill>
+                      <a:prstDash val="solid"/>
+                      <a:round/>
+                      <a:headEnd type="none" w="med" len="med"/>
+                      <a:tailEnd type="none" w="med" len="med"/>
+                    </a:lnT>
+                    <a:lnB w="12700" cap="flat" cmpd="sng" algn="ctr">
+                      <a:solidFill>
+                        <a:schemeClr val="tx1"/>
+                      </a:solidFill>
+                      <a:prstDash val="solid"/>
+                      <a:round/>
+                      <a:headEnd type="none" w="med" len="med"/>
+                      <a:tailEnd type="none" w="med" len="med"/>
+                    </a:lnB>
+                    <a:noFill/>
+                  </a:tcPr>
+                </a:tc>
+                <a:extLst>
+                  <a:ext uri="{0D108BD9-81ED-4DB2-BD59-A6C34878D82A}">
+                    <a16:rowId xmlns:a16="http://schemas.microsoft.com/office/drawing/2014/main" val="426775692"/>
+                  </a:ext>
+                </a:extLst>
+              </a:tr>
+              <a:tr h="482975">
+                <a:tc>
+                  <a:txBody>
+                    <a:bodyPr/>
+                    <a:lstStyle/>
+                    <a:p>
+                      <a:pPr marL="0" marR="0" lvl="0" indent="0" algn="ctr" defTabSz="914400" rtl="0" eaLnBrk="1" fontAlgn="auto" latinLnBrk="0" hangingPunct="1">
+                        <a:lnSpc>
+                          <a:spcPct val="100000"/>
+                        </a:lnSpc>
+                        <a:spcBef>
+                          <a:spcPts val="0"/>
+                        </a:spcBef>
+                        <a:spcAft>
+                          <a:spcPts val="0"/>
+                        </a:spcAft>
+                        <a:buClrTx/>
+                        <a:buSzTx/>
+                        <a:buFontTx/>
+                        <a:buNone/>
+                        <a:tabLst/>
+                        <a:defRPr/>
+                      </a:pPr>
+                      <a:r>
+                        <a:rPr lang="pt-BR" sz="1100" b="0" cap="none" spc="0" dirty="0">
+                          <a:ln>
+                            <a:noFill/>
+                          </a:ln>
+                          <a:solidFill>
+                            <a:schemeClr val="tx1"/>
+                          </a:solidFill>
+                          <a:effectLst/>
+                          <a:latin typeface="Arial" panose="020B0604020202020204" pitchFamily="34" charset="0"/>
+                          <a:cs typeface="Arial" panose="020B0604020202020204" pitchFamily="34" charset="0"/>
+                        </a:rPr>
+                        <a:t>Livraria  + Random Swap (2326 amostras)</a:t>
+                      </a:r>
+                    </a:p>
+                  </a:txBody>
+                  <a:tcPr>
+                    <a:lnL w="12700" cap="flat" cmpd="sng" algn="ctr">
+                      <a:solidFill>
+                        <a:schemeClr val="tx1"/>
+                      </a:solidFill>
+                      <a:prstDash val="solid"/>
+                      <a:round/>
+                      <a:headEnd type="none" w="med" len="med"/>
+                      <a:tailEnd type="none" w="med" len="med"/>
+                    </a:lnL>
+                    <a:lnR w="12700" cap="flat" cmpd="sng" algn="ctr">
+                      <a:solidFill>
+                        <a:schemeClr val="tx1"/>
+                      </a:solidFill>
+                      <a:prstDash val="solid"/>
+                      <a:round/>
+                      <a:headEnd type="none" w="med" len="med"/>
+                      <a:tailEnd type="none" w="med" len="med"/>
+                    </a:lnR>
+                    <a:lnT w="12700" cap="flat" cmpd="sng" algn="ctr">
+                      <a:solidFill>
+                        <a:schemeClr val="tx1"/>
+                      </a:solidFill>
+                      <a:prstDash val="solid"/>
+                      <a:round/>
+                      <a:headEnd type="none" w="med" len="med"/>
+                      <a:tailEnd type="none" w="med" len="med"/>
+                    </a:lnT>
+                    <a:lnB w="12700" cap="flat" cmpd="sng" algn="ctr">
+                      <a:solidFill>
+                        <a:schemeClr val="tx1"/>
+                      </a:solidFill>
+                      <a:prstDash val="solid"/>
+                      <a:round/>
+                      <a:headEnd type="none" w="med" len="med"/>
+                      <a:tailEnd type="none" w="med" len="med"/>
+                    </a:lnB>
+                    <a:noFill/>
+                  </a:tcPr>
+                </a:tc>
+                <a:tc>
+                  <a:txBody>
+                    <a:bodyPr/>
+                    <a:lstStyle/>
+                    <a:p>
+                      <a:pPr algn="ctr"/>
+                      <a:r>
+                        <a:rPr lang="pt-BR" sz="1100" b="0" cap="none" spc="0" dirty="0">
+                          <a:ln>
+                            <a:noFill/>
+                          </a:ln>
+                          <a:solidFill>
+                            <a:schemeClr val="tx1"/>
+                          </a:solidFill>
+                          <a:effectLst/>
+                          <a:latin typeface="Arial" panose="020B0604020202020204" pitchFamily="34" charset="0"/>
+                          <a:cs typeface="Arial" panose="020B0604020202020204" pitchFamily="34" charset="0"/>
+                        </a:rPr>
+                        <a:t>23 Segundos</a:t>
+                      </a:r>
+                    </a:p>
+                  </a:txBody>
+                  <a:tcPr>
+                    <a:lnL w="12700" cap="flat" cmpd="sng" algn="ctr">
+                      <a:solidFill>
+                        <a:schemeClr val="tx1"/>
+                      </a:solidFill>
+                      <a:prstDash val="solid"/>
+                      <a:round/>
+                      <a:headEnd type="none" w="med" len="med"/>
+                      <a:tailEnd type="none" w="med" len="med"/>
+                    </a:lnL>
+                    <a:lnR w="12700" cap="flat" cmpd="sng" algn="ctr">
+                      <a:solidFill>
+                        <a:schemeClr val="tx1"/>
+                      </a:solidFill>
+                      <a:prstDash val="solid"/>
+                      <a:round/>
+                      <a:headEnd type="none" w="med" len="med"/>
+                      <a:tailEnd type="none" w="med" len="med"/>
+                    </a:lnR>
+                    <a:lnT w="12700" cap="flat" cmpd="sng" algn="ctr">
+                      <a:solidFill>
+                        <a:schemeClr val="tx1"/>
+                      </a:solidFill>
+                      <a:prstDash val="solid"/>
+                      <a:round/>
+                      <a:headEnd type="none" w="med" len="med"/>
+                      <a:tailEnd type="none" w="med" len="med"/>
+                    </a:lnT>
+                    <a:lnB w="12700" cap="flat" cmpd="sng" algn="ctr">
+                      <a:solidFill>
+                        <a:schemeClr val="tx1"/>
+                      </a:solidFill>
+                      <a:prstDash val="solid"/>
+                      <a:round/>
+                      <a:headEnd type="none" w="med" len="med"/>
+                      <a:tailEnd type="none" w="med" len="med"/>
+                    </a:lnB>
+                    <a:noFill/>
+                  </a:tcPr>
+                </a:tc>
+                <a:tc>
+                  <a:txBody>
+                    <a:bodyPr/>
+                    <a:lstStyle/>
+                    <a:p>
+                      <a:pPr algn="ctr"/>
+                      <a:r>
+                        <a:rPr lang="pt-BR" sz="1100" b="0" cap="none" spc="0" dirty="0">
+                          <a:ln>
+                            <a:noFill/>
+                          </a:ln>
+                          <a:solidFill>
+                            <a:schemeClr val="tx1"/>
+                          </a:solidFill>
+                          <a:effectLst/>
+                          <a:latin typeface="Arial" panose="020B0604020202020204" pitchFamily="34" charset="0"/>
+                          <a:cs typeface="Arial" panose="020B0604020202020204" pitchFamily="34" charset="0"/>
+                        </a:rPr>
+                        <a:t>85.59%</a:t>
+                      </a:r>
+                    </a:p>
+                  </a:txBody>
+                  <a:tcPr>
+                    <a:lnL w="12700" cap="flat" cmpd="sng" algn="ctr">
+                      <a:solidFill>
+                        <a:schemeClr val="tx1"/>
+                      </a:solidFill>
+                      <a:prstDash val="solid"/>
+                      <a:round/>
+                      <a:headEnd type="none" w="med" len="med"/>
+                      <a:tailEnd type="none" w="med" len="med"/>
+                    </a:lnL>
+                    <a:lnR w="12700" cap="flat" cmpd="sng" algn="ctr">
+                      <a:solidFill>
+                        <a:schemeClr val="tx1"/>
+                      </a:solidFill>
+                      <a:prstDash val="solid"/>
+                      <a:round/>
+                      <a:headEnd type="none" w="med" len="med"/>
+                      <a:tailEnd type="none" w="med" len="med"/>
+                    </a:lnR>
+                    <a:lnT w="12700" cap="flat" cmpd="sng" algn="ctr">
+                      <a:solidFill>
+                        <a:schemeClr val="tx1"/>
+                      </a:solidFill>
+                      <a:prstDash val="solid"/>
+                      <a:round/>
+                      <a:headEnd type="none" w="med" len="med"/>
+                      <a:tailEnd type="none" w="med" len="med"/>
+                    </a:lnT>
+                    <a:lnB w="12700" cap="flat" cmpd="sng" algn="ctr">
+                      <a:solidFill>
+                        <a:schemeClr val="tx1"/>
+                      </a:solidFill>
+                      <a:prstDash val="solid"/>
+                      <a:round/>
+                      <a:headEnd type="none" w="med" len="med"/>
+                      <a:tailEnd type="none" w="med" len="med"/>
+                    </a:lnB>
+                    <a:noFill/>
+                  </a:tcPr>
+                </a:tc>
+                <a:extLst>
+                  <a:ext uri="{0D108BD9-81ED-4DB2-BD59-A6C34878D82A}">
+                    <a16:rowId xmlns:a16="http://schemas.microsoft.com/office/drawing/2014/main" val="3027150795"/>
+                  </a:ext>
+                </a:extLst>
+              </a:tr>
+            </a:tbl>
+          </a:graphicData>
+        </a:graphic>
+      </p:graphicFrame>
+      <p:sp>
+        <p:nvSpPr>
+          <p:cNvPr id="4" name="Espaço Reservado para Rodapé 3">
+            <a:extLst>
+              <a:ext uri="{FF2B5EF4-FFF2-40B4-BE49-F238E27FC236}">
+                <a16:creationId xmlns:a16="http://schemas.microsoft.com/office/drawing/2014/main" id="{23C34890-ABA2-CBE3-6BC1-8A105611FD12}"/>
+              </a:ext>
+            </a:extLst>
+          </p:cNvPr>
+          <p:cNvSpPr>
+            <a:spLocks noGrp="1"/>
+          </p:cNvSpPr>
+          <p:nvPr>
+            <p:ph type="ftr" sz="quarter" idx="11"/>
+          </p:nvPr>
+        </p:nvSpPr>
+        <p:spPr>
+          <a:xfrm>
+            <a:off x="3684596" y="6455648"/>
+            <a:ext cx="4822804" cy="365125"/>
+          </a:xfrm>
+        </p:spPr>
+        <p:txBody>
+          <a:bodyPr/>
+          <a:lstStyle/>
+          <a:p>
+            <a:r>
+              <a:rPr lang="pt-BR" dirty="0"/>
+              <a:t>Aprendizado Profundo - 2023</a:t>
+            </a:r>
+          </a:p>
+        </p:txBody>
+      </p:sp>
+      <p:pic>
+        <p:nvPicPr>
+          <p:cNvPr id="5" name="Imagem 4" descr="Janela de vidro&#10;&#10;Descrição gerada automaticamente com confiança média">
+            <a:extLst>
+              <a:ext uri="{FF2B5EF4-FFF2-40B4-BE49-F238E27FC236}">
+                <a16:creationId xmlns:a16="http://schemas.microsoft.com/office/drawing/2014/main" id="{B6F7DADD-A5BA-CB78-9532-70815E05CEF7}"/>
+              </a:ext>
+            </a:extLst>
+          </p:cNvPr>
+          <p:cNvPicPr>
+            <a:picLocks noChangeAspect="1"/>
+          </p:cNvPicPr>
+          <p:nvPr/>
+        </p:nvPicPr>
+        <p:blipFill>
+          <a:blip r:embed="rId2" cstate="print">
+            <a:extLst>
+              <a:ext uri="{28A0092B-C50C-407E-A947-70E740481C1C}">
+                <a14:useLocalDpi xmlns:a14="http://schemas.microsoft.com/office/drawing/2010/main" val="0"/>
+              </a:ext>
+            </a:extLst>
+          </a:blip>
+          <a:stretch>
+            <a:fillRect/>
+          </a:stretch>
+        </p:blipFill>
+        <p:spPr>
+          <a:xfrm>
+            <a:off x="118159" y="6470866"/>
+            <a:ext cx="373152" cy="332105"/>
+          </a:xfrm>
+          <a:prstGeom prst="rect">
+            <a:avLst/>
+          </a:prstGeom>
+        </p:spPr>
+      </p:pic>
+      <p:sp>
+        <p:nvSpPr>
+          <p:cNvPr id="10" name="Título 19">
+            <a:extLst>
+              <a:ext uri="{FF2B5EF4-FFF2-40B4-BE49-F238E27FC236}">
+                <a16:creationId xmlns:a16="http://schemas.microsoft.com/office/drawing/2014/main" id="{EB7B4D14-F298-7222-DED5-2D8BF04076F7}"/>
+              </a:ext>
+            </a:extLst>
+          </p:cNvPr>
+          <p:cNvSpPr txBox="1">
+            <a:spLocks/>
+          </p:cNvSpPr>
+          <p:nvPr/>
+        </p:nvSpPr>
+        <p:spPr>
+          <a:xfrm>
+            <a:off x="1097280" y="626919"/>
+            <a:ext cx="10058400" cy="720197"/>
+          </a:xfrm>
+          <a:prstGeom prst="rect">
+            <a:avLst/>
+          </a:prstGeom>
+        </p:spPr>
+        <p:txBody>
+          <a:bodyPr vert="horz" lIns="91440" tIns="45720" rIns="91440" bIns="45720" rtlCol="0" anchor="b">
+            <a:normAutofit/>
+          </a:bodyPr>
+          <a:lstStyle>
+            <a:lvl1pPr marL="0" algn="l" defTabSz="914400" rtl="0" eaLnBrk="1" latinLnBrk="0" hangingPunct="1">
+              <a:lnSpc>
+                <a:spcPct val="85000"/>
+              </a:lnSpc>
+              <a:spcBef>
+                <a:spcPct val="0"/>
+              </a:spcBef>
+              <a:buNone/>
+              <a:defRPr sz="4800" kern="1200" spc="-50" baseline="0">
+                <a:solidFill>
+                  <a:schemeClr val="tx1">
+                    <a:lumMod val="75000"/>
+                    <a:lumOff val="25000"/>
+                  </a:schemeClr>
+                </a:solidFill>
+                <a:latin typeface="+mj-lt"/>
+                <a:ea typeface="+mj-ea"/>
+                <a:cs typeface="+mj-cs"/>
+              </a:defRPr>
+            </a:lvl1pPr>
+          </a:lstStyle>
+          <a:p>
+            <a:pPr marL="457200" indent="-457200">
+              <a:buFont typeface="Arial" panose="020B0604020202020204" pitchFamily="34" charset="0"/>
+              <a:buChar char="•"/>
+            </a:pPr>
+            <a:r>
+              <a:rPr lang="pt-BR" sz="2000" b="1" dirty="0">
+                <a:solidFill>
+                  <a:schemeClr val="tx1"/>
+                </a:solidFill>
+                <a:latin typeface="Arial" panose="020B0604020202020204" pitchFamily="34" charset="0"/>
+                <a:cs typeface="Arial" panose="020B0604020202020204" pitchFamily="34" charset="0"/>
+              </a:rPr>
+              <a:t>4.	</a:t>
+            </a:r>
+            <a:r>
+              <a:rPr lang="pt-BR" sz="2000" b="1" dirty="0">
+                <a:solidFill>
+                  <a:prstClr val="black"/>
+                </a:solidFill>
+                <a:latin typeface="Arial" panose="020B0604020202020204" pitchFamily="34" charset="0"/>
+                <a:cs typeface="Arial" panose="020B0604020202020204" pitchFamily="34" charset="0"/>
+              </a:rPr>
+              <a:t>RESULTADOS E CONCLUSÃO</a:t>
+            </a:r>
+            <a:br>
+              <a:rPr lang="pt-BR" sz="2000" b="1" dirty="0">
+                <a:solidFill>
+                  <a:schemeClr val="tx1"/>
+                </a:solidFill>
+                <a:latin typeface="Arial" panose="020B0604020202020204" pitchFamily="34" charset="0"/>
+                <a:cs typeface="Arial" panose="020B0604020202020204" pitchFamily="34" charset="0"/>
+              </a:rPr>
+            </a:br>
+            <a:r>
+              <a:rPr lang="pt-BR" sz="2000" b="1" dirty="0">
+                <a:solidFill>
+                  <a:schemeClr val="tx1"/>
+                </a:solidFill>
+                <a:latin typeface="Arial" panose="020B0604020202020204" pitchFamily="34" charset="0"/>
+                <a:cs typeface="Arial" panose="020B0604020202020204" pitchFamily="34" charset="0"/>
+              </a:rPr>
+              <a:t>	</a:t>
+            </a:r>
+            <a:r>
+              <a:rPr lang="pt-BR" sz="1600" b="1" dirty="0">
+                <a:solidFill>
+                  <a:schemeClr val="tx1"/>
+                </a:solidFill>
+                <a:latin typeface="Arial" panose="020B0604020202020204" pitchFamily="34" charset="0"/>
+                <a:cs typeface="Arial" panose="020B0604020202020204" pitchFamily="34" charset="0"/>
+              </a:rPr>
+              <a:t>4.2. Resultados</a:t>
+            </a:r>
+            <a:endParaRPr lang="pt-BR" sz="2000" b="1" dirty="0">
+              <a:solidFill>
+                <a:schemeClr val="tx1"/>
+              </a:solidFill>
+              <a:latin typeface="Arial" panose="020B0604020202020204" pitchFamily="34" charset="0"/>
+              <a:cs typeface="Arial" panose="020B0604020202020204" pitchFamily="34" charset="0"/>
+            </a:endParaRPr>
+          </a:p>
+        </p:txBody>
+      </p:sp>
+    </p:spTree>
+    <p:extLst>
+      <p:ext uri="{BB962C8B-B14F-4D97-AF65-F5344CB8AC3E}">
+        <p14:creationId xmlns:p14="http://schemas.microsoft.com/office/powerpoint/2010/main" val="3528112276"/>
+      </p:ext>
+    </p:extLst>
+  </p:cSld>
+  <p:clrMapOvr>
+    <a:masterClrMapping/>
+  </p:clrMapOvr>
+</p:sld>
+</file>
+
+<file path=ppt/slides/slide13.xml><?xml version="1.0" encoding="utf-8"?>
+<p:sld xmlns:a="http://schemas.openxmlformats.org/drawingml/2006/main" xmlns:r="http://schemas.openxmlformats.org/officeDocument/2006/relationships" xmlns:p="http://schemas.openxmlformats.org/presentationml/2006/main">
+  <p:cSld>
+    <p:spTree>
+      <p:nvGrpSpPr>
+        <p:cNvPr id="1" name=""/>
+        <p:cNvGrpSpPr/>
+        <p:nvPr/>
+      </p:nvGrpSpPr>
+      <p:grpSpPr>
+        <a:xfrm>
+          <a:off x="0" y="0"/>
+          <a:ext cx="0" cy="0"/>
+          <a:chOff x="0" y="0"/>
+          <a:chExt cx="0" cy="0"/>
+        </a:xfrm>
+      </p:grpSpPr>
       <p:pic>
         <p:nvPicPr>
           <p:cNvPr id="4" name="Imagem 3">
@@ -4858,7 +7576,7 @@
 </p:sld>
 </file>
 
-<file path=ppt/slides/slide11.xml><?xml version="1.0" encoding="utf-8"?>
+<file path=ppt/slides/slide14.xml><?xml version="1.0" encoding="utf-8"?>
 <p:sld xmlns:a="http://schemas.openxmlformats.org/drawingml/2006/main" xmlns:r="http://schemas.openxmlformats.org/officeDocument/2006/relationships" xmlns:p="http://schemas.openxmlformats.org/presentationml/2006/main">
   <p:cSld>
     <p:spTree>
@@ -5099,7 +7817,7 @@
 </p:sld>
 </file>
 
-<file path=ppt/slides/slide12.xml><?xml version="1.0" encoding="utf-8"?>
+<file path=ppt/slides/slide15.xml><?xml version="1.0" encoding="utf-8"?>
 <p:sld xmlns:a="http://schemas.openxmlformats.org/drawingml/2006/main" xmlns:r="http://schemas.openxmlformats.org/officeDocument/2006/relationships" xmlns:p="http://schemas.openxmlformats.org/presentationml/2006/main">
   <p:cSld>
     <p:spTree>
@@ -6687,7 +9405,7 @@
 </p:sld>
 </file>
 
-<file path=ppt/slides/slide13.xml><?xml version="1.0" encoding="utf-8"?>
+<file path=ppt/slides/slide16.xml><?xml version="1.0" encoding="utf-8"?>
 <p:sld xmlns:a="http://schemas.openxmlformats.org/drawingml/2006/main" xmlns:r="http://schemas.openxmlformats.org/officeDocument/2006/relationships" xmlns:p="http://schemas.openxmlformats.org/presentationml/2006/main">
   <p:cSld>
     <p:spTree>
@@ -6855,7 +9573,7 @@
 </p:sld>
 </file>
 
-<file path=ppt/slides/slide14.xml><?xml version="1.0" encoding="utf-8"?>
+<file path=ppt/slides/slide17.xml><?xml version="1.0" encoding="utf-8"?>
 <p:sld xmlns:a="http://schemas.openxmlformats.org/drawingml/2006/main" xmlns:r="http://schemas.openxmlformats.org/officeDocument/2006/relationships" xmlns:p="http://schemas.openxmlformats.org/presentationml/2006/main">
   <p:cSld>
     <p:spTree>
@@ -6930,12 +9648,795 @@
             <p:ph idx="1"/>
           </p:nvPr>
         </p:nvSpPr>
-        <p:spPr/>
+        <p:spPr>
+          <a:xfrm>
+            <a:off x="1097280" y="1834855"/>
+            <a:ext cx="10058400" cy="4023360"/>
+          </a:xfrm>
+        </p:spPr>
         <p:txBody>
-          <a:bodyPr/>
+          <a:bodyPr>
+            <a:normAutofit/>
+          </a:bodyPr>
           <a:lstStyle/>
           <a:p>
-            <a:endParaRPr lang="pt-BR" dirty="0"/>
+            <a:pPr marL="0" indent="0">
+              <a:buNone/>
+            </a:pPr>
+            <a:r>
+              <a:rPr lang="pt-BR" sz="1200" b="0" i="0" dirty="0" err="1">
+                <a:solidFill>
+                  <a:srgbClr val="333333"/>
+                </a:solidFill>
+                <a:effectLst/>
+                <a:latin typeface="-apple-system"/>
+              </a:rPr>
+              <a:t>Shorten</a:t>
+            </a:r>
+            <a:r>
+              <a:rPr lang="pt-BR" sz="1200" b="0" i="0" dirty="0">
+                <a:solidFill>
+                  <a:srgbClr val="333333"/>
+                </a:solidFill>
+                <a:effectLst/>
+                <a:latin typeface="-apple-system"/>
+              </a:rPr>
+              <a:t>, C., </a:t>
+            </a:r>
+            <a:r>
+              <a:rPr lang="pt-BR" sz="1200" dirty="0">
+                <a:solidFill>
+                  <a:srgbClr val="333333"/>
+                </a:solidFill>
+                <a:latin typeface="-apple-system"/>
+              </a:rPr>
+              <a:t>Khoshgoftaar,</a:t>
+            </a:r>
+            <a:r>
+              <a:rPr lang="pt-BR" sz="1200" b="0" i="0" dirty="0">
+                <a:solidFill>
+                  <a:srgbClr val="333333"/>
+                </a:solidFill>
+                <a:effectLst/>
+                <a:latin typeface="-apple-system"/>
+              </a:rPr>
+              <a:t> T.M. &amp; Furht, B. </a:t>
+            </a:r>
+            <a:r>
+              <a:rPr lang="pt-BR" sz="1200" b="0" i="0" dirty="0" err="1">
+                <a:solidFill>
+                  <a:srgbClr val="333333"/>
+                </a:solidFill>
+                <a:effectLst/>
+                <a:latin typeface="-apple-system"/>
+              </a:rPr>
+              <a:t>Text</a:t>
+            </a:r>
+            <a:r>
+              <a:rPr lang="pt-BR" sz="1200" b="0" i="0" dirty="0">
+                <a:solidFill>
+                  <a:srgbClr val="333333"/>
+                </a:solidFill>
+                <a:effectLst/>
+                <a:latin typeface="-apple-system"/>
+              </a:rPr>
+              <a:t> Data Augmentation for </a:t>
+            </a:r>
+            <a:r>
+              <a:rPr lang="pt-BR" sz="1200" b="0" i="0" dirty="0" err="1">
+                <a:solidFill>
+                  <a:srgbClr val="333333"/>
+                </a:solidFill>
+                <a:effectLst/>
+                <a:latin typeface="-apple-system"/>
+              </a:rPr>
+              <a:t>Deep</a:t>
+            </a:r>
+            <a:r>
+              <a:rPr lang="pt-BR" sz="1200" b="0" i="0" dirty="0">
+                <a:solidFill>
+                  <a:srgbClr val="333333"/>
+                </a:solidFill>
+                <a:effectLst/>
+                <a:latin typeface="-apple-system"/>
+              </a:rPr>
+              <a:t> Learning. </a:t>
+            </a:r>
+            <a:r>
+              <a:rPr lang="pt-BR" sz="1200" b="0" i="1" dirty="0">
+                <a:solidFill>
+                  <a:srgbClr val="333333"/>
+                </a:solidFill>
+                <a:effectLst/>
+                <a:latin typeface="-apple-system"/>
+              </a:rPr>
+              <a:t>J Big Data</a:t>
+            </a:r>
+            <a:r>
+              <a:rPr lang="pt-BR" sz="1200" b="0" i="0" dirty="0">
+                <a:solidFill>
+                  <a:srgbClr val="333333"/>
+                </a:solidFill>
+                <a:effectLst/>
+                <a:latin typeface="-apple-system"/>
+              </a:rPr>
+              <a:t> </a:t>
+            </a:r>
+            <a:r>
+              <a:rPr lang="pt-BR" sz="1200" b="1" i="0" dirty="0">
+                <a:solidFill>
+                  <a:srgbClr val="333333"/>
+                </a:solidFill>
+                <a:effectLst/>
+                <a:latin typeface="-apple-system"/>
+              </a:rPr>
+              <a:t>8</a:t>
+            </a:r>
+            <a:r>
+              <a:rPr lang="pt-BR" sz="1200" b="0" i="0" dirty="0">
+                <a:solidFill>
+                  <a:srgbClr val="333333"/>
+                </a:solidFill>
+                <a:effectLst/>
+                <a:latin typeface="-apple-system"/>
+              </a:rPr>
+              <a:t>, 101 (2021).</a:t>
+            </a:r>
+          </a:p>
+          <a:p>
+            <a:pPr marL="0" indent="0" algn="just">
+              <a:buNone/>
+            </a:pPr>
+            <a:r>
+              <a:rPr lang="pt-BR" sz="1400" dirty="0">
+                <a:solidFill>
+                  <a:srgbClr val="333333"/>
+                </a:solidFill>
+                <a:latin typeface="-apple-system"/>
+              </a:rPr>
+              <a:t>Jason Wei </a:t>
+            </a:r>
+            <a:r>
+              <a:rPr lang="pt-BR" sz="1400" dirty="0" err="1">
+                <a:solidFill>
+                  <a:srgbClr val="333333"/>
+                </a:solidFill>
+                <a:latin typeface="-apple-system"/>
+              </a:rPr>
+              <a:t>and</a:t>
+            </a:r>
+            <a:r>
+              <a:rPr lang="pt-BR" sz="1400" dirty="0">
+                <a:solidFill>
+                  <a:srgbClr val="333333"/>
+                </a:solidFill>
+                <a:latin typeface="-apple-system"/>
+              </a:rPr>
+              <a:t> Kai </a:t>
+            </a:r>
+            <a:r>
+              <a:rPr lang="pt-BR" sz="1400" dirty="0" err="1">
+                <a:solidFill>
+                  <a:srgbClr val="333333"/>
+                </a:solidFill>
+                <a:latin typeface="-apple-system"/>
+              </a:rPr>
+              <a:t>Zou</a:t>
+            </a:r>
+            <a:r>
+              <a:rPr lang="pt-BR" sz="1400" dirty="0">
+                <a:solidFill>
+                  <a:srgbClr val="333333"/>
+                </a:solidFill>
+                <a:latin typeface="-apple-system"/>
+              </a:rPr>
+              <a:t>. 2019. </a:t>
+            </a:r>
+            <a:r>
+              <a:rPr lang="pt-BR" sz="1400" dirty="0">
+                <a:solidFill>
+                  <a:srgbClr val="333333"/>
+                </a:solidFill>
+                <a:latin typeface="-apple-system"/>
+                <a:hlinkClick r:id="rId2">
+                  <a:extLst>
+                    <a:ext uri="{A12FA001-AC4F-418D-AE19-62706E023703}">
+                      <ahyp:hlinkClr xmlns:ahyp="http://schemas.microsoft.com/office/drawing/2018/hyperlinkcolor" val="tx"/>
+                    </a:ext>
+                  </a:extLst>
+                </a:hlinkClick>
+              </a:rPr>
+              <a:t>EDA: </a:t>
+            </a:r>
+            <a:r>
+              <a:rPr lang="pt-BR" sz="1400" dirty="0" err="1">
+                <a:solidFill>
+                  <a:srgbClr val="333333"/>
+                </a:solidFill>
+                <a:latin typeface="-apple-system"/>
+                <a:hlinkClick r:id="rId2">
+                  <a:extLst>
+                    <a:ext uri="{A12FA001-AC4F-418D-AE19-62706E023703}">
+                      <ahyp:hlinkClr xmlns:ahyp="http://schemas.microsoft.com/office/drawing/2018/hyperlinkcolor" val="tx"/>
+                    </a:ext>
+                  </a:extLst>
+                </a:hlinkClick>
+              </a:rPr>
+              <a:t>Easy</a:t>
+            </a:r>
+            <a:r>
+              <a:rPr lang="pt-BR" sz="1400" dirty="0">
+                <a:solidFill>
+                  <a:srgbClr val="333333"/>
+                </a:solidFill>
+                <a:latin typeface="-apple-system"/>
+                <a:hlinkClick r:id="rId2">
+                  <a:extLst>
+                    <a:ext uri="{A12FA001-AC4F-418D-AE19-62706E023703}">
+                      <ahyp:hlinkClr xmlns:ahyp="http://schemas.microsoft.com/office/drawing/2018/hyperlinkcolor" val="tx"/>
+                    </a:ext>
+                  </a:extLst>
+                </a:hlinkClick>
+              </a:rPr>
+              <a:t> Data Augmentation </a:t>
+            </a:r>
+            <a:r>
+              <a:rPr lang="pt-BR" sz="1400" dirty="0" err="1">
+                <a:solidFill>
+                  <a:srgbClr val="333333"/>
+                </a:solidFill>
+                <a:latin typeface="-apple-system"/>
+                <a:hlinkClick r:id="rId2">
+                  <a:extLst>
+                    <a:ext uri="{A12FA001-AC4F-418D-AE19-62706E023703}">
+                      <ahyp:hlinkClr xmlns:ahyp="http://schemas.microsoft.com/office/drawing/2018/hyperlinkcolor" val="tx"/>
+                    </a:ext>
+                  </a:extLst>
+                </a:hlinkClick>
+              </a:rPr>
+              <a:t>Techniques</a:t>
+            </a:r>
+            <a:r>
+              <a:rPr lang="pt-BR" sz="1400" dirty="0">
+                <a:solidFill>
+                  <a:srgbClr val="333333"/>
+                </a:solidFill>
+                <a:latin typeface="-apple-system"/>
+                <a:hlinkClick r:id="rId2">
+                  <a:extLst>
+                    <a:ext uri="{A12FA001-AC4F-418D-AE19-62706E023703}">
+                      <ahyp:hlinkClr xmlns:ahyp="http://schemas.microsoft.com/office/drawing/2018/hyperlinkcolor" val="tx"/>
+                    </a:ext>
+                  </a:extLst>
+                </a:hlinkClick>
+              </a:rPr>
+              <a:t> for </a:t>
+            </a:r>
+            <a:r>
+              <a:rPr lang="pt-BR" sz="1400" dirty="0" err="1">
+                <a:solidFill>
+                  <a:srgbClr val="333333"/>
+                </a:solidFill>
+                <a:latin typeface="-apple-system"/>
+                <a:hlinkClick r:id="rId2">
+                  <a:extLst>
+                    <a:ext uri="{A12FA001-AC4F-418D-AE19-62706E023703}">
+                      <ahyp:hlinkClr xmlns:ahyp="http://schemas.microsoft.com/office/drawing/2018/hyperlinkcolor" val="tx"/>
+                    </a:ext>
+                  </a:extLst>
+                </a:hlinkClick>
+              </a:rPr>
+              <a:t>Boosting</a:t>
+            </a:r>
+            <a:r>
+              <a:rPr lang="pt-BR" sz="1400" dirty="0">
+                <a:solidFill>
+                  <a:srgbClr val="333333"/>
+                </a:solidFill>
+                <a:latin typeface="-apple-system"/>
+                <a:hlinkClick r:id="rId2">
+                  <a:extLst>
+                    <a:ext uri="{A12FA001-AC4F-418D-AE19-62706E023703}">
+                      <ahyp:hlinkClr xmlns:ahyp="http://schemas.microsoft.com/office/drawing/2018/hyperlinkcolor" val="tx"/>
+                    </a:ext>
+                  </a:extLst>
+                </a:hlinkClick>
+              </a:rPr>
+              <a:t> Performance </a:t>
+            </a:r>
+            <a:r>
+              <a:rPr lang="pt-BR" sz="1400" dirty="0" err="1">
+                <a:solidFill>
+                  <a:srgbClr val="333333"/>
+                </a:solidFill>
+                <a:latin typeface="-apple-system"/>
+                <a:hlinkClick r:id="rId2">
+                  <a:extLst>
+                    <a:ext uri="{A12FA001-AC4F-418D-AE19-62706E023703}">
+                      <ahyp:hlinkClr xmlns:ahyp="http://schemas.microsoft.com/office/drawing/2018/hyperlinkcolor" val="tx"/>
+                    </a:ext>
+                  </a:extLst>
+                </a:hlinkClick>
+              </a:rPr>
+              <a:t>on</a:t>
+            </a:r>
+            <a:r>
+              <a:rPr lang="pt-BR" sz="1400" dirty="0">
+                <a:solidFill>
+                  <a:srgbClr val="333333"/>
+                </a:solidFill>
+                <a:latin typeface="-apple-system"/>
+                <a:hlinkClick r:id="rId2">
+                  <a:extLst>
+                    <a:ext uri="{A12FA001-AC4F-418D-AE19-62706E023703}">
+                      <ahyp:hlinkClr xmlns:ahyp="http://schemas.microsoft.com/office/drawing/2018/hyperlinkcolor" val="tx"/>
+                    </a:ext>
+                  </a:extLst>
+                </a:hlinkClick>
+              </a:rPr>
+              <a:t> </a:t>
+            </a:r>
+            <a:r>
+              <a:rPr lang="pt-BR" sz="1400" dirty="0" err="1">
+                <a:solidFill>
+                  <a:srgbClr val="333333"/>
+                </a:solidFill>
+                <a:latin typeface="-apple-system"/>
+                <a:hlinkClick r:id="rId2">
+                  <a:extLst>
+                    <a:ext uri="{A12FA001-AC4F-418D-AE19-62706E023703}">
+                      <ahyp:hlinkClr xmlns:ahyp="http://schemas.microsoft.com/office/drawing/2018/hyperlinkcolor" val="tx"/>
+                    </a:ext>
+                  </a:extLst>
+                </a:hlinkClick>
+              </a:rPr>
+              <a:t>Text</a:t>
+            </a:r>
+            <a:r>
+              <a:rPr lang="pt-BR" sz="1400" dirty="0">
+                <a:solidFill>
+                  <a:srgbClr val="333333"/>
+                </a:solidFill>
+                <a:latin typeface="-apple-system"/>
+                <a:hlinkClick r:id="rId2">
+                  <a:extLst>
+                    <a:ext uri="{A12FA001-AC4F-418D-AE19-62706E023703}">
+                      <ahyp:hlinkClr xmlns:ahyp="http://schemas.microsoft.com/office/drawing/2018/hyperlinkcolor" val="tx"/>
+                    </a:ext>
+                  </a:extLst>
+                </a:hlinkClick>
+              </a:rPr>
+              <a:t> </a:t>
+            </a:r>
+            <a:r>
+              <a:rPr lang="pt-BR" sz="1400" dirty="0" err="1">
+                <a:solidFill>
+                  <a:srgbClr val="333333"/>
+                </a:solidFill>
+                <a:latin typeface="-apple-system"/>
+                <a:hlinkClick r:id="rId2">
+                  <a:extLst>
+                    <a:ext uri="{A12FA001-AC4F-418D-AE19-62706E023703}">
+                      <ahyp:hlinkClr xmlns:ahyp="http://schemas.microsoft.com/office/drawing/2018/hyperlinkcolor" val="tx"/>
+                    </a:ext>
+                  </a:extLst>
+                </a:hlinkClick>
+              </a:rPr>
+              <a:t>Classification</a:t>
+            </a:r>
+            <a:r>
+              <a:rPr lang="pt-BR" sz="1400" dirty="0">
+                <a:solidFill>
+                  <a:srgbClr val="333333"/>
+                </a:solidFill>
+                <a:latin typeface="-apple-system"/>
+                <a:hlinkClick r:id="rId2">
+                  <a:extLst>
+                    <a:ext uri="{A12FA001-AC4F-418D-AE19-62706E023703}">
+                      <ahyp:hlinkClr xmlns:ahyp="http://schemas.microsoft.com/office/drawing/2018/hyperlinkcolor" val="tx"/>
+                    </a:ext>
+                  </a:extLst>
+                </a:hlinkClick>
+              </a:rPr>
+              <a:t> </a:t>
+            </a:r>
+            <a:r>
+              <a:rPr lang="pt-BR" sz="1400" dirty="0" err="1">
+                <a:solidFill>
+                  <a:srgbClr val="333333"/>
+                </a:solidFill>
+                <a:latin typeface="-apple-system"/>
+                <a:hlinkClick r:id="rId2">
+                  <a:extLst>
+                    <a:ext uri="{A12FA001-AC4F-418D-AE19-62706E023703}">
+                      <ahyp:hlinkClr xmlns:ahyp="http://schemas.microsoft.com/office/drawing/2018/hyperlinkcolor" val="tx"/>
+                    </a:ext>
+                  </a:extLst>
+                </a:hlinkClick>
+              </a:rPr>
+              <a:t>Tasks</a:t>
+            </a:r>
+            <a:r>
+              <a:rPr lang="pt-BR" sz="1400" dirty="0">
+                <a:solidFill>
+                  <a:srgbClr val="333333"/>
+                </a:solidFill>
+                <a:latin typeface="-apple-system"/>
+              </a:rPr>
+              <a:t>. In </a:t>
+            </a:r>
+            <a:r>
+              <a:rPr lang="pt-BR" sz="1400" dirty="0" err="1">
+                <a:solidFill>
+                  <a:srgbClr val="333333"/>
+                </a:solidFill>
+                <a:latin typeface="-apple-system"/>
+              </a:rPr>
+              <a:t>Proceedings</a:t>
+            </a:r>
+            <a:r>
+              <a:rPr lang="pt-BR" sz="1400" dirty="0">
+                <a:solidFill>
+                  <a:srgbClr val="333333"/>
+                </a:solidFill>
+                <a:latin typeface="-apple-system"/>
+              </a:rPr>
+              <a:t> </a:t>
+            </a:r>
+            <a:r>
+              <a:rPr lang="pt-BR" sz="1400" dirty="0" err="1">
+                <a:solidFill>
+                  <a:srgbClr val="333333"/>
+                </a:solidFill>
+                <a:latin typeface="-apple-system"/>
+              </a:rPr>
+              <a:t>of</a:t>
+            </a:r>
+            <a:r>
+              <a:rPr lang="pt-BR" sz="1400" dirty="0">
+                <a:solidFill>
+                  <a:srgbClr val="333333"/>
+                </a:solidFill>
+                <a:latin typeface="-apple-system"/>
+              </a:rPr>
+              <a:t> </a:t>
+            </a:r>
+            <a:r>
+              <a:rPr lang="pt-BR" sz="1400" dirty="0" err="1">
+                <a:solidFill>
+                  <a:srgbClr val="333333"/>
+                </a:solidFill>
+                <a:latin typeface="-apple-system"/>
+              </a:rPr>
+              <a:t>the</a:t>
+            </a:r>
+            <a:r>
+              <a:rPr lang="pt-BR" sz="1400" dirty="0">
+                <a:solidFill>
+                  <a:srgbClr val="333333"/>
+                </a:solidFill>
+                <a:latin typeface="-apple-system"/>
+              </a:rPr>
+              <a:t> 2019 </a:t>
+            </a:r>
+            <a:r>
+              <a:rPr lang="pt-BR" sz="1400" dirty="0" err="1">
+                <a:solidFill>
+                  <a:srgbClr val="333333"/>
+                </a:solidFill>
+                <a:latin typeface="-apple-system"/>
+              </a:rPr>
+              <a:t>Conference</a:t>
+            </a:r>
+            <a:r>
+              <a:rPr lang="pt-BR" sz="1400" dirty="0">
+                <a:solidFill>
+                  <a:srgbClr val="333333"/>
+                </a:solidFill>
+                <a:latin typeface="-apple-system"/>
+              </a:rPr>
+              <a:t> </a:t>
+            </a:r>
+            <a:r>
+              <a:rPr lang="pt-BR" sz="1400" dirty="0" err="1">
+                <a:solidFill>
+                  <a:srgbClr val="333333"/>
+                </a:solidFill>
+                <a:latin typeface="-apple-system"/>
+              </a:rPr>
+              <a:t>on</a:t>
+            </a:r>
+            <a:r>
+              <a:rPr lang="pt-BR" sz="1400" dirty="0">
+                <a:solidFill>
+                  <a:srgbClr val="333333"/>
+                </a:solidFill>
+                <a:latin typeface="-apple-system"/>
+              </a:rPr>
+              <a:t> </a:t>
+            </a:r>
+            <a:r>
+              <a:rPr lang="pt-BR" sz="1400" dirty="0" err="1">
+                <a:solidFill>
+                  <a:srgbClr val="333333"/>
+                </a:solidFill>
+                <a:latin typeface="-apple-system"/>
+              </a:rPr>
+              <a:t>Empirical</a:t>
+            </a:r>
+            <a:r>
+              <a:rPr lang="pt-BR" sz="1400" dirty="0">
+                <a:solidFill>
+                  <a:srgbClr val="333333"/>
+                </a:solidFill>
+                <a:latin typeface="-apple-system"/>
+              </a:rPr>
+              <a:t> </a:t>
+            </a:r>
+            <a:r>
+              <a:rPr lang="pt-BR" sz="1400" dirty="0" err="1">
+                <a:solidFill>
+                  <a:srgbClr val="333333"/>
+                </a:solidFill>
+                <a:latin typeface="-apple-system"/>
+              </a:rPr>
+              <a:t>Methods</a:t>
+            </a:r>
+            <a:r>
+              <a:rPr lang="pt-BR" sz="1400" dirty="0">
+                <a:solidFill>
+                  <a:srgbClr val="333333"/>
+                </a:solidFill>
+                <a:latin typeface="-apple-system"/>
+              </a:rPr>
+              <a:t> in Natural </a:t>
+            </a:r>
+            <a:r>
+              <a:rPr lang="pt-BR" sz="1400" dirty="0" err="1">
+                <a:solidFill>
+                  <a:srgbClr val="333333"/>
+                </a:solidFill>
+                <a:latin typeface="-apple-system"/>
+              </a:rPr>
+              <a:t>Language</a:t>
+            </a:r>
+            <a:r>
+              <a:rPr lang="pt-BR" sz="1400" dirty="0">
+                <a:solidFill>
+                  <a:srgbClr val="333333"/>
+                </a:solidFill>
+                <a:latin typeface="-apple-system"/>
+              </a:rPr>
+              <a:t> </a:t>
+            </a:r>
+            <a:r>
+              <a:rPr lang="pt-BR" sz="1400" dirty="0" err="1">
+                <a:solidFill>
+                  <a:srgbClr val="333333"/>
+                </a:solidFill>
+                <a:latin typeface="-apple-system"/>
+              </a:rPr>
+              <a:t>Processing</a:t>
+            </a:r>
+            <a:r>
+              <a:rPr lang="pt-BR" sz="1400" dirty="0">
+                <a:solidFill>
+                  <a:srgbClr val="333333"/>
+                </a:solidFill>
+                <a:latin typeface="-apple-system"/>
+              </a:rPr>
+              <a:t> </a:t>
+            </a:r>
+            <a:r>
+              <a:rPr lang="pt-BR" sz="1400" dirty="0" err="1">
+                <a:solidFill>
+                  <a:srgbClr val="333333"/>
+                </a:solidFill>
+                <a:latin typeface="-apple-system"/>
+              </a:rPr>
+              <a:t>and</a:t>
+            </a:r>
+            <a:r>
+              <a:rPr lang="pt-BR" sz="1400" dirty="0">
+                <a:solidFill>
+                  <a:srgbClr val="333333"/>
+                </a:solidFill>
+                <a:latin typeface="-apple-system"/>
+              </a:rPr>
+              <a:t> </a:t>
+            </a:r>
+            <a:r>
+              <a:rPr lang="pt-BR" sz="1400" dirty="0" err="1">
+                <a:solidFill>
+                  <a:srgbClr val="333333"/>
+                </a:solidFill>
+                <a:latin typeface="-apple-system"/>
+              </a:rPr>
+              <a:t>the</a:t>
+            </a:r>
+            <a:r>
+              <a:rPr lang="pt-BR" sz="1400" dirty="0">
+                <a:solidFill>
+                  <a:srgbClr val="333333"/>
+                </a:solidFill>
+                <a:latin typeface="-apple-system"/>
+              </a:rPr>
+              <a:t> 9th </a:t>
+            </a:r>
+            <a:r>
+              <a:rPr lang="pt-BR" sz="1400" dirty="0" err="1">
+                <a:solidFill>
+                  <a:srgbClr val="333333"/>
+                </a:solidFill>
+                <a:latin typeface="-apple-system"/>
+              </a:rPr>
+              <a:t>International</a:t>
+            </a:r>
+            <a:r>
+              <a:rPr lang="pt-BR" sz="1400" dirty="0">
+                <a:solidFill>
+                  <a:srgbClr val="333333"/>
+                </a:solidFill>
+                <a:latin typeface="-apple-system"/>
+              </a:rPr>
+              <a:t> Joint </a:t>
+            </a:r>
+            <a:r>
+              <a:rPr lang="pt-BR" sz="1400" dirty="0" err="1">
+                <a:solidFill>
+                  <a:srgbClr val="333333"/>
+                </a:solidFill>
+                <a:latin typeface="-apple-system"/>
+              </a:rPr>
+              <a:t>Conference</a:t>
+            </a:r>
+            <a:r>
+              <a:rPr lang="pt-BR" sz="1400" dirty="0">
+                <a:solidFill>
+                  <a:srgbClr val="333333"/>
+                </a:solidFill>
+                <a:latin typeface="-apple-system"/>
+              </a:rPr>
+              <a:t> </a:t>
+            </a:r>
+            <a:r>
+              <a:rPr lang="pt-BR" sz="1400" dirty="0" err="1">
+                <a:solidFill>
+                  <a:srgbClr val="333333"/>
+                </a:solidFill>
+                <a:latin typeface="-apple-system"/>
+              </a:rPr>
+              <a:t>on</a:t>
+            </a:r>
+            <a:r>
+              <a:rPr lang="pt-BR" sz="1400" dirty="0">
+                <a:solidFill>
+                  <a:srgbClr val="333333"/>
+                </a:solidFill>
+                <a:latin typeface="-apple-system"/>
+              </a:rPr>
+              <a:t> Natural </a:t>
+            </a:r>
+            <a:r>
+              <a:rPr lang="pt-BR" sz="1400" dirty="0" err="1">
+                <a:solidFill>
+                  <a:srgbClr val="333333"/>
+                </a:solidFill>
+                <a:latin typeface="-apple-system"/>
+              </a:rPr>
+              <a:t>Language</a:t>
+            </a:r>
+            <a:r>
+              <a:rPr lang="pt-BR" sz="1400" dirty="0">
+                <a:solidFill>
+                  <a:srgbClr val="333333"/>
+                </a:solidFill>
+                <a:latin typeface="-apple-system"/>
+              </a:rPr>
+              <a:t> </a:t>
+            </a:r>
+            <a:r>
+              <a:rPr lang="pt-BR" sz="1400" dirty="0" err="1">
+                <a:solidFill>
+                  <a:srgbClr val="333333"/>
+                </a:solidFill>
+                <a:latin typeface="-apple-system"/>
+              </a:rPr>
+              <a:t>Processing</a:t>
+            </a:r>
+            <a:r>
+              <a:rPr lang="pt-BR" sz="1400" dirty="0">
+                <a:solidFill>
+                  <a:srgbClr val="333333"/>
+                </a:solidFill>
+                <a:latin typeface="-apple-system"/>
+              </a:rPr>
+              <a:t> (EMNLP-IJCNLP), </a:t>
+            </a:r>
+            <a:r>
+              <a:rPr lang="pt-BR" sz="1400" dirty="0" err="1">
+                <a:solidFill>
+                  <a:srgbClr val="333333"/>
+                </a:solidFill>
+                <a:latin typeface="-apple-system"/>
+              </a:rPr>
+              <a:t>pages</a:t>
+            </a:r>
+            <a:r>
+              <a:rPr lang="pt-BR" sz="1400" dirty="0">
+                <a:solidFill>
+                  <a:srgbClr val="333333"/>
+                </a:solidFill>
+                <a:latin typeface="-apple-system"/>
+              </a:rPr>
+              <a:t> 6382–6388, Hong Kong, China. </a:t>
+            </a:r>
+            <a:r>
+              <a:rPr lang="pt-BR" sz="1400" dirty="0" err="1">
+                <a:solidFill>
+                  <a:srgbClr val="333333"/>
+                </a:solidFill>
+                <a:latin typeface="-apple-system"/>
+              </a:rPr>
+              <a:t>Association</a:t>
+            </a:r>
+            <a:r>
+              <a:rPr lang="pt-BR" sz="1400" dirty="0">
+                <a:solidFill>
+                  <a:srgbClr val="333333"/>
+                </a:solidFill>
+                <a:latin typeface="-apple-system"/>
+              </a:rPr>
+              <a:t> for </a:t>
+            </a:r>
+            <a:r>
+              <a:rPr lang="pt-BR" sz="1400" dirty="0" err="1">
+                <a:solidFill>
+                  <a:srgbClr val="333333"/>
+                </a:solidFill>
+                <a:latin typeface="-apple-system"/>
+              </a:rPr>
+              <a:t>Computational</a:t>
+            </a:r>
+            <a:r>
+              <a:rPr lang="pt-BR" sz="1400" dirty="0">
+                <a:solidFill>
+                  <a:srgbClr val="333333"/>
+                </a:solidFill>
+                <a:latin typeface="-apple-system"/>
+              </a:rPr>
+              <a:t> </a:t>
+            </a:r>
+            <a:r>
+              <a:rPr lang="pt-BR" sz="1400" dirty="0" err="1">
+                <a:solidFill>
+                  <a:srgbClr val="333333"/>
+                </a:solidFill>
+                <a:latin typeface="-apple-system"/>
+              </a:rPr>
+              <a:t>Linguistics</a:t>
+            </a:r>
+            <a:r>
+              <a:rPr lang="pt-BR" sz="1400" dirty="0">
+                <a:solidFill>
+                  <a:srgbClr val="333333"/>
+                </a:solidFill>
+                <a:latin typeface="-apple-system"/>
+              </a:rPr>
+              <a:t>.</a:t>
+            </a:r>
+          </a:p>
+          <a:p>
+            <a:pPr marL="0" indent="0">
+              <a:buNone/>
+            </a:pPr>
+            <a:endParaRPr lang="pt-BR" sz="1600" dirty="0">
+              <a:solidFill>
+                <a:schemeClr val="tx1"/>
+              </a:solidFill>
+              <a:latin typeface="Arial" panose="020B0604020202020204" pitchFamily="34" charset="0"/>
+              <a:cs typeface="Arial" panose="020B0604020202020204" pitchFamily="34" charset="0"/>
+            </a:endParaRPr>
           </a:p>
         </p:txBody>
       </p:sp>
@@ -6987,7 +10488,7 @@
           <p:nvPr/>
         </p:nvPicPr>
         <p:blipFill>
-          <a:blip r:embed="rId2" cstate="print">
+          <a:blip r:embed="rId3" cstate="print">
             <a:extLst>
               <a:ext uri="{28A0092B-C50C-407E-A947-70E740481C1C}">
                 <a14:useLocalDpi xmlns:a14="http://schemas.microsoft.com/office/drawing/2010/main" val="0"/>
@@ -8227,27 +11728,7 @@
                 <a:latin typeface="Arial" panose="020B0604020202020204" pitchFamily="34" charset="0"/>
                 <a:cs typeface="Arial" panose="020B0604020202020204" pitchFamily="34" charset="0"/>
               </a:rPr>
-              <a:t> Aplicar algoritmos de Data </a:t>
-            </a:r>
-            <a:r>
-              <a:rPr lang="pt-BR" sz="1600" b="1" dirty="0" err="1">
-                <a:solidFill>
-                  <a:prstClr val="black"/>
-                </a:solidFill>
-                <a:latin typeface="Arial" panose="020B0604020202020204" pitchFamily="34" charset="0"/>
-                <a:cs typeface="Arial" panose="020B0604020202020204" pitchFamily="34" charset="0"/>
-              </a:rPr>
-              <a:t>Augmentation</a:t>
-            </a:r>
-            <a:r>
-              <a:rPr lang="pt-BR" sz="1600" b="1" dirty="0">
-                <a:solidFill>
-                  <a:prstClr val="black"/>
-                </a:solidFill>
-                <a:latin typeface="Arial" panose="020B0604020202020204" pitchFamily="34" charset="0"/>
-                <a:cs typeface="Arial" panose="020B0604020202020204" pitchFamily="34" charset="0"/>
-              </a:rPr>
-              <a:t> para testar a eficácia.</a:t>
+              <a:t> Aplicar algoritmos de Data Augmentation para testar a eficácia.</a:t>
             </a:r>
           </a:p>
         </p:txBody>
@@ -8929,31 +12410,35 @@
           </a:p>
         </p:txBody>
       </p:sp>
-      <p:sp>
-        <p:nvSpPr>
-          <p:cNvPr id="3" name="Espaço Reservado para Conteúdo 2">
+      <p:pic>
+        <p:nvPicPr>
+          <p:cNvPr id="7" name="Espaço Reservado para Conteúdo 6">
             <a:extLst>
               <a:ext uri="{FF2B5EF4-FFF2-40B4-BE49-F238E27FC236}">
-                <a16:creationId xmlns:a16="http://schemas.microsoft.com/office/drawing/2014/main" id="{0CC67115-8C0A-C9E6-87FD-5AE6443F1112}"/>
+                <a16:creationId xmlns:a16="http://schemas.microsoft.com/office/drawing/2014/main" id="{28092F38-3775-599F-0599-0531317B2AAB}"/>
               </a:ext>
             </a:extLst>
           </p:cNvPr>
-          <p:cNvSpPr>
-            <a:spLocks noGrp="1"/>
-          </p:cNvSpPr>
+          <p:cNvPicPr>
+            <a:picLocks noGrp="1" noChangeAspect="1"/>
+          </p:cNvPicPr>
           <p:nvPr>
             <p:ph idx="1"/>
           </p:nvPr>
-        </p:nvSpPr>
-        <p:spPr/>
-        <p:txBody>
-          <a:bodyPr/>
-          <a:lstStyle/>
-          <a:p>
-            <a:endParaRPr lang="pt-BR" dirty="0"/>
-          </a:p>
-        </p:txBody>
-      </p:sp>
+        </p:nvPicPr>
+        <p:blipFill>
+          <a:blip r:embed="rId2"/>
+          <a:stretch>
+            <a:fillRect/>
+          </a:stretch>
+        </p:blipFill>
+        <p:spPr>
+          <a:xfrm>
+            <a:off x="1097279" y="5180810"/>
+            <a:ext cx="2687069" cy="660633"/>
+          </a:xfrm>
+        </p:spPr>
+      </p:pic>
       <p:sp>
         <p:nvSpPr>
           <p:cNvPr id="4" name="Espaço Reservado para Rodapé 3">
@@ -9002,7 +12487,7 @@
           <p:nvPr/>
         </p:nvPicPr>
         <p:blipFill>
-          <a:blip r:embed="rId2" cstate="print">
+          <a:blip r:embed="rId3" cstate="print">
             <a:extLst>
               <a:ext uri="{28A0092B-C50C-407E-A947-70E740481C1C}">
                 <a14:useLocalDpi xmlns:a14="http://schemas.microsoft.com/office/drawing/2010/main" val="0"/>
@@ -9017,6 +12502,36 @@
           <a:xfrm>
             <a:off x="118159" y="6470866"/>
             <a:ext cx="373152" cy="332105"/>
+          </a:xfrm>
+          <a:prstGeom prst="rect">
+            <a:avLst/>
+          </a:prstGeom>
+        </p:spPr>
+      </p:pic>
+      <p:pic>
+        <p:nvPicPr>
+          <p:cNvPr id="11" name="Imagem 10">
+            <a:extLst>
+              <a:ext uri="{FF2B5EF4-FFF2-40B4-BE49-F238E27FC236}">
+                <a16:creationId xmlns:a16="http://schemas.microsoft.com/office/drawing/2014/main" id="{2FD829B6-5AEF-B7B9-620F-57AC422F2FC6}"/>
+              </a:ext>
+            </a:extLst>
+          </p:cNvPr>
+          <p:cNvPicPr>
+            <a:picLocks noChangeAspect="1"/>
+          </p:cNvPicPr>
+          <p:nvPr/>
+        </p:nvPicPr>
+        <p:blipFill>
+          <a:blip r:embed="rId4"/>
+          <a:stretch>
+            <a:fillRect/>
+          </a:stretch>
+        </p:blipFill>
+        <p:spPr>
+          <a:xfrm>
+            <a:off x="1097279" y="1764248"/>
+            <a:ext cx="7419975" cy="3000375"/>
           </a:xfrm>
           <a:prstGeom prst="rect">
             <a:avLst/>
@@ -9058,7 +12573,1792 @@
           <p:cNvPr id="3" name="Espaço Reservado para Conteúdo 2">
             <a:extLst>
               <a:ext uri="{FF2B5EF4-FFF2-40B4-BE49-F238E27FC236}">
-                <a16:creationId xmlns:a16="http://schemas.microsoft.com/office/drawing/2014/main" id="{805A83F4-46D9-B4ED-60A3-B7F54D2925C3}"/>
+                <a16:creationId xmlns:a16="http://schemas.microsoft.com/office/drawing/2014/main" id="{1835E46D-78AE-F72A-A20E-01E41922368F}"/>
+              </a:ext>
+            </a:extLst>
+          </p:cNvPr>
+          <p:cNvSpPr>
+            <a:spLocks noGrp="1"/>
+          </p:cNvSpPr>
+          <p:nvPr>
+            <p:ph idx="1"/>
+          </p:nvPr>
+        </p:nvSpPr>
+        <p:spPr>
+          <a:xfrm>
+            <a:off x="1097280" y="4476826"/>
+            <a:ext cx="10058400" cy="323850"/>
+          </a:xfrm>
+        </p:spPr>
+        <p:txBody>
+          <a:bodyPr>
+            <a:normAutofit/>
+          </a:bodyPr>
+          <a:lstStyle/>
+          <a:p>
+            <a:pPr algn="l">
+              <a:buClr>
+                <a:schemeClr val="tx1"/>
+              </a:buClr>
+              <a:buFont typeface="Wingdings" panose="05000000000000000000" pitchFamily="2" charset="2"/>
+              <a:buChar char="Ø"/>
+            </a:pPr>
+            <a:r>
+              <a:rPr lang="en-US" sz="1400" dirty="0">
+                <a:solidFill>
+                  <a:srgbClr val="222222"/>
+                </a:solidFill>
+                <a:latin typeface="Arial" panose="020B0604020202020204" pitchFamily="34" charset="0"/>
+                <a:cs typeface="Arial" panose="020B0604020202020204" pitchFamily="34" charset="0"/>
+              </a:rPr>
+              <a:t> Forget gate: </a:t>
+            </a:r>
+            <a:r>
+              <a:rPr lang="en-US" sz="1400" b="0" i="0" dirty="0">
+                <a:solidFill>
+                  <a:srgbClr val="222222"/>
+                </a:solidFill>
+                <a:effectLst/>
+                <a:latin typeface="Arial" panose="020B0604020202020204" pitchFamily="34" charset="0"/>
+                <a:cs typeface="Arial" panose="020B0604020202020204" pitchFamily="34" charset="0"/>
+              </a:rPr>
+              <a:t>Controla o que é mantido ou esquecido do estado anterior da célula.</a:t>
+            </a:r>
+          </a:p>
+          <a:p>
+            <a:endParaRPr lang="pt-BR" dirty="0"/>
+          </a:p>
+        </p:txBody>
+      </p:sp>
+      <p:pic>
+        <p:nvPicPr>
+          <p:cNvPr id="7" name="Imagem 6">
+            <a:extLst>
+              <a:ext uri="{FF2B5EF4-FFF2-40B4-BE49-F238E27FC236}">
+                <a16:creationId xmlns:a16="http://schemas.microsoft.com/office/drawing/2014/main" id="{01636E68-859B-1D27-5A58-6DDA05DD0F90}"/>
+              </a:ext>
+            </a:extLst>
+          </p:cNvPr>
+          <p:cNvPicPr>
+            <a:picLocks noChangeAspect="1"/>
+          </p:cNvPicPr>
+          <p:nvPr/>
+        </p:nvPicPr>
+        <p:blipFill>
+          <a:blip r:embed="rId3"/>
+          <a:stretch>
+            <a:fillRect/>
+          </a:stretch>
+        </p:blipFill>
+        <p:spPr>
+          <a:xfrm>
+            <a:off x="8732332" y="4425727"/>
+            <a:ext cx="2524125" cy="323850"/>
+          </a:xfrm>
+          <a:prstGeom prst="rect">
+            <a:avLst/>
+          </a:prstGeom>
+        </p:spPr>
+      </p:pic>
+      <p:sp>
+        <p:nvSpPr>
+          <p:cNvPr id="8" name="Título 1">
+            <a:extLst>
+              <a:ext uri="{FF2B5EF4-FFF2-40B4-BE49-F238E27FC236}">
+                <a16:creationId xmlns:a16="http://schemas.microsoft.com/office/drawing/2014/main" id="{1C840670-83F4-A206-70BA-C3A25D3B33FD}"/>
+              </a:ext>
+            </a:extLst>
+          </p:cNvPr>
+          <p:cNvSpPr>
+            <a:spLocks noGrp="1"/>
+          </p:cNvSpPr>
+          <p:nvPr>
+            <p:ph type="title"/>
+          </p:nvPr>
+        </p:nvSpPr>
+        <p:spPr>
+          <a:xfrm>
+            <a:off x="1097280" y="651850"/>
+            <a:ext cx="10058400" cy="696211"/>
+          </a:xfrm>
+        </p:spPr>
+        <p:txBody>
+          <a:bodyPr vert="horz" lIns="91440" tIns="45720" rIns="91440" bIns="45720" rtlCol="0" anchor="b">
+            <a:normAutofit/>
+          </a:bodyPr>
+          <a:lstStyle/>
+          <a:p>
+            <a:pPr marL="457200" indent="-457200">
+              <a:buFont typeface="Arial" panose="020B0604020202020204" pitchFamily="34" charset="0"/>
+              <a:buChar char="•"/>
+            </a:pPr>
+            <a:r>
+              <a:rPr lang="pt-BR" sz="2000" b="1" dirty="0">
+                <a:solidFill>
+                  <a:schemeClr val="tx1"/>
+                </a:solidFill>
+                <a:latin typeface="Arial" panose="020B0604020202020204" pitchFamily="34" charset="0"/>
+                <a:cs typeface="Arial" panose="020B0604020202020204" pitchFamily="34" charset="0"/>
+              </a:rPr>
+              <a:t>2. MODELOS</a:t>
+            </a:r>
+            <a:br>
+              <a:rPr lang="pt-BR" sz="2000" b="1" dirty="0">
+                <a:solidFill>
+                  <a:schemeClr val="tx1"/>
+                </a:solidFill>
+                <a:latin typeface="Arial" panose="020B0604020202020204" pitchFamily="34" charset="0"/>
+                <a:cs typeface="Arial" panose="020B0604020202020204" pitchFamily="34" charset="0"/>
+              </a:rPr>
+            </a:br>
+            <a:r>
+              <a:rPr lang="pt-BR" sz="2000" b="1" dirty="0">
+                <a:solidFill>
+                  <a:schemeClr val="tx1"/>
+                </a:solidFill>
+                <a:latin typeface="Arial" panose="020B0604020202020204" pitchFamily="34" charset="0"/>
+                <a:cs typeface="Arial" panose="020B0604020202020204" pitchFamily="34" charset="0"/>
+              </a:rPr>
+              <a:t>	</a:t>
+            </a:r>
+            <a:r>
+              <a:rPr lang="pt-BR" sz="1600" b="1" dirty="0">
+                <a:solidFill>
+                  <a:schemeClr val="tx1"/>
+                </a:solidFill>
+                <a:latin typeface="Arial" panose="020B0604020202020204" pitchFamily="34" charset="0"/>
+                <a:cs typeface="Arial" panose="020B0604020202020204" pitchFamily="34" charset="0"/>
+              </a:rPr>
+              <a:t>2.2. LSTM</a:t>
+            </a:r>
+          </a:p>
+        </p:txBody>
+      </p:sp>
+      <p:sp>
+        <p:nvSpPr>
+          <p:cNvPr id="10" name="CaixaDeTexto 9">
+            <a:extLst>
+              <a:ext uri="{FF2B5EF4-FFF2-40B4-BE49-F238E27FC236}">
+                <a16:creationId xmlns:a16="http://schemas.microsoft.com/office/drawing/2014/main" id="{B8DF29A2-4083-5666-6B45-DE2577E20AFF}"/>
+              </a:ext>
+            </a:extLst>
+          </p:cNvPr>
+          <p:cNvSpPr txBox="1"/>
+          <p:nvPr/>
+        </p:nvSpPr>
+        <p:spPr>
+          <a:xfrm>
+            <a:off x="1097279" y="4802222"/>
+            <a:ext cx="7313389" cy="300278"/>
+          </a:xfrm>
+          <a:prstGeom prst="rect">
+            <a:avLst/>
+          </a:prstGeom>
+        </p:spPr>
+        <p:txBody>
+          <a:bodyPr vert="horz" lIns="0" tIns="45720" rIns="0" bIns="45720" rtlCol="0">
+            <a:normAutofit fontScale="92500"/>
+          </a:bodyPr>
+          <a:lstStyle>
+            <a:lvl1pPr marL="91440" indent="-91440" defTabSz="914400">
+              <a:lnSpc>
+                <a:spcPct val="90000"/>
+              </a:lnSpc>
+              <a:spcBef>
+                <a:spcPts val="1200"/>
+              </a:spcBef>
+              <a:spcAft>
+                <a:spcPts val="200"/>
+              </a:spcAft>
+              <a:buClr>
+                <a:schemeClr val="accent1"/>
+              </a:buClr>
+              <a:buSzPct val="100000"/>
+              <a:buFont typeface="Arial" panose="020B0604020202020204" pitchFamily="34" charset="0"/>
+              <a:buChar char="•"/>
+              <a:defRPr sz="1400" b="0" i="0">
+                <a:solidFill>
+                  <a:srgbClr val="008000"/>
+                </a:solidFill>
+                <a:effectLst/>
+                <a:latin typeface="Arial" panose="020B0604020202020204" pitchFamily="34" charset="0"/>
+                <a:cs typeface="Arial" panose="020B0604020202020204" pitchFamily="34" charset="0"/>
+              </a:defRPr>
+            </a:lvl1pPr>
+            <a:lvl2pPr marL="384048" indent="-182880" defTabSz="914400">
+              <a:lnSpc>
+                <a:spcPct val="90000"/>
+              </a:lnSpc>
+              <a:spcBef>
+                <a:spcPts val="200"/>
+              </a:spcBef>
+              <a:spcAft>
+                <a:spcPts val="400"/>
+              </a:spcAft>
+              <a:buClr>
+                <a:schemeClr val="accent1"/>
+              </a:buClr>
+              <a:buFont typeface="Calibri" pitchFamily="34" charset="0"/>
+              <a:buChar char="◦"/>
+              <a:defRPr>
+                <a:solidFill>
+                  <a:schemeClr val="tx1">
+                    <a:lumMod val="75000"/>
+                    <a:lumOff val="25000"/>
+                  </a:schemeClr>
+                </a:solidFill>
+              </a:defRPr>
+            </a:lvl2pPr>
+            <a:lvl3pPr marL="566928" indent="-182880" defTabSz="914400">
+              <a:lnSpc>
+                <a:spcPct val="90000"/>
+              </a:lnSpc>
+              <a:spcBef>
+                <a:spcPts val="200"/>
+              </a:spcBef>
+              <a:spcAft>
+                <a:spcPts val="400"/>
+              </a:spcAft>
+              <a:buClr>
+                <a:schemeClr val="accent1"/>
+              </a:buClr>
+              <a:buFont typeface="Calibri" pitchFamily="34" charset="0"/>
+              <a:buChar char="◦"/>
+              <a:defRPr sz="1400">
+                <a:solidFill>
+                  <a:schemeClr val="tx1">
+                    <a:lumMod val="75000"/>
+                    <a:lumOff val="25000"/>
+                  </a:schemeClr>
+                </a:solidFill>
+              </a:defRPr>
+            </a:lvl3pPr>
+            <a:lvl4pPr marL="749808" indent="-182880" defTabSz="914400">
+              <a:lnSpc>
+                <a:spcPct val="90000"/>
+              </a:lnSpc>
+              <a:spcBef>
+                <a:spcPts val="200"/>
+              </a:spcBef>
+              <a:spcAft>
+                <a:spcPts val="400"/>
+              </a:spcAft>
+              <a:buClr>
+                <a:schemeClr val="accent1"/>
+              </a:buClr>
+              <a:buFont typeface="Calibri" pitchFamily="34" charset="0"/>
+              <a:buChar char="◦"/>
+              <a:defRPr sz="1400">
+                <a:solidFill>
+                  <a:schemeClr val="tx1">
+                    <a:lumMod val="75000"/>
+                    <a:lumOff val="25000"/>
+                  </a:schemeClr>
+                </a:solidFill>
+              </a:defRPr>
+            </a:lvl4pPr>
+            <a:lvl5pPr marL="932688" indent="-182880" defTabSz="914400">
+              <a:lnSpc>
+                <a:spcPct val="90000"/>
+              </a:lnSpc>
+              <a:spcBef>
+                <a:spcPts val="200"/>
+              </a:spcBef>
+              <a:spcAft>
+                <a:spcPts val="400"/>
+              </a:spcAft>
+              <a:buClr>
+                <a:schemeClr val="accent1"/>
+              </a:buClr>
+              <a:buFont typeface="Calibri" pitchFamily="34" charset="0"/>
+              <a:buChar char="◦"/>
+              <a:defRPr sz="1400">
+                <a:solidFill>
+                  <a:schemeClr val="tx1">
+                    <a:lumMod val="75000"/>
+                    <a:lumOff val="25000"/>
+                  </a:schemeClr>
+                </a:solidFill>
+              </a:defRPr>
+            </a:lvl5pPr>
+            <a:lvl6pPr marL="1100000" indent="-228600" defTabSz="914400">
+              <a:lnSpc>
+                <a:spcPct val="90000"/>
+              </a:lnSpc>
+              <a:spcBef>
+                <a:spcPts val="200"/>
+              </a:spcBef>
+              <a:spcAft>
+                <a:spcPts val="400"/>
+              </a:spcAft>
+              <a:buClr>
+                <a:schemeClr val="accent1"/>
+              </a:buClr>
+              <a:buFont typeface="Calibri" pitchFamily="34" charset="0"/>
+              <a:buChar char="◦"/>
+              <a:defRPr sz="1400">
+                <a:solidFill>
+                  <a:schemeClr val="tx1">
+                    <a:lumMod val="75000"/>
+                    <a:lumOff val="25000"/>
+                  </a:schemeClr>
+                </a:solidFill>
+              </a:defRPr>
+            </a:lvl6pPr>
+            <a:lvl7pPr marL="1300000" indent="-228600" defTabSz="914400">
+              <a:lnSpc>
+                <a:spcPct val="90000"/>
+              </a:lnSpc>
+              <a:spcBef>
+                <a:spcPts val="200"/>
+              </a:spcBef>
+              <a:spcAft>
+                <a:spcPts val="400"/>
+              </a:spcAft>
+              <a:buClr>
+                <a:schemeClr val="accent1"/>
+              </a:buClr>
+              <a:buFont typeface="Calibri" pitchFamily="34" charset="0"/>
+              <a:buChar char="◦"/>
+              <a:defRPr sz="1400">
+                <a:solidFill>
+                  <a:schemeClr val="tx1">
+                    <a:lumMod val="75000"/>
+                    <a:lumOff val="25000"/>
+                  </a:schemeClr>
+                </a:solidFill>
+              </a:defRPr>
+            </a:lvl7pPr>
+            <a:lvl8pPr marL="1500000" indent="-228600" defTabSz="914400">
+              <a:lnSpc>
+                <a:spcPct val="90000"/>
+              </a:lnSpc>
+              <a:spcBef>
+                <a:spcPts val="200"/>
+              </a:spcBef>
+              <a:spcAft>
+                <a:spcPts val="400"/>
+              </a:spcAft>
+              <a:buClr>
+                <a:schemeClr val="accent1"/>
+              </a:buClr>
+              <a:buFont typeface="Calibri" pitchFamily="34" charset="0"/>
+              <a:buChar char="◦"/>
+              <a:defRPr sz="1400">
+                <a:solidFill>
+                  <a:schemeClr val="tx1">
+                    <a:lumMod val="75000"/>
+                    <a:lumOff val="25000"/>
+                  </a:schemeClr>
+                </a:solidFill>
+              </a:defRPr>
+            </a:lvl8pPr>
+            <a:lvl9pPr marL="1700000" indent="-228600" defTabSz="914400">
+              <a:lnSpc>
+                <a:spcPct val="90000"/>
+              </a:lnSpc>
+              <a:spcBef>
+                <a:spcPts val="200"/>
+              </a:spcBef>
+              <a:spcAft>
+                <a:spcPts val="400"/>
+              </a:spcAft>
+              <a:buClr>
+                <a:schemeClr val="accent1"/>
+              </a:buClr>
+              <a:buFont typeface="Calibri" pitchFamily="34" charset="0"/>
+              <a:buChar char="◦"/>
+              <a:defRPr sz="1400">
+                <a:solidFill>
+                  <a:schemeClr val="tx1">
+                    <a:lumMod val="75000"/>
+                    <a:lumOff val="25000"/>
+                  </a:schemeClr>
+                </a:solidFill>
+              </a:defRPr>
+            </a:lvl9pPr>
+          </a:lstStyle>
+          <a:p>
+            <a:pPr>
+              <a:buClrTx/>
+              <a:buFont typeface="Wingdings" panose="05000000000000000000" pitchFamily="2" charset="2"/>
+              <a:buChar char="Ø"/>
+            </a:pPr>
+            <a:r>
+              <a:rPr lang="en-US" sz="1500" dirty="0">
+                <a:solidFill>
+                  <a:srgbClr val="222222"/>
+                </a:solidFill>
+              </a:rPr>
+              <a:t> Input gate: Controla quais partes do novo conteúdo da célula que </a:t>
+            </a:r>
+            <a:r>
+              <a:rPr lang="en-US" sz="1500" dirty="0" err="1">
+                <a:solidFill>
+                  <a:srgbClr val="222222"/>
+                </a:solidFill>
+              </a:rPr>
+              <a:t>será</a:t>
+            </a:r>
+            <a:r>
+              <a:rPr lang="en-US" sz="1500" dirty="0">
+                <a:solidFill>
+                  <a:srgbClr val="222222"/>
+                </a:solidFill>
+              </a:rPr>
+              <a:t> escrita na célula.</a:t>
+            </a:r>
+          </a:p>
+        </p:txBody>
+      </p:sp>
+      <p:pic>
+        <p:nvPicPr>
+          <p:cNvPr id="14" name="Imagem 13">
+            <a:extLst>
+              <a:ext uri="{FF2B5EF4-FFF2-40B4-BE49-F238E27FC236}">
+                <a16:creationId xmlns:a16="http://schemas.microsoft.com/office/drawing/2014/main" id="{6FAB3793-D9C7-1A9D-A160-947736E1F3DA}"/>
+              </a:ext>
+            </a:extLst>
+          </p:cNvPr>
+          <p:cNvPicPr>
+            <a:picLocks noChangeAspect="1"/>
+          </p:cNvPicPr>
+          <p:nvPr/>
+        </p:nvPicPr>
+        <p:blipFill>
+          <a:blip r:embed="rId4"/>
+          <a:stretch>
+            <a:fillRect/>
+          </a:stretch>
+        </p:blipFill>
+        <p:spPr>
+          <a:xfrm>
+            <a:off x="3013186" y="1772681"/>
+            <a:ext cx="6165623" cy="2627147"/>
+          </a:xfrm>
+          <a:prstGeom prst="rect">
+            <a:avLst/>
+          </a:prstGeom>
+        </p:spPr>
+      </p:pic>
+      <p:pic>
+        <p:nvPicPr>
+          <p:cNvPr id="16" name="Imagem 15">
+            <a:extLst>
+              <a:ext uri="{FF2B5EF4-FFF2-40B4-BE49-F238E27FC236}">
+                <a16:creationId xmlns:a16="http://schemas.microsoft.com/office/drawing/2014/main" id="{BE8C700F-220B-DB5D-89C3-38C3FF35824B}"/>
+              </a:ext>
+            </a:extLst>
+          </p:cNvPr>
+          <p:cNvPicPr>
+            <a:picLocks noChangeAspect="1"/>
+          </p:cNvPicPr>
+          <p:nvPr/>
+        </p:nvPicPr>
+        <p:blipFill>
+          <a:blip r:embed="rId5"/>
+          <a:stretch>
+            <a:fillRect/>
+          </a:stretch>
+        </p:blipFill>
+        <p:spPr>
+          <a:xfrm>
+            <a:off x="8745855" y="4778152"/>
+            <a:ext cx="2409825" cy="314325"/>
+          </a:xfrm>
+          <a:prstGeom prst="rect">
+            <a:avLst/>
+          </a:prstGeom>
+        </p:spPr>
+      </p:pic>
+      <p:sp>
+        <p:nvSpPr>
+          <p:cNvPr id="17" name="Espaço Reservado para Rodapé 3">
+            <a:extLst>
+              <a:ext uri="{FF2B5EF4-FFF2-40B4-BE49-F238E27FC236}">
+                <a16:creationId xmlns:a16="http://schemas.microsoft.com/office/drawing/2014/main" id="{70FCED49-267F-6D7F-4016-16B44394FB80}"/>
+              </a:ext>
+            </a:extLst>
+          </p:cNvPr>
+          <p:cNvSpPr>
+            <a:spLocks noGrp="1"/>
+          </p:cNvSpPr>
+          <p:nvPr>
+            <p:ph type="ftr" sz="quarter" idx="11"/>
+          </p:nvPr>
+        </p:nvSpPr>
+        <p:spPr>
+          <a:xfrm>
+            <a:off x="3684596" y="6455648"/>
+            <a:ext cx="4822804" cy="365125"/>
+          </a:xfrm>
+        </p:spPr>
+        <p:txBody>
+          <a:bodyPr/>
+          <a:lstStyle/>
+          <a:p>
+            <a:r>
+              <a:rPr lang="pt-BR" dirty="0"/>
+              <a:t>Aprendizado Profundo - 2023</a:t>
+            </a:r>
+          </a:p>
+        </p:txBody>
+      </p:sp>
+      <p:pic>
+        <p:nvPicPr>
+          <p:cNvPr id="18" name="Imagem 17" descr="Janela de vidro&#10;&#10;Descrição gerada automaticamente com confiança média">
+            <a:extLst>
+              <a:ext uri="{FF2B5EF4-FFF2-40B4-BE49-F238E27FC236}">
+                <a16:creationId xmlns:a16="http://schemas.microsoft.com/office/drawing/2014/main" id="{D8797AD2-41F3-717C-8168-E47ACB584275}"/>
+              </a:ext>
+            </a:extLst>
+          </p:cNvPr>
+          <p:cNvPicPr>
+            <a:picLocks noChangeAspect="1"/>
+          </p:cNvPicPr>
+          <p:nvPr/>
+        </p:nvPicPr>
+        <p:blipFill>
+          <a:blip r:embed="rId6" cstate="print">
+            <a:extLst>
+              <a:ext uri="{28A0092B-C50C-407E-A947-70E740481C1C}">
+                <a14:useLocalDpi xmlns:a14="http://schemas.microsoft.com/office/drawing/2010/main" val="0"/>
+              </a:ext>
+            </a:extLst>
+          </a:blip>
+          <a:stretch>
+            <a:fillRect/>
+          </a:stretch>
+        </p:blipFill>
+        <p:spPr>
+          <a:xfrm>
+            <a:off x="118159" y="6470866"/>
+            <a:ext cx="373152" cy="332105"/>
+          </a:xfrm>
+          <a:prstGeom prst="rect">
+            <a:avLst/>
+          </a:prstGeom>
+        </p:spPr>
+      </p:pic>
+      <p:sp>
+        <p:nvSpPr>
+          <p:cNvPr id="20" name="CaixaDeTexto 19">
+            <a:extLst>
+              <a:ext uri="{FF2B5EF4-FFF2-40B4-BE49-F238E27FC236}">
+                <a16:creationId xmlns:a16="http://schemas.microsoft.com/office/drawing/2014/main" id="{9F525B90-6C48-9D72-3C4C-001CA1C58D83}"/>
+              </a:ext>
+            </a:extLst>
+          </p:cNvPr>
+          <p:cNvSpPr txBox="1"/>
+          <p:nvPr/>
+        </p:nvSpPr>
+        <p:spPr>
+          <a:xfrm>
+            <a:off x="1097280" y="5096883"/>
+            <a:ext cx="6380882" cy="286232"/>
+          </a:xfrm>
+          <a:prstGeom prst="rect">
+            <a:avLst/>
+          </a:prstGeom>
+        </p:spPr>
+        <p:txBody>
+          <a:bodyPr vert="horz" lIns="0" tIns="45720" rIns="0" bIns="45720" rtlCol="0">
+            <a:normAutofit/>
+          </a:bodyPr>
+          <a:lstStyle>
+            <a:lvl1pPr marL="91440" indent="-91440" defTabSz="914400">
+              <a:lnSpc>
+                <a:spcPct val="90000"/>
+              </a:lnSpc>
+              <a:spcBef>
+                <a:spcPts val="1200"/>
+              </a:spcBef>
+              <a:spcAft>
+                <a:spcPts val="200"/>
+              </a:spcAft>
+              <a:buClr>
+                <a:schemeClr val="tx1"/>
+              </a:buClr>
+              <a:buSzPct val="100000"/>
+              <a:buFont typeface="Wingdings" panose="05000000000000000000" pitchFamily="2" charset="2"/>
+              <a:buChar char="Ø"/>
+              <a:defRPr sz="1400">
+                <a:solidFill>
+                  <a:srgbClr val="222222"/>
+                </a:solidFill>
+                <a:latin typeface="Arial" panose="020B0604020202020204" pitchFamily="34" charset="0"/>
+                <a:cs typeface="Arial" panose="020B0604020202020204" pitchFamily="34" charset="0"/>
+              </a:defRPr>
+            </a:lvl1pPr>
+            <a:lvl2pPr marL="384048" indent="-182880" defTabSz="914400">
+              <a:lnSpc>
+                <a:spcPct val="90000"/>
+              </a:lnSpc>
+              <a:spcBef>
+                <a:spcPts val="200"/>
+              </a:spcBef>
+              <a:spcAft>
+                <a:spcPts val="400"/>
+              </a:spcAft>
+              <a:buClr>
+                <a:schemeClr val="accent1"/>
+              </a:buClr>
+              <a:buFont typeface="Calibri" pitchFamily="34" charset="0"/>
+              <a:buChar char="◦"/>
+              <a:defRPr>
+                <a:solidFill>
+                  <a:schemeClr val="tx1">
+                    <a:lumMod val="75000"/>
+                    <a:lumOff val="25000"/>
+                  </a:schemeClr>
+                </a:solidFill>
+              </a:defRPr>
+            </a:lvl2pPr>
+            <a:lvl3pPr marL="566928" indent="-182880" defTabSz="914400">
+              <a:lnSpc>
+                <a:spcPct val="90000"/>
+              </a:lnSpc>
+              <a:spcBef>
+                <a:spcPts val="200"/>
+              </a:spcBef>
+              <a:spcAft>
+                <a:spcPts val="400"/>
+              </a:spcAft>
+              <a:buClr>
+                <a:schemeClr val="accent1"/>
+              </a:buClr>
+              <a:buFont typeface="Calibri" pitchFamily="34" charset="0"/>
+              <a:buChar char="◦"/>
+              <a:defRPr sz="1400">
+                <a:solidFill>
+                  <a:schemeClr val="tx1">
+                    <a:lumMod val="75000"/>
+                    <a:lumOff val="25000"/>
+                  </a:schemeClr>
+                </a:solidFill>
+              </a:defRPr>
+            </a:lvl3pPr>
+            <a:lvl4pPr marL="749808" indent="-182880" defTabSz="914400">
+              <a:lnSpc>
+                <a:spcPct val="90000"/>
+              </a:lnSpc>
+              <a:spcBef>
+                <a:spcPts val="200"/>
+              </a:spcBef>
+              <a:spcAft>
+                <a:spcPts val="400"/>
+              </a:spcAft>
+              <a:buClr>
+                <a:schemeClr val="accent1"/>
+              </a:buClr>
+              <a:buFont typeface="Calibri" pitchFamily="34" charset="0"/>
+              <a:buChar char="◦"/>
+              <a:defRPr sz="1400">
+                <a:solidFill>
+                  <a:schemeClr val="tx1">
+                    <a:lumMod val="75000"/>
+                    <a:lumOff val="25000"/>
+                  </a:schemeClr>
+                </a:solidFill>
+              </a:defRPr>
+            </a:lvl4pPr>
+            <a:lvl5pPr marL="932688" indent="-182880" defTabSz="914400">
+              <a:lnSpc>
+                <a:spcPct val="90000"/>
+              </a:lnSpc>
+              <a:spcBef>
+                <a:spcPts val="200"/>
+              </a:spcBef>
+              <a:spcAft>
+                <a:spcPts val="400"/>
+              </a:spcAft>
+              <a:buClr>
+                <a:schemeClr val="accent1"/>
+              </a:buClr>
+              <a:buFont typeface="Calibri" pitchFamily="34" charset="0"/>
+              <a:buChar char="◦"/>
+              <a:defRPr sz="1400">
+                <a:solidFill>
+                  <a:schemeClr val="tx1">
+                    <a:lumMod val="75000"/>
+                    <a:lumOff val="25000"/>
+                  </a:schemeClr>
+                </a:solidFill>
+              </a:defRPr>
+            </a:lvl5pPr>
+            <a:lvl6pPr marL="1100000" indent="-228600" defTabSz="914400">
+              <a:lnSpc>
+                <a:spcPct val="90000"/>
+              </a:lnSpc>
+              <a:spcBef>
+                <a:spcPts val="200"/>
+              </a:spcBef>
+              <a:spcAft>
+                <a:spcPts val="400"/>
+              </a:spcAft>
+              <a:buClr>
+                <a:schemeClr val="accent1"/>
+              </a:buClr>
+              <a:buFont typeface="Calibri" pitchFamily="34" charset="0"/>
+              <a:buChar char="◦"/>
+              <a:defRPr sz="1400">
+                <a:solidFill>
+                  <a:schemeClr val="tx1">
+                    <a:lumMod val="75000"/>
+                    <a:lumOff val="25000"/>
+                  </a:schemeClr>
+                </a:solidFill>
+              </a:defRPr>
+            </a:lvl6pPr>
+            <a:lvl7pPr marL="1300000" indent="-228600" defTabSz="914400">
+              <a:lnSpc>
+                <a:spcPct val="90000"/>
+              </a:lnSpc>
+              <a:spcBef>
+                <a:spcPts val="200"/>
+              </a:spcBef>
+              <a:spcAft>
+                <a:spcPts val="400"/>
+              </a:spcAft>
+              <a:buClr>
+                <a:schemeClr val="accent1"/>
+              </a:buClr>
+              <a:buFont typeface="Calibri" pitchFamily="34" charset="0"/>
+              <a:buChar char="◦"/>
+              <a:defRPr sz="1400">
+                <a:solidFill>
+                  <a:schemeClr val="tx1">
+                    <a:lumMod val="75000"/>
+                    <a:lumOff val="25000"/>
+                  </a:schemeClr>
+                </a:solidFill>
+              </a:defRPr>
+            </a:lvl7pPr>
+            <a:lvl8pPr marL="1500000" indent="-228600" defTabSz="914400">
+              <a:lnSpc>
+                <a:spcPct val="90000"/>
+              </a:lnSpc>
+              <a:spcBef>
+                <a:spcPts val="200"/>
+              </a:spcBef>
+              <a:spcAft>
+                <a:spcPts val="400"/>
+              </a:spcAft>
+              <a:buClr>
+                <a:schemeClr val="accent1"/>
+              </a:buClr>
+              <a:buFont typeface="Calibri" pitchFamily="34" charset="0"/>
+              <a:buChar char="◦"/>
+              <a:defRPr sz="1400">
+                <a:solidFill>
+                  <a:schemeClr val="tx1">
+                    <a:lumMod val="75000"/>
+                    <a:lumOff val="25000"/>
+                  </a:schemeClr>
+                </a:solidFill>
+              </a:defRPr>
+            </a:lvl8pPr>
+            <a:lvl9pPr marL="1700000" indent="-228600" defTabSz="914400">
+              <a:lnSpc>
+                <a:spcPct val="90000"/>
+              </a:lnSpc>
+              <a:spcBef>
+                <a:spcPts val="200"/>
+              </a:spcBef>
+              <a:spcAft>
+                <a:spcPts val="400"/>
+              </a:spcAft>
+              <a:buClr>
+                <a:schemeClr val="accent1"/>
+              </a:buClr>
+              <a:buFont typeface="Calibri" pitchFamily="34" charset="0"/>
+              <a:buChar char="◦"/>
+              <a:defRPr sz="1400">
+                <a:solidFill>
+                  <a:schemeClr val="tx1">
+                    <a:lumMod val="75000"/>
+                    <a:lumOff val="25000"/>
+                  </a:schemeClr>
+                </a:solidFill>
+              </a:defRPr>
+            </a:lvl9pPr>
+          </a:lstStyle>
+          <a:p>
+            <a:r>
+              <a:rPr lang="en-US" dirty="0"/>
+              <a:t> Output gate: Controla o </a:t>
+            </a:r>
+            <a:r>
+              <a:rPr lang="en-US" dirty="0" err="1"/>
+              <a:t>conteudo</a:t>
+            </a:r>
+            <a:r>
+              <a:rPr lang="en-US" dirty="0"/>
+              <a:t> da célula que será a saida do hidden state.</a:t>
+            </a:r>
+          </a:p>
+        </p:txBody>
+      </p:sp>
+      <p:pic>
+        <p:nvPicPr>
+          <p:cNvPr id="22" name="Imagem 21">
+            <a:extLst>
+              <a:ext uri="{FF2B5EF4-FFF2-40B4-BE49-F238E27FC236}">
+                <a16:creationId xmlns:a16="http://schemas.microsoft.com/office/drawing/2014/main" id="{E9444918-9652-C347-9DFD-685AF86A641C}"/>
+              </a:ext>
+            </a:extLst>
+          </p:cNvPr>
+          <p:cNvPicPr>
+            <a:picLocks noChangeAspect="1"/>
+          </p:cNvPicPr>
+          <p:nvPr/>
+        </p:nvPicPr>
+        <p:blipFill>
+          <a:blip r:embed="rId7"/>
+          <a:stretch>
+            <a:fillRect/>
+          </a:stretch>
+        </p:blipFill>
+        <p:spPr>
+          <a:xfrm>
+            <a:off x="8745855" y="5073028"/>
+            <a:ext cx="2876550" cy="342900"/>
+          </a:xfrm>
+          <a:prstGeom prst="rect">
+            <a:avLst/>
+          </a:prstGeom>
+        </p:spPr>
+      </p:pic>
+      <p:sp>
+        <p:nvSpPr>
+          <p:cNvPr id="24" name="CaixaDeTexto 23">
+            <a:extLst>
+              <a:ext uri="{FF2B5EF4-FFF2-40B4-BE49-F238E27FC236}">
+                <a16:creationId xmlns:a16="http://schemas.microsoft.com/office/drawing/2014/main" id="{6AAB3B48-B1AC-1BB3-303D-7112B8CC8EF5}"/>
+              </a:ext>
+            </a:extLst>
+          </p:cNvPr>
+          <p:cNvSpPr txBox="1"/>
+          <p:nvPr/>
+        </p:nvSpPr>
+        <p:spPr>
+          <a:xfrm>
+            <a:off x="1097280" y="5416387"/>
+            <a:ext cx="6097508" cy="286232"/>
+          </a:xfrm>
+          <a:prstGeom prst="rect">
+            <a:avLst/>
+          </a:prstGeom>
+        </p:spPr>
+        <p:txBody>
+          <a:bodyPr vert="horz" lIns="0" tIns="45720" rIns="0" bIns="45720" rtlCol="0">
+            <a:normAutofit/>
+          </a:bodyPr>
+          <a:lstStyle>
+            <a:lvl1pPr marL="91440" indent="-91440" defTabSz="914400">
+              <a:lnSpc>
+                <a:spcPct val="90000"/>
+              </a:lnSpc>
+              <a:spcBef>
+                <a:spcPts val="1200"/>
+              </a:spcBef>
+              <a:spcAft>
+                <a:spcPts val="200"/>
+              </a:spcAft>
+              <a:buClr>
+                <a:schemeClr val="tx1"/>
+              </a:buClr>
+              <a:buSzPct val="100000"/>
+              <a:buFont typeface="Wingdings" panose="05000000000000000000" pitchFamily="2" charset="2"/>
+              <a:buChar char="Ø"/>
+              <a:defRPr sz="1400">
+                <a:solidFill>
+                  <a:srgbClr val="222222"/>
+                </a:solidFill>
+                <a:latin typeface="Arial" panose="020B0604020202020204" pitchFamily="34" charset="0"/>
+                <a:cs typeface="Arial" panose="020B0604020202020204" pitchFamily="34" charset="0"/>
+              </a:defRPr>
+            </a:lvl1pPr>
+            <a:lvl2pPr marL="384048" indent="-182880" defTabSz="914400">
+              <a:lnSpc>
+                <a:spcPct val="90000"/>
+              </a:lnSpc>
+              <a:spcBef>
+                <a:spcPts val="200"/>
+              </a:spcBef>
+              <a:spcAft>
+                <a:spcPts val="400"/>
+              </a:spcAft>
+              <a:buClr>
+                <a:schemeClr val="accent1"/>
+              </a:buClr>
+              <a:buFont typeface="Calibri" pitchFamily="34" charset="0"/>
+              <a:buChar char="◦"/>
+              <a:defRPr>
+                <a:solidFill>
+                  <a:schemeClr val="tx1">
+                    <a:lumMod val="75000"/>
+                    <a:lumOff val="25000"/>
+                  </a:schemeClr>
+                </a:solidFill>
+              </a:defRPr>
+            </a:lvl2pPr>
+            <a:lvl3pPr marL="566928" indent="-182880" defTabSz="914400">
+              <a:lnSpc>
+                <a:spcPct val="90000"/>
+              </a:lnSpc>
+              <a:spcBef>
+                <a:spcPts val="200"/>
+              </a:spcBef>
+              <a:spcAft>
+                <a:spcPts val="400"/>
+              </a:spcAft>
+              <a:buClr>
+                <a:schemeClr val="accent1"/>
+              </a:buClr>
+              <a:buFont typeface="Calibri" pitchFamily="34" charset="0"/>
+              <a:buChar char="◦"/>
+              <a:defRPr sz="1400">
+                <a:solidFill>
+                  <a:schemeClr val="tx1">
+                    <a:lumMod val="75000"/>
+                    <a:lumOff val="25000"/>
+                  </a:schemeClr>
+                </a:solidFill>
+              </a:defRPr>
+            </a:lvl3pPr>
+            <a:lvl4pPr marL="749808" indent="-182880" defTabSz="914400">
+              <a:lnSpc>
+                <a:spcPct val="90000"/>
+              </a:lnSpc>
+              <a:spcBef>
+                <a:spcPts val="200"/>
+              </a:spcBef>
+              <a:spcAft>
+                <a:spcPts val="400"/>
+              </a:spcAft>
+              <a:buClr>
+                <a:schemeClr val="accent1"/>
+              </a:buClr>
+              <a:buFont typeface="Calibri" pitchFamily="34" charset="0"/>
+              <a:buChar char="◦"/>
+              <a:defRPr sz="1400">
+                <a:solidFill>
+                  <a:schemeClr val="tx1">
+                    <a:lumMod val="75000"/>
+                    <a:lumOff val="25000"/>
+                  </a:schemeClr>
+                </a:solidFill>
+              </a:defRPr>
+            </a:lvl4pPr>
+            <a:lvl5pPr marL="932688" indent="-182880" defTabSz="914400">
+              <a:lnSpc>
+                <a:spcPct val="90000"/>
+              </a:lnSpc>
+              <a:spcBef>
+                <a:spcPts val="200"/>
+              </a:spcBef>
+              <a:spcAft>
+                <a:spcPts val="400"/>
+              </a:spcAft>
+              <a:buClr>
+                <a:schemeClr val="accent1"/>
+              </a:buClr>
+              <a:buFont typeface="Calibri" pitchFamily="34" charset="0"/>
+              <a:buChar char="◦"/>
+              <a:defRPr sz="1400">
+                <a:solidFill>
+                  <a:schemeClr val="tx1">
+                    <a:lumMod val="75000"/>
+                    <a:lumOff val="25000"/>
+                  </a:schemeClr>
+                </a:solidFill>
+              </a:defRPr>
+            </a:lvl5pPr>
+            <a:lvl6pPr marL="1100000" indent="-228600" defTabSz="914400">
+              <a:lnSpc>
+                <a:spcPct val="90000"/>
+              </a:lnSpc>
+              <a:spcBef>
+                <a:spcPts val="200"/>
+              </a:spcBef>
+              <a:spcAft>
+                <a:spcPts val="400"/>
+              </a:spcAft>
+              <a:buClr>
+                <a:schemeClr val="accent1"/>
+              </a:buClr>
+              <a:buFont typeface="Calibri" pitchFamily="34" charset="0"/>
+              <a:buChar char="◦"/>
+              <a:defRPr sz="1400">
+                <a:solidFill>
+                  <a:schemeClr val="tx1">
+                    <a:lumMod val="75000"/>
+                    <a:lumOff val="25000"/>
+                  </a:schemeClr>
+                </a:solidFill>
+              </a:defRPr>
+            </a:lvl6pPr>
+            <a:lvl7pPr marL="1300000" indent="-228600" defTabSz="914400">
+              <a:lnSpc>
+                <a:spcPct val="90000"/>
+              </a:lnSpc>
+              <a:spcBef>
+                <a:spcPts val="200"/>
+              </a:spcBef>
+              <a:spcAft>
+                <a:spcPts val="400"/>
+              </a:spcAft>
+              <a:buClr>
+                <a:schemeClr val="accent1"/>
+              </a:buClr>
+              <a:buFont typeface="Calibri" pitchFamily="34" charset="0"/>
+              <a:buChar char="◦"/>
+              <a:defRPr sz="1400">
+                <a:solidFill>
+                  <a:schemeClr val="tx1">
+                    <a:lumMod val="75000"/>
+                    <a:lumOff val="25000"/>
+                  </a:schemeClr>
+                </a:solidFill>
+              </a:defRPr>
+            </a:lvl7pPr>
+            <a:lvl8pPr marL="1500000" indent="-228600" defTabSz="914400">
+              <a:lnSpc>
+                <a:spcPct val="90000"/>
+              </a:lnSpc>
+              <a:spcBef>
+                <a:spcPts val="200"/>
+              </a:spcBef>
+              <a:spcAft>
+                <a:spcPts val="400"/>
+              </a:spcAft>
+              <a:buClr>
+                <a:schemeClr val="accent1"/>
+              </a:buClr>
+              <a:buFont typeface="Calibri" pitchFamily="34" charset="0"/>
+              <a:buChar char="◦"/>
+              <a:defRPr sz="1400">
+                <a:solidFill>
+                  <a:schemeClr val="tx1">
+                    <a:lumMod val="75000"/>
+                    <a:lumOff val="25000"/>
+                  </a:schemeClr>
+                </a:solidFill>
+              </a:defRPr>
+            </a:lvl8pPr>
+            <a:lvl9pPr marL="1700000" indent="-228600" defTabSz="914400">
+              <a:lnSpc>
+                <a:spcPct val="90000"/>
+              </a:lnSpc>
+              <a:spcBef>
+                <a:spcPts val="200"/>
+              </a:spcBef>
+              <a:spcAft>
+                <a:spcPts val="400"/>
+              </a:spcAft>
+              <a:buClr>
+                <a:schemeClr val="accent1"/>
+              </a:buClr>
+              <a:buFont typeface="Calibri" pitchFamily="34" charset="0"/>
+              <a:buChar char="◦"/>
+              <a:defRPr sz="1400">
+                <a:solidFill>
+                  <a:schemeClr val="tx1">
+                    <a:lumMod val="75000"/>
+                    <a:lumOff val="25000"/>
+                  </a:schemeClr>
+                </a:solidFill>
+              </a:defRPr>
+            </a:lvl9pPr>
+          </a:lstStyle>
+          <a:p>
+            <a:r>
+              <a:rPr lang="en-US" dirty="0"/>
+              <a:t> New cell content: Este é o novo </a:t>
+            </a:r>
+            <a:r>
+              <a:rPr lang="en-US" dirty="0" err="1"/>
+              <a:t>conteudo</a:t>
+            </a:r>
+            <a:r>
+              <a:rPr lang="en-US" dirty="0"/>
+              <a:t> a ser escrito na célula.</a:t>
+            </a:r>
+          </a:p>
+        </p:txBody>
+      </p:sp>
+      <p:pic>
+        <p:nvPicPr>
+          <p:cNvPr id="26" name="Imagem 25">
+            <a:extLst>
+              <a:ext uri="{FF2B5EF4-FFF2-40B4-BE49-F238E27FC236}">
+                <a16:creationId xmlns:a16="http://schemas.microsoft.com/office/drawing/2014/main" id="{1D470BCD-BC20-333C-60E6-6F817AD63086}"/>
+              </a:ext>
+            </a:extLst>
+          </p:cNvPr>
+          <p:cNvPicPr>
+            <a:picLocks noChangeAspect="1"/>
+          </p:cNvPicPr>
+          <p:nvPr/>
+        </p:nvPicPr>
+        <p:blipFill>
+          <a:blip r:embed="rId8"/>
+          <a:stretch>
+            <a:fillRect/>
+          </a:stretch>
+        </p:blipFill>
+        <p:spPr>
+          <a:xfrm>
+            <a:off x="8732332" y="5385297"/>
+            <a:ext cx="2676525" cy="352425"/>
+          </a:xfrm>
+          <a:prstGeom prst="rect">
+            <a:avLst/>
+          </a:prstGeom>
+        </p:spPr>
+      </p:pic>
+      <p:sp>
+        <p:nvSpPr>
+          <p:cNvPr id="28" name="CaixaDeTexto 27">
+            <a:extLst>
+              <a:ext uri="{FF2B5EF4-FFF2-40B4-BE49-F238E27FC236}">
+                <a16:creationId xmlns:a16="http://schemas.microsoft.com/office/drawing/2014/main" id="{E088D498-26A4-E3B3-88A1-23401E6A59B3}"/>
+              </a:ext>
+            </a:extLst>
+          </p:cNvPr>
+          <p:cNvSpPr txBox="1"/>
+          <p:nvPr/>
+        </p:nvSpPr>
+        <p:spPr>
+          <a:xfrm>
+            <a:off x="1097280" y="5725399"/>
+            <a:ext cx="7512566" cy="295620"/>
+          </a:xfrm>
+          <a:prstGeom prst="rect">
+            <a:avLst/>
+          </a:prstGeom>
+        </p:spPr>
+        <p:txBody>
+          <a:bodyPr vert="horz" lIns="0" tIns="45720" rIns="0" bIns="45720" rtlCol="0">
+            <a:normAutofit/>
+          </a:bodyPr>
+          <a:lstStyle>
+            <a:defPPr>
+              <a:defRPr lang="en-US"/>
+            </a:defPPr>
+            <a:lvl1pPr marL="91440" indent="-91440" defTabSz="914400">
+              <a:lnSpc>
+                <a:spcPct val="90000"/>
+              </a:lnSpc>
+              <a:spcBef>
+                <a:spcPts val="1200"/>
+              </a:spcBef>
+              <a:spcAft>
+                <a:spcPts val="200"/>
+              </a:spcAft>
+              <a:buClr>
+                <a:schemeClr val="tx1"/>
+              </a:buClr>
+              <a:buSzPct val="100000"/>
+              <a:buFont typeface="Wingdings" panose="05000000000000000000" pitchFamily="2" charset="2"/>
+              <a:buChar char="Ø"/>
+              <a:defRPr sz="1400">
+                <a:solidFill>
+                  <a:srgbClr val="222222"/>
+                </a:solidFill>
+                <a:latin typeface="Arial" panose="020B0604020202020204" pitchFamily="34" charset="0"/>
+                <a:cs typeface="Arial" panose="020B0604020202020204" pitchFamily="34" charset="0"/>
+              </a:defRPr>
+            </a:lvl1pPr>
+            <a:lvl2pPr marL="384048" indent="-182880" defTabSz="914400">
+              <a:lnSpc>
+                <a:spcPct val="90000"/>
+              </a:lnSpc>
+              <a:spcBef>
+                <a:spcPts val="200"/>
+              </a:spcBef>
+              <a:spcAft>
+                <a:spcPts val="400"/>
+              </a:spcAft>
+              <a:buClr>
+                <a:schemeClr val="accent1"/>
+              </a:buClr>
+              <a:buFont typeface="Calibri" pitchFamily="34" charset="0"/>
+              <a:buChar char="◦"/>
+              <a:defRPr>
+                <a:solidFill>
+                  <a:schemeClr val="tx1">
+                    <a:lumMod val="75000"/>
+                    <a:lumOff val="25000"/>
+                  </a:schemeClr>
+                </a:solidFill>
+              </a:defRPr>
+            </a:lvl2pPr>
+            <a:lvl3pPr marL="566928" indent="-182880" defTabSz="914400">
+              <a:lnSpc>
+                <a:spcPct val="90000"/>
+              </a:lnSpc>
+              <a:spcBef>
+                <a:spcPts val="200"/>
+              </a:spcBef>
+              <a:spcAft>
+                <a:spcPts val="400"/>
+              </a:spcAft>
+              <a:buClr>
+                <a:schemeClr val="accent1"/>
+              </a:buClr>
+              <a:buFont typeface="Calibri" pitchFamily="34" charset="0"/>
+              <a:buChar char="◦"/>
+              <a:defRPr sz="1400">
+                <a:solidFill>
+                  <a:schemeClr val="tx1">
+                    <a:lumMod val="75000"/>
+                    <a:lumOff val="25000"/>
+                  </a:schemeClr>
+                </a:solidFill>
+              </a:defRPr>
+            </a:lvl3pPr>
+            <a:lvl4pPr marL="749808" indent="-182880" defTabSz="914400">
+              <a:lnSpc>
+                <a:spcPct val="90000"/>
+              </a:lnSpc>
+              <a:spcBef>
+                <a:spcPts val="200"/>
+              </a:spcBef>
+              <a:spcAft>
+                <a:spcPts val="400"/>
+              </a:spcAft>
+              <a:buClr>
+                <a:schemeClr val="accent1"/>
+              </a:buClr>
+              <a:buFont typeface="Calibri" pitchFamily="34" charset="0"/>
+              <a:buChar char="◦"/>
+              <a:defRPr sz="1400">
+                <a:solidFill>
+                  <a:schemeClr val="tx1">
+                    <a:lumMod val="75000"/>
+                    <a:lumOff val="25000"/>
+                  </a:schemeClr>
+                </a:solidFill>
+              </a:defRPr>
+            </a:lvl4pPr>
+            <a:lvl5pPr marL="932688" indent="-182880" defTabSz="914400">
+              <a:lnSpc>
+                <a:spcPct val="90000"/>
+              </a:lnSpc>
+              <a:spcBef>
+                <a:spcPts val="200"/>
+              </a:spcBef>
+              <a:spcAft>
+                <a:spcPts val="400"/>
+              </a:spcAft>
+              <a:buClr>
+                <a:schemeClr val="accent1"/>
+              </a:buClr>
+              <a:buFont typeface="Calibri" pitchFamily="34" charset="0"/>
+              <a:buChar char="◦"/>
+              <a:defRPr sz="1400">
+                <a:solidFill>
+                  <a:schemeClr val="tx1">
+                    <a:lumMod val="75000"/>
+                    <a:lumOff val="25000"/>
+                  </a:schemeClr>
+                </a:solidFill>
+              </a:defRPr>
+            </a:lvl5pPr>
+            <a:lvl6pPr marL="1100000" indent="-228600" defTabSz="914400">
+              <a:lnSpc>
+                <a:spcPct val="90000"/>
+              </a:lnSpc>
+              <a:spcBef>
+                <a:spcPts val="200"/>
+              </a:spcBef>
+              <a:spcAft>
+                <a:spcPts val="400"/>
+              </a:spcAft>
+              <a:buClr>
+                <a:schemeClr val="accent1"/>
+              </a:buClr>
+              <a:buFont typeface="Calibri" pitchFamily="34" charset="0"/>
+              <a:buChar char="◦"/>
+              <a:defRPr sz="1400">
+                <a:solidFill>
+                  <a:schemeClr val="tx1">
+                    <a:lumMod val="75000"/>
+                    <a:lumOff val="25000"/>
+                  </a:schemeClr>
+                </a:solidFill>
+              </a:defRPr>
+            </a:lvl6pPr>
+            <a:lvl7pPr marL="1300000" indent="-228600" defTabSz="914400">
+              <a:lnSpc>
+                <a:spcPct val="90000"/>
+              </a:lnSpc>
+              <a:spcBef>
+                <a:spcPts val="200"/>
+              </a:spcBef>
+              <a:spcAft>
+                <a:spcPts val="400"/>
+              </a:spcAft>
+              <a:buClr>
+                <a:schemeClr val="accent1"/>
+              </a:buClr>
+              <a:buFont typeface="Calibri" pitchFamily="34" charset="0"/>
+              <a:buChar char="◦"/>
+              <a:defRPr sz="1400">
+                <a:solidFill>
+                  <a:schemeClr val="tx1">
+                    <a:lumMod val="75000"/>
+                    <a:lumOff val="25000"/>
+                  </a:schemeClr>
+                </a:solidFill>
+              </a:defRPr>
+            </a:lvl7pPr>
+            <a:lvl8pPr marL="1500000" indent="-228600" defTabSz="914400">
+              <a:lnSpc>
+                <a:spcPct val="90000"/>
+              </a:lnSpc>
+              <a:spcBef>
+                <a:spcPts val="200"/>
+              </a:spcBef>
+              <a:spcAft>
+                <a:spcPts val="400"/>
+              </a:spcAft>
+              <a:buClr>
+                <a:schemeClr val="accent1"/>
+              </a:buClr>
+              <a:buFont typeface="Calibri" pitchFamily="34" charset="0"/>
+              <a:buChar char="◦"/>
+              <a:defRPr sz="1400">
+                <a:solidFill>
+                  <a:schemeClr val="tx1">
+                    <a:lumMod val="75000"/>
+                    <a:lumOff val="25000"/>
+                  </a:schemeClr>
+                </a:solidFill>
+              </a:defRPr>
+            </a:lvl8pPr>
+            <a:lvl9pPr marL="1700000" indent="-228600" defTabSz="914400">
+              <a:lnSpc>
+                <a:spcPct val="90000"/>
+              </a:lnSpc>
+              <a:spcBef>
+                <a:spcPts val="200"/>
+              </a:spcBef>
+              <a:spcAft>
+                <a:spcPts val="400"/>
+              </a:spcAft>
+              <a:buClr>
+                <a:schemeClr val="accent1"/>
+              </a:buClr>
+              <a:buFont typeface="Calibri" pitchFamily="34" charset="0"/>
+              <a:buChar char="◦"/>
+              <a:defRPr sz="1400">
+                <a:solidFill>
+                  <a:schemeClr val="tx1">
+                    <a:lumMod val="75000"/>
+                    <a:lumOff val="25000"/>
+                  </a:schemeClr>
+                </a:solidFill>
+              </a:defRPr>
+            </a:lvl9pPr>
+          </a:lstStyle>
+          <a:p>
+            <a:r>
+              <a:rPr lang="en-US" dirty="0"/>
+              <a:t> Cell state: Esquece o </a:t>
+            </a:r>
+            <a:r>
+              <a:rPr lang="en-US" dirty="0" err="1"/>
+              <a:t>conteudo</a:t>
+            </a:r>
+            <a:r>
+              <a:rPr lang="en-US" dirty="0"/>
+              <a:t> da célula anterior e </a:t>
+            </a:r>
+            <a:r>
+              <a:rPr lang="en-US" dirty="0" err="1"/>
+              <a:t>escreve</a:t>
+            </a:r>
+            <a:r>
+              <a:rPr lang="en-US" dirty="0"/>
+              <a:t> o novo </a:t>
+            </a:r>
+            <a:r>
+              <a:rPr lang="en-US" dirty="0" err="1"/>
+              <a:t>conteudo</a:t>
+            </a:r>
+            <a:r>
+              <a:rPr lang="en-US" dirty="0"/>
+              <a:t> na célula atual.</a:t>
+            </a:r>
+          </a:p>
+        </p:txBody>
+      </p:sp>
+      <p:pic>
+        <p:nvPicPr>
+          <p:cNvPr id="32" name="Imagem 31">
+            <a:extLst>
+              <a:ext uri="{FF2B5EF4-FFF2-40B4-BE49-F238E27FC236}">
+                <a16:creationId xmlns:a16="http://schemas.microsoft.com/office/drawing/2014/main" id="{C3471EDF-2C21-1AFB-9B9D-4627ABFD140D}"/>
+              </a:ext>
+            </a:extLst>
+          </p:cNvPr>
+          <p:cNvPicPr>
+            <a:picLocks noChangeAspect="1"/>
+          </p:cNvPicPr>
+          <p:nvPr/>
+        </p:nvPicPr>
+        <p:blipFill>
+          <a:blip r:embed="rId9"/>
+          <a:stretch>
+            <a:fillRect/>
+          </a:stretch>
+        </p:blipFill>
+        <p:spPr>
+          <a:xfrm>
+            <a:off x="8745855" y="5702619"/>
+            <a:ext cx="2105025" cy="266700"/>
+          </a:xfrm>
+          <a:prstGeom prst="rect">
+            <a:avLst/>
+          </a:prstGeom>
+        </p:spPr>
+      </p:pic>
+      <p:sp>
+        <p:nvSpPr>
+          <p:cNvPr id="34" name="CaixaDeTexto 33">
+            <a:extLst>
+              <a:ext uri="{FF2B5EF4-FFF2-40B4-BE49-F238E27FC236}">
+                <a16:creationId xmlns:a16="http://schemas.microsoft.com/office/drawing/2014/main" id="{FBF3F920-0451-1351-C972-3EC3C3DA1C54}"/>
+              </a:ext>
+            </a:extLst>
+          </p:cNvPr>
+          <p:cNvSpPr txBox="1"/>
+          <p:nvPr/>
+        </p:nvSpPr>
+        <p:spPr>
+          <a:xfrm>
+            <a:off x="1097280" y="6017731"/>
+            <a:ext cx="6097508" cy="286232"/>
+          </a:xfrm>
+          <a:prstGeom prst="rect">
+            <a:avLst/>
+          </a:prstGeom>
+        </p:spPr>
+        <p:txBody>
+          <a:bodyPr vert="horz" lIns="0" tIns="45720" rIns="0" bIns="45720" rtlCol="0">
+            <a:normAutofit/>
+          </a:bodyPr>
+          <a:lstStyle>
+            <a:lvl1pPr marL="91440" indent="-91440" defTabSz="914400">
+              <a:lnSpc>
+                <a:spcPct val="90000"/>
+              </a:lnSpc>
+              <a:spcBef>
+                <a:spcPts val="1200"/>
+              </a:spcBef>
+              <a:spcAft>
+                <a:spcPts val="200"/>
+              </a:spcAft>
+              <a:buClr>
+                <a:schemeClr val="tx1"/>
+              </a:buClr>
+              <a:buSzPct val="100000"/>
+              <a:buFont typeface="Wingdings" panose="05000000000000000000" pitchFamily="2" charset="2"/>
+              <a:buChar char="Ø"/>
+              <a:defRPr sz="1400">
+                <a:solidFill>
+                  <a:srgbClr val="222222"/>
+                </a:solidFill>
+                <a:latin typeface="Arial" panose="020B0604020202020204" pitchFamily="34" charset="0"/>
+                <a:cs typeface="Arial" panose="020B0604020202020204" pitchFamily="34" charset="0"/>
+              </a:defRPr>
+            </a:lvl1pPr>
+            <a:lvl2pPr marL="384048" indent="-182880" defTabSz="914400">
+              <a:lnSpc>
+                <a:spcPct val="90000"/>
+              </a:lnSpc>
+              <a:spcBef>
+                <a:spcPts val="200"/>
+              </a:spcBef>
+              <a:spcAft>
+                <a:spcPts val="400"/>
+              </a:spcAft>
+              <a:buClr>
+                <a:schemeClr val="accent1"/>
+              </a:buClr>
+              <a:buFont typeface="Calibri" pitchFamily="34" charset="0"/>
+              <a:buChar char="◦"/>
+              <a:defRPr>
+                <a:solidFill>
+                  <a:schemeClr val="tx1">
+                    <a:lumMod val="75000"/>
+                    <a:lumOff val="25000"/>
+                  </a:schemeClr>
+                </a:solidFill>
+              </a:defRPr>
+            </a:lvl2pPr>
+            <a:lvl3pPr marL="566928" indent="-182880" defTabSz="914400">
+              <a:lnSpc>
+                <a:spcPct val="90000"/>
+              </a:lnSpc>
+              <a:spcBef>
+                <a:spcPts val="200"/>
+              </a:spcBef>
+              <a:spcAft>
+                <a:spcPts val="400"/>
+              </a:spcAft>
+              <a:buClr>
+                <a:schemeClr val="accent1"/>
+              </a:buClr>
+              <a:buFont typeface="Calibri" pitchFamily="34" charset="0"/>
+              <a:buChar char="◦"/>
+              <a:defRPr sz="1400">
+                <a:solidFill>
+                  <a:schemeClr val="tx1">
+                    <a:lumMod val="75000"/>
+                    <a:lumOff val="25000"/>
+                  </a:schemeClr>
+                </a:solidFill>
+              </a:defRPr>
+            </a:lvl3pPr>
+            <a:lvl4pPr marL="749808" indent="-182880" defTabSz="914400">
+              <a:lnSpc>
+                <a:spcPct val="90000"/>
+              </a:lnSpc>
+              <a:spcBef>
+                <a:spcPts val="200"/>
+              </a:spcBef>
+              <a:spcAft>
+                <a:spcPts val="400"/>
+              </a:spcAft>
+              <a:buClr>
+                <a:schemeClr val="accent1"/>
+              </a:buClr>
+              <a:buFont typeface="Calibri" pitchFamily="34" charset="0"/>
+              <a:buChar char="◦"/>
+              <a:defRPr sz="1400">
+                <a:solidFill>
+                  <a:schemeClr val="tx1">
+                    <a:lumMod val="75000"/>
+                    <a:lumOff val="25000"/>
+                  </a:schemeClr>
+                </a:solidFill>
+              </a:defRPr>
+            </a:lvl4pPr>
+            <a:lvl5pPr marL="932688" indent="-182880" defTabSz="914400">
+              <a:lnSpc>
+                <a:spcPct val="90000"/>
+              </a:lnSpc>
+              <a:spcBef>
+                <a:spcPts val="200"/>
+              </a:spcBef>
+              <a:spcAft>
+                <a:spcPts val="400"/>
+              </a:spcAft>
+              <a:buClr>
+                <a:schemeClr val="accent1"/>
+              </a:buClr>
+              <a:buFont typeface="Calibri" pitchFamily="34" charset="0"/>
+              <a:buChar char="◦"/>
+              <a:defRPr sz="1400">
+                <a:solidFill>
+                  <a:schemeClr val="tx1">
+                    <a:lumMod val="75000"/>
+                    <a:lumOff val="25000"/>
+                  </a:schemeClr>
+                </a:solidFill>
+              </a:defRPr>
+            </a:lvl5pPr>
+            <a:lvl6pPr marL="1100000" indent="-228600" defTabSz="914400">
+              <a:lnSpc>
+                <a:spcPct val="90000"/>
+              </a:lnSpc>
+              <a:spcBef>
+                <a:spcPts val="200"/>
+              </a:spcBef>
+              <a:spcAft>
+                <a:spcPts val="400"/>
+              </a:spcAft>
+              <a:buClr>
+                <a:schemeClr val="accent1"/>
+              </a:buClr>
+              <a:buFont typeface="Calibri" pitchFamily="34" charset="0"/>
+              <a:buChar char="◦"/>
+              <a:defRPr sz="1400">
+                <a:solidFill>
+                  <a:schemeClr val="tx1">
+                    <a:lumMod val="75000"/>
+                    <a:lumOff val="25000"/>
+                  </a:schemeClr>
+                </a:solidFill>
+              </a:defRPr>
+            </a:lvl6pPr>
+            <a:lvl7pPr marL="1300000" indent="-228600" defTabSz="914400">
+              <a:lnSpc>
+                <a:spcPct val="90000"/>
+              </a:lnSpc>
+              <a:spcBef>
+                <a:spcPts val="200"/>
+              </a:spcBef>
+              <a:spcAft>
+                <a:spcPts val="400"/>
+              </a:spcAft>
+              <a:buClr>
+                <a:schemeClr val="accent1"/>
+              </a:buClr>
+              <a:buFont typeface="Calibri" pitchFamily="34" charset="0"/>
+              <a:buChar char="◦"/>
+              <a:defRPr sz="1400">
+                <a:solidFill>
+                  <a:schemeClr val="tx1">
+                    <a:lumMod val="75000"/>
+                    <a:lumOff val="25000"/>
+                  </a:schemeClr>
+                </a:solidFill>
+              </a:defRPr>
+            </a:lvl7pPr>
+            <a:lvl8pPr marL="1500000" indent="-228600" defTabSz="914400">
+              <a:lnSpc>
+                <a:spcPct val="90000"/>
+              </a:lnSpc>
+              <a:spcBef>
+                <a:spcPts val="200"/>
+              </a:spcBef>
+              <a:spcAft>
+                <a:spcPts val="400"/>
+              </a:spcAft>
+              <a:buClr>
+                <a:schemeClr val="accent1"/>
+              </a:buClr>
+              <a:buFont typeface="Calibri" pitchFamily="34" charset="0"/>
+              <a:buChar char="◦"/>
+              <a:defRPr sz="1400">
+                <a:solidFill>
+                  <a:schemeClr val="tx1">
+                    <a:lumMod val="75000"/>
+                    <a:lumOff val="25000"/>
+                  </a:schemeClr>
+                </a:solidFill>
+              </a:defRPr>
+            </a:lvl8pPr>
+            <a:lvl9pPr marL="1700000" indent="-228600" defTabSz="914400">
+              <a:lnSpc>
+                <a:spcPct val="90000"/>
+              </a:lnSpc>
+              <a:spcBef>
+                <a:spcPts val="200"/>
+              </a:spcBef>
+              <a:spcAft>
+                <a:spcPts val="400"/>
+              </a:spcAft>
+              <a:buClr>
+                <a:schemeClr val="accent1"/>
+              </a:buClr>
+              <a:buFont typeface="Calibri" pitchFamily="34" charset="0"/>
+              <a:buChar char="◦"/>
+              <a:defRPr sz="1400">
+                <a:solidFill>
+                  <a:schemeClr val="tx1">
+                    <a:lumMod val="75000"/>
+                    <a:lumOff val="25000"/>
+                  </a:schemeClr>
+                </a:solidFill>
+              </a:defRPr>
+            </a:lvl9pPr>
+          </a:lstStyle>
+          <a:p>
+            <a:r>
+              <a:rPr lang="en-US" dirty="0"/>
+              <a:t> Hidden state: Lê a saida do </a:t>
+            </a:r>
+            <a:r>
+              <a:rPr lang="en-US" dirty="0" err="1"/>
+              <a:t>conteudo</a:t>
+            </a:r>
+            <a:r>
+              <a:rPr lang="en-US" dirty="0"/>
+              <a:t> da </a:t>
+            </a:r>
+            <a:r>
+              <a:rPr lang="en-US" dirty="0" err="1"/>
+              <a:t>celula</a:t>
+            </a:r>
+            <a:r>
+              <a:rPr lang="en-US" dirty="0"/>
+              <a:t> com o output gate</a:t>
+            </a:r>
+          </a:p>
+        </p:txBody>
+      </p:sp>
+      <p:pic>
+        <p:nvPicPr>
+          <p:cNvPr id="36" name="Imagem 35">
+            <a:extLst>
+              <a:ext uri="{FF2B5EF4-FFF2-40B4-BE49-F238E27FC236}">
+                <a16:creationId xmlns:a16="http://schemas.microsoft.com/office/drawing/2014/main" id="{5511F510-6DF5-78F9-92FC-1E31331D1B31}"/>
+              </a:ext>
+            </a:extLst>
+          </p:cNvPr>
+          <p:cNvPicPr>
+            <a:picLocks noChangeAspect="1"/>
+          </p:cNvPicPr>
+          <p:nvPr/>
+        </p:nvPicPr>
+        <p:blipFill>
+          <a:blip r:embed="rId10"/>
+          <a:stretch>
+            <a:fillRect/>
+          </a:stretch>
+        </p:blipFill>
+        <p:spPr>
+          <a:xfrm>
+            <a:off x="8732332" y="6020567"/>
+            <a:ext cx="1543050" cy="228600"/>
+          </a:xfrm>
+          <a:prstGeom prst="rect">
+            <a:avLst/>
+          </a:prstGeom>
+        </p:spPr>
+      </p:pic>
+    </p:spTree>
+    <p:extLst>
+      <p:ext uri="{BB962C8B-B14F-4D97-AF65-F5344CB8AC3E}">
+        <p14:creationId xmlns:p14="http://schemas.microsoft.com/office/powerpoint/2010/main" val="2308612382"/>
+      </p:ext>
+    </p:extLst>
+  </p:cSld>
+  <p:clrMapOvr>
+    <a:masterClrMapping/>
+  </p:clrMapOvr>
+</p:sld>
+</file>
+
+<file path=ppt/slides/slide7.xml><?xml version="1.0" encoding="utf-8"?>
+<p:sld xmlns:a="http://schemas.openxmlformats.org/drawingml/2006/main" xmlns:r="http://schemas.openxmlformats.org/officeDocument/2006/relationships" xmlns:p="http://schemas.openxmlformats.org/presentationml/2006/main">
+  <p:cSld>
+    <p:spTree>
+      <p:nvGrpSpPr>
+        <p:cNvPr id="1" name=""/>
+        <p:cNvGrpSpPr/>
+        <p:nvPr/>
+      </p:nvGrpSpPr>
+      <p:grpSpPr>
+        <a:xfrm>
+          <a:off x="0" y="0"/>
+          <a:ext cx="0" cy="0"/>
+          <a:chOff x="0" y="0"/>
+          <a:chExt cx="0" cy="0"/>
+        </a:xfrm>
+      </p:grpSpPr>
+      <p:sp>
+        <p:nvSpPr>
+          <p:cNvPr id="3" name="Espaço Reservado para Conteúdo 2">
+            <a:extLst>
+              <a:ext uri="{FF2B5EF4-FFF2-40B4-BE49-F238E27FC236}">
+                <a16:creationId xmlns:a16="http://schemas.microsoft.com/office/drawing/2014/main" id="{673AF1B2-F743-1511-6D64-880344405357}"/>
               </a:ext>
             </a:extLst>
           </p:cNvPr>
@@ -9074,7 +14374,432 @@
           <a:bodyPr/>
           <a:lstStyle/>
           <a:p>
-            <a:endParaRPr lang="pt-BR" dirty="0"/>
+            <a:endParaRPr lang="pt-BR"/>
+          </a:p>
+        </p:txBody>
+      </p:sp>
+      <p:sp>
+        <p:nvSpPr>
+          <p:cNvPr id="4" name="Espaço Reservado para Rodapé 3">
+            <a:extLst>
+              <a:ext uri="{FF2B5EF4-FFF2-40B4-BE49-F238E27FC236}">
+                <a16:creationId xmlns:a16="http://schemas.microsoft.com/office/drawing/2014/main" id="{9DFC12E2-7FA0-8350-C14D-6E71739B0B08}"/>
+              </a:ext>
+            </a:extLst>
+          </p:cNvPr>
+          <p:cNvSpPr>
+            <a:spLocks noGrp="1"/>
+          </p:cNvSpPr>
+          <p:nvPr>
+            <p:ph type="ftr" sz="quarter" idx="11"/>
+          </p:nvPr>
+        </p:nvSpPr>
+        <p:spPr>
+          <a:xfrm>
+            <a:off x="3684596" y="6455648"/>
+            <a:ext cx="4822804" cy="365125"/>
+          </a:xfrm>
+        </p:spPr>
+        <p:txBody>
+          <a:bodyPr/>
+          <a:lstStyle/>
+          <a:p>
+            <a:r>
+              <a:rPr lang="pt-BR" dirty="0"/>
+              <a:t>Aprendizado Profundo - 2023</a:t>
+            </a:r>
+          </a:p>
+        </p:txBody>
+      </p:sp>
+      <p:pic>
+        <p:nvPicPr>
+          <p:cNvPr id="5" name="Imagem 4" descr="Janela de vidro&#10;&#10;Descrição gerada automaticamente com confiança média">
+            <a:extLst>
+              <a:ext uri="{FF2B5EF4-FFF2-40B4-BE49-F238E27FC236}">
+                <a16:creationId xmlns:a16="http://schemas.microsoft.com/office/drawing/2014/main" id="{BB2E5054-EFC0-23A5-F50D-EB0BF450D86D}"/>
+              </a:ext>
+            </a:extLst>
+          </p:cNvPr>
+          <p:cNvPicPr>
+            <a:picLocks noChangeAspect="1"/>
+          </p:cNvPicPr>
+          <p:nvPr/>
+        </p:nvPicPr>
+        <p:blipFill>
+          <a:blip r:embed="rId2" cstate="print">
+            <a:extLst>
+              <a:ext uri="{28A0092B-C50C-407E-A947-70E740481C1C}">
+                <a14:useLocalDpi xmlns:a14="http://schemas.microsoft.com/office/drawing/2010/main" val="0"/>
+              </a:ext>
+            </a:extLst>
+          </a:blip>
+          <a:stretch>
+            <a:fillRect/>
+          </a:stretch>
+        </p:blipFill>
+        <p:spPr>
+          <a:xfrm>
+            <a:off x="118159" y="6470866"/>
+            <a:ext cx="373152" cy="332105"/>
+          </a:xfrm>
+          <a:prstGeom prst="rect">
+            <a:avLst/>
+          </a:prstGeom>
+        </p:spPr>
+      </p:pic>
+      <p:sp>
+        <p:nvSpPr>
+          <p:cNvPr id="6" name="Título 1">
+            <a:extLst>
+              <a:ext uri="{FF2B5EF4-FFF2-40B4-BE49-F238E27FC236}">
+                <a16:creationId xmlns:a16="http://schemas.microsoft.com/office/drawing/2014/main" id="{AFA4CF13-4960-D243-D7DB-23297A24A2D5}"/>
+              </a:ext>
+            </a:extLst>
+          </p:cNvPr>
+          <p:cNvSpPr>
+            <a:spLocks noGrp="1"/>
+          </p:cNvSpPr>
+          <p:nvPr>
+            <p:ph type="title"/>
+          </p:nvPr>
+        </p:nvSpPr>
+        <p:spPr>
+          <a:xfrm>
+            <a:off x="1097280" y="651850"/>
+            <a:ext cx="10058400" cy="696211"/>
+          </a:xfrm>
+        </p:spPr>
+        <p:txBody>
+          <a:bodyPr vert="horz" lIns="91440" tIns="45720" rIns="91440" bIns="45720" rtlCol="0" anchor="b">
+            <a:normAutofit/>
+          </a:bodyPr>
+          <a:lstStyle/>
+          <a:p>
+            <a:pPr marL="457200" indent="-457200">
+              <a:buFont typeface="Arial" panose="020B0604020202020204" pitchFamily="34" charset="0"/>
+              <a:buChar char="•"/>
+            </a:pPr>
+            <a:r>
+              <a:rPr lang="pt-BR" sz="2000" b="1" dirty="0">
+                <a:solidFill>
+                  <a:schemeClr val="tx1"/>
+                </a:solidFill>
+                <a:latin typeface="Arial" panose="020B0604020202020204" pitchFamily="34" charset="0"/>
+                <a:cs typeface="Arial" panose="020B0604020202020204" pitchFamily="34" charset="0"/>
+              </a:rPr>
+              <a:t>2. MODELOS</a:t>
+            </a:r>
+            <a:br>
+              <a:rPr lang="pt-BR" sz="2000" b="1" dirty="0">
+                <a:solidFill>
+                  <a:schemeClr val="tx1"/>
+                </a:solidFill>
+                <a:latin typeface="Arial" panose="020B0604020202020204" pitchFamily="34" charset="0"/>
+                <a:cs typeface="Arial" panose="020B0604020202020204" pitchFamily="34" charset="0"/>
+              </a:rPr>
+            </a:br>
+            <a:r>
+              <a:rPr lang="pt-BR" sz="2000" b="1" dirty="0">
+                <a:solidFill>
+                  <a:schemeClr val="tx1"/>
+                </a:solidFill>
+                <a:latin typeface="Arial" panose="020B0604020202020204" pitchFamily="34" charset="0"/>
+                <a:cs typeface="Arial" panose="020B0604020202020204" pitchFamily="34" charset="0"/>
+              </a:rPr>
+              <a:t>	</a:t>
+            </a:r>
+            <a:r>
+              <a:rPr lang="pt-BR" sz="1600" b="1" dirty="0">
+                <a:solidFill>
+                  <a:schemeClr val="tx1"/>
+                </a:solidFill>
+                <a:latin typeface="Arial" panose="020B0604020202020204" pitchFamily="34" charset="0"/>
+                <a:cs typeface="Arial" panose="020B0604020202020204" pitchFamily="34" charset="0"/>
+              </a:rPr>
+              <a:t>2.3. GRU</a:t>
+            </a:r>
+          </a:p>
+        </p:txBody>
+      </p:sp>
+    </p:spTree>
+    <p:extLst>
+      <p:ext uri="{BB962C8B-B14F-4D97-AF65-F5344CB8AC3E}">
+        <p14:creationId xmlns:p14="http://schemas.microsoft.com/office/powerpoint/2010/main" val="3020478732"/>
+      </p:ext>
+    </p:extLst>
+  </p:cSld>
+  <p:clrMapOvr>
+    <a:masterClrMapping/>
+  </p:clrMapOvr>
+</p:sld>
+</file>
+
+<file path=ppt/slides/slide8.xml><?xml version="1.0" encoding="utf-8"?>
+<p:sld xmlns:a="http://schemas.openxmlformats.org/drawingml/2006/main" xmlns:r="http://schemas.openxmlformats.org/officeDocument/2006/relationships" xmlns:p="http://schemas.openxmlformats.org/presentationml/2006/main">
+  <p:cSld>
+    <p:spTree>
+      <p:nvGrpSpPr>
+        <p:cNvPr id="1" name=""/>
+        <p:cNvGrpSpPr/>
+        <p:nvPr/>
+      </p:nvGrpSpPr>
+      <p:grpSpPr>
+        <a:xfrm>
+          <a:off x="0" y="0"/>
+          <a:ext cx="0" cy="0"/>
+          <a:chOff x="0" y="0"/>
+          <a:chExt cx="0" cy="0"/>
+        </a:xfrm>
+      </p:grpSpPr>
+      <p:sp>
+        <p:nvSpPr>
+          <p:cNvPr id="3" name="Espaço Reservado para Conteúdo 2">
+            <a:extLst>
+              <a:ext uri="{FF2B5EF4-FFF2-40B4-BE49-F238E27FC236}">
+                <a16:creationId xmlns:a16="http://schemas.microsoft.com/office/drawing/2014/main" id="{9D483FB2-0ED1-8FCC-21CB-A106FC69C10E}"/>
+              </a:ext>
+            </a:extLst>
+          </p:cNvPr>
+          <p:cNvSpPr>
+            <a:spLocks noGrp="1"/>
+          </p:cNvSpPr>
+          <p:nvPr>
+            <p:ph idx="1"/>
+          </p:nvPr>
+        </p:nvSpPr>
+        <p:spPr/>
+        <p:txBody>
+          <a:bodyPr/>
+          <a:lstStyle/>
+          <a:p>
+            <a:endParaRPr lang="pt-BR"/>
+          </a:p>
+        </p:txBody>
+      </p:sp>
+      <p:sp>
+        <p:nvSpPr>
+          <p:cNvPr id="4" name="Espaço Reservado para Rodapé 3">
+            <a:extLst>
+              <a:ext uri="{FF2B5EF4-FFF2-40B4-BE49-F238E27FC236}">
+                <a16:creationId xmlns:a16="http://schemas.microsoft.com/office/drawing/2014/main" id="{54F5475D-649B-3E4C-5260-41F6D53510A1}"/>
+              </a:ext>
+            </a:extLst>
+          </p:cNvPr>
+          <p:cNvSpPr>
+            <a:spLocks noGrp="1"/>
+          </p:cNvSpPr>
+          <p:nvPr>
+            <p:ph type="ftr" sz="quarter" idx="11"/>
+          </p:nvPr>
+        </p:nvSpPr>
+        <p:spPr>
+          <a:xfrm>
+            <a:off x="3684596" y="6455648"/>
+            <a:ext cx="4822804" cy="365125"/>
+          </a:xfrm>
+        </p:spPr>
+        <p:txBody>
+          <a:bodyPr/>
+          <a:lstStyle/>
+          <a:p>
+            <a:r>
+              <a:rPr lang="pt-BR" dirty="0"/>
+              <a:t>Aprendizado Profundo - 2023</a:t>
+            </a:r>
+          </a:p>
+        </p:txBody>
+      </p:sp>
+      <p:pic>
+        <p:nvPicPr>
+          <p:cNvPr id="5" name="Imagem 4" descr="Janela de vidro&#10;&#10;Descrição gerada automaticamente com confiança média">
+            <a:extLst>
+              <a:ext uri="{FF2B5EF4-FFF2-40B4-BE49-F238E27FC236}">
+                <a16:creationId xmlns:a16="http://schemas.microsoft.com/office/drawing/2014/main" id="{8798A945-057A-0A71-EC62-BF030A111568}"/>
+              </a:ext>
+            </a:extLst>
+          </p:cNvPr>
+          <p:cNvPicPr>
+            <a:picLocks noChangeAspect="1"/>
+          </p:cNvPicPr>
+          <p:nvPr/>
+        </p:nvPicPr>
+        <p:blipFill>
+          <a:blip r:embed="rId2" cstate="print">
+            <a:extLst>
+              <a:ext uri="{28A0092B-C50C-407E-A947-70E740481C1C}">
+                <a14:useLocalDpi xmlns:a14="http://schemas.microsoft.com/office/drawing/2010/main" val="0"/>
+              </a:ext>
+            </a:extLst>
+          </a:blip>
+          <a:stretch>
+            <a:fillRect/>
+          </a:stretch>
+        </p:blipFill>
+        <p:spPr>
+          <a:xfrm>
+            <a:off x="118159" y="6470866"/>
+            <a:ext cx="373152" cy="332105"/>
+          </a:xfrm>
+          <a:prstGeom prst="rect">
+            <a:avLst/>
+          </a:prstGeom>
+        </p:spPr>
+      </p:pic>
+      <p:sp>
+        <p:nvSpPr>
+          <p:cNvPr id="6" name="Título 1">
+            <a:extLst>
+              <a:ext uri="{FF2B5EF4-FFF2-40B4-BE49-F238E27FC236}">
+                <a16:creationId xmlns:a16="http://schemas.microsoft.com/office/drawing/2014/main" id="{BEF6BD4E-7A40-F8C7-659F-21B3B72D8D2F}"/>
+              </a:ext>
+            </a:extLst>
+          </p:cNvPr>
+          <p:cNvSpPr>
+            <a:spLocks noGrp="1"/>
+          </p:cNvSpPr>
+          <p:nvPr>
+            <p:ph type="title"/>
+          </p:nvPr>
+        </p:nvSpPr>
+        <p:spPr>
+          <a:xfrm>
+            <a:off x="1097280" y="651850"/>
+            <a:ext cx="10058400" cy="696211"/>
+          </a:xfrm>
+        </p:spPr>
+        <p:txBody>
+          <a:bodyPr vert="horz" lIns="91440" tIns="45720" rIns="91440" bIns="45720" rtlCol="0" anchor="b">
+            <a:normAutofit/>
+          </a:bodyPr>
+          <a:lstStyle/>
+          <a:p>
+            <a:pPr marL="457200" indent="-457200">
+              <a:buFont typeface="Arial" panose="020B0604020202020204" pitchFamily="34" charset="0"/>
+              <a:buChar char="•"/>
+            </a:pPr>
+            <a:r>
+              <a:rPr lang="pt-BR" sz="2000" b="1" dirty="0">
+                <a:solidFill>
+                  <a:schemeClr val="tx1"/>
+                </a:solidFill>
+                <a:latin typeface="Arial" panose="020B0604020202020204" pitchFamily="34" charset="0"/>
+                <a:cs typeface="Arial" panose="020B0604020202020204" pitchFamily="34" charset="0"/>
+              </a:rPr>
+              <a:t>2. MODELOS</a:t>
+            </a:r>
+            <a:br>
+              <a:rPr lang="pt-BR" sz="2000" b="1" dirty="0">
+                <a:solidFill>
+                  <a:schemeClr val="tx1"/>
+                </a:solidFill>
+                <a:latin typeface="Arial" panose="020B0604020202020204" pitchFamily="34" charset="0"/>
+                <a:cs typeface="Arial" panose="020B0604020202020204" pitchFamily="34" charset="0"/>
+              </a:rPr>
+            </a:br>
+            <a:r>
+              <a:rPr lang="pt-BR" sz="2000" b="1" dirty="0">
+                <a:solidFill>
+                  <a:schemeClr val="tx1"/>
+                </a:solidFill>
+                <a:latin typeface="Arial" panose="020B0604020202020204" pitchFamily="34" charset="0"/>
+                <a:cs typeface="Arial" panose="020B0604020202020204" pitchFamily="34" charset="0"/>
+              </a:rPr>
+              <a:t>	</a:t>
+            </a:r>
+            <a:r>
+              <a:rPr lang="pt-BR" sz="1600" b="1" dirty="0">
+                <a:solidFill>
+                  <a:schemeClr val="tx1"/>
+                </a:solidFill>
+                <a:latin typeface="Arial" panose="020B0604020202020204" pitchFamily="34" charset="0"/>
+                <a:cs typeface="Arial" panose="020B0604020202020204" pitchFamily="34" charset="0"/>
+              </a:rPr>
+              <a:t>2.4. Transformers</a:t>
+            </a:r>
+          </a:p>
+        </p:txBody>
+      </p:sp>
+    </p:spTree>
+    <p:extLst>
+      <p:ext uri="{BB962C8B-B14F-4D97-AF65-F5344CB8AC3E}">
+        <p14:creationId xmlns:p14="http://schemas.microsoft.com/office/powerpoint/2010/main" val="108617851"/>
+      </p:ext>
+    </p:extLst>
+  </p:cSld>
+  <p:clrMapOvr>
+    <a:masterClrMapping/>
+  </p:clrMapOvr>
+</p:sld>
+</file>
+
+<file path=ppt/slides/slide9.xml><?xml version="1.0" encoding="utf-8"?>
+<p:sld xmlns:a="http://schemas.openxmlformats.org/drawingml/2006/main" xmlns:r="http://schemas.openxmlformats.org/officeDocument/2006/relationships" xmlns:p="http://schemas.openxmlformats.org/presentationml/2006/main">
+  <p:cSld>
+    <p:spTree>
+      <p:nvGrpSpPr>
+        <p:cNvPr id="1" name=""/>
+        <p:cNvGrpSpPr/>
+        <p:nvPr/>
+      </p:nvGrpSpPr>
+      <p:grpSpPr>
+        <a:xfrm>
+          <a:off x="0" y="0"/>
+          <a:ext cx="0" cy="0"/>
+          <a:chOff x="0" y="0"/>
+          <a:chExt cx="0" cy="0"/>
+        </a:xfrm>
+      </p:grpSpPr>
+      <p:sp>
+        <p:nvSpPr>
+          <p:cNvPr id="3" name="Espaço Reservado para Conteúdo 2">
+            <a:extLst>
+              <a:ext uri="{FF2B5EF4-FFF2-40B4-BE49-F238E27FC236}">
+                <a16:creationId xmlns:a16="http://schemas.microsoft.com/office/drawing/2014/main" id="{805A83F4-46D9-B4ED-60A3-B7F54D2925C3}"/>
+              </a:ext>
+            </a:extLst>
+          </p:cNvPr>
+          <p:cNvSpPr>
+            <a:spLocks noGrp="1"/>
+          </p:cNvSpPr>
+          <p:nvPr>
+            <p:ph idx="1"/>
+          </p:nvPr>
+        </p:nvSpPr>
+        <p:spPr>
+          <a:xfrm>
+            <a:off x="943371" y="2875600"/>
+            <a:ext cx="10058400" cy="589648"/>
+          </a:xfrm>
+        </p:spPr>
+        <p:txBody>
+          <a:bodyPr/>
+          <a:lstStyle/>
+          <a:p>
+            <a:pPr defTabSz="457200">
+              <a:lnSpc>
+                <a:spcPct val="100000"/>
+              </a:lnSpc>
+              <a:spcBef>
+                <a:spcPts val="0"/>
+              </a:spcBef>
+              <a:spcAft>
+                <a:spcPts val="0"/>
+              </a:spcAft>
+              <a:buClrTx/>
+              <a:buSzTx/>
+              <a:buFont typeface="Wingdings" panose="05000000000000000000" pitchFamily="2" charset="2"/>
+              <a:buChar char="Ø"/>
+            </a:pPr>
+            <a:r>
+              <a:rPr lang="pt-BR" sz="1600" b="1" dirty="0">
+                <a:solidFill>
+                  <a:prstClr val="black"/>
+                </a:solidFill>
+                <a:latin typeface="Arial" panose="020B0604020202020204" pitchFamily="34" charset="0"/>
+                <a:cs typeface="Arial" panose="020B0604020202020204" pitchFamily="34" charset="0"/>
+              </a:rPr>
+              <a:t> Técnicas de Data Augmentation</a:t>
+            </a:r>
           </a:p>
         </p:txBody>
       </p:sp>
@@ -9192,951 +14917,12 @@
           </a:prstGeom>
         </p:spPr>
       </p:pic>
-    </p:spTree>
-    <p:extLst>
-      <p:ext uri="{BB962C8B-B14F-4D97-AF65-F5344CB8AC3E}">
-        <p14:creationId xmlns:p14="http://schemas.microsoft.com/office/powerpoint/2010/main" val="3364916802"/>
-      </p:ext>
-    </p:extLst>
-  </p:cSld>
-  <p:clrMapOvr>
-    <a:masterClrMapping/>
-  </p:clrMapOvr>
-</p:sld>
-</file>
-
-<file path=ppt/slides/slide7.xml><?xml version="1.0" encoding="utf-8"?>
-<p:sld xmlns:a="http://schemas.openxmlformats.org/drawingml/2006/main" xmlns:r="http://schemas.openxmlformats.org/officeDocument/2006/relationships" xmlns:p="http://schemas.openxmlformats.org/presentationml/2006/main">
-  <p:cSld>
-    <p:spTree>
-      <p:nvGrpSpPr>
-        <p:cNvPr id="1" name=""/>
-        <p:cNvGrpSpPr/>
-        <p:nvPr/>
-      </p:nvGrpSpPr>
-      <p:grpSpPr>
-        <a:xfrm>
-          <a:off x="0" y="0"/>
-          <a:ext cx="0" cy="0"/>
-          <a:chOff x="0" y="0"/>
-          <a:chExt cx="0" cy="0"/>
-        </a:xfrm>
-      </p:grpSpPr>
-      <p:sp>
-        <p:nvSpPr>
-          <p:cNvPr id="10" name="Espaço Reservado para Rodapé 3">
-            <a:extLst>
-              <a:ext uri="{FF2B5EF4-FFF2-40B4-BE49-F238E27FC236}">
-                <a16:creationId xmlns:a16="http://schemas.microsoft.com/office/drawing/2014/main" id="{7F66009D-031C-6471-4F82-2BAE7C1BDF3D}"/>
-              </a:ext>
-            </a:extLst>
-          </p:cNvPr>
-          <p:cNvSpPr>
-            <a:spLocks noGrp="1"/>
-          </p:cNvSpPr>
-          <p:nvPr>
-            <p:ph type="ftr" sz="quarter" idx="11"/>
-          </p:nvPr>
-        </p:nvSpPr>
-        <p:spPr>
-          <a:xfrm>
-            <a:off x="3684596" y="6455648"/>
-            <a:ext cx="4822804" cy="365125"/>
-          </a:xfrm>
-        </p:spPr>
-        <p:txBody>
-          <a:bodyPr/>
-          <a:lstStyle/>
-          <a:p>
-            <a:r>
-              <a:rPr lang="pt-BR" dirty="0"/>
-              <a:t>Aprendizado Profundo - 2023</a:t>
-            </a:r>
-          </a:p>
-        </p:txBody>
-      </p:sp>
-      <p:pic>
-        <p:nvPicPr>
-          <p:cNvPr id="12" name="Imagem 11" descr="Janela de vidro&#10;&#10;Descrição gerada automaticamente com confiança média">
-            <a:extLst>
-              <a:ext uri="{FF2B5EF4-FFF2-40B4-BE49-F238E27FC236}">
-                <a16:creationId xmlns:a16="http://schemas.microsoft.com/office/drawing/2014/main" id="{D8FBDA2A-A6DD-C6CC-D078-3FD0953274F4}"/>
-              </a:ext>
-            </a:extLst>
-          </p:cNvPr>
-          <p:cNvPicPr>
-            <a:picLocks noChangeAspect="1"/>
-          </p:cNvPicPr>
-          <p:nvPr/>
-        </p:nvPicPr>
-        <p:blipFill>
-          <a:blip r:embed="rId2" cstate="print">
-            <a:extLst>
-              <a:ext uri="{28A0092B-C50C-407E-A947-70E740481C1C}">
-                <a14:useLocalDpi xmlns:a14="http://schemas.microsoft.com/office/drawing/2010/main" val="0"/>
-              </a:ext>
-            </a:extLst>
-          </a:blip>
-          <a:stretch>
-            <a:fillRect/>
-          </a:stretch>
-        </p:blipFill>
-        <p:spPr>
-          <a:xfrm>
-            <a:off x="118159" y="6470866"/>
-            <a:ext cx="373152" cy="332105"/>
-          </a:xfrm>
-          <a:prstGeom prst="rect">
-            <a:avLst/>
-          </a:prstGeom>
-        </p:spPr>
-      </p:pic>
-      <p:sp>
-        <p:nvSpPr>
-          <p:cNvPr id="14" name="Título 19">
-            <a:extLst>
-              <a:ext uri="{FF2B5EF4-FFF2-40B4-BE49-F238E27FC236}">
-                <a16:creationId xmlns:a16="http://schemas.microsoft.com/office/drawing/2014/main" id="{D9016752-F5C9-2BC1-143F-03C2F91A3F25}"/>
-              </a:ext>
-            </a:extLst>
-          </p:cNvPr>
-          <p:cNvSpPr txBox="1">
-            <a:spLocks/>
-          </p:cNvSpPr>
-          <p:nvPr/>
-        </p:nvSpPr>
-        <p:spPr>
-          <a:xfrm>
-            <a:off x="1097280" y="626919"/>
-            <a:ext cx="10058400" cy="720197"/>
-          </a:xfrm>
-          <a:prstGeom prst="rect">
-            <a:avLst/>
-          </a:prstGeom>
-        </p:spPr>
-        <p:txBody>
-          <a:bodyPr vert="horz" lIns="91440" tIns="45720" rIns="91440" bIns="45720" rtlCol="0" anchor="b">
-            <a:normAutofit/>
-          </a:bodyPr>
-          <a:lstStyle>
-            <a:lvl1pPr marL="0" algn="l" defTabSz="914400" rtl="0" eaLnBrk="1" latinLnBrk="0" hangingPunct="1">
-              <a:lnSpc>
-                <a:spcPct val="85000"/>
-              </a:lnSpc>
-              <a:spcBef>
-                <a:spcPct val="0"/>
-              </a:spcBef>
-              <a:buNone/>
-              <a:defRPr sz="4800" kern="1200" spc="-50" baseline="0">
-                <a:solidFill>
-                  <a:schemeClr val="tx1">
-                    <a:lumMod val="75000"/>
-                    <a:lumOff val="25000"/>
-                  </a:schemeClr>
-                </a:solidFill>
-                <a:latin typeface="+mj-lt"/>
-                <a:ea typeface="+mj-ea"/>
-                <a:cs typeface="+mj-cs"/>
-              </a:defRPr>
-            </a:lvl1pPr>
-          </a:lstStyle>
-          <a:p>
-            <a:pPr marL="457200" indent="-457200">
-              <a:buFont typeface="Arial" panose="020B0604020202020204" pitchFamily="34" charset="0"/>
-              <a:buChar char="•"/>
-            </a:pPr>
-            <a:r>
-              <a:rPr lang="pt-BR" sz="2000" b="1" dirty="0">
-                <a:solidFill>
-                  <a:schemeClr val="tx1"/>
-                </a:solidFill>
-                <a:latin typeface="Arial" panose="020B0604020202020204" pitchFamily="34" charset="0"/>
-                <a:cs typeface="Arial" panose="020B0604020202020204" pitchFamily="34" charset="0"/>
-              </a:rPr>
-              <a:t>4.	</a:t>
-            </a:r>
-            <a:r>
-              <a:rPr lang="pt-BR" sz="2000" b="1" dirty="0">
-                <a:solidFill>
-                  <a:prstClr val="black"/>
-                </a:solidFill>
-                <a:latin typeface="Arial" panose="020B0604020202020204" pitchFamily="34" charset="0"/>
-                <a:cs typeface="Arial" panose="020B0604020202020204" pitchFamily="34" charset="0"/>
-              </a:rPr>
-              <a:t>RESULTADOS E CONCLUSÃO</a:t>
-            </a:r>
-            <a:br>
-              <a:rPr lang="pt-BR" sz="2000" b="1" dirty="0">
-                <a:solidFill>
-                  <a:schemeClr val="tx1"/>
-                </a:solidFill>
-                <a:latin typeface="Arial" panose="020B0604020202020204" pitchFamily="34" charset="0"/>
-                <a:cs typeface="Arial" panose="020B0604020202020204" pitchFamily="34" charset="0"/>
-              </a:rPr>
-            </a:br>
-            <a:r>
-              <a:rPr lang="pt-BR" sz="2000" b="1" dirty="0">
-                <a:solidFill>
-                  <a:schemeClr val="tx1"/>
-                </a:solidFill>
-                <a:latin typeface="Arial" panose="020B0604020202020204" pitchFamily="34" charset="0"/>
-                <a:cs typeface="Arial" panose="020B0604020202020204" pitchFamily="34" charset="0"/>
-              </a:rPr>
-              <a:t>	</a:t>
-            </a:r>
-            <a:r>
-              <a:rPr lang="pt-BR" sz="1600" b="1" dirty="0">
-                <a:solidFill>
-                  <a:schemeClr val="tx1"/>
-                </a:solidFill>
-                <a:latin typeface="Arial" panose="020B0604020202020204" pitchFamily="34" charset="0"/>
-                <a:cs typeface="Arial" panose="020B0604020202020204" pitchFamily="34" charset="0"/>
-              </a:rPr>
-              <a:t>4.1. Conjuntos de Dados</a:t>
-            </a:r>
-            <a:endParaRPr lang="pt-BR" sz="2000" b="1" dirty="0">
-              <a:solidFill>
-                <a:schemeClr val="tx1"/>
-              </a:solidFill>
-              <a:latin typeface="Arial" panose="020B0604020202020204" pitchFamily="34" charset="0"/>
-              <a:cs typeface="Arial" panose="020B0604020202020204" pitchFamily="34" charset="0"/>
-            </a:endParaRPr>
-          </a:p>
-        </p:txBody>
-      </p:sp>
-      <p:graphicFrame>
-        <p:nvGraphicFramePr>
-          <p:cNvPr id="6" name="Tabela 5">
-            <a:extLst>
-              <a:ext uri="{FF2B5EF4-FFF2-40B4-BE49-F238E27FC236}">
-                <a16:creationId xmlns:a16="http://schemas.microsoft.com/office/drawing/2014/main" id="{D28D93F6-F59E-6972-BAAB-870B7503203C}"/>
-              </a:ext>
-            </a:extLst>
-          </p:cNvPr>
-          <p:cNvGraphicFramePr>
-            <a:graphicFrameLocks noGrp="1"/>
-          </p:cNvGraphicFramePr>
-          <p:nvPr>
-            <p:extLst>
-              <p:ext uri="{D42A27DB-BD31-4B8C-83A1-F6EECF244321}">
-                <p14:modId xmlns:p14="http://schemas.microsoft.com/office/powerpoint/2010/main" val="675322667"/>
-              </p:ext>
-            </p:extLst>
-          </p:nvPr>
-        </p:nvGraphicFramePr>
-        <p:xfrm>
-          <a:off x="4341233" y="2133600"/>
-          <a:ext cx="3970124" cy="1965960"/>
-        </p:xfrm>
-        <a:graphic>
-          <a:graphicData uri="http://schemas.openxmlformats.org/drawingml/2006/table">
-            <a:tbl>
-              <a:tblPr firstRow="1" bandRow="1">
-                <a:effectLst/>
-                <a:tableStyleId>{5C22544A-7EE6-4342-B048-85BDC9FD1C3A}</a:tableStyleId>
-              </a:tblPr>
-              <a:tblGrid>
-                <a:gridCol w="1689631">
-                  <a:extLst>
-                    <a:ext uri="{9D8B030D-6E8A-4147-A177-3AD203B41FA5}">
-                      <a16:colId xmlns:a16="http://schemas.microsoft.com/office/drawing/2014/main" val="4249006466"/>
-                    </a:ext>
-                  </a:extLst>
-                </a:gridCol>
-                <a:gridCol w="2280493">
-                  <a:extLst>
-                    <a:ext uri="{9D8B030D-6E8A-4147-A177-3AD203B41FA5}">
-                      <a16:colId xmlns:a16="http://schemas.microsoft.com/office/drawing/2014/main" val="1040954500"/>
-                    </a:ext>
-                  </a:extLst>
-                </a:gridCol>
-              </a:tblGrid>
-              <a:tr h="165838">
-                <a:tc>
-                  <a:txBody>
-                    <a:bodyPr/>
-                    <a:lstStyle/>
-                    <a:p>
-                      <a:pPr algn="ctr"/>
-                      <a:r>
-                        <a:rPr lang="pt-BR" sz="1200" b="1" cap="none" spc="0" dirty="0">
-                          <a:ln>
-                            <a:noFill/>
-                          </a:ln>
-                          <a:solidFill>
-                            <a:schemeClr val="tx1"/>
-                          </a:solidFill>
-                          <a:effectLst/>
-                          <a:latin typeface="Arial" panose="020B0604020202020204" pitchFamily="34" charset="0"/>
-                          <a:cs typeface="Arial" panose="020B0604020202020204" pitchFamily="34" charset="0"/>
-                        </a:rPr>
-                        <a:t>Conjuntos de Dados</a:t>
-                      </a:r>
-                    </a:p>
-                  </a:txBody>
-                  <a:tcPr>
-                    <a:lnL w="12700" cap="flat" cmpd="sng" algn="ctr">
-                      <a:solidFill>
-                        <a:schemeClr val="tx1"/>
-                      </a:solidFill>
-                      <a:prstDash val="solid"/>
-                      <a:round/>
-                      <a:headEnd type="none" w="med" len="med"/>
-                      <a:tailEnd type="none" w="med" len="med"/>
-                    </a:lnL>
-                    <a:lnR w="12700" cap="flat" cmpd="sng" algn="ctr">
-                      <a:solidFill>
-                        <a:schemeClr val="tx1"/>
-                      </a:solidFill>
-                      <a:prstDash val="solid"/>
-                      <a:round/>
-                      <a:headEnd type="none" w="med" len="med"/>
-                      <a:tailEnd type="none" w="med" len="med"/>
-                    </a:lnR>
-                    <a:lnT w="12700" cap="flat" cmpd="sng" algn="ctr">
-                      <a:solidFill>
-                        <a:schemeClr val="tx1"/>
-                      </a:solidFill>
-                      <a:prstDash val="solid"/>
-                      <a:round/>
-                      <a:headEnd type="none" w="med" len="med"/>
-                      <a:tailEnd type="none" w="med" len="med"/>
-                    </a:lnT>
-                    <a:lnB w="12700" cap="flat" cmpd="sng" algn="ctr">
-                      <a:solidFill>
-                        <a:schemeClr val="tx1"/>
-                      </a:solidFill>
-                      <a:prstDash val="solid"/>
-                      <a:round/>
-                      <a:headEnd type="none" w="med" len="med"/>
-                      <a:tailEnd type="none" w="med" len="med"/>
-                    </a:lnB>
-                    <a:noFill/>
-                  </a:tcPr>
-                </a:tc>
-                <a:tc>
-                  <a:txBody>
-                    <a:bodyPr/>
-                    <a:lstStyle/>
-                    <a:p>
-                      <a:pPr algn="ctr"/>
-                      <a:r>
-                        <a:rPr lang="pt-BR" sz="1200" b="1" cap="none" spc="0" dirty="0">
-                          <a:ln>
-                            <a:noFill/>
-                          </a:ln>
-                          <a:solidFill>
-                            <a:schemeClr val="tx1"/>
-                          </a:solidFill>
-                          <a:effectLst/>
-                          <a:latin typeface="Arial" panose="020B0604020202020204" pitchFamily="34" charset="0"/>
-                          <a:cs typeface="Arial" panose="020B0604020202020204" pitchFamily="34" charset="0"/>
-                        </a:rPr>
-                        <a:t>Classes: Quantidade</a:t>
-                      </a:r>
-                    </a:p>
-                  </a:txBody>
-                  <a:tcPr>
-                    <a:lnL w="12700" cap="flat" cmpd="sng" algn="ctr">
-                      <a:solidFill>
-                        <a:schemeClr val="tx1"/>
-                      </a:solidFill>
-                      <a:prstDash val="solid"/>
-                      <a:round/>
-                      <a:headEnd type="none" w="med" len="med"/>
-                      <a:tailEnd type="none" w="med" len="med"/>
-                    </a:lnL>
-                    <a:lnR w="12700" cap="flat" cmpd="sng" algn="ctr">
-                      <a:solidFill>
-                        <a:schemeClr val="tx1"/>
-                      </a:solidFill>
-                      <a:prstDash val="solid"/>
-                      <a:round/>
-                      <a:headEnd type="none" w="med" len="med"/>
-                      <a:tailEnd type="none" w="med" len="med"/>
-                    </a:lnR>
-                    <a:lnT w="12700" cap="flat" cmpd="sng" algn="ctr">
-                      <a:solidFill>
-                        <a:schemeClr val="tx1"/>
-                      </a:solidFill>
-                      <a:prstDash val="solid"/>
-                      <a:round/>
-                      <a:headEnd type="none" w="med" len="med"/>
-                      <a:tailEnd type="none" w="med" len="med"/>
-                    </a:lnT>
-                    <a:lnB w="12700" cap="flat" cmpd="sng" algn="ctr">
-                      <a:solidFill>
-                        <a:schemeClr val="tx1"/>
-                      </a:solidFill>
-                      <a:prstDash val="solid"/>
-                      <a:round/>
-                      <a:headEnd type="none" w="med" len="med"/>
-                      <a:tailEnd type="none" w="med" len="med"/>
-                    </a:lnB>
-                    <a:noFill/>
-                  </a:tcPr>
-                </a:tc>
-                <a:extLst>
-                  <a:ext uri="{0D108BD9-81ED-4DB2-BD59-A6C34878D82A}">
-                    <a16:rowId xmlns:a16="http://schemas.microsoft.com/office/drawing/2014/main" val="3144703543"/>
-                  </a:ext>
-                </a:extLst>
-              </a:tr>
-              <a:tr h="119368">
-                <a:tc>
-                  <a:txBody>
-                    <a:bodyPr/>
-                    <a:lstStyle/>
-                    <a:p>
-                      <a:pPr algn="ctr"/>
-                      <a:r>
-                        <a:rPr lang="pt-BR" sz="1100" b="0" cap="none" spc="0" dirty="0">
-                          <a:ln>
-                            <a:noFill/>
-                          </a:ln>
-                          <a:solidFill>
-                            <a:schemeClr val="tx1"/>
-                          </a:solidFill>
-                          <a:effectLst/>
-                          <a:latin typeface="Arial" panose="020B0604020202020204" pitchFamily="34" charset="0"/>
-                          <a:cs typeface="Arial" panose="020B0604020202020204" pitchFamily="34" charset="0"/>
-                        </a:rPr>
-                        <a:t>Livraria</a:t>
-                      </a:r>
-                    </a:p>
-                  </a:txBody>
-                  <a:tcPr>
-                    <a:lnL w="12700" cap="flat" cmpd="sng" algn="ctr">
-                      <a:solidFill>
-                        <a:schemeClr val="tx1"/>
-                      </a:solidFill>
-                      <a:prstDash val="solid"/>
-                      <a:round/>
-                      <a:headEnd type="none" w="med" len="med"/>
-                      <a:tailEnd type="none" w="med" len="med"/>
-                    </a:lnL>
-                    <a:lnR w="12700" cap="flat" cmpd="sng" algn="ctr">
-                      <a:solidFill>
-                        <a:schemeClr val="tx1"/>
-                      </a:solidFill>
-                      <a:prstDash val="solid"/>
-                      <a:round/>
-                      <a:headEnd type="none" w="med" len="med"/>
-                      <a:tailEnd type="none" w="med" len="med"/>
-                    </a:lnR>
-                    <a:lnT w="12700" cap="flat" cmpd="sng" algn="ctr">
-                      <a:solidFill>
-                        <a:schemeClr val="tx1"/>
-                      </a:solidFill>
-                      <a:prstDash val="solid"/>
-                      <a:round/>
-                      <a:headEnd type="none" w="med" len="med"/>
-                      <a:tailEnd type="none" w="med" len="med"/>
-                    </a:lnT>
-                    <a:lnB w="12700" cap="flat" cmpd="sng" algn="ctr">
-                      <a:solidFill>
-                        <a:schemeClr val="tx1"/>
-                      </a:solidFill>
-                      <a:prstDash val="solid"/>
-                      <a:round/>
-                      <a:headEnd type="none" w="med" len="med"/>
-                      <a:tailEnd type="none" w="med" len="med"/>
-                    </a:lnB>
-                    <a:noFill/>
-                  </a:tcPr>
-                </a:tc>
-                <a:tc>
-                  <a:txBody>
-                    <a:bodyPr/>
-                    <a:lstStyle/>
-                    <a:p>
-                      <a:pPr marL="0" marR="0" lvl="0" indent="0" algn="ctr" defTabSz="914400" rtl="0" eaLnBrk="1" fontAlgn="auto" latinLnBrk="0" hangingPunct="1">
-                        <a:lnSpc>
-                          <a:spcPct val="100000"/>
-                        </a:lnSpc>
-                        <a:spcBef>
-                          <a:spcPts val="0"/>
-                        </a:spcBef>
-                        <a:spcAft>
-                          <a:spcPts val="0"/>
-                        </a:spcAft>
-                        <a:buClrTx/>
-                        <a:buSzTx/>
-                        <a:buFontTx/>
-                        <a:buNone/>
-                        <a:tabLst/>
-                        <a:defRPr/>
-                      </a:pPr>
-                      <a:r>
-                        <a:rPr lang="pt-BR" sz="1100" b="0" kern="1200" cap="none" spc="0" dirty="0" err="1">
-                          <a:ln>
-                            <a:noFill/>
-                          </a:ln>
-                          <a:solidFill>
-                            <a:schemeClr val="tx1"/>
-                          </a:solidFill>
-                          <a:effectLst/>
-                          <a:latin typeface="Arial" panose="020B0604020202020204" pitchFamily="34" charset="0"/>
-                          <a:ea typeface="+mn-ea"/>
-                          <a:cs typeface="Arial" panose="020B0604020202020204" pitchFamily="34" charset="0"/>
-                        </a:rPr>
-                        <a:t>Administracao</a:t>
-                      </a:r>
-                      <a:r>
-                        <a:rPr lang="pt-BR" sz="1100" b="0" kern="1200" cap="none" spc="0" dirty="0">
-                          <a:ln>
-                            <a:noFill/>
-                          </a:ln>
-                          <a:solidFill>
-                            <a:schemeClr val="tx1"/>
-                          </a:solidFill>
-                          <a:effectLst/>
-                          <a:latin typeface="Arial" panose="020B0604020202020204" pitchFamily="34" charset="0"/>
-                          <a:ea typeface="+mn-ea"/>
-                          <a:cs typeface="Arial" panose="020B0604020202020204" pitchFamily="34" charset="0"/>
-                        </a:rPr>
-                        <a:t>: 134</a:t>
-                      </a:r>
-                    </a:p>
-                    <a:p>
-                      <a:pPr marL="0" marR="0" lvl="0" indent="0" algn="ctr" defTabSz="914400" rtl="0" eaLnBrk="1" fontAlgn="auto" latinLnBrk="0" hangingPunct="1">
-                        <a:lnSpc>
-                          <a:spcPct val="100000"/>
-                        </a:lnSpc>
-                        <a:spcBef>
-                          <a:spcPts val="0"/>
-                        </a:spcBef>
-                        <a:spcAft>
-                          <a:spcPts val="0"/>
-                        </a:spcAft>
-                        <a:buClrTx/>
-                        <a:buSzTx/>
-                        <a:buFontTx/>
-                        <a:buNone/>
-                        <a:tabLst/>
-                        <a:defRPr/>
-                      </a:pPr>
-                      <a:r>
-                        <a:rPr lang="pt-BR" sz="1100" b="0" kern="1200" cap="none" spc="0" dirty="0">
-                          <a:ln>
-                            <a:noFill/>
-                          </a:ln>
-                          <a:solidFill>
-                            <a:schemeClr val="tx1"/>
-                          </a:solidFill>
-                          <a:effectLst/>
-                          <a:latin typeface="Arial" panose="020B0604020202020204" pitchFamily="34" charset="0"/>
-                          <a:ea typeface="+mn-ea"/>
-                          <a:cs typeface="Arial" panose="020B0604020202020204" pitchFamily="34" charset="0"/>
-                        </a:rPr>
-                        <a:t>Historia: 350</a:t>
-                      </a:r>
-                    </a:p>
-                    <a:p>
-                      <a:pPr marL="0" marR="0" lvl="0" indent="0" algn="ctr" defTabSz="914400" rtl="0" eaLnBrk="1" fontAlgn="auto" latinLnBrk="0" hangingPunct="1">
-                        <a:lnSpc>
-                          <a:spcPct val="100000"/>
-                        </a:lnSpc>
-                        <a:spcBef>
-                          <a:spcPts val="0"/>
-                        </a:spcBef>
-                        <a:spcAft>
-                          <a:spcPts val="0"/>
-                        </a:spcAft>
-                        <a:buClrTx/>
-                        <a:buSzTx/>
-                        <a:buFontTx/>
-                        <a:buNone/>
-                        <a:tabLst/>
-                        <a:defRPr/>
-                      </a:pPr>
-                      <a:r>
-                        <a:rPr lang="pt-BR" sz="1100" b="0" kern="1200" cap="none" spc="0" dirty="0">
-                          <a:ln>
-                            <a:noFill/>
-                          </a:ln>
-                          <a:solidFill>
-                            <a:schemeClr val="tx1"/>
-                          </a:solidFill>
-                          <a:effectLst/>
-                          <a:latin typeface="Arial" panose="020B0604020202020204" pitchFamily="34" charset="0"/>
-                          <a:ea typeface="+mn-ea"/>
-                          <a:cs typeface="Arial" panose="020B0604020202020204" pitchFamily="34" charset="0"/>
-                        </a:rPr>
-                        <a:t> Artes: 70</a:t>
-                      </a:r>
-                    </a:p>
-                    <a:p>
-                      <a:pPr marL="0" marR="0" lvl="0" indent="0" algn="ctr" defTabSz="914400" rtl="0" eaLnBrk="1" fontAlgn="auto" latinLnBrk="0" hangingPunct="1">
-                        <a:lnSpc>
-                          <a:spcPct val="100000"/>
-                        </a:lnSpc>
-                        <a:spcBef>
-                          <a:spcPts val="0"/>
-                        </a:spcBef>
-                        <a:spcAft>
-                          <a:spcPts val="0"/>
-                        </a:spcAft>
-                        <a:buClrTx/>
-                        <a:buSzTx/>
-                        <a:buFontTx/>
-                        <a:buNone/>
-                        <a:tabLst/>
-                        <a:defRPr/>
-                      </a:pPr>
-                      <a:r>
-                        <a:rPr lang="pt-BR" sz="1100" b="0" kern="1200" cap="none" spc="0" dirty="0">
-                          <a:ln>
-                            <a:noFill/>
-                          </a:ln>
-                          <a:solidFill>
-                            <a:schemeClr val="tx1"/>
-                          </a:solidFill>
-                          <a:effectLst/>
-                          <a:latin typeface="Arial" panose="020B0604020202020204" pitchFamily="34" charset="0"/>
-                          <a:ea typeface="+mn-ea"/>
-                          <a:cs typeface="Arial" panose="020B0604020202020204" pitchFamily="34" charset="0"/>
-                        </a:rPr>
-                        <a:t> Biologia: 114</a:t>
-                      </a:r>
-                    </a:p>
-                    <a:p>
-                      <a:pPr marL="0" marR="0" lvl="0" indent="0" algn="ctr" defTabSz="914400" rtl="0" eaLnBrk="1" fontAlgn="auto" latinLnBrk="0" hangingPunct="1">
-                        <a:lnSpc>
-                          <a:spcPct val="100000"/>
-                        </a:lnSpc>
-                        <a:spcBef>
-                          <a:spcPts val="0"/>
-                        </a:spcBef>
-                        <a:spcAft>
-                          <a:spcPts val="0"/>
-                        </a:spcAft>
-                        <a:buClrTx/>
-                        <a:buSzTx/>
-                        <a:buFontTx/>
-                        <a:buNone/>
-                        <a:tabLst/>
-                        <a:defRPr/>
-                      </a:pPr>
-                      <a:r>
-                        <a:rPr lang="pt-BR" sz="1100" b="0" kern="1200" cap="none" spc="0" dirty="0">
-                          <a:ln>
-                            <a:noFill/>
-                          </a:ln>
-                          <a:solidFill>
-                            <a:schemeClr val="tx1"/>
-                          </a:solidFill>
-                          <a:effectLst/>
-                          <a:latin typeface="Arial" panose="020B0604020202020204" pitchFamily="34" charset="0"/>
-                          <a:ea typeface="+mn-ea"/>
-                          <a:cs typeface="Arial" panose="020B0604020202020204" pitchFamily="34" charset="0"/>
-                        </a:rPr>
-                        <a:t> </a:t>
-                      </a:r>
-                      <a:r>
-                        <a:rPr lang="pt-BR" sz="1100" b="0" kern="1200" cap="none" spc="0" dirty="0" err="1">
-                          <a:ln>
-                            <a:noFill/>
-                          </a:ln>
-                          <a:solidFill>
-                            <a:schemeClr val="tx1"/>
-                          </a:solidFill>
-                          <a:effectLst/>
-                          <a:latin typeface="Arial" panose="020B0604020202020204" pitchFamily="34" charset="0"/>
-                          <a:ea typeface="+mn-ea"/>
-                          <a:cs typeface="Arial" panose="020B0604020202020204" pitchFamily="34" charset="0"/>
-                        </a:rPr>
-                        <a:t>Matematica</a:t>
-                      </a:r>
-                      <a:r>
-                        <a:rPr lang="pt-BR" sz="1100" b="0" kern="1200" cap="none" spc="0" dirty="0">
-                          <a:ln>
-                            <a:noFill/>
-                          </a:ln>
-                          <a:solidFill>
-                            <a:schemeClr val="tx1"/>
-                          </a:solidFill>
-                          <a:effectLst/>
-                          <a:latin typeface="Arial" panose="020B0604020202020204" pitchFamily="34" charset="0"/>
-                          <a:ea typeface="+mn-ea"/>
-                          <a:cs typeface="Arial" panose="020B0604020202020204" pitchFamily="34" charset="0"/>
-                        </a:rPr>
-                        <a:t>: 104</a:t>
-                      </a:r>
-                    </a:p>
-                    <a:p>
-                      <a:pPr marL="0" marR="0" lvl="0" indent="0" algn="ctr" defTabSz="914400" rtl="0" eaLnBrk="1" fontAlgn="auto" latinLnBrk="0" hangingPunct="1">
-                        <a:lnSpc>
-                          <a:spcPct val="100000"/>
-                        </a:lnSpc>
-                        <a:spcBef>
-                          <a:spcPts val="0"/>
-                        </a:spcBef>
-                        <a:spcAft>
-                          <a:spcPts val="0"/>
-                        </a:spcAft>
-                        <a:buClrTx/>
-                        <a:buSzTx/>
-                        <a:buFontTx/>
-                        <a:buNone/>
-                        <a:tabLst/>
-                        <a:defRPr/>
-                      </a:pPr>
-                      <a:r>
-                        <a:rPr lang="pt-BR" sz="1100" b="0" kern="1200" cap="none" spc="0" dirty="0">
-                          <a:ln>
-                            <a:noFill/>
-                          </a:ln>
-                          <a:solidFill>
-                            <a:schemeClr val="tx1"/>
-                          </a:solidFill>
-                          <a:effectLst/>
-                          <a:latin typeface="Arial" panose="020B0604020202020204" pitchFamily="34" charset="0"/>
-                          <a:ea typeface="+mn-ea"/>
-                          <a:cs typeface="Arial" panose="020B0604020202020204" pitchFamily="34" charset="0"/>
-                        </a:rPr>
-                        <a:t> Geografia: 116</a:t>
-                      </a:r>
-                    </a:p>
-                    <a:p>
-                      <a:pPr marL="0" marR="0" lvl="0" indent="0" algn="ctr" defTabSz="914400" rtl="0" eaLnBrk="1" fontAlgn="auto" latinLnBrk="0" hangingPunct="1">
-                        <a:lnSpc>
-                          <a:spcPct val="100000"/>
-                        </a:lnSpc>
-                        <a:spcBef>
-                          <a:spcPts val="0"/>
-                        </a:spcBef>
-                        <a:spcAft>
-                          <a:spcPts val="0"/>
-                        </a:spcAft>
-                        <a:buClrTx/>
-                        <a:buSzTx/>
-                        <a:buFontTx/>
-                        <a:buNone/>
-                        <a:tabLst/>
-                        <a:defRPr/>
-                      </a:pPr>
-                      <a:r>
-                        <a:rPr lang="pt-BR" sz="1100" b="0" kern="1200" cap="none" spc="0" dirty="0">
-                          <a:ln>
-                            <a:noFill/>
-                          </a:ln>
-                          <a:solidFill>
-                            <a:schemeClr val="tx1"/>
-                          </a:solidFill>
-                          <a:effectLst/>
-                          <a:latin typeface="Arial" panose="020B0604020202020204" pitchFamily="34" charset="0"/>
-                          <a:ea typeface="+mn-ea"/>
-                          <a:cs typeface="Arial" panose="020B0604020202020204" pitchFamily="34" charset="0"/>
-                        </a:rPr>
-                        <a:t> Literatura: 42</a:t>
-                      </a:r>
-                    </a:p>
-                  </a:txBody>
-                  <a:tcPr>
-                    <a:lnL w="12700" cap="flat" cmpd="sng" algn="ctr">
-                      <a:solidFill>
-                        <a:schemeClr val="tx1"/>
-                      </a:solidFill>
-                      <a:prstDash val="solid"/>
-                      <a:round/>
-                      <a:headEnd type="none" w="med" len="med"/>
-                      <a:tailEnd type="none" w="med" len="med"/>
-                    </a:lnL>
-                    <a:lnR w="12700" cap="flat" cmpd="sng" algn="ctr">
-                      <a:solidFill>
-                        <a:schemeClr val="tx1"/>
-                      </a:solidFill>
-                      <a:prstDash val="solid"/>
-                      <a:round/>
-                      <a:headEnd type="none" w="med" len="med"/>
-                      <a:tailEnd type="none" w="med" len="med"/>
-                    </a:lnR>
-                    <a:lnT w="12700" cap="flat" cmpd="sng" algn="ctr">
-                      <a:solidFill>
-                        <a:schemeClr val="tx1"/>
-                      </a:solidFill>
-                      <a:prstDash val="solid"/>
-                      <a:round/>
-                      <a:headEnd type="none" w="med" len="med"/>
-                      <a:tailEnd type="none" w="med" len="med"/>
-                    </a:lnT>
-                    <a:lnB w="12700" cap="flat" cmpd="sng" algn="ctr">
-                      <a:solidFill>
-                        <a:schemeClr val="tx1"/>
-                      </a:solidFill>
-                      <a:prstDash val="solid"/>
-                      <a:round/>
-                      <a:headEnd type="none" w="med" len="med"/>
-                      <a:tailEnd type="none" w="med" len="med"/>
-                    </a:lnB>
-                    <a:noFill/>
-                  </a:tcPr>
-                </a:tc>
-                <a:extLst>
-                  <a:ext uri="{0D108BD9-81ED-4DB2-BD59-A6C34878D82A}">
-                    <a16:rowId xmlns:a16="http://schemas.microsoft.com/office/drawing/2014/main" val="3932085244"/>
-                  </a:ext>
-                </a:extLst>
-              </a:tr>
-              <a:tr h="119368">
-                <a:tc>
-                  <a:txBody>
-                    <a:bodyPr/>
-                    <a:lstStyle/>
-                    <a:p>
-                      <a:pPr algn="ctr"/>
-                      <a:r>
-                        <a:rPr lang="pt-BR" sz="1100" b="0" cap="none" spc="0" dirty="0">
-                          <a:ln>
-                            <a:noFill/>
-                          </a:ln>
-                          <a:solidFill>
-                            <a:schemeClr val="tx1"/>
-                          </a:solidFill>
-                          <a:effectLst/>
-                          <a:latin typeface="Arial" panose="020B0604020202020204" pitchFamily="34" charset="0"/>
-                          <a:cs typeface="Arial" panose="020B0604020202020204" pitchFamily="34" charset="0"/>
-                        </a:rPr>
-                        <a:t>SMS Spam</a:t>
-                      </a:r>
-                    </a:p>
-                  </a:txBody>
-                  <a:tcPr>
-                    <a:lnL w="12700" cap="flat" cmpd="sng" algn="ctr">
-                      <a:solidFill>
-                        <a:schemeClr val="tx1"/>
-                      </a:solidFill>
-                      <a:prstDash val="solid"/>
-                      <a:round/>
-                      <a:headEnd type="none" w="med" len="med"/>
-                      <a:tailEnd type="none" w="med" len="med"/>
-                    </a:lnL>
-                    <a:lnR w="12700" cap="flat" cmpd="sng" algn="ctr">
-                      <a:solidFill>
-                        <a:schemeClr val="tx1"/>
-                      </a:solidFill>
-                      <a:prstDash val="solid"/>
-                      <a:round/>
-                      <a:headEnd type="none" w="med" len="med"/>
-                      <a:tailEnd type="none" w="med" len="med"/>
-                    </a:lnR>
-                    <a:lnT w="12700" cap="flat" cmpd="sng" algn="ctr">
-                      <a:solidFill>
-                        <a:schemeClr val="tx1"/>
-                      </a:solidFill>
-                      <a:prstDash val="solid"/>
-                      <a:round/>
-                      <a:headEnd type="none" w="med" len="med"/>
-                      <a:tailEnd type="none" w="med" len="med"/>
-                    </a:lnT>
-                    <a:lnB w="12700" cap="flat" cmpd="sng" algn="ctr">
-                      <a:solidFill>
-                        <a:schemeClr val="tx1"/>
-                      </a:solidFill>
-                      <a:prstDash val="solid"/>
-                      <a:round/>
-                      <a:headEnd type="none" w="med" len="med"/>
-                      <a:tailEnd type="none" w="med" len="med"/>
-                    </a:lnB>
-                    <a:noFill/>
-                  </a:tcPr>
-                </a:tc>
-                <a:tc>
-                  <a:txBody>
-                    <a:bodyPr/>
-                    <a:lstStyle/>
-                    <a:p>
-                      <a:pPr algn="ctr"/>
-                      <a:r>
-                        <a:rPr lang="pt-BR" sz="1100" b="0" cap="none" spc="0" dirty="0">
-                          <a:ln>
-                            <a:noFill/>
-                          </a:ln>
-                          <a:solidFill>
-                            <a:schemeClr val="tx1"/>
-                          </a:solidFill>
-                          <a:effectLst/>
-                          <a:latin typeface="Arial" panose="020B0604020202020204" pitchFamily="34" charset="0"/>
-                          <a:cs typeface="Arial" panose="020B0604020202020204" pitchFamily="34" charset="0"/>
-                        </a:rPr>
-                        <a:t>Ham: 87 </a:t>
-                      </a:r>
-                    </a:p>
-                    <a:p>
-                      <a:pPr algn="ctr"/>
-                      <a:r>
-                        <a:rPr lang="pt-BR" sz="1100" b="0" cap="none" spc="0" dirty="0">
-                          <a:ln>
-                            <a:noFill/>
-                          </a:ln>
-                          <a:solidFill>
-                            <a:schemeClr val="tx1"/>
-                          </a:solidFill>
-                          <a:effectLst/>
-                          <a:latin typeface="Arial" panose="020B0604020202020204" pitchFamily="34" charset="0"/>
-                          <a:cs typeface="Arial" panose="020B0604020202020204" pitchFamily="34" charset="0"/>
-                        </a:rPr>
-                        <a:t>Spam: 99</a:t>
-                      </a:r>
-                    </a:p>
-                  </a:txBody>
-                  <a:tcPr>
-                    <a:lnL w="12700" cap="flat" cmpd="sng" algn="ctr">
-                      <a:solidFill>
-                        <a:schemeClr val="tx1"/>
-                      </a:solidFill>
-                      <a:prstDash val="solid"/>
-                      <a:round/>
-                      <a:headEnd type="none" w="med" len="med"/>
-                      <a:tailEnd type="none" w="med" len="med"/>
-                    </a:lnL>
-                    <a:lnR w="12700" cap="flat" cmpd="sng" algn="ctr">
-                      <a:solidFill>
-                        <a:schemeClr val="tx1"/>
-                      </a:solidFill>
-                      <a:prstDash val="solid"/>
-                      <a:round/>
-                      <a:headEnd type="none" w="med" len="med"/>
-                      <a:tailEnd type="none" w="med" len="med"/>
-                    </a:lnR>
-                    <a:lnT w="12700" cap="flat" cmpd="sng" algn="ctr">
-                      <a:solidFill>
-                        <a:schemeClr val="tx1"/>
-                      </a:solidFill>
-                      <a:prstDash val="solid"/>
-                      <a:round/>
-                      <a:headEnd type="none" w="med" len="med"/>
-                      <a:tailEnd type="none" w="med" len="med"/>
-                    </a:lnT>
-                    <a:lnB w="12700" cap="flat" cmpd="sng" algn="ctr">
-                      <a:solidFill>
-                        <a:schemeClr val="tx1"/>
-                      </a:solidFill>
-                      <a:prstDash val="solid"/>
-                      <a:round/>
-                      <a:headEnd type="none" w="med" len="med"/>
-                      <a:tailEnd type="none" w="med" len="med"/>
-                    </a:lnB>
-                    <a:noFill/>
-                  </a:tcPr>
-                </a:tc>
-                <a:extLst>
-                  <a:ext uri="{0D108BD9-81ED-4DB2-BD59-A6C34878D82A}">
-                    <a16:rowId xmlns:a16="http://schemas.microsoft.com/office/drawing/2014/main" val="3877871028"/>
-                  </a:ext>
-                </a:extLst>
-              </a:tr>
-            </a:tbl>
-          </a:graphicData>
-        </a:graphic>
-      </p:graphicFrame>
       <p:pic>
         <p:nvPicPr>
           <p:cNvPr id="8" name="Imagem 7">
             <a:extLst>
               <a:ext uri="{FF2B5EF4-FFF2-40B4-BE49-F238E27FC236}">
-                <a16:creationId xmlns:a16="http://schemas.microsoft.com/office/drawing/2014/main" id="{DA782B1C-6EC9-FED1-5E23-F89D541060BE}"/>
+                <a16:creationId xmlns:a16="http://schemas.microsoft.com/office/drawing/2014/main" id="{45077CA0-11C9-CA00-03BB-1F808CEB43BE}"/>
               </a:ext>
             </a:extLst>
           </p:cNvPr>
@@ -10153,158 +14939,8 @@
         </p:blipFill>
         <p:spPr>
           <a:xfrm>
-            <a:off x="1097280" y="1969621"/>
-            <a:ext cx="2927105" cy="2792009"/>
-          </a:xfrm>
-          <a:prstGeom prst="rect">
-            <a:avLst/>
-          </a:prstGeom>
-        </p:spPr>
-      </p:pic>
-      <p:pic>
-        <p:nvPicPr>
-          <p:cNvPr id="11" name="Imagem 10">
-            <a:extLst>
-              <a:ext uri="{FF2B5EF4-FFF2-40B4-BE49-F238E27FC236}">
-                <a16:creationId xmlns:a16="http://schemas.microsoft.com/office/drawing/2014/main" id="{A10A35BF-FAC7-B9CB-A4AD-4A74FA50F75F}"/>
-              </a:ext>
-            </a:extLst>
-          </p:cNvPr>
-          <p:cNvPicPr>
-            <a:picLocks noChangeAspect="1"/>
-          </p:cNvPicPr>
-          <p:nvPr/>
-        </p:nvPicPr>
-        <p:blipFill>
-          <a:blip r:embed="rId4"/>
-          <a:stretch>
-            <a:fillRect/>
-          </a:stretch>
-        </p:blipFill>
-        <p:spPr>
-          <a:xfrm>
-            <a:off x="8628205" y="1969621"/>
-            <a:ext cx="2631760" cy="2691404"/>
-          </a:xfrm>
-          <a:prstGeom prst="rect">
-            <a:avLst/>
-          </a:prstGeom>
-        </p:spPr>
-      </p:pic>
-    </p:spTree>
-    <p:extLst>
-      <p:ext uri="{BB962C8B-B14F-4D97-AF65-F5344CB8AC3E}">
-        <p14:creationId xmlns:p14="http://schemas.microsoft.com/office/powerpoint/2010/main" val="4115437027"/>
-      </p:ext>
-    </p:extLst>
-  </p:cSld>
-  <p:clrMapOvr>
-    <a:masterClrMapping/>
-  </p:clrMapOvr>
-</p:sld>
-</file>
-
-<file path=ppt/slides/slide8.xml><?xml version="1.0" encoding="utf-8"?>
-<p:sld xmlns:a="http://schemas.openxmlformats.org/drawingml/2006/main" xmlns:r="http://schemas.openxmlformats.org/officeDocument/2006/relationships" xmlns:p="http://schemas.openxmlformats.org/presentationml/2006/main">
-  <p:cSld>
-    <p:spTree>
-      <p:nvGrpSpPr>
-        <p:cNvPr id="1" name=""/>
-        <p:cNvGrpSpPr/>
-        <p:nvPr/>
-      </p:nvGrpSpPr>
-      <p:grpSpPr>
-        <a:xfrm>
-          <a:off x="0" y="0"/>
-          <a:ext cx="0" cy="0"/>
-          <a:chOff x="0" y="0"/>
-          <a:chExt cx="0" cy="0"/>
-        </a:xfrm>
-      </p:grpSpPr>
-      <p:pic>
-        <p:nvPicPr>
-          <p:cNvPr id="5" name="Imagem 4">
-            <a:extLst>
-              <a:ext uri="{FF2B5EF4-FFF2-40B4-BE49-F238E27FC236}">
-                <a16:creationId xmlns:a16="http://schemas.microsoft.com/office/drawing/2014/main" id="{3A51B374-E7F4-ED40-90E9-F499EFA613E4}"/>
-              </a:ext>
-            </a:extLst>
-          </p:cNvPr>
-          <p:cNvPicPr>
-            <a:picLocks noChangeAspect="1"/>
-          </p:cNvPicPr>
-          <p:nvPr/>
-        </p:nvPicPr>
-        <p:blipFill>
-          <a:blip r:embed="rId2"/>
-          <a:stretch>
-            <a:fillRect/>
-          </a:stretch>
-        </p:blipFill>
-        <p:spPr>
-          <a:xfrm>
-            <a:off x="1097280" y="4071377"/>
-            <a:ext cx="4446612" cy="2213639"/>
-          </a:xfrm>
-          <a:prstGeom prst="rect">
-            <a:avLst/>
-          </a:prstGeom>
-        </p:spPr>
-      </p:pic>
-      <p:pic>
-        <p:nvPicPr>
-          <p:cNvPr id="6" name="Imagem 5">
-            <a:extLst>
-              <a:ext uri="{FF2B5EF4-FFF2-40B4-BE49-F238E27FC236}">
-                <a16:creationId xmlns:a16="http://schemas.microsoft.com/office/drawing/2014/main" id="{EBF2753E-8CA7-9463-8202-AAD7F69F6908}"/>
-              </a:ext>
-            </a:extLst>
-          </p:cNvPr>
-          <p:cNvPicPr>
-            <a:picLocks noChangeAspect="1"/>
-          </p:cNvPicPr>
-          <p:nvPr/>
-        </p:nvPicPr>
-        <p:blipFill>
-          <a:blip r:embed="rId3"/>
-          <a:stretch>
-            <a:fillRect/>
-          </a:stretch>
-        </p:blipFill>
-        <p:spPr>
-          <a:xfrm>
-            <a:off x="6418906" y="4056866"/>
-            <a:ext cx="4446612" cy="2228150"/>
-          </a:xfrm>
-          <a:prstGeom prst="rect">
-            <a:avLst/>
-          </a:prstGeom>
-        </p:spPr>
-      </p:pic>
-      <p:pic>
-        <p:nvPicPr>
-          <p:cNvPr id="7" name="Imagem 6">
-            <a:extLst>
-              <a:ext uri="{FF2B5EF4-FFF2-40B4-BE49-F238E27FC236}">
-                <a16:creationId xmlns:a16="http://schemas.microsoft.com/office/drawing/2014/main" id="{2A11A574-01CE-CAB0-CB18-52BB453F026A}"/>
-              </a:ext>
-            </a:extLst>
-          </p:cNvPr>
-          <p:cNvPicPr>
-            <a:picLocks noChangeAspect="1"/>
-          </p:cNvPicPr>
-          <p:nvPr/>
-        </p:nvPicPr>
-        <p:blipFill>
-          <a:blip r:embed="rId4"/>
-          <a:stretch>
-            <a:fillRect/>
-          </a:stretch>
-        </p:blipFill>
-        <p:spPr>
-          <a:xfrm>
-            <a:off x="997116" y="1821374"/>
-            <a:ext cx="4611296" cy="2250003"/>
+            <a:off x="943371" y="3262136"/>
+            <a:ext cx="3876675" cy="1076325"/>
           </a:xfrm>
           <a:prstGeom prst="rect">
             <a:avLst/>
@@ -10313,109 +14949,10 @@
       </p:pic>
       <p:sp>
         <p:nvSpPr>
-          <p:cNvPr id="10" name="Espaço Reservado para Rodapé 3">
+          <p:cNvPr id="9" name="Espaço Reservado para Conteúdo 2">
             <a:extLst>
               <a:ext uri="{FF2B5EF4-FFF2-40B4-BE49-F238E27FC236}">
-                <a16:creationId xmlns:a16="http://schemas.microsoft.com/office/drawing/2014/main" id="{FFC1FF1C-F97B-4D44-822B-6676F42AE012}"/>
-              </a:ext>
-            </a:extLst>
-          </p:cNvPr>
-          <p:cNvSpPr>
-            <a:spLocks noGrp="1"/>
-          </p:cNvSpPr>
-          <p:nvPr>
-            <p:ph type="ftr" sz="quarter" idx="11"/>
-          </p:nvPr>
-        </p:nvSpPr>
-        <p:spPr>
-          <a:xfrm>
-            <a:off x="3684596" y="6455648"/>
-            <a:ext cx="4822804" cy="365125"/>
-          </a:xfrm>
-        </p:spPr>
-        <p:txBody>
-          <a:bodyPr/>
-          <a:lstStyle/>
-          <a:p>
-            <a:r>
-              <a:rPr lang="pt-BR" dirty="0"/>
-              <a:t>Aprendizado Profundo - 2023</a:t>
-            </a:r>
-          </a:p>
-        </p:txBody>
-      </p:sp>
-      <p:pic>
-        <p:nvPicPr>
-          <p:cNvPr id="11" name="Imagem 10" descr="Janela de vidro&#10;&#10;Descrição gerada automaticamente com confiança média">
-            <a:extLst>
-              <a:ext uri="{FF2B5EF4-FFF2-40B4-BE49-F238E27FC236}">
-                <a16:creationId xmlns:a16="http://schemas.microsoft.com/office/drawing/2014/main" id="{EF02C0CA-7A86-A796-60E9-E73268242E69}"/>
-              </a:ext>
-            </a:extLst>
-          </p:cNvPr>
-          <p:cNvPicPr>
-            <a:picLocks noChangeAspect="1"/>
-          </p:cNvPicPr>
-          <p:nvPr/>
-        </p:nvPicPr>
-        <p:blipFill>
-          <a:blip r:embed="rId5" cstate="print">
-            <a:extLst>
-              <a:ext uri="{28A0092B-C50C-407E-A947-70E740481C1C}">
-                <a14:useLocalDpi xmlns:a14="http://schemas.microsoft.com/office/drawing/2010/main" val="0"/>
-              </a:ext>
-            </a:extLst>
-          </a:blip>
-          <a:stretch>
-            <a:fillRect/>
-          </a:stretch>
-        </p:blipFill>
-        <p:spPr>
-          <a:xfrm>
-            <a:off x="118159" y="6470866"/>
-            <a:ext cx="373152" cy="332105"/>
-          </a:xfrm>
-          <a:prstGeom prst="rect">
-            <a:avLst/>
-          </a:prstGeom>
-        </p:spPr>
-      </p:pic>
-      <p:pic>
-        <p:nvPicPr>
-          <p:cNvPr id="13" name="Imagem 12">
-            <a:extLst>
-              <a:ext uri="{FF2B5EF4-FFF2-40B4-BE49-F238E27FC236}">
-                <a16:creationId xmlns:a16="http://schemas.microsoft.com/office/drawing/2014/main" id="{C86AB45C-E5BB-A0B9-A7C8-0EDDFAE42894}"/>
-              </a:ext>
-            </a:extLst>
-          </p:cNvPr>
-          <p:cNvPicPr>
-            <a:picLocks noChangeAspect="1"/>
-          </p:cNvPicPr>
-          <p:nvPr/>
-        </p:nvPicPr>
-        <p:blipFill>
-          <a:blip r:embed="rId6"/>
-          <a:stretch>
-            <a:fillRect/>
-          </a:stretch>
-        </p:blipFill>
-        <p:spPr>
-          <a:xfrm>
-            <a:off x="6418907" y="1818997"/>
-            <a:ext cx="4446611" cy="2237869"/>
-          </a:xfrm>
-          <a:prstGeom prst="rect">
-            <a:avLst/>
-          </a:prstGeom>
-        </p:spPr>
-      </p:pic>
-      <p:sp>
-        <p:nvSpPr>
-          <p:cNvPr id="17" name="Título 19">
-            <a:extLst>
-              <a:ext uri="{FF2B5EF4-FFF2-40B4-BE49-F238E27FC236}">
-                <a16:creationId xmlns:a16="http://schemas.microsoft.com/office/drawing/2014/main" id="{776052EC-7D49-8320-BBE8-0CB7C46933A9}"/>
+                <a16:creationId xmlns:a16="http://schemas.microsoft.com/office/drawing/2014/main" id="{CD841E3B-99FE-3F8C-778F-68A9E32407F6}"/>
               </a:ext>
             </a:extLst>
           </p:cNvPr>
@@ -10426,1407 +14963,296 @@
         </p:nvSpPr>
         <p:spPr>
           <a:xfrm>
-            <a:off x="1097280" y="626919"/>
-            <a:ext cx="10058400" cy="720197"/>
+            <a:off x="943371" y="2285952"/>
+            <a:ext cx="10058400" cy="589648"/>
           </a:xfrm>
           <a:prstGeom prst="rect">
             <a:avLst/>
           </a:prstGeom>
         </p:spPr>
         <p:txBody>
-          <a:bodyPr vert="horz" lIns="91440" tIns="45720" rIns="91440" bIns="45720" rtlCol="0" anchor="b">
+          <a:bodyPr vert="horz" lIns="0" tIns="45720" rIns="0" bIns="45720" rtlCol="0">
             <a:normAutofit/>
           </a:bodyPr>
           <a:lstStyle>
-            <a:lvl1pPr marL="0" algn="l" defTabSz="914400" rtl="0" eaLnBrk="1" latinLnBrk="0" hangingPunct="1">
+            <a:lvl1pPr marL="91440" indent="-91440" algn="l" defTabSz="914400" rtl="0" eaLnBrk="1" latinLnBrk="0" hangingPunct="1">
               <a:lnSpc>
-                <a:spcPct val="85000"/>
+                <a:spcPct val="90000"/>
               </a:lnSpc>
               <a:spcBef>
-                <a:spcPct val="0"/>
+                <a:spcPts val="1200"/>
               </a:spcBef>
-              <a:buNone/>
-              <a:defRPr sz="4800" kern="1200" spc="-50" baseline="0">
+              <a:spcAft>
+                <a:spcPts val="200"/>
+              </a:spcAft>
+              <a:buClr>
+                <a:schemeClr val="accent1"/>
+              </a:buClr>
+              <a:buSzPct val="100000"/>
+              <a:buFont typeface="Calibri" panose="020F0502020204030204" pitchFamily="34" charset="0"/>
+              <a:buChar char=" "/>
+              <a:defRPr sz="2000" kern="1200">
                 <a:solidFill>
                   <a:schemeClr val="tx1">
                     <a:lumMod val="75000"/>
                     <a:lumOff val="25000"/>
                   </a:schemeClr>
                 </a:solidFill>
-                <a:latin typeface="+mj-lt"/>
-                <a:ea typeface="+mj-ea"/>
-                <a:cs typeface="+mj-cs"/>
+                <a:latin typeface="+mn-lt"/>
+                <a:ea typeface="+mn-ea"/>
+                <a:cs typeface="+mn-cs"/>
               </a:defRPr>
             </a:lvl1pPr>
+            <a:lvl2pPr marL="384048" indent="-182880" algn="l" defTabSz="914400" rtl="0" eaLnBrk="1" latinLnBrk="0" hangingPunct="1">
+              <a:lnSpc>
+                <a:spcPct val="90000"/>
+              </a:lnSpc>
+              <a:spcBef>
+                <a:spcPts val="200"/>
+              </a:spcBef>
+              <a:spcAft>
+                <a:spcPts val="400"/>
+              </a:spcAft>
+              <a:buClr>
+                <a:schemeClr val="accent1"/>
+              </a:buClr>
+              <a:buFont typeface="Calibri" pitchFamily="34" charset="0"/>
+              <a:buChar char="◦"/>
+              <a:defRPr sz="1800" kern="1200">
+                <a:solidFill>
+                  <a:schemeClr val="tx1">
+                    <a:lumMod val="75000"/>
+                    <a:lumOff val="25000"/>
+                  </a:schemeClr>
+                </a:solidFill>
+                <a:latin typeface="+mn-lt"/>
+                <a:ea typeface="+mn-ea"/>
+                <a:cs typeface="+mn-cs"/>
+              </a:defRPr>
+            </a:lvl2pPr>
+            <a:lvl3pPr marL="566928" indent="-182880" algn="l" defTabSz="914400" rtl="0" eaLnBrk="1" latinLnBrk="0" hangingPunct="1">
+              <a:lnSpc>
+                <a:spcPct val="90000"/>
+              </a:lnSpc>
+              <a:spcBef>
+                <a:spcPts val="200"/>
+              </a:spcBef>
+              <a:spcAft>
+                <a:spcPts val="400"/>
+              </a:spcAft>
+              <a:buClr>
+                <a:schemeClr val="accent1"/>
+              </a:buClr>
+              <a:buFont typeface="Calibri" pitchFamily="34" charset="0"/>
+              <a:buChar char="◦"/>
+              <a:defRPr sz="1400" kern="1200">
+                <a:solidFill>
+                  <a:schemeClr val="tx1">
+                    <a:lumMod val="75000"/>
+                    <a:lumOff val="25000"/>
+                  </a:schemeClr>
+                </a:solidFill>
+                <a:latin typeface="+mn-lt"/>
+                <a:ea typeface="+mn-ea"/>
+                <a:cs typeface="+mn-cs"/>
+              </a:defRPr>
+            </a:lvl3pPr>
+            <a:lvl4pPr marL="749808" indent="-182880" algn="l" defTabSz="914400" rtl="0" eaLnBrk="1" latinLnBrk="0" hangingPunct="1">
+              <a:lnSpc>
+                <a:spcPct val="90000"/>
+              </a:lnSpc>
+              <a:spcBef>
+                <a:spcPts val="200"/>
+              </a:spcBef>
+              <a:spcAft>
+                <a:spcPts val="400"/>
+              </a:spcAft>
+              <a:buClr>
+                <a:schemeClr val="accent1"/>
+              </a:buClr>
+              <a:buFont typeface="Calibri" pitchFamily="34" charset="0"/>
+              <a:buChar char="◦"/>
+              <a:defRPr sz="1400" kern="1200">
+                <a:solidFill>
+                  <a:schemeClr val="tx1">
+                    <a:lumMod val="75000"/>
+                    <a:lumOff val="25000"/>
+                  </a:schemeClr>
+                </a:solidFill>
+                <a:latin typeface="+mn-lt"/>
+                <a:ea typeface="+mn-ea"/>
+                <a:cs typeface="+mn-cs"/>
+              </a:defRPr>
+            </a:lvl4pPr>
+            <a:lvl5pPr marL="932688" indent="-182880" algn="l" defTabSz="914400" rtl="0" eaLnBrk="1" latinLnBrk="0" hangingPunct="1">
+              <a:lnSpc>
+                <a:spcPct val="90000"/>
+              </a:lnSpc>
+              <a:spcBef>
+                <a:spcPts val="200"/>
+              </a:spcBef>
+              <a:spcAft>
+                <a:spcPts val="400"/>
+              </a:spcAft>
+              <a:buClr>
+                <a:schemeClr val="accent1"/>
+              </a:buClr>
+              <a:buFont typeface="Calibri" pitchFamily="34" charset="0"/>
+              <a:buChar char="◦"/>
+              <a:defRPr sz="1400" kern="1200">
+                <a:solidFill>
+                  <a:schemeClr val="tx1">
+                    <a:lumMod val="75000"/>
+                    <a:lumOff val="25000"/>
+                  </a:schemeClr>
+                </a:solidFill>
+                <a:latin typeface="+mn-lt"/>
+                <a:ea typeface="+mn-ea"/>
+                <a:cs typeface="+mn-cs"/>
+              </a:defRPr>
+            </a:lvl5pPr>
+            <a:lvl6pPr marL="1100000" indent="-228600" algn="l" defTabSz="914400" rtl="0" eaLnBrk="1" latinLnBrk="0" hangingPunct="1">
+              <a:lnSpc>
+                <a:spcPct val="90000"/>
+              </a:lnSpc>
+              <a:spcBef>
+                <a:spcPts val="200"/>
+              </a:spcBef>
+              <a:spcAft>
+                <a:spcPts val="400"/>
+              </a:spcAft>
+              <a:buClr>
+                <a:schemeClr val="accent1"/>
+              </a:buClr>
+              <a:buFont typeface="Calibri" pitchFamily="34" charset="0"/>
+              <a:buChar char="◦"/>
+              <a:defRPr sz="1400" kern="1200">
+                <a:solidFill>
+                  <a:schemeClr val="tx1">
+                    <a:lumMod val="75000"/>
+                    <a:lumOff val="25000"/>
+                  </a:schemeClr>
+                </a:solidFill>
+                <a:latin typeface="+mn-lt"/>
+                <a:ea typeface="+mn-ea"/>
+                <a:cs typeface="+mn-cs"/>
+              </a:defRPr>
+            </a:lvl6pPr>
+            <a:lvl7pPr marL="1300000" indent="-228600" algn="l" defTabSz="914400" rtl="0" eaLnBrk="1" latinLnBrk="0" hangingPunct="1">
+              <a:lnSpc>
+                <a:spcPct val="90000"/>
+              </a:lnSpc>
+              <a:spcBef>
+                <a:spcPts val="200"/>
+              </a:spcBef>
+              <a:spcAft>
+                <a:spcPts val="400"/>
+              </a:spcAft>
+              <a:buClr>
+                <a:schemeClr val="accent1"/>
+              </a:buClr>
+              <a:buFont typeface="Calibri" pitchFamily="34" charset="0"/>
+              <a:buChar char="◦"/>
+              <a:defRPr sz="1400" kern="1200">
+                <a:solidFill>
+                  <a:schemeClr val="tx1">
+                    <a:lumMod val="75000"/>
+                    <a:lumOff val="25000"/>
+                  </a:schemeClr>
+                </a:solidFill>
+                <a:latin typeface="+mn-lt"/>
+                <a:ea typeface="+mn-ea"/>
+                <a:cs typeface="+mn-cs"/>
+              </a:defRPr>
+            </a:lvl7pPr>
+            <a:lvl8pPr marL="1500000" indent="-228600" algn="l" defTabSz="914400" rtl="0" eaLnBrk="1" latinLnBrk="0" hangingPunct="1">
+              <a:lnSpc>
+                <a:spcPct val="90000"/>
+              </a:lnSpc>
+              <a:spcBef>
+                <a:spcPts val="200"/>
+              </a:spcBef>
+              <a:spcAft>
+                <a:spcPts val="400"/>
+              </a:spcAft>
+              <a:buClr>
+                <a:schemeClr val="accent1"/>
+              </a:buClr>
+              <a:buFont typeface="Calibri" pitchFamily="34" charset="0"/>
+              <a:buChar char="◦"/>
+              <a:defRPr sz="1400" kern="1200">
+                <a:solidFill>
+                  <a:schemeClr val="tx1">
+                    <a:lumMod val="75000"/>
+                    <a:lumOff val="25000"/>
+                  </a:schemeClr>
+                </a:solidFill>
+                <a:latin typeface="+mn-lt"/>
+                <a:ea typeface="+mn-ea"/>
+                <a:cs typeface="+mn-cs"/>
+              </a:defRPr>
+            </a:lvl8pPr>
+            <a:lvl9pPr marL="1700000" indent="-228600" algn="l" defTabSz="914400" rtl="0" eaLnBrk="1" latinLnBrk="0" hangingPunct="1">
+              <a:lnSpc>
+                <a:spcPct val="90000"/>
+              </a:lnSpc>
+              <a:spcBef>
+                <a:spcPts val="200"/>
+              </a:spcBef>
+              <a:spcAft>
+                <a:spcPts val="400"/>
+              </a:spcAft>
+              <a:buClr>
+                <a:schemeClr val="accent1"/>
+              </a:buClr>
+              <a:buFont typeface="Calibri" pitchFamily="34" charset="0"/>
+              <a:buChar char="◦"/>
+              <a:defRPr sz="1400" kern="1200">
+                <a:solidFill>
+                  <a:schemeClr val="tx1">
+                    <a:lumMod val="75000"/>
+                    <a:lumOff val="25000"/>
+                  </a:schemeClr>
+                </a:solidFill>
+                <a:latin typeface="+mn-lt"/>
+                <a:ea typeface="+mn-ea"/>
+                <a:cs typeface="+mn-cs"/>
+              </a:defRPr>
+            </a:lvl9pPr>
           </a:lstStyle>
           <a:p>
-            <a:pPr marL="457200" indent="-457200">
-              <a:buFont typeface="Arial" panose="020B0604020202020204" pitchFamily="34" charset="0"/>
-              <a:buChar char="•"/>
+            <a:pPr defTabSz="457200">
+              <a:lnSpc>
+                <a:spcPct val="100000"/>
+              </a:lnSpc>
+              <a:spcBef>
+                <a:spcPts val="0"/>
+              </a:spcBef>
+              <a:spcAft>
+                <a:spcPts val="0"/>
+              </a:spcAft>
+              <a:buClrTx/>
+              <a:buSzTx/>
+              <a:buFont typeface="Wingdings" panose="05000000000000000000" pitchFamily="2" charset="2"/>
+              <a:buChar char="Ø"/>
             </a:pPr>
             <a:r>
-              <a:rPr lang="pt-BR" sz="2000" b="1" dirty="0">
-                <a:solidFill>
-                  <a:schemeClr val="tx1"/>
+              <a:rPr lang="pt-BR" sz="1600" b="1" dirty="0">
+                <a:solidFill>
+                  <a:prstClr val="black"/>
                 </a:solidFill>
                 <a:latin typeface="Arial" panose="020B0604020202020204" pitchFamily="34" charset="0"/>
                 <a:cs typeface="Arial" panose="020B0604020202020204" pitchFamily="34" charset="0"/>
               </a:rPr>
-              <a:t>4.	</a:t>
-            </a:r>
-            <a:r>
-              <a:rPr lang="pt-BR" sz="2000" b="1" dirty="0">
-                <a:solidFill>
-                  <a:prstClr val="black"/>
-                </a:solidFill>
-                <a:latin typeface="Arial" panose="020B0604020202020204" pitchFamily="34" charset="0"/>
-                <a:cs typeface="Arial" panose="020B0604020202020204" pitchFamily="34" charset="0"/>
-              </a:rPr>
-              <a:t>RESULTADOS E CONCLUSÃO</a:t>
-            </a:r>
-            <a:br>
-              <a:rPr lang="pt-BR" sz="2000" b="1" dirty="0">
-                <a:solidFill>
-                  <a:schemeClr val="tx1"/>
-                </a:solidFill>
-                <a:latin typeface="Arial" panose="020B0604020202020204" pitchFamily="34" charset="0"/>
-                <a:cs typeface="Arial" panose="020B0604020202020204" pitchFamily="34" charset="0"/>
-              </a:rPr>
-            </a:br>
-            <a:r>
-              <a:rPr lang="pt-BR" sz="2000" b="1" dirty="0">
-                <a:solidFill>
-                  <a:schemeClr val="tx1"/>
-                </a:solidFill>
-                <a:latin typeface="Arial" panose="020B0604020202020204" pitchFamily="34" charset="0"/>
-                <a:cs typeface="Arial" panose="020B0604020202020204" pitchFamily="34" charset="0"/>
-              </a:rPr>
-              <a:t>	</a:t>
-            </a:r>
-            <a:r>
-              <a:rPr lang="pt-BR" sz="1600" b="1" dirty="0">
-                <a:solidFill>
-                  <a:schemeClr val="tx1"/>
-                </a:solidFill>
-                <a:latin typeface="Arial" panose="020B0604020202020204" pitchFamily="34" charset="0"/>
-                <a:cs typeface="Arial" panose="020B0604020202020204" pitchFamily="34" charset="0"/>
-              </a:rPr>
-              <a:t>4.2. Resultados</a:t>
-            </a:r>
-            <a:endParaRPr lang="pt-BR" sz="2000" b="1" dirty="0">
-              <a:solidFill>
-                <a:schemeClr val="tx1"/>
-              </a:solidFill>
-              <a:latin typeface="Arial" panose="020B0604020202020204" pitchFamily="34" charset="0"/>
-              <a:cs typeface="Arial" panose="020B0604020202020204" pitchFamily="34" charset="0"/>
-            </a:endParaRPr>
+              <a:t> Regularização reduz o erro do modelo</a:t>
+            </a:r>
           </a:p>
         </p:txBody>
       </p:sp>
     </p:spTree>
     <p:extLst>
       <p:ext uri="{BB962C8B-B14F-4D97-AF65-F5344CB8AC3E}">
-        <p14:creationId xmlns:p14="http://schemas.microsoft.com/office/powerpoint/2010/main" val="2436323197"/>
-      </p:ext>
-    </p:extLst>
-  </p:cSld>
-  <p:clrMapOvr>
-    <a:masterClrMapping/>
-  </p:clrMapOvr>
-</p:sld>
-</file>
-
-<file path=ppt/slides/slide9.xml><?xml version="1.0" encoding="utf-8"?>
-<p:sld xmlns:a="http://schemas.openxmlformats.org/drawingml/2006/main" xmlns:r="http://schemas.openxmlformats.org/officeDocument/2006/relationships" xmlns:p="http://schemas.openxmlformats.org/presentationml/2006/main">
-  <p:cSld>
-    <p:spTree>
-      <p:nvGrpSpPr>
-        <p:cNvPr id="1" name=""/>
-        <p:cNvGrpSpPr/>
-        <p:nvPr/>
-      </p:nvGrpSpPr>
-      <p:grpSpPr>
-        <a:xfrm>
-          <a:off x="0" y="0"/>
-          <a:ext cx="0" cy="0"/>
-          <a:chOff x="0" y="0"/>
-          <a:chExt cx="0" cy="0"/>
-        </a:xfrm>
-      </p:grpSpPr>
-      <p:graphicFrame>
-        <p:nvGraphicFramePr>
-          <p:cNvPr id="8" name="Tabela 7">
-            <a:extLst>
-              <a:ext uri="{FF2B5EF4-FFF2-40B4-BE49-F238E27FC236}">
-                <a16:creationId xmlns:a16="http://schemas.microsoft.com/office/drawing/2014/main" id="{7F63E94D-6163-31F4-1B26-1D0F5B0D623C}"/>
-              </a:ext>
-            </a:extLst>
-          </p:cNvPr>
-          <p:cNvGraphicFramePr>
-            <a:graphicFrameLocks noGrp="1"/>
-          </p:cNvGraphicFramePr>
-          <p:nvPr>
-            <p:extLst>
-              <p:ext uri="{D42A27DB-BD31-4B8C-83A1-F6EECF244321}">
-                <p14:modId xmlns:p14="http://schemas.microsoft.com/office/powerpoint/2010/main" val="1038695321"/>
-              </p:ext>
-            </p:extLst>
-          </p:nvPr>
-        </p:nvGraphicFramePr>
-        <p:xfrm>
-          <a:off x="1827291" y="2670772"/>
-          <a:ext cx="8537418" cy="2181883"/>
-        </p:xfrm>
-        <a:graphic>
-          <a:graphicData uri="http://schemas.openxmlformats.org/drawingml/2006/table">
-            <a:tbl>
-              <a:tblPr firstRow="1" bandRow="1">
-                <a:effectLst/>
-                <a:tableStyleId>{5C22544A-7EE6-4342-B048-85BDC9FD1C3A}</a:tableStyleId>
-              </a:tblPr>
-              <a:tblGrid>
-                <a:gridCol w="2307788">
-                  <a:extLst>
-                    <a:ext uri="{9D8B030D-6E8A-4147-A177-3AD203B41FA5}">
-                      <a16:colId xmlns:a16="http://schemas.microsoft.com/office/drawing/2014/main" val="4249006466"/>
-                    </a:ext>
-                  </a:extLst>
-                </a:gridCol>
-                <a:gridCol w="3114815">
-                  <a:extLst>
-                    <a:ext uri="{9D8B030D-6E8A-4147-A177-3AD203B41FA5}">
-                      <a16:colId xmlns:a16="http://schemas.microsoft.com/office/drawing/2014/main" val="1040954500"/>
-                    </a:ext>
-                  </a:extLst>
-                </a:gridCol>
-                <a:gridCol w="3114815">
-                  <a:extLst>
-                    <a:ext uri="{9D8B030D-6E8A-4147-A177-3AD203B41FA5}">
-                      <a16:colId xmlns:a16="http://schemas.microsoft.com/office/drawing/2014/main" val="2451120"/>
-                    </a:ext>
-                  </a:extLst>
-                </a:gridCol>
-              </a:tblGrid>
-              <a:tr h="366557">
-                <a:tc>
-                  <a:txBody>
-                    <a:bodyPr/>
-                    <a:lstStyle/>
-                    <a:p>
-                      <a:pPr algn="ctr"/>
-                      <a:r>
-                        <a:rPr lang="pt-BR" sz="1400" b="1" cap="none" spc="0" dirty="0">
-                          <a:ln>
-                            <a:noFill/>
-                          </a:ln>
-                          <a:solidFill>
-                            <a:schemeClr val="tx1"/>
-                          </a:solidFill>
-                          <a:effectLst/>
-                          <a:latin typeface="Arial" panose="020B0604020202020204" pitchFamily="34" charset="0"/>
-                          <a:cs typeface="Arial" panose="020B0604020202020204" pitchFamily="34" charset="0"/>
-                        </a:rPr>
-                        <a:t>Conjunto de Dados</a:t>
-                      </a:r>
-                    </a:p>
-                  </a:txBody>
-                  <a:tcPr>
-                    <a:lnL w="12700" cap="flat" cmpd="sng" algn="ctr">
-                      <a:solidFill>
-                        <a:schemeClr val="tx1"/>
-                      </a:solidFill>
-                      <a:prstDash val="solid"/>
-                      <a:round/>
-                      <a:headEnd type="none" w="med" len="med"/>
-                      <a:tailEnd type="none" w="med" len="med"/>
-                    </a:lnL>
-                    <a:lnR w="12700" cap="flat" cmpd="sng" algn="ctr">
-                      <a:solidFill>
-                        <a:schemeClr val="tx1"/>
-                      </a:solidFill>
-                      <a:prstDash val="solid"/>
-                      <a:round/>
-                      <a:headEnd type="none" w="med" len="med"/>
-                      <a:tailEnd type="none" w="med" len="med"/>
-                    </a:lnR>
-                    <a:lnT w="12700" cap="flat" cmpd="sng" algn="ctr">
-                      <a:solidFill>
-                        <a:schemeClr val="tx1"/>
-                      </a:solidFill>
-                      <a:prstDash val="solid"/>
-                      <a:round/>
-                      <a:headEnd type="none" w="med" len="med"/>
-                      <a:tailEnd type="none" w="med" len="med"/>
-                    </a:lnT>
-                    <a:lnB w="12700" cap="flat" cmpd="sng" algn="ctr">
-                      <a:solidFill>
-                        <a:schemeClr val="tx1"/>
-                      </a:solidFill>
-                      <a:prstDash val="solid"/>
-                      <a:round/>
-                      <a:headEnd type="none" w="med" len="med"/>
-                      <a:tailEnd type="none" w="med" len="med"/>
-                    </a:lnB>
-                    <a:noFill/>
-                  </a:tcPr>
-                </a:tc>
-                <a:tc>
-                  <a:txBody>
-                    <a:bodyPr/>
-                    <a:lstStyle/>
-                    <a:p>
-                      <a:pPr algn="ctr"/>
-                      <a:r>
-                        <a:rPr lang="pt-BR" sz="1400" b="1" cap="none" spc="0" dirty="0">
-                          <a:ln>
-                            <a:noFill/>
-                          </a:ln>
-                          <a:solidFill>
-                            <a:schemeClr val="tx1"/>
-                          </a:solidFill>
-                          <a:effectLst/>
-                          <a:latin typeface="Arial" panose="020B0604020202020204" pitchFamily="34" charset="0"/>
-                          <a:cs typeface="Arial" panose="020B0604020202020204" pitchFamily="34" charset="0"/>
-                        </a:rPr>
-                        <a:t>Tempo Treinamento</a:t>
-                      </a:r>
-                    </a:p>
-                  </a:txBody>
-                  <a:tcPr>
-                    <a:lnL w="12700" cap="flat" cmpd="sng" algn="ctr">
-                      <a:solidFill>
-                        <a:schemeClr val="tx1"/>
-                      </a:solidFill>
-                      <a:prstDash val="solid"/>
-                      <a:round/>
-                      <a:headEnd type="none" w="med" len="med"/>
-                      <a:tailEnd type="none" w="med" len="med"/>
-                    </a:lnL>
-                    <a:lnR w="12700" cap="flat" cmpd="sng" algn="ctr">
-                      <a:solidFill>
-                        <a:schemeClr val="tx1"/>
-                      </a:solidFill>
-                      <a:prstDash val="solid"/>
-                      <a:round/>
-                      <a:headEnd type="none" w="med" len="med"/>
-                      <a:tailEnd type="none" w="med" len="med"/>
-                    </a:lnR>
-                    <a:lnT w="12700" cap="flat" cmpd="sng" algn="ctr">
-                      <a:solidFill>
-                        <a:schemeClr val="tx1"/>
-                      </a:solidFill>
-                      <a:prstDash val="solid"/>
-                      <a:round/>
-                      <a:headEnd type="none" w="med" len="med"/>
-                      <a:tailEnd type="none" w="med" len="med"/>
-                    </a:lnT>
-                    <a:lnB w="12700" cap="flat" cmpd="sng" algn="ctr">
-                      <a:solidFill>
-                        <a:schemeClr val="tx1"/>
-                      </a:solidFill>
-                      <a:prstDash val="solid"/>
-                      <a:round/>
-                      <a:headEnd type="none" w="med" len="med"/>
-                      <a:tailEnd type="none" w="med" len="med"/>
-                    </a:lnB>
-                    <a:noFill/>
-                  </a:tcPr>
-                </a:tc>
-                <a:tc>
-                  <a:txBody>
-                    <a:bodyPr/>
-                    <a:lstStyle/>
-                    <a:p>
-                      <a:pPr algn="ctr"/>
-                      <a:r>
-                        <a:rPr lang="pt-BR" sz="1400" b="1" cap="none" spc="0" dirty="0">
-                          <a:ln>
-                            <a:noFill/>
-                          </a:ln>
-                          <a:solidFill>
-                            <a:schemeClr val="tx1"/>
-                          </a:solidFill>
-                          <a:effectLst/>
-                          <a:latin typeface="Arial" panose="020B0604020202020204" pitchFamily="34" charset="0"/>
-                          <a:cs typeface="Arial" panose="020B0604020202020204" pitchFamily="34" charset="0"/>
-                        </a:rPr>
-                        <a:t>Acurácia no conjunto de teste</a:t>
-                      </a:r>
-                    </a:p>
-                  </a:txBody>
-                  <a:tcPr>
-                    <a:lnL w="12700" cap="flat" cmpd="sng" algn="ctr">
-                      <a:solidFill>
-                        <a:schemeClr val="tx1"/>
-                      </a:solidFill>
-                      <a:prstDash val="solid"/>
-                      <a:round/>
-                      <a:headEnd type="none" w="med" len="med"/>
-                      <a:tailEnd type="none" w="med" len="med"/>
-                    </a:lnL>
-                    <a:lnR w="12700" cap="flat" cmpd="sng" algn="ctr">
-                      <a:solidFill>
-                        <a:schemeClr val="tx1"/>
-                      </a:solidFill>
-                      <a:prstDash val="solid"/>
-                      <a:round/>
-                      <a:headEnd type="none" w="med" len="med"/>
-                      <a:tailEnd type="none" w="med" len="med"/>
-                    </a:lnR>
-                    <a:lnT w="12700" cap="flat" cmpd="sng" algn="ctr">
-                      <a:solidFill>
-                        <a:schemeClr val="tx1"/>
-                      </a:solidFill>
-                      <a:prstDash val="solid"/>
-                      <a:round/>
-                      <a:headEnd type="none" w="med" len="med"/>
-                      <a:tailEnd type="none" w="med" len="med"/>
-                    </a:lnT>
-                    <a:lnB w="12700" cap="flat" cmpd="sng" algn="ctr">
-                      <a:solidFill>
-                        <a:schemeClr val="tx1"/>
-                      </a:solidFill>
-                      <a:prstDash val="solid"/>
-                      <a:round/>
-                      <a:headEnd type="none" w="med" len="med"/>
-                      <a:tailEnd type="none" w="med" len="med"/>
-                    </a:lnB>
-                    <a:noFill/>
-                  </a:tcPr>
-                </a:tc>
-                <a:extLst>
-                  <a:ext uri="{0D108BD9-81ED-4DB2-BD59-A6C34878D82A}">
-                    <a16:rowId xmlns:a16="http://schemas.microsoft.com/office/drawing/2014/main" val="3144703543"/>
-                  </a:ext>
-                </a:extLst>
-              </a:tr>
-              <a:tr h="366401">
-                <a:tc>
-                  <a:txBody>
-                    <a:bodyPr/>
-                    <a:lstStyle/>
-                    <a:p>
-                      <a:pPr algn="ctr"/>
-                      <a:r>
-                        <a:rPr lang="pt-BR" sz="1100" b="0" cap="none" spc="0" dirty="0">
-                          <a:ln>
-                            <a:noFill/>
-                          </a:ln>
-                          <a:solidFill>
-                            <a:schemeClr val="tx1"/>
-                          </a:solidFill>
-                          <a:effectLst/>
-                          <a:latin typeface="Arial" panose="020B0604020202020204" pitchFamily="34" charset="0"/>
-                          <a:cs typeface="Arial" panose="020B0604020202020204" pitchFamily="34" charset="0"/>
-                        </a:rPr>
-                        <a:t>Livraria (1163 amostras)</a:t>
-                      </a:r>
-                    </a:p>
-                  </a:txBody>
-                  <a:tcPr>
-                    <a:lnL w="12700" cap="flat" cmpd="sng" algn="ctr">
-                      <a:solidFill>
-                        <a:schemeClr val="tx1"/>
-                      </a:solidFill>
-                      <a:prstDash val="solid"/>
-                      <a:round/>
-                      <a:headEnd type="none" w="med" len="med"/>
-                      <a:tailEnd type="none" w="med" len="med"/>
-                    </a:lnL>
-                    <a:lnR w="12700" cap="flat" cmpd="sng" algn="ctr">
-                      <a:solidFill>
-                        <a:schemeClr val="tx1"/>
-                      </a:solidFill>
-                      <a:prstDash val="solid"/>
-                      <a:round/>
-                      <a:headEnd type="none" w="med" len="med"/>
-                      <a:tailEnd type="none" w="med" len="med"/>
-                    </a:lnR>
-                    <a:lnT w="12700" cap="flat" cmpd="sng" algn="ctr">
-                      <a:solidFill>
-                        <a:schemeClr val="tx1"/>
-                      </a:solidFill>
-                      <a:prstDash val="solid"/>
-                      <a:round/>
-                      <a:headEnd type="none" w="med" len="med"/>
-                      <a:tailEnd type="none" w="med" len="med"/>
-                    </a:lnT>
-                    <a:lnB w="12700" cap="flat" cmpd="sng" algn="ctr">
-                      <a:solidFill>
-                        <a:schemeClr val="tx1"/>
-                      </a:solidFill>
-                      <a:prstDash val="solid"/>
-                      <a:round/>
-                      <a:headEnd type="none" w="med" len="med"/>
-                      <a:tailEnd type="none" w="med" len="med"/>
-                    </a:lnB>
-                    <a:noFill/>
-                  </a:tcPr>
-                </a:tc>
-                <a:tc>
-                  <a:txBody>
-                    <a:bodyPr/>
-                    <a:lstStyle/>
-                    <a:p>
-                      <a:pPr marL="0" marR="0" lvl="0" indent="0" algn="ctr" defTabSz="914400" rtl="0" eaLnBrk="1" fontAlgn="auto" latinLnBrk="0" hangingPunct="1">
-                        <a:lnSpc>
-                          <a:spcPct val="100000"/>
-                        </a:lnSpc>
-                        <a:spcBef>
-                          <a:spcPts val="0"/>
-                        </a:spcBef>
-                        <a:spcAft>
-                          <a:spcPts val="0"/>
-                        </a:spcAft>
-                        <a:buClrTx/>
-                        <a:buSzTx/>
-                        <a:buFontTx/>
-                        <a:buNone/>
-                        <a:tabLst/>
-                        <a:defRPr/>
-                      </a:pPr>
-                      <a:r>
-                        <a:rPr lang="pt-BR" sz="1100" b="0" cap="none" spc="0" dirty="0">
-                          <a:ln>
-                            <a:noFill/>
-                          </a:ln>
-                          <a:solidFill>
-                            <a:schemeClr val="tx1"/>
-                          </a:solidFill>
-                          <a:effectLst/>
-                          <a:latin typeface="Arial" panose="020B0604020202020204" pitchFamily="34" charset="0"/>
-                          <a:cs typeface="Arial" panose="020B0604020202020204" pitchFamily="34" charset="0"/>
-                        </a:rPr>
-                        <a:t>6 Segundos</a:t>
-                      </a:r>
-                    </a:p>
-                  </a:txBody>
-                  <a:tcPr>
-                    <a:lnL w="12700" cap="flat" cmpd="sng" algn="ctr">
-                      <a:solidFill>
-                        <a:schemeClr val="tx1"/>
-                      </a:solidFill>
-                      <a:prstDash val="solid"/>
-                      <a:round/>
-                      <a:headEnd type="none" w="med" len="med"/>
-                      <a:tailEnd type="none" w="med" len="med"/>
-                    </a:lnL>
-                    <a:lnR w="12700" cap="flat" cmpd="sng" algn="ctr">
-                      <a:solidFill>
-                        <a:schemeClr val="tx1"/>
-                      </a:solidFill>
-                      <a:prstDash val="solid"/>
-                      <a:round/>
-                      <a:headEnd type="none" w="med" len="med"/>
-                      <a:tailEnd type="none" w="med" len="med"/>
-                    </a:lnR>
-                    <a:lnT w="12700" cap="flat" cmpd="sng" algn="ctr">
-                      <a:solidFill>
-                        <a:schemeClr val="tx1"/>
-                      </a:solidFill>
-                      <a:prstDash val="solid"/>
-                      <a:round/>
-                      <a:headEnd type="none" w="med" len="med"/>
-                      <a:tailEnd type="none" w="med" len="med"/>
-                    </a:lnT>
-                    <a:lnB w="12700" cap="flat" cmpd="sng" algn="ctr">
-                      <a:solidFill>
-                        <a:schemeClr val="tx1"/>
-                      </a:solidFill>
-                      <a:prstDash val="solid"/>
-                      <a:round/>
-                      <a:headEnd type="none" w="med" len="med"/>
-                      <a:tailEnd type="none" w="med" len="med"/>
-                    </a:lnB>
-                    <a:noFill/>
-                  </a:tcPr>
-                </a:tc>
-                <a:tc>
-                  <a:txBody>
-                    <a:bodyPr/>
-                    <a:lstStyle/>
-                    <a:p>
-                      <a:pPr marL="0" marR="0" lvl="0" indent="0" algn="ctr" defTabSz="914400" rtl="0" eaLnBrk="1" fontAlgn="auto" latinLnBrk="0" hangingPunct="1">
-                        <a:lnSpc>
-                          <a:spcPct val="100000"/>
-                        </a:lnSpc>
-                        <a:spcBef>
-                          <a:spcPts val="0"/>
-                        </a:spcBef>
-                        <a:spcAft>
-                          <a:spcPts val="0"/>
-                        </a:spcAft>
-                        <a:buClrTx/>
-                        <a:buSzTx/>
-                        <a:buFontTx/>
-                        <a:buNone/>
-                        <a:tabLst/>
-                        <a:defRPr/>
-                      </a:pPr>
-                      <a:r>
-                        <a:rPr lang="pt-BR" sz="1100" b="0" cap="none" spc="0" dirty="0">
-                          <a:ln>
-                            <a:noFill/>
-                          </a:ln>
-                          <a:solidFill>
-                            <a:schemeClr val="tx1"/>
-                          </a:solidFill>
-                          <a:effectLst/>
-                          <a:latin typeface="Arial" panose="020B0604020202020204" pitchFamily="34" charset="0"/>
-                          <a:cs typeface="Arial" panose="020B0604020202020204" pitchFamily="34" charset="0"/>
-                        </a:rPr>
-                        <a:t>80.26%</a:t>
-                      </a:r>
-                    </a:p>
-                  </a:txBody>
-                  <a:tcPr>
-                    <a:lnL w="12700" cap="flat" cmpd="sng" algn="ctr">
-                      <a:solidFill>
-                        <a:schemeClr val="tx1"/>
-                      </a:solidFill>
-                      <a:prstDash val="solid"/>
-                      <a:round/>
-                      <a:headEnd type="none" w="med" len="med"/>
-                      <a:tailEnd type="none" w="med" len="med"/>
-                    </a:lnL>
-                    <a:lnR w="12700" cap="flat" cmpd="sng" algn="ctr">
-                      <a:solidFill>
-                        <a:schemeClr val="tx1"/>
-                      </a:solidFill>
-                      <a:prstDash val="solid"/>
-                      <a:round/>
-                      <a:headEnd type="none" w="med" len="med"/>
-                      <a:tailEnd type="none" w="med" len="med"/>
-                    </a:lnR>
-                    <a:lnT w="12700" cap="flat" cmpd="sng" algn="ctr">
-                      <a:solidFill>
-                        <a:schemeClr val="tx1"/>
-                      </a:solidFill>
-                      <a:prstDash val="solid"/>
-                      <a:round/>
-                      <a:headEnd type="none" w="med" len="med"/>
-                      <a:tailEnd type="none" w="med" len="med"/>
-                    </a:lnT>
-                    <a:lnB w="12700" cap="flat" cmpd="sng" algn="ctr">
-                      <a:solidFill>
-                        <a:schemeClr val="tx1"/>
-                      </a:solidFill>
-                      <a:prstDash val="solid"/>
-                      <a:round/>
-                      <a:headEnd type="none" w="med" len="med"/>
-                      <a:tailEnd type="none" w="med" len="med"/>
-                    </a:lnB>
-                    <a:noFill/>
-                  </a:tcPr>
-                </a:tc>
-                <a:extLst>
-                  <a:ext uri="{0D108BD9-81ED-4DB2-BD59-A6C34878D82A}">
-                    <a16:rowId xmlns:a16="http://schemas.microsoft.com/office/drawing/2014/main" val="3932085244"/>
-                  </a:ext>
-                </a:extLst>
-              </a:tr>
-              <a:tr h="482975">
-                <a:tc>
-                  <a:txBody>
-                    <a:bodyPr/>
-                    <a:lstStyle/>
-                    <a:p>
-                      <a:pPr algn="ctr"/>
-                      <a:r>
-                        <a:rPr lang="pt-BR" sz="1100" b="0" cap="none" spc="0" dirty="0">
-                          <a:ln>
-                            <a:noFill/>
-                          </a:ln>
-                          <a:solidFill>
-                            <a:schemeClr val="tx1"/>
-                          </a:solidFill>
-                          <a:effectLst/>
-                          <a:latin typeface="Arial" panose="020B0604020202020204" pitchFamily="34" charset="0"/>
-                          <a:cs typeface="Arial" panose="020B0604020202020204" pitchFamily="34" charset="0"/>
-                        </a:rPr>
-                        <a:t>Livraria + Random Deletion (2326 amostras)</a:t>
-                      </a:r>
-                    </a:p>
-                  </a:txBody>
-                  <a:tcPr>
-                    <a:lnL w="12700" cap="flat" cmpd="sng" algn="ctr">
-                      <a:solidFill>
-                        <a:schemeClr val="tx1"/>
-                      </a:solidFill>
-                      <a:prstDash val="solid"/>
-                      <a:round/>
-                      <a:headEnd type="none" w="med" len="med"/>
-                      <a:tailEnd type="none" w="med" len="med"/>
-                    </a:lnL>
-                    <a:lnR w="12700" cap="flat" cmpd="sng" algn="ctr">
-                      <a:solidFill>
-                        <a:schemeClr val="tx1"/>
-                      </a:solidFill>
-                      <a:prstDash val="solid"/>
-                      <a:round/>
-                      <a:headEnd type="none" w="med" len="med"/>
-                      <a:tailEnd type="none" w="med" len="med"/>
-                    </a:lnR>
-                    <a:lnT w="12700" cap="flat" cmpd="sng" algn="ctr">
-                      <a:solidFill>
-                        <a:schemeClr val="tx1"/>
-                      </a:solidFill>
-                      <a:prstDash val="solid"/>
-                      <a:round/>
-                      <a:headEnd type="none" w="med" len="med"/>
-                      <a:tailEnd type="none" w="med" len="med"/>
-                    </a:lnT>
-                    <a:lnB w="12700" cap="flat" cmpd="sng" algn="ctr">
-                      <a:solidFill>
-                        <a:schemeClr val="tx1"/>
-                      </a:solidFill>
-                      <a:prstDash val="solid"/>
-                      <a:round/>
-                      <a:headEnd type="none" w="med" len="med"/>
-                      <a:tailEnd type="none" w="med" len="med"/>
-                    </a:lnB>
-                    <a:noFill/>
-                  </a:tcPr>
-                </a:tc>
-                <a:tc>
-                  <a:txBody>
-                    <a:bodyPr/>
-                    <a:lstStyle/>
-                    <a:p>
-                      <a:pPr algn="ctr"/>
-                      <a:r>
-                        <a:rPr lang="pt-BR" sz="1100" b="0" cap="none" spc="0" dirty="0">
-                          <a:ln>
-                            <a:noFill/>
-                          </a:ln>
-                          <a:solidFill>
-                            <a:schemeClr val="tx1"/>
-                          </a:solidFill>
-                          <a:effectLst/>
-                          <a:latin typeface="Arial" panose="020B0604020202020204" pitchFamily="34" charset="0"/>
-                          <a:cs typeface="Arial" panose="020B0604020202020204" pitchFamily="34" charset="0"/>
-                        </a:rPr>
-                        <a:t>19 Segundos</a:t>
-                      </a:r>
-                    </a:p>
-                  </a:txBody>
-                  <a:tcPr>
-                    <a:lnL w="12700" cap="flat" cmpd="sng" algn="ctr">
-                      <a:solidFill>
-                        <a:schemeClr val="tx1"/>
-                      </a:solidFill>
-                      <a:prstDash val="solid"/>
-                      <a:round/>
-                      <a:headEnd type="none" w="med" len="med"/>
-                      <a:tailEnd type="none" w="med" len="med"/>
-                    </a:lnL>
-                    <a:lnR w="12700" cap="flat" cmpd="sng" algn="ctr">
-                      <a:solidFill>
-                        <a:schemeClr val="tx1"/>
-                      </a:solidFill>
-                      <a:prstDash val="solid"/>
-                      <a:round/>
-                      <a:headEnd type="none" w="med" len="med"/>
-                      <a:tailEnd type="none" w="med" len="med"/>
-                    </a:lnR>
-                    <a:lnT w="12700" cap="flat" cmpd="sng" algn="ctr">
-                      <a:solidFill>
-                        <a:schemeClr val="tx1"/>
-                      </a:solidFill>
-                      <a:prstDash val="solid"/>
-                      <a:round/>
-                      <a:headEnd type="none" w="med" len="med"/>
-                      <a:tailEnd type="none" w="med" len="med"/>
-                    </a:lnT>
-                    <a:lnB w="12700" cap="flat" cmpd="sng" algn="ctr">
-                      <a:solidFill>
-                        <a:schemeClr val="tx1"/>
-                      </a:solidFill>
-                      <a:prstDash val="solid"/>
-                      <a:round/>
-                      <a:headEnd type="none" w="med" len="med"/>
-                      <a:tailEnd type="none" w="med" len="med"/>
-                    </a:lnB>
-                    <a:noFill/>
-                  </a:tcPr>
-                </a:tc>
-                <a:tc>
-                  <a:txBody>
-                    <a:bodyPr/>
-                    <a:lstStyle/>
-                    <a:p>
-                      <a:pPr marL="0" marR="0" lvl="0" indent="0" algn="ctr" defTabSz="914400" rtl="0" eaLnBrk="1" fontAlgn="auto" latinLnBrk="0" hangingPunct="1">
-                        <a:lnSpc>
-                          <a:spcPct val="100000"/>
-                        </a:lnSpc>
-                        <a:spcBef>
-                          <a:spcPts val="0"/>
-                        </a:spcBef>
-                        <a:spcAft>
-                          <a:spcPts val="0"/>
-                        </a:spcAft>
-                        <a:buClrTx/>
-                        <a:buSzTx/>
-                        <a:buFontTx/>
-                        <a:buNone/>
-                        <a:tabLst/>
-                        <a:defRPr/>
-                      </a:pPr>
-                      <a:r>
-                        <a:rPr lang="pt-BR" sz="1100" b="0" kern="1200" cap="none" spc="0" dirty="0">
-                          <a:ln>
-                            <a:noFill/>
-                          </a:ln>
-                          <a:solidFill>
-                            <a:schemeClr val="tx1"/>
-                          </a:solidFill>
-                          <a:effectLst/>
-                          <a:latin typeface="Arial" panose="020B0604020202020204" pitchFamily="34" charset="0"/>
-                          <a:ea typeface="+mn-ea"/>
-                          <a:cs typeface="Arial" panose="020B0604020202020204" pitchFamily="34" charset="0"/>
-                        </a:rPr>
-                        <a:t>83.23%</a:t>
-                      </a:r>
-                    </a:p>
-                  </a:txBody>
-                  <a:tcPr>
-                    <a:lnL w="12700" cap="flat" cmpd="sng" algn="ctr">
-                      <a:solidFill>
-                        <a:schemeClr val="tx1"/>
-                      </a:solidFill>
-                      <a:prstDash val="solid"/>
-                      <a:round/>
-                      <a:headEnd type="none" w="med" len="med"/>
-                      <a:tailEnd type="none" w="med" len="med"/>
-                    </a:lnL>
-                    <a:lnR w="12700" cap="flat" cmpd="sng" algn="ctr">
-                      <a:solidFill>
-                        <a:schemeClr val="tx1"/>
-                      </a:solidFill>
-                      <a:prstDash val="solid"/>
-                      <a:round/>
-                      <a:headEnd type="none" w="med" len="med"/>
-                      <a:tailEnd type="none" w="med" len="med"/>
-                    </a:lnR>
-                    <a:lnT w="12700" cap="flat" cmpd="sng" algn="ctr">
-                      <a:solidFill>
-                        <a:schemeClr val="tx1"/>
-                      </a:solidFill>
-                      <a:prstDash val="solid"/>
-                      <a:round/>
-                      <a:headEnd type="none" w="med" len="med"/>
-                      <a:tailEnd type="none" w="med" len="med"/>
-                    </a:lnT>
-                    <a:lnB w="12700" cap="flat" cmpd="sng" algn="ctr">
-                      <a:solidFill>
-                        <a:schemeClr val="tx1"/>
-                      </a:solidFill>
-                      <a:prstDash val="solid"/>
-                      <a:round/>
-                      <a:headEnd type="none" w="med" len="med"/>
-                      <a:tailEnd type="none" w="med" len="med"/>
-                    </a:lnB>
-                    <a:noFill/>
-                  </a:tcPr>
-                </a:tc>
-                <a:extLst>
-                  <a:ext uri="{0D108BD9-81ED-4DB2-BD59-A6C34878D82A}">
-                    <a16:rowId xmlns:a16="http://schemas.microsoft.com/office/drawing/2014/main" val="3877871028"/>
-                  </a:ext>
-                </a:extLst>
-              </a:tr>
-              <a:tr h="482975">
-                <a:tc>
-                  <a:txBody>
-                    <a:bodyPr/>
-                    <a:lstStyle/>
-                    <a:p>
-                      <a:pPr algn="ctr"/>
-                      <a:r>
-                        <a:rPr lang="pt-BR" sz="1100" b="0" cap="none" spc="0" dirty="0">
-                          <a:ln>
-                            <a:noFill/>
-                          </a:ln>
-                          <a:solidFill>
-                            <a:schemeClr val="tx1"/>
-                          </a:solidFill>
-                          <a:effectLst/>
-                          <a:latin typeface="Arial" panose="020B0604020202020204" pitchFamily="34" charset="0"/>
-                          <a:cs typeface="Arial" panose="020B0604020202020204" pitchFamily="34" charset="0"/>
-                        </a:rPr>
-                        <a:t>Livraria  + Back Translation (2326 amostras)</a:t>
-                      </a:r>
-                    </a:p>
-                  </a:txBody>
-                  <a:tcPr>
-                    <a:lnL w="12700" cap="flat" cmpd="sng" algn="ctr">
-                      <a:solidFill>
-                        <a:schemeClr val="tx1"/>
-                      </a:solidFill>
-                      <a:prstDash val="solid"/>
-                      <a:round/>
-                      <a:headEnd type="none" w="med" len="med"/>
-                      <a:tailEnd type="none" w="med" len="med"/>
-                    </a:lnL>
-                    <a:lnR w="12700" cap="flat" cmpd="sng" algn="ctr">
-                      <a:solidFill>
-                        <a:schemeClr val="tx1"/>
-                      </a:solidFill>
-                      <a:prstDash val="solid"/>
-                      <a:round/>
-                      <a:headEnd type="none" w="med" len="med"/>
-                      <a:tailEnd type="none" w="med" len="med"/>
-                    </a:lnR>
-                    <a:lnT w="12700" cap="flat" cmpd="sng" algn="ctr">
-                      <a:solidFill>
-                        <a:schemeClr val="tx1"/>
-                      </a:solidFill>
-                      <a:prstDash val="solid"/>
-                      <a:round/>
-                      <a:headEnd type="none" w="med" len="med"/>
-                      <a:tailEnd type="none" w="med" len="med"/>
-                    </a:lnT>
-                    <a:lnB w="12700" cap="flat" cmpd="sng" algn="ctr">
-                      <a:solidFill>
-                        <a:schemeClr val="tx1"/>
-                      </a:solidFill>
-                      <a:prstDash val="solid"/>
-                      <a:round/>
-                      <a:headEnd type="none" w="med" len="med"/>
-                      <a:tailEnd type="none" w="med" len="med"/>
-                    </a:lnB>
-                    <a:noFill/>
-                  </a:tcPr>
-                </a:tc>
-                <a:tc>
-                  <a:txBody>
-                    <a:bodyPr/>
-                    <a:lstStyle/>
-                    <a:p>
-                      <a:pPr algn="ctr"/>
-                      <a:r>
-                        <a:rPr lang="pt-BR" sz="1100" b="0" cap="none" spc="0" dirty="0">
-                          <a:ln>
-                            <a:noFill/>
-                          </a:ln>
-                          <a:solidFill>
-                            <a:schemeClr val="tx1"/>
-                          </a:solidFill>
-                          <a:effectLst/>
-                          <a:latin typeface="Arial" panose="020B0604020202020204" pitchFamily="34" charset="0"/>
-                          <a:cs typeface="Arial" panose="020B0604020202020204" pitchFamily="34" charset="0"/>
-                        </a:rPr>
-                        <a:t>24 Segundos</a:t>
-                      </a:r>
-                    </a:p>
-                  </a:txBody>
-                  <a:tcPr>
-                    <a:lnL w="12700" cap="flat" cmpd="sng" algn="ctr">
-                      <a:solidFill>
-                        <a:schemeClr val="tx1"/>
-                      </a:solidFill>
-                      <a:prstDash val="solid"/>
-                      <a:round/>
-                      <a:headEnd type="none" w="med" len="med"/>
-                      <a:tailEnd type="none" w="med" len="med"/>
-                    </a:lnL>
-                    <a:lnR w="12700" cap="flat" cmpd="sng" algn="ctr">
-                      <a:solidFill>
-                        <a:schemeClr val="tx1"/>
-                      </a:solidFill>
-                      <a:prstDash val="solid"/>
-                      <a:round/>
-                      <a:headEnd type="none" w="med" len="med"/>
-                      <a:tailEnd type="none" w="med" len="med"/>
-                    </a:lnR>
-                    <a:lnT w="12700" cap="flat" cmpd="sng" algn="ctr">
-                      <a:solidFill>
-                        <a:schemeClr val="tx1"/>
-                      </a:solidFill>
-                      <a:prstDash val="solid"/>
-                      <a:round/>
-                      <a:headEnd type="none" w="med" len="med"/>
-                      <a:tailEnd type="none" w="med" len="med"/>
-                    </a:lnT>
-                    <a:lnB w="12700" cap="flat" cmpd="sng" algn="ctr">
-                      <a:solidFill>
-                        <a:schemeClr val="tx1"/>
-                      </a:solidFill>
-                      <a:prstDash val="solid"/>
-                      <a:round/>
-                      <a:headEnd type="none" w="med" len="med"/>
-                      <a:tailEnd type="none" w="med" len="med"/>
-                    </a:lnB>
-                    <a:noFill/>
-                  </a:tcPr>
-                </a:tc>
-                <a:tc>
-                  <a:txBody>
-                    <a:bodyPr/>
-                    <a:lstStyle/>
-                    <a:p>
-                      <a:pPr algn="ctr"/>
-                      <a:r>
-                        <a:rPr lang="pt-BR" sz="1100" b="0" cap="none" spc="0" dirty="0">
-                          <a:ln>
-                            <a:noFill/>
-                          </a:ln>
-                          <a:solidFill>
-                            <a:schemeClr val="tx1"/>
-                          </a:solidFill>
-                          <a:effectLst/>
-                          <a:latin typeface="Arial" panose="020B0604020202020204" pitchFamily="34" charset="0"/>
-                          <a:cs typeface="Arial" panose="020B0604020202020204" pitchFamily="34" charset="0"/>
-                        </a:rPr>
-                        <a:t>86.45%</a:t>
-                      </a:r>
-                    </a:p>
-                  </a:txBody>
-                  <a:tcPr>
-                    <a:lnL w="12700" cap="flat" cmpd="sng" algn="ctr">
-                      <a:solidFill>
-                        <a:schemeClr val="tx1"/>
-                      </a:solidFill>
-                      <a:prstDash val="solid"/>
-                      <a:round/>
-                      <a:headEnd type="none" w="med" len="med"/>
-                      <a:tailEnd type="none" w="med" len="med"/>
-                    </a:lnL>
-                    <a:lnR w="12700" cap="flat" cmpd="sng" algn="ctr">
-                      <a:solidFill>
-                        <a:schemeClr val="tx1"/>
-                      </a:solidFill>
-                      <a:prstDash val="solid"/>
-                      <a:round/>
-                      <a:headEnd type="none" w="med" len="med"/>
-                      <a:tailEnd type="none" w="med" len="med"/>
-                    </a:lnR>
-                    <a:lnT w="12700" cap="flat" cmpd="sng" algn="ctr">
-                      <a:solidFill>
-                        <a:schemeClr val="tx1"/>
-                      </a:solidFill>
-                      <a:prstDash val="solid"/>
-                      <a:round/>
-                      <a:headEnd type="none" w="med" len="med"/>
-                      <a:tailEnd type="none" w="med" len="med"/>
-                    </a:lnT>
-                    <a:lnB w="12700" cap="flat" cmpd="sng" algn="ctr">
-                      <a:solidFill>
-                        <a:schemeClr val="tx1"/>
-                      </a:solidFill>
-                      <a:prstDash val="solid"/>
-                      <a:round/>
-                      <a:headEnd type="none" w="med" len="med"/>
-                      <a:tailEnd type="none" w="med" len="med"/>
-                    </a:lnB>
-                    <a:noFill/>
-                  </a:tcPr>
-                </a:tc>
-                <a:extLst>
-                  <a:ext uri="{0D108BD9-81ED-4DB2-BD59-A6C34878D82A}">
-                    <a16:rowId xmlns:a16="http://schemas.microsoft.com/office/drawing/2014/main" val="426775692"/>
-                  </a:ext>
-                </a:extLst>
-              </a:tr>
-              <a:tr h="482975">
-                <a:tc>
-                  <a:txBody>
-                    <a:bodyPr/>
-                    <a:lstStyle/>
-                    <a:p>
-                      <a:pPr marL="0" marR="0" lvl="0" indent="0" algn="ctr" defTabSz="914400" rtl="0" eaLnBrk="1" fontAlgn="auto" latinLnBrk="0" hangingPunct="1">
-                        <a:lnSpc>
-                          <a:spcPct val="100000"/>
-                        </a:lnSpc>
-                        <a:spcBef>
-                          <a:spcPts val="0"/>
-                        </a:spcBef>
-                        <a:spcAft>
-                          <a:spcPts val="0"/>
-                        </a:spcAft>
-                        <a:buClrTx/>
-                        <a:buSzTx/>
-                        <a:buFontTx/>
-                        <a:buNone/>
-                        <a:tabLst/>
-                        <a:defRPr/>
-                      </a:pPr>
-                      <a:r>
-                        <a:rPr lang="pt-BR" sz="1100" b="0" cap="none" spc="0" dirty="0">
-                          <a:ln>
-                            <a:noFill/>
-                          </a:ln>
-                          <a:solidFill>
-                            <a:schemeClr val="tx1"/>
-                          </a:solidFill>
-                          <a:effectLst/>
-                          <a:latin typeface="Arial" panose="020B0604020202020204" pitchFamily="34" charset="0"/>
-                          <a:cs typeface="Arial" panose="020B0604020202020204" pitchFamily="34" charset="0"/>
-                        </a:rPr>
-                        <a:t>Livraria  + Random Swap (2326 amostras)</a:t>
-                      </a:r>
-                    </a:p>
-                  </a:txBody>
-                  <a:tcPr>
-                    <a:lnL w="12700" cap="flat" cmpd="sng" algn="ctr">
-                      <a:solidFill>
-                        <a:schemeClr val="tx1"/>
-                      </a:solidFill>
-                      <a:prstDash val="solid"/>
-                      <a:round/>
-                      <a:headEnd type="none" w="med" len="med"/>
-                      <a:tailEnd type="none" w="med" len="med"/>
-                    </a:lnL>
-                    <a:lnR w="12700" cap="flat" cmpd="sng" algn="ctr">
-                      <a:solidFill>
-                        <a:schemeClr val="tx1"/>
-                      </a:solidFill>
-                      <a:prstDash val="solid"/>
-                      <a:round/>
-                      <a:headEnd type="none" w="med" len="med"/>
-                      <a:tailEnd type="none" w="med" len="med"/>
-                    </a:lnR>
-                    <a:lnT w="12700" cap="flat" cmpd="sng" algn="ctr">
-                      <a:solidFill>
-                        <a:schemeClr val="tx1"/>
-                      </a:solidFill>
-                      <a:prstDash val="solid"/>
-                      <a:round/>
-                      <a:headEnd type="none" w="med" len="med"/>
-                      <a:tailEnd type="none" w="med" len="med"/>
-                    </a:lnT>
-                    <a:lnB w="12700" cap="flat" cmpd="sng" algn="ctr">
-                      <a:solidFill>
-                        <a:schemeClr val="tx1"/>
-                      </a:solidFill>
-                      <a:prstDash val="solid"/>
-                      <a:round/>
-                      <a:headEnd type="none" w="med" len="med"/>
-                      <a:tailEnd type="none" w="med" len="med"/>
-                    </a:lnB>
-                    <a:noFill/>
-                  </a:tcPr>
-                </a:tc>
-                <a:tc>
-                  <a:txBody>
-                    <a:bodyPr/>
-                    <a:lstStyle/>
-                    <a:p>
-                      <a:pPr algn="ctr"/>
-                      <a:r>
-                        <a:rPr lang="pt-BR" sz="1100" b="0" cap="none" spc="0" dirty="0">
-                          <a:ln>
-                            <a:noFill/>
-                          </a:ln>
-                          <a:solidFill>
-                            <a:schemeClr val="tx1"/>
-                          </a:solidFill>
-                          <a:effectLst/>
-                          <a:latin typeface="Arial" panose="020B0604020202020204" pitchFamily="34" charset="0"/>
-                          <a:cs typeface="Arial" panose="020B0604020202020204" pitchFamily="34" charset="0"/>
-                        </a:rPr>
-                        <a:t>23 Segundos</a:t>
-                      </a:r>
-                    </a:p>
-                  </a:txBody>
-                  <a:tcPr>
-                    <a:lnL w="12700" cap="flat" cmpd="sng" algn="ctr">
-                      <a:solidFill>
-                        <a:schemeClr val="tx1"/>
-                      </a:solidFill>
-                      <a:prstDash val="solid"/>
-                      <a:round/>
-                      <a:headEnd type="none" w="med" len="med"/>
-                      <a:tailEnd type="none" w="med" len="med"/>
-                    </a:lnL>
-                    <a:lnR w="12700" cap="flat" cmpd="sng" algn="ctr">
-                      <a:solidFill>
-                        <a:schemeClr val="tx1"/>
-                      </a:solidFill>
-                      <a:prstDash val="solid"/>
-                      <a:round/>
-                      <a:headEnd type="none" w="med" len="med"/>
-                      <a:tailEnd type="none" w="med" len="med"/>
-                    </a:lnR>
-                    <a:lnT w="12700" cap="flat" cmpd="sng" algn="ctr">
-                      <a:solidFill>
-                        <a:schemeClr val="tx1"/>
-                      </a:solidFill>
-                      <a:prstDash val="solid"/>
-                      <a:round/>
-                      <a:headEnd type="none" w="med" len="med"/>
-                      <a:tailEnd type="none" w="med" len="med"/>
-                    </a:lnT>
-                    <a:lnB w="12700" cap="flat" cmpd="sng" algn="ctr">
-                      <a:solidFill>
-                        <a:schemeClr val="tx1"/>
-                      </a:solidFill>
-                      <a:prstDash val="solid"/>
-                      <a:round/>
-                      <a:headEnd type="none" w="med" len="med"/>
-                      <a:tailEnd type="none" w="med" len="med"/>
-                    </a:lnB>
-                    <a:noFill/>
-                  </a:tcPr>
-                </a:tc>
-                <a:tc>
-                  <a:txBody>
-                    <a:bodyPr/>
-                    <a:lstStyle/>
-                    <a:p>
-                      <a:pPr algn="ctr"/>
-                      <a:r>
-                        <a:rPr lang="pt-BR" sz="1100" b="0" cap="none" spc="0" dirty="0">
-                          <a:ln>
-                            <a:noFill/>
-                          </a:ln>
-                          <a:solidFill>
-                            <a:schemeClr val="tx1"/>
-                          </a:solidFill>
-                          <a:effectLst/>
-                          <a:latin typeface="Arial" panose="020B0604020202020204" pitchFamily="34" charset="0"/>
-                          <a:cs typeface="Arial" panose="020B0604020202020204" pitchFamily="34" charset="0"/>
-                        </a:rPr>
-                        <a:t>85.59%</a:t>
-                      </a:r>
-                    </a:p>
-                  </a:txBody>
-                  <a:tcPr>
-                    <a:lnL w="12700" cap="flat" cmpd="sng" algn="ctr">
-                      <a:solidFill>
-                        <a:schemeClr val="tx1"/>
-                      </a:solidFill>
-                      <a:prstDash val="solid"/>
-                      <a:round/>
-                      <a:headEnd type="none" w="med" len="med"/>
-                      <a:tailEnd type="none" w="med" len="med"/>
-                    </a:lnL>
-                    <a:lnR w="12700" cap="flat" cmpd="sng" algn="ctr">
-                      <a:solidFill>
-                        <a:schemeClr val="tx1"/>
-                      </a:solidFill>
-                      <a:prstDash val="solid"/>
-                      <a:round/>
-                      <a:headEnd type="none" w="med" len="med"/>
-                      <a:tailEnd type="none" w="med" len="med"/>
-                    </a:lnR>
-                    <a:lnT w="12700" cap="flat" cmpd="sng" algn="ctr">
-                      <a:solidFill>
-                        <a:schemeClr val="tx1"/>
-                      </a:solidFill>
-                      <a:prstDash val="solid"/>
-                      <a:round/>
-                      <a:headEnd type="none" w="med" len="med"/>
-                      <a:tailEnd type="none" w="med" len="med"/>
-                    </a:lnT>
-                    <a:lnB w="12700" cap="flat" cmpd="sng" algn="ctr">
-                      <a:solidFill>
-                        <a:schemeClr val="tx1"/>
-                      </a:solidFill>
-                      <a:prstDash val="solid"/>
-                      <a:round/>
-                      <a:headEnd type="none" w="med" len="med"/>
-                      <a:tailEnd type="none" w="med" len="med"/>
-                    </a:lnB>
-                    <a:noFill/>
-                  </a:tcPr>
-                </a:tc>
-                <a:extLst>
-                  <a:ext uri="{0D108BD9-81ED-4DB2-BD59-A6C34878D82A}">
-                    <a16:rowId xmlns:a16="http://schemas.microsoft.com/office/drawing/2014/main" val="3027150795"/>
-                  </a:ext>
-                </a:extLst>
-              </a:tr>
-            </a:tbl>
-          </a:graphicData>
-        </a:graphic>
-      </p:graphicFrame>
-      <p:sp>
-        <p:nvSpPr>
-          <p:cNvPr id="4" name="Espaço Reservado para Rodapé 3">
-            <a:extLst>
-              <a:ext uri="{FF2B5EF4-FFF2-40B4-BE49-F238E27FC236}">
-                <a16:creationId xmlns:a16="http://schemas.microsoft.com/office/drawing/2014/main" id="{23C34890-ABA2-CBE3-6BC1-8A105611FD12}"/>
-              </a:ext>
-            </a:extLst>
-          </p:cNvPr>
-          <p:cNvSpPr>
-            <a:spLocks noGrp="1"/>
-          </p:cNvSpPr>
-          <p:nvPr>
-            <p:ph type="ftr" sz="quarter" idx="11"/>
-          </p:nvPr>
-        </p:nvSpPr>
-        <p:spPr>
-          <a:xfrm>
-            <a:off x="3684596" y="6455648"/>
-            <a:ext cx="4822804" cy="365125"/>
-          </a:xfrm>
-        </p:spPr>
-        <p:txBody>
-          <a:bodyPr/>
-          <a:lstStyle/>
-          <a:p>
-            <a:r>
-              <a:rPr lang="pt-BR" dirty="0"/>
-              <a:t>Aprendizado Profundo - 2023</a:t>
-            </a:r>
-          </a:p>
-        </p:txBody>
-      </p:sp>
-      <p:pic>
-        <p:nvPicPr>
-          <p:cNvPr id="5" name="Imagem 4" descr="Janela de vidro&#10;&#10;Descrição gerada automaticamente com confiança média">
-            <a:extLst>
-              <a:ext uri="{FF2B5EF4-FFF2-40B4-BE49-F238E27FC236}">
-                <a16:creationId xmlns:a16="http://schemas.microsoft.com/office/drawing/2014/main" id="{B6F7DADD-A5BA-CB78-9532-70815E05CEF7}"/>
-              </a:ext>
-            </a:extLst>
-          </p:cNvPr>
-          <p:cNvPicPr>
-            <a:picLocks noChangeAspect="1"/>
-          </p:cNvPicPr>
-          <p:nvPr/>
-        </p:nvPicPr>
-        <p:blipFill>
-          <a:blip r:embed="rId2" cstate="print">
-            <a:extLst>
-              <a:ext uri="{28A0092B-C50C-407E-A947-70E740481C1C}">
-                <a14:useLocalDpi xmlns:a14="http://schemas.microsoft.com/office/drawing/2010/main" val="0"/>
-              </a:ext>
-            </a:extLst>
-          </a:blip>
-          <a:stretch>
-            <a:fillRect/>
-          </a:stretch>
-        </p:blipFill>
-        <p:spPr>
-          <a:xfrm>
-            <a:off x="118159" y="6470866"/>
-            <a:ext cx="373152" cy="332105"/>
-          </a:xfrm>
-          <a:prstGeom prst="rect">
-            <a:avLst/>
-          </a:prstGeom>
-        </p:spPr>
-      </p:pic>
-      <p:sp>
-        <p:nvSpPr>
-          <p:cNvPr id="10" name="Título 19">
-            <a:extLst>
-              <a:ext uri="{FF2B5EF4-FFF2-40B4-BE49-F238E27FC236}">
-                <a16:creationId xmlns:a16="http://schemas.microsoft.com/office/drawing/2014/main" id="{EB7B4D14-F298-7222-DED5-2D8BF04076F7}"/>
-              </a:ext>
-            </a:extLst>
-          </p:cNvPr>
-          <p:cNvSpPr txBox="1">
-            <a:spLocks/>
-          </p:cNvSpPr>
-          <p:nvPr/>
-        </p:nvSpPr>
-        <p:spPr>
-          <a:xfrm>
-            <a:off x="1097280" y="626919"/>
-            <a:ext cx="10058400" cy="720197"/>
-          </a:xfrm>
-          <a:prstGeom prst="rect">
-            <a:avLst/>
-          </a:prstGeom>
-        </p:spPr>
-        <p:txBody>
-          <a:bodyPr vert="horz" lIns="91440" tIns="45720" rIns="91440" bIns="45720" rtlCol="0" anchor="b">
-            <a:normAutofit/>
-          </a:bodyPr>
-          <a:lstStyle>
-            <a:lvl1pPr marL="0" algn="l" defTabSz="914400" rtl="0" eaLnBrk="1" latinLnBrk="0" hangingPunct="1">
-              <a:lnSpc>
-                <a:spcPct val="85000"/>
-              </a:lnSpc>
-              <a:spcBef>
-                <a:spcPct val="0"/>
-              </a:spcBef>
-              <a:buNone/>
-              <a:defRPr sz="4800" kern="1200" spc="-50" baseline="0">
-                <a:solidFill>
-                  <a:schemeClr val="tx1">
-                    <a:lumMod val="75000"/>
-                    <a:lumOff val="25000"/>
-                  </a:schemeClr>
-                </a:solidFill>
-                <a:latin typeface="+mj-lt"/>
-                <a:ea typeface="+mj-ea"/>
-                <a:cs typeface="+mj-cs"/>
-              </a:defRPr>
-            </a:lvl1pPr>
-          </a:lstStyle>
-          <a:p>
-            <a:pPr marL="457200" indent="-457200">
-              <a:buFont typeface="Arial" panose="020B0604020202020204" pitchFamily="34" charset="0"/>
-              <a:buChar char="•"/>
-            </a:pPr>
-            <a:r>
-              <a:rPr lang="pt-BR" sz="2000" b="1" dirty="0">
-                <a:solidFill>
-                  <a:schemeClr val="tx1"/>
-                </a:solidFill>
-                <a:latin typeface="Arial" panose="020B0604020202020204" pitchFamily="34" charset="0"/>
-                <a:cs typeface="Arial" panose="020B0604020202020204" pitchFamily="34" charset="0"/>
-              </a:rPr>
-              <a:t>4.	</a:t>
-            </a:r>
-            <a:r>
-              <a:rPr lang="pt-BR" sz="2000" b="1" dirty="0">
-                <a:solidFill>
-                  <a:prstClr val="black"/>
-                </a:solidFill>
-                <a:latin typeface="Arial" panose="020B0604020202020204" pitchFamily="34" charset="0"/>
-                <a:cs typeface="Arial" panose="020B0604020202020204" pitchFamily="34" charset="0"/>
-              </a:rPr>
-              <a:t>RESULTADOS E CONCLUSÃO</a:t>
-            </a:r>
-            <a:br>
-              <a:rPr lang="pt-BR" sz="2000" b="1" dirty="0">
-                <a:solidFill>
-                  <a:schemeClr val="tx1"/>
-                </a:solidFill>
-                <a:latin typeface="Arial" panose="020B0604020202020204" pitchFamily="34" charset="0"/>
-                <a:cs typeface="Arial" panose="020B0604020202020204" pitchFamily="34" charset="0"/>
-              </a:rPr>
-            </a:br>
-            <a:r>
-              <a:rPr lang="pt-BR" sz="2000" b="1" dirty="0">
-                <a:solidFill>
-                  <a:schemeClr val="tx1"/>
-                </a:solidFill>
-                <a:latin typeface="Arial" panose="020B0604020202020204" pitchFamily="34" charset="0"/>
-                <a:cs typeface="Arial" panose="020B0604020202020204" pitchFamily="34" charset="0"/>
-              </a:rPr>
-              <a:t>	</a:t>
-            </a:r>
-            <a:r>
-              <a:rPr lang="pt-BR" sz="1600" b="1" dirty="0">
-                <a:solidFill>
-                  <a:schemeClr val="tx1"/>
-                </a:solidFill>
-                <a:latin typeface="Arial" panose="020B0604020202020204" pitchFamily="34" charset="0"/>
-                <a:cs typeface="Arial" panose="020B0604020202020204" pitchFamily="34" charset="0"/>
-              </a:rPr>
-              <a:t>4.2. Resultados</a:t>
-            </a:r>
-            <a:endParaRPr lang="pt-BR" sz="2000" b="1" dirty="0">
-              <a:solidFill>
-                <a:schemeClr val="tx1"/>
-              </a:solidFill>
-              <a:latin typeface="Arial" panose="020B0604020202020204" pitchFamily="34" charset="0"/>
-              <a:cs typeface="Arial" panose="020B0604020202020204" pitchFamily="34" charset="0"/>
-            </a:endParaRPr>
-          </a:p>
-        </p:txBody>
-      </p:sp>
-    </p:spTree>
-    <p:extLst>
-      <p:ext uri="{BB962C8B-B14F-4D97-AF65-F5344CB8AC3E}">
-        <p14:creationId xmlns:p14="http://schemas.microsoft.com/office/powerpoint/2010/main" val="3528112276"/>
+        <p14:creationId xmlns:p14="http://schemas.microsoft.com/office/powerpoint/2010/main" val="3364916802"/>
       </p:ext>
     </p:extLst>
   </p:cSld>

--- a/Apresentação.pptx
+++ b/Apresentação.pptx
@@ -4827,13 +4827,13 @@
           <p:nvPr>
             <p:extLst>
               <p:ext uri="{D42A27DB-BD31-4B8C-83A1-F6EECF244321}">
-                <p14:modId xmlns:p14="http://schemas.microsoft.com/office/powerpoint/2010/main" val="675322667"/>
+                <p14:modId xmlns:p14="http://schemas.microsoft.com/office/powerpoint/2010/main" val="2856201224"/>
               </p:ext>
             </p:extLst>
           </p:nvPr>
         </p:nvGraphicFramePr>
         <p:xfrm>
-          <a:off x="4341233" y="2133600"/>
+          <a:off x="4341233" y="2968704"/>
           <a:ext cx="3970124" cy="1965960"/>
         </p:xfrm>
         <a:graphic>
@@ -4940,7 +4940,7 @@
                           <a:latin typeface="Arial" panose="020B0604020202020204" pitchFamily="34" charset="0"/>
                           <a:cs typeface="Arial" panose="020B0604020202020204" pitchFamily="34" charset="0"/>
                         </a:rPr>
-                        <a:t>Classes: Quantidade</a:t>
+                        <a:t>Classes</a:t>
                       </a:r>
                     </a:p>
                   </a:txBody>
@@ -5090,6 +5090,37 @@
                         </a:rPr>
                         <a:t>Administracao</a:t>
                       </a:r>
+                      <a:endParaRPr lang="pt-BR" sz="1100" b="0" kern="1200" cap="none" spc="0" dirty="0">
+                        <a:ln>
+                          <a:noFill/>
+                        </a:ln>
+                        <a:solidFill>
+                          <a:schemeClr val="tx1"/>
+                        </a:solidFill>
+                        <a:effectLst/>
+                        <a:latin typeface="Arial" panose="020B0604020202020204" pitchFamily="34" charset="0"/>
+                        <a:ea typeface="+mn-ea"/>
+                        <a:cs typeface="Arial" panose="020B0604020202020204" pitchFamily="34" charset="0"/>
+                      </a:endParaRPr>
+                    </a:p>
+                    <a:p>
+                      <a:pPr marL="0" marR="0" lvl="0" indent="0" algn="ctr" defTabSz="914400" rtl="0" eaLnBrk="1" fontAlgn="auto" latinLnBrk="0" hangingPunct="1">
+                        <a:lnSpc>
+                          <a:spcPct val="100000"/>
+                        </a:lnSpc>
+                        <a:spcBef>
+                          <a:spcPts val="0"/>
+                        </a:spcBef>
+                        <a:spcAft>
+                          <a:spcPts val="0"/>
+                        </a:spcAft>
+                        <a:buClrTx/>
+                        <a:buSzTx/>
+                        <a:buFontTx/>
+                        <a:buNone/>
+                        <a:tabLst/>
+                        <a:defRPr/>
+                      </a:pPr>
                       <a:r>
                         <a:rPr lang="pt-BR" sz="1100" b="0" kern="1200" cap="none" spc="0" dirty="0">
                           <a:ln>
@@ -5103,7 +5134,7 @@
                           <a:ea typeface="+mn-ea"/>
                           <a:cs typeface="Arial" panose="020B0604020202020204" pitchFamily="34" charset="0"/>
                         </a:rPr>
-                        <a:t>: 134</a:t>
+                        <a:t>Historia</a:t>
                       </a:r>
                     </a:p>
                     <a:p>
@@ -5137,7 +5168,7 @@
                           <a:ea typeface="+mn-ea"/>
                           <a:cs typeface="Arial" panose="020B0604020202020204" pitchFamily="34" charset="0"/>
                         </a:rPr>
-                        <a:t>Historia: 350</a:t>
+                        <a:t> Artes</a:t>
                       </a:r>
                     </a:p>
                     <a:p>
@@ -5171,41 +5202,7 @@
                           <a:ea typeface="+mn-ea"/>
                           <a:cs typeface="Arial" panose="020B0604020202020204" pitchFamily="34" charset="0"/>
                         </a:rPr>
-                        <a:t> Artes: 70</a:t>
-                      </a:r>
-                    </a:p>
-                    <a:p>
-                      <a:pPr marL="0" marR="0" lvl="0" indent="0" algn="ctr" defTabSz="914400" rtl="0" eaLnBrk="1" fontAlgn="auto" latinLnBrk="0" hangingPunct="1">
-                        <a:lnSpc>
-                          <a:spcPct val="100000"/>
-                        </a:lnSpc>
-                        <a:spcBef>
-                          <a:spcPts val="0"/>
-                        </a:spcBef>
-                        <a:spcAft>
-                          <a:spcPts val="0"/>
-                        </a:spcAft>
-                        <a:buClrTx/>
-                        <a:buSzTx/>
-                        <a:buFontTx/>
-                        <a:buNone/>
-                        <a:tabLst/>
-                        <a:defRPr/>
-                      </a:pPr>
-                      <a:r>
-                        <a:rPr lang="pt-BR" sz="1100" b="0" kern="1200" cap="none" spc="0" dirty="0">
-                          <a:ln>
-                            <a:noFill/>
-                          </a:ln>
-                          <a:solidFill>
-                            <a:schemeClr val="tx1"/>
-                          </a:solidFill>
-                          <a:effectLst/>
-                          <a:latin typeface="Arial" panose="020B0604020202020204" pitchFamily="34" charset="0"/>
-                          <a:ea typeface="+mn-ea"/>
-                          <a:cs typeface="Arial" panose="020B0604020202020204" pitchFamily="34" charset="0"/>
-                        </a:rPr>
-                        <a:t> Biologia: 114</a:t>
+                        <a:t> Biologia</a:t>
                       </a:r>
                     </a:p>
                     <a:p>
@@ -5256,6 +5253,37 @@
                         </a:rPr>
                         <a:t>Matematica</a:t>
                       </a:r>
+                      <a:endParaRPr lang="pt-BR" sz="1100" b="0" kern="1200" cap="none" spc="0" dirty="0">
+                        <a:ln>
+                          <a:noFill/>
+                        </a:ln>
+                        <a:solidFill>
+                          <a:schemeClr val="tx1"/>
+                        </a:solidFill>
+                        <a:effectLst/>
+                        <a:latin typeface="Arial" panose="020B0604020202020204" pitchFamily="34" charset="0"/>
+                        <a:ea typeface="+mn-ea"/>
+                        <a:cs typeface="Arial" panose="020B0604020202020204" pitchFamily="34" charset="0"/>
+                      </a:endParaRPr>
+                    </a:p>
+                    <a:p>
+                      <a:pPr marL="0" marR="0" lvl="0" indent="0" algn="ctr" defTabSz="914400" rtl="0" eaLnBrk="1" fontAlgn="auto" latinLnBrk="0" hangingPunct="1">
+                        <a:lnSpc>
+                          <a:spcPct val="100000"/>
+                        </a:lnSpc>
+                        <a:spcBef>
+                          <a:spcPts val="0"/>
+                        </a:spcBef>
+                        <a:spcAft>
+                          <a:spcPts val="0"/>
+                        </a:spcAft>
+                        <a:buClrTx/>
+                        <a:buSzTx/>
+                        <a:buFontTx/>
+                        <a:buNone/>
+                        <a:tabLst/>
+                        <a:defRPr/>
+                      </a:pPr>
                       <a:r>
                         <a:rPr lang="pt-BR" sz="1100" b="0" kern="1200" cap="none" spc="0" dirty="0">
                           <a:ln>
@@ -5269,7 +5297,7 @@
                           <a:ea typeface="+mn-ea"/>
                           <a:cs typeface="Arial" panose="020B0604020202020204" pitchFamily="34" charset="0"/>
                         </a:rPr>
-                        <a:t>: 104</a:t>
+                        <a:t> Geografia</a:t>
                       </a:r>
                     </a:p>
                     <a:p>
@@ -5303,41 +5331,7 @@
                           <a:ea typeface="+mn-ea"/>
                           <a:cs typeface="Arial" panose="020B0604020202020204" pitchFamily="34" charset="0"/>
                         </a:rPr>
-                        <a:t> Geografia: 116</a:t>
-                      </a:r>
-                    </a:p>
-                    <a:p>
-                      <a:pPr marL="0" marR="0" lvl="0" indent="0" algn="ctr" defTabSz="914400" rtl="0" eaLnBrk="1" fontAlgn="auto" latinLnBrk="0" hangingPunct="1">
-                        <a:lnSpc>
-                          <a:spcPct val="100000"/>
-                        </a:lnSpc>
-                        <a:spcBef>
-                          <a:spcPts val="0"/>
-                        </a:spcBef>
-                        <a:spcAft>
-                          <a:spcPts val="0"/>
-                        </a:spcAft>
-                        <a:buClrTx/>
-                        <a:buSzTx/>
-                        <a:buFontTx/>
-                        <a:buNone/>
-                        <a:tabLst/>
-                        <a:defRPr/>
-                      </a:pPr>
-                      <a:r>
-                        <a:rPr lang="pt-BR" sz="1100" b="0" kern="1200" cap="none" spc="0" dirty="0">
-                          <a:ln>
-                            <a:noFill/>
-                          </a:ln>
-                          <a:solidFill>
-                            <a:schemeClr val="tx1"/>
-                          </a:solidFill>
-                          <a:effectLst/>
-                          <a:latin typeface="Arial" panose="020B0604020202020204" pitchFamily="34" charset="0"/>
-                          <a:ea typeface="+mn-ea"/>
-                          <a:cs typeface="Arial" panose="020B0604020202020204" pitchFamily="34" charset="0"/>
-                        </a:rPr>
-                        <a:t> Literatura: 42</a:t>
+                        <a:t> Literatura</a:t>
                       </a:r>
                     </a:p>
                   </a:txBody>
@@ -5468,7 +5462,7 @@
                           <a:latin typeface="Arial" panose="020B0604020202020204" pitchFamily="34" charset="0"/>
                           <a:cs typeface="Arial" panose="020B0604020202020204" pitchFamily="34" charset="0"/>
                         </a:rPr>
-                        <a:t>Ham: 87 </a:t>
+                        <a:t>Ham</a:t>
                       </a:r>
                     </a:p>
                     <a:p>
@@ -5485,7 +5479,7 @@
                           <a:latin typeface="Arial" panose="020B0604020202020204" pitchFamily="34" charset="0"/>
                           <a:cs typeface="Arial" panose="020B0604020202020204" pitchFamily="34" charset="0"/>
                         </a:rPr>
-                        <a:t>Spam: 99</a:t>
+                        <a:t>Spam</a:t>
                       </a:r>
                     </a:p>
                   </a:txBody>
@@ -5561,7 +5555,7 @@
         </p:blipFill>
         <p:spPr>
           <a:xfrm>
-            <a:off x="1097280" y="1969621"/>
+            <a:off x="1097280" y="2505377"/>
             <a:ext cx="2927105" cy="2792009"/>
           </a:xfrm>
           <a:prstGeom prst="rect">
@@ -5591,7 +5585,7 @@
         </p:blipFill>
         <p:spPr>
           <a:xfrm>
-            <a:off x="8628205" y="1969621"/>
+            <a:off x="8628205" y="2605982"/>
             <a:ext cx="2631760" cy="2691404"/>
           </a:xfrm>
           <a:prstGeom prst="rect">
@@ -9424,31 +9418,6 @@
       </p:grpSpPr>
       <p:sp>
         <p:nvSpPr>
-          <p:cNvPr id="3" name="Espaço Reservado para Conteúdo 2">
-            <a:extLst>
-              <a:ext uri="{FF2B5EF4-FFF2-40B4-BE49-F238E27FC236}">
-                <a16:creationId xmlns:a16="http://schemas.microsoft.com/office/drawing/2014/main" id="{3AE310AD-524E-FFD2-D55C-D4F79985E4C7}"/>
-              </a:ext>
-            </a:extLst>
-          </p:cNvPr>
-          <p:cNvSpPr>
-            <a:spLocks noGrp="1"/>
-          </p:cNvSpPr>
-          <p:nvPr>
-            <p:ph idx="1"/>
-          </p:nvPr>
-        </p:nvSpPr>
-        <p:spPr/>
-        <p:txBody>
-          <a:bodyPr/>
-          <a:lstStyle/>
-          <a:p>
-            <a:endParaRPr lang="pt-BR" dirty="0"/>
-          </a:p>
-        </p:txBody>
-      </p:sp>
-      <p:sp>
-        <p:nvSpPr>
           <p:cNvPr id="8" name="Título 19">
             <a:extLst>
               <a:ext uri="{FF2B5EF4-FFF2-40B4-BE49-F238E27FC236}">
@@ -9557,6 +9526,86 @@
               <a:latin typeface="Arial" panose="020B0604020202020204" pitchFamily="34" charset="0"/>
               <a:cs typeface="Arial" panose="020B0604020202020204" pitchFamily="34" charset="0"/>
             </a:endParaRPr>
+          </a:p>
+        </p:txBody>
+      </p:sp>
+      <p:sp>
+        <p:nvSpPr>
+          <p:cNvPr id="2" name="Espaço Reservado para Conteúdo 2">
+            <a:extLst>
+              <a:ext uri="{FF2B5EF4-FFF2-40B4-BE49-F238E27FC236}">
+                <a16:creationId xmlns:a16="http://schemas.microsoft.com/office/drawing/2014/main" id="{AE08EAFA-0A95-2FD2-B095-0A134E248D67}"/>
+              </a:ext>
+            </a:extLst>
+          </p:cNvPr>
+          <p:cNvSpPr>
+            <a:spLocks noGrp="1"/>
+          </p:cNvSpPr>
+          <p:nvPr>
+            <p:ph idx="1"/>
+          </p:nvPr>
+        </p:nvSpPr>
+        <p:spPr>
+          <a:xfrm>
+            <a:off x="1097280" y="2521059"/>
+            <a:ext cx="10058400" cy="830997"/>
+          </a:xfrm>
+          <a:noFill/>
+        </p:spPr>
+        <p:txBody>
+          <a:bodyPr wrap="square" rtlCol="0">
+            <a:spAutoFit/>
+          </a:bodyPr>
+          <a:lstStyle/>
+          <a:p>
+            <a:pPr marL="0" indent="0" defTabSz="457200">
+              <a:lnSpc>
+                <a:spcPct val="100000"/>
+              </a:lnSpc>
+              <a:spcBef>
+                <a:spcPts val="0"/>
+              </a:spcBef>
+              <a:spcAft>
+                <a:spcPts val="0"/>
+              </a:spcAft>
+              <a:buClrTx/>
+              <a:buSzTx/>
+              <a:buNone/>
+            </a:pPr>
+            <a:endParaRPr lang="pt-BR" sz="1600" b="1" dirty="0">
+              <a:solidFill>
+                <a:prstClr val="black"/>
+              </a:solidFill>
+              <a:latin typeface="Arial" panose="020B0604020202020204" pitchFamily="34" charset="0"/>
+              <a:cs typeface="Arial" panose="020B0604020202020204" pitchFamily="34" charset="0"/>
+            </a:endParaRPr>
+          </a:p>
+          <a:p>
+            <a:pPr algn="just" defTabSz="457200">
+              <a:lnSpc>
+                <a:spcPct val="100000"/>
+              </a:lnSpc>
+              <a:spcBef>
+                <a:spcPts val="0"/>
+              </a:spcBef>
+              <a:spcAft>
+                <a:spcPts val="0"/>
+              </a:spcAft>
+              <a:buClrTx/>
+              <a:buSzTx/>
+              <a:buFont typeface="Wingdings" panose="05000000000000000000" pitchFamily="2" charset="2"/>
+              <a:buChar char="Ø"/>
+            </a:pPr>
+            <a:r>
+              <a:rPr lang="pt-BR" sz="1600" b="1" dirty="0">
+                <a:solidFill>
+                  <a:prstClr val="black"/>
+                </a:solidFill>
+                <a:latin typeface="Arial" panose="020B0604020202020204" pitchFamily="34" charset="0"/>
+                <a:cs typeface="Arial" panose="020B0604020202020204" pitchFamily="34" charset="0"/>
+              </a:rPr>
+              <a:t> Mesmo com um conjunto limitado de amostras é possível implementar algumas técnicas para      aumentar a acurácia do modelo</a:t>
+            </a:r>
           </a:p>
         </p:txBody>
       </p:sp>
@@ -9669,7 +9718,8 @@
                   <a:srgbClr val="333333"/>
                 </a:solidFill>
                 <a:effectLst/>
-                <a:latin typeface="-apple-system"/>
+                <a:latin typeface="Arial" panose="020B0604020202020204" pitchFamily="34" charset="0"/>
+                <a:cs typeface="Arial" panose="020B0604020202020204" pitchFamily="34" charset="0"/>
               </a:rPr>
               <a:t>Shorten</a:t>
             </a:r>
@@ -9679,7 +9729,8 @@
                   <a:srgbClr val="333333"/>
                 </a:solidFill>
                 <a:effectLst/>
-                <a:latin typeface="-apple-system"/>
+                <a:latin typeface="Arial" panose="020B0604020202020204" pitchFamily="34" charset="0"/>
+                <a:cs typeface="Arial" panose="020B0604020202020204" pitchFamily="34" charset="0"/>
               </a:rPr>
               <a:t>, C., </a:t>
             </a:r>
@@ -9688,7 +9739,8 @@
                 <a:solidFill>
                   <a:srgbClr val="333333"/>
                 </a:solidFill>
-                <a:latin typeface="-apple-system"/>
+                <a:latin typeface="Arial" panose="020B0604020202020204" pitchFamily="34" charset="0"/>
+                <a:cs typeface="Arial" panose="020B0604020202020204" pitchFamily="34" charset="0"/>
               </a:rPr>
               <a:t>Khoshgoftaar,</a:t>
             </a:r>
@@ -9698,7 +9750,8 @@
                   <a:srgbClr val="333333"/>
                 </a:solidFill>
                 <a:effectLst/>
-                <a:latin typeface="-apple-system"/>
+                <a:latin typeface="Arial" panose="020B0604020202020204" pitchFamily="34" charset="0"/>
+                <a:cs typeface="Arial" panose="020B0604020202020204" pitchFamily="34" charset="0"/>
               </a:rPr>
               <a:t> T.M. &amp; Furht, B. </a:t>
             </a:r>
@@ -9708,7 +9761,8 @@
                   <a:srgbClr val="333333"/>
                 </a:solidFill>
                 <a:effectLst/>
-                <a:latin typeface="-apple-system"/>
+                <a:latin typeface="Arial" panose="020B0604020202020204" pitchFamily="34" charset="0"/>
+                <a:cs typeface="Arial" panose="020B0604020202020204" pitchFamily="34" charset="0"/>
               </a:rPr>
               <a:t>Text</a:t>
             </a:r>
@@ -9718,7 +9772,8 @@
                   <a:srgbClr val="333333"/>
                 </a:solidFill>
                 <a:effectLst/>
-                <a:latin typeface="-apple-system"/>
+                <a:latin typeface="Arial" panose="020B0604020202020204" pitchFamily="34" charset="0"/>
+                <a:cs typeface="Arial" panose="020B0604020202020204" pitchFamily="34" charset="0"/>
               </a:rPr>
               <a:t> Data Augmentation for </a:t>
             </a:r>
@@ -9728,7 +9783,8 @@
                   <a:srgbClr val="333333"/>
                 </a:solidFill>
                 <a:effectLst/>
-                <a:latin typeface="-apple-system"/>
+                <a:latin typeface="Arial" panose="020B0604020202020204" pitchFamily="34" charset="0"/>
+                <a:cs typeface="Arial" panose="020B0604020202020204" pitchFamily="34" charset="0"/>
               </a:rPr>
               <a:t>Deep</a:t>
             </a:r>
@@ -9738,7 +9794,8 @@
                   <a:srgbClr val="333333"/>
                 </a:solidFill>
                 <a:effectLst/>
-                <a:latin typeface="-apple-system"/>
+                <a:latin typeface="Arial" panose="020B0604020202020204" pitchFamily="34" charset="0"/>
+                <a:cs typeface="Arial" panose="020B0604020202020204" pitchFamily="34" charset="0"/>
               </a:rPr>
               <a:t> Learning. </a:t>
             </a:r>
@@ -9748,7 +9805,8 @@
                   <a:srgbClr val="333333"/>
                 </a:solidFill>
                 <a:effectLst/>
-                <a:latin typeface="-apple-system"/>
+                <a:latin typeface="Arial" panose="020B0604020202020204" pitchFamily="34" charset="0"/>
+                <a:cs typeface="Arial" panose="020B0604020202020204" pitchFamily="34" charset="0"/>
               </a:rPr>
               <a:t>J Big Data</a:t>
             </a:r>
@@ -9758,7 +9816,8 @@
                   <a:srgbClr val="333333"/>
                 </a:solidFill>
                 <a:effectLst/>
-                <a:latin typeface="-apple-system"/>
+                <a:latin typeface="Arial" panose="020B0604020202020204" pitchFamily="34" charset="0"/>
+                <a:cs typeface="Arial" panose="020B0604020202020204" pitchFamily="34" charset="0"/>
               </a:rPr>
               <a:t> </a:t>
             </a:r>
@@ -9768,7 +9827,8 @@
                   <a:srgbClr val="333333"/>
                 </a:solidFill>
                 <a:effectLst/>
-                <a:latin typeface="-apple-system"/>
+                <a:latin typeface="Arial" panose="020B0604020202020204" pitchFamily="34" charset="0"/>
+                <a:cs typeface="Arial" panose="020B0604020202020204" pitchFamily="34" charset="0"/>
               </a:rPr>
               <a:t>8</a:t>
             </a:r>
@@ -9778,7 +9838,8 @@
                   <a:srgbClr val="333333"/>
                 </a:solidFill>
                 <a:effectLst/>
-                <a:latin typeface="-apple-system"/>
+                <a:latin typeface="Arial" panose="020B0604020202020204" pitchFamily="34" charset="0"/>
+                <a:cs typeface="Arial" panose="020B0604020202020204" pitchFamily="34" charset="0"/>
               </a:rPr>
               <a:t>, 101 (2021).</a:t>
             </a:r>
@@ -9788,56 +9849,42 @@
               <a:buNone/>
             </a:pPr>
             <a:r>
-              <a:rPr lang="pt-BR" sz="1400" dirty="0">
+              <a:rPr lang="pt-BR" sz="1200" dirty="0">
                 <a:solidFill>
                   <a:srgbClr val="333333"/>
                 </a:solidFill>
-                <a:latin typeface="-apple-system"/>
-              </a:rPr>
-              <a:t>Jason Wei </a:t>
-            </a:r>
-            <a:r>
-              <a:rPr lang="pt-BR" sz="1400" dirty="0" err="1">
+                <a:latin typeface="Arial" panose="020B0604020202020204" pitchFamily="34" charset="0"/>
+                <a:cs typeface="Arial" panose="020B0604020202020204" pitchFamily="34" charset="0"/>
+              </a:rPr>
+              <a:t>Jason, Wei; Kai, </a:t>
+            </a:r>
+            <a:r>
+              <a:rPr lang="pt-BR" sz="1200" dirty="0" err="1">
                 <a:solidFill>
                   <a:srgbClr val="333333"/>
                 </a:solidFill>
-                <a:latin typeface="-apple-system"/>
-              </a:rPr>
-              <a:t>and</a:t>
-            </a:r>
-            <a:r>
-              <a:rPr lang="pt-BR" sz="1400" dirty="0">
+                <a:latin typeface="Arial" panose="020B0604020202020204" pitchFamily="34" charset="0"/>
+                <a:cs typeface="Arial" panose="020B0604020202020204" pitchFamily="34" charset="0"/>
+              </a:rPr>
+              <a:t>Zou</a:t>
+            </a:r>
+            <a:r>
+              <a:rPr lang="pt-BR" sz="1200" dirty="0">
                 <a:solidFill>
                   <a:srgbClr val="333333"/>
                 </a:solidFill>
-                <a:latin typeface="-apple-system"/>
-              </a:rPr>
-              <a:t> Kai </a:t>
-            </a:r>
-            <a:r>
-              <a:rPr lang="pt-BR" sz="1400" dirty="0" err="1">
+                <a:latin typeface="Arial" panose="020B0604020202020204" pitchFamily="34" charset="0"/>
+                <a:cs typeface="Arial" panose="020B0604020202020204" pitchFamily="34" charset="0"/>
+              </a:rPr>
+              <a:t>. </a:t>
+            </a:r>
+            <a:r>
+              <a:rPr lang="pt-BR" sz="1200" dirty="0">
                 <a:solidFill>
                   <a:srgbClr val="333333"/>
                 </a:solidFill>
-                <a:latin typeface="-apple-system"/>
-              </a:rPr>
-              <a:t>Zou</a:t>
-            </a:r>
-            <a:r>
-              <a:rPr lang="pt-BR" sz="1400" dirty="0">
-                <a:solidFill>
-                  <a:srgbClr val="333333"/>
-                </a:solidFill>
-                <a:latin typeface="-apple-system"/>
-              </a:rPr>
-              <a:t>. 2019. </a:t>
-            </a:r>
-            <a:r>
-              <a:rPr lang="pt-BR" sz="1400" dirty="0">
-                <a:solidFill>
-                  <a:srgbClr val="333333"/>
-                </a:solidFill>
-                <a:latin typeface="-apple-system"/>
+                <a:latin typeface="Arial" panose="020B0604020202020204" pitchFamily="34" charset="0"/>
+                <a:cs typeface="Arial" panose="020B0604020202020204" pitchFamily="34" charset="0"/>
                 <a:hlinkClick r:id="rId2">
                   <a:extLst>
                     <a:ext uri="{A12FA001-AC4F-418D-AE19-62706E023703}">
@@ -9849,11 +9896,12 @@
               <a:t>EDA: </a:t>
             </a:r>
             <a:r>
-              <a:rPr lang="pt-BR" sz="1400" dirty="0" err="1">
+              <a:rPr lang="pt-BR" sz="1200" dirty="0" err="1">
                 <a:solidFill>
                   <a:srgbClr val="333333"/>
                 </a:solidFill>
-                <a:latin typeface="-apple-system"/>
+                <a:latin typeface="Arial" panose="020B0604020202020204" pitchFamily="34" charset="0"/>
+                <a:cs typeface="Arial" panose="020B0604020202020204" pitchFamily="34" charset="0"/>
                 <a:hlinkClick r:id="rId2">
                   <a:extLst>
                     <a:ext uri="{A12FA001-AC4F-418D-AE19-62706E023703}">
@@ -9865,11 +9913,12 @@
               <a:t>Easy</a:t>
             </a:r>
             <a:r>
-              <a:rPr lang="pt-BR" sz="1400" dirty="0">
+              <a:rPr lang="pt-BR" sz="1200" dirty="0">
                 <a:solidFill>
                   <a:srgbClr val="333333"/>
                 </a:solidFill>
-                <a:latin typeface="-apple-system"/>
+                <a:latin typeface="Arial" panose="020B0604020202020204" pitchFamily="34" charset="0"/>
+                <a:cs typeface="Arial" panose="020B0604020202020204" pitchFamily="34" charset="0"/>
                 <a:hlinkClick r:id="rId2">
                   <a:extLst>
                     <a:ext uri="{A12FA001-AC4F-418D-AE19-62706E023703}">
@@ -9881,11 +9930,12 @@
               <a:t> Data Augmentation </a:t>
             </a:r>
             <a:r>
-              <a:rPr lang="pt-BR" sz="1400" dirty="0" err="1">
+              <a:rPr lang="pt-BR" sz="1200" dirty="0" err="1">
                 <a:solidFill>
                   <a:srgbClr val="333333"/>
                 </a:solidFill>
-                <a:latin typeface="-apple-system"/>
+                <a:latin typeface="Arial" panose="020B0604020202020204" pitchFamily="34" charset="0"/>
+                <a:cs typeface="Arial" panose="020B0604020202020204" pitchFamily="34" charset="0"/>
                 <a:hlinkClick r:id="rId2">
                   <a:extLst>
                     <a:ext uri="{A12FA001-AC4F-418D-AE19-62706E023703}">
@@ -9897,11 +9947,12 @@
               <a:t>Techniques</a:t>
             </a:r>
             <a:r>
-              <a:rPr lang="pt-BR" sz="1400" dirty="0">
+              <a:rPr lang="pt-BR" sz="1200" dirty="0">
                 <a:solidFill>
                   <a:srgbClr val="333333"/>
                 </a:solidFill>
-                <a:latin typeface="-apple-system"/>
+                <a:latin typeface="Arial" panose="020B0604020202020204" pitchFamily="34" charset="0"/>
+                <a:cs typeface="Arial" panose="020B0604020202020204" pitchFamily="34" charset="0"/>
                 <a:hlinkClick r:id="rId2">
                   <a:extLst>
                     <a:ext uri="{A12FA001-AC4F-418D-AE19-62706E023703}">
@@ -9913,11 +9964,12 @@
               <a:t> for </a:t>
             </a:r>
             <a:r>
-              <a:rPr lang="pt-BR" sz="1400" dirty="0" err="1">
+              <a:rPr lang="pt-BR" sz="1200" dirty="0" err="1">
                 <a:solidFill>
                   <a:srgbClr val="333333"/>
                 </a:solidFill>
-                <a:latin typeface="-apple-system"/>
+                <a:latin typeface="Arial" panose="020B0604020202020204" pitchFamily="34" charset="0"/>
+                <a:cs typeface="Arial" panose="020B0604020202020204" pitchFamily="34" charset="0"/>
                 <a:hlinkClick r:id="rId2">
                   <a:extLst>
                     <a:ext uri="{A12FA001-AC4F-418D-AE19-62706E023703}">
@@ -9929,11 +9981,12 @@
               <a:t>Boosting</a:t>
             </a:r>
             <a:r>
-              <a:rPr lang="pt-BR" sz="1400" dirty="0">
+              <a:rPr lang="pt-BR" sz="1200" dirty="0">
                 <a:solidFill>
                   <a:srgbClr val="333333"/>
                 </a:solidFill>
-                <a:latin typeface="-apple-system"/>
+                <a:latin typeface="Arial" panose="020B0604020202020204" pitchFamily="34" charset="0"/>
+                <a:cs typeface="Arial" panose="020B0604020202020204" pitchFamily="34" charset="0"/>
                 <a:hlinkClick r:id="rId2">
                   <a:extLst>
                     <a:ext uri="{A12FA001-AC4F-418D-AE19-62706E023703}">
@@ -9945,11 +9998,12 @@
               <a:t> Performance </a:t>
             </a:r>
             <a:r>
-              <a:rPr lang="pt-BR" sz="1400" dirty="0" err="1">
+              <a:rPr lang="pt-BR" sz="1200" dirty="0" err="1">
                 <a:solidFill>
                   <a:srgbClr val="333333"/>
                 </a:solidFill>
-                <a:latin typeface="-apple-system"/>
+                <a:latin typeface="Arial" panose="020B0604020202020204" pitchFamily="34" charset="0"/>
+                <a:cs typeface="Arial" panose="020B0604020202020204" pitchFamily="34" charset="0"/>
                 <a:hlinkClick r:id="rId2">
                   <a:extLst>
                     <a:ext uri="{A12FA001-AC4F-418D-AE19-62706E023703}">
@@ -9961,11 +10015,12 @@
               <a:t>on</a:t>
             </a:r>
             <a:r>
-              <a:rPr lang="pt-BR" sz="1400" dirty="0">
+              <a:rPr lang="pt-BR" sz="1200" dirty="0">
                 <a:solidFill>
                   <a:srgbClr val="333333"/>
                 </a:solidFill>
-                <a:latin typeface="-apple-system"/>
+                <a:latin typeface="Arial" panose="020B0604020202020204" pitchFamily="34" charset="0"/>
+                <a:cs typeface="Arial" panose="020B0604020202020204" pitchFamily="34" charset="0"/>
                 <a:hlinkClick r:id="rId2">
                   <a:extLst>
                     <a:ext uri="{A12FA001-AC4F-418D-AE19-62706E023703}">
@@ -9977,11 +10032,12 @@
               <a:t> </a:t>
             </a:r>
             <a:r>
-              <a:rPr lang="pt-BR" sz="1400" dirty="0" err="1">
+              <a:rPr lang="pt-BR" sz="1200" dirty="0" err="1">
                 <a:solidFill>
                   <a:srgbClr val="333333"/>
                 </a:solidFill>
-                <a:latin typeface="-apple-system"/>
+                <a:latin typeface="Arial" panose="020B0604020202020204" pitchFamily="34" charset="0"/>
+                <a:cs typeface="Arial" panose="020B0604020202020204" pitchFamily="34" charset="0"/>
                 <a:hlinkClick r:id="rId2">
                   <a:extLst>
                     <a:ext uri="{A12FA001-AC4F-418D-AE19-62706E023703}">
@@ -9993,11 +10049,12 @@
               <a:t>Text</a:t>
             </a:r>
             <a:r>
-              <a:rPr lang="pt-BR" sz="1400" dirty="0">
+              <a:rPr lang="pt-BR" sz="1200" dirty="0">
                 <a:solidFill>
                   <a:srgbClr val="333333"/>
                 </a:solidFill>
-                <a:latin typeface="-apple-system"/>
+                <a:latin typeface="Arial" panose="020B0604020202020204" pitchFamily="34" charset="0"/>
+                <a:cs typeface="Arial" panose="020B0604020202020204" pitchFamily="34" charset="0"/>
                 <a:hlinkClick r:id="rId2">
                   <a:extLst>
                     <a:ext uri="{A12FA001-AC4F-418D-AE19-62706E023703}">
@@ -10009,11 +10066,12 @@
               <a:t> </a:t>
             </a:r>
             <a:r>
-              <a:rPr lang="pt-BR" sz="1400" dirty="0" err="1">
+              <a:rPr lang="pt-BR" sz="1200" dirty="0" err="1">
                 <a:solidFill>
                   <a:srgbClr val="333333"/>
                 </a:solidFill>
-                <a:latin typeface="-apple-system"/>
+                <a:latin typeface="Arial" panose="020B0604020202020204" pitchFamily="34" charset="0"/>
+                <a:cs typeface="Arial" panose="020B0604020202020204" pitchFamily="34" charset="0"/>
                 <a:hlinkClick r:id="rId2">
                   <a:extLst>
                     <a:ext uri="{A12FA001-AC4F-418D-AE19-62706E023703}">
@@ -10025,11 +10083,12 @@
               <a:t>Classification</a:t>
             </a:r>
             <a:r>
-              <a:rPr lang="pt-BR" sz="1400" dirty="0">
+              <a:rPr lang="pt-BR" sz="1200" dirty="0">
                 <a:solidFill>
                   <a:srgbClr val="333333"/>
                 </a:solidFill>
-                <a:latin typeface="-apple-system"/>
+                <a:latin typeface="Arial" panose="020B0604020202020204" pitchFamily="34" charset="0"/>
+                <a:cs typeface="Arial" panose="020B0604020202020204" pitchFamily="34" charset="0"/>
                 <a:hlinkClick r:id="rId2">
                   <a:extLst>
                     <a:ext uri="{A12FA001-AC4F-418D-AE19-62706E023703}">
@@ -10041,11 +10100,12 @@
               <a:t> </a:t>
             </a:r>
             <a:r>
-              <a:rPr lang="pt-BR" sz="1400" dirty="0" err="1">
+              <a:rPr lang="pt-BR" sz="1200" dirty="0" err="1">
                 <a:solidFill>
                   <a:srgbClr val="333333"/>
                 </a:solidFill>
-                <a:latin typeface="-apple-system"/>
+                <a:latin typeface="Arial" panose="020B0604020202020204" pitchFamily="34" charset="0"/>
+                <a:cs typeface="Arial" panose="020B0604020202020204" pitchFamily="34" charset="0"/>
                 <a:hlinkClick r:id="rId2">
                   <a:extLst>
                     <a:ext uri="{A12FA001-AC4F-418D-AE19-62706E023703}">
@@ -10057,373 +10117,569 @@
               <a:t>Tasks</a:t>
             </a:r>
             <a:r>
-              <a:rPr lang="pt-BR" sz="1400" dirty="0">
+              <a:rPr lang="pt-BR" sz="1200" dirty="0">
                 <a:solidFill>
                   <a:srgbClr val="333333"/>
                 </a:solidFill>
-                <a:latin typeface="-apple-system"/>
+                <a:latin typeface="Arial" panose="020B0604020202020204" pitchFamily="34" charset="0"/>
+                <a:cs typeface="Arial" panose="020B0604020202020204" pitchFamily="34" charset="0"/>
               </a:rPr>
               <a:t>. In </a:t>
             </a:r>
             <a:r>
-              <a:rPr lang="pt-BR" sz="1400" dirty="0" err="1">
+              <a:rPr lang="pt-BR" sz="1200" dirty="0" err="1">
                 <a:solidFill>
                   <a:srgbClr val="333333"/>
                 </a:solidFill>
-                <a:latin typeface="-apple-system"/>
+                <a:latin typeface="Arial" panose="020B0604020202020204" pitchFamily="34" charset="0"/>
+                <a:cs typeface="Arial" panose="020B0604020202020204" pitchFamily="34" charset="0"/>
               </a:rPr>
               <a:t>Proceedings</a:t>
             </a:r>
             <a:r>
-              <a:rPr lang="pt-BR" sz="1400" dirty="0">
+              <a:rPr lang="pt-BR" sz="1200" dirty="0">
                 <a:solidFill>
                   <a:srgbClr val="333333"/>
                 </a:solidFill>
-                <a:latin typeface="-apple-system"/>
+                <a:latin typeface="Arial" panose="020B0604020202020204" pitchFamily="34" charset="0"/>
+                <a:cs typeface="Arial" panose="020B0604020202020204" pitchFamily="34" charset="0"/>
               </a:rPr>
               <a:t> </a:t>
             </a:r>
             <a:r>
-              <a:rPr lang="pt-BR" sz="1400" dirty="0" err="1">
+              <a:rPr lang="pt-BR" sz="1200" dirty="0" err="1">
                 <a:solidFill>
                   <a:srgbClr val="333333"/>
                 </a:solidFill>
-                <a:latin typeface="-apple-system"/>
+                <a:latin typeface="Arial" panose="020B0604020202020204" pitchFamily="34" charset="0"/>
+                <a:cs typeface="Arial" panose="020B0604020202020204" pitchFamily="34" charset="0"/>
               </a:rPr>
               <a:t>of</a:t>
             </a:r>
             <a:r>
-              <a:rPr lang="pt-BR" sz="1400" dirty="0">
+              <a:rPr lang="pt-BR" sz="1200" dirty="0">
                 <a:solidFill>
                   <a:srgbClr val="333333"/>
                 </a:solidFill>
-                <a:latin typeface="-apple-system"/>
+                <a:latin typeface="Arial" panose="020B0604020202020204" pitchFamily="34" charset="0"/>
+                <a:cs typeface="Arial" panose="020B0604020202020204" pitchFamily="34" charset="0"/>
               </a:rPr>
               <a:t> </a:t>
             </a:r>
             <a:r>
-              <a:rPr lang="pt-BR" sz="1400" dirty="0" err="1">
+              <a:rPr lang="pt-BR" sz="1200" dirty="0" err="1">
                 <a:solidFill>
                   <a:srgbClr val="333333"/>
                 </a:solidFill>
-                <a:latin typeface="-apple-system"/>
+                <a:latin typeface="Arial" panose="020B0604020202020204" pitchFamily="34" charset="0"/>
+                <a:cs typeface="Arial" panose="020B0604020202020204" pitchFamily="34" charset="0"/>
               </a:rPr>
               <a:t>the</a:t>
             </a:r>
             <a:r>
-              <a:rPr lang="pt-BR" sz="1400" dirty="0">
+              <a:rPr lang="pt-BR" sz="1200" dirty="0">
                 <a:solidFill>
                   <a:srgbClr val="333333"/>
                 </a:solidFill>
-                <a:latin typeface="-apple-system"/>
+                <a:latin typeface="Arial" panose="020B0604020202020204" pitchFamily="34" charset="0"/>
+                <a:cs typeface="Arial" panose="020B0604020202020204" pitchFamily="34" charset="0"/>
               </a:rPr>
               <a:t> 2019 </a:t>
             </a:r>
             <a:r>
-              <a:rPr lang="pt-BR" sz="1400" dirty="0" err="1">
+              <a:rPr lang="pt-BR" sz="1200" dirty="0" err="1">
                 <a:solidFill>
                   <a:srgbClr val="333333"/>
                 </a:solidFill>
-                <a:latin typeface="-apple-system"/>
+                <a:latin typeface="Arial" panose="020B0604020202020204" pitchFamily="34" charset="0"/>
+                <a:cs typeface="Arial" panose="020B0604020202020204" pitchFamily="34" charset="0"/>
               </a:rPr>
               <a:t>Conference</a:t>
             </a:r>
             <a:r>
-              <a:rPr lang="pt-BR" sz="1400" dirty="0">
+              <a:rPr lang="pt-BR" sz="1200" dirty="0">
                 <a:solidFill>
                   <a:srgbClr val="333333"/>
                 </a:solidFill>
-                <a:latin typeface="-apple-system"/>
+                <a:latin typeface="Arial" panose="020B0604020202020204" pitchFamily="34" charset="0"/>
+                <a:cs typeface="Arial" panose="020B0604020202020204" pitchFamily="34" charset="0"/>
               </a:rPr>
               <a:t> </a:t>
             </a:r>
             <a:r>
-              <a:rPr lang="pt-BR" sz="1400" dirty="0" err="1">
+              <a:rPr lang="pt-BR" sz="1200" dirty="0" err="1">
                 <a:solidFill>
                   <a:srgbClr val="333333"/>
                 </a:solidFill>
-                <a:latin typeface="-apple-system"/>
+                <a:latin typeface="Arial" panose="020B0604020202020204" pitchFamily="34" charset="0"/>
+                <a:cs typeface="Arial" panose="020B0604020202020204" pitchFamily="34" charset="0"/>
               </a:rPr>
               <a:t>on</a:t>
             </a:r>
             <a:r>
-              <a:rPr lang="pt-BR" sz="1400" dirty="0">
+              <a:rPr lang="pt-BR" sz="1200" dirty="0">
                 <a:solidFill>
                   <a:srgbClr val="333333"/>
                 </a:solidFill>
-                <a:latin typeface="-apple-system"/>
+                <a:latin typeface="Arial" panose="020B0604020202020204" pitchFamily="34" charset="0"/>
+                <a:cs typeface="Arial" panose="020B0604020202020204" pitchFamily="34" charset="0"/>
               </a:rPr>
               <a:t> </a:t>
             </a:r>
             <a:r>
-              <a:rPr lang="pt-BR" sz="1400" dirty="0" err="1">
+              <a:rPr lang="pt-BR" sz="1200" dirty="0" err="1">
                 <a:solidFill>
                   <a:srgbClr val="333333"/>
                 </a:solidFill>
-                <a:latin typeface="-apple-system"/>
+                <a:latin typeface="Arial" panose="020B0604020202020204" pitchFamily="34" charset="0"/>
+                <a:cs typeface="Arial" panose="020B0604020202020204" pitchFamily="34" charset="0"/>
               </a:rPr>
               <a:t>Empirical</a:t>
             </a:r>
             <a:r>
-              <a:rPr lang="pt-BR" sz="1400" dirty="0">
+              <a:rPr lang="pt-BR" sz="1200" dirty="0">
                 <a:solidFill>
                   <a:srgbClr val="333333"/>
                 </a:solidFill>
-                <a:latin typeface="-apple-system"/>
+                <a:latin typeface="Arial" panose="020B0604020202020204" pitchFamily="34" charset="0"/>
+                <a:cs typeface="Arial" panose="020B0604020202020204" pitchFamily="34" charset="0"/>
               </a:rPr>
               <a:t> </a:t>
             </a:r>
             <a:r>
-              <a:rPr lang="pt-BR" sz="1400" dirty="0" err="1">
+              <a:rPr lang="pt-BR" sz="1200" dirty="0" err="1">
                 <a:solidFill>
                   <a:srgbClr val="333333"/>
                 </a:solidFill>
-                <a:latin typeface="-apple-system"/>
+                <a:latin typeface="Arial" panose="020B0604020202020204" pitchFamily="34" charset="0"/>
+                <a:cs typeface="Arial" panose="020B0604020202020204" pitchFamily="34" charset="0"/>
               </a:rPr>
               <a:t>Methods</a:t>
             </a:r>
             <a:r>
-              <a:rPr lang="pt-BR" sz="1400" dirty="0">
+              <a:rPr lang="pt-BR" sz="1200" dirty="0">
                 <a:solidFill>
                   <a:srgbClr val="333333"/>
                 </a:solidFill>
-                <a:latin typeface="-apple-system"/>
+                <a:latin typeface="Arial" panose="020B0604020202020204" pitchFamily="34" charset="0"/>
+                <a:cs typeface="Arial" panose="020B0604020202020204" pitchFamily="34" charset="0"/>
               </a:rPr>
               <a:t> in Natural </a:t>
             </a:r>
             <a:r>
-              <a:rPr lang="pt-BR" sz="1400" dirty="0" err="1">
+              <a:rPr lang="pt-BR" sz="1200" dirty="0" err="1">
                 <a:solidFill>
                   <a:srgbClr val="333333"/>
                 </a:solidFill>
-                <a:latin typeface="-apple-system"/>
+                <a:latin typeface="Arial" panose="020B0604020202020204" pitchFamily="34" charset="0"/>
+                <a:cs typeface="Arial" panose="020B0604020202020204" pitchFamily="34" charset="0"/>
               </a:rPr>
               <a:t>Language</a:t>
             </a:r>
             <a:r>
-              <a:rPr lang="pt-BR" sz="1400" dirty="0">
+              <a:rPr lang="pt-BR" sz="1200" dirty="0">
                 <a:solidFill>
                   <a:srgbClr val="333333"/>
                 </a:solidFill>
-                <a:latin typeface="-apple-system"/>
+                <a:latin typeface="Arial" panose="020B0604020202020204" pitchFamily="34" charset="0"/>
+                <a:cs typeface="Arial" panose="020B0604020202020204" pitchFamily="34" charset="0"/>
               </a:rPr>
               <a:t> </a:t>
             </a:r>
             <a:r>
-              <a:rPr lang="pt-BR" sz="1400" dirty="0" err="1">
+              <a:rPr lang="pt-BR" sz="1200" dirty="0" err="1">
                 <a:solidFill>
                   <a:srgbClr val="333333"/>
                 </a:solidFill>
-                <a:latin typeface="-apple-system"/>
+                <a:latin typeface="Arial" panose="020B0604020202020204" pitchFamily="34" charset="0"/>
+                <a:cs typeface="Arial" panose="020B0604020202020204" pitchFamily="34" charset="0"/>
               </a:rPr>
               <a:t>Processing</a:t>
             </a:r>
             <a:r>
-              <a:rPr lang="pt-BR" sz="1400" dirty="0">
+              <a:rPr lang="pt-BR" sz="1200" dirty="0">
                 <a:solidFill>
                   <a:srgbClr val="333333"/>
                 </a:solidFill>
-                <a:latin typeface="-apple-system"/>
+                <a:latin typeface="Arial" panose="020B0604020202020204" pitchFamily="34" charset="0"/>
+                <a:cs typeface="Arial" panose="020B0604020202020204" pitchFamily="34" charset="0"/>
               </a:rPr>
               <a:t> </a:t>
             </a:r>
             <a:r>
-              <a:rPr lang="pt-BR" sz="1400" dirty="0" err="1">
+              <a:rPr lang="pt-BR" sz="1200" dirty="0" err="1">
                 <a:solidFill>
                   <a:srgbClr val="333333"/>
                 </a:solidFill>
-                <a:latin typeface="-apple-system"/>
+                <a:latin typeface="Arial" panose="020B0604020202020204" pitchFamily="34" charset="0"/>
+                <a:cs typeface="Arial" panose="020B0604020202020204" pitchFamily="34" charset="0"/>
               </a:rPr>
               <a:t>and</a:t>
             </a:r>
             <a:r>
-              <a:rPr lang="pt-BR" sz="1400" dirty="0">
+              <a:rPr lang="pt-BR" sz="1200" dirty="0">
                 <a:solidFill>
                   <a:srgbClr val="333333"/>
                 </a:solidFill>
-                <a:latin typeface="-apple-system"/>
+                <a:latin typeface="Arial" panose="020B0604020202020204" pitchFamily="34" charset="0"/>
+                <a:cs typeface="Arial" panose="020B0604020202020204" pitchFamily="34" charset="0"/>
               </a:rPr>
               <a:t> </a:t>
             </a:r>
             <a:r>
-              <a:rPr lang="pt-BR" sz="1400" dirty="0" err="1">
+              <a:rPr lang="pt-BR" sz="1200" dirty="0" err="1">
                 <a:solidFill>
                   <a:srgbClr val="333333"/>
                 </a:solidFill>
-                <a:latin typeface="-apple-system"/>
+                <a:latin typeface="Arial" panose="020B0604020202020204" pitchFamily="34" charset="0"/>
+                <a:cs typeface="Arial" panose="020B0604020202020204" pitchFamily="34" charset="0"/>
               </a:rPr>
               <a:t>the</a:t>
             </a:r>
             <a:r>
-              <a:rPr lang="pt-BR" sz="1400" dirty="0">
+              <a:rPr lang="pt-BR" sz="1200" dirty="0">
                 <a:solidFill>
                   <a:srgbClr val="333333"/>
                 </a:solidFill>
-                <a:latin typeface="-apple-system"/>
+                <a:latin typeface="Arial" panose="020B0604020202020204" pitchFamily="34" charset="0"/>
+                <a:cs typeface="Arial" panose="020B0604020202020204" pitchFamily="34" charset="0"/>
               </a:rPr>
               <a:t> 9th </a:t>
             </a:r>
             <a:r>
-              <a:rPr lang="pt-BR" sz="1400" dirty="0" err="1">
+              <a:rPr lang="pt-BR" sz="1200" dirty="0" err="1">
                 <a:solidFill>
                   <a:srgbClr val="333333"/>
                 </a:solidFill>
-                <a:latin typeface="-apple-system"/>
+                <a:latin typeface="Arial" panose="020B0604020202020204" pitchFamily="34" charset="0"/>
+                <a:cs typeface="Arial" panose="020B0604020202020204" pitchFamily="34" charset="0"/>
               </a:rPr>
               <a:t>International</a:t>
             </a:r>
             <a:r>
-              <a:rPr lang="pt-BR" sz="1400" dirty="0">
+              <a:rPr lang="pt-BR" sz="1200" dirty="0">
                 <a:solidFill>
                   <a:srgbClr val="333333"/>
                 </a:solidFill>
-                <a:latin typeface="-apple-system"/>
+                <a:latin typeface="Arial" panose="020B0604020202020204" pitchFamily="34" charset="0"/>
+                <a:cs typeface="Arial" panose="020B0604020202020204" pitchFamily="34" charset="0"/>
               </a:rPr>
               <a:t> Joint </a:t>
             </a:r>
             <a:r>
-              <a:rPr lang="pt-BR" sz="1400" dirty="0" err="1">
+              <a:rPr lang="pt-BR" sz="1200" dirty="0" err="1">
                 <a:solidFill>
                   <a:srgbClr val="333333"/>
                 </a:solidFill>
-                <a:latin typeface="-apple-system"/>
+                <a:latin typeface="Arial" panose="020B0604020202020204" pitchFamily="34" charset="0"/>
+                <a:cs typeface="Arial" panose="020B0604020202020204" pitchFamily="34" charset="0"/>
               </a:rPr>
               <a:t>Conference</a:t>
             </a:r>
             <a:r>
-              <a:rPr lang="pt-BR" sz="1400" dirty="0">
+              <a:rPr lang="pt-BR" sz="1200" dirty="0">
                 <a:solidFill>
                   <a:srgbClr val="333333"/>
                 </a:solidFill>
-                <a:latin typeface="-apple-system"/>
+                <a:latin typeface="Arial" panose="020B0604020202020204" pitchFamily="34" charset="0"/>
+                <a:cs typeface="Arial" panose="020B0604020202020204" pitchFamily="34" charset="0"/>
               </a:rPr>
               <a:t> </a:t>
             </a:r>
             <a:r>
-              <a:rPr lang="pt-BR" sz="1400" dirty="0" err="1">
+              <a:rPr lang="pt-BR" sz="1200" dirty="0" err="1">
                 <a:solidFill>
                   <a:srgbClr val="333333"/>
                 </a:solidFill>
-                <a:latin typeface="-apple-system"/>
+                <a:latin typeface="Arial" panose="020B0604020202020204" pitchFamily="34" charset="0"/>
+                <a:cs typeface="Arial" panose="020B0604020202020204" pitchFamily="34" charset="0"/>
               </a:rPr>
               <a:t>on</a:t>
             </a:r>
             <a:r>
-              <a:rPr lang="pt-BR" sz="1400" dirty="0">
+              <a:rPr lang="pt-BR" sz="1200" dirty="0">
                 <a:solidFill>
                   <a:srgbClr val="333333"/>
                 </a:solidFill>
-                <a:latin typeface="-apple-system"/>
+                <a:latin typeface="Arial" panose="020B0604020202020204" pitchFamily="34" charset="0"/>
+                <a:cs typeface="Arial" panose="020B0604020202020204" pitchFamily="34" charset="0"/>
               </a:rPr>
               <a:t> Natural </a:t>
             </a:r>
             <a:r>
-              <a:rPr lang="pt-BR" sz="1400" dirty="0" err="1">
+              <a:rPr lang="pt-BR" sz="1200" dirty="0" err="1">
                 <a:solidFill>
                   <a:srgbClr val="333333"/>
                 </a:solidFill>
-                <a:latin typeface="-apple-system"/>
+                <a:latin typeface="Arial" panose="020B0604020202020204" pitchFamily="34" charset="0"/>
+                <a:cs typeface="Arial" panose="020B0604020202020204" pitchFamily="34" charset="0"/>
               </a:rPr>
               <a:t>Language</a:t>
             </a:r>
             <a:r>
-              <a:rPr lang="pt-BR" sz="1400" dirty="0">
+              <a:rPr lang="pt-BR" sz="1200" dirty="0">
                 <a:solidFill>
                   <a:srgbClr val="333333"/>
                 </a:solidFill>
-                <a:latin typeface="-apple-system"/>
+                <a:latin typeface="Arial" panose="020B0604020202020204" pitchFamily="34" charset="0"/>
+                <a:cs typeface="Arial" panose="020B0604020202020204" pitchFamily="34" charset="0"/>
               </a:rPr>
               <a:t> </a:t>
             </a:r>
             <a:r>
-              <a:rPr lang="pt-BR" sz="1400" dirty="0" err="1">
+              <a:rPr lang="pt-BR" sz="1200" dirty="0" err="1">
                 <a:solidFill>
                   <a:srgbClr val="333333"/>
                 </a:solidFill>
-                <a:latin typeface="-apple-system"/>
+                <a:latin typeface="Arial" panose="020B0604020202020204" pitchFamily="34" charset="0"/>
+                <a:cs typeface="Arial" panose="020B0604020202020204" pitchFamily="34" charset="0"/>
               </a:rPr>
               <a:t>Processing</a:t>
             </a:r>
             <a:r>
-              <a:rPr lang="pt-BR" sz="1400" dirty="0">
+              <a:rPr lang="pt-BR" sz="1200" dirty="0">
                 <a:solidFill>
                   <a:srgbClr val="333333"/>
                 </a:solidFill>
-                <a:latin typeface="-apple-system"/>
+                <a:latin typeface="Arial" panose="020B0604020202020204" pitchFamily="34" charset="0"/>
+                <a:cs typeface="Arial" panose="020B0604020202020204" pitchFamily="34" charset="0"/>
               </a:rPr>
               <a:t> (EMNLP-IJCNLP), </a:t>
             </a:r>
             <a:r>
-              <a:rPr lang="pt-BR" sz="1400" dirty="0" err="1">
+              <a:rPr lang="pt-BR" sz="1200" dirty="0" err="1">
                 <a:solidFill>
                   <a:srgbClr val="333333"/>
                 </a:solidFill>
-                <a:latin typeface="-apple-system"/>
+                <a:latin typeface="Arial" panose="020B0604020202020204" pitchFamily="34" charset="0"/>
+                <a:cs typeface="Arial" panose="020B0604020202020204" pitchFamily="34" charset="0"/>
               </a:rPr>
               <a:t>pages</a:t>
             </a:r>
             <a:r>
-              <a:rPr lang="pt-BR" sz="1400" dirty="0">
+              <a:rPr lang="pt-BR" sz="1200" dirty="0">
                 <a:solidFill>
                   <a:srgbClr val="333333"/>
                 </a:solidFill>
-                <a:latin typeface="-apple-system"/>
+                <a:latin typeface="Arial" panose="020B0604020202020204" pitchFamily="34" charset="0"/>
+                <a:cs typeface="Arial" panose="020B0604020202020204" pitchFamily="34" charset="0"/>
               </a:rPr>
               <a:t> 6382–6388, Hong Kong, China. </a:t>
             </a:r>
             <a:r>
-              <a:rPr lang="pt-BR" sz="1400" dirty="0" err="1">
+              <a:rPr lang="pt-BR" sz="1200" dirty="0" err="1">
                 <a:solidFill>
                   <a:srgbClr val="333333"/>
                 </a:solidFill>
-                <a:latin typeface="-apple-system"/>
+                <a:latin typeface="Arial" panose="020B0604020202020204" pitchFamily="34" charset="0"/>
+                <a:cs typeface="Arial" panose="020B0604020202020204" pitchFamily="34" charset="0"/>
               </a:rPr>
               <a:t>Association</a:t>
             </a:r>
             <a:r>
-              <a:rPr lang="pt-BR" sz="1400" dirty="0">
+              <a:rPr lang="pt-BR" sz="1200" dirty="0">
                 <a:solidFill>
                   <a:srgbClr val="333333"/>
                 </a:solidFill>
-                <a:latin typeface="-apple-system"/>
+                <a:latin typeface="Arial" panose="020B0604020202020204" pitchFamily="34" charset="0"/>
+                <a:cs typeface="Arial" panose="020B0604020202020204" pitchFamily="34" charset="0"/>
               </a:rPr>
               <a:t> for </a:t>
             </a:r>
             <a:r>
-              <a:rPr lang="pt-BR" sz="1400" dirty="0" err="1">
+              <a:rPr lang="pt-BR" sz="1200" dirty="0" err="1">
                 <a:solidFill>
                   <a:srgbClr val="333333"/>
                 </a:solidFill>
-                <a:latin typeface="-apple-system"/>
+                <a:latin typeface="Arial" panose="020B0604020202020204" pitchFamily="34" charset="0"/>
+                <a:cs typeface="Arial" panose="020B0604020202020204" pitchFamily="34" charset="0"/>
               </a:rPr>
               <a:t>Computational</a:t>
             </a:r>
             <a:r>
-              <a:rPr lang="pt-BR" sz="1400" dirty="0">
+              <a:rPr lang="pt-BR" sz="1200" dirty="0">
                 <a:solidFill>
                   <a:srgbClr val="333333"/>
                 </a:solidFill>
-                <a:latin typeface="-apple-system"/>
+                <a:latin typeface="Arial" panose="020B0604020202020204" pitchFamily="34" charset="0"/>
+                <a:cs typeface="Arial" panose="020B0604020202020204" pitchFamily="34" charset="0"/>
               </a:rPr>
               <a:t> </a:t>
             </a:r>
             <a:r>
-              <a:rPr lang="pt-BR" sz="1400" dirty="0" err="1">
+              <a:rPr lang="pt-BR" sz="1200" dirty="0" err="1">
                 <a:solidFill>
                   <a:srgbClr val="333333"/>
                 </a:solidFill>
-                <a:latin typeface="-apple-system"/>
+                <a:latin typeface="Arial" panose="020B0604020202020204" pitchFamily="34" charset="0"/>
+                <a:cs typeface="Arial" panose="020B0604020202020204" pitchFamily="34" charset="0"/>
               </a:rPr>
               <a:t>Linguistics</a:t>
             </a:r>
             <a:r>
-              <a:rPr lang="pt-BR" sz="1400" dirty="0">
+              <a:rPr lang="pt-BR" sz="1200" dirty="0">
                 <a:solidFill>
                   <a:srgbClr val="333333"/>
                 </a:solidFill>
-                <a:latin typeface="-apple-system"/>
-              </a:rPr>
-              <a:t>.</a:t>
+                <a:latin typeface="Arial" panose="020B0604020202020204" pitchFamily="34" charset="0"/>
+                <a:cs typeface="Arial" panose="020B0604020202020204" pitchFamily="34" charset="0"/>
+              </a:rPr>
+              <a:t>. 2019. </a:t>
+            </a:r>
+          </a:p>
+          <a:p>
+            <a:pPr marL="0" indent="0" algn="just">
+              <a:buNone/>
+            </a:pPr>
+            <a:r>
+              <a:rPr lang="pt-BR" sz="1200" dirty="0">
+                <a:solidFill>
+                  <a:srgbClr val="333333"/>
+                </a:solidFill>
+                <a:latin typeface="Arial" panose="020B0604020202020204" pitchFamily="34" charset="0"/>
+                <a:cs typeface="Arial" panose="020B0604020202020204" pitchFamily="34" charset="0"/>
+              </a:rPr>
+              <a:t>Benoit </a:t>
+            </a:r>
+            <a:r>
+              <a:rPr lang="pt-BR" sz="1200" dirty="0" err="1">
+                <a:solidFill>
+                  <a:srgbClr val="333333"/>
+                </a:solidFill>
+                <a:latin typeface="Arial" panose="020B0604020202020204" pitchFamily="34" charset="0"/>
+                <a:cs typeface="Arial" panose="020B0604020202020204" pitchFamily="34" charset="0"/>
+              </a:rPr>
+              <a:t>Liquet</a:t>
+            </a:r>
+            <a:r>
+              <a:rPr lang="pt-BR" sz="1200" dirty="0">
+                <a:solidFill>
+                  <a:srgbClr val="333333"/>
+                </a:solidFill>
+                <a:latin typeface="Arial" panose="020B0604020202020204" pitchFamily="34" charset="0"/>
+                <a:cs typeface="Arial" panose="020B0604020202020204" pitchFamily="34" charset="0"/>
+              </a:rPr>
+              <a:t>, </a:t>
+            </a:r>
+            <a:r>
+              <a:rPr lang="pt-BR" sz="1200" dirty="0" err="1">
+                <a:solidFill>
+                  <a:srgbClr val="333333"/>
+                </a:solidFill>
+                <a:latin typeface="Arial" panose="020B0604020202020204" pitchFamily="34" charset="0"/>
+                <a:cs typeface="Arial" panose="020B0604020202020204" pitchFamily="34" charset="0"/>
+              </a:rPr>
+              <a:t>Sarat</a:t>
+            </a:r>
+            <a:r>
+              <a:rPr lang="pt-BR" sz="1200" dirty="0">
+                <a:solidFill>
+                  <a:srgbClr val="333333"/>
+                </a:solidFill>
+                <a:latin typeface="Arial" panose="020B0604020202020204" pitchFamily="34" charset="0"/>
+                <a:cs typeface="Arial" panose="020B0604020202020204" pitchFamily="34" charset="0"/>
+              </a:rPr>
+              <a:t> Moka, </a:t>
+            </a:r>
+            <a:r>
+              <a:rPr lang="pt-BR" sz="1200" dirty="0" err="1">
+                <a:solidFill>
+                  <a:srgbClr val="333333"/>
+                </a:solidFill>
+                <a:latin typeface="Arial" panose="020B0604020202020204" pitchFamily="34" charset="0"/>
+                <a:cs typeface="Arial" panose="020B0604020202020204" pitchFamily="34" charset="0"/>
+              </a:rPr>
+              <a:t>and</a:t>
+            </a:r>
+            <a:r>
+              <a:rPr lang="pt-BR" sz="1200" dirty="0">
+                <a:solidFill>
+                  <a:srgbClr val="333333"/>
+                </a:solidFill>
+                <a:latin typeface="Arial" panose="020B0604020202020204" pitchFamily="34" charset="0"/>
+                <a:cs typeface="Arial" panose="020B0604020202020204" pitchFamily="34" charset="0"/>
+              </a:rPr>
+              <a:t> </a:t>
+            </a:r>
+            <a:r>
+              <a:rPr lang="pt-BR" sz="1200" dirty="0" err="1">
+                <a:solidFill>
+                  <a:srgbClr val="333333"/>
+                </a:solidFill>
+                <a:latin typeface="Arial" panose="020B0604020202020204" pitchFamily="34" charset="0"/>
+                <a:cs typeface="Arial" panose="020B0604020202020204" pitchFamily="34" charset="0"/>
+              </a:rPr>
+              <a:t>Yoni</a:t>
+            </a:r>
+            <a:r>
+              <a:rPr lang="pt-BR" sz="1200" dirty="0">
+                <a:solidFill>
+                  <a:srgbClr val="333333"/>
+                </a:solidFill>
+                <a:latin typeface="Arial" panose="020B0604020202020204" pitchFamily="34" charset="0"/>
+                <a:cs typeface="Arial" panose="020B0604020202020204" pitchFamily="34" charset="0"/>
+              </a:rPr>
+              <a:t> </a:t>
+            </a:r>
+            <a:r>
+              <a:rPr lang="pt-BR" sz="1200" dirty="0" err="1">
+                <a:solidFill>
+                  <a:srgbClr val="333333"/>
+                </a:solidFill>
+                <a:latin typeface="Arial" panose="020B0604020202020204" pitchFamily="34" charset="0"/>
+                <a:cs typeface="Arial" panose="020B0604020202020204" pitchFamily="34" charset="0"/>
+              </a:rPr>
+              <a:t>Nazarathy</a:t>
+            </a:r>
+            <a:r>
+              <a:rPr lang="pt-BR" sz="1200" dirty="0">
+                <a:solidFill>
+                  <a:srgbClr val="333333"/>
+                </a:solidFill>
+                <a:latin typeface="Arial" panose="020B0604020202020204" pitchFamily="34" charset="0"/>
+                <a:cs typeface="Arial" panose="020B0604020202020204" pitchFamily="34" charset="0"/>
+              </a:rPr>
+              <a:t>. </a:t>
+            </a:r>
+            <a:r>
+              <a:rPr lang="en-US" sz="1200" dirty="0">
+                <a:solidFill>
+                  <a:srgbClr val="333333"/>
+                </a:solidFill>
+                <a:latin typeface="Arial" panose="020B0604020202020204" pitchFamily="34" charset="0"/>
+                <a:cs typeface="Arial" panose="020B0604020202020204" pitchFamily="34" charset="0"/>
+              </a:rPr>
+              <a:t>The Mathematical Engineering of Deep Learning. 2019. </a:t>
+            </a:r>
+            <a:r>
+              <a:rPr lang="pt-BR" sz="1200" dirty="0">
+                <a:solidFill>
+                  <a:srgbClr val="333333"/>
+                </a:solidFill>
+                <a:latin typeface="Arial" panose="020B0604020202020204" pitchFamily="34" charset="0"/>
+                <a:cs typeface="Arial" panose="020B0604020202020204" pitchFamily="34" charset="0"/>
+              </a:rPr>
+              <a:t>Disponível em: https://deeplearningmath.org/</a:t>
+            </a:r>
+            <a:r>
+              <a:rPr lang="pt-BR" sz="1200" dirty="0" err="1">
+                <a:solidFill>
+                  <a:srgbClr val="333333"/>
+                </a:solidFill>
+                <a:latin typeface="Arial" panose="020B0604020202020204" pitchFamily="34" charset="0"/>
+                <a:cs typeface="Arial" panose="020B0604020202020204" pitchFamily="34" charset="0"/>
+              </a:rPr>
+              <a:t>sequence</a:t>
+            </a:r>
+            <a:r>
+              <a:rPr lang="pt-BR" sz="1200" dirty="0">
+                <a:solidFill>
+                  <a:srgbClr val="333333"/>
+                </a:solidFill>
+                <a:latin typeface="Arial" panose="020B0604020202020204" pitchFamily="34" charset="0"/>
+                <a:cs typeface="Arial" panose="020B0604020202020204" pitchFamily="34" charset="0"/>
+              </a:rPr>
+              <a:t>-models.  Acesso em: 20/10/2023</a:t>
             </a:r>
           </a:p>
           <a:p>
@@ -11728,7 +11984,27 @@
                 <a:latin typeface="Arial" panose="020B0604020202020204" pitchFamily="34" charset="0"/>
                 <a:cs typeface="Arial" panose="020B0604020202020204" pitchFamily="34" charset="0"/>
               </a:rPr>
-              <a:t> Aplicar algoritmos de Data Augmentation para testar a eficácia.</a:t>
+              <a:t> Aplicar algoritmos de Data </a:t>
+            </a:r>
+            <a:r>
+              <a:rPr lang="pt-BR" sz="1600" b="1" dirty="0" err="1">
+                <a:solidFill>
+                  <a:prstClr val="black"/>
+                </a:solidFill>
+                <a:latin typeface="Arial" panose="020B0604020202020204" pitchFamily="34" charset="0"/>
+                <a:cs typeface="Arial" panose="020B0604020202020204" pitchFamily="34" charset="0"/>
+              </a:rPr>
+              <a:t>Augmentation</a:t>
+            </a:r>
+            <a:r>
+              <a:rPr lang="pt-BR" sz="1600" b="1" dirty="0">
+                <a:solidFill>
+                  <a:prstClr val="black"/>
+                </a:solidFill>
+                <a:latin typeface="Arial" panose="020B0604020202020204" pitchFamily="34" charset="0"/>
+                <a:cs typeface="Arial" panose="020B0604020202020204" pitchFamily="34" charset="0"/>
+              </a:rPr>
+              <a:t> e verificar a eficácia.</a:t>
             </a:r>
           </a:p>
         </p:txBody>
@@ -12435,7 +12711,7 @@
         <p:spPr>
           <a:xfrm>
             <a:off x="1097279" y="5180810"/>
-            <a:ext cx="2687069" cy="660633"/>
+            <a:ext cx="3047348" cy="749210"/>
           </a:xfrm>
         </p:spPr>
       </p:pic>
@@ -12630,36 +12906,6 @@
           </a:p>
         </p:txBody>
       </p:sp>
-      <p:pic>
-        <p:nvPicPr>
-          <p:cNvPr id="7" name="Imagem 6">
-            <a:extLst>
-              <a:ext uri="{FF2B5EF4-FFF2-40B4-BE49-F238E27FC236}">
-                <a16:creationId xmlns:a16="http://schemas.microsoft.com/office/drawing/2014/main" id="{01636E68-859B-1D27-5A58-6DDA05DD0F90}"/>
-              </a:ext>
-            </a:extLst>
-          </p:cNvPr>
-          <p:cNvPicPr>
-            <a:picLocks noChangeAspect="1"/>
-          </p:cNvPicPr>
-          <p:nvPr/>
-        </p:nvPicPr>
-        <p:blipFill>
-          <a:blip r:embed="rId3"/>
-          <a:stretch>
-            <a:fillRect/>
-          </a:stretch>
-        </p:blipFill>
-        <p:spPr>
-          <a:xfrm>
-            <a:off x="8732332" y="4425727"/>
-            <a:ext cx="2524125" cy="323850"/>
-          </a:xfrm>
-          <a:prstGeom prst="rect">
-            <a:avLst/>
-          </a:prstGeom>
-        </p:spPr>
-      </p:pic>
       <p:sp>
         <p:nvSpPr>
           <p:cNvPr id="8" name="Título 1">
@@ -12757,7 +13003,7 @@
         </p:spPr>
         <p:txBody>
           <a:bodyPr vert="horz" lIns="0" tIns="45720" rIns="0" bIns="45720" rtlCol="0">
-            <a:normAutofit fontScale="92500"/>
+            <a:normAutofit/>
           </a:bodyPr>
           <a:lstStyle>
             <a:lvl1pPr marL="91440" indent="-91440" defTabSz="914400">
@@ -12990,7 +13236,7 @@
                   <a:srgbClr val="222222"/>
                 </a:solidFill>
               </a:rPr>
-              <a:t> Input gate: Controla quais partes do novo conteúdo da célula que </a:t>
+              <a:t> Input gate: </a:t>
             </a:r>
             <a:r>
               <a:rPr lang="en-US" sz="1500" dirty="0" err="1">
@@ -12998,6 +13244,22 @@
                   <a:srgbClr val="222222"/>
                 </a:solidFill>
               </a:rPr>
+              <a:t>Controla</a:t>
+            </a:r>
+            <a:r>
+              <a:rPr lang="en-US" sz="1500" dirty="0">
+                <a:solidFill>
+                  <a:srgbClr val="222222"/>
+                </a:solidFill>
+              </a:rPr>
+              <a:t> o novo conteúdo da célula que </a:t>
+            </a:r>
+            <a:r>
+              <a:rPr lang="en-US" sz="1500" dirty="0" err="1">
+                <a:solidFill>
+                  <a:srgbClr val="222222"/>
+                </a:solidFill>
+              </a:rPr>
               <a:t>será</a:t>
             </a:r>
             <a:r>
@@ -13006,8 +13268,21 @@
                   <a:srgbClr val="222222"/>
                 </a:solidFill>
               </a:rPr>
-              <a:t> escrita na célula.</a:t>
-            </a:r>
+              <a:t> </a:t>
+            </a:r>
+            <a:r>
+              <a:rPr lang="en-US" sz="1500" dirty="0" err="1">
+                <a:solidFill>
+                  <a:srgbClr val="222222"/>
+                </a:solidFill>
+              </a:rPr>
+              <a:t>escrita</a:t>
+            </a:r>
+            <a:endParaRPr lang="en-US" sz="1500" dirty="0">
+              <a:solidFill>
+                <a:srgbClr val="222222"/>
+              </a:solidFill>
+            </a:endParaRPr>
           </a:p>
         </p:txBody>
       </p:sp>
@@ -13026,7 +13301,7 @@
           <p:nvPr/>
         </p:nvPicPr>
         <p:blipFill>
-          <a:blip r:embed="rId4"/>
+          <a:blip r:embed="rId3"/>
           <a:stretch>
             <a:fillRect/>
           </a:stretch>
@@ -13035,36 +13310,6 @@
           <a:xfrm>
             <a:off x="3013186" y="1772681"/>
             <a:ext cx="6165623" cy="2627147"/>
-          </a:xfrm>
-          <a:prstGeom prst="rect">
-            <a:avLst/>
-          </a:prstGeom>
-        </p:spPr>
-      </p:pic>
-      <p:pic>
-        <p:nvPicPr>
-          <p:cNvPr id="16" name="Imagem 15">
-            <a:extLst>
-              <a:ext uri="{FF2B5EF4-FFF2-40B4-BE49-F238E27FC236}">
-                <a16:creationId xmlns:a16="http://schemas.microsoft.com/office/drawing/2014/main" id="{BE8C700F-220B-DB5D-89C3-38C3FF35824B}"/>
-              </a:ext>
-            </a:extLst>
-          </p:cNvPr>
-          <p:cNvPicPr>
-            <a:picLocks noChangeAspect="1"/>
-          </p:cNvPicPr>
-          <p:nvPr/>
-        </p:nvPicPr>
-        <p:blipFill>
-          <a:blip r:embed="rId5"/>
-          <a:stretch>
-            <a:fillRect/>
-          </a:stretch>
-        </p:blipFill>
-        <p:spPr>
-          <a:xfrm>
-            <a:off x="8745855" y="4778152"/>
-            <a:ext cx="2409825" cy="314325"/>
           </a:xfrm>
           <a:prstGeom prst="rect">
             <a:avLst/>
@@ -13119,7 +13364,7 @@
           <p:nvPr/>
         </p:nvPicPr>
         <p:blipFill>
-          <a:blip r:embed="rId6" cstate="print">
+          <a:blip r:embed="rId4" cstate="print">
             <a:extLst>
               <a:ext uri="{28A0092B-C50C-407E-A947-70E740481C1C}">
                 <a14:useLocalDpi xmlns:a14="http://schemas.microsoft.com/office/drawing/2010/main" val="0"/>
@@ -13394,41 +13639,27 @@
             </a:r>
             <a:r>
               <a:rPr lang="en-US" dirty="0"/>
-              <a:t> da célula que será a saida do hidden state.</a:t>
+              <a:t> da </a:t>
+            </a:r>
+            <a:r>
+              <a:rPr lang="en-US" dirty="0" err="1"/>
+              <a:t>célula</a:t>
+            </a:r>
+            <a:r>
+              <a:rPr lang="en-US" dirty="0"/>
+              <a:t> para a </a:t>
+            </a:r>
+            <a:r>
+              <a:rPr lang="en-US" dirty="0" err="1"/>
+              <a:t>saida</a:t>
+            </a:r>
+            <a:r>
+              <a:rPr lang="en-US" dirty="0"/>
+              <a:t> hidden state.</a:t>
             </a:r>
           </a:p>
         </p:txBody>
       </p:sp>
-      <p:pic>
-        <p:nvPicPr>
-          <p:cNvPr id="22" name="Imagem 21">
-            <a:extLst>
-              <a:ext uri="{FF2B5EF4-FFF2-40B4-BE49-F238E27FC236}">
-                <a16:creationId xmlns:a16="http://schemas.microsoft.com/office/drawing/2014/main" id="{E9444918-9652-C347-9DFD-685AF86A641C}"/>
-              </a:ext>
-            </a:extLst>
-          </p:cNvPr>
-          <p:cNvPicPr>
-            <a:picLocks noChangeAspect="1"/>
-          </p:cNvPicPr>
-          <p:nvPr/>
-        </p:nvPicPr>
-        <p:blipFill>
-          <a:blip r:embed="rId7"/>
-          <a:stretch>
-            <a:fillRect/>
-          </a:stretch>
-        </p:blipFill>
-        <p:spPr>
-          <a:xfrm>
-            <a:off x="8745855" y="5073028"/>
-            <a:ext cx="2876550" cy="342900"/>
-          </a:xfrm>
-          <a:prstGeom prst="rect">
-            <a:avLst/>
-          </a:prstGeom>
-        </p:spPr>
-      </p:pic>
       <p:sp>
         <p:nvSpPr>
           <p:cNvPr id="24" name="CaixaDeTexto 23">
@@ -13675,7 +13906,7 @@
           <a:p>
             <a:r>
               <a:rPr lang="en-US" dirty="0"/>
-              <a:t> New cell content: Este é o novo </a:t>
+              <a:t> New cell content: Este é </a:t>
             </a:r>
             <a:r>
               <a:rPr lang="en-US" dirty="0" err="1"/>
@@ -13683,41 +13914,19 @@
             </a:r>
             <a:r>
               <a:rPr lang="en-US" dirty="0"/>
+              <a:t> </a:t>
+            </a:r>
+            <a:r>
+              <a:rPr lang="en-US" dirty="0" err="1"/>
+              <a:t>aproximado</a:t>
+            </a:r>
+            <a:r>
+              <a:rPr lang="en-US" dirty="0"/>
               <a:t> a ser escrito na célula.</a:t>
             </a:r>
           </a:p>
         </p:txBody>
       </p:sp>
-      <p:pic>
-        <p:nvPicPr>
-          <p:cNvPr id="26" name="Imagem 25">
-            <a:extLst>
-              <a:ext uri="{FF2B5EF4-FFF2-40B4-BE49-F238E27FC236}">
-                <a16:creationId xmlns:a16="http://schemas.microsoft.com/office/drawing/2014/main" id="{1D470BCD-BC20-333C-60E6-6F817AD63086}"/>
-              </a:ext>
-            </a:extLst>
-          </p:cNvPr>
-          <p:cNvPicPr>
-            <a:picLocks noChangeAspect="1"/>
-          </p:cNvPicPr>
-          <p:nvPr/>
-        </p:nvPicPr>
-        <p:blipFill>
-          <a:blip r:embed="rId8"/>
-          <a:stretch>
-            <a:fillRect/>
-          </a:stretch>
-        </p:blipFill>
-        <p:spPr>
-          <a:xfrm>
-            <a:off x="8732332" y="5385297"/>
-            <a:ext cx="2676525" cy="352425"/>
-          </a:xfrm>
-          <a:prstGeom prst="rect">
-            <a:avLst/>
-          </a:prstGeom>
-        </p:spPr>
-      </p:pic>
       <p:sp>
         <p:nvSpPr>
           <p:cNvPr id="28" name="CaixaDeTexto 27">
@@ -13996,36 +14205,6 @@
           </a:p>
         </p:txBody>
       </p:sp>
-      <p:pic>
-        <p:nvPicPr>
-          <p:cNvPr id="32" name="Imagem 31">
-            <a:extLst>
-              <a:ext uri="{FF2B5EF4-FFF2-40B4-BE49-F238E27FC236}">
-                <a16:creationId xmlns:a16="http://schemas.microsoft.com/office/drawing/2014/main" id="{C3471EDF-2C21-1AFB-9B9D-4627ABFD140D}"/>
-              </a:ext>
-            </a:extLst>
-          </p:cNvPr>
-          <p:cNvPicPr>
-            <a:picLocks noChangeAspect="1"/>
-          </p:cNvPicPr>
-          <p:nvPr/>
-        </p:nvPicPr>
-        <p:blipFill>
-          <a:blip r:embed="rId9"/>
-          <a:stretch>
-            <a:fillRect/>
-          </a:stretch>
-        </p:blipFill>
-        <p:spPr>
-          <a:xfrm>
-            <a:off x="8745855" y="5702619"/>
-            <a:ext cx="2105025" cy="266700"/>
-          </a:xfrm>
-          <a:prstGeom prst="rect">
-            <a:avLst/>
-          </a:prstGeom>
-        </p:spPr>
-      </p:pic>
       <p:sp>
         <p:nvSpPr>
           <p:cNvPr id="34" name="CaixaDeTexto 33">
@@ -14272,7 +14451,7 @@
           <a:p>
             <a:r>
               <a:rPr lang="en-US" dirty="0"/>
-              <a:t> Hidden state: Lê a saida do </a:t>
+              <a:t> Hidden state: Saida do </a:t>
             </a:r>
             <a:r>
               <a:rPr lang="en-US" dirty="0" err="1"/>
@@ -14280,25 +14459,17 @@
             </a:r>
             <a:r>
               <a:rPr lang="en-US" dirty="0"/>
-              <a:t> da </a:t>
-            </a:r>
-            <a:r>
-              <a:rPr lang="en-US" dirty="0" err="1"/>
-              <a:t>celula</a:t>
-            </a:r>
-            <a:r>
-              <a:rPr lang="en-US" dirty="0"/>
-              <a:t> com o output gate</a:t>
+              <a:t> de cell state com o output gate</a:t>
             </a:r>
           </a:p>
         </p:txBody>
       </p:sp>
       <p:pic>
         <p:nvPicPr>
-          <p:cNvPr id="36" name="Imagem 35">
+          <p:cNvPr id="13" name="Imagem 12">
             <a:extLst>
               <a:ext uri="{FF2B5EF4-FFF2-40B4-BE49-F238E27FC236}">
-                <a16:creationId xmlns:a16="http://schemas.microsoft.com/office/drawing/2014/main" id="{5511F510-6DF5-78F9-92FC-1E31331D1B31}"/>
+                <a16:creationId xmlns:a16="http://schemas.microsoft.com/office/drawing/2014/main" id="{458F4771-09EB-5521-5146-71C518A7645C}"/>
               </a:ext>
             </a:extLst>
           </p:cNvPr>
@@ -14308,15 +14479,15 @@
           <p:nvPr/>
         </p:nvPicPr>
         <p:blipFill>
-          <a:blip r:embed="rId10"/>
+          <a:blip r:embed="rId5"/>
           <a:stretch>
             <a:fillRect/>
           </a:stretch>
         </p:blipFill>
         <p:spPr>
           <a:xfrm>
-            <a:off x="8732332" y="6020567"/>
-            <a:ext cx="1543050" cy="228600"/>
+            <a:off x="8609846" y="4337866"/>
+            <a:ext cx="3134883" cy="1966097"/>
           </a:xfrm>
           <a:prstGeom prst="rect">
             <a:avLst/>
@@ -14353,31 +14524,6 @@
           <a:chExt cx="0" cy="0"/>
         </a:xfrm>
       </p:grpSpPr>
-      <p:sp>
-        <p:nvSpPr>
-          <p:cNvPr id="3" name="Espaço Reservado para Conteúdo 2">
-            <a:extLst>
-              <a:ext uri="{FF2B5EF4-FFF2-40B4-BE49-F238E27FC236}">
-                <a16:creationId xmlns:a16="http://schemas.microsoft.com/office/drawing/2014/main" id="{673AF1B2-F743-1511-6D64-880344405357}"/>
-              </a:ext>
-            </a:extLst>
-          </p:cNvPr>
-          <p:cNvSpPr>
-            <a:spLocks noGrp="1"/>
-          </p:cNvSpPr>
-          <p:nvPr>
-            <p:ph idx="1"/>
-          </p:nvPr>
-        </p:nvSpPr>
-        <p:spPr/>
-        <p:txBody>
-          <a:bodyPr/>
-          <a:lstStyle/>
-          <a:p>
-            <a:endParaRPr lang="pt-BR"/>
-          </a:p>
-        </p:txBody>
-      </p:sp>
       <p:sp>
         <p:nvSpPr>
           <p:cNvPr id="4" name="Espaço Reservado para Rodapé 3">
@@ -14521,6 +14667,367 @@
           </a:p>
         </p:txBody>
       </p:sp>
+      <p:sp>
+        <p:nvSpPr>
+          <p:cNvPr id="9" name="CaixaDeTexto 8">
+            <a:extLst>
+              <a:ext uri="{FF2B5EF4-FFF2-40B4-BE49-F238E27FC236}">
+                <a16:creationId xmlns:a16="http://schemas.microsoft.com/office/drawing/2014/main" id="{01C8F19B-E4C2-F56E-DD40-BC6699156770}"/>
+              </a:ext>
+            </a:extLst>
+          </p:cNvPr>
+          <p:cNvSpPr txBox="1"/>
+          <p:nvPr/>
+        </p:nvSpPr>
+        <p:spPr>
+          <a:xfrm>
+            <a:off x="1097280" y="2142965"/>
+            <a:ext cx="10409674" cy="1021786"/>
+          </a:xfrm>
+          <a:prstGeom prst="rect">
+            <a:avLst/>
+          </a:prstGeom>
+        </p:spPr>
+        <p:txBody>
+          <a:bodyPr vert="horz" lIns="0" tIns="45720" rIns="0" bIns="45720" rtlCol="0">
+            <a:normAutofit/>
+          </a:bodyPr>
+          <a:lstStyle>
+            <a:lvl1pPr marL="91440" indent="-91440" defTabSz="914400">
+              <a:lnSpc>
+                <a:spcPct val="90000"/>
+              </a:lnSpc>
+              <a:spcBef>
+                <a:spcPts val="1200"/>
+              </a:spcBef>
+              <a:spcAft>
+                <a:spcPts val="200"/>
+              </a:spcAft>
+              <a:buClr>
+                <a:schemeClr val="tx1"/>
+              </a:buClr>
+              <a:buSzPct val="100000"/>
+              <a:buFont typeface="Wingdings" panose="05000000000000000000" pitchFamily="2" charset="2"/>
+              <a:buChar char="Ø"/>
+              <a:defRPr sz="1400">
+                <a:solidFill>
+                  <a:srgbClr val="222222"/>
+                </a:solidFill>
+                <a:latin typeface="Arial" panose="020B0604020202020204" pitchFamily="34" charset="0"/>
+                <a:cs typeface="Arial" panose="020B0604020202020204" pitchFamily="34" charset="0"/>
+              </a:defRPr>
+            </a:lvl1pPr>
+            <a:lvl2pPr marL="384048" indent="-182880" defTabSz="914400">
+              <a:lnSpc>
+                <a:spcPct val="90000"/>
+              </a:lnSpc>
+              <a:spcBef>
+                <a:spcPts val="200"/>
+              </a:spcBef>
+              <a:spcAft>
+                <a:spcPts val="400"/>
+              </a:spcAft>
+              <a:buClr>
+                <a:schemeClr val="accent1"/>
+              </a:buClr>
+              <a:buFont typeface="Calibri" pitchFamily="34" charset="0"/>
+              <a:buChar char="◦"/>
+              <a:defRPr>
+                <a:solidFill>
+                  <a:schemeClr val="tx1">
+                    <a:lumMod val="75000"/>
+                    <a:lumOff val="25000"/>
+                  </a:schemeClr>
+                </a:solidFill>
+              </a:defRPr>
+            </a:lvl2pPr>
+            <a:lvl3pPr marL="566928" indent="-182880" defTabSz="914400">
+              <a:lnSpc>
+                <a:spcPct val="90000"/>
+              </a:lnSpc>
+              <a:spcBef>
+                <a:spcPts val="200"/>
+              </a:spcBef>
+              <a:spcAft>
+                <a:spcPts val="400"/>
+              </a:spcAft>
+              <a:buClr>
+                <a:schemeClr val="accent1"/>
+              </a:buClr>
+              <a:buFont typeface="Calibri" pitchFamily="34" charset="0"/>
+              <a:buChar char="◦"/>
+              <a:defRPr sz="1400">
+                <a:solidFill>
+                  <a:schemeClr val="tx1">
+                    <a:lumMod val="75000"/>
+                    <a:lumOff val="25000"/>
+                  </a:schemeClr>
+                </a:solidFill>
+              </a:defRPr>
+            </a:lvl3pPr>
+            <a:lvl4pPr marL="749808" indent="-182880" defTabSz="914400">
+              <a:lnSpc>
+                <a:spcPct val="90000"/>
+              </a:lnSpc>
+              <a:spcBef>
+                <a:spcPts val="200"/>
+              </a:spcBef>
+              <a:spcAft>
+                <a:spcPts val="400"/>
+              </a:spcAft>
+              <a:buClr>
+                <a:schemeClr val="accent1"/>
+              </a:buClr>
+              <a:buFont typeface="Calibri" pitchFamily="34" charset="0"/>
+              <a:buChar char="◦"/>
+              <a:defRPr sz="1400">
+                <a:solidFill>
+                  <a:schemeClr val="tx1">
+                    <a:lumMod val="75000"/>
+                    <a:lumOff val="25000"/>
+                  </a:schemeClr>
+                </a:solidFill>
+              </a:defRPr>
+            </a:lvl4pPr>
+            <a:lvl5pPr marL="932688" indent="-182880" defTabSz="914400">
+              <a:lnSpc>
+                <a:spcPct val="90000"/>
+              </a:lnSpc>
+              <a:spcBef>
+                <a:spcPts val="200"/>
+              </a:spcBef>
+              <a:spcAft>
+                <a:spcPts val="400"/>
+              </a:spcAft>
+              <a:buClr>
+                <a:schemeClr val="accent1"/>
+              </a:buClr>
+              <a:buFont typeface="Calibri" pitchFamily="34" charset="0"/>
+              <a:buChar char="◦"/>
+              <a:defRPr sz="1400">
+                <a:solidFill>
+                  <a:schemeClr val="tx1">
+                    <a:lumMod val="75000"/>
+                    <a:lumOff val="25000"/>
+                  </a:schemeClr>
+                </a:solidFill>
+              </a:defRPr>
+            </a:lvl5pPr>
+            <a:lvl6pPr marL="1100000" indent="-228600" defTabSz="914400">
+              <a:lnSpc>
+                <a:spcPct val="90000"/>
+              </a:lnSpc>
+              <a:spcBef>
+                <a:spcPts val="200"/>
+              </a:spcBef>
+              <a:spcAft>
+                <a:spcPts val="400"/>
+              </a:spcAft>
+              <a:buClr>
+                <a:schemeClr val="accent1"/>
+              </a:buClr>
+              <a:buFont typeface="Calibri" pitchFamily="34" charset="0"/>
+              <a:buChar char="◦"/>
+              <a:defRPr sz="1400">
+                <a:solidFill>
+                  <a:schemeClr val="tx1">
+                    <a:lumMod val="75000"/>
+                    <a:lumOff val="25000"/>
+                  </a:schemeClr>
+                </a:solidFill>
+              </a:defRPr>
+            </a:lvl6pPr>
+            <a:lvl7pPr marL="1300000" indent="-228600" defTabSz="914400">
+              <a:lnSpc>
+                <a:spcPct val="90000"/>
+              </a:lnSpc>
+              <a:spcBef>
+                <a:spcPts val="200"/>
+              </a:spcBef>
+              <a:spcAft>
+                <a:spcPts val="400"/>
+              </a:spcAft>
+              <a:buClr>
+                <a:schemeClr val="accent1"/>
+              </a:buClr>
+              <a:buFont typeface="Calibri" pitchFamily="34" charset="0"/>
+              <a:buChar char="◦"/>
+              <a:defRPr sz="1400">
+                <a:solidFill>
+                  <a:schemeClr val="tx1">
+                    <a:lumMod val="75000"/>
+                    <a:lumOff val="25000"/>
+                  </a:schemeClr>
+                </a:solidFill>
+              </a:defRPr>
+            </a:lvl7pPr>
+            <a:lvl8pPr marL="1500000" indent="-228600" defTabSz="914400">
+              <a:lnSpc>
+                <a:spcPct val="90000"/>
+              </a:lnSpc>
+              <a:spcBef>
+                <a:spcPts val="200"/>
+              </a:spcBef>
+              <a:spcAft>
+                <a:spcPts val="400"/>
+              </a:spcAft>
+              <a:buClr>
+                <a:schemeClr val="accent1"/>
+              </a:buClr>
+              <a:buFont typeface="Calibri" pitchFamily="34" charset="0"/>
+              <a:buChar char="◦"/>
+              <a:defRPr sz="1400">
+                <a:solidFill>
+                  <a:schemeClr val="tx1">
+                    <a:lumMod val="75000"/>
+                    <a:lumOff val="25000"/>
+                  </a:schemeClr>
+                </a:solidFill>
+              </a:defRPr>
+            </a:lvl8pPr>
+            <a:lvl9pPr marL="1700000" indent="-228600" defTabSz="914400">
+              <a:lnSpc>
+                <a:spcPct val="90000"/>
+              </a:lnSpc>
+              <a:spcBef>
+                <a:spcPts val="200"/>
+              </a:spcBef>
+              <a:spcAft>
+                <a:spcPts val="400"/>
+              </a:spcAft>
+              <a:buClr>
+                <a:schemeClr val="accent1"/>
+              </a:buClr>
+              <a:buFont typeface="Calibri" pitchFamily="34" charset="0"/>
+              <a:buChar char="◦"/>
+              <a:defRPr sz="1400">
+                <a:solidFill>
+                  <a:schemeClr val="tx1">
+                    <a:lumMod val="75000"/>
+                    <a:lumOff val="25000"/>
+                  </a:schemeClr>
+                </a:solidFill>
+              </a:defRPr>
+            </a:lvl9pPr>
+          </a:lstStyle>
+          <a:p>
+            <a:pPr algn="just"/>
+            <a:r>
+              <a:rPr lang="en-US" dirty="0"/>
+              <a:t> Combina forget e input gate em um </a:t>
+            </a:r>
+            <a:r>
+              <a:rPr lang="en-US" dirty="0" err="1"/>
+              <a:t>único</a:t>
+            </a:r>
+            <a:r>
+              <a:rPr lang="en-US" dirty="0"/>
+              <a:t> “Update Gate”, </a:t>
+            </a:r>
+            <a:r>
+              <a:rPr lang="en-US" dirty="0" err="1"/>
+              <a:t>além</a:t>
+            </a:r>
+            <a:r>
+              <a:rPr lang="en-US" dirty="0"/>
+              <a:t> de </a:t>
+            </a:r>
+            <a:r>
+              <a:rPr lang="en-US" dirty="0" err="1"/>
+              <a:t>combinar</a:t>
+            </a:r>
+            <a:r>
+              <a:rPr lang="en-US" dirty="0"/>
+              <a:t> cell state e hidden state, e </a:t>
+            </a:r>
+            <a:r>
+              <a:rPr lang="en-US" dirty="0" err="1"/>
+              <a:t>algumas</a:t>
+            </a:r>
+            <a:r>
+              <a:rPr lang="en-US" dirty="0"/>
+              <a:t> </a:t>
+            </a:r>
+            <a:r>
+              <a:rPr lang="en-US" dirty="0" err="1"/>
+              <a:t>outras</a:t>
+            </a:r>
+            <a:r>
+              <a:rPr lang="en-US" dirty="0"/>
+              <a:t> </a:t>
+            </a:r>
+            <a:r>
+              <a:rPr lang="en-US" dirty="0" err="1"/>
+              <a:t>mudanças</a:t>
+            </a:r>
+            <a:r>
+              <a:rPr lang="en-US" dirty="0"/>
+              <a:t>.</a:t>
+            </a:r>
+            <a:endParaRPr lang="pt-BR" dirty="0"/>
+          </a:p>
+        </p:txBody>
+      </p:sp>
+      <p:pic>
+        <p:nvPicPr>
+          <p:cNvPr id="11" name="Imagem 10">
+            <a:extLst>
+              <a:ext uri="{FF2B5EF4-FFF2-40B4-BE49-F238E27FC236}">
+                <a16:creationId xmlns:a16="http://schemas.microsoft.com/office/drawing/2014/main" id="{574ECCCA-FDCF-12FA-EDE7-F3DF3A0ACC0A}"/>
+              </a:ext>
+            </a:extLst>
+          </p:cNvPr>
+          <p:cNvPicPr>
+            <a:picLocks noChangeAspect="1"/>
+          </p:cNvPicPr>
+          <p:nvPr/>
+        </p:nvPicPr>
+        <p:blipFill>
+          <a:blip r:embed="rId3"/>
+          <a:stretch>
+            <a:fillRect/>
+          </a:stretch>
+        </p:blipFill>
+        <p:spPr>
+          <a:xfrm>
+            <a:off x="2150009" y="2803049"/>
+            <a:ext cx="3945991" cy="3197842"/>
+          </a:xfrm>
+          <a:prstGeom prst="rect">
+            <a:avLst/>
+          </a:prstGeom>
+        </p:spPr>
+      </p:pic>
+      <p:pic>
+        <p:nvPicPr>
+          <p:cNvPr id="13" name="Imagem 12">
+            <a:extLst>
+              <a:ext uri="{FF2B5EF4-FFF2-40B4-BE49-F238E27FC236}">
+                <a16:creationId xmlns:a16="http://schemas.microsoft.com/office/drawing/2014/main" id="{2A81B5CF-3D5A-A8A4-0684-3D580C350537}"/>
+              </a:ext>
+            </a:extLst>
+          </p:cNvPr>
+          <p:cNvPicPr>
+            <a:picLocks noChangeAspect="1"/>
+          </p:cNvPicPr>
+          <p:nvPr/>
+        </p:nvPicPr>
+        <p:blipFill>
+          <a:blip r:embed="rId4"/>
+          <a:stretch>
+            <a:fillRect/>
+          </a:stretch>
+        </p:blipFill>
+        <p:spPr>
+          <a:xfrm>
+            <a:off x="6406505" y="3693249"/>
+            <a:ext cx="3000375" cy="1638300"/>
+          </a:xfrm>
+          <a:prstGeom prst="rect">
+            <a:avLst/>
+          </a:prstGeom>
+        </p:spPr>
+      </p:pic>
     </p:spTree>
     <p:extLst>
       <p:ext uri="{BB962C8B-B14F-4D97-AF65-F5344CB8AC3E}">
@@ -14551,31 +15058,6 @@
           <a:chExt cx="0" cy="0"/>
         </a:xfrm>
       </p:grpSpPr>
-      <p:sp>
-        <p:nvSpPr>
-          <p:cNvPr id="3" name="Espaço Reservado para Conteúdo 2">
-            <a:extLst>
-              <a:ext uri="{FF2B5EF4-FFF2-40B4-BE49-F238E27FC236}">
-                <a16:creationId xmlns:a16="http://schemas.microsoft.com/office/drawing/2014/main" id="{9D483FB2-0ED1-8FCC-21CB-A106FC69C10E}"/>
-              </a:ext>
-            </a:extLst>
-          </p:cNvPr>
-          <p:cNvSpPr>
-            <a:spLocks noGrp="1"/>
-          </p:cNvSpPr>
-          <p:nvPr>
-            <p:ph idx="1"/>
-          </p:nvPr>
-        </p:nvSpPr>
-        <p:spPr/>
-        <p:txBody>
-          <a:bodyPr/>
-          <a:lstStyle/>
-          <a:p>
-            <a:endParaRPr lang="pt-BR"/>
-          </a:p>
-        </p:txBody>
-      </p:sp>
       <p:sp>
         <p:nvSpPr>
           <p:cNvPr id="4" name="Espaço Reservado para Rodapé 3">
@@ -14719,6 +15201,126 @@
           </a:p>
         </p:txBody>
       </p:sp>
+      <p:pic>
+        <p:nvPicPr>
+          <p:cNvPr id="7" name="Imagem 6">
+            <a:extLst>
+              <a:ext uri="{FF2B5EF4-FFF2-40B4-BE49-F238E27FC236}">
+                <a16:creationId xmlns:a16="http://schemas.microsoft.com/office/drawing/2014/main" id="{D1FDEE1D-CEE5-3FD0-37F3-F91DEF95586C}"/>
+              </a:ext>
+            </a:extLst>
+          </p:cNvPr>
+          <p:cNvPicPr>
+            <a:picLocks noChangeAspect="1"/>
+          </p:cNvPicPr>
+          <p:nvPr/>
+        </p:nvPicPr>
+        <p:blipFill>
+          <a:blip r:embed="rId3"/>
+          <a:stretch>
+            <a:fillRect/>
+          </a:stretch>
+        </p:blipFill>
+        <p:spPr>
+          <a:xfrm>
+            <a:off x="1097280" y="1844894"/>
+            <a:ext cx="4840784" cy="1030068"/>
+          </a:xfrm>
+          <a:prstGeom prst="rect">
+            <a:avLst/>
+          </a:prstGeom>
+        </p:spPr>
+      </p:pic>
+      <p:pic>
+        <p:nvPicPr>
+          <p:cNvPr id="9" name="Imagem 8">
+            <a:extLst>
+              <a:ext uri="{FF2B5EF4-FFF2-40B4-BE49-F238E27FC236}">
+                <a16:creationId xmlns:a16="http://schemas.microsoft.com/office/drawing/2014/main" id="{FC960CCC-AD51-5136-C394-289946986AB0}"/>
+              </a:ext>
+            </a:extLst>
+          </p:cNvPr>
+          <p:cNvPicPr>
+            <a:picLocks noChangeAspect="1"/>
+          </p:cNvPicPr>
+          <p:nvPr/>
+        </p:nvPicPr>
+        <p:blipFill>
+          <a:blip r:embed="rId4"/>
+          <a:stretch>
+            <a:fillRect/>
+          </a:stretch>
+        </p:blipFill>
+        <p:spPr>
+          <a:xfrm>
+            <a:off x="6253938" y="1842631"/>
+            <a:ext cx="3581496" cy="2335983"/>
+          </a:xfrm>
+          <a:prstGeom prst="rect">
+            <a:avLst/>
+          </a:prstGeom>
+        </p:spPr>
+      </p:pic>
+      <p:pic>
+        <p:nvPicPr>
+          <p:cNvPr id="11" name="Imagem 10">
+            <a:extLst>
+              <a:ext uri="{FF2B5EF4-FFF2-40B4-BE49-F238E27FC236}">
+                <a16:creationId xmlns:a16="http://schemas.microsoft.com/office/drawing/2014/main" id="{63F9E8A7-6765-EFB0-1E38-BFD6662A2524}"/>
+              </a:ext>
+            </a:extLst>
+          </p:cNvPr>
+          <p:cNvPicPr>
+            <a:picLocks noChangeAspect="1"/>
+          </p:cNvPicPr>
+          <p:nvPr/>
+        </p:nvPicPr>
+        <p:blipFill>
+          <a:blip r:embed="rId5"/>
+          <a:stretch>
+            <a:fillRect/>
+          </a:stretch>
+        </p:blipFill>
+        <p:spPr>
+          <a:xfrm>
+            <a:off x="1097280" y="3101083"/>
+            <a:ext cx="4512755" cy="3128444"/>
+          </a:xfrm>
+          <a:prstGeom prst="rect">
+            <a:avLst/>
+          </a:prstGeom>
+        </p:spPr>
+      </p:pic>
+      <p:pic>
+        <p:nvPicPr>
+          <p:cNvPr id="13" name="Imagem 12">
+            <a:extLst>
+              <a:ext uri="{FF2B5EF4-FFF2-40B4-BE49-F238E27FC236}">
+                <a16:creationId xmlns:a16="http://schemas.microsoft.com/office/drawing/2014/main" id="{7E5965C2-05B0-1430-8A1A-44A0C9A81C0D}"/>
+              </a:ext>
+            </a:extLst>
+          </p:cNvPr>
+          <p:cNvPicPr>
+            <a:picLocks noChangeAspect="1"/>
+          </p:cNvPicPr>
+          <p:nvPr/>
+        </p:nvPicPr>
+        <p:blipFill>
+          <a:blip r:embed="rId6"/>
+          <a:stretch>
+            <a:fillRect/>
+          </a:stretch>
+        </p:blipFill>
+        <p:spPr>
+          <a:xfrm>
+            <a:off x="6126480" y="4404735"/>
+            <a:ext cx="4872470" cy="1475054"/>
+          </a:xfrm>
+          <a:prstGeom prst="rect">
+            <a:avLst/>
+          </a:prstGeom>
+        </p:spPr>
+      </p:pic>
     </p:spTree>
     <p:extLst>
       <p:ext uri="{BB962C8B-B14F-4D97-AF65-F5344CB8AC3E}">
@@ -14791,7 +15393,7 @@
               <a:buChar char="Ø"/>
             </a:pPr>
             <a:r>
-              <a:rPr lang="pt-BR" sz="1600" b="1" dirty="0">
+              <a:rPr lang="pt-BR" sz="1600" dirty="0">
                 <a:solidFill>
                   <a:prstClr val="black"/>
                 </a:solidFill>
@@ -14939,8 +15541,8 @@
         </p:blipFill>
         <p:spPr>
           <a:xfrm>
-            <a:off x="943371" y="3262136"/>
-            <a:ext cx="3876675" cy="1076325"/>
+            <a:off x="1443387" y="3356089"/>
+            <a:ext cx="4652611" cy="1291757"/>
           </a:xfrm>
           <a:prstGeom prst="rect">
             <a:avLst/>
@@ -15237,7 +15839,7 @@
               <a:buChar char="Ø"/>
             </a:pPr>
             <a:r>
-              <a:rPr lang="pt-BR" sz="1600" b="1" dirty="0">
+              <a:rPr lang="pt-BR" sz="1600" dirty="0">
                 <a:solidFill>
                   <a:prstClr val="black"/>
                 </a:solidFill>
@@ -15246,6 +15848,177 @@
               </a:rPr>
               <a:t> Regularização reduz o erro do modelo</a:t>
             </a:r>
+          </a:p>
+        </p:txBody>
+      </p:sp>
+      <p:sp>
+        <p:nvSpPr>
+          <p:cNvPr id="7" name="CaixaDeTexto 6">
+            <a:extLst>
+              <a:ext uri="{FF2B5EF4-FFF2-40B4-BE49-F238E27FC236}">
+                <a16:creationId xmlns:a16="http://schemas.microsoft.com/office/drawing/2014/main" id="{1A2905F7-51E8-E528-54F5-03936D0F07E8}"/>
+              </a:ext>
+            </a:extLst>
+          </p:cNvPr>
+          <p:cNvSpPr txBox="1"/>
+          <p:nvPr/>
+        </p:nvSpPr>
+        <p:spPr>
+          <a:xfrm>
+            <a:off x="1443387" y="4942670"/>
+            <a:ext cx="6097508" cy="923330"/>
+          </a:xfrm>
+          <a:prstGeom prst="rect">
+            <a:avLst/>
+          </a:prstGeom>
+          <a:noFill/>
+        </p:spPr>
+        <p:txBody>
+          <a:bodyPr wrap="square">
+            <a:spAutoFit/>
+          </a:bodyPr>
+          <a:lstStyle/>
+          <a:p>
+            <a:pPr marL="285750" indent="-285750" defTabSz="457200">
+              <a:lnSpc>
+                <a:spcPct val="100000"/>
+              </a:lnSpc>
+              <a:spcBef>
+                <a:spcPts val="0"/>
+              </a:spcBef>
+              <a:spcAft>
+                <a:spcPts val="0"/>
+              </a:spcAft>
+              <a:buClrTx/>
+              <a:buSzTx/>
+              <a:buFont typeface="Arial" panose="020B0604020202020204" pitchFamily="34" charset="0"/>
+              <a:buChar char="•"/>
+            </a:pPr>
+            <a:r>
+              <a:rPr lang="pt-BR" b="1" dirty="0">
+                <a:solidFill>
+                  <a:prstClr val="black"/>
+                </a:solidFill>
+                <a:latin typeface="Arial" panose="020B0604020202020204" pitchFamily="34" charset="0"/>
+                <a:cs typeface="Arial" panose="020B0604020202020204" pitchFamily="34" charset="0"/>
+              </a:rPr>
+              <a:t>	</a:t>
+            </a:r>
+            <a:r>
+              <a:rPr lang="pt-BR" sz="1800" dirty="0">
+                <a:solidFill>
+                  <a:prstClr val="black"/>
+                </a:solidFill>
+                <a:latin typeface="Arial" panose="020B0604020202020204" pitchFamily="34" charset="0"/>
+                <a:cs typeface="Arial" panose="020B0604020202020204" pitchFamily="34" charset="0"/>
+              </a:rPr>
+              <a:t>Back-</a:t>
+            </a:r>
+            <a:r>
+              <a:rPr lang="pt-BR" sz="1800" dirty="0" err="1">
+                <a:solidFill>
+                  <a:prstClr val="black"/>
+                </a:solidFill>
+                <a:latin typeface="Arial" panose="020B0604020202020204" pitchFamily="34" charset="0"/>
+                <a:cs typeface="Arial" panose="020B0604020202020204" pitchFamily="34" charset="0"/>
+              </a:rPr>
+              <a:t>Translation</a:t>
+            </a:r>
+            <a:endParaRPr lang="pt-BR" sz="1800" dirty="0">
+              <a:solidFill>
+                <a:prstClr val="black"/>
+              </a:solidFill>
+              <a:latin typeface="Arial" panose="020B0604020202020204" pitchFamily="34" charset="0"/>
+              <a:cs typeface="Arial" panose="020B0604020202020204" pitchFamily="34" charset="0"/>
+            </a:endParaRPr>
+          </a:p>
+          <a:p>
+            <a:pPr defTabSz="457200">
+              <a:lnSpc>
+                <a:spcPct val="100000"/>
+              </a:lnSpc>
+              <a:spcBef>
+                <a:spcPts val="0"/>
+              </a:spcBef>
+              <a:spcAft>
+                <a:spcPts val="0"/>
+              </a:spcAft>
+              <a:buClrTx/>
+              <a:buSzTx/>
+              <a:buFont typeface="Wingdings" panose="05000000000000000000" pitchFamily="2" charset="2"/>
+              <a:buChar char="Ø"/>
+            </a:pPr>
+            <a:endParaRPr lang="pt-BR" b="1" dirty="0">
+              <a:solidFill>
+                <a:prstClr val="black"/>
+              </a:solidFill>
+              <a:latin typeface="Arial" panose="020B0604020202020204" pitchFamily="34" charset="0"/>
+              <a:cs typeface="Arial" panose="020B0604020202020204" pitchFamily="34" charset="0"/>
+            </a:endParaRPr>
+          </a:p>
+          <a:p>
+            <a:pPr marL="285750" indent="-285750" defTabSz="457200">
+              <a:lnSpc>
+                <a:spcPct val="100000"/>
+              </a:lnSpc>
+              <a:spcBef>
+                <a:spcPts val="0"/>
+              </a:spcBef>
+              <a:spcAft>
+                <a:spcPts val="0"/>
+              </a:spcAft>
+              <a:buClrTx/>
+              <a:buSzTx/>
+              <a:buFont typeface="Arial" panose="020B0604020202020204" pitchFamily="34" charset="0"/>
+              <a:buChar char="•"/>
+            </a:pPr>
+            <a:r>
+              <a:rPr lang="pt-BR" dirty="0">
+                <a:solidFill>
+                  <a:prstClr val="black"/>
+                </a:solidFill>
+                <a:latin typeface="Arial" panose="020B0604020202020204" pitchFamily="34" charset="0"/>
+                <a:cs typeface="Arial" panose="020B0604020202020204" pitchFamily="34" charset="0"/>
+              </a:rPr>
+              <a:t>	</a:t>
+            </a:r>
+            <a:r>
+              <a:rPr lang="pt-BR" sz="1800" dirty="0">
+                <a:solidFill>
+                  <a:prstClr val="black"/>
+                </a:solidFill>
+                <a:latin typeface="Arial" panose="020B0604020202020204" pitchFamily="34" charset="0"/>
+                <a:cs typeface="Arial" panose="020B0604020202020204" pitchFamily="34" charset="0"/>
+              </a:rPr>
+              <a:t>Parafrasear amostras em modelos </a:t>
+            </a:r>
+            <a:r>
+              <a:rPr lang="pt-BR" sz="1800" dirty="0" err="1">
+                <a:solidFill>
+                  <a:prstClr val="black"/>
+                </a:solidFill>
+                <a:latin typeface="Arial" panose="020B0604020202020204" pitchFamily="34" charset="0"/>
+                <a:cs typeface="Arial" panose="020B0604020202020204" pitchFamily="34" charset="0"/>
+              </a:rPr>
+              <a:t>pré</a:t>
+            </a:r>
+            <a:r>
+              <a:rPr lang="pt-BR" sz="1800" dirty="0">
+                <a:solidFill>
+                  <a:prstClr val="black"/>
+                </a:solidFill>
+                <a:latin typeface="Arial" panose="020B0604020202020204" pitchFamily="34" charset="0"/>
+                <a:cs typeface="Arial" panose="020B0604020202020204" pitchFamily="34" charset="0"/>
+              </a:rPr>
+              <a:t>-treinados</a:t>
+            </a:r>
+            <a:endParaRPr lang="pt-BR" sz="1800" b="1" dirty="0">
+              <a:solidFill>
+                <a:prstClr val="black"/>
+              </a:solidFill>
+              <a:latin typeface="Arial" panose="020B0604020202020204" pitchFamily="34" charset="0"/>
+              <a:cs typeface="Arial" panose="020B0604020202020204" pitchFamily="34" charset="0"/>
+            </a:endParaRPr>
           </a:p>
         </p:txBody>
       </p:sp>

--- a/Apresentação.pptx
+++ b/Apresentação.pptx
@@ -5,7 +5,7 @@
     <p:sldMasterId id="2147483660" r:id="rId1"/>
   </p:sldMasterIdLst>
   <p:notesMasterIdLst>
-    <p:notesMasterId r:id="rId19"/>
+    <p:notesMasterId r:id="rId20"/>
   </p:notesMasterIdLst>
   <p:sldIdLst>
     <p:sldId id="258" r:id="rId2"/>
@@ -18,13 +18,14 @@
     <p:sldId id="327" r:id="rId9"/>
     <p:sldId id="324" r:id="rId10"/>
     <p:sldId id="314" r:id="rId11"/>
-    <p:sldId id="317" r:id="rId12"/>
-    <p:sldId id="316" r:id="rId13"/>
-    <p:sldId id="318" r:id="rId14"/>
-    <p:sldId id="320" r:id="rId15"/>
-    <p:sldId id="319" r:id="rId16"/>
-    <p:sldId id="322" r:id="rId17"/>
-    <p:sldId id="321" r:id="rId18"/>
+    <p:sldId id="328" r:id="rId12"/>
+    <p:sldId id="317" r:id="rId13"/>
+    <p:sldId id="316" r:id="rId14"/>
+    <p:sldId id="318" r:id="rId15"/>
+    <p:sldId id="320" r:id="rId16"/>
+    <p:sldId id="319" r:id="rId17"/>
+    <p:sldId id="322" r:id="rId18"/>
+    <p:sldId id="321" r:id="rId19"/>
   </p:sldIdLst>
   <p:sldSz cx="12192000" cy="6858000"/>
   <p:notesSz cx="6858000" cy="9144000"/>
@@ -5623,6 +5624,254 @@
           <a:chExt cx="0" cy="0"/>
         </a:xfrm>
       </p:grpSpPr>
+      <p:sp>
+        <p:nvSpPr>
+          <p:cNvPr id="4" name="Espaço Reservado para Rodapé 3">
+            <a:extLst>
+              <a:ext uri="{FF2B5EF4-FFF2-40B4-BE49-F238E27FC236}">
+                <a16:creationId xmlns:a16="http://schemas.microsoft.com/office/drawing/2014/main" id="{F46E2BF8-AE94-3793-0AFF-6A657042F4BE}"/>
+              </a:ext>
+            </a:extLst>
+          </p:cNvPr>
+          <p:cNvSpPr>
+            <a:spLocks noGrp="1"/>
+          </p:cNvSpPr>
+          <p:nvPr>
+            <p:ph type="ftr" sz="quarter" idx="11"/>
+          </p:nvPr>
+        </p:nvSpPr>
+        <p:spPr>
+          <a:xfrm>
+            <a:off x="3684596" y="6455648"/>
+            <a:ext cx="4822804" cy="365125"/>
+          </a:xfrm>
+        </p:spPr>
+        <p:txBody>
+          <a:bodyPr/>
+          <a:lstStyle/>
+          <a:p>
+            <a:r>
+              <a:rPr lang="pt-BR" dirty="0"/>
+              <a:t>Aprendizado Profundo - 2023</a:t>
+            </a:r>
+          </a:p>
+        </p:txBody>
+      </p:sp>
+      <p:pic>
+        <p:nvPicPr>
+          <p:cNvPr id="5" name="Imagem 4" descr="Janela de vidro&#10;&#10;Descrição gerada automaticamente com confiança média">
+            <a:extLst>
+              <a:ext uri="{FF2B5EF4-FFF2-40B4-BE49-F238E27FC236}">
+                <a16:creationId xmlns:a16="http://schemas.microsoft.com/office/drawing/2014/main" id="{53FF1455-4734-7546-6854-743FA6A456D8}"/>
+              </a:ext>
+            </a:extLst>
+          </p:cNvPr>
+          <p:cNvPicPr>
+            <a:picLocks noChangeAspect="1"/>
+          </p:cNvPicPr>
+          <p:nvPr/>
+        </p:nvPicPr>
+        <p:blipFill>
+          <a:blip r:embed="rId2" cstate="print">
+            <a:extLst>
+              <a:ext uri="{28A0092B-C50C-407E-A947-70E740481C1C}">
+                <a14:useLocalDpi xmlns:a14="http://schemas.microsoft.com/office/drawing/2010/main" val="0"/>
+              </a:ext>
+            </a:extLst>
+          </a:blip>
+          <a:stretch>
+            <a:fillRect/>
+          </a:stretch>
+        </p:blipFill>
+        <p:spPr>
+          <a:xfrm>
+            <a:off x="118159" y="6470866"/>
+            <a:ext cx="373152" cy="332105"/>
+          </a:xfrm>
+          <a:prstGeom prst="rect">
+            <a:avLst/>
+          </a:prstGeom>
+        </p:spPr>
+      </p:pic>
+      <p:sp>
+        <p:nvSpPr>
+          <p:cNvPr id="6" name="Título 19">
+            <a:extLst>
+              <a:ext uri="{FF2B5EF4-FFF2-40B4-BE49-F238E27FC236}">
+                <a16:creationId xmlns:a16="http://schemas.microsoft.com/office/drawing/2014/main" id="{DA54BA85-07B3-4C0E-467F-B7AE7C59D697}"/>
+              </a:ext>
+            </a:extLst>
+          </p:cNvPr>
+          <p:cNvSpPr txBox="1">
+            <a:spLocks/>
+          </p:cNvSpPr>
+          <p:nvPr/>
+        </p:nvSpPr>
+        <p:spPr>
+          <a:xfrm>
+            <a:off x="1097280" y="626919"/>
+            <a:ext cx="10058400" cy="720197"/>
+          </a:xfrm>
+          <a:prstGeom prst="rect">
+            <a:avLst/>
+          </a:prstGeom>
+        </p:spPr>
+        <p:txBody>
+          <a:bodyPr vert="horz" lIns="91440" tIns="45720" rIns="91440" bIns="45720" rtlCol="0" anchor="b">
+            <a:normAutofit/>
+          </a:bodyPr>
+          <a:lstStyle>
+            <a:lvl1pPr marL="0" algn="l" defTabSz="914400" rtl="0" eaLnBrk="1" latinLnBrk="0" hangingPunct="1">
+              <a:lnSpc>
+                <a:spcPct val="85000"/>
+              </a:lnSpc>
+              <a:spcBef>
+                <a:spcPct val="0"/>
+              </a:spcBef>
+              <a:buNone/>
+              <a:defRPr sz="4800" kern="1200" spc="-50" baseline="0">
+                <a:solidFill>
+                  <a:schemeClr val="tx1">
+                    <a:lumMod val="75000"/>
+                    <a:lumOff val="25000"/>
+                  </a:schemeClr>
+                </a:solidFill>
+                <a:latin typeface="+mj-lt"/>
+                <a:ea typeface="+mj-ea"/>
+                <a:cs typeface="+mj-cs"/>
+              </a:defRPr>
+            </a:lvl1pPr>
+          </a:lstStyle>
+          <a:p>
+            <a:pPr marL="457200" indent="-457200">
+              <a:buFont typeface="Arial" panose="020B0604020202020204" pitchFamily="34" charset="0"/>
+              <a:buChar char="•"/>
+            </a:pPr>
+            <a:r>
+              <a:rPr lang="pt-BR" sz="2000" b="1" dirty="0">
+                <a:solidFill>
+                  <a:schemeClr val="tx1"/>
+                </a:solidFill>
+                <a:latin typeface="Arial" panose="020B0604020202020204" pitchFamily="34" charset="0"/>
+                <a:cs typeface="Arial" panose="020B0604020202020204" pitchFamily="34" charset="0"/>
+              </a:rPr>
+              <a:t>4.	</a:t>
+            </a:r>
+            <a:r>
+              <a:rPr lang="pt-BR" sz="2000" b="1" dirty="0">
+                <a:solidFill>
+                  <a:prstClr val="black"/>
+                </a:solidFill>
+                <a:latin typeface="Arial" panose="020B0604020202020204" pitchFamily="34" charset="0"/>
+                <a:cs typeface="Arial" panose="020B0604020202020204" pitchFamily="34" charset="0"/>
+              </a:rPr>
+              <a:t>RESULTADOS E CONCLUSÃO</a:t>
+            </a:r>
+            <a:br>
+              <a:rPr lang="pt-BR" sz="2000" b="1" dirty="0">
+                <a:solidFill>
+                  <a:schemeClr val="tx1"/>
+                </a:solidFill>
+                <a:latin typeface="Arial" panose="020B0604020202020204" pitchFamily="34" charset="0"/>
+                <a:cs typeface="Arial" panose="020B0604020202020204" pitchFamily="34" charset="0"/>
+              </a:rPr>
+            </a:br>
+            <a:r>
+              <a:rPr lang="pt-BR" sz="2000" b="1" dirty="0">
+                <a:solidFill>
+                  <a:schemeClr val="tx1"/>
+                </a:solidFill>
+                <a:latin typeface="Arial" panose="020B0604020202020204" pitchFamily="34" charset="0"/>
+                <a:cs typeface="Arial" panose="020B0604020202020204" pitchFamily="34" charset="0"/>
+              </a:rPr>
+              <a:t>	</a:t>
+            </a:r>
+            <a:r>
+              <a:rPr lang="pt-BR" sz="1600" b="1" dirty="0">
+                <a:solidFill>
+                  <a:schemeClr val="tx1"/>
+                </a:solidFill>
+                <a:latin typeface="Arial" panose="020B0604020202020204" pitchFamily="34" charset="0"/>
+                <a:cs typeface="Arial" panose="020B0604020202020204" pitchFamily="34" charset="0"/>
+              </a:rPr>
+              <a:t>4.2. Diagramas dos modelos</a:t>
+            </a:r>
+            <a:endParaRPr lang="pt-BR" sz="2000" b="1" dirty="0">
+              <a:solidFill>
+                <a:schemeClr val="tx1"/>
+              </a:solidFill>
+              <a:latin typeface="Arial" panose="020B0604020202020204" pitchFamily="34" charset="0"/>
+              <a:cs typeface="Arial" panose="020B0604020202020204" pitchFamily="34" charset="0"/>
+            </a:endParaRPr>
+          </a:p>
+        </p:txBody>
+      </p:sp>
+      <p:pic>
+        <p:nvPicPr>
+          <p:cNvPr id="10" name="Imagem 9" descr="Diagrama&#10;&#10;Descrição gerada automaticamente">
+            <a:extLst>
+              <a:ext uri="{FF2B5EF4-FFF2-40B4-BE49-F238E27FC236}">
+                <a16:creationId xmlns:a16="http://schemas.microsoft.com/office/drawing/2014/main" id="{A7599FF7-0C54-775E-C133-551F4D3A4943}"/>
+              </a:ext>
+            </a:extLst>
+          </p:cNvPr>
+          <p:cNvPicPr>
+            <a:picLocks noChangeAspect="1"/>
+          </p:cNvPicPr>
+          <p:nvPr/>
+        </p:nvPicPr>
+        <p:blipFill>
+          <a:blip r:embed="rId3">
+            <a:extLst>
+              <a:ext uri="{28A0092B-C50C-407E-A947-70E740481C1C}">
+                <a14:useLocalDpi xmlns:a14="http://schemas.microsoft.com/office/drawing/2010/main" val="0"/>
+              </a:ext>
+            </a:extLst>
+          </a:blip>
+          <a:stretch>
+            <a:fillRect/>
+          </a:stretch>
+        </p:blipFill>
+        <p:spPr>
+          <a:xfrm>
+            <a:off x="5169217" y="1887681"/>
+            <a:ext cx="1914525" cy="4343400"/>
+          </a:xfrm>
+          <a:prstGeom prst="rect">
+            <a:avLst/>
+          </a:prstGeom>
+        </p:spPr>
+      </p:pic>
+    </p:spTree>
+    <p:extLst>
+      <p:ext uri="{BB962C8B-B14F-4D97-AF65-F5344CB8AC3E}">
+        <p14:creationId xmlns:p14="http://schemas.microsoft.com/office/powerpoint/2010/main" val="4248417807"/>
+      </p:ext>
+    </p:extLst>
+  </p:cSld>
+  <p:clrMapOvr>
+    <a:masterClrMapping/>
+  </p:clrMapOvr>
+</p:sld>
+</file>
+
+<file path=ppt/slides/slide12.xml><?xml version="1.0" encoding="utf-8"?>
+<p:sld xmlns:a="http://schemas.openxmlformats.org/drawingml/2006/main" xmlns:r="http://schemas.openxmlformats.org/officeDocument/2006/relationships" xmlns:p="http://schemas.openxmlformats.org/presentationml/2006/main">
+  <p:cSld>
+    <p:spTree>
+      <p:nvGrpSpPr>
+        <p:cNvPr id="1" name=""/>
+        <p:cNvGrpSpPr/>
+        <p:nvPr/>
+      </p:nvGrpSpPr>
+      <p:grpSpPr>
+        <a:xfrm>
+          <a:off x="0" y="0"/>
+          <a:ext cx="0" cy="0"/>
+          <a:chOff x="0" y="0"/>
+          <a:chExt cx="0" cy="0"/>
+        </a:xfrm>
+      </p:grpSpPr>
       <p:pic>
         <p:nvPicPr>
           <p:cNvPr id="5" name="Imagem 4">
@@ -5913,7 +6162,7 @@
                 <a:latin typeface="Arial" panose="020B0604020202020204" pitchFamily="34" charset="0"/>
                 <a:cs typeface="Arial" panose="020B0604020202020204" pitchFamily="34" charset="0"/>
               </a:rPr>
-              <a:t>4.2. Resultados</a:t>
+              <a:t>4.3. Resultados</a:t>
             </a:r>
             <a:endParaRPr lang="pt-BR" sz="2000" b="1" dirty="0">
               <a:solidFill>
@@ -5938,7 +6187,7 @@
 </p:sld>
 </file>
 
-<file path=ppt/slides/slide12.xml><?xml version="1.0" encoding="utf-8"?>
+<file path=ppt/slides/slide13.xml><?xml version="1.0" encoding="utf-8"?>
 <p:sld xmlns:a="http://schemas.openxmlformats.org/drawingml/2006/main" xmlns:r="http://schemas.openxmlformats.org/officeDocument/2006/relationships" xmlns:p="http://schemas.openxmlformats.org/presentationml/2006/main">
   <p:cSld>
     <p:spTree>
@@ -7213,7 +7462,7 @@
                 <a:latin typeface="Arial" panose="020B0604020202020204" pitchFamily="34" charset="0"/>
                 <a:cs typeface="Arial" panose="020B0604020202020204" pitchFamily="34" charset="0"/>
               </a:rPr>
-              <a:t>4.2. Resultados</a:t>
+              <a:t>4.3. Resultados</a:t>
             </a:r>
             <a:endParaRPr lang="pt-BR" sz="2000" b="1" dirty="0">
               <a:solidFill>
@@ -7238,7 +7487,7 @@
 </p:sld>
 </file>
 
-<file path=ppt/slides/slide13.xml><?xml version="1.0" encoding="utf-8"?>
+<file path=ppt/slides/slide14.xml><?xml version="1.0" encoding="utf-8"?>
 <p:sld xmlns:a="http://schemas.openxmlformats.org/drawingml/2006/main" xmlns:r="http://schemas.openxmlformats.org/officeDocument/2006/relationships" xmlns:p="http://schemas.openxmlformats.org/presentationml/2006/main">
   <p:cSld>
     <p:spTree>
@@ -7545,7 +7794,7 @@
                 <a:latin typeface="Arial" panose="020B0604020202020204" pitchFamily="34" charset="0"/>
                 <a:cs typeface="Arial" panose="020B0604020202020204" pitchFamily="34" charset="0"/>
               </a:rPr>
-              <a:t>4.2. Resultados</a:t>
+              <a:t>4.3. Resultados</a:t>
             </a:r>
             <a:endParaRPr lang="pt-BR" sz="2000" b="1" dirty="0">
               <a:solidFill>
@@ -7570,7 +7819,7 @@
 </p:sld>
 </file>
 
-<file path=ppt/slides/slide14.xml><?xml version="1.0" encoding="utf-8"?>
+<file path=ppt/slides/slide15.xml><?xml version="1.0" encoding="utf-8"?>
 <p:sld xmlns:a="http://schemas.openxmlformats.org/drawingml/2006/main" xmlns:r="http://schemas.openxmlformats.org/officeDocument/2006/relationships" xmlns:p="http://schemas.openxmlformats.org/presentationml/2006/main">
   <p:cSld>
     <p:spTree>
@@ -7786,7 +8035,7 @@
                 <a:latin typeface="Arial" panose="020B0604020202020204" pitchFamily="34" charset="0"/>
                 <a:cs typeface="Arial" panose="020B0604020202020204" pitchFamily="34" charset="0"/>
               </a:rPr>
-              <a:t>4.2. Resultados</a:t>
+              <a:t>4.3. Resultados</a:t>
             </a:r>
             <a:endParaRPr lang="pt-BR" sz="2000" b="1" dirty="0">
               <a:solidFill>
@@ -7811,7 +8060,7 @@
 </p:sld>
 </file>
 
-<file path=ppt/slides/slide15.xml><?xml version="1.0" encoding="utf-8"?>
+<file path=ppt/slides/slide16.xml><?xml version="1.0" encoding="utf-8"?>
 <p:sld xmlns:a="http://schemas.openxmlformats.org/drawingml/2006/main" xmlns:r="http://schemas.openxmlformats.org/officeDocument/2006/relationships" xmlns:p="http://schemas.openxmlformats.org/presentationml/2006/main">
   <p:cSld>
     <p:spTree>
@@ -9374,7 +9623,7 @@
                 <a:latin typeface="Arial" panose="020B0604020202020204" pitchFamily="34" charset="0"/>
                 <a:cs typeface="Arial" panose="020B0604020202020204" pitchFamily="34" charset="0"/>
               </a:rPr>
-              <a:t>4.2. Resultados</a:t>
+              <a:t>4.3. Resultados</a:t>
             </a:r>
             <a:endParaRPr lang="pt-BR" sz="2000" b="1" dirty="0">
               <a:solidFill>
@@ -9399,7 +9648,7 @@
 </p:sld>
 </file>
 
-<file path=ppt/slides/slide16.xml><?xml version="1.0" encoding="utf-8"?>
+<file path=ppt/slides/slide17.xml><?xml version="1.0" encoding="utf-8"?>
 <p:sld xmlns:a="http://schemas.openxmlformats.org/drawingml/2006/main" xmlns:r="http://schemas.openxmlformats.org/officeDocument/2006/relationships" xmlns:p="http://schemas.openxmlformats.org/presentationml/2006/main">
   <p:cSld>
     <p:spTree>
@@ -9517,7 +9766,7 @@
                 <a:latin typeface="Arial" panose="020B0604020202020204" pitchFamily="34" charset="0"/>
                 <a:cs typeface="Arial" panose="020B0604020202020204" pitchFamily="34" charset="0"/>
               </a:rPr>
-              <a:t>4.3. Conclusão</a:t>
+              <a:t>4.4. Conclusão</a:t>
             </a:r>
             <a:endParaRPr lang="pt-BR" sz="2000" b="1" dirty="0">
               <a:solidFill>
@@ -9622,7 +9871,7 @@
 </p:sld>
 </file>
 
-<file path=ppt/slides/slide17.xml><?xml version="1.0" encoding="utf-8"?>
+<file path=ppt/slides/slide18.xml><?xml version="1.0" encoding="utf-8"?>
 <p:sld xmlns:a="http://schemas.openxmlformats.org/drawingml/2006/main" xmlns:r="http://schemas.openxmlformats.org/officeDocument/2006/relationships" xmlns:p="http://schemas.openxmlformats.org/presentationml/2006/main">
   <p:cSld>
     <p:spTree>
@@ -9699,7 +9948,7 @@
         </p:nvSpPr>
         <p:spPr>
           <a:xfrm>
-            <a:off x="1097280" y="1834855"/>
+            <a:off x="1097280" y="1961603"/>
             <a:ext cx="10058400" cy="4023360"/>
           </a:xfrm>
         </p:spPr>
@@ -11032,7 +11281,7 @@
         </p:nvSpPr>
         <p:spPr>
           <a:xfrm>
-            <a:off x="1260424" y="4239657"/>
+            <a:off x="1260424" y="4163935"/>
             <a:ext cx="6815261" cy="338554"/>
           </a:xfrm>
           <a:prstGeom prst="rect">
@@ -11090,8 +11339,8 @@
         </p:nvSpPr>
         <p:spPr>
           <a:xfrm>
-            <a:off x="1260424" y="4765321"/>
-            <a:ext cx="5110385" cy="1077218"/>
+            <a:off x="1260423" y="4579410"/>
+            <a:ext cx="5110385" cy="1323439"/>
           </a:xfrm>
           <a:prstGeom prst="rect">
             <a:avLst/>
@@ -11193,56 +11442,15 @@
               <a:defRPr/>
             </a:pPr>
             <a:r>
-              <a:rPr kumimoji="0" lang="pt-BR" sz="1600" b="1" i="0" u="none" strike="noStrike" kern="1200" cap="none" spc="0" normalizeH="0" baseline="0" noProof="0" dirty="0">
-                <a:ln>
-                  <a:noFill/>
-                </a:ln>
+              <a:rPr lang="pt-BR" sz="1600" b="1" dirty="0">
                 <a:solidFill>
                   <a:prstClr val="black"/>
                 </a:solidFill>
-                <a:effectLst/>
-                <a:uLnTx/>
-                <a:uFillTx/>
-                <a:latin typeface="Arial" panose="020B0604020202020204" pitchFamily="34" charset="0"/>
-                <a:ea typeface="+mn-ea"/>
-                <a:cs typeface="Arial" panose="020B0604020202020204" pitchFamily="34" charset="0"/>
-              </a:rPr>
-              <a:t>	4.</a:t>
-            </a:r>
-            <a:r>
-              <a:rPr lang="pt-BR" sz="1600" b="1" dirty="0">
-                <a:solidFill>
-                  <a:prstClr val="black"/>
-                </a:solidFill>
-                <a:latin typeface="Arial" panose="020B0604020202020204" pitchFamily="34" charset="0"/>
-                <a:cs typeface="Arial" panose="020B0604020202020204" pitchFamily="34" charset="0"/>
-              </a:rPr>
-              <a:t>2</a:t>
-            </a:r>
-            <a:r>
-              <a:rPr kumimoji="0" lang="pt-BR" sz="1600" b="1" i="0" u="none" strike="noStrike" kern="1200" cap="none" spc="0" normalizeH="0" baseline="0" noProof="0" dirty="0">
-                <a:ln>
-                  <a:noFill/>
-                </a:ln>
-                <a:solidFill>
-                  <a:prstClr val="black"/>
-                </a:solidFill>
-                <a:effectLst/>
-                <a:uLnTx/>
-                <a:uFillTx/>
-                <a:latin typeface="Arial" panose="020B0604020202020204" pitchFamily="34" charset="0"/>
-                <a:ea typeface="+mn-ea"/>
-                <a:cs typeface="Arial" panose="020B0604020202020204" pitchFamily="34" charset="0"/>
-              </a:rPr>
-              <a:t>. Resultados</a:t>
-            </a:r>
-            <a:endParaRPr lang="pt-BR" sz="1600" b="1" dirty="0">
-              <a:solidFill>
-                <a:prstClr val="black"/>
-              </a:solidFill>
-              <a:latin typeface="Arial" panose="020B0604020202020204" pitchFamily="34" charset="0"/>
-              <a:cs typeface="Arial" panose="020B0604020202020204" pitchFamily="34" charset="0"/>
-            </a:endParaRPr>
+                <a:latin typeface="Arial" panose="020B0604020202020204" pitchFamily="34" charset="0"/>
+                <a:cs typeface="Arial" panose="020B0604020202020204" pitchFamily="34" charset="0"/>
+              </a:rPr>
+              <a:t>	4.2. Diagramas dos modelos</a:t>
+            </a:r>
           </a:p>
           <a:p>
             <a:pPr marR="0" lvl="0" algn="l" defTabSz="457200" rtl="0" eaLnBrk="1" fontAlgn="auto" latinLnBrk="0" hangingPunct="1">
@@ -11275,7 +11483,48 @@
                 <a:ea typeface="+mn-ea"/>
                 <a:cs typeface="Arial" panose="020B0604020202020204" pitchFamily="34" charset="0"/>
               </a:rPr>
-              <a:t>	4.3</a:t>
+              <a:t>	4.3. Resultados</a:t>
+            </a:r>
+            <a:endParaRPr lang="pt-BR" sz="1600" b="1" dirty="0">
+              <a:solidFill>
+                <a:prstClr val="black"/>
+              </a:solidFill>
+              <a:latin typeface="Arial" panose="020B0604020202020204" pitchFamily="34" charset="0"/>
+              <a:cs typeface="Arial" panose="020B0604020202020204" pitchFamily="34" charset="0"/>
+            </a:endParaRPr>
+          </a:p>
+          <a:p>
+            <a:pPr marR="0" lvl="0" algn="l" defTabSz="457200" rtl="0" eaLnBrk="1" fontAlgn="auto" latinLnBrk="0" hangingPunct="1">
+              <a:lnSpc>
+                <a:spcPct val="100000"/>
+              </a:lnSpc>
+              <a:spcBef>
+                <a:spcPts val="0"/>
+              </a:spcBef>
+              <a:spcAft>
+                <a:spcPts val="0"/>
+              </a:spcAft>
+              <a:buClrTx/>
+              <a:buSzTx/>
+              <a:tabLst/>
+              <a:defRPr/>
+            </a:pPr>
+            <a:r>
+              <a:rPr kumimoji="0" lang="pt-BR" sz="1600" b="1" i="0" u="none" strike="noStrike" kern="1200" cap="none" spc="0" normalizeH="0" baseline="0" noProof="0" dirty="0">
+                <a:ln>
+                  <a:noFill/>
+                </a:ln>
+                <a:solidFill>
+                  <a:prstClr val="black"/>
+                </a:solidFill>
+                <a:effectLst/>
+                <a:uLnTx/>
+                <a:uFillTx/>
+                <a:latin typeface="Arial" panose="020B0604020202020204" pitchFamily="34" charset="0"/>
+                <a:ea typeface="+mn-ea"/>
+                <a:cs typeface="Arial" panose="020B0604020202020204" pitchFamily="34" charset="0"/>
+              </a:rPr>
+              <a:t>	4.4</a:t>
             </a:r>
             <a:r>
               <a:rPr lang="pt-BR" sz="1600" b="1" dirty="0">
@@ -11318,7 +11567,7 @@
         </p:nvSpPr>
         <p:spPr>
           <a:xfrm>
-            <a:off x="1260424" y="2729109"/>
+            <a:off x="1260424" y="2767280"/>
             <a:ext cx="5110385" cy="1323439"/>
           </a:xfrm>
           <a:prstGeom prst="rect">
@@ -11581,7 +11830,7 @@
         </p:nvSpPr>
         <p:spPr>
           <a:xfrm>
-            <a:off x="1260424" y="5842539"/>
+            <a:off x="1260423" y="5940390"/>
             <a:ext cx="5110385" cy="338554"/>
           </a:xfrm>
           <a:prstGeom prst="rect">

--- a/Apresentação.pptx
+++ b/Apresentação.pptx
@@ -5,7 +5,7 @@
     <p:sldMasterId id="2147483660" r:id="rId1"/>
   </p:sldMasterIdLst>
   <p:notesMasterIdLst>
-    <p:notesMasterId r:id="rId20"/>
+    <p:notesMasterId r:id="rId25"/>
   </p:notesMasterIdLst>
   <p:sldIdLst>
     <p:sldId id="258" r:id="rId2"/>
@@ -13,19 +13,24 @@
     <p:sldId id="312" r:id="rId4"/>
     <p:sldId id="313" r:id="rId5"/>
     <p:sldId id="323" r:id="rId6"/>
-    <p:sldId id="325" r:id="rId7"/>
-    <p:sldId id="326" r:id="rId8"/>
+    <p:sldId id="326" r:id="rId7"/>
+    <p:sldId id="325" r:id="rId8"/>
     <p:sldId id="327" r:id="rId9"/>
-    <p:sldId id="324" r:id="rId10"/>
-    <p:sldId id="314" r:id="rId11"/>
-    <p:sldId id="328" r:id="rId12"/>
-    <p:sldId id="317" r:id="rId13"/>
-    <p:sldId id="316" r:id="rId14"/>
-    <p:sldId id="318" r:id="rId15"/>
-    <p:sldId id="320" r:id="rId16"/>
-    <p:sldId id="319" r:id="rId17"/>
-    <p:sldId id="322" r:id="rId18"/>
-    <p:sldId id="321" r:id="rId19"/>
+    <p:sldId id="331" r:id="rId10"/>
+    <p:sldId id="332" r:id="rId11"/>
+    <p:sldId id="333" r:id="rId12"/>
+    <p:sldId id="334" r:id="rId13"/>
+    <p:sldId id="335" r:id="rId14"/>
+    <p:sldId id="324" r:id="rId15"/>
+    <p:sldId id="314" r:id="rId16"/>
+    <p:sldId id="328" r:id="rId17"/>
+    <p:sldId id="317" r:id="rId18"/>
+    <p:sldId id="316" r:id="rId19"/>
+    <p:sldId id="318" r:id="rId20"/>
+    <p:sldId id="320" r:id="rId21"/>
+    <p:sldId id="319" r:id="rId22"/>
+    <p:sldId id="322" r:id="rId23"/>
+    <p:sldId id="321" r:id="rId24"/>
   </p:sldIdLst>
   <p:sldSz cx="12192000" cy="6858000"/>
   <p:notesSz cx="6858000" cy="9144000"/>
@@ -214,7 +219,7 @@
           <a:p>
             <a:fld id="{BDCD0451-3787-49C1-9371-D8F30CC4CE7B}" type="datetimeFigureOut">
               <a:rPr lang="pt-BR" smtClean="0"/>
-              <a:t>29/10/2023</a:t>
+              <a:t>05/11/2023</a:t>
             </a:fld>
             <a:endParaRPr lang="pt-BR"/>
           </a:p>
@@ -630,7 +635,7 @@
           <a:p>
             <a:fld id="{44DE9B84-5C6D-4B77-8E3A-C6A6A2059A61}" type="slidenum">
               <a:rPr lang="pt-BR" smtClean="0"/>
-              <a:t>6</a:t>
+              <a:t>7</a:t>
             </a:fld>
             <a:endParaRPr lang="pt-BR"/>
           </a:p>
@@ -875,7 +880,7 @@
           <a:p>
             <a:fld id="{3D79DCFB-87D3-483F-9E7B-C3948D8F2964}" type="datetimeFigureOut">
               <a:rPr lang="pt-BR" smtClean="0"/>
-              <a:t>29/10/2023</a:t>
+              <a:t>05/11/2023</a:t>
             </a:fld>
             <a:endParaRPr lang="pt-BR"/>
           </a:p>
@@ -1083,7 +1088,7 @@
           <a:p>
             <a:fld id="{3D79DCFB-87D3-483F-9E7B-C3948D8F2964}" type="datetimeFigureOut">
               <a:rPr lang="pt-BR" smtClean="0"/>
-              <a:t>29/10/2023</a:t>
+              <a:t>05/11/2023</a:t>
             </a:fld>
             <a:endParaRPr lang="pt-BR"/>
           </a:p>
@@ -1339,7 +1344,7 @@
           <a:p>
             <a:fld id="{3D79DCFB-87D3-483F-9E7B-C3948D8F2964}" type="datetimeFigureOut">
               <a:rPr lang="pt-BR" smtClean="0"/>
-              <a:t>29/10/2023</a:t>
+              <a:t>05/11/2023</a:t>
             </a:fld>
             <a:endParaRPr lang="pt-BR"/>
           </a:p>
@@ -1513,7 +1518,7 @@
           <a:p>
             <a:fld id="{3D79DCFB-87D3-483F-9E7B-C3948D8F2964}" type="datetimeFigureOut">
               <a:rPr lang="pt-BR" smtClean="0"/>
-              <a:t>29/10/2023</a:t>
+              <a:t>05/11/2023</a:t>
             </a:fld>
             <a:endParaRPr lang="pt-BR"/>
           </a:p>
@@ -1856,7 +1861,7 @@
           <a:p>
             <a:fld id="{3D79DCFB-87D3-483F-9E7B-C3948D8F2964}" type="datetimeFigureOut">
               <a:rPr lang="pt-BR" smtClean="0"/>
-              <a:t>29/10/2023</a:t>
+              <a:t>05/11/2023</a:t>
             </a:fld>
             <a:endParaRPr lang="pt-BR"/>
           </a:p>
@@ -2131,7 +2136,7 @@
           <a:p>
             <a:fld id="{3D79DCFB-87D3-483F-9E7B-C3948D8F2964}" type="datetimeFigureOut">
               <a:rPr lang="pt-BR" smtClean="0"/>
-              <a:t>29/10/2023</a:t>
+              <a:t>05/11/2023</a:t>
             </a:fld>
             <a:endParaRPr lang="pt-BR"/>
           </a:p>
@@ -2510,7 +2515,7 @@
           <a:p>
             <a:fld id="{3D79DCFB-87D3-483F-9E7B-C3948D8F2964}" type="datetimeFigureOut">
               <a:rPr lang="pt-BR" smtClean="0"/>
-              <a:t>29/10/2023</a:t>
+              <a:t>05/11/2023</a:t>
             </a:fld>
             <a:endParaRPr lang="pt-BR"/>
           </a:p>
@@ -2628,7 +2633,7 @@
           <a:p>
             <a:fld id="{3D79DCFB-87D3-483F-9E7B-C3948D8F2964}" type="datetimeFigureOut">
               <a:rPr lang="pt-BR" smtClean="0"/>
-              <a:t>29/10/2023</a:t>
+              <a:t>05/11/2023</a:t>
             </a:fld>
             <a:endParaRPr lang="pt-BR"/>
           </a:p>
@@ -2799,7 +2804,7 @@
           <a:p>
             <a:fld id="{3D79DCFB-87D3-483F-9E7B-C3948D8F2964}" type="datetimeFigureOut">
               <a:rPr lang="pt-BR" smtClean="0"/>
-              <a:t>29/10/2023</a:t>
+              <a:t>05/11/2023</a:t>
             </a:fld>
             <a:endParaRPr lang="pt-BR"/>
           </a:p>
@@ -3153,7 +3158,7 @@
           <a:p>
             <a:fld id="{3D79DCFB-87D3-483F-9E7B-C3948D8F2964}" type="datetimeFigureOut">
               <a:rPr lang="pt-BR" smtClean="0"/>
-              <a:t>29/10/2023</a:t>
+              <a:t>05/11/2023</a:t>
             </a:fld>
             <a:endParaRPr lang="pt-BR"/>
           </a:p>
@@ -3535,7 +3540,7 @@
           <a:p>
             <a:fld id="{3D79DCFB-87D3-483F-9E7B-C3948D8F2964}" type="datetimeFigureOut">
               <a:rPr lang="pt-BR" smtClean="0"/>
-              <a:t>29/10/2023</a:t>
+              <a:t>05/11/2023</a:t>
             </a:fld>
             <a:endParaRPr lang="pt-BR"/>
           </a:p>
@@ -3822,7 +3827,7 @@
           <a:p>
             <a:fld id="{3D79DCFB-87D3-483F-9E7B-C3948D8F2964}" type="datetimeFigureOut">
               <a:rPr lang="pt-BR" smtClean="0"/>
-              <a:t>29/10/2023</a:t>
+              <a:t>05/11/2023</a:t>
             </a:fld>
             <a:endParaRPr lang="pt-BR"/>
           </a:p>
@@ -4615,6 +4620,2741 @@
 </file>
 
 <file path=ppt/slides/slide10.xml><?xml version="1.0" encoding="utf-8"?>
+<p:sld xmlns:a="http://schemas.openxmlformats.org/drawingml/2006/main" xmlns:r="http://schemas.openxmlformats.org/officeDocument/2006/relationships" xmlns:p="http://schemas.openxmlformats.org/presentationml/2006/main">
+  <p:cSld>
+    <p:spTree>
+      <p:nvGrpSpPr>
+        <p:cNvPr id="1" name=""/>
+        <p:cNvGrpSpPr/>
+        <p:nvPr/>
+      </p:nvGrpSpPr>
+      <p:grpSpPr>
+        <a:xfrm>
+          <a:off x="0" y="0"/>
+          <a:ext cx="0" cy="0"/>
+          <a:chOff x="0" y="0"/>
+          <a:chExt cx="0" cy="0"/>
+        </a:xfrm>
+      </p:grpSpPr>
+      <p:sp>
+        <p:nvSpPr>
+          <p:cNvPr id="4" name="Espaço Reservado para Rodapé 3">
+            <a:extLst>
+              <a:ext uri="{FF2B5EF4-FFF2-40B4-BE49-F238E27FC236}">
+                <a16:creationId xmlns:a16="http://schemas.microsoft.com/office/drawing/2014/main" id="{54F5475D-649B-3E4C-5260-41F6D53510A1}"/>
+              </a:ext>
+            </a:extLst>
+          </p:cNvPr>
+          <p:cNvSpPr>
+            <a:spLocks noGrp="1"/>
+          </p:cNvSpPr>
+          <p:nvPr>
+            <p:ph type="ftr" sz="quarter" idx="11"/>
+          </p:nvPr>
+        </p:nvSpPr>
+        <p:spPr>
+          <a:xfrm>
+            <a:off x="3684596" y="6455648"/>
+            <a:ext cx="4822804" cy="365125"/>
+          </a:xfrm>
+        </p:spPr>
+        <p:txBody>
+          <a:bodyPr/>
+          <a:lstStyle/>
+          <a:p>
+            <a:r>
+              <a:rPr lang="pt-BR"/>
+              <a:t>Aprendizado Profundo - 2023</a:t>
+            </a:r>
+            <a:endParaRPr lang="pt-BR" dirty="0"/>
+          </a:p>
+        </p:txBody>
+      </p:sp>
+      <p:pic>
+        <p:nvPicPr>
+          <p:cNvPr id="5" name="Imagem 4" descr="Janela de vidro&#10;&#10;Descrição gerada automaticamente com confiança média">
+            <a:extLst>
+              <a:ext uri="{FF2B5EF4-FFF2-40B4-BE49-F238E27FC236}">
+                <a16:creationId xmlns:a16="http://schemas.microsoft.com/office/drawing/2014/main" id="{8798A945-057A-0A71-EC62-BF030A111568}"/>
+              </a:ext>
+            </a:extLst>
+          </p:cNvPr>
+          <p:cNvPicPr>
+            <a:picLocks noChangeAspect="1"/>
+          </p:cNvPicPr>
+          <p:nvPr/>
+        </p:nvPicPr>
+        <p:blipFill>
+          <a:blip r:embed="rId2" cstate="print">
+            <a:extLst>
+              <a:ext uri="{28A0092B-C50C-407E-A947-70E740481C1C}">
+                <a14:useLocalDpi xmlns:a14="http://schemas.microsoft.com/office/drawing/2010/main" val="0"/>
+              </a:ext>
+            </a:extLst>
+          </a:blip>
+          <a:stretch>
+            <a:fillRect/>
+          </a:stretch>
+        </p:blipFill>
+        <p:spPr>
+          <a:xfrm>
+            <a:off x="118159" y="6470866"/>
+            <a:ext cx="373152" cy="332105"/>
+          </a:xfrm>
+          <a:prstGeom prst="rect">
+            <a:avLst/>
+          </a:prstGeom>
+        </p:spPr>
+      </p:pic>
+      <p:sp>
+        <p:nvSpPr>
+          <p:cNvPr id="6" name="Título 1">
+            <a:extLst>
+              <a:ext uri="{FF2B5EF4-FFF2-40B4-BE49-F238E27FC236}">
+                <a16:creationId xmlns:a16="http://schemas.microsoft.com/office/drawing/2014/main" id="{BEF6BD4E-7A40-F8C7-659F-21B3B72D8D2F}"/>
+              </a:ext>
+            </a:extLst>
+          </p:cNvPr>
+          <p:cNvSpPr>
+            <a:spLocks noGrp="1"/>
+          </p:cNvSpPr>
+          <p:nvPr>
+            <p:ph type="title"/>
+          </p:nvPr>
+        </p:nvSpPr>
+        <p:spPr>
+          <a:xfrm>
+            <a:off x="1097280" y="651850"/>
+            <a:ext cx="10058400" cy="696211"/>
+          </a:xfrm>
+        </p:spPr>
+        <p:txBody>
+          <a:bodyPr vert="horz" lIns="91440" tIns="45720" rIns="91440" bIns="45720" rtlCol="0" anchor="b">
+            <a:normAutofit/>
+          </a:bodyPr>
+          <a:lstStyle/>
+          <a:p>
+            <a:pPr marL="457200" indent="-457200">
+              <a:buFont typeface="Arial" panose="020B0604020202020204" pitchFamily="34" charset="0"/>
+              <a:buChar char="•"/>
+            </a:pPr>
+            <a:r>
+              <a:rPr lang="pt-BR" sz="2000" b="1" dirty="0">
+                <a:solidFill>
+                  <a:schemeClr val="tx1"/>
+                </a:solidFill>
+                <a:latin typeface="Arial" panose="020B0604020202020204" pitchFamily="34" charset="0"/>
+                <a:cs typeface="Arial" panose="020B0604020202020204" pitchFamily="34" charset="0"/>
+              </a:rPr>
+              <a:t>2. MODELOS</a:t>
+            </a:r>
+            <a:br>
+              <a:rPr lang="pt-BR" sz="2000" b="1" dirty="0">
+                <a:solidFill>
+                  <a:schemeClr val="tx1"/>
+                </a:solidFill>
+                <a:latin typeface="Arial" panose="020B0604020202020204" pitchFamily="34" charset="0"/>
+                <a:cs typeface="Arial" panose="020B0604020202020204" pitchFamily="34" charset="0"/>
+              </a:rPr>
+            </a:br>
+            <a:r>
+              <a:rPr lang="pt-BR" sz="2000" b="1" dirty="0">
+                <a:solidFill>
+                  <a:schemeClr val="tx1"/>
+                </a:solidFill>
+                <a:latin typeface="Arial" panose="020B0604020202020204" pitchFamily="34" charset="0"/>
+                <a:cs typeface="Arial" panose="020B0604020202020204" pitchFamily="34" charset="0"/>
+              </a:rPr>
+              <a:t>	</a:t>
+            </a:r>
+            <a:r>
+              <a:rPr lang="pt-BR" sz="1600" b="1" dirty="0">
+                <a:solidFill>
+                  <a:schemeClr val="tx1"/>
+                </a:solidFill>
+                <a:latin typeface="Arial" panose="020B0604020202020204" pitchFamily="34" charset="0"/>
+                <a:cs typeface="Arial" panose="020B0604020202020204" pitchFamily="34" charset="0"/>
+              </a:rPr>
+              <a:t>2.4. Ferramentas</a:t>
+            </a:r>
+          </a:p>
+        </p:txBody>
+      </p:sp>
+      <p:pic>
+        <p:nvPicPr>
+          <p:cNvPr id="1026" name="Picture 2">
+            <a:extLst>
+              <a:ext uri="{FF2B5EF4-FFF2-40B4-BE49-F238E27FC236}">
+                <a16:creationId xmlns:a16="http://schemas.microsoft.com/office/drawing/2014/main" id="{56807B8D-6A53-CE9F-9DEE-92C3E74B6EEA}"/>
+              </a:ext>
+            </a:extLst>
+          </p:cNvPr>
+          <p:cNvPicPr>
+            <a:picLocks noChangeAspect="1" noChangeArrowheads="1"/>
+          </p:cNvPicPr>
+          <p:nvPr/>
+        </p:nvPicPr>
+        <p:blipFill>
+          <a:blip r:embed="rId3">
+            <a:extLst>
+              <a:ext uri="{28A0092B-C50C-407E-A947-70E740481C1C}">
+                <a14:useLocalDpi xmlns:a14="http://schemas.microsoft.com/office/drawing/2010/main" val="0"/>
+              </a:ext>
+            </a:extLst>
+          </a:blip>
+          <a:srcRect/>
+          <a:stretch>
+            <a:fillRect/>
+          </a:stretch>
+        </p:blipFill>
+        <p:spPr bwMode="auto">
+          <a:xfrm>
+            <a:off x="1284631" y="2464254"/>
+            <a:ext cx="1468892" cy="2628544"/>
+          </a:xfrm>
+          <a:prstGeom prst="rect">
+            <a:avLst/>
+          </a:prstGeom>
+          <a:noFill/>
+          <a:extLst>
+            <a:ext uri="{909E8E84-426E-40DD-AFC4-6F175D3DCCD1}">
+              <a14:hiddenFill xmlns:a14="http://schemas.microsoft.com/office/drawing/2010/main">
+                <a:solidFill>
+                  <a:srgbClr val="FFFFFF"/>
+                </a:solidFill>
+              </a14:hiddenFill>
+            </a:ext>
+          </a:extLst>
+        </p:spPr>
+      </p:pic>
+      <p:sp>
+        <p:nvSpPr>
+          <p:cNvPr id="2" name="CaixaDeTexto 1">
+            <a:extLst>
+              <a:ext uri="{FF2B5EF4-FFF2-40B4-BE49-F238E27FC236}">
+                <a16:creationId xmlns:a16="http://schemas.microsoft.com/office/drawing/2014/main" id="{0E143997-450B-0366-58DB-096063E7B993}"/>
+              </a:ext>
+            </a:extLst>
+          </p:cNvPr>
+          <p:cNvSpPr txBox="1"/>
+          <p:nvPr/>
+        </p:nvSpPr>
+        <p:spPr>
+          <a:xfrm>
+            <a:off x="3233057" y="2024743"/>
+            <a:ext cx="7922623" cy="3970318"/>
+          </a:xfrm>
+          <a:prstGeom prst="rect">
+            <a:avLst/>
+          </a:prstGeom>
+          <a:noFill/>
+        </p:spPr>
+        <p:txBody>
+          <a:bodyPr wrap="square" rtlCol="0">
+            <a:spAutoFit/>
+          </a:bodyPr>
+          <a:lstStyle/>
+          <a:p>
+            <a:pPr algn="l"/>
+            <a:r>
+              <a:rPr lang="pt-BR" b="0" i="0" dirty="0">
+                <a:solidFill>
+                  <a:srgbClr val="111111"/>
+                </a:solidFill>
+                <a:effectLst/>
+                <a:latin typeface="-apple-system"/>
+              </a:rPr>
+              <a:t>O pacote </a:t>
+            </a:r>
+            <a:r>
+              <a:rPr lang="pt-BR" b="1" i="0" dirty="0" err="1">
+                <a:solidFill>
+                  <a:srgbClr val="111111"/>
+                </a:solidFill>
+                <a:effectLst/>
+                <a:latin typeface="-apple-system"/>
+              </a:rPr>
+              <a:t>Snorkel</a:t>
+            </a:r>
+            <a:r>
+              <a:rPr lang="pt-BR" b="0" i="0" dirty="0">
+                <a:solidFill>
+                  <a:srgbClr val="111111"/>
+                </a:solidFill>
+                <a:effectLst/>
+                <a:latin typeface="-apple-system"/>
+              </a:rPr>
+              <a:t> é uma biblioteca Python que permite a rápida de dados de treinamento com supervisão fraca, que são dados rotulados por heurísticas fracas em vez de rótulos precisos. Aqui estão algumas das principais funcionalidades do pacote </a:t>
+            </a:r>
+            <a:r>
+              <a:rPr lang="pt-BR" b="0" i="0" dirty="0" err="1">
+                <a:solidFill>
+                  <a:srgbClr val="111111"/>
+                </a:solidFill>
+                <a:effectLst/>
+                <a:latin typeface="-apple-system"/>
+              </a:rPr>
+              <a:t>Snorkel</a:t>
+            </a:r>
+            <a:r>
+              <a:rPr lang="pt-BR" b="0" i="0" dirty="0">
+                <a:solidFill>
+                  <a:srgbClr val="111111"/>
+                </a:solidFill>
+                <a:effectLst/>
+                <a:latin typeface="-apple-system"/>
+              </a:rPr>
+              <a:t>:</a:t>
+            </a:r>
+          </a:p>
+          <a:p>
+            <a:pPr algn="l"/>
+            <a:endParaRPr lang="pt-BR" b="0" i="0" dirty="0">
+              <a:solidFill>
+                <a:srgbClr val="111111"/>
+              </a:solidFill>
+              <a:effectLst/>
+              <a:latin typeface="-apple-system"/>
+            </a:endParaRPr>
+          </a:p>
+          <a:p>
+            <a:pPr algn="l">
+              <a:buFont typeface="Arial" panose="020B0604020202020204" pitchFamily="34" charset="0"/>
+              <a:buChar char="•"/>
+            </a:pPr>
+            <a:r>
+              <a:rPr lang="pt-BR" b="0" i="0" dirty="0">
+                <a:solidFill>
+                  <a:srgbClr val="111111"/>
+                </a:solidFill>
+                <a:effectLst/>
+                <a:latin typeface="-apple-system"/>
+              </a:rPr>
+              <a:t>O </a:t>
+            </a:r>
+            <a:r>
+              <a:rPr lang="pt-BR" b="0" i="0" dirty="0" err="1">
+                <a:solidFill>
+                  <a:srgbClr val="111111"/>
+                </a:solidFill>
+                <a:effectLst/>
+                <a:latin typeface="-apple-system"/>
+              </a:rPr>
+              <a:t>Snorkel</a:t>
+            </a:r>
+            <a:r>
+              <a:rPr lang="pt-BR" b="0" i="0" dirty="0">
+                <a:solidFill>
+                  <a:srgbClr val="111111"/>
+                </a:solidFill>
+                <a:effectLst/>
+                <a:latin typeface="-apple-system"/>
+              </a:rPr>
+              <a:t> permite a criação de funções de rotulagem personalizadas para dados não rotulados.</a:t>
+            </a:r>
+          </a:p>
+          <a:p>
+            <a:pPr algn="l">
+              <a:buFont typeface="Arial" panose="020B0604020202020204" pitchFamily="34" charset="0"/>
+              <a:buChar char="•"/>
+            </a:pPr>
+            <a:r>
+              <a:rPr lang="pt-BR" b="0" i="0" dirty="0">
+                <a:solidFill>
+                  <a:srgbClr val="111111"/>
+                </a:solidFill>
+                <a:effectLst/>
+                <a:latin typeface="-apple-system"/>
+              </a:rPr>
+              <a:t>O </a:t>
+            </a:r>
+            <a:r>
+              <a:rPr lang="pt-BR" b="0" i="0" dirty="0" err="1">
+                <a:solidFill>
+                  <a:srgbClr val="111111"/>
+                </a:solidFill>
+                <a:effectLst/>
+                <a:latin typeface="-apple-system"/>
+              </a:rPr>
+              <a:t>Snorkel</a:t>
+            </a:r>
+            <a:r>
+              <a:rPr lang="pt-BR" b="0" i="0" dirty="0">
+                <a:solidFill>
+                  <a:srgbClr val="111111"/>
+                </a:solidFill>
+                <a:effectLst/>
+                <a:latin typeface="-apple-system"/>
+              </a:rPr>
+              <a:t> pode ser usado para criar conjuntos de dados de treinamento com supervisão fraca para tarefas como classificação, agrupamento e detecção de anomalias.</a:t>
+            </a:r>
+          </a:p>
+          <a:p>
+            <a:pPr algn="l">
+              <a:buFont typeface="Arial" panose="020B0604020202020204" pitchFamily="34" charset="0"/>
+              <a:buChar char="•"/>
+            </a:pPr>
+            <a:r>
+              <a:rPr lang="pt-BR" b="0" i="0" dirty="0">
+                <a:solidFill>
+                  <a:srgbClr val="111111"/>
+                </a:solidFill>
+                <a:effectLst/>
+                <a:latin typeface="-apple-system"/>
+              </a:rPr>
+              <a:t>O </a:t>
+            </a:r>
+            <a:r>
+              <a:rPr lang="pt-BR" b="0" i="0" dirty="0" err="1">
+                <a:solidFill>
+                  <a:srgbClr val="111111"/>
+                </a:solidFill>
+                <a:effectLst/>
+                <a:latin typeface="-apple-system"/>
+              </a:rPr>
+              <a:t>Snorkel</a:t>
+            </a:r>
+            <a:r>
+              <a:rPr lang="pt-BR" b="0" i="0" dirty="0">
+                <a:solidFill>
+                  <a:srgbClr val="111111"/>
+                </a:solidFill>
+                <a:effectLst/>
+                <a:latin typeface="-apple-system"/>
+              </a:rPr>
+              <a:t> pode ser usado para gerar dados sintéticos para treinamento de modelos.</a:t>
+            </a:r>
+          </a:p>
+          <a:p>
+            <a:pPr algn="l">
+              <a:buFont typeface="Arial" panose="020B0604020202020204" pitchFamily="34" charset="0"/>
+              <a:buChar char="•"/>
+            </a:pPr>
+            <a:r>
+              <a:rPr lang="pt-BR" b="0" i="0" dirty="0">
+                <a:solidFill>
+                  <a:srgbClr val="111111"/>
+                </a:solidFill>
+                <a:effectLst/>
+                <a:latin typeface="-apple-system"/>
+              </a:rPr>
+              <a:t>O </a:t>
+            </a:r>
+            <a:r>
+              <a:rPr lang="pt-BR" b="0" i="0" dirty="0" err="1">
+                <a:solidFill>
+                  <a:srgbClr val="111111"/>
+                </a:solidFill>
+                <a:effectLst/>
+                <a:latin typeface="-apple-system"/>
+              </a:rPr>
+              <a:t>Snorkel</a:t>
+            </a:r>
+            <a:r>
+              <a:rPr lang="pt-BR" b="0" i="0" dirty="0">
+                <a:solidFill>
+                  <a:srgbClr val="111111"/>
+                </a:solidFill>
+                <a:effectLst/>
+                <a:latin typeface="-apple-system"/>
+              </a:rPr>
+              <a:t> pode ser usado para criar pipelines de aprendizado de máquina personalizados.</a:t>
+            </a:r>
+          </a:p>
+        </p:txBody>
+      </p:sp>
+    </p:spTree>
+    <p:extLst>
+      <p:ext uri="{BB962C8B-B14F-4D97-AF65-F5344CB8AC3E}">
+        <p14:creationId xmlns:p14="http://schemas.microsoft.com/office/powerpoint/2010/main" val="4117352608"/>
+      </p:ext>
+    </p:extLst>
+  </p:cSld>
+  <p:clrMapOvr>
+    <a:masterClrMapping/>
+  </p:clrMapOvr>
+</p:sld>
+</file>
+
+<file path=ppt/slides/slide11.xml><?xml version="1.0" encoding="utf-8"?>
+<p:sld xmlns:a="http://schemas.openxmlformats.org/drawingml/2006/main" xmlns:r="http://schemas.openxmlformats.org/officeDocument/2006/relationships" xmlns:p="http://schemas.openxmlformats.org/presentationml/2006/main">
+  <p:cSld>
+    <p:spTree>
+      <p:nvGrpSpPr>
+        <p:cNvPr id="1" name=""/>
+        <p:cNvGrpSpPr/>
+        <p:nvPr/>
+      </p:nvGrpSpPr>
+      <p:grpSpPr>
+        <a:xfrm>
+          <a:off x="0" y="0"/>
+          <a:ext cx="0" cy="0"/>
+          <a:chOff x="0" y="0"/>
+          <a:chExt cx="0" cy="0"/>
+        </a:xfrm>
+      </p:grpSpPr>
+      <p:sp>
+        <p:nvSpPr>
+          <p:cNvPr id="4" name="Espaço Reservado para Rodapé 3">
+            <a:extLst>
+              <a:ext uri="{FF2B5EF4-FFF2-40B4-BE49-F238E27FC236}">
+                <a16:creationId xmlns:a16="http://schemas.microsoft.com/office/drawing/2014/main" id="{54F5475D-649B-3E4C-5260-41F6D53510A1}"/>
+              </a:ext>
+            </a:extLst>
+          </p:cNvPr>
+          <p:cNvSpPr>
+            <a:spLocks noGrp="1"/>
+          </p:cNvSpPr>
+          <p:nvPr>
+            <p:ph type="ftr" sz="quarter" idx="11"/>
+          </p:nvPr>
+        </p:nvSpPr>
+        <p:spPr>
+          <a:xfrm>
+            <a:off x="3684596" y="6455648"/>
+            <a:ext cx="4822804" cy="365125"/>
+          </a:xfrm>
+        </p:spPr>
+        <p:txBody>
+          <a:bodyPr/>
+          <a:lstStyle/>
+          <a:p>
+            <a:r>
+              <a:rPr lang="pt-BR" dirty="0"/>
+              <a:t>Aprendizado Profundo - 2023</a:t>
+            </a:r>
+          </a:p>
+        </p:txBody>
+      </p:sp>
+      <p:pic>
+        <p:nvPicPr>
+          <p:cNvPr id="5" name="Imagem 4" descr="Janela de vidro&#10;&#10;Descrição gerada automaticamente com confiança média">
+            <a:extLst>
+              <a:ext uri="{FF2B5EF4-FFF2-40B4-BE49-F238E27FC236}">
+                <a16:creationId xmlns:a16="http://schemas.microsoft.com/office/drawing/2014/main" id="{8798A945-057A-0A71-EC62-BF030A111568}"/>
+              </a:ext>
+            </a:extLst>
+          </p:cNvPr>
+          <p:cNvPicPr>
+            <a:picLocks noChangeAspect="1"/>
+          </p:cNvPicPr>
+          <p:nvPr/>
+        </p:nvPicPr>
+        <p:blipFill>
+          <a:blip r:embed="rId2" cstate="print">
+            <a:extLst>
+              <a:ext uri="{28A0092B-C50C-407E-A947-70E740481C1C}">
+                <a14:useLocalDpi xmlns:a14="http://schemas.microsoft.com/office/drawing/2010/main" val="0"/>
+              </a:ext>
+            </a:extLst>
+          </a:blip>
+          <a:stretch>
+            <a:fillRect/>
+          </a:stretch>
+        </p:blipFill>
+        <p:spPr>
+          <a:xfrm>
+            <a:off x="118159" y="6470866"/>
+            <a:ext cx="373152" cy="332105"/>
+          </a:xfrm>
+          <a:prstGeom prst="rect">
+            <a:avLst/>
+          </a:prstGeom>
+        </p:spPr>
+      </p:pic>
+      <p:sp>
+        <p:nvSpPr>
+          <p:cNvPr id="6" name="Título 1">
+            <a:extLst>
+              <a:ext uri="{FF2B5EF4-FFF2-40B4-BE49-F238E27FC236}">
+                <a16:creationId xmlns:a16="http://schemas.microsoft.com/office/drawing/2014/main" id="{BEF6BD4E-7A40-F8C7-659F-21B3B72D8D2F}"/>
+              </a:ext>
+            </a:extLst>
+          </p:cNvPr>
+          <p:cNvSpPr>
+            <a:spLocks noGrp="1"/>
+          </p:cNvSpPr>
+          <p:nvPr>
+            <p:ph type="title"/>
+          </p:nvPr>
+        </p:nvSpPr>
+        <p:spPr>
+          <a:xfrm>
+            <a:off x="1097280" y="651850"/>
+            <a:ext cx="10058400" cy="696211"/>
+          </a:xfrm>
+        </p:spPr>
+        <p:txBody>
+          <a:bodyPr vert="horz" lIns="91440" tIns="45720" rIns="91440" bIns="45720" rtlCol="0" anchor="b">
+            <a:normAutofit/>
+          </a:bodyPr>
+          <a:lstStyle/>
+          <a:p>
+            <a:pPr marL="457200" indent="-457200">
+              <a:buFont typeface="Arial" panose="020B0604020202020204" pitchFamily="34" charset="0"/>
+              <a:buChar char="•"/>
+            </a:pPr>
+            <a:r>
+              <a:rPr lang="pt-BR" sz="2000" b="1" dirty="0">
+                <a:solidFill>
+                  <a:schemeClr val="tx1"/>
+                </a:solidFill>
+                <a:latin typeface="Arial" panose="020B0604020202020204" pitchFamily="34" charset="0"/>
+                <a:cs typeface="Arial" panose="020B0604020202020204" pitchFamily="34" charset="0"/>
+              </a:rPr>
+              <a:t>2. MODELOS</a:t>
+            </a:r>
+            <a:br>
+              <a:rPr lang="pt-BR" sz="2000" b="1" dirty="0">
+                <a:solidFill>
+                  <a:schemeClr val="tx1"/>
+                </a:solidFill>
+                <a:latin typeface="Arial" panose="020B0604020202020204" pitchFamily="34" charset="0"/>
+                <a:cs typeface="Arial" panose="020B0604020202020204" pitchFamily="34" charset="0"/>
+              </a:rPr>
+            </a:br>
+            <a:r>
+              <a:rPr lang="pt-BR" sz="2000" b="1" dirty="0">
+                <a:solidFill>
+                  <a:schemeClr val="tx1"/>
+                </a:solidFill>
+                <a:latin typeface="Arial" panose="020B0604020202020204" pitchFamily="34" charset="0"/>
+                <a:cs typeface="Arial" panose="020B0604020202020204" pitchFamily="34" charset="0"/>
+              </a:rPr>
+              <a:t>	</a:t>
+            </a:r>
+            <a:r>
+              <a:rPr lang="pt-BR" sz="1600" b="1" dirty="0">
+                <a:solidFill>
+                  <a:schemeClr val="tx1"/>
+                </a:solidFill>
+                <a:latin typeface="Arial" panose="020B0604020202020204" pitchFamily="34" charset="0"/>
+                <a:cs typeface="Arial" panose="020B0604020202020204" pitchFamily="34" charset="0"/>
+              </a:rPr>
+              <a:t>2.4. Ferramentas</a:t>
+            </a:r>
+          </a:p>
+        </p:txBody>
+      </p:sp>
+      <p:sp>
+        <p:nvSpPr>
+          <p:cNvPr id="2" name="CaixaDeTexto 1">
+            <a:extLst>
+              <a:ext uri="{FF2B5EF4-FFF2-40B4-BE49-F238E27FC236}">
+                <a16:creationId xmlns:a16="http://schemas.microsoft.com/office/drawing/2014/main" id="{0E143997-450B-0366-58DB-096063E7B993}"/>
+              </a:ext>
+            </a:extLst>
+          </p:cNvPr>
+          <p:cNvSpPr txBox="1"/>
+          <p:nvPr/>
+        </p:nvSpPr>
+        <p:spPr>
+          <a:xfrm>
+            <a:off x="3233057" y="2024743"/>
+            <a:ext cx="7922623" cy="3416320"/>
+          </a:xfrm>
+          <a:prstGeom prst="rect">
+            <a:avLst/>
+          </a:prstGeom>
+          <a:noFill/>
+        </p:spPr>
+        <p:txBody>
+          <a:bodyPr wrap="square" rtlCol="0">
+            <a:spAutoFit/>
+          </a:bodyPr>
+          <a:lstStyle/>
+          <a:p>
+            <a:pPr algn="l"/>
+            <a:r>
+              <a:rPr lang="pt-BR" b="0" i="0" dirty="0">
+                <a:solidFill>
+                  <a:srgbClr val="111111"/>
+                </a:solidFill>
+                <a:effectLst/>
+                <a:latin typeface="-apple-system"/>
+              </a:rPr>
+              <a:t>O </a:t>
+            </a:r>
+            <a:r>
+              <a:rPr lang="pt-BR" b="1" i="0" dirty="0" err="1">
+                <a:solidFill>
+                  <a:srgbClr val="111111"/>
+                </a:solidFill>
+                <a:effectLst/>
+                <a:latin typeface="-apple-system"/>
+              </a:rPr>
+              <a:t>spaCy</a:t>
+            </a:r>
+            <a:r>
+              <a:rPr lang="pt-BR" b="0" i="0" dirty="0">
+                <a:solidFill>
+                  <a:srgbClr val="111111"/>
+                </a:solidFill>
+                <a:effectLst/>
+                <a:latin typeface="-apple-system"/>
+              </a:rPr>
+              <a:t> é uma biblioteca Python para processamento de linguagem natural (NLP) que oferece recursos avançados de processamento de texto. Aqui estão algumas das principais funcionalidades do pacote </a:t>
+            </a:r>
+            <a:r>
+              <a:rPr lang="pt-BR" b="0" i="0" dirty="0" err="1">
+                <a:solidFill>
+                  <a:srgbClr val="111111"/>
+                </a:solidFill>
+                <a:effectLst/>
+                <a:latin typeface="-apple-system"/>
+              </a:rPr>
+              <a:t>spaCy</a:t>
+            </a:r>
+            <a:r>
+              <a:rPr lang="pt-BR" b="0" i="0" dirty="0">
+                <a:solidFill>
+                  <a:srgbClr val="111111"/>
+                </a:solidFill>
+                <a:effectLst/>
+                <a:latin typeface="-apple-system"/>
+              </a:rPr>
+              <a:t>:</a:t>
+            </a:r>
+          </a:p>
+          <a:p>
+            <a:pPr algn="l">
+              <a:buFont typeface="Arial" panose="020B0604020202020204" pitchFamily="34" charset="0"/>
+              <a:buChar char="•"/>
+            </a:pPr>
+            <a:r>
+              <a:rPr lang="pt-BR" b="0" i="0" dirty="0">
+                <a:solidFill>
+                  <a:srgbClr val="111111"/>
+                </a:solidFill>
+                <a:effectLst/>
+                <a:latin typeface="-apple-system"/>
+              </a:rPr>
+              <a:t>O </a:t>
+            </a:r>
+            <a:r>
+              <a:rPr lang="pt-BR" b="0" i="0" dirty="0" err="1">
+                <a:solidFill>
+                  <a:srgbClr val="111111"/>
+                </a:solidFill>
+                <a:effectLst/>
+                <a:latin typeface="-apple-system"/>
+              </a:rPr>
+              <a:t>spaCy</a:t>
+            </a:r>
+            <a:r>
+              <a:rPr lang="pt-BR" b="0" i="0" dirty="0">
+                <a:solidFill>
+                  <a:srgbClr val="111111"/>
+                </a:solidFill>
+                <a:effectLst/>
+                <a:latin typeface="-apple-system"/>
+              </a:rPr>
+              <a:t> é uma biblioteca de NLP industrial, projetada para ser usada em produtos reais.</a:t>
+            </a:r>
+          </a:p>
+          <a:p>
+            <a:pPr algn="l">
+              <a:buFont typeface="Arial" panose="020B0604020202020204" pitchFamily="34" charset="0"/>
+              <a:buChar char="•"/>
+            </a:pPr>
+            <a:r>
+              <a:rPr lang="pt-BR" b="0" i="0" dirty="0">
+                <a:solidFill>
+                  <a:srgbClr val="111111"/>
+                </a:solidFill>
+                <a:effectLst/>
+                <a:latin typeface="-apple-system"/>
+              </a:rPr>
+              <a:t>O </a:t>
+            </a:r>
+            <a:r>
+              <a:rPr lang="pt-BR" b="0" i="0" dirty="0" err="1">
+                <a:solidFill>
+                  <a:srgbClr val="111111"/>
+                </a:solidFill>
+                <a:effectLst/>
+                <a:latin typeface="-apple-system"/>
+              </a:rPr>
+              <a:t>spaCy</a:t>
+            </a:r>
+            <a:r>
+              <a:rPr lang="pt-BR" b="0" i="0" dirty="0">
+                <a:solidFill>
+                  <a:srgbClr val="111111"/>
+                </a:solidFill>
+                <a:effectLst/>
+                <a:latin typeface="-apple-system"/>
+              </a:rPr>
+              <a:t> oferece pipelines </a:t>
+            </a:r>
+            <a:r>
+              <a:rPr lang="pt-BR" b="0" i="0" dirty="0" err="1">
+                <a:solidFill>
+                  <a:srgbClr val="111111"/>
+                </a:solidFill>
+                <a:effectLst/>
+                <a:latin typeface="-apple-system"/>
+              </a:rPr>
+              <a:t>pré</a:t>
+            </a:r>
+            <a:r>
+              <a:rPr lang="pt-BR" b="0" i="0" dirty="0">
+                <a:solidFill>
+                  <a:srgbClr val="111111"/>
+                </a:solidFill>
+                <a:effectLst/>
+                <a:latin typeface="-apple-system"/>
+              </a:rPr>
+              <a:t>-treinados e suporta atualmente a </a:t>
+            </a:r>
+            <a:r>
+              <a:rPr lang="pt-BR" b="0" i="0" dirty="0" err="1">
+                <a:solidFill>
+                  <a:srgbClr val="111111"/>
+                </a:solidFill>
+                <a:effectLst/>
+                <a:latin typeface="-apple-system"/>
+              </a:rPr>
+              <a:t>tokenização</a:t>
+            </a:r>
+            <a:r>
+              <a:rPr lang="pt-BR" b="0" i="0" dirty="0">
+                <a:solidFill>
+                  <a:srgbClr val="111111"/>
+                </a:solidFill>
+                <a:effectLst/>
+                <a:latin typeface="-apple-system"/>
+              </a:rPr>
+              <a:t> e treinamento para mais de </a:t>
+            </a:r>
+            <a:r>
+              <a:rPr lang="pt-BR" b="1" i="0" dirty="0">
+                <a:solidFill>
+                  <a:srgbClr val="111111"/>
+                </a:solidFill>
+                <a:effectLst/>
+                <a:latin typeface="-apple-system"/>
+              </a:rPr>
+              <a:t>70 idiomas</a:t>
+            </a:r>
+            <a:r>
+              <a:rPr lang="pt-BR" b="0" i="0" dirty="0">
+                <a:solidFill>
+                  <a:srgbClr val="111111"/>
+                </a:solidFill>
+                <a:effectLst/>
+                <a:latin typeface="-apple-system"/>
+              </a:rPr>
+              <a:t>.</a:t>
+            </a:r>
+          </a:p>
+          <a:p>
+            <a:pPr algn="l">
+              <a:buFont typeface="Arial" panose="020B0604020202020204" pitchFamily="34" charset="0"/>
+              <a:buChar char="•"/>
+            </a:pPr>
+            <a:r>
+              <a:rPr lang="pt-BR" b="0" i="0" dirty="0">
+                <a:solidFill>
+                  <a:srgbClr val="111111"/>
+                </a:solidFill>
+                <a:effectLst/>
+                <a:latin typeface="-apple-system"/>
+              </a:rPr>
+              <a:t>O </a:t>
+            </a:r>
+            <a:r>
+              <a:rPr lang="pt-BR" b="0" i="0" dirty="0" err="1">
+                <a:solidFill>
+                  <a:srgbClr val="111111"/>
+                </a:solidFill>
+                <a:effectLst/>
+                <a:latin typeface="-apple-system"/>
+              </a:rPr>
+              <a:t>spaCy</a:t>
+            </a:r>
+            <a:r>
+              <a:rPr lang="pt-BR" b="0" i="0" dirty="0">
+                <a:solidFill>
+                  <a:srgbClr val="111111"/>
+                </a:solidFill>
+                <a:effectLst/>
+                <a:latin typeface="-apple-system"/>
+              </a:rPr>
+              <a:t> oferece modelos de rede neural de última geração para marcação, análise sintática, reconhecimento de entidades nomeadas, classificação de texto e muito mais.</a:t>
+            </a:r>
+          </a:p>
+          <a:p>
+            <a:pPr algn="l">
+              <a:buFont typeface="Arial" panose="020B0604020202020204" pitchFamily="34" charset="0"/>
+              <a:buChar char="•"/>
+            </a:pPr>
+            <a:r>
+              <a:rPr lang="pt-BR" b="0" i="0" dirty="0">
+                <a:solidFill>
+                  <a:srgbClr val="111111"/>
+                </a:solidFill>
+                <a:effectLst/>
+                <a:latin typeface="-apple-system"/>
+              </a:rPr>
+              <a:t>O </a:t>
+            </a:r>
+            <a:r>
+              <a:rPr lang="pt-BR" b="0" i="0" dirty="0" err="1">
+                <a:solidFill>
+                  <a:srgbClr val="111111"/>
+                </a:solidFill>
+                <a:effectLst/>
+                <a:latin typeface="-apple-system"/>
+              </a:rPr>
+              <a:t>spaCy</a:t>
+            </a:r>
+            <a:r>
+              <a:rPr lang="pt-BR" b="0" i="0" dirty="0">
+                <a:solidFill>
+                  <a:srgbClr val="111111"/>
+                </a:solidFill>
+                <a:effectLst/>
+                <a:latin typeface="-apple-system"/>
+              </a:rPr>
+              <a:t> é altamente otimizado para desempenho e escalabilidade.</a:t>
+            </a:r>
+          </a:p>
+          <a:p>
+            <a:pPr algn="l">
+              <a:buFont typeface="Arial" panose="020B0604020202020204" pitchFamily="34" charset="0"/>
+              <a:buChar char="•"/>
+            </a:pPr>
+            <a:r>
+              <a:rPr lang="pt-BR" b="0" i="0" dirty="0">
+                <a:solidFill>
+                  <a:srgbClr val="111111"/>
+                </a:solidFill>
+                <a:effectLst/>
+                <a:latin typeface="-apple-system"/>
+              </a:rPr>
+              <a:t>O </a:t>
+            </a:r>
+            <a:r>
+              <a:rPr lang="pt-BR" b="0" i="0" dirty="0" err="1">
+                <a:solidFill>
+                  <a:srgbClr val="111111"/>
+                </a:solidFill>
+                <a:effectLst/>
+                <a:latin typeface="-apple-system"/>
+              </a:rPr>
+              <a:t>spaCy</a:t>
+            </a:r>
+            <a:r>
+              <a:rPr lang="pt-BR" b="0" i="0" dirty="0">
+                <a:solidFill>
+                  <a:srgbClr val="111111"/>
+                </a:solidFill>
+                <a:effectLst/>
+                <a:latin typeface="-apple-system"/>
+              </a:rPr>
+              <a:t> é fácil de usar e oferece uma API intuitiva.</a:t>
+            </a:r>
+          </a:p>
+        </p:txBody>
+      </p:sp>
+      <p:pic>
+        <p:nvPicPr>
+          <p:cNvPr id="8" name="Picture 4" descr="spacy · GitHub Topics · GitHub">
+            <a:extLst>
+              <a:ext uri="{FF2B5EF4-FFF2-40B4-BE49-F238E27FC236}">
+                <a16:creationId xmlns:a16="http://schemas.microsoft.com/office/drawing/2014/main" id="{4C230911-6096-C841-2C3E-8F60139AC395}"/>
+              </a:ext>
+            </a:extLst>
+          </p:cNvPr>
+          <p:cNvPicPr>
+            <a:picLocks noChangeAspect="1" noChangeArrowheads="1"/>
+          </p:cNvPicPr>
+          <p:nvPr/>
+        </p:nvPicPr>
+        <p:blipFill>
+          <a:blip r:embed="rId3">
+            <a:extLst>
+              <a:ext uri="{28A0092B-C50C-407E-A947-70E740481C1C}">
+                <a14:useLocalDpi xmlns:a14="http://schemas.microsoft.com/office/drawing/2010/main" val="0"/>
+              </a:ext>
+            </a:extLst>
+          </a:blip>
+          <a:srcRect/>
+          <a:stretch>
+            <a:fillRect/>
+          </a:stretch>
+        </p:blipFill>
+        <p:spPr bwMode="auto">
+          <a:xfrm>
+            <a:off x="1036320" y="2822406"/>
+            <a:ext cx="2131423" cy="2131423"/>
+          </a:xfrm>
+          <a:prstGeom prst="rect">
+            <a:avLst/>
+          </a:prstGeom>
+          <a:noFill/>
+          <a:extLst>
+            <a:ext uri="{909E8E84-426E-40DD-AFC4-6F175D3DCCD1}">
+              <a14:hiddenFill xmlns:a14="http://schemas.microsoft.com/office/drawing/2010/main">
+                <a:solidFill>
+                  <a:srgbClr val="FFFFFF"/>
+                </a:solidFill>
+              </a14:hiddenFill>
+            </a:ext>
+          </a:extLst>
+        </p:spPr>
+      </p:pic>
+    </p:spTree>
+    <p:extLst>
+      <p:ext uri="{BB962C8B-B14F-4D97-AF65-F5344CB8AC3E}">
+        <p14:creationId xmlns:p14="http://schemas.microsoft.com/office/powerpoint/2010/main" val="2127442542"/>
+      </p:ext>
+    </p:extLst>
+  </p:cSld>
+  <p:clrMapOvr>
+    <a:masterClrMapping/>
+  </p:clrMapOvr>
+</p:sld>
+</file>
+
+<file path=ppt/slides/slide12.xml><?xml version="1.0" encoding="utf-8"?>
+<p:sld xmlns:a="http://schemas.openxmlformats.org/drawingml/2006/main" xmlns:r="http://schemas.openxmlformats.org/officeDocument/2006/relationships" xmlns:p="http://schemas.openxmlformats.org/presentationml/2006/main">
+  <p:cSld>
+    <p:spTree>
+      <p:nvGrpSpPr>
+        <p:cNvPr id="1" name=""/>
+        <p:cNvGrpSpPr/>
+        <p:nvPr/>
+      </p:nvGrpSpPr>
+      <p:grpSpPr>
+        <a:xfrm>
+          <a:off x="0" y="0"/>
+          <a:ext cx="0" cy="0"/>
+          <a:chOff x="0" y="0"/>
+          <a:chExt cx="0" cy="0"/>
+        </a:xfrm>
+      </p:grpSpPr>
+      <p:sp>
+        <p:nvSpPr>
+          <p:cNvPr id="4" name="Espaço Reservado para Rodapé 3">
+            <a:extLst>
+              <a:ext uri="{FF2B5EF4-FFF2-40B4-BE49-F238E27FC236}">
+                <a16:creationId xmlns:a16="http://schemas.microsoft.com/office/drawing/2014/main" id="{54F5475D-649B-3E4C-5260-41F6D53510A1}"/>
+              </a:ext>
+            </a:extLst>
+          </p:cNvPr>
+          <p:cNvSpPr>
+            <a:spLocks noGrp="1"/>
+          </p:cNvSpPr>
+          <p:nvPr>
+            <p:ph type="ftr" sz="quarter" idx="11"/>
+          </p:nvPr>
+        </p:nvSpPr>
+        <p:spPr>
+          <a:xfrm>
+            <a:off x="3684596" y="6455648"/>
+            <a:ext cx="4822804" cy="365125"/>
+          </a:xfrm>
+        </p:spPr>
+        <p:txBody>
+          <a:bodyPr/>
+          <a:lstStyle/>
+          <a:p>
+            <a:r>
+              <a:rPr lang="pt-BR" dirty="0"/>
+              <a:t>Aprendizado Profundo - 2023</a:t>
+            </a:r>
+          </a:p>
+        </p:txBody>
+      </p:sp>
+      <p:pic>
+        <p:nvPicPr>
+          <p:cNvPr id="5" name="Imagem 4" descr="Janela de vidro&#10;&#10;Descrição gerada automaticamente com confiança média">
+            <a:extLst>
+              <a:ext uri="{FF2B5EF4-FFF2-40B4-BE49-F238E27FC236}">
+                <a16:creationId xmlns:a16="http://schemas.microsoft.com/office/drawing/2014/main" id="{8798A945-057A-0A71-EC62-BF030A111568}"/>
+              </a:ext>
+            </a:extLst>
+          </p:cNvPr>
+          <p:cNvPicPr>
+            <a:picLocks noChangeAspect="1"/>
+          </p:cNvPicPr>
+          <p:nvPr/>
+        </p:nvPicPr>
+        <p:blipFill>
+          <a:blip r:embed="rId2" cstate="print">
+            <a:extLst>
+              <a:ext uri="{28A0092B-C50C-407E-A947-70E740481C1C}">
+                <a14:useLocalDpi xmlns:a14="http://schemas.microsoft.com/office/drawing/2010/main" val="0"/>
+              </a:ext>
+            </a:extLst>
+          </a:blip>
+          <a:stretch>
+            <a:fillRect/>
+          </a:stretch>
+        </p:blipFill>
+        <p:spPr>
+          <a:xfrm>
+            <a:off x="118159" y="6470866"/>
+            <a:ext cx="373152" cy="332105"/>
+          </a:xfrm>
+          <a:prstGeom prst="rect">
+            <a:avLst/>
+          </a:prstGeom>
+        </p:spPr>
+      </p:pic>
+      <p:sp>
+        <p:nvSpPr>
+          <p:cNvPr id="6" name="Título 1">
+            <a:extLst>
+              <a:ext uri="{FF2B5EF4-FFF2-40B4-BE49-F238E27FC236}">
+                <a16:creationId xmlns:a16="http://schemas.microsoft.com/office/drawing/2014/main" id="{BEF6BD4E-7A40-F8C7-659F-21B3B72D8D2F}"/>
+              </a:ext>
+            </a:extLst>
+          </p:cNvPr>
+          <p:cNvSpPr>
+            <a:spLocks noGrp="1"/>
+          </p:cNvSpPr>
+          <p:nvPr>
+            <p:ph type="title"/>
+          </p:nvPr>
+        </p:nvSpPr>
+        <p:spPr>
+          <a:xfrm>
+            <a:off x="1097280" y="651850"/>
+            <a:ext cx="10058400" cy="696211"/>
+          </a:xfrm>
+        </p:spPr>
+        <p:txBody>
+          <a:bodyPr vert="horz" lIns="91440" tIns="45720" rIns="91440" bIns="45720" rtlCol="0" anchor="b">
+            <a:normAutofit/>
+          </a:bodyPr>
+          <a:lstStyle/>
+          <a:p>
+            <a:pPr marL="457200" indent="-457200">
+              <a:buFont typeface="Arial" panose="020B0604020202020204" pitchFamily="34" charset="0"/>
+              <a:buChar char="•"/>
+            </a:pPr>
+            <a:r>
+              <a:rPr lang="pt-BR" sz="2000" b="1" dirty="0">
+                <a:solidFill>
+                  <a:schemeClr val="tx1"/>
+                </a:solidFill>
+                <a:latin typeface="Arial" panose="020B0604020202020204" pitchFamily="34" charset="0"/>
+                <a:cs typeface="Arial" panose="020B0604020202020204" pitchFamily="34" charset="0"/>
+              </a:rPr>
+              <a:t>2. MODELOS</a:t>
+            </a:r>
+            <a:br>
+              <a:rPr lang="pt-BR" sz="2000" b="1" dirty="0">
+                <a:solidFill>
+                  <a:schemeClr val="tx1"/>
+                </a:solidFill>
+                <a:latin typeface="Arial" panose="020B0604020202020204" pitchFamily="34" charset="0"/>
+                <a:cs typeface="Arial" panose="020B0604020202020204" pitchFamily="34" charset="0"/>
+              </a:rPr>
+            </a:br>
+            <a:r>
+              <a:rPr lang="pt-BR" sz="2000" b="1" dirty="0">
+                <a:solidFill>
+                  <a:schemeClr val="tx1"/>
+                </a:solidFill>
+                <a:latin typeface="Arial" panose="020B0604020202020204" pitchFamily="34" charset="0"/>
+                <a:cs typeface="Arial" panose="020B0604020202020204" pitchFamily="34" charset="0"/>
+              </a:rPr>
+              <a:t>	</a:t>
+            </a:r>
+            <a:r>
+              <a:rPr lang="pt-BR" sz="1600" b="1" dirty="0">
+                <a:solidFill>
+                  <a:schemeClr val="tx1"/>
+                </a:solidFill>
+                <a:latin typeface="Arial" panose="020B0604020202020204" pitchFamily="34" charset="0"/>
+                <a:cs typeface="Arial" panose="020B0604020202020204" pitchFamily="34" charset="0"/>
+              </a:rPr>
+              <a:t>2.4. Ferramentas</a:t>
+            </a:r>
+          </a:p>
+        </p:txBody>
+      </p:sp>
+      <p:sp>
+        <p:nvSpPr>
+          <p:cNvPr id="2" name="CaixaDeTexto 1">
+            <a:extLst>
+              <a:ext uri="{FF2B5EF4-FFF2-40B4-BE49-F238E27FC236}">
+                <a16:creationId xmlns:a16="http://schemas.microsoft.com/office/drawing/2014/main" id="{0E143997-450B-0366-58DB-096063E7B993}"/>
+              </a:ext>
+            </a:extLst>
+          </p:cNvPr>
+          <p:cNvSpPr txBox="1"/>
+          <p:nvPr/>
+        </p:nvSpPr>
+        <p:spPr>
+          <a:xfrm>
+            <a:off x="3233057" y="2024743"/>
+            <a:ext cx="7922623" cy="3416320"/>
+          </a:xfrm>
+          <a:prstGeom prst="rect">
+            <a:avLst/>
+          </a:prstGeom>
+          <a:noFill/>
+        </p:spPr>
+        <p:txBody>
+          <a:bodyPr wrap="square" rtlCol="0">
+            <a:spAutoFit/>
+          </a:bodyPr>
+          <a:lstStyle/>
+          <a:p>
+            <a:pPr algn="l"/>
+            <a:r>
+              <a:rPr lang="pt-BR" b="0" i="0" dirty="0">
+                <a:solidFill>
+                  <a:srgbClr val="111111"/>
+                </a:solidFill>
+                <a:effectLst/>
+                <a:latin typeface="-apple-system"/>
+              </a:rPr>
+              <a:t>O site </a:t>
+            </a:r>
+            <a:r>
+              <a:rPr lang="pt-BR" b="1" i="0" dirty="0" err="1">
+                <a:solidFill>
+                  <a:srgbClr val="111111"/>
+                </a:solidFill>
+                <a:effectLst/>
+                <a:latin typeface="-apple-system"/>
+              </a:rPr>
+              <a:t>Hugging</a:t>
+            </a:r>
+            <a:r>
+              <a:rPr lang="pt-BR" b="1" i="0" dirty="0">
+                <a:solidFill>
+                  <a:srgbClr val="111111"/>
+                </a:solidFill>
+                <a:effectLst/>
+                <a:latin typeface="-apple-system"/>
+              </a:rPr>
+              <a:t> Face</a:t>
+            </a:r>
+            <a:r>
+              <a:rPr lang="pt-BR" b="0" i="0" dirty="0">
+                <a:solidFill>
+                  <a:srgbClr val="111111"/>
+                </a:solidFill>
+                <a:effectLst/>
+                <a:latin typeface="-apple-system"/>
+              </a:rPr>
+              <a:t> é uma plataforma de colaboração para a comunidade de aprendizado de máquina. Aqui estão algumas das principais funcionalidades do site:</a:t>
+            </a:r>
+          </a:p>
+          <a:p>
+            <a:pPr algn="l">
+              <a:buFont typeface="Arial" panose="020B0604020202020204" pitchFamily="34" charset="0"/>
+              <a:buChar char="•"/>
+            </a:pPr>
+            <a:r>
+              <a:rPr lang="pt-BR" b="0" i="0" dirty="0">
+                <a:solidFill>
+                  <a:srgbClr val="111111"/>
+                </a:solidFill>
+                <a:effectLst/>
+                <a:latin typeface="-apple-system"/>
+              </a:rPr>
+              <a:t>O </a:t>
+            </a:r>
+            <a:r>
+              <a:rPr lang="pt-BR" b="0" i="0" dirty="0" err="1">
+                <a:solidFill>
+                  <a:srgbClr val="111111"/>
+                </a:solidFill>
+                <a:effectLst/>
+                <a:latin typeface="-apple-system"/>
+              </a:rPr>
+              <a:t>Hugging</a:t>
+            </a:r>
+            <a:r>
+              <a:rPr lang="pt-BR" b="0" i="0" dirty="0">
+                <a:solidFill>
+                  <a:srgbClr val="111111"/>
+                </a:solidFill>
+                <a:effectLst/>
+                <a:latin typeface="-apple-system"/>
+              </a:rPr>
+              <a:t> Face oferece uma plataforma para a comunidade de aprendizado de máquina colaborar em modelos, conjuntos de dados e aplicativos.</a:t>
+            </a:r>
+          </a:p>
+          <a:p>
+            <a:pPr algn="l">
+              <a:buFont typeface="Arial" panose="020B0604020202020204" pitchFamily="34" charset="0"/>
+              <a:buChar char="•"/>
+            </a:pPr>
+            <a:r>
+              <a:rPr lang="pt-BR" b="0" i="0" dirty="0">
+                <a:solidFill>
+                  <a:srgbClr val="111111"/>
+                </a:solidFill>
+                <a:effectLst/>
+                <a:latin typeface="-apple-system"/>
+              </a:rPr>
+              <a:t>O </a:t>
+            </a:r>
+            <a:r>
+              <a:rPr lang="pt-BR" b="0" i="0" dirty="0" err="1">
+                <a:solidFill>
+                  <a:srgbClr val="111111"/>
+                </a:solidFill>
+                <a:effectLst/>
+                <a:latin typeface="-apple-system"/>
+              </a:rPr>
+              <a:t>Hugging</a:t>
+            </a:r>
+            <a:r>
+              <a:rPr lang="pt-BR" b="0" i="0" dirty="0">
+                <a:solidFill>
+                  <a:srgbClr val="111111"/>
+                </a:solidFill>
+                <a:effectLst/>
+                <a:latin typeface="-apple-system"/>
+              </a:rPr>
+              <a:t> Face oferece pipelines </a:t>
+            </a:r>
+            <a:r>
+              <a:rPr lang="pt-BR" b="0" i="0" dirty="0" err="1">
+                <a:solidFill>
+                  <a:srgbClr val="111111"/>
+                </a:solidFill>
+                <a:effectLst/>
+                <a:latin typeface="-apple-system"/>
+              </a:rPr>
+              <a:t>pré</a:t>
+            </a:r>
+            <a:r>
+              <a:rPr lang="pt-BR" b="0" i="0" dirty="0">
+                <a:solidFill>
+                  <a:srgbClr val="111111"/>
+                </a:solidFill>
+                <a:effectLst/>
+                <a:latin typeface="-apple-system"/>
+              </a:rPr>
+              <a:t>-treinados e suporta atualmente a </a:t>
+            </a:r>
+            <a:r>
+              <a:rPr lang="pt-BR" b="0" i="0" dirty="0" err="1">
+                <a:solidFill>
+                  <a:srgbClr val="111111"/>
+                </a:solidFill>
+                <a:effectLst/>
+                <a:latin typeface="-apple-system"/>
+              </a:rPr>
+              <a:t>tokenização</a:t>
+            </a:r>
+            <a:r>
+              <a:rPr lang="pt-BR" b="0" i="0" dirty="0">
+                <a:solidFill>
+                  <a:srgbClr val="111111"/>
+                </a:solidFill>
+                <a:effectLst/>
+                <a:latin typeface="-apple-system"/>
+              </a:rPr>
+              <a:t> e treinamento para mais de </a:t>
+            </a:r>
+            <a:r>
+              <a:rPr lang="pt-BR" b="1" i="0" dirty="0">
+                <a:solidFill>
+                  <a:srgbClr val="111111"/>
+                </a:solidFill>
+                <a:effectLst/>
+                <a:latin typeface="-apple-system"/>
+              </a:rPr>
+              <a:t>70 idiomas</a:t>
+            </a:r>
+            <a:r>
+              <a:rPr lang="pt-BR" b="0" i="0" dirty="0">
+                <a:solidFill>
+                  <a:srgbClr val="111111"/>
+                </a:solidFill>
+                <a:effectLst/>
+                <a:latin typeface="-apple-system"/>
+              </a:rPr>
+              <a:t>.</a:t>
+            </a:r>
+          </a:p>
+          <a:p>
+            <a:pPr algn="l">
+              <a:buFont typeface="Arial" panose="020B0604020202020204" pitchFamily="34" charset="0"/>
+              <a:buChar char="•"/>
+            </a:pPr>
+            <a:r>
+              <a:rPr lang="pt-BR" b="0" i="0" dirty="0">
+                <a:solidFill>
+                  <a:srgbClr val="111111"/>
+                </a:solidFill>
+                <a:effectLst/>
+                <a:latin typeface="-apple-system"/>
+              </a:rPr>
+              <a:t>O </a:t>
+            </a:r>
+            <a:r>
+              <a:rPr lang="pt-BR" b="0" i="0" dirty="0" err="1">
+                <a:solidFill>
+                  <a:srgbClr val="111111"/>
+                </a:solidFill>
+                <a:effectLst/>
+                <a:latin typeface="-apple-system"/>
+              </a:rPr>
+              <a:t>Hugging</a:t>
+            </a:r>
+            <a:r>
+              <a:rPr lang="pt-BR" b="0" i="0" dirty="0">
+                <a:solidFill>
+                  <a:srgbClr val="111111"/>
+                </a:solidFill>
+                <a:effectLst/>
+                <a:latin typeface="-apple-system"/>
+              </a:rPr>
+              <a:t> Face oferece modelos de rede neural de última geração para marcação, análise sintática, reconhecimento de entidades nomeadas, classificação de texto e muito mais.</a:t>
+            </a:r>
+          </a:p>
+          <a:p>
+            <a:pPr algn="l">
+              <a:buFont typeface="Arial" panose="020B0604020202020204" pitchFamily="34" charset="0"/>
+              <a:buChar char="•"/>
+            </a:pPr>
+            <a:r>
+              <a:rPr lang="pt-BR" b="0" i="0" dirty="0">
+                <a:solidFill>
+                  <a:srgbClr val="111111"/>
+                </a:solidFill>
+                <a:effectLst/>
+                <a:latin typeface="-apple-system"/>
+              </a:rPr>
+              <a:t>O </a:t>
+            </a:r>
+            <a:r>
+              <a:rPr lang="pt-BR" b="0" i="0" dirty="0" err="1">
+                <a:solidFill>
+                  <a:srgbClr val="111111"/>
+                </a:solidFill>
+                <a:effectLst/>
+                <a:latin typeface="-apple-system"/>
+              </a:rPr>
+              <a:t>Hugging</a:t>
+            </a:r>
+            <a:r>
+              <a:rPr lang="pt-BR" b="0" i="0" dirty="0">
+                <a:solidFill>
+                  <a:srgbClr val="111111"/>
+                </a:solidFill>
+                <a:effectLst/>
+                <a:latin typeface="-apple-system"/>
+              </a:rPr>
+              <a:t> Face é altamente otimizado para desempenho e escalabilidade.</a:t>
+            </a:r>
+          </a:p>
+          <a:p>
+            <a:pPr algn="l">
+              <a:buFont typeface="Arial" panose="020B0604020202020204" pitchFamily="34" charset="0"/>
+              <a:buChar char="•"/>
+            </a:pPr>
+            <a:r>
+              <a:rPr lang="pt-BR" b="0" i="0" dirty="0">
+                <a:solidFill>
+                  <a:srgbClr val="111111"/>
+                </a:solidFill>
+                <a:effectLst/>
+                <a:latin typeface="-apple-system"/>
+              </a:rPr>
+              <a:t>O </a:t>
+            </a:r>
+            <a:r>
+              <a:rPr lang="pt-BR" b="0" i="0" dirty="0" err="1">
+                <a:solidFill>
+                  <a:srgbClr val="111111"/>
+                </a:solidFill>
+                <a:effectLst/>
+                <a:latin typeface="-apple-system"/>
+              </a:rPr>
+              <a:t>Hugging</a:t>
+            </a:r>
+            <a:r>
+              <a:rPr lang="pt-BR" b="0" i="0" dirty="0">
+                <a:solidFill>
+                  <a:srgbClr val="111111"/>
+                </a:solidFill>
+                <a:effectLst/>
+                <a:latin typeface="-apple-system"/>
+              </a:rPr>
+              <a:t> Face é fácil de usar e oferece uma API intuitiva.</a:t>
+            </a:r>
+          </a:p>
+        </p:txBody>
+      </p:sp>
+      <p:pic>
+        <p:nvPicPr>
+          <p:cNvPr id="3" name="Picture 6" descr="Logo complet de Hugging Face PNG transparents - StickPNG">
+            <a:extLst>
+              <a:ext uri="{FF2B5EF4-FFF2-40B4-BE49-F238E27FC236}">
+                <a16:creationId xmlns:a16="http://schemas.microsoft.com/office/drawing/2014/main" id="{7C64D5CC-633A-E3BD-048D-9EBABA554597}"/>
+              </a:ext>
+            </a:extLst>
+          </p:cNvPr>
+          <p:cNvPicPr>
+            <a:picLocks noChangeAspect="1" noChangeArrowheads="1"/>
+          </p:cNvPicPr>
+          <p:nvPr/>
+        </p:nvPicPr>
+        <p:blipFill>
+          <a:blip r:embed="rId3">
+            <a:extLst>
+              <a:ext uri="{28A0092B-C50C-407E-A947-70E740481C1C}">
+                <a14:useLocalDpi xmlns:a14="http://schemas.microsoft.com/office/drawing/2010/main" val="0"/>
+              </a:ext>
+            </a:extLst>
+          </a:blip>
+          <a:srcRect/>
+          <a:stretch>
+            <a:fillRect/>
+          </a:stretch>
+        </p:blipFill>
+        <p:spPr bwMode="auto">
+          <a:xfrm>
+            <a:off x="1036319" y="2941129"/>
+            <a:ext cx="2153287" cy="1435525"/>
+          </a:xfrm>
+          <a:prstGeom prst="rect">
+            <a:avLst/>
+          </a:prstGeom>
+          <a:noFill/>
+          <a:extLst>
+            <a:ext uri="{909E8E84-426E-40DD-AFC4-6F175D3DCCD1}">
+              <a14:hiddenFill xmlns:a14="http://schemas.microsoft.com/office/drawing/2010/main">
+                <a:solidFill>
+                  <a:srgbClr val="FFFFFF"/>
+                </a:solidFill>
+              </a14:hiddenFill>
+            </a:ext>
+          </a:extLst>
+        </p:spPr>
+      </p:pic>
+    </p:spTree>
+    <p:extLst>
+      <p:ext uri="{BB962C8B-B14F-4D97-AF65-F5344CB8AC3E}">
+        <p14:creationId xmlns:p14="http://schemas.microsoft.com/office/powerpoint/2010/main" val="648905628"/>
+      </p:ext>
+    </p:extLst>
+  </p:cSld>
+  <p:clrMapOvr>
+    <a:masterClrMapping/>
+  </p:clrMapOvr>
+</p:sld>
+</file>
+
+<file path=ppt/slides/slide13.xml><?xml version="1.0" encoding="utf-8"?>
+<p:sld xmlns:a="http://schemas.openxmlformats.org/drawingml/2006/main" xmlns:r="http://schemas.openxmlformats.org/officeDocument/2006/relationships" xmlns:p="http://schemas.openxmlformats.org/presentationml/2006/main">
+  <p:cSld>
+    <p:spTree>
+      <p:nvGrpSpPr>
+        <p:cNvPr id="1" name=""/>
+        <p:cNvGrpSpPr/>
+        <p:nvPr/>
+      </p:nvGrpSpPr>
+      <p:grpSpPr>
+        <a:xfrm>
+          <a:off x="0" y="0"/>
+          <a:ext cx="0" cy="0"/>
+          <a:chOff x="0" y="0"/>
+          <a:chExt cx="0" cy="0"/>
+        </a:xfrm>
+      </p:grpSpPr>
+      <p:sp>
+        <p:nvSpPr>
+          <p:cNvPr id="4" name="Espaço Reservado para Rodapé 3">
+            <a:extLst>
+              <a:ext uri="{FF2B5EF4-FFF2-40B4-BE49-F238E27FC236}">
+                <a16:creationId xmlns:a16="http://schemas.microsoft.com/office/drawing/2014/main" id="{54F5475D-649B-3E4C-5260-41F6D53510A1}"/>
+              </a:ext>
+            </a:extLst>
+          </p:cNvPr>
+          <p:cNvSpPr>
+            <a:spLocks noGrp="1"/>
+          </p:cNvSpPr>
+          <p:nvPr>
+            <p:ph type="ftr" sz="quarter" idx="11"/>
+          </p:nvPr>
+        </p:nvSpPr>
+        <p:spPr>
+          <a:xfrm>
+            <a:off x="3684596" y="6455648"/>
+            <a:ext cx="4822804" cy="365125"/>
+          </a:xfrm>
+        </p:spPr>
+        <p:txBody>
+          <a:bodyPr/>
+          <a:lstStyle/>
+          <a:p>
+            <a:r>
+              <a:rPr lang="pt-BR"/>
+              <a:t>Aprendizado Profundo - 2023</a:t>
+            </a:r>
+            <a:endParaRPr lang="pt-BR" dirty="0"/>
+          </a:p>
+        </p:txBody>
+      </p:sp>
+      <p:pic>
+        <p:nvPicPr>
+          <p:cNvPr id="5" name="Imagem 4" descr="Janela de vidro&#10;&#10;Descrição gerada automaticamente com confiança média">
+            <a:extLst>
+              <a:ext uri="{FF2B5EF4-FFF2-40B4-BE49-F238E27FC236}">
+                <a16:creationId xmlns:a16="http://schemas.microsoft.com/office/drawing/2014/main" id="{8798A945-057A-0A71-EC62-BF030A111568}"/>
+              </a:ext>
+            </a:extLst>
+          </p:cNvPr>
+          <p:cNvPicPr>
+            <a:picLocks noChangeAspect="1"/>
+          </p:cNvPicPr>
+          <p:nvPr/>
+        </p:nvPicPr>
+        <p:blipFill>
+          <a:blip r:embed="rId2" cstate="print">
+            <a:extLst>
+              <a:ext uri="{28A0092B-C50C-407E-A947-70E740481C1C}">
+                <a14:useLocalDpi xmlns:a14="http://schemas.microsoft.com/office/drawing/2010/main" val="0"/>
+              </a:ext>
+            </a:extLst>
+          </a:blip>
+          <a:stretch>
+            <a:fillRect/>
+          </a:stretch>
+        </p:blipFill>
+        <p:spPr>
+          <a:xfrm>
+            <a:off x="118159" y="6470866"/>
+            <a:ext cx="373152" cy="332105"/>
+          </a:xfrm>
+          <a:prstGeom prst="rect">
+            <a:avLst/>
+          </a:prstGeom>
+        </p:spPr>
+      </p:pic>
+      <p:sp>
+        <p:nvSpPr>
+          <p:cNvPr id="6" name="Título 1">
+            <a:extLst>
+              <a:ext uri="{FF2B5EF4-FFF2-40B4-BE49-F238E27FC236}">
+                <a16:creationId xmlns:a16="http://schemas.microsoft.com/office/drawing/2014/main" id="{BEF6BD4E-7A40-F8C7-659F-21B3B72D8D2F}"/>
+              </a:ext>
+            </a:extLst>
+          </p:cNvPr>
+          <p:cNvSpPr>
+            <a:spLocks noGrp="1"/>
+          </p:cNvSpPr>
+          <p:nvPr>
+            <p:ph type="title"/>
+          </p:nvPr>
+        </p:nvSpPr>
+        <p:spPr>
+          <a:xfrm>
+            <a:off x="1097280" y="651850"/>
+            <a:ext cx="10058400" cy="696211"/>
+          </a:xfrm>
+        </p:spPr>
+        <p:txBody>
+          <a:bodyPr vert="horz" lIns="91440" tIns="45720" rIns="91440" bIns="45720" rtlCol="0" anchor="b">
+            <a:normAutofit/>
+          </a:bodyPr>
+          <a:lstStyle/>
+          <a:p>
+            <a:pPr marL="457200" indent="-457200">
+              <a:buFont typeface="Arial" panose="020B0604020202020204" pitchFamily="34" charset="0"/>
+              <a:buChar char="•"/>
+            </a:pPr>
+            <a:r>
+              <a:rPr lang="pt-BR" sz="2000" b="1" dirty="0">
+                <a:solidFill>
+                  <a:schemeClr val="tx1"/>
+                </a:solidFill>
+                <a:latin typeface="Arial" panose="020B0604020202020204" pitchFamily="34" charset="0"/>
+                <a:cs typeface="Arial" panose="020B0604020202020204" pitchFamily="34" charset="0"/>
+              </a:rPr>
+              <a:t>2. MODELOS</a:t>
+            </a:r>
+            <a:br>
+              <a:rPr lang="pt-BR" sz="2000" b="1" dirty="0">
+                <a:solidFill>
+                  <a:schemeClr val="tx1"/>
+                </a:solidFill>
+                <a:latin typeface="Arial" panose="020B0604020202020204" pitchFamily="34" charset="0"/>
+                <a:cs typeface="Arial" panose="020B0604020202020204" pitchFamily="34" charset="0"/>
+              </a:rPr>
+            </a:br>
+            <a:r>
+              <a:rPr lang="pt-BR" sz="2000" b="1" dirty="0">
+                <a:solidFill>
+                  <a:schemeClr val="tx1"/>
+                </a:solidFill>
+                <a:latin typeface="Arial" panose="020B0604020202020204" pitchFamily="34" charset="0"/>
+                <a:cs typeface="Arial" panose="020B0604020202020204" pitchFamily="34" charset="0"/>
+              </a:rPr>
+              <a:t>	</a:t>
+            </a:r>
+            <a:r>
+              <a:rPr lang="pt-BR" sz="1600" b="1" dirty="0">
+                <a:solidFill>
+                  <a:schemeClr val="tx1"/>
+                </a:solidFill>
+                <a:latin typeface="Arial" panose="020B0604020202020204" pitchFamily="34" charset="0"/>
+                <a:cs typeface="Arial" panose="020B0604020202020204" pitchFamily="34" charset="0"/>
+              </a:rPr>
+              <a:t>2.4. Ferramentas</a:t>
+            </a:r>
+          </a:p>
+        </p:txBody>
+      </p:sp>
+      <p:sp>
+        <p:nvSpPr>
+          <p:cNvPr id="2" name="CaixaDeTexto 1">
+            <a:extLst>
+              <a:ext uri="{FF2B5EF4-FFF2-40B4-BE49-F238E27FC236}">
+                <a16:creationId xmlns:a16="http://schemas.microsoft.com/office/drawing/2014/main" id="{0E143997-450B-0366-58DB-096063E7B993}"/>
+              </a:ext>
+            </a:extLst>
+          </p:cNvPr>
+          <p:cNvSpPr txBox="1"/>
+          <p:nvPr/>
+        </p:nvSpPr>
+        <p:spPr>
+          <a:xfrm>
+            <a:off x="3233057" y="2024743"/>
+            <a:ext cx="7922623" cy="3416320"/>
+          </a:xfrm>
+          <a:prstGeom prst="rect">
+            <a:avLst/>
+          </a:prstGeom>
+          <a:noFill/>
+        </p:spPr>
+        <p:txBody>
+          <a:bodyPr wrap="square" rtlCol="0">
+            <a:spAutoFit/>
+          </a:bodyPr>
+          <a:lstStyle/>
+          <a:p>
+            <a:pPr algn="l"/>
+            <a:r>
+              <a:rPr lang="pt-BR" b="0" i="0" dirty="0">
+                <a:solidFill>
+                  <a:srgbClr val="111111"/>
+                </a:solidFill>
+                <a:effectLst/>
+                <a:latin typeface="-apple-system"/>
+              </a:rPr>
+              <a:t>O </a:t>
+            </a:r>
+            <a:r>
+              <a:rPr lang="pt-BR" b="1" i="0" dirty="0" err="1">
+                <a:solidFill>
+                  <a:srgbClr val="111111"/>
+                </a:solidFill>
+                <a:effectLst/>
+                <a:latin typeface="-apple-system"/>
+              </a:rPr>
+              <a:t>PyTorch</a:t>
+            </a:r>
+            <a:r>
+              <a:rPr lang="pt-BR" b="0" i="0" dirty="0">
+                <a:solidFill>
+                  <a:srgbClr val="111111"/>
+                </a:solidFill>
+                <a:effectLst/>
+                <a:latin typeface="-apple-system"/>
+              </a:rPr>
+              <a:t> é uma biblioteca de aprendizado de máquina de código aberto baseada em Python. Aqui estão algumas das principais funcionalidades do pacote </a:t>
+            </a:r>
+            <a:r>
+              <a:rPr lang="pt-BR" b="0" i="0" dirty="0" err="1">
+                <a:solidFill>
+                  <a:srgbClr val="111111"/>
+                </a:solidFill>
+                <a:effectLst/>
+                <a:latin typeface="-apple-system"/>
+              </a:rPr>
+              <a:t>PyTorch</a:t>
+            </a:r>
+            <a:r>
+              <a:rPr lang="pt-BR" b="0" i="0" dirty="0">
+                <a:solidFill>
+                  <a:srgbClr val="111111"/>
+                </a:solidFill>
+                <a:effectLst/>
+                <a:latin typeface="-apple-system"/>
+              </a:rPr>
+              <a:t>:</a:t>
+            </a:r>
+          </a:p>
+          <a:p>
+            <a:pPr algn="l">
+              <a:buFont typeface="Arial" panose="020B0604020202020204" pitchFamily="34" charset="0"/>
+              <a:buChar char="•"/>
+            </a:pPr>
+            <a:r>
+              <a:rPr lang="pt-BR" b="0" i="0" dirty="0">
+                <a:solidFill>
+                  <a:srgbClr val="111111"/>
+                </a:solidFill>
+                <a:effectLst/>
+                <a:latin typeface="-apple-system"/>
+              </a:rPr>
+              <a:t>O </a:t>
+            </a:r>
+            <a:r>
+              <a:rPr lang="pt-BR" b="0" i="0" dirty="0" err="1">
+                <a:solidFill>
+                  <a:srgbClr val="111111"/>
+                </a:solidFill>
+                <a:effectLst/>
+                <a:latin typeface="-apple-system"/>
+              </a:rPr>
+              <a:t>PyTorch</a:t>
+            </a:r>
+            <a:r>
+              <a:rPr lang="pt-BR" b="0" i="0" dirty="0">
+                <a:solidFill>
+                  <a:srgbClr val="111111"/>
+                </a:solidFill>
+                <a:effectLst/>
+                <a:latin typeface="-apple-system"/>
+              </a:rPr>
+              <a:t> é uma biblioteca de aprendizado de máquina de código aberto que oferece suporte a computação numérica com </a:t>
+            </a:r>
+            <a:r>
+              <a:rPr lang="pt-BR" b="0" i="0" dirty="0" err="1">
+                <a:solidFill>
+                  <a:srgbClr val="111111"/>
+                </a:solidFill>
+                <a:effectLst/>
+                <a:latin typeface="-apple-system"/>
+              </a:rPr>
+              <a:t>GPUs</a:t>
+            </a:r>
+            <a:r>
+              <a:rPr lang="pt-BR" b="0" i="0" dirty="0">
+                <a:solidFill>
+                  <a:srgbClr val="111111"/>
+                </a:solidFill>
+                <a:effectLst/>
+                <a:latin typeface="-apple-system"/>
+              </a:rPr>
+              <a:t>.</a:t>
+            </a:r>
+          </a:p>
+          <a:p>
+            <a:pPr algn="l">
+              <a:buFont typeface="Arial" panose="020B0604020202020204" pitchFamily="34" charset="0"/>
+              <a:buChar char="•"/>
+            </a:pPr>
+            <a:r>
+              <a:rPr lang="pt-BR" b="0" i="0" dirty="0">
+                <a:solidFill>
+                  <a:srgbClr val="111111"/>
+                </a:solidFill>
+                <a:effectLst/>
+                <a:latin typeface="-apple-system"/>
+              </a:rPr>
+              <a:t>O </a:t>
+            </a:r>
+            <a:r>
+              <a:rPr lang="pt-BR" b="0" i="0" dirty="0" err="1">
+                <a:solidFill>
+                  <a:srgbClr val="111111"/>
+                </a:solidFill>
+                <a:effectLst/>
+                <a:latin typeface="-apple-system"/>
+              </a:rPr>
+              <a:t>PyTorch</a:t>
+            </a:r>
+            <a:r>
+              <a:rPr lang="pt-BR" b="0" i="0" dirty="0">
+                <a:solidFill>
+                  <a:srgbClr val="111111"/>
+                </a:solidFill>
+                <a:effectLst/>
+                <a:latin typeface="-apple-system"/>
+              </a:rPr>
+              <a:t> oferece uma API simples e fácil de usar para construir modelos de aprendizado de máquina.</a:t>
+            </a:r>
+          </a:p>
+          <a:p>
+            <a:pPr algn="l">
+              <a:buFont typeface="Arial" panose="020B0604020202020204" pitchFamily="34" charset="0"/>
+              <a:buChar char="•"/>
+            </a:pPr>
+            <a:r>
+              <a:rPr lang="pt-BR" b="0" i="0" dirty="0">
+                <a:solidFill>
+                  <a:srgbClr val="111111"/>
+                </a:solidFill>
+                <a:effectLst/>
+                <a:latin typeface="-apple-system"/>
+              </a:rPr>
+              <a:t>O </a:t>
+            </a:r>
+            <a:r>
+              <a:rPr lang="pt-BR" b="0" i="0" dirty="0" err="1">
+                <a:solidFill>
+                  <a:srgbClr val="111111"/>
+                </a:solidFill>
+                <a:effectLst/>
+                <a:latin typeface="-apple-system"/>
+              </a:rPr>
+              <a:t>PyTorch</a:t>
+            </a:r>
+            <a:r>
+              <a:rPr lang="pt-BR" b="0" i="0" dirty="0">
+                <a:solidFill>
+                  <a:srgbClr val="111111"/>
+                </a:solidFill>
+                <a:effectLst/>
+                <a:latin typeface="-apple-system"/>
+              </a:rPr>
+              <a:t> oferece suporte a redes neurais profundas e outras técnicas avançadas de aprendizado de máquina.</a:t>
+            </a:r>
+          </a:p>
+          <a:p>
+            <a:pPr algn="l">
+              <a:buFont typeface="Arial" panose="020B0604020202020204" pitchFamily="34" charset="0"/>
+              <a:buChar char="•"/>
+            </a:pPr>
+            <a:r>
+              <a:rPr lang="pt-BR" b="0" i="0" dirty="0">
+                <a:solidFill>
+                  <a:srgbClr val="111111"/>
+                </a:solidFill>
+                <a:effectLst/>
+                <a:latin typeface="-apple-system"/>
+              </a:rPr>
+              <a:t>O </a:t>
+            </a:r>
+            <a:r>
+              <a:rPr lang="pt-BR" b="0" i="0" dirty="0" err="1">
+                <a:solidFill>
+                  <a:srgbClr val="111111"/>
+                </a:solidFill>
+                <a:effectLst/>
+                <a:latin typeface="-apple-system"/>
+              </a:rPr>
+              <a:t>PyTorch</a:t>
+            </a:r>
+            <a:r>
+              <a:rPr lang="pt-BR" b="0" i="0" dirty="0">
+                <a:solidFill>
+                  <a:srgbClr val="111111"/>
+                </a:solidFill>
+                <a:effectLst/>
+                <a:latin typeface="-apple-system"/>
+              </a:rPr>
+              <a:t> oferece suporte a fluxos de trabalho flexíveis para pesquisa e desenvolvimento em aprendizado de máquina.</a:t>
+            </a:r>
+          </a:p>
+          <a:p>
+            <a:pPr algn="l">
+              <a:buFont typeface="Arial" panose="020B0604020202020204" pitchFamily="34" charset="0"/>
+              <a:buChar char="•"/>
+            </a:pPr>
+            <a:r>
+              <a:rPr lang="pt-BR" b="0" i="0" dirty="0">
+                <a:solidFill>
+                  <a:srgbClr val="111111"/>
+                </a:solidFill>
+                <a:effectLst/>
+                <a:latin typeface="-apple-system"/>
+              </a:rPr>
+              <a:t>O </a:t>
+            </a:r>
+            <a:r>
+              <a:rPr lang="pt-BR" b="0" i="0" dirty="0" err="1">
+                <a:solidFill>
+                  <a:srgbClr val="111111"/>
+                </a:solidFill>
+                <a:effectLst/>
+                <a:latin typeface="-apple-system"/>
+              </a:rPr>
+              <a:t>PyTorch</a:t>
+            </a:r>
+            <a:r>
+              <a:rPr lang="pt-BR" b="0" i="0" dirty="0">
+                <a:solidFill>
+                  <a:srgbClr val="111111"/>
+                </a:solidFill>
+                <a:effectLst/>
+                <a:latin typeface="-apple-system"/>
+              </a:rPr>
+              <a:t> é amplamente utilizado em pesquisa e desenvolvimento em aprendizado de máquina.</a:t>
+            </a:r>
+          </a:p>
+        </p:txBody>
+      </p:sp>
+      <p:pic>
+        <p:nvPicPr>
+          <p:cNvPr id="7" name="Picture 8" descr="PyTorch">
+            <a:extLst>
+              <a:ext uri="{FF2B5EF4-FFF2-40B4-BE49-F238E27FC236}">
+                <a16:creationId xmlns:a16="http://schemas.microsoft.com/office/drawing/2014/main" id="{06FE1286-6625-7069-AEF8-3973860C4807}"/>
+              </a:ext>
+            </a:extLst>
+          </p:cNvPr>
+          <p:cNvPicPr>
+            <a:picLocks noChangeAspect="1" noChangeArrowheads="1"/>
+          </p:cNvPicPr>
+          <p:nvPr/>
+        </p:nvPicPr>
+        <p:blipFill>
+          <a:blip r:embed="rId3">
+            <a:extLst>
+              <a:ext uri="{28A0092B-C50C-407E-A947-70E740481C1C}">
+                <a14:useLocalDpi xmlns:a14="http://schemas.microsoft.com/office/drawing/2010/main" val="0"/>
+              </a:ext>
+            </a:extLst>
+          </a:blip>
+          <a:srcRect/>
+          <a:stretch>
+            <a:fillRect/>
+          </a:stretch>
+        </p:blipFill>
+        <p:spPr bwMode="auto">
+          <a:xfrm>
+            <a:off x="1328607" y="2878402"/>
+            <a:ext cx="1709002" cy="1709002"/>
+          </a:xfrm>
+          <a:prstGeom prst="rect">
+            <a:avLst/>
+          </a:prstGeom>
+          <a:noFill/>
+          <a:extLst>
+            <a:ext uri="{909E8E84-426E-40DD-AFC4-6F175D3DCCD1}">
+              <a14:hiddenFill xmlns:a14="http://schemas.microsoft.com/office/drawing/2010/main">
+                <a:solidFill>
+                  <a:srgbClr val="FFFFFF"/>
+                </a:solidFill>
+              </a14:hiddenFill>
+            </a:ext>
+          </a:extLst>
+        </p:spPr>
+      </p:pic>
+    </p:spTree>
+    <p:extLst>
+      <p:ext uri="{BB962C8B-B14F-4D97-AF65-F5344CB8AC3E}">
+        <p14:creationId xmlns:p14="http://schemas.microsoft.com/office/powerpoint/2010/main" val="2097399539"/>
+      </p:ext>
+    </p:extLst>
+  </p:cSld>
+  <p:clrMapOvr>
+    <a:masterClrMapping/>
+  </p:clrMapOvr>
+</p:sld>
+</file>
+
+<file path=ppt/slides/slide14.xml><?xml version="1.0" encoding="utf-8"?>
+<p:sld xmlns:a="http://schemas.openxmlformats.org/drawingml/2006/main" xmlns:r="http://schemas.openxmlformats.org/officeDocument/2006/relationships" xmlns:p="http://schemas.openxmlformats.org/presentationml/2006/main">
+  <p:cSld>
+    <p:spTree>
+      <p:nvGrpSpPr>
+        <p:cNvPr id="1" name=""/>
+        <p:cNvGrpSpPr/>
+        <p:nvPr/>
+      </p:nvGrpSpPr>
+      <p:grpSpPr>
+        <a:xfrm>
+          <a:off x="0" y="0"/>
+          <a:ext cx="0" cy="0"/>
+          <a:chOff x="0" y="0"/>
+          <a:chExt cx="0" cy="0"/>
+        </a:xfrm>
+      </p:grpSpPr>
+      <p:sp>
+        <p:nvSpPr>
+          <p:cNvPr id="3" name="Espaço Reservado para Conteúdo 2">
+            <a:extLst>
+              <a:ext uri="{FF2B5EF4-FFF2-40B4-BE49-F238E27FC236}">
+                <a16:creationId xmlns:a16="http://schemas.microsoft.com/office/drawing/2014/main" id="{805A83F4-46D9-B4ED-60A3-B7F54D2925C3}"/>
+              </a:ext>
+            </a:extLst>
+          </p:cNvPr>
+          <p:cNvSpPr>
+            <a:spLocks noGrp="1"/>
+          </p:cNvSpPr>
+          <p:nvPr>
+            <p:ph idx="1"/>
+          </p:nvPr>
+        </p:nvSpPr>
+        <p:spPr>
+          <a:xfrm>
+            <a:off x="943371" y="2875600"/>
+            <a:ext cx="10058400" cy="589648"/>
+          </a:xfrm>
+        </p:spPr>
+        <p:txBody>
+          <a:bodyPr/>
+          <a:lstStyle/>
+          <a:p>
+            <a:pPr defTabSz="457200">
+              <a:lnSpc>
+                <a:spcPct val="100000"/>
+              </a:lnSpc>
+              <a:spcBef>
+                <a:spcPts val="0"/>
+              </a:spcBef>
+              <a:spcAft>
+                <a:spcPts val="0"/>
+              </a:spcAft>
+              <a:buClrTx/>
+              <a:buSzTx/>
+              <a:buFont typeface="Wingdings" panose="05000000000000000000" pitchFamily="2" charset="2"/>
+              <a:buChar char="Ø"/>
+            </a:pPr>
+            <a:r>
+              <a:rPr lang="pt-BR" sz="1600" dirty="0">
+                <a:solidFill>
+                  <a:prstClr val="black"/>
+                </a:solidFill>
+                <a:latin typeface="Arial" panose="020B0604020202020204" pitchFamily="34" charset="0"/>
+                <a:cs typeface="Arial" panose="020B0604020202020204" pitchFamily="34" charset="0"/>
+              </a:rPr>
+              <a:t> Técnicas de Data Augmentation</a:t>
+            </a:r>
+          </a:p>
+        </p:txBody>
+      </p:sp>
+      <p:sp>
+        <p:nvSpPr>
+          <p:cNvPr id="4" name="Título 1">
+            <a:extLst>
+              <a:ext uri="{FF2B5EF4-FFF2-40B4-BE49-F238E27FC236}">
+                <a16:creationId xmlns:a16="http://schemas.microsoft.com/office/drawing/2014/main" id="{5CFFA940-D9EE-88CD-A223-2424EA93C53C}"/>
+              </a:ext>
+            </a:extLst>
+          </p:cNvPr>
+          <p:cNvSpPr>
+            <a:spLocks noGrp="1"/>
+          </p:cNvSpPr>
+          <p:nvPr>
+            <p:ph type="title"/>
+          </p:nvPr>
+        </p:nvSpPr>
+        <p:spPr>
+          <a:xfrm>
+            <a:off x="1097280" y="534154"/>
+            <a:ext cx="10058400" cy="813907"/>
+          </a:xfrm>
+        </p:spPr>
+        <p:txBody>
+          <a:bodyPr vert="horz" lIns="91440" tIns="45720" rIns="91440" bIns="45720" rtlCol="0" anchor="b">
+            <a:normAutofit/>
+          </a:bodyPr>
+          <a:lstStyle/>
+          <a:p>
+            <a:pPr marL="457200" indent="-457200">
+              <a:buFont typeface="Arial" panose="020B0604020202020204" pitchFamily="34" charset="0"/>
+              <a:buChar char="•"/>
+            </a:pPr>
+            <a:r>
+              <a:rPr lang="pt-BR" sz="2000" b="1" dirty="0">
+                <a:solidFill>
+                  <a:schemeClr val="tx1"/>
+                </a:solidFill>
+                <a:latin typeface="Arial" panose="020B0604020202020204" pitchFamily="34" charset="0"/>
+                <a:cs typeface="Arial" panose="020B0604020202020204" pitchFamily="34" charset="0"/>
+              </a:rPr>
+              <a:t>3. REGULARIZAÇÃO PARA CONJUNTOS DE DADOS LIMITADOS</a:t>
+            </a:r>
+          </a:p>
+        </p:txBody>
+      </p:sp>
+      <p:sp>
+        <p:nvSpPr>
+          <p:cNvPr id="5" name="Espaço Reservado para Rodapé 3">
+            <a:extLst>
+              <a:ext uri="{FF2B5EF4-FFF2-40B4-BE49-F238E27FC236}">
+                <a16:creationId xmlns:a16="http://schemas.microsoft.com/office/drawing/2014/main" id="{476549B4-AE53-07DC-6D00-76917EAECF44}"/>
+              </a:ext>
+            </a:extLst>
+          </p:cNvPr>
+          <p:cNvSpPr>
+            <a:spLocks noGrp="1"/>
+          </p:cNvSpPr>
+          <p:nvPr>
+            <p:ph type="ftr" sz="quarter" idx="11"/>
+          </p:nvPr>
+        </p:nvSpPr>
+        <p:spPr>
+          <a:xfrm>
+            <a:off x="3684596" y="6455648"/>
+            <a:ext cx="4822804" cy="365125"/>
+          </a:xfrm>
+        </p:spPr>
+        <p:txBody>
+          <a:bodyPr/>
+          <a:lstStyle/>
+          <a:p>
+            <a:r>
+              <a:rPr lang="pt-BR" dirty="0"/>
+              <a:t>Aprendizado Profundo - 2023</a:t>
+            </a:r>
+          </a:p>
+        </p:txBody>
+      </p:sp>
+      <p:pic>
+        <p:nvPicPr>
+          <p:cNvPr id="6" name="Imagem 5" descr="Janela de vidro&#10;&#10;Descrição gerada automaticamente com confiança média">
+            <a:extLst>
+              <a:ext uri="{FF2B5EF4-FFF2-40B4-BE49-F238E27FC236}">
+                <a16:creationId xmlns:a16="http://schemas.microsoft.com/office/drawing/2014/main" id="{DB247F00-31E4-779D-51D2-45E3451637F5}"/>
+              </a:ext>
+            </a:extLst>
+          </p:cNvPr>
+          <p:cNvPicPr>
+            <a:picLocks noChangeAspect="1"/>
+          </p:cNvPicPr>
+          <p:nvPr/>
+        </p:nvPicPr>
+        <p:blipFill>
+          <a:blip r:embed="rId2" cstate="print">
+            <a:extLst>
+              <a:ext uri="{28A0092B-C50C-407E-A947-70E740481C1C}">
+                <a14:useLocalDpi xmlns:a14="http://schemas.microsoft.com/office/drawing/2010/main" val="0"/>
+              </a:ext>
+            </a:extLst>
+          </a:blip>
+          <a:stretch>
+            <a:fillRect/>
+          </a:stretch>
+        </p:blipFill>
+        <p:spPr>
+          <a:xfrm>
+            <a:off x="118159" y="6470866"/>
+            <a:ext cx="373152" cy="332105"/>
+          </a:xfrm>
+          <a:prstGeom prst="rect">
+            <a:avLst/>
+          </a:prstGeom>
+        </p:spPr>
+      </p:pic>
+      <p:pic>
+        <p:nvPicPr>
+          <p:cNvPr id="8" name="Imagem 7">
+            <a:extLst>
+              <a:ext uri="{FF2B5EF4-FFF2-40B4-BE49-F238E27FC236}">
+                <a16:creationId xmlns:a16="http://schemas.microsoft.com/office/drawing/2014/main" id="{45077CA0-11C9-CA00-03BB-1F808CEB43BE}"/>
+              </a:ext>
+            </a:extLst>
+          </p:cNvPr>
+          <p:cNvPicPr>
+            <a:picLocks noChangeAspect="1"/>
+          </p:cNvPicPr>
+          <p:nvPr/>
+        </p:nvPicPr>
+        <p:blipFill>
+          <a:blip r:embed="rId3"/>
+          <a:stretch>
+            <a:fillRect/>
+          </a:stretch>
+        </p:blipFill>
+        <p:spPr>
+          <a:xfrm>
+            <a:off x="1443387" y="3356089"/>
+            <a:ext cx="4652611" cy="1291757"/>
+          </a:xfrm>
+          <a:prstGeom prst="rect">
+            <a:avLst/>
+          </a:prstGeom>
+        </p:spPr>
+      </p:pic>
+      <p:sp>
+        <p:nvSpPr>
+          <p:cNvPr id="9" name="Espaço Reservado para Conteúdo 2">
+            <a:extLst>
+              <a:ext uri="{FF2B5EF4-FFF2-40B4-BE49-F238E27FC236}">
+                <a16:creationId xmlns:a16="http://schemas.microsoft.com/office/drawing/2014/main" id="{CD841E3B-99FE-3F8C-778F-68A9E32407F6}"/>
+              </a:ext>
+            </a:extLst>
+          </p:cNvPr>
+          <p:cNvSpPr txBox="1">
+            <a:spLocks/>
+          </p:cNvSpPr>
+          <p:nvPr/>
+        </p:nvSpPr>
+        <p:spPr>
+          <a:xfrm>
+            <a:off x="943371" y="2285952"/>
+            <a:ext cx="10058400" cy="589648"/>
+          </a:xfrm>
+          <a:prstGeom prst="rect">
+            <a:avLst/>
+          </a:prstGeom>
+        </p:spPr>
+        <p:txBody>
+          <a:bodyPr vert="horz" lIns="0" tIns="45720" rIns="0" bIns="45720" rtlCol="0">
+            <a:normAutofit/>
+          </a:bodyPr>
+          <a:lstStyle>
+            <a:lvl1pPr marL="91440" indent="-91440" algn="l" defTabSz="914400" rtl="0" eaLnBrk="1" latinLnBrk="0" hangingPunct="1">
+              <a:lnSpc>
+                <a:spcPct val="90000"/>
+              </a:lnSpc>
+              <a:spcBef>
+                <a:spcPts val="1200"/>
+              </a:spcBef>
+              <a:spcAft>
+                <a:spcPts val="200"/>
+              </a:spcAft>
+              <a:buClr>
+                <a:schemeClr val="accent1"/>
+              </a:buClr>
+              <a:buSzPct val="100000"/>
+              <a:buFont typeface="Calibri" panose="020F0502020204030204" pitchFamily="34" charset="0"/>
+              <a:buChar char=" "/>
+              <a:defRPr sz="2000" kern="1200">
+                <a:solidFill>
+                  <a:schemeClr val="tx1">
+                    <a:lumMod val="75000"/>
+                    <a:lumOff val="25000"/>
+                  </a:schemeClr>
+                </a:solidFill>
+                <a:latin typeface="+mn-lt"/>
+                <a:ea typeface="+mn-ea"/>
+                <a:cs typeface="+mn-cs"/>
+              </a:defRPr>
+            </a:lvl1pPr>
+            <a:lvl2pPr marL="384048" indent="-182880" algn="l" defTabSz="914400" rtl="0" eaLnBrk="1" latinLnBrk="0" hangingPunct="1">
+              <a:lnSpc>
+                <a:spcPct val="90000"/>
+              </a:lnSpc>
+              <a:spcBef>
+                <a:spcPts val="200"/>
+              </a:spcBef>
+              <a:spcAft>
+                <a:spcPts val="400"/>
+              </a:spcAft>
+              <a:buClr>
+                <a:schemeClr val="accent1"/>
+              </a:buClr>
+              <a:buFont typeface="Calibri" pitchFamily="34" charset="0"/>
+              <a:buChar char="◦"/>
+              <a:defRPr sz="1800" kern="1200">
+                <a:solidFill>
+                  <a:schemeClr val="tx1">
+                    <a:lumMod val="75000"/>
+                    <a:lumOff val="25000"/>
+                  </a:schemeClr>
+                </a:solidFill>
+                <a:latin typeface="+mn-lt"/>
+                <a:ea typeface="+mn-ea"/>
+                <a:cs typeface="+mn-cs"/>
+              </a:defRPr>
+            </a:lvl2pPr>
+            <a:lvl3pPr marL="566928" indent="-182880" algn="l" defTabSz="914400" rtl="0" eaLnBrk="1" latinLnBrk="0" hangingPunct="1">
+              <a:lnSpc>
+                <a:spcPct val="90000"/>
+              </a:lnSpc>
+              <a:spcBef>
+                <a:spcPts val="200"/>
+              </a:spcBef>
+              <a:spcAft>
+                <a:spcPts val="400"/>
+              </a:spcAft>
+              <a:buClr>
+                <a:schemeClr val="accent1"/>
+              </a:buClr>
+              <a:buFont typeface="Calibri" pitchFamily="34" charset="0"/>
+              <a:buChar char="◦"/>
+              <a:defRPr sz="1400" kern="1200">
+                <a:solidFill>
+                  <a:schemeClr val="tx1">
+                    <a:lumMod val="75000"/>
+                    <a:lumOff val="25000"/>
+                  </a:schemeClr>
+                </a:solidFill>
+                <a:latin typeface="+mn-lt"/>
+                <a:ea typeface="+mn-ea"/>
+                <a:cs typeface="+mn-cs"/>
+              </a:defRPr>
+            </a:lvl3pPr>
+            <a:lvl4pPr marL="749808" indent="-182880" algn="l" defTabSz="914400" rtl="0" eaLnBrk="1" latinLnBrk="0" hangingPunct="1">
+              <a:lnSpc>
+                <a:spcPct val="90000"/>
+              </a:lnSpc>
+              <a:spcBef>
+                <a:spcPts val="200"/>
+              </a:spcBef>
+              <a:spcAft>
+                <a:spcPts val="400"/>
+              </a:spcAft>
+              <a:buClr>
+                <a:schemeClr val="accent1"/>
+              </a:buClr>
+              <a:buFont typeface="Calibri" pitchFamily="34" charset="0"/>
+              <a:buChar char="◦"/>
+              <a:defRPr sz="1400" kern="1200">
+                <a:solidFill>
+                  <a:schemeClr val="tx1">
+                    <a:lumMod val="75000"/>
+                    <a:lumOff val="25000"/>
+                  </a:schemeClr>
+                </a:solidFill>
+                <a:latin typeface="+mn-lt"/>
+                <a:ea typeface="+mn-ea"/>
+                <a:cs typeface="+mn-cs"/>
+              </a:defRPr>
+            </a:lvl4pPr>
+            <a:lvl5pPr marL="932688" indent="-182880" algn="l" defTabSz="914400" rtl="0" eaLnBrk="1" latinLnBrk="0" hangingPunct="1">
+              <a:lnSpc>
+                <a:spcPct val="90000"/>
+              </a:lnSpc>
+              <a:spcBef>
+                <a:spcPts val="200"/>
+              </a:spcBef>
+              <a:spcAft>
+                <a:spcPts val="400"/>
+              </a:spcAft>
+              <a:buClr>
+                <a:schemeClr val="accent1"/>
+              </a:buClr>
+              <a:buFont typeface="Calibri" pitchFamily="34" charset="0"/>
+              <a:buChar char="◦"/>
+              <a:defRPr sz="1400" kern="1200">
+                <a:solidFill>
+                  <a:schemeClr val="tx1">
+                    <a:lumMod val="75000"/>
+                    <a:lumOff val="25000"/>
+                  </a:schemeClr>
+                </a:solidFill>
+                <a:latin typeface="+mn-lt"/>
+                <a:ea typeface="+mn-ea"/>
+                <a:cs typeface="+mn-cs"/>
+              </a:defRPr>
+            </a:lvl5pPr>
+            <a:lvl6pPr marL="1100000" indent="-228600" algn="l" defTabSz="914400" rtl="0" eaLnBrk="1" latinLnBrk="0" hangingPunct="1">
+              <a:lnSpc>
+                <a:spcPct val="90000"/>
+              </a:lnSpc>
+              <a:spcBef>
+                <a:spcPts val="200"/>
+              </a:spcBef>
+              <a:spcAft>
+                <a:spcPts val="400"/>
+              </a:spcAft>
+              <a:buClr>
+                <a:schemeClr val="accent1"/>
+              </a:buClr>
+              <a:buFont typeface="Calibri" pitchFamily="34" charset="0"/>
+              <a:buChar char="◦"/>
+              <a:defRPr sz="1400" kern="1200">
+                <a:solidFill>
+                  <a:schemeClr val="tx1">
+                    <a:lumMod val="75000"/>
+                    <a:lumOff val="25000"/>
+                  </a:schemeClr>
+                </a:solidFill>
+                <a:latin typeface="+mn-lt"/>
+                <a:ea typeface="+mn-ea"/>
+                <a:cs typeface="+mn-cs"/>
+              </a:defRPr>
+            </a:lvl6pPr>
+            <a:lvl7pPr marL="1300000" indent="-228600" algn="l" defTabSz="914400" rtl="0" eaLnBrk="1" latinLnBrk="0" hangingPunct="1">
+              <a:lnSpc>
+                <a:spcPct val="90000"/>
+              </a:lnSpc>
+              <a:spcBef>
+                <a:spcPts val="200"/>
+              </a:spcBef>
+              <a:spcAft>
+                <a:spcPts val="400"/>
+              </a:spcAft>
+              <a:buClr>
+                <a:schemeClr val="accent1"/>
+              </a:buClr>
+              <a:buFont typeface="Calibri" pitchFamily="34" charset="0"/>
+              <a:buChar char="◦"/>
+              <a:defRPr sz="1400" kern="1200">
+                <a:solidFill>
+                  <a:schemeClr val="tx1">
+                    <a:lumMod val="75000"/>
+                    <a:lumOff val="25000"/>
+                  </a:schemeClr>
+                </a:solidFill>
+                <a:latin typeface="+mn-lt"/>
+                <a:ea typeface="+mn-ea"/>
+                <a:cs typeface="+mn-cs"/>
+              </a:defRPr>
+            </a:lvl7pPr>
+            <a:lvl8pPr marL="1500000" indent="-228600" algn="l" defTabSz="914400" rtl="0" eaLnBrk="1" latinLnBrk="0" hangingPunct="1">
+              <a:lnSpc>
+                <a:spcPct val="90000"/>
+              </a:lnSpc>
+              <a:spcBef>
+                <a:spcPts val="200"/>
+              </a:spcBef>
+              <a:spcAft>
+                <a:spcPts val="400"/>
+              </a:spcAft>
+              <a:buClr>
+                <a:schemeClr val="accent1"/>
+              </a:buClr>
+              <a:buFont typeface="Calibri" pitchFamily="34" charset="0"/>
+              <a:buChar char="◦"/>
+              <a:defRPr sz="1400" kern="1200">
+                <a:solidFill>
+                  <a:schemeClr val="tx1">
+                    <a:lumMod val="75000"/>
+                    <a:lumOff val="25000"/>
+                  </a:schemeClr>
+                </a:solidFill>
+                <a:latin typeface="+mn-lt"/>
+                <a:ea typeface="+mn-ea"/>
+                <a:cs typeface="+mn-cs"/>
+              </a:defRPr>
+            </a:lvl8pPr>
+            <a:lvl9pPr marL="1700000" indent="-228600" algn="l" defTabSz="914400" rtl="0" eaLnBrk="1" latinLnBrk="0" hangingPunct="1">
+              <a:lnSpc>
+                <a:spcPct val="90000"/>
+              </a:lnSpc>
+              <a:spcBef>
+                <a:spcPts val="200"/>
+              </a:spcBef>
+              <a:spcAft>
+                <a:spcPts val="400"/>
+              </a:spcAft>
+              <a:buClr>
+                <a:schemeClr val="accent1"/>
+              </a:buClr>
+              <a:buFont typeface="Calibri" pitchFamily="34" charset="0"/>
+              <a:buChar char="◦"/>
+              <a:defRPr sz="1400" kern="1200">
+                <a:solidFill>
+                  <a:schemeClr val="tx1">
+                    <a:lumMod val="75000"/>
+                    <a:lumOff val="25000"/>
+                  </a:schemeClr>
+                </a:solidFill>
+                <a:latin typeface="+mn-lt"/>
+                <a:ea typeface="+mn-ea"/>
+                <a:cs typeface="+mn-cs"/>
+              </a:defRPr>
+            </a:lvl9pPr>
+          </a:lstStyle>
+          <a:p>
+            <a:pPr defTabSz="457200">
+              <a:lnSpc>
+                <a:spcPct val="100000"/>
+              </a:lnSpc>
+              <a:spcBef>
+                <a:spcPts val="0"/>
+              </a:spcBef>
+              <a:spcAft>
+                <a:spcPts val="0"/>
+              </a:spcAft>
+              <a:buClrTx/>
+              <a:buSzTx/>
+              <a:buFont typeface="Wingdings" panose="05000000000000000000" pitchFamily="2" charset="2"/>
+              <a:buChar char="Ø"/>
+            </a:pPr>
+            <a:r>
+              <a:rPr lang="pt-BR" sz="1600" dirty="0">
+                <a:solidFill>
+                  <a:prstClr val="black"/>
+                </a:solidFill>
+                <a:latin typeface="Arial" panose="020B0604020202020204" pitchFamily="34" charset="0"/>
+                <a:cs typeface="Arial" panose="020B0604020202020204" pitchFamily="34" charset="0"/>
+              </a:rPr>
+              <a:t> Regularização reduz o erro do modelo</a:t>
+            </a:r>
+          </a:p>
+        </p:txBody>
+      </p:sp>
+      <p:sp>
+        <p:nvSpPr>
+          <p:cNvPr id="7" name="CaixaDeTexto 6">
+            <a:extLst>
+              <a:ext uri="{FF2B5EF4-FFF2-40B4-BE49-F238E27FC236}">
+                <a16:creationId xmlns:a16="http://schemas.microsoft.com/office/drawing/2014/main" id="{1A2905F7-51E8-E528-54F5-03936D0F07E8}"/>
+              </a:ext>
+            </a:extLst>
+          </p:cNvPr>
+          <p:cNvSpPr txBox="1"/>
+          <p:nvPr/>
+        </p:nvSpPr>
+        <p:spPr>
+          <a:xfrm>
+            <a:off x="1443387" y="4942670"/>
+            <a:ext cx="6097508" cy="923330"/>
+          </a:xfrm>
+          <a:prstGeom prst="rect">
+            <a:avLst/>
+          </a:prstGeom>
+          <a:noFill/>
+        </p:spPr>
+        <p:txBody>
+          <a:bodyPr wrap="square">
+            <a:spAutoFit/>
+          </a:bodyPr>
+          <a:lstStyle/>
+          <a:p>
+            <a:pPr marL="285750" indent="-285750" defTabSz="457200">
+              <a:lnSpc>
+                <a:spcPct val="100000"/>
+              </a:lnSpc>
+              <a:spcBef>
+                <a:spcPts val="0"/>
+              </a:spcBef>
+              <a:spcAft>
+                <a:spcPts val="0"/>
+              </a:spcAft>
+              <a:buClrTx/>
+              <a:buSzTx/>
+              <a:buFont typeface="Arial" panose="020B0604020202020204" pitchFamily="34" charset="0"/>
+              <a:buChar char="•"/>
+            </a:pPr>
+            <a:r>
+              <a:rPr lang="pt-BR" b="1" dirty="0">
+                <a:solidFill>
+                  <a:prstClr val="black"/>
+                </a:solidFill>
+                <a:latin typeface="Arial" panose="020B0604020202020204" pitchFamily="34" charset="0"/>
+                <a:cs typeface="Arial" panose="020B0604020202020204" pitchFamily="34" charset="0"/>
+              </a:rPr>
+              <a:t>	</a:t>
+            </a:r>
+            <a:r>
+              <a:rPr lang="pt-BR" sz="1800" dirty="0">
+                <a:solidFill>
+                  <a:prstClr val="black"/>
+                </a:solidFill>
+                <a:latin typeface="Arial" panose="020B0604020202020204" pitchFamily="34" charset="0"/>
+                <a:cs typeface="Arial" panose="020B0604020202020204" pitchFamily="34" charset="0"/>
+              </a:rPr>
+              <a:t>Back-</a:t>
+            </a:r>
+            <a:r>
+              <a:rPr lang="pt-BR" sz="1800" dirty="0" err="1">
+                <a:solidFill>
+                  <a:prstClr val="black"/>
+                </a:solidFill>
+                <a:latin typeface="Arial" panose="020B0604020202020204" pitchFamily="34" charset="0"/>
+                <a:cs typeface="Arial" panose="020B0604020202020204" pitchFamily="34" charset="0"/>
+              </a:rPr>
+              <a:t>Translation</a:t>
+            </a:r>
+            <a:endParaRPr lang="pt-BR" sz="1800" dirty="0">
+              <a:solidFill>
+                <a:prstClr val="black"/>
+              </a:solidFill>
+              <a:latin typeface="Arial" panose="020B0604020202020204" pitchFamily="34" charset="0"/>
+              <a:cs typeface="Arial" panose="020B0604020202020204" pitchFamily="34" charset="0"/>
+            </a:endParaRPr>
+          </a:p>
+          <a:p>
+            <a:pPr defTabSz="457200">
+              <a:lnSpc>
+                <a:spcPct val="100000"/>
+              </a:lnSpc>
+              <a:spcBef>
+                <a:spcPts val="0"/>
+              </a:spcBef>
+              <a:spcAft>
+                <a:spcPts val="0"/>
+              </a:spcAft>
+              <a:buClrTx/>
+              <a:buSzTx/>
+              <a:buFont typeface="Wingdings" panose="05000000000000000000" pitchFamily="2" charset="2"/>
+              <a:buChar char="Ø"/>
+            </a:pPr>
+            <a:endParaRPr lang="pt-BR" b="1" dirty="0">
+              <a:solidFill>
+                <a:prstClr val="black"/>
+              </a:solidFill>
+              <a:latin typeface="Arial" panose="020B0604020202020204" pitchFamily="34" charset="0"/>
+              <a:cs typeface="Arial" panose="020B0604020202020204" pitchFamily="34" charset="0"/>
+            </a:endParaRPr>
+          </a:p>
+          <a:p>
+            <a:pPr marL="285750" indent="-285750" defTabSz="457200">
+              <a:lnSpc>
+                <a:spcPct val="100000"/>
+              </a:lnSpc>
+              <a:spcBef>
+                <a:spcPts val="0"/>
+              </a:spcBef>
+              <a:spcAft>
+                <a:spcPts val="0"/>
+              </a:spcAft>
+              <a:buClrTx/>
+              <a:buSzTx/>
+              <a:buFont typeface="Arial" panose="020B0604020202020204" pitchFamily="34" charset="0"/>
+              <a:buChar char="•"/>
+            </a:pPr>
+            <a:r>
+              <a:rPr lang="pt-BR" dirty="0">
+                <a:solidFill>
+                  <a:prstClr val="black"/>
+                </a:solidFill>
+                <a:latin typeface="Arial" panose="020B0604020202020204" pitchFamily="34" charset="0"/>
+                <a:cs typeface="Arial" panose="020B0604020202020204" pitchFamily="34" charset="0"/>
+              </a:rPr>
+              <a:t>	</a:t>
+            </a:r>
+            <a:r>
+              <a:rPr lang="pt-BR" sz="1800" dirty="0">
+                <a:solidFill>
+                  <a:prstClr val="black"/>
+                </a:solidFill>
+                <a:latin typeface="Arial" panose="020B0604020202020204" pitchFamily="34" charset="0"/>
+                <a:cs typeface="Arial" panose="020B0604020202020204" pitchFamily="34" charset="0"/>
+              </a:rPr>
+              <a:t>Parafrasear amostras em modelos </a:t>
+            </a:r>
+            <a:r>
+              <a:rPr lang="pt-BR" sz="1800" dirty="0" err="1">
+                <a:solidFill>
+                  <a:prstClr val="black"/>
+                </a:solidFill>
+                <a:latin typeface="Arial" panose="020B0604020202020204" pitchFamily="34" charset="0"/>
+                <a:cs typeface="Arial" panose="020B0604020202020204" pitchFamily="34" charset="0"/>
+              </a:rPr>
+              <a:t>pré</a:t>
+            </a:r>
+            <a:r>
+              <a:rPr lang="pt-BR" sz="1800" dirty="0">
+                <a:solidFill>
+                  <a:prstClr val="black"/>
+                </a:solidFill>
+                <a:latin typeface="Arial" panose="020B0604020202020204" pitchFamily="34" charset="0"/>
+                <a:cs typeface="Arial" panose="020B0604020202020204" pitchFamily="34" charset="0"/>
+              </a:rPr>
+              <a:t>-treinados</a:t>
+            </a:r>
+            <a:endParaRPr lang="pt-BR" sz="1800" b="1" dirty="0">
+              <a:solidFill>
+                <a:prstClr val="black"/>
+              </a:solidFill>
+              <a:latin typeface="Arial" panose="020B0604020202020204" pitchFamily="34" charset="0"/>
+              <a:cs typeface="Arial" panose="020B0604020202020204" pitchFamily="34" charset="0"/>
+            </a:endParaRPr>
+          </a:p>
+        </p:txBody>
+      </p:sp>
+    </p:spTree>
+    <p:extLst>
+      <p:ext uri="{BB962C8B-B14F-4D97-AF65-F5344CB8AC3E}">
+        <p14:creationId xmlns:p14="http://schemas.microsoft.com/office/powerpoint/2010/main" val="3364916802"/>
+      </p:ext>
+    </p:extLst>
+  </p:cSld>
+  <p:clrMapOvr>
+    <a:masterClrMapping/>
+  </p:clrMapOvr>
+</p:sld>
+</file>
+
+<file path=ppt/slides/slide15.xml><?xml version="1.0" encoding="utf-8"?>
 <p:sld xmlns:a="http://schemas.openxmlformats.org/drawingml/2006/main" xmlns:r="http://schemas.openxmlformats.org/officeDocument/2006/relationships" xmlns:p="http://schemas.openxmlformats.org/presentationml/2006/main">
   <p:cSld>
     <p:spTree>
@@ -5607,7 +8347,7 @@
 </p:sld>
 </file>
 
-<file path=ppt/slides/slide11.xml><?xml version="1.0" encoding="utf-8"?>
+<file path=ppt/slides/slide16.xml><?xml version="1.0" encoding="utf-8"?>
 <p:sld xmlns:a="http://schemas.openxmlformats.org/drawingml/2006/main" xmlns:r="http://schemas.openxmlformats.org/officeDocument/2006/relationships" xmlns:p="http://schemas.openxmlformats.org/presentationml/2006/main">
   <p:cSld>
     <p:spTree>
@@ -5794,7 +8534,7 @@
                 <a:latin typeface="Arial" panose="020B0604020202020204" pitchFamily="34" charset="0"/>
                 <a:cs typeface="Arial" panose="020B0604020202020204" pitchFamily="34" charset="0"/>
               </a:rPr>
-              <a:t>4.2. Diagramas dos modelos</a:t>
+              <a:t>4.2. Diagrama do modelo</a:t>
             </a:r>
             <a:endParaRPr lang="pt-BR" sz="2000" b="1" dirty="0">
               <a:solidFill>
@@ -5855,7 +8595,7 @@
 </p:sld>
 </file>
 
-<file path=ppt/slides/slide12.xml><?xml version="1.0" encoding="utf-8"?>
+<file path=ppt/slides/slide17.xml><?xml version="1.0" encoding="utf-8"?>
 <p:sld xmlns:a="http://schemas.openxmlformats.org/drawingml/2006/main" xmlns:r="http://schemas.openxmlformats.org/officeDocument/2006/relationships" xmlns:p="http://schemas.openxmlformats.org/presentationml/2006/main">
   <p:cSld>
     <p:spTree>
@@ -5872,96 +8612,6 @@
           <a:chExt cx="0" cy="0"/>
         </a:xfrm>
       </p:grpSpPr>
-      <p:pic>
-        <p:nvPicPr>
-          <p:cNvPr id="5" name="Imagem 4">
-            <a:extLst>
-              <a:ext uri="{FF2B5EF4-FFF2-40B4-BE49-F238E27FC236}">
-                <a16:creationId xmlns:a16="http://schemas.microsoft.com/office/drawing/2014/main" id="{3A51B374-E7F4-ED40-90E9-F499EFA613E4}"/>
-              </a:ext>
-            </a:extLst>
-          </p:cNvPr>
-          <p:cNvPicPr>
-            <a:picLocks noChangeAspect="1"/>
-          </p:cNvPicPr>
-          <p:nvPr/>
-        </p:nvPicPr>
-        <p:blipFill>
-          <a:blip r:embed="rId2"/>
-          <a:stretch>
-            <a:fillRect/>
-          </a:stretch>
-        </p:blipFill>
-        <p:spPr>
-          <a:xfrm>
-            <a:off x="1097280" y="4071377"/>
-            <a:ext cx="4446612" cy="2213639"/>
-          </a:xfrm>
-          <a:prstGeom prst="rect">
-            <a:avLst/>
-          </a:prstGeom>
-        </p:spPr>
-      </p:pic>
-      <p:pic>
-        <p:nvPicPr>
-          <p:cNvPr id="6" name="Imagem 5">
-            <a:extLst>
-              <a:ext uri="{FF2B5EF4-FFF2-40B4-BE49-F238E27FC236}">
-                <a16:creationId xmlns:a16="http://schemas.microsoft.com/office/drawing/2014/main" id="{EBF2753E-8CA7-9463-8202-AAD7F69F6908}"/>
-              </a:ext>
-            </a:extLst>
-          </p:cNvPr>
-          <p:cNvPicPr>
-            <a:picLocks noChangeAspect="1"/>
-          </p:cNvPicPr>
-          <p:nvPr/>
-        </p:nvPicPr>
-        <p:blipFill>
-          <a:blip r:embed="rId3"/>
-          <a:stretch>
-            <a:fillRect/>
-          </a:stretch>
-        </p:blipFill>
-        <p:spPr>
-          <a:xfrm>
-            <a:off x="6418906" y="4056866"/>
-            <a:ext cx="4446612" cy="2228150"/>
-          </a:xfrm>
-          <a:prstGeom prst="rect">
-            <a:avLst/>
-          </a:prstGeom>
-        </p:spPr>
-      </p:pic>
-      <p:pic>
-        <p:nvPicPr>
-          <p:cNvPr id="7" name="Imagem 6">
-            <a:extLst>
-              <a:ext uri="{FF2B5EF4-FFF2-40B4-BE49-F238E27FC236}">
-                <a16:creationId xmlns:a16="http://schemas.microsoft.com/office/drawing/2014/main" id="{2A11A574-01CE-CAB0-CB18-52BB453F026A}"/>
-              </a:ext>
-            </a:extLst>
-          </p:cNvPr>
-          <p:cNvPicPr>
-            <a:picLocks noChangeAspect="1"/>
-          </p:cNvPicPr>
-          <p:nvPr/>
-        </p:nvPicPr>
-        <p:blipFill>
-          <a:blip r:embed="rId4"/>
-          <a:stretch>
-            <a:fillRect/>
-          </a:stretch>
-        </p:blipFill>
-        <p:spPr>
-          <a:xfrm>
-            <a:off x="997116" y="1821374"/>
-            <a:ext cx="4611296" cy="2250003"/>
-          </a:xfrm>
-          <a:prstGeom prst="rect">
-            <a:avLst/>
-          </a:prstGeom>
-        </p:spPr>
-      </p:pic>
       <p:sp>
         <p:nvSpPr>
           <p:cNvPr id="10" name="Espaço Reservado para Rodapé 3">
@@ -6010,7 +8660,7 @@
           <p:nvPr/>
         </p:nvPicPr>
         <p:blipFill>
-          <a:blip r:embed="rId5" cstate="print">
+          <a:blip r:embed="rId2" cstate="print">
             <a:extLst>
               <a:ext uri="{28A0092B-C50C-407E-A947-70E740481C1C}">
                 <a14:useLocalDpi xmlns:a14="http://schemas.microsoft.com/office/drawing/2010/main" val="0"/>
@@ -6025,36 +8675,6 @@
           <a:xfrm>
             <a:off x="118159" y="6470866"/>
             <a:ext cx="373152" cy="332105"/>
-          </a:xfrm>
-          <a:prstGeom prst="rect">
-            <a:avLst/>
-          </a:prstGeom>
-        </p:spPr>
-      </p:pic>
-      <p:pic>
-        <p:nvPicPr>
-          <p:cNvPr id="13" name="Imagem 12">
-            <a:extLst>
-              <a:ext uri="{FF2B5EF4-FFF2-40B4-BE49-F238E27FC236}">
-                <a16:creationId xmlns:a16="http://schemas.microsoft.com/office/drawing/2014/main" id="{C86AB45C-E5BB-A0B9-A7C8-0EDDFAE42894}"/>
-              </a:ext>
-            </a:extLst>
-          </p:cNvPr>
-          <p:cNvPicPr>
-            <a:picLocks noChangeAspect="1"/>
-          </p:cNvPicPr>
-          <p:nvPr/>
-        </p:nvPicPr>
-        <p:blipFill>
-          <a:blip r:embed="rId6"/>
-          <a:stretch>
-            <a:fillRect/>
-          </a:stretch>
-        </p:blipFill>
-        <p:spPr>
-          <a:xfrm>
-            <a:off x="6418907" y="1818997"/>
-            <a:ext cx="4446611" cy="2237869"/>
           </a:xfrm>
           <a:prstGeom prst="rect">
             <a:avLst/>
@@ -6174,6 +8794,126 @@
           </a:p>
         </p:txBody>
       </p:sp>
+      <p:pic>
+        <p:nvPicPr>
+          <p:cNvPr id="18" name="Imagem 17">
+            <a:extLst>
+              <a:ext uri="{FF2B5EF4-FFF2-40B4-BE49-F238E27FC236}">
+                <a16:creationId xmlns:a16="http://schemas.microsoft.com/office/drawing/2014/main" id="{02345DB7-C94C-BC53-4641-5253C6E6D128}"/>
+              </a:ext>
+            </a:extLst>
+          </p:cNvPr>
+          <p:cNvPicPr>
+            <a:picLocks noChangeAspect="1"/>
+          </p:cNvPicPr>
+          <p:nvPr/>
+        </p:nvPicPr>
+        <p:blipFill>
+          <a:blip r:embed="rId3"/>
+          <a:stretch>
+            <a:fillRect/>
+          </a:stretch>
+        </p:blipFill>
+        <p:spPr>
+          <a:xfrm>
+            <a:off x="1097279" y="1833506"/>
+            <a:ext cx="4383506" cy="2249941"/>
+          </a:xfrm>
+          <a:prstGeom prst="rect">
+            <a:avLst/>
+          </a:prstGeom>
+        </p:spPr>
+      </p:pic>
+      <p:pic>
+        <p:nvPicPr>
+          <p:cNvPr id="20" name="Imagem 19">
+            <a:extLst>
+              <a:ext uri="{FF2B5EF4-FFF2-40B4-BE49-F238E27FC236}">
+                <a16:creationId xmlns:a16="http://schemas.microsoft.com/office/drawing/2014/main" id="{8BF19BB3-3247-3798-44ED-8B16D213BBDA}"/>
+              </a:ext>
+            </a:extLst>
+          </p:cNvPr>
+          <p:cNvPicPr>
+            <a:picLocks noChangeAspect="1"/>
+          </p:cNvPicPr>
+          <p:nvPr/>
+        </p:nvPicPr>
+        <p:blipFill>
+          <a:blip r:embed="rId4"/>
+          <a:stretch>
+            <a:fillRect/>
+          </a:stretch>
+        </p:blipFill>
+        <p:spPr>
+          <a:xfrm>
+            <a:off x="1097279" y="4083448"/>
+            <a:ext cx="4383506" cy="2220592"/>
+          </a:xfrm>
+          <a:prstGeom prst="rect">
+            <a:avLst/>
+          </a:prstGeom>
+        </p:spPr>
+      </p:pic>
+      <p:pic>
+        <p:nvPicPr>
+          <p:cNvPr id="22" name="Imagem 21">
+            <a:extLst>
+              <a:ext uri="{FF2B5EF4-FFF2-40B4-BE49-F238E27FC236}">
+                <a16:creationId xmlns:a16="http://schemas.microsoft.com/office/drawing/2014/main" id="{3403277A-9A69-6BCE-1FF8-B0BE6663BECF}"/>
+              </a:ext>
+            </a:extLst>
+          </p:cNvPr>
+          <p:cNvPicPr>
+            <a:picLocks noChangeAspect="1"/>
+          </p:cNvPicPr>
+          <p:nvPr/>
+        </p:nvPicPr>
+        <p:blipFill>
+          <a:blip r:embed="rId5"/>
+          <a:stretch>
+            <a:fillRect/>
+          </a:stretch>
+        </p:blipFill>
+        <p:spPr>
+          <a:xfrm>
+            <a:off x="6200730" y="1809082"/>
+            <a:ext cx="4191043" cy="2118651"/>
+          </a:xfrm>
+          <a:prstGeom prst="rect">
+            <a:avLst/>
+          </a:prstGeom>
+        </p:spPr>
+      </p:pic>
+      <p:pic>
+        <p:nvPicPr>
+          <p:cNvPr id="24" name="Imagem 23">
+            <a:extLst>
+              <a:ext uri="{FF2B5EF4-FFF2-40B4-BE49-F238E27FC236}">
+                <a16:creationId xmlns:a16="http://schemas.microsoft.com/office/drawing/2014/main" id="{B1774597-5599-5A2F-A5D3-EB998B6BF611}"/>
+              </a:ext>
+            </a:extLst>
+          </p:cNvPr>
+          <p:cNvPicPr>
+            <a:picLocks noChangeAspect="1"/>
+          </p:cNvPicPr>
+          <p:nvPr/>
+        </p:nvPicPr>
+        <p:blipFill>
+          <a:blip r:embed="rId6"/>
+          <a:stretch>
+            <a:fillRect/>
+          </a:stretch>
+        </p:blipFill>
+        <p:spPr>
+          <a:xfrm>
+            <a:off x="6126480" y="4102954"/>
+            <a:ext cx="4295775" cy="2200275"/>
+          </a:xfrm>
+          <a:prstGeom prst="rect">
+            <a:avLst/>
+          </a:prstGeom>
+        </p:spPr>
+      </p:pic>
     </p:spTree>
     <p:extLst>
       <p:ext uri="{BB962C8B-B14F-4D97-AF65-F5344CB8AC3E}">
@@ -6187,7 +8927,7 @@
 </p:sld>
 </file>
 
-<file path=ppt/slides/slide13.xml><?xml version="1.0" encoding="utf-8"?>
+<file path=ppt/slides/slide18.xml><?xml version="1.0" encoding="utf-8"?>
 <p:sld xmlns:a="http://schemas.openxmlformats.org/drawingml/2006/main" xmlns:r="http://schemas.openxmlformats.org/officeDocument/2006/relationships" xmlns:p="http://schemas.openxmlformats.org/presentationml/2006/main">
   <p:cSld>
     <p:spTree>
@@ -6219,14 +8959,14 @@
           <p:nvPr>
             <p:extLst>
               <p:ext uri="{D42A27DB-BD31-4B8C-83A1-F6EECF244321}">
-                <p14:modId xmlns:p14="http://schemas.microsoft.com/office/powerpoint/2010/main" val="1038695321"/>
+                <p14:modId xmlns:p14="http://schemas.microsoft.com/office/powerpoint/2010/main" val="4066992634"/>
               </p:ext>
             </p:extLst>
           </p:nvPr>
         </p:nvGraphicFramePr>
         <p:xfrm>
-          <a:off x="1827291" y="2670772"/>
-          <a:ext cx="8537418" cy="2181883"/>
+          <a:off x="1827289" y="3102174"/>
+          <a:ext cx="8537418" cy="2277231"/>
         </p:xfrm>
         <a:graphic>
           <a:graphicData uri="http://schemas.openxmlformats.org/drawingml/2006/table">
@@ -6401,7 +9141,24 @@
                           <a:latin typeface="Arial" panose="020B0604020202020204" pitchFamily="34" charset="0"/>
                           <a:cs typeface="Arial" panose="020B0604020202020204" pitchFamily="34" charset="0"/>
                         </a:rPr>
-                        <a:t>Acurácia no conjunto de teste</a:t>
+                        <a:t>Acurácia no conjunto de teste /</a:t>
+                      </a:r>
+                    </a:p>
+                    <a:p>
+                      <a:pPr algn="ctr"/>
+                      <a:r>
+                        <a:rPr lang="pt-BR" sz="1400" b="1" cap="none" spc="0" dirty="0">
+                          <a:ln>
+                            <a:noFill/>
+                          </a:ln>
+                          <a:solidFill>
+                            <a:schemeClr val="tx1"/>
+                          </a:solidFill>
+                          <a:effectLst/>
+                          <a:latin typeface="Arial" panose="020B0604020202020204" pitchFamily="34" charset="0"/>
+                          <a:cs typeface="Arial" panose="020B0604020202020204" pitchFamily="34" charset="0"/>
+                        </a:rPr>
+                        <a:t>Moda</a:t>
                       </a:r>
                     </a:p>
                   </a:txBody>
@@ -6548,7 +9305,7 @@
                           <a:latin typeface="Arial" panose="020B0604020202020204" pitchFamily="34" charset="0"/>
                           <a:cs typeface="Arial" panose="020B0604020202020204" pitchFamily="34" charset="0"/>
                         </a:rPr>
-                        <a:t>6 Segundos</a:t>
+                        <a:t>7 Segundos</a:t>
                       </a:r>
                     </a:p>
                   </a:txBody>
@@ -6615,7 +9372,7 @@
                         <a:defRPr/>
                       </a:pPr>
                       <a:r>
-                        <a:rPr lang="pt-BR" sz="1100" b="0" cap="none" spc="0" dirty="0">
+                        <a:rPr lang="pt-BR" sz="1100" b="0" kern="1200" cap="none" spc="0" dirty="0">
                           <a:ln>
                             <a:noFill/>
                           </a:ln>
@@ -6624,9 +9381,10 @@
                           </a:solidFill>
                           <a:effectLst/>
                           <a:latin typeface="Arial" panose="020B0604020202020204" pitchFamily="34" charset="0"/>
+                          <a:ea typeface="+mn-ea"/>
                           <a:cs typeface="Arial" panose="020B0604020202020204" pitchFamily="34" charset="0"/>
                         </a:rPr>
-                        <a:t>80.26%</a:t>
+                        <a:t>77%</a:t>
                       </a:r>
                     </a:p>
                   </a:txBody>
@@ -6757,7 +9515,7 @@
                           <a:latin typeface="Arial" panose="020B0604020202020204" pitchFamily="34" charset="0"/>
                           <a:cs typeface="Arial" panose="020B0604020202020204" pitchFamily="34" charset="0"/>
                         </a:rPr>
-                        <a:t>19 Segundos</a:t>
+                        <a:t>11 Segundos</a:t>
                       </a:r>
                     </a:p>
                   </a:txBody>
@@ -6836,7 +9594,7 @@
                           <a:ea typeface="+mn-ea"/>
                           <a:cs typeface="Arial" panose="020B0604020202020204" pitchFamily="34" charset="0"/>
                         </a:rPr>
-                        <a:t>83.23%</a:t>
+                        <a:t>86%</a:t>
                       </a:r>
                     </a:p>
                   </a:txBody>
@@ -6967,7 +9725,7 @@
                           <a:latin typeface="Arial" panose="020B0604020202020204" pitchFamily="34" charset="0"/>
                           <a:cs typeface="Arial" panose="020B0604020202020204" pitchFamily="34" charset="0"/>
                         </a:rPr>
-                        <a:t>24 Segundos</a:t>
+                        <a:t>15 Segundos</a:t>
                       </a:r>
                     </a:p>
                   </a:txBody>
@@ -7018,7 +9776,7 @@
                     <a:p>
                       <a:pPr algn="ctr"/>
                       <a:r>
-                        <a:rPr lang="pt-BR" sz="1100" b="0" cap="none" spc="0" dirty="0">
+                        <a:rPr lang="pt-BR" sz="1100" b="0" kern="1200" cap="none" spc="0" dirty="0">
                           <a:ln>
                             <a:noFill/>
                           </a:ln>
@@ -7027,9 +9785,10 @@
                           </a:solidFill>
                           <a:effectLst/>
                           <a:latin typeface="Arial" panose="020B0604020202020204" pitchFamily="34" charset="0"/>
+                          <a:ea typeface="+mn-ea"/>
                           <a:cs typeface="Arial" panose="020B0604020202020204" pitchFamily="34" charset="0"/>
                         </a:rPr>
-                        <a:t>86.45%</a:t>
+                        <a:t>90%</a:t>
                       </a:r>
                     </a:p>
                   </a:txBody>
@@ -7079,7 +9838,7 @@
                   </a:ext>
                 </a:extLst>
               </a:tr>
-              <a:tr h="482975">
+              <a:tr h="365606">
                 <a:tc>
                   <a:txBody>
                     <a:bodyPr/>
@@ -7176,7 +9935,7 @@
                           <a:latin typeface="Arial" panose="020B0604020202020204" pitchFamily="34" charset="0"/>
                           <a:cs typeface="Arial" panose="020B0604020202020204" pitchFamily="34" charset="0"/>
                         </a:rPr>
-                        <a:t>23 Segundos</a:t>
+                        <a:t>14 Segundos</a:t>
                       </a:r>
                     </a:p>
                   </a:txBody>
@@ -7227,7 +9986,7 @@
                     <a:p>
                       <a:pPr algn="ctr"/>
                       <a:r>
-                        <a:rPr lang="pt-BR" sz="1100" b="0" cap="none" spc="0" dirty="0">
+                        <a:rPr lang="pt-BR" sz="1100" b="0" kern="1200" cap="none" spc="0" dirty="0">
                           <a:ln>
                             <a:noFill/>
                           </a:ln>
@@ -7236,9 +9995,10 @@
                           </a:solidFill>
                           <a:effectLst/>
                           <a:latin typeface="Arial" panose="020B0604020202020204" pitchFamily="34" charset="0"/>
+                          <a:ea typeface="+mn-ea"/>
                           <a:cs typeface="Arial" panose="020B0604020202020204" pitchFamily="34" charset="0"/>
                         </a:rPr>
-                        <a:t>85.59%</a:t>
+                        <a:t>85%</a:t>
                       </a:r>
                     </a:p>
                   </a:txBody>
@@ -7474,6 +10234,59 @@
           </a:p>
         </p:txBody>
       </p:sp>
+      <p:sp>
+        <p:nvSpPr>
+          <p:cNvPr id="2" name="Espaço Reservado para Conteúdo 2">
+            <a:extLst>
+              <a:ext uri="{FF2B5EF4-FFF2-40B4-BE49-F238E27FC236}">
+                <a16:creationId xmlns:a16="http://schemas.microsoft.com/office/drawing/2014/main" id="{8196980C-B0DB-5BA7-03DB-3A09B65C51CE}"/>
+              </a:ext>
+            </a:extLst>
+          </p:cNvPr>
+          <p:cNvSpPr>
+            <a:spLocks noGrp="1"/>
+          </p:cNvSpPr>
+          <p:nvPr>
+            <p:ph idx="1"/>
+          </p:nvPr>
+        </p:nvSpPr>
+        <p:spPr>
+          <a:xfrm>
+            <a:off x="1097280" y="2251112"/>
+            <a:ext cx="10058400" cy="323850"/>
+          </a:xfrm>
+        </p:spPr>
+        <p:txBody>
+          <a:bodyPr>
+            <a:normAutofit/>
+          </a:bodyPr>
+          <a:lstStyle/>
+          <a:p>
+            <a:pPr algn="l">
+              <a:buClr>
+                <a:schemeClr val="tx1"/>
+              </a:buClr>
+              <a:buFont typeface="Wingdings" panose="05000000000000000000" pitchFamily="2" charset="2"/>
+              <a:buChar char="Ø"/>
+            </a:pPr>
+            <a:r>
+              <a:rPr lang="en-US" sz="1400" dirty="0">
+                <a:solidFill>
+                  <a:schemeClr val="tx1"/>
+                </a:solidFill>
+                <a:latin typeface="Arial" panose="020B0604020202020204" pitchFamily="34" charset="0"/>
+                <a:cs typeface="Arial" panose="020B0604020202020204" pitchFamily="34" charset="0"/>
+              </a:rPr>
+              <a:t> 80% Treinamento / 20% Teste</a:t>
+            </a:r>
+            <a:endParaRPr lang="pt-BR" dirty="0">
+              <a:solidFill>
+                <a:schemeClr val="tx1"/>
+              </a:solidFill>
+            </a:endParaRPr>
+          </a:p>
+        </p:txBody>
+      </p:sp>
     </p:spTree>
     <p:extLst>
       <p:ext uri="{BB962C8B-B14F-4D97-AF65-F5344CB8AC3E}">
@@ -7487,7 +10300,7 @@
 </p:sld>
 </file>
 
-<file path=ppt/slides/slide14.xml><?xml version="1.0" encoding="utf-8"?>
+<file path=ppt/slides/slide19.xml><?xml version="1.0" encoding="utf-8"?>
 <p:sld xmlns:a="http://schemas.openxmlformats.org/drawingml/2006/main" xmlns:r="http://schemas.openxmlformats.org/officeDocument/2006/relationships" xmlns:p="http://schemas.openxmlformats.org/presentationml/2006/main">
   <p:cSld>
     <p:spTree>
@@ -7504,36 +10317,6 @@
           <a:chExt cx="0" cy="0"/>
         </a:xfrm>
       </p:grpSpPr>
-      <p:pic>
-        <p:nvPicPr>
-          <p:cNvPr id="4" name="Imagem 3">
-            <a:extLst>
-              <a:ext uri="{FF2B5EF4-FFF2-40B4-BE49-F238E27FC236}">
-                <a16:creationId xmlns:a16="http://schemas.microsoft.com/office/drawing/2014/main" id="{03584B3D-9095-0874-F13B-31AB0145119D}"/>
-              </a:ext>
-            </a:extLst>
-          </p:cNvPr>
-          <p:cNvPicPr>
-            <a:picLocks noChangeAspect="1"/>
-          </p:cNvPicPr>
-          <p:nvPr/>
-        </p:nvPicPr>
-        <p:blipFill>
-          <a:blip r:embed="rId2"/>
-          <a:stretch>
-            <a:fillRect/>
-          </a:stretch>
-        </p:blipFill>
-        <p:spPr>
-          <a:xfrm>
-            <a:off x="1097280" y="1812004"/>
-            <a:ext cx="4226096" cy="2173687"/>
-          </a:xfrm>
-          <a:prstGeom prst="rect">
-            <a:avLst/>
-          </a:prstGeom>
-        </p:spPr>
-      </p:pic>
       <p:sp>
         <p:nvSpPr>
           <p:cNvPr id="6" name="Espaço Reservado para Rodapé 3">
@@ -7582,7 +10365,7 @@
           <p:nvPr/>
         </p:nvPicPr>
         <p:blipFill>
-          <a:blip r:embed="rId3" cstate="print">
+          <a:blip r:embed="rId2" cstate="print">
             <a:extLst>
               <a:ext uri="{28A0092B-C50C-407E-A947-70E740481C1C}">
                 <a14:useLocalDpi xmlns:a14="http://schemas.microsoft.com/office/drawing/2010/main" val="0"/>
@@ -7597,96 +10380,6 @@
           <a:xfrm>
             <a:off x="118159" y="6470866"/>
             <a:ext cx="373152" cy="332105"/>
-          </a:xfrm>
-          <a:prstGeom prst="rect">
-            <a:avLst/>
-          </a:prstGeom>
-        </p:spPr>
-      </p:pic>
-      <p:pic>
-        <p:nvPicPr>
-          <p:cNvPr id="11" name="Imagem 10">
-            <a:extLst>
-              <a:ext uri="{FF2B5EF4-FFF2-40B4-BE49-F238E27FC236}">
-                <a16:creationId xmlns:a16="http://schemas.microsoft.com/office/drawing/2014/main" id="{93D8288B-08DC-5C8D-F2A4-DA8EA83AED82}"/>
-              </a:ext>
-            </a:extLst>
-          </p:cNvPr>
-          <p:cNvPicPr>
-            <a:picLocks noChangeAspect="1"/>
-          </p:cNvPicPr>
-          <p:nvPr/>
-        </p:nvPicPr>
-        <p:blipFill>
-          <a:blip r:embed="rId4"/>
-          <a:stretch>
-            <a:fillRect/>
-          </a:stretch>
-        </p:blipFill>
-        <p:spPr>
-          <a:xfrm>
-            <a:off x="6813357" y="1826831"/>
-            <a:ext cx="4281363" cy="2192663"/>
-          </a:xfrm>
-          <a:prstGeom prst="rect">
-            <a:avLst/>
-          </a:prstGeom>
-        </p:spPr>
-      </p:pic>
-      <p:pic>
-        <p:nvPicPr>
-          <p:cNvPr id="13" name="Imagem 12">
-            <a:extLst>
-              <a:ext uri="{FF2B5EF4-FFF2-40B4-BE49-F238E27FC236}">
-                <a16:creationId xmlns:a16="http://schemas.microsoft.com/office/drawing/2014/main" id="{0F853861-4E82-B295-59B2-28134E1487A2}"/>
-              </a:ext>
-            </a:extLst>
-          </p:cNvPr>
-          <p:cNvPicPr>
-            <a:picLocks noChangeAspect="1"/>
-          </p:cNvPicPr>
-          <p:nvPr/>
-        </p:nvPicPr>
-        <p:blipFill>
-          <a:blip r:embed="rId5"/>
-          <a:stretch>
-            <a:fillRect/>
-          </a:stretch>
-        </p:blipFill>
-        <p:spPr>
-          <a:xfrm>
-            <a:off x="1134332" y="3985691"/>
-            <a:ext cx="4226096" cy="2188514"/>
-          </a:xfrm>
-          <a:prstGeom prst="rect">
-            <a:avLst/>
-          </a:prstGeom>
-        </p:spPr>
-      </p:pic>
-      <p:pic>
-        <p:nvPicPr>
-          <p:cNvPr id="15" name="Imagem 14">
-            <a:extLst>
-              <a:ext uri="{FF2B5EF4-FFF2-40B4-BE49-F238E27FC236}">
-                <a16:creationId xmlns:a16="http://schemas.microsoft.com/office/drawing/2014/main" id="{BA54C8C2-439E-3EFC-B088-6702EA8DA7CE}"/>
-              </a:ext>
-            </a:extLst>
-          </p:cNvPr>
-          <p:cNvPicPr>
-            <a:picLocks noChangeAspect="1"/>
-          </p:cNvPicPr>
-          <p:nvPr/>
-        </p:nvPicPr>
-        <p:blipFill>
-          <a:blip r:embed="rId6"/>
-          <a:stretch>
-            <a:fillRect/>
-          </a:stretch>
-        </p:blipFill>
-        <p:spPr>
-          <a:xfrm>
-            <a:off x="6813357" y="4019494"/>
-            <a:ext cx="4277765" cy="2188514"/>
           </a:xfrm>
           <a:prstGeom prst="rect">
             <a:avLst/>
@@ -7806,6 +10499,126 @@
           </a:p>
         </p:txBody>
       </p:sp>
+      <p:pic>
+        <p:nvPicPr>
+          <p:cNvPr id="3" name="Imagem 2">
+            <a:extLst>
+              <a:ext uri="{FF2B5EF4-FFF2-40B4-BE49-F238E27FC236}">
+                <a16:creationId xmlns:a16="http://schemas.microsoft.com/office/drawing/2014/main" id="{D82B20E0-8083-C66E-EFF2-D88E1C2A79F2}"/>
+              </a:ext>
+            </a:extLst>
+          </p:cNvPr>
+          <p:cNvPicPr>
+            <a:picLocks noChangeAspect="1"/>
+          </p:cNvPicPr>
+          <p:nvPr/>
+        </p:nvPicPr>
+        <p:blipFill>
+          <a:blip r:embed="rId3"/>
+          <a:stretch>
+            <a:fillRect/>
+          </a:stretch>
+        </p:blipFill>
+        <p:spPr>
+          <a:xfrm>
+            <a:off x="1099217" y="1830979"/>
+            <a:ext cx="4265885" cy="2173009"/>
+          </a:xfrm>
+          <a:prstGeom prst="rect">
+            <a:avLst/>
+          </a:prstGeom>
+        </p:spPr>
+      </p:pic>
+      <p:pic>
+        <p:nvPicPr>
+          <p:cNvPr id="8" name="Imagem 7">
+            <a:extLst>
+              <a:ext uri="{FF2B5EF4-FFF2-40B4-BE49-F238E27FC236}">
+                <a16:creationId xmlns:a16="http://schemas.microsoft.com/office/drawing/2014/main" id="{7AFF70D3-3421-AA36-F470-74B887F06B38}"/>
+              </a:ext>
+            </a:extLst>
+          </p:cNvPr>
+          <p:cNvPicPr>
+            <a:picLocks noChangeAspect="1"/>
+          </p:cNvPicPr>
+          <p:nvPr/>
+        </p:nvPicPr>
+        <p:blipFill>
+          <a:blip r:embed="rId4"/>
+          <a:stretch>
+            <a:fillRect/>
+          </a:stretch>
+        </p:blipFill>
+        <p:spPr>
+          <a:xfrm>
+            <a:off x="1097280" y="4046115"/>
+            <a:ext cx="4265886" cy="2184966"/>
+          </a:xfrm>
+          <a:prstGeom prst="rect">
+            <a:avLst/>
+          </a:prstGeom>
+        </p:spPr>
+      </p:pic>
+      <p:pic>
+        <p:nvPicPr>
+          <p:cNvPr id="10" name="Imagem 9">
+            <a:extLst>
+              <a:ext uri="{FF2B5EF4-FFF2-40B4-BE49-F238E27FC236}">
+                <a16:creationId xmlns:a16="http://schemas.microsoft.com/office/drawing/2014/main" id="{C48F1760-CC8A-C063-7B87-9FAE5122AB5D}"/>
+              </a:ext>
+            </a:extLst>
+          </p:cNvPr>
+          <p:cNvPicPr>
+            <a:picLocks noChangeAspect="1"/>
+          </p:cNvPicPr>
+          <p:nvPr/>
+        </p:nvPicPr>
+        <p:blipFill>
+          <a:blip r:embed="rId5"/>
+          <a:stretch>
+            <a:fillRect/>
+          </a:stretch>
+        </p:blipFill>
+        <p:spPr>
+          <a:xfrm>
+            <a:off x="6126480" y="1830979"/>
+            <a:ext cx="4357015" cy="2214536"/>
+          </a:xfrm>
+          <a:prstGeom prst="rect">
+            <a:avLst/>
+          </a:prstGeom>
+        </p:spPr>
+      </p:pic>
+      <p:pic>
+        <p:nvPicPr>
+          <p:cNvPr id="14" name="Imagem 13">
+            <a:extLst>
+              <a:ext uri="{FF2B5EF4-FFF2-40B4-BE49-F238E27FC236}">
+                <a16:creationId xmlns:a16="http://schemas.microsoft.com/office/drawing/2014/main" id="{60E604AF-F057-B17E-38C4-5F6310E84539}"/>
+              </a:ext>
+            </a:extLst>
+          </p:cNvPr>
+          <p:cNvPicPr>
+            <a:picLocks noChangeAspect="1"/>
+          </p:cNvPicPr>
+          <p:nvPr/>
+        </p:nvPicPr>
+        <p:blipFill>
+          <a:blip r:embed="rId6"/>
+          <a:stretch>
+            <a:fillRect/>
+          </a:stretch>
+        </p:blipFill>
+        <p:spPr>
+          <a:xfrm>
+            <a:off x="6124544" y="4045515"/>
+            <a:ext cx="4270400" cy="2184966"/>
+          </a:xfrm>
+          <a:prstGeom prst="rect">
+            <a:avLst/>
+          </a:prstGeom>
+        </p:spPr>
+      </p:pic>
     </p:spTree>
     <p:extLst>
       <p:ext uri="{BB962C8B-B14F-4D97-AF65-F5344CB8AC3E}">
@@ -7819,7 +10632,7 @@
 </p:sld>
 </file>
 
-<file path=ppt/slides/slide15.xml><?xml version="1.0" encoding="utf-8"?>
+<file path=ppt/slides/slide2.xml><?xml version="1.0" encoding="utf-8"?>
 <p:sld xmlns:a="http://schemas.openxmlformats.org/drawingml/2006/main" xmlns:r="http://schemas.openxmlformats.org/officeDocument/2006/relationships" xmlns:p="http://schemas.openxmlformats.org/presentationml/2006/main">
   <p:cSld>
     <p:spTree>
@@ -7836,35 +10649,844 @@
           <a:chExt cx="0" cy="0"/>
         </a:xfrm>
       </p:grpSpPr>
+      <p:sp>
+        <p:nvSpPr>
+          <p:cNvPr id="2" name="Título 1">
+            <a:extLst>
+              <a:ext uri="{FF2B5EF4-FFF2-40B4-BE49-F238E27FC236}">
+                <a16:creationId xmlns:a16="http://schemas.microsoft.com/office/drawing/2014/main" id="{C5B8A185-C423-7566-5114-22B56B42BB59}"/>
+              </a:ext>
+            </a:extLst>
+          </p:cNvPr>
+          <p:cNvSpPr>
+            <a:spLocks noGrp="1"/>
+          </p:cNvSpPr>
+          <p:nvPr>
+            <p:ph type="title"/>
+          </p:nvPr>
+        </p:nvSpPr>
+        <p:spPr>
+          <a:xfrm>
+            <a:off x="1097280" y="692794"/>
+            <a:ext cx="2466316" cy="592224"/>
+          </a:xfrm>
+        </p:spPr>
+        <p:txBody>
+          <a:bodyPr>
+            <a:normAutofit/>
+          </a:bodyPr>
+          <a:lstStyle/>
+          <a:p>
+            <a:pPr marL="457200" indent="-457200">
+              <a:buFont typeface="Arial" panose="020B0604020202020204" pitchFamily="34" charset="0"/>
+              <a:buChar char="•"/>
+            </a:pPr>
+            <a:r>
+              <a:rPr lang="pt-BR" sz="2400" b="1" dirty="0">
+                <a:solidFill>
+                  <a:schemeClr val="tx1"/>
+                </a:solidFill>
+                <a:latin typeface="Arial" panose="020B0604020202020204" pitchFamily="34" charset="0"/>
+                <a:cs typeface="Arial" panose="020B0604020202020204" pitchFamily="34" charset="0"/>
+              </a:rPr>
+              <a:t>TÓPICOS</a:t>
+            </a:r>
+          </a:p>
+        </p:txBody>
+      </p:sp>
       <p:pic>
         <p:nvPicPr>
-          <p:cNvPr id="5" name="Espaço Reservado para Conteúdo 4">
+          <p:cNvPr id="6" name="Imagem 5" descr="Janela de vidro&#10;&#10;Descrição gerada automaticamente com confiança média">
             <a:extLst>
               <a:ext uri="{FF2B5EF4-FFF2-40B4-BE49-F238E27FC236}">
-                <a16:creationId xmlns:a16="http://schemas.microsoft.com/office/drawing/2014/main" id="{0F4E1111-A42E-321E-F440-59149F740401}"/>
+                <a16:creationId xmlns:a16="http://schemas.microsoft.com/office/drawing/2014/main" id="{8ABCD363-4854-25F6-25BD-A49672ECFD13}"/>
               </a:ext>
             </a:extLst>
           </p:cNvPr>
           <p:cNvPicPr>
-            <a:picLocks noGrp="1" noChangeAspect="1"/>
+            <a:picLocks noChangeAspect="1"/>
           </p:cNvPicPr>
-          <p:nvPr>
-            <p:ph idx="1"/>
-          </p:nvPr>
+          <p:nvPr/>
         </p:nvPicPr>
         <p:blipFill>
-          <a:blip r:embed="rId2"/>
+          <a:blip r:embed="rId2" cstate="print">
+            <a:extLst>
+              <a:ext uri="{28A0092B-C50C-407E-A947-70E740481C1C}">
+                <a14:useLocalDpi xmlns:a14="http://schemas.microsoft.com/office/drawing/2010/main" val="0"/>
+              </a:ext>
+            </a:extLst>
+          </a:blip>
           <a:stretch>
             <a:fillRect/>
           </a:stretch>
         </p:blipFill>
         <p:spPr>
           <a:xfrm>
-            <a:off x="3182804" y="2410985"/>
-            <a:ext cx="5826387" cy="2980793"/>
+            <a:off x="118159" y="6470866"/>
+            <a:ext cx="373152" cy="332105"/>
+          </a:xfrm>
+          <a:prstGeom prst="rect">
+            <a:avLst/>
+          </a:prstGeom>
+        </p:spPr>
+      </p:pic>
+      <p:sp>
+        <p:nvSpPr>
+          <p:cNvPr id="9" name="CaixaDeTexto 8">
+            <a:extLst>
+              <a:ext uri="{FF2B5EF4-FFF2-40B4-BE49-F238E27FC236}">
+                <a16:creationId xmlns:a16="http://schemas.microsoft.com/office/drawing/2014/main" id="{BBBF1D8E-26C8-FD0C-C032-25A0D659C307}"/>
+              </a:ext>
+            </a:extLst>
+          </p:cNvPr>
+          <p:cNvSpPr txBox="1"/>
+          <p:nvPr/>
+        </p:nvSpPr>
+        <p:spPr>
+          <a:xfrm>
+            <a:off x="1260439" y="1898112"/>
+            <a:ext cx="4848314" cy="830997"/>
+          </a:xfrm>
+          <a:prstGeom prst="rect">
+            <a:avLst/>
+          </a:prstGeom>
+          <a:noFill/>
+        </p:spPr>
+        <p:txBody>
+          <a:bodyPr wrap="square" rtlCol="0">
+            <a:spAutoFit/>
+          </a:bodyPr>
+          <a:lstStyle/>
+          <a:p>
+            <a:pPr marL="342900" marR="0" lvl="0" indent="-342900" algn="l" defTabSz="457200" rtl="0" eaLnBrk="1" fontAlgn="auto" latinLnBrk="0" hangingPunct="1">
+              <a:lnSpc>
+                <a:spcPct val="100000"/>
+              </a:lnSpc>
+              <a:spcBef>
+                <a:spcPts val="0"/>
+              </a:spcBef>
+              <a:spcAft>
+                <a:spcPts val="0"/>
+              </a:spcAft>
+              <a:buClrTx/>
+              <a:buSzTx/>
+              <a:buFontTx/>
+              <a:buAutoNum type="arabicPeriod"/>
+              <a:tabLst/>
+              <a:defRPr/>
+            </a:pPr>
+            <a:r>
+              <a:rPr kumimoji="0" lang="pt-BR" sz="1600" b="1" i="0" u="none" strike="noStrike" kern="1200" cap="none" spc="0" normalizeH="0" baseline="0" noProof="0" dirty="0">
+                <a:ln>
+                  <a:noFill/>
+                </a:ln>
+                <a:solidFill>
+                  <a:prstClr val="black"/>
+                </a:solidFill>
+                <a:effectLst/>
+                <a:uLnTx/>
+                <a:uFillTx/>
+                <a:latin typeface="Arial" panose="020B0604020202020204" pitchFamily="34" charset="0"/>
+                <a:ea typeface="+mn-ea"/>
+                <a:cs typeface="Arial" panose="020B0604020202020204" pitchFamily="34" charset="0"/>
+              </a:rPr>
+              <a:t>INTRODUÇÃO</a:t>
+            </a:r>
+          </a:p>
+          <a:p>
+            <a:pPr marR="0" lvl="0" algn="l" defTabSz="457200" rtl="0" eaLnBrk="1" fontAlgn="auto" latinLnBrk="0" hangingPunct="1">
+              <a:lnSpc>
+                <a:spcPct val="100000"/>
+              </a:lnSpc>
+              <a:spcBef>
+                <a:spcPts val="0"/>
+              </a:spcBef>
+              <a:spcAft>
+                <a:spcPts val="0"/>
+              </a:spcAft>
+              <a:buClrTx/>
+              <a:buSzTx/>
+              <a:tabLst/>
+              <a:defRPr/>
+            </a:pPr>
+            <a:r>
+              <a:rPr lang="pt-BR" sz="1600" b="1" dirty="0">
+                <a:solidFill>
+                  <a:prstClr val="black"/>
+                </a:solidFill>
+                <a:latin typeface="Arial" panose="020B0604020202020204" pitchFamily="34" charset="0"/>
+                <a:cs typeface="Arial" panose="020B0604020202020204" pitchFamily="34" charset="0"/>
+              </a:rPr>
+              <a:t>	1.1. OBJETIVOS</a:t>
+            </a:r>
+            <a:endParaRPr kumimoji="0" lang="pt-BR" sz="1600" b="1" i="0" u="none" strike="noStrike" kern="1200" cap="none" spc="0" normalizeH="0" baseline="0" noProof="0" dirty="0">
+              <a:ln>
+                <a:noFill/>
+              </a:ln>
+              <a:solidFill>
+                <a:prstClr val="black"/>
+              </a:solidFill>
+              <a:effectLst/>
+              <a:uLnTx/>
+              <a:uFillTx/>
+              <a:latin typeface="Arial" panose="020B0604020202020204" pitchFamily="34" charset="0"/>
+              <a:ea typeface="+mn-ea"/>
+              <a:cs typeface="Arial" panose="020B0604020202020204" pitchFamily="34" charset="0"/>
+            </a:endParaRPr>
+          </a:p>
+          <a:p>
+            <a:pPr marL="457200" marR="0" lvl="1" indent="0" algn="l" defTabSz="457200" rtl="0" eaLnBrk="1" fontAlgn="auto" latinLnBrk="0" hangingPunct="1">
+              <a:lnSpc>
+                <a:spcPct val="100000"/>
+              </a:lnSpc>
+              <a:spcBef>
+                <a:spcPts val="0"/>
+              </a:spcBef>
+              <a:spcAft>
+                <a:spcPts val="0"/>
+              </a:spcAft>
+              <a:buClrTx/>
+              <a:buSzTx/>
+              <a:buFontTx/>
+              <a:buNone/>
+              <a:tabLst/>
+              <a:defRPr/>
+            </a:pPr>
+            <a:r>
+              <a:rPr kumimoji="0" lang="pt-BR" sz="1600" b="1" i="0" u="none" strike="noStrike" kern="1200" cap="none" spc="0" normalizeH="0" baseline="0" noProof="0" dirty="0">
+                <a:ln>
+                  <a:noFill/>
+                </a:ln>
+                <a:solidFill>
+                  <a:prstClr val="black"/>
+                </a:solidFill>
+                <a:effectLst/>
+                <a:uLnTx/>
+                <a:uFillTx/>
+                <a:latin typeface="Arial" panose="020B0604020202020204" pitchFamily="34" charset="0"/>
+                <a:ea typeface="+mn-ea"/>
+                <a:cs typeface="Arial" panose="020B0604020202020204" pitchFamily="34" charset="0"/>
+              </a:rPr>
+              <a:t>1.2. PRÉ-PROCESSAMENTO</a:t>
+            </a:r>
+          </a:p>
+        </p:txBody>
+      </p:sp>
+      <p:sp>
+        <p:nvSpPr>
+          <p:cNvPr id="10" name="CaixaDeTexto 9">
+            <a:extLst>
+              <a:ext uri="{FF2B5EF4-FFF2-40B4-BE49-F238E27FC236}">
+                <a16:creationId xmlns:a16="http://schemas.microsoft.com/office/drawing/2014/main" id="{0DF1E38E-ACFA-9FED-20CF-195C156972EC}"/>
+              </a:ext>
+            </a:extLst>
+          </p:cNvPr>
+          <p:cNvSpPr txBox="1"/>
+          <p:nvPr/>
+        </p:nvSpPr>
+        <p:spPr>
+          <a:xfrm>
+            <a:off x="1260422" y="4129492"/>
+            <a:ext cx="6815261" cy="338554"/>
+          </a:xfrm>
+          <a:prstGeom prst="rect">
+            <a:avLst/>
+          </a:prstGeom>
+          <a:noFill/>
+        </p:spPr>
+        <p:txBody>
+          <a:bodyPr wrap="square" rtlCol="0">
+            <a:spAutoFit/>
+          </a:bodyPr>
+          <a:lstStyle/>
+          <a:p>
+            <a:pPr marL="342900" marR="0" lvl="0" indent="-342900" algn="l" defTabSz="457200" rtl="0" eaLnBrk="1" fontAlgn="auto" latinLnBrk="0" hangingPunct="1">
+              <a:lnSpc>
+                <a:spcPct val="100000"/>
+              </a:lnSpc>
+              <a:spcBef>
+                <a:spcPts val="0"/>
+              </a:spcBef>
+              <a:spcAft>
+                <a:spcPts val="0"/>
+              </a:spcAft>
+              <a:buClrTx/>
+              <a:buSzTx/>
+              <a:buFontTx/>
+              <a:buAutoNum type="arabicPeriod" startAt="3"/>
+              <a:tabLst/>
+              <a:defRPr/>
+            </a:pPr>
+            <a:r>
+              <a:rPr lang="pt-BR" sz="1600" b="1" dirty="0">
+                <a:solidFill>
+                  <a:prstClr val="black"/>
+                </a:solidFill>
+                <a:latin typeface="Arial" panose="020B0604020202020204" pitchFamily="34" charset="0"/>
+                <a:cs typeface="Arial" panose="020B0604020202020204" pitchFamily="34" charset="0"/>
+              </a:rPr>
+              <a:t>REGULARIZAÇÃO PARA CONJUNTOS DE DADOS LIMITADOS</a:t>
+            </a:r>
+          </a:p>
+        </p:txBody>
+      </p:sp>
+      <p:sp>
+        <p:nvSpPr>
+          <p:cNvPr id="14" name="CaixaDeTexto 13">
+            <a:extLst>
+              <a:ext uri="{FF2B5EF4-FFF2-40B4-BE49-F238E27FC236}">
+                <a16:creationId xmlns:a16="http://schemas.microsoft.com/office/drawing/2014/main" id="{0F4E52A4-742B-A94D-4D57-DA7BF22B1D3A}"/>
+              </a:ext>
+            </a:extLst>
+          </p:cNvPr>
+          <p:cNvSpPr txBox="1"/>
+          <p:nvPr/>
+        </p:nvSpPr>
+        <p:spPr>
+          <a:xfrm>
+            <a:off x="1260422" y="4577081"/>
+            <a:ext cx="5110385" cy="1077218"/>
+          </a:xfrm>
+          <a:prstGeom prst="rect">
+            <a:avLst/>
+          </a:prstGeom>
+          <a:noFill/>
+        </p:spPr>
+        <p:txBody>
+          <a:bodyPr wrap="square" rtlCol="0">
+            <a:spAutoFit/>
+          </a:bodyPr>
+          <a:lstStyle/>
+          <a:p>
+            <a:pPr marL="342900" marR="0" lvl="0" indent="-342900" algn="l" defTabSz="457200" rtl="0" eaLnBrk="1" fontAlgn="auto" latinLnBrk="0" hangingPunct="1">
+              <a:lnSpc>
+                <a:spcPct val="100000"/>
+              </a:lnSpc>
+              <a:spcBef>
+                <a:spcPts val="0"/>
+              </a:spcBef>
+              <a:spcAft>
+                <a:spcPts val="0"/>
+              </a:spcAft>
+              <a:buClrTx/>
+              <a:buSzTx/>
+              <a:buFontTx/>
+              <a:buAutoNum type="arabicPeriod" startAt="4"/>
+              <a:tabLst/>
+              <a:defRPr/>
+            </a:pPr>
+            <a:r>
+              <a:rPr lang="pt-BR" sz="1600" b="1" dirty="0">
+                <a:solidFill>
+                  <a:prstClr val="black"/>
+                </a:solidFill>
+                <a:latin typeface="Arial" panose="020B0604020202020204" pitchFamily="34" charset="0"/>
+                <a:cs typeface="Arial" panose="020B0604020202020204" pitchFamily="34" charset="0"/>
+              </a:rPr>
+              <a:t>RESULTADOS E CONCLUSÃO</a:t>
+            </a:r>
+          </a:p>
+          <a:p>
+            <a:pPr marR="0" lvl="0" algn="l" defTabSz="457200" rtl="0" eaLnBrk="1" fontAlgn="auto" latinLnBrk="0" hangingPunct="1">
+              <a:lnSpc>
+                <a:spcPct val="100000"/>
+              </a:lnSpc>
+              <a:spcBef>
+                <a:spcPts val="0"/>
+              </a:spcBef>
+              <a:spcAft>
+                <a:spcPts val="0"/>
+              </a:spcAft>
+              <a:buClrTx/>
+              <a:buSzTx/>
+              <a:tabLst/>
+              <a:defRPr/>
+            </a:pPr>
+            <a:r>
+              <a:rPr kumimoji="0" lang="pt-BR" sz="1600" b="1" i="0" u="none" strike="noStrike" kern="1200" cap="none" spc="0" normalizeH="0" baseline="0" noProof="0" dirty="0">
+                <a:ln>
+                  <a:noFill/>
+                </a:ln>
+                <a:solidFill>
+                  <a:prstClr val="black"/>
+                </a:solidFill>
+                <a:effectLst/>
+                <a:uLnTx/>
+                <a:uFillTx/>
+                <a:latin typeface="Arial" panose="020B0604020202020204" pitchFamily="34" charset="0"/>
+                <a:ea typeface="+mn-ea"/>
+                <a:cs typeface="Arial" panose="020B0604020202020204" pitchFamily="34" charset="0"/>
+              </a:rPr>
+              <a:t>	</a:t>
+            </a:r>
+            <a:r>
+              <a:rPr lang="pt-BR" sz="1600" b="1" dirty="0">
+                <a:solidFill>
+                  <a:prstClr val="black"/>
+                </a:solidFill>
+                <a:latin typeface="Arial" panose="020B0604020202020204" pitchFamily="34" charset="0"/>
+                <a:cs typeface="Arial" panose="020B0604020202020204" pitchFamily="34" charset="0"/>
+              </a:rPr>
+              <a:t>4.1. Conjuntos de Dados</a:t>
+            </a:r>
+          </a:p>
+          <a:p>
+            <a:pPr marR="0" lvl="0" algn="l" defTabSz="457200" rtl="0" eaLnBrk="1" fontAlgn="auto" latinLnBrk="0" hangingPunct="1">
+              <a:lnSpc>
+                <a:spcPct val="100000"/>
+              </a:lnSpc>
+              <a:spcBef>
+                <a:spcPts val="0"/>
+              </a:spcBef>
+              <a:spcAft>
+                <a:spcPts val="0"/>
+              </a:spcAft>
+              <a:buClrTx/>
+              <a:buSzTx/>
+              <a:tabLst/>
+              <a:defRPr/>
+            </a:pPr>
+            <a:r>
+              <a:rPr lang="pt-BR" sz="1600" b="1" dirty="0">
+                <a:solidFill>
+                  <a:prstClr val="black"/>
+                </a:solidFill>
+                <a:latin typeface="Arial" panose="020B0604020202020204" pitchFamily="34" charset="0"/>
+                <a:cs typeface="Arial" panose="020B0604020202020204" pitchFamily="34" charset="0"/>
+              </a:rPr>
+              <a:t>	4.2. Diagrama do modelo</a:t>
+            </a:r>
+          </a:p>
+          <a:p>
+            <a:pPr marR="0" lvl="0" algn="l" defTabSz="457200" rtl="0" eaLnBrk="1" fontAlgn="auto" latinLnBrk="0" hangingPunct="1">
+              <a:lnSpc>
+                <a:spcPct val="100000"/>
+              </a:lnSpc>
+              <a:spcBef>
+                <a:spcPts val="0"/>
+              </a:spcBef>
+              <a:spcAft>
+                <a:spcPts val="0"/>
+              </a:spcAft>
+              <a:buClrTx/>
+              <a:buSzTx/>
+              <a:tabLst/>
+              <a:defRPr/>
+            </a:pPr>
+            <a:r>
+              <a:rPr kumimoji="0" lang="pt-BR" sz="1600" b="1" i="0" u="none" strike="noStrike" kern="1200" cap="none" spc="0" normalizeH="0" baseline="0" noProof="0" dirty="0">
+                <a:ln>
+                  <a:noFill/>
+                </a:ln>
+                <a:solidFill>
+                  <a:prstClr val="black"/>
+                </a:solidFill>
+                <a:effectLst/>
+                <a:uLnTx/>
+                <a:uFillTx/>
+                <a:latin typeface="Arial" panose="020B0604020202020204" pitchFamily="34" charset="0"/>
+                <a:ea typeface="+mn-ea"/>
+                <a:cs typeface="Arial" panose="020B0604020202020204" pitchFamily="34" charset="0"/>
+              </a:rPr>
+              <a:t>	4.3. Resultados</a:t>
+            </a:r>
+            <a:endParaRPr lang="pt-BR" sz="1600" b="1" dirty="0">
+              <a:solidFill>
+                <a:prstClr val="black"/>
+              </a:solidFill>
+              <a:latin typeface="Arial" panose="020B0604020202020204" pitchFamily="34" charset="0"/>
+              <a:cs typeface="Arial" panose="020B0604020202020204" pitchFamily="34" charset="0"/>
+            </a:endParaRPr>
+          </a:p>
+        </p:txBody>
+      </p:sp>
+      <p:sp>
+        <p:nvSpPr>
+          <p:cNvPr id="7" name="CaixaDeTexto 6">
+            <a:extLst>
+              <a:ext uri="{FF2B5EF4-FFF2-40B4-BE49-F238E27FC236}">
+                <a16:creationId xmlns:a16="http://schemas.microsoft.com/office/drawing/2014/main" id="{46E074DC-1F39-3464-1011-9DB3ED73FEBF}"/>
+              </a:ext>
+            </a:extLst>
+          </p:cNvPr>
+          <p:cNvSpPr txBox="1"/>
+          <p:nvPr/>
+        </p:nvSpPr>
+        <p:spPr>
+          <a:xfrm>
+            <a:off x="1260424" y="2767280"/>
+            <a:ext cx="5110385" cy="1323439"/>
+          </a:xfrm>
+          <a:prstGeom prst="rect">
+            <a:avLst/>
+          </a:prstGeom>
+          <a:noFill/>
+        </p:spPr>
+        <p:txBody>
+          <a:bodyPr wrap="square" rtlCol="0">
+            <a:spAutoFit/>
+          </a:bodyPr>
+          <a:lstStyle>
+            <a:defPPr>
+              <a:defRPr lang="en-US"/>
+            </a:defPPr>
+            <a:lvl1pPr marL="342900" indent="-342900">
+              <a:buAutoNum type="arabicPeriod" startAt="2"/>
+              <a:defRPr sz="1600" b="1">
+                <a:latin typeface="Arial" panose="020B0604020202020204" pitchFamily="34" charset="0"/>
+                <a:cs typeface="Arial" panose="020B0604020202020204" pitchFamily="34" charset="0"/>
+              </a:defRPr>
+            </a:lvl1pPr>
+          </a:lstStyle>
+          <a:p>
+            <a:pPr marL="0" marR="0" lvl="0" indent="0" algn="l" defTabSz="457200" rtl="0" eaLnBrk="1" fontAlgn="auto" latinLnBrk="0" hangingPunct="1">
+              <a:lnSpc>
+                <a:spcPct val="100000"/>
+              </a:lnSpc>
+              <a:spcBef>
+                <a:spcPts val="0"/>
+              </a:spcBef>
+              <a:spcAft>
+                <a:spcPts val="0"/>
+              </a:spcAft>
+              <a:buClrTx/>
+              <a:buSzTx/>
+              <a:buFontTx/>
+              <a:buNone/>
+              <a:tabLst/>
+              <a:defRPr/>
+            </a:pPr>
+            <a:r>
+              <a:rPr lang="pt-BR" dirty="0">
+                <a:solidFill>
+                  <a:prstClr val="black"/>
+                </a:solidFill>
+              </a:rPr>
+              <a:t>2</a:t>
+            </a:r>
+            <a:r>
+              <a:rPr kumimoji="0" lang="pt-BR" sz="1600" b="1" i="0" u="none" strike="noStrike" kern="1200" cap="none" spc="0" normalizeH="0" baseline="0" noProof="0" dirty="0">
+                <a:ln>
+                  <a:noFill/>
+                </a:ln>
+                <a:solidFill>
+                  <a:prstClr val="black"/>
+                </a:solidFill>
+                <a:effectLst/>
+                <a:uLnTx/>
+                <a:uFillTx/>
+                <a:latin typeface="Arial" panose="020B0604020202020204" pitchFamily="34" charset="0"/>
+                <a:ea typeface="+mn-ea"/>
+                <a:cs typeface="Arial" panose="020B0604020202020204" pitchFamily="34" charset="0"/>
+              </a:rPr>
+              <a:t>.   MODELOS</a:t>
+            </a:r>
+          </a:p>
+          <a:p>
+            <a:pPr marL="0" marR="0" lvl="0" indent="0" algn="l" defTabSz="457200" rtl="0" eaLnBrk="1" fontAlgn="auto" latinLnBrk="0" hangingPunct="1">
+              <a:lnSpc>
+                <a:spcPct val="100000"/>
+              </a:lnSpc>
+              <a:spcBef>
+                <a:spcPts val="0"/>
+              </a:spcBef>
+              <a:spcAft>
+                <a:spcPts val="0"/>
+              </a:spcAft>
+              <a:buClrTx/>
+              <a:buSzTx/>
+              <a:buFontTx/>
+              <a:buNone/>
+              <a:tabLst/>
+              <a:defRPr/>
+            </a:pPr>
+            <a:r>
+              <a:rPr kumimoji="0" lang="pt-BR" sz="1600" b="1" i="0" u="none" strike="noStrike" kern="1200" cap="none" spc="0" normalizeH="0" baseline="0" noProof="0" dirty="0">
+                <a:ln>
+                  <a:noFill/>
+                </a:ln>
+                <a:solidFill>
+                  <a:prstClr val="black"/>
+                </a:solidFill>
+                <a:effectLst/>
+                <a:uLnTx/>
+                <a:uFillTx/>
+                <a:latin typeface="Arial" panose="020B0604020202020204" pitchFamily="34" charset="0"/>
+                <a:ea typeface="+mn-ea"/>
+                <a:cs typeface="Arial" panose="020B0604020202020204" pitchFamily="34" charset="0"/>
+              </a:rPr>
+              <a:t>	2.1. </a:t>
+            </a:r>
+            <a:r>
+              <a:rPr lang="pt-BR" dirty="0">
+                <a:solidFill>
+                  <a:prstClr val="black"/>
+                </a:solidFill>
+              </a:rPr>
+              <a:t>RNN</a:t>
+            </a:r>
+            <a:endParaRPr kumimoji="0" lang="pt-BR" sz="1600" b="1" i="0" u="none" strike="noStrike" kern="1200" cap="none" spc="0" normalizeH="0" baseline="0" noProof="0" dirty="0">
+              <a:ln>
+                <a:noFill/>
+              </a:ln>
+              <a:solidFill>
+                <a:prstClr val="black"/>
+              </a:solidFill>
+              <a:effectLst/>
+              <a:uLnTx/>
+              <a:uFillTx/>
+              <a:latin typeface="Arial" panose="020B0604020202020204" pitchFamily="34" charset="0"/>
+              <a:ea typeface="+mn-ea"/>
+              <a:cs typeface="Arial" panose="020B0604020202020204" pitchFamily="34" charset="0"/>
+            </a:endParaRPr>
+          </a:p>
+          <a:p>
+            <a:pPr marL="0" marR="0" lvl="0" indent="0" algn="l" defTabSz="457200" rtl="0" eaLnBrk="1" fontAlgn="auto" latinLnBrk="0" hangingPunct="1">
+              <a:lnSpc>
+                <a:spcPct val="100000"/>
+              </a:lnSpc>
+              <a:spcBef>
+                <a:spcPts val="0"/>
+              </a:spcBef>
+              <a:spcAft>
+                <a:spcPts val="0"/>
+              </a:spcAft>
+              <a:buClrTx/>
+              <a:buSzTx/>
+              <a:buFontTx/>
+              <a:buNone/>
+              <a:tabLst/>
+              <a:defRPr/>
+            </a:pPr>
+            <a:r>
+              <a:rPr kumimoji="0" lang="pt-BR" sz="1600" b="1" i="0" u="none" strike="noStrike" kern="1200" cap="none" spc="0" normalizeH="0" baseline="0" noProof="0" dirty="0">
+                <a:ln>
+                  <a:noFill/>
+                </a:ln>
+                <a:solidFill>
+                  <a:prstClr val="black"/>
+                </a:solidFill>
+                <a:effectLst/>
+                <a:uLnTx/>
+                <a:uFillTx/>
+                <a:latin typeface="Arial" panose="020B0604020202020204" pitchFamily="34" charset="0"/>
+                <a:ea typeface="+mn-ea"/>
+                <a:cs typeface="Arial" panose="020B0604020202020204" pitchFamily="34" charset="0"/>
+              </a:rPr>
+              <a:t>	2.2. </a:t>
+            </a:r>
+            <a:r>
+              <a:rPr lang="pt-BR" dirty="0">
+                <a:solidFill>
+                  <a:prstClr val="black"/>
+                </a:solidFill>
+              </a:rPr>
+              <a:t>LSTM</a:t>
+            </a:r>
+          </a:p>
+          <a:p>
+            <a:pPr marL="0" marR="0" lvl="0" indent="0" algn="l" defTabSz="457200" rtl="0" eaLnBrk="1" fontAlgn="auto" latinLnBrk="0" hangingPunct="1">
+              <a:lnSpc>
+                <a:spcPct val="100000"/>
+              </a:lnSpc>
+              <a:spcBef>
+                <a:spcPts val="0"/>
+              </a:spcBef>
+              <a:spcAft>
+                <a:spcPts val="0"/>
+              </a:spcAft>
+              <a:buClrTx/>
+              <a:buSzTx/>
+              <a:buFontTx/>
+              <a:buNone/>
+              <a:tabLst/>
+              <a:defRPr/>
+            </a:pPr>
+            <a:r>
+              <a:rPr lang="pt-BR" dirty="0">
+                <a:solidFill>
+                  <a:prstClr val="black"/>
+                </a:solidFill>
+              </a:rPr>
+              <a:t>	2.3. TRANSFORMERS</a:t>
+            </a:r>
+          </a:p>
+          <a:p>
+            <a:pPr marL="0" marR="0" lvl="0" indent="0" algn="l" defTabSz="457200" rtl="0" eaLnBrk="1" fontAlgn="auto" latinLnBrk="0" hangingPunct="1">
+              <a:lnSpc>
+                <a:spcPct val="100000"/>
+              </a:lnSpc>
+              <a:spcBef>
+                <a:spcPts val="0"/>
+              </a:spcBef>
+              <a:spcAft>
+                <a:spcPts val="0"/>
+              </a:spcAft>
+              <a:buClrTx/>
+              <a:buSzTx/>
+              <a:buFontTx/>
+              <a:buNone/>
+              <a:tabLst/>
+              <a:defRPr/>
+            </a:pPr>
+            <a:r>
+              <a:rPr kumimoji="0" lang="pt-BR" sz="1600" b="1" i="0" u="none" strike="noStrike" kern="1200" cap="none" spc="0" normalizeH="0" baseline="0" noProof="0" dirty="0">
+                <a:ln>
+                  <a:noFill/>
+                </a:ln>
+                <a:solidFill>
+                  <a:prstClr val="black"/>
+                </a:solidFill>
+                <a:effectLst/>
+                <a:uLnTx/>
+                <a:uFillTx/>
+                <a:latin typeface="Arial" panose="020B0604020202020204" pitchFamily="34" charset="0"/>
+                <a:ea typeface="+mn-ea"/>
+                <a:cs typeface="Arial" panose="020B0604020202020204" pitchFamily="34" charset="0"/>
+              </a:rPr>
+              <a:t>	2.4. Ferramentas</a:t>
+            </a:r>
+          </a:p>
+        </p:txBody>
+      </p:sp>
+      <p:sp>
+        <p:nvSpPr>
+          <p:cNvPr id="8" name="CaixaDeTexto 7">
+            <a:extLst>
+              <a:ext uri="{FF2B5EF4-FFF2-40B4-BE49-F238E27FC236}">
+                <a16:creationId xmlns:a16="http://schemas.microsoft.com/office/drawing/2014/main" id="{94F1279E-CFBC-EE9C-F5D2-500606FB6846}"/>
+              </a:ext>
+            </a:extLst>
+          </p:cNvPr>
+          <p:cNvSpPr txBox="1"/>
+          <p:nvPr/>
+        </p:nvSpPr>
+        <p:spPr>
+          <a:xfrm>
+            <a:off x="1260422" y="5734313"/>
+            <a:ext cx="5110385" cy="338554"/>
+          </a:xfrm>
+          <a:prstGeom prst="rect">
+            <a:avLst/>
+          </a:prstGeom>
+          <a:noFill/>
+        </p:spPr>
+        <p:txBody>
+          <a:bodyPr wrap="square" rtlCol="0">
+            <a:spAutoFit/>
+          </a:bodyPr>
+          <a:lstStyle/>
+          <a:p>
+            <a:pPr marL="0" marR="0" lvl="0" indent="0" algn="l" defTabSz="457200" rtl="0" eaLnBrk="1" fontAlgn="auto" latinLnBrk="0" hangingPunct="1">
+              <a:lnSpc>
+                <a:spcPct val="100000"/>
+              </a:lnSpc>
+              <a:spcBef>
+                <a:spcPts val="0"/>
+              </a:spcBef>
+              <a:spcAft>
+                <a:spcPts val="0"/>
+              </a:spcAft>
+              <a:buClrTx/>
+              <a:buSzTx/>
+              <a:buFontTx/>
+              <a:buNone/>
+              <a:tabLst/>
+              <a:defRPr/>
+            </a:pPr>
+            <a:r>
+              <a:rPr lang="pt-BR" sz="1600" b="1" dirty="0">
+                <a:solidFill>
+                  <a:prstClr val="black"/>
+                </a:solidFill>
+                <a:latin typeface="Arial" panose="020B0604020202020204" pitchFamily="34" charset="0"/>
+                <a:cs typeface="Arial" panose="020B0604020202020204" pitchFamily="34" charset="0"/>
+              </a:rPr>
+              <a:t>5</a:t>
+            </a:r>
+            <a:r>
+              <a:rPr kumimoji="0" lang="pt-BR" sz="1600" b="1" i="0" u="none" strike="noStrike" kern="1200" cap="none" spc="0" normalizeH="0" baseline="0" noProof="0" dirty="0">
+                <a:ln>
+                  <a:noFill/>
+                </a:ln>
+                <a:solidFill>
+                  <a:prstClr val="black"/>
+                </a:solidFill>
+                <a:effectLst/>
+                <a:uLnTx/>
+                <a:uFillTx/>
+                <a:latin typeface="Arial" panose="020B0604020202020204" pitchFamily="34" charset="0"/>
+                <a:ea typeface="+mn-ea"/>
+                <a:cs typeface="Arial" panose="020B0604020202020204" pitchFamily="34" charset="0"/>
+              </a:rPr>
+              <a:t>.	REFERÊNCIAS</a:t>
+            </a:r>
+          </a:p>
+        </p:txBody>
+      </p:sp>
+      <p:sp>
+        <p:nvSpPr>
+          <p:cNvPr id="3" name="Espaço Reservado para Rodapé 3">
+            <a:extLst>
+              <a:ext uri="{FF2B5EF4-FFF2-40B4-BE49-F238E27FC236}">
+                <a16:creationId xmlns:a16="http://schemas.microsoft.com/office/drawing/2014/main" id="{C1D22380-4927-5FFC-29E0-44F1DB4E55F6}"/>
+              </a:ext>
+            </a:extLst>
+          </p:cNvPr>
+          <p:cNvSpPr>
+            <a:spLocks noGrp="1"/>
+          </p:cNvSpPr>
+          <p:nvPr>
+            <p:ph type="ftr" sz="quarter" idx="11"/>
+          </p:nvPr>
+        </p:nvSpPr>
+        <p:spPr>
+          <a:xfrm>
+            <a:off x="3684596" y="6455648"/>
+            <a:ext cx="4822804" cy="365125"/>
           </a:xfrm>
         </p:spPr>
-      </p:pic>
+        <p:txBody>
+          <a:bodyPr/>
+          <a:lstStyle/>
+          <a:p>
+            <a:r>
+              <a:rPr lang="pt-BR" dirty="0"/>
+              <a:t>Aprendizado Profundo - 2023</a:t>
+            </a:r>
+          </a:p>
+        </p:txBody>
+      </p:sp>
+    </p:spTree>
+    <p:extLst>
+      <p:ext uri="{BB962C8B-B14F-4D97-AF65-F5344CB8AC3E}">
+        <p14:creationId xmlns:p14="http://schemas.microsoft.com/office/powerpoint/2010/main" val="2536260634"/>
+      </p:ext>
+    </p:extLst>
+  </p:cSld>
+  <p:clrMapOvr>
+    <a:masterClrMapping/>
+  </p:clrMapOvr>
+</p:sld>
+</file>
+
+<file path=ppt/slides/slide20.xml><?xml version="1.0" encoding="utf-8"?>
+<p:sld xmlns:a="http://schemas.openxmlformats.org/drawingml/2006/main" xmlns:r="http://schemas.openxmlformats.org/officeDocument/2006/relationships" xmlns:p="http://schemas.openxmlformats.org/presentationml/2006/main">
+  <p:cSld>
+    <p:spTree>
+      <p:nvGrpSpPr>
+        <p:cNvPr id="1" name=""/>
+        <p:cNvGrpSpPr/>
+        <p:nvPr/>
+      </p:nvGrpSpPr>
+      <p:grpSpPr>
+        <a:xfrm>
+          <a:off x="0" y="0"/>
+          <a:ext cx="0" cy="0"/>
+          <a:chOff x="0" y="0"/>
+          <a:chExt cx="0" cy="0"/>
+        </a:xfrm>
+      </p:grpSpPr>
       <p:sp>
         <p:nvSpPr>
           <p:cNvPr id="7" name="Espaço Reservado para Rodapé 3">
@@ -7913,7 +11535,7 @@
           <p:nvPr/>
         </p:nvPicPr>
         <p:blipFill>
-          <a:blip r:embed="rId3" cstate="print">
+          <a:blip r:embed="rId2" cstate="print">
             <a:extLst>
               <a:ext uri="{28A0092B-C50C-407E-A947-70E740481C1C}">
                 <a14:useLocalDpi xmlns:a14="http://schemas.microsoft.com/office/drawing/2010/main" val="0"/>
@@ -8047,6 +11669,36 @@
           </a:p>
         </p:txBody>
       </p:sp>
+      <p:pic>
+        <p:nvPicPr>
+          <p:cNvPr id="6" name="Imagem 5">
+            <a:extLst>
+              <a:ext uri="{FF2B5EF4-FFF2-40B4-BE49-F238E27FC236}">
+                <a16:creationId xmlns:a16="http://schemas.microsoft.com/office/drawing/2014/main" id="{AED99272-3CB7-ABDC-C2EE-52A55E95184E}"/>
+              </a:ext>
+            </a:extLst>
+          </p:cNvPr>
+          <p:cNvPicPr>
+            <a:picLocks noChangeAspect="1"/>
+          </p:cNvPicPr>
+          <p:nvPr/>
+        </p:nvPicPr>
+        <p:blipFill>
+          <a:blip r:embed="rId3"/>
+          <a:stretch>
+            <a:fillRect/>
+          </a:stretch>
+        </p:blipFill>
+        <p:spPr>
+          <a:xfrm>
+            <a:off x="2713992" y="2341178"/>
+            <a:ext cx="6764016" cy="3493899"/>
+          </a:xfrm>
+          <a:prstGeom prst="rect">
+            <a:avLst/>
+          </a:prstGeom>
+        </p:spPr>
+      </p:pic>
     </p:spTree>
     <p:extLst>
       <p:ext uri="{BB962C8B-B14F-4D97-AF65-F5344CB8AC3E}">
@@ -8060,7 +11712,7 @@
 </p:sld>
 </file>
 
-<file path=ppt/slides/slide16.xml><?xml version="1.0" encoding="utf-8"?>
+<file path=ppt/slides/slide21.xml><?xml version="1.0" encoding="utf-8"?>
 <p:sld xmlns:a="http://schemas.openxmlformats.org/drawingml/2006/main" xmlns:r="http://schemas.openxmlformats.org/officeDocument/2006/relationships" xmlns:p="http://schemas.openxmlformats.org/presentationml/2006/main">
   <p:cSld>
     <p:spTree>
@@ -8092,14 +11744,14 @@
           <p:nvPr>
             <p:extLst>
               <p:ext uri="{D42A27DB-BD31-4B8C-83A1-F6EECF244321}">
-                <p14:modId xmlns:p14="http://schemas.microsoft.com/office/powerpoint/2010/main" val="2830372391"/>
+                <p14:modId xmlns:p14="http://schemas.microsoft.com/office/powerpoint/2010/main" val="3719485566"/>
               </p:ext>
             </p:extLst>
           </p:nvPr>
         </p:nvGraphicFramePr>
         <p:xfrm>
-          <a:off x="1827289" y="2435382"/>
-          <a:ext cx="8537418" cy="3110398"/>
+          <a:off x="1827289" y="2770360"/>
+          <a:ext cx="8537418" cy="3262001"/>
         </p:xfrm>
         <a:graphic>
           <a:graphicData uri="http://schemas.openxmlformats.org/drawingml/2006/table">
@@ -8274,7 +11926,7 @@
                           <a:latin typeface="Arial" panose="020B0604020202020204" pitchFamily="34" charset="0"/>
                           <a:cs typeface="Arial" panose="020B0604020202020204" pitchFamily="34" charset="0"/>
                         </a:rPr>
-                        <a:t>Acurácia no conjunto de teste</a:t>
+                        <a:t>Acurácia no conjunto de teste / Média</a:t>
                       </a:r>
                     </a:p>
                   </a:txBody>
@@ -8347,7 +11999,7 @@
                       </a:r>
                     </a:p>
                   </a:txBody>
-                  <a:tcPr>
+                  <a:tcPr anchor="ctr">
                     <a:lnL w="12700" cap="flat" cmpd="sng" algn="ctr">
                       <a:solidFill>
                         <a:schemeClr val="tx1"/>
@@ -8405,11 +12057,11 @@
                           <a:latin typeface="Arial" panose="020B0604020202020204" pitchFamily="34" charset="0"/>
                           <a:cs typeface="Arial" panose="020B0604020202020204" pitchFamily="34" charset="0"/>
                         </a:rPr>
-                        <a:t>1 Minuto</a:t>
+                        <a:t>36 Segundos</a:t>
                       </a:r>
                     </a:p>
                   </a:txBody>
-                  <a:tcPr>
+                  <a:tcPr anchor="ctr">
                     <a:lnL w="12700" cap="flat" cmpd="sng" algn="ctr">
                       <a:solidFill>
                         <a:schemeClr val="tx1"/>
@@ -8460,7 +12112,7 @@
                           <a:latin typeface="Arial" panose="020B0604020202020204" pitchFamily="34" charset="0"/>
                           <a:cs typeface="Arial" panose="020B0604020202020204" pitchFamily="34" charset="0"/>
                         </a:rPr>
-                        <a:t>84.78%</a:t>
+                        <a:t>82%</a:t>
                       </a:r>
                       <a:endParaRPr lang="pt-BR" sz="1100" b="0" cap="none" spc="0" dirty="0">
                         <a:ln>
@@ -8475,7 +12127,7 @@
                       </a:endParaRPr>
                     </a:p>
                   </a:txBody>
-                  <a:tcPr>
+                  <a:tcPr anchor="ctr">
                     <a:lnL w="12700" cap="flat" cmpd="sng" algn="ctr">
                       <a:solidFill>
                         <a:schemeClr val="tx1"/>
@@ -8574,7 +12226,7 @@
                       </a:endParaRPr>
                     </a:p>
                   </a:txBody>
-                  <a:tcPr>
+                  <a:tcPr anchor="ctr">
                     <a:lnL w="12700" cap="flat" cmpd="sng" algn="ctr">
                       <a:solidFill>
                         <a:schemeClr val="tx1"/>
@@ -8632,11 +12284,11 @@
                           <a:latin typeface="Arial" panose="020B0604020202020204" pitchFamily="34" charset="0"/>
                           <a:cs typeface="Arial" panose="020B0604020202020204" pitchFamily="34" charset="0"/>
                         </a:rPr>
-                        <a:t>49 Segundos</a:t>
+                        <a:t>33 Segundos</a:t>
                       </a:r>
                     </a:p>
                   </a:txBody>
-                  <a:tcPr>
+                  <a:tcPr anchor="ctr">
                     <a:lnL w="12700" cap="flat" cmpd="sng" algn="ctr">
                       <a:solidFill>
                         <a:schemeClr val="tx1"/>
@@ -8694,11 +12346,11 @@
                           <a:latin typeface="Arial" panose="020B0604020202020204" pitchFamily="34" charset="0"/>
                           <a:cs typeface="Arial" panose="020B0604020202020204" pitchFamily="34" charset="0"/>
                         </a:rPr>
-                        <a:t>80.65%</a:t>
+                        <a:t>87%</a:t>
                       </a:r>
                     </a:p>
                   </a:txBody>
-                  <a:tcPr>
+                  <a:tcPr anchor="ctr">
                     <a:lnL w="12700" cap="flat" cmpd="sng" algn="ctr">
                       <a:solidFill>
                         <a:schemeClr val="tx1"/>
@@ -8797,7 +12449,7 @@
                       </a:endParaRPr>
                     </a:p>
                   </a:txBody>
-                  <a:tcPr>
+                  <a:tcPr anchor="ctr">
                     <a:lnL w="12700" cap="flat" cmpd="sng" algn="ctr">
                       <a:solidFill>
                         <a:schemeClr val="tx1"/>
@@ -8855,11 +12507,11 @@
                           <a:latin typeface="Arial" panose="020B0604020202020204" pitchFamily="34" charset="0"/>
                           <a:cs typeface="Arial" panose="020B0604020202020204" pitchFamily="34" charset="0"/>
                         </a:rPr>
-                        <a:t>1 Minuto</a:t>
+                        <a:t>34 Segundos</a:t>
                       </a:r>
                     </a:p>
                   </a:txBody>
-                  <a:tcPr>
+                  <a:tcPr anchor="ctr">
                     <a:lnL w="12700" cap="flat" cmpd="sng" algn="ctr">
                       <a:solidFill>
                         <a:schemeClr val="tx1"/>
@@ -8918,11 +12570,11 @@
                           <a:ea typeface="+mn-ea"/>
                           <a:cs typeface="Arial" panose="020B0604020202020204" pitchFamily="34" charset="0"/>
                         </a:rPr>
-                        <a:t>89.25%</a:t>
+                        <a:t>91%</a:t>
                       </a:r>
                     </a:p>
                   </a:txBody>
-                  <a:tcPr>
+                  <a:tcPr anchor="ctr">
                     <a:lnL w="12700" cap="flat" cmpd="sng" algn="ctr">
                       <a:solidFill>
                         <a:schemeClr val="tx1"/>
@@ -9037,7 +12689,7 @@
                       </a:endParaRPr>
                     </a:p>
                   </a:txBody>
-                  <a:tcPr>
+                  <a:tcPr anchor="ctr">
                     <a:lnL w="12700" cap="flat" cmpd="sng" algn="ctr">
                       <a:solidFill>
                         <a:schemeClr val="tx1"/>
@@ -9095,11 +12747,11 @@
                           <a:latin typeface="Arial" panose="020B0604020202020204" pitchFamily="34" charset="0"/>
                           <a:cs typeface="Arial" panose="020B0604020202020204" pitchFamily="34" charset="0"/>
                         </a:rPr>
-                        <a:t>48 Segundos</a:t>
+                        <a:t>39 Segundos</a:t>
                       </a:r>
                     </a:p>
                   </a:txBody>
-                  <a:tcPr>
+                  <a:tcPr anchor="ctr">
                     <a:lnL w="12700" cap="flat" cmpd="sng" algn="ctr">
                       <a:solidFill>
                         <a:schemeClr val="tx1"/>
@@ -9158,11 +12810,11 @@
                           <a:ea typeface="+mn-ea"/>
                           <a:cs typeface="Arial" panose="020B0604020202020204" pitchFamily="34" charset="0"/>
                         </a:rPr>
-                        <a:t>94.62%</a:t>
+                        <a:t>89%</a:t>
                       </a:r>
                     </a:p>
                   </a:txBody>
-                  <a:tcPr>
+                  <a:tcPr anchor="ctr">
                     <a:lnL w="12700" cap="flat" cmpd="sng" algn="ctr">
                       <a:solidFill>
                         <a:schemeClr val="tx1"/>
@@ -9277,7 +12929,7 @@
                       </a:endParaRPr>
                     </a:p>
                   </a:txBody>
-                  <a:tcPr>
+                  <a:tcPr anchor="ctr">
                     <a:lnL w="12700" cap="flat" cmpd="sng" algn="ctr">
                       <a:solidFill>
                         <a:schemeClr val="tx1"/>
@@ -9336,11 +12988,11 @@
                           <a:ea typeface="+mn-ea"/>
                           <a:cs typeface="Arial" panose="020B0604020202020204" pitchFamily="34" charset="0"/>
                         </a:rPr>
-                        <a:t>1 Minuto</a:t>
+                        <a:t>25 Segundos</a:t>
                       </a:r>
                     </a:p>
                   </a:txBody>
-                  <a:tcPr>
+                  <a:tcPr anchor="ctr">
                     <a:lnL w="12700" cap="flat" cmpd="sng" algn="ctr">
                       <a:solidFill>
                         <a:schemeClr val="tx1"/>
@@ -9399,11 +13051,11 @@
                           <a:ea typeface="+mn-ea"/>
                           <a:cs typeface="Arial" panose="020B0604020202020204" pitchFamily="34" charset="0"/>
                         </a:rPr>
-                        <a:t>83.87%</a:t>
+                        <a:t>88%</a:t>
                       </a:r>
                     </a:p>
                   </a:txBody>
-                  <a:tcPr>
+                  <a:tcPr anchor="ctr">
                     <a:lnL w="12700" cap="flat" cmpd="sng" algn="ctr">
                       <a:solidFill>
                         <a:schemeClr val="tx1"/>
@@ -9635,6 +13287,59 @@
           </a:p>
         </p:txBody>
       </p:sp>
+      <p:sp>
+        <p:nvSpPr>
+          <p:cNvPr id="2" name="Espaço Reservado para Conteúdo 2">
+            <a:extLst>
+              <a:ext uri="{FF2B5EF4-FFF2-40B4-BE49-F238E27FC236}">
+                <a16:creationId xmlns:a16="http://schemas.microsoft.com/office/drawing/2014/main" id="{E510238A-E5CE-6A8A-7D49-C748078E3463}"/>
+              </a:ext>
+            </a:extLst>
+          </p:cNvPr>
+          <p:cNvSpPr>
+            <a:spLocks noGrp="1"/>
+          </p:cNvSpPr>
+          <p:nvPr>
+            <p:ph idx="1"/>
+          </p:nvPr>
+        </p:nvSpPr>
+        <p:spPr>
+          <a:xfrm>
+            <a:off x="1066798" y="2111532"/>
+            <a:ext cx="10058400" cy="323850"/>
+          </a:xfrm>
+        </p:spPr>
+        <p:txBody>
+          <a:bodyPr>
+            <a:normAutofit/>
+          </a:bodyPr>
+          <a:lstStyle/>
+          <a:p>
+            <a:pPr algn="l">
+              <a:buClr>
+                <a:schemeClr val="tx1"/>
+              </a:buClr>
+              <a:buFont typeface="Wingdings" panose="05000000000000000000" pitchFamily="2" charset="2"/>
+              <a:buChar char="Ø"/>
+            </a:pPr>
+            <a:r>
+              <a:rPr lang="en-US" sz="1400" dirty="0">
+                <a:solidFill>
+                  <a:schemeClr val="tx1"/>
+                </a:solidFill>
+                <a:latin typeface="Arial" panose="020B0604020202020204" pitchFamily="34" charset="0"/>
+                <a:cs typeface="Arial" panose="020B0604020202020204" pitchFamily="34" charset="0"/>
+              </a:rPr>
+              <a:t> 80% Treinamento / 20% Teste</a:t>
+            </a:r>
+            <a:endParaRPr lang="pt-BR" dirty="0">
+              <a:solidFill>
+                <a:schemeClr val="tx1"/>
+              </a:solidFill>
+            </a:endParaRPr>
+          </a:p>
+        </p:txBody>
+      </p:sp>
     </p:spTree>
     <p:extLst>
       <p:ext uri="{BB962C8B-B14F-4D97-AF65-F5344CB8AC3E}">
@@ -9648,8 +13353,8 @@
 </p:sld>
 </file>
 
-<file path=ppt/slides/slide17.xml><?xml version="1.0" encoding="utf-8"?>
-<p:sld xmlns:a="http://schemas.openxmlformats.org/drawingml/2006/main" xmlns:r="http://schemas.openxmlformats.org/officeDocument/2006/relationships" xmlns:p="http://schemas.openxmlformats.org/presentationml/2006/main">
+<file path=ppt/slides/slide22.xml><?xml version="1.0" encoding="utf-8"?>
+<p:sld xmlns:a="http://schemas.openxmlformats.org/drawingml/2006/main" xmlns:r="http://schemas.openxmlformats.org/officeDocument/2006/relationships" xmlns:p="http://schemas.openxmlformats.org/presentationml/2006/main" show="0">
   <p:cSld>
     <p:spTree>
       <p:nvGrpSpPr>
@@ -9871,7 +13576,7 @@
 </p:sld>
 </file>
 
-<file path=ppt/slides/slide18.xml><?xml version="1.0" encoding="utf-8"?>
+<file path=ppt/slides/slide23.xml><?xml version="1.0" encoding="utf-8"?>
 <p:sld xmlns:a="http://schemas.openxmlformats.org/drawingml/2006/main" xmlns:r="http://schemas.openxmlformats.org/officeDocument/2006/relationships" xmlns:p="http://schemas.openxmlformats.org/presentationml/2006/main">
   <p:cSld>
     <p:spTree>
@@ -9958,159 +13663,106 @@
           </a:bodyPr>
           <a:lstStyle/>
           <a:p>
-            <a:pPr marL="0" indent="0">
-              <a:buNone/>
+            <a:pPr>
+              <a:buClr>
+                <a:schemeClr val="tx1"/>
+              </a:buClr>
+              <a:buFont typeface="Wingdings" panose="05000000000000000000" pitchFamily="2" charset="2"/>
+              <a:buChar char="Ø"/>
             </a:pPr>
             <a:r>
-              <a:rPr lang="pt-BR" sz="1200" b="0" i="0" dirty="0" err="1">
-                <a:solidFill>
-                  <a:srgbClr val="333333"/>
-                </a:solidFill>
-                <a:effectLst/>
+              <a:rPr lang="pt-BR" sz="1200" dirty="0">
+                <a:solidFill>
+                  <a:srgbClr val="222222"/>
+                </a:solidFill>
+                <a:latin typeface="Arial" panose="020B0604020202020204" pitchFamily="34" charset="0"/>
+                <a:cs typeface="Arial" panose="020B0604020202020204" pitchFamily="34" charset="0"/>
+              </a:rPr>
+              <a:t> </a:t>
+            </a:r>
+            <a:r>
+              <a:rPr lang="pt-BR" sz="1200" dirty="0" err="1">
+                <a:solidFill>
+                  <a:srgbClr val="222222"/>
+                </a:solidFill>
                 <a:latin typeface="Arial" panose="020B0604020202020204" pitchFamily="34" charset="0"/>
                 <a:cs typeface="Arial" panose="020B0604020202020204" pitchFamily="34" charset="0"/>
               </a:rPr>
               <a:t>Shorten</a:t>
             </a:r>
             <a:r>
-              <a:rPr lang="pt-BR" sz="1200" b="0" i="0" dirty="0">
-                <a:solidFill>
-                  <a:srgbClr val="333333"/>
-                </a:solidFill>
-                <a:effectLst/>
-                <a:latin typeface="Arial" panose="020B0604020202020204" pitchFamily="34" charset="0"/>
-                <a:cs typeface="Arial" panose="020B0604020202020204" pitchFamily="34" charset="0"/>
-              </a:rPr>
-              <a:t>, C., </a:t>
-            </a:r>
-            <a:r>
               <a:rPr lang="pt-BR" sz="1200" dirty="0">
                 <a:solidFill>
-                  <a:srgbClr val="333333"/>
-                </a:solidFill>
-                <a:latin typeface="Arial" panose="020B0604020202020204" pitchFamily="34" charset="0"/>
-                <a:cs typeface="Arial" panose="020B0604020202020204" pitchFamily="34" charset="0"/>
-              </a:rPr>
-              <a:t>Khoshgoftaar,</a:t>
-            </a:r>
-            <a:r>
-              <a:rPr lang="pt-BR" sz="1200" b="0" i="0" dirty="0">
-                <a:solidFill>
-                  <a:srgbClr val="333333"/>
-                </a:solidFill>
-                <a:effectLst/>
-                <a:latin typeface="Arial" panose="020B0604020202020204" pitchFamily="34" charset="0"/>
-                <a:cs typeface="Arial" panose="020B0604020202020204" pitchFamily="34" charset="0"/>
-              </a:rPr>
-              <a:t> T.M. &amp; Furht, B. </a:t>
-            </a:r>
-            <a:r>
-              <a:rPr lang="pt-BR" sz="1200" b="0" i="0" dirty="0" err="1">
-                <a:solidFill>
-                  <a:srgbClr val="333333"/>
-                </a:solidFill>
-                <a:effectLst/>
+                  <a:srgbClr val="222222"/>
+                </a:solidFill>
+                <a:latin typeface="Arial" panose="020B0604020202020204" pitchFamily="34" charset="0"/>
+                <a:cs typeface="Arial" panose="020B0604020202020204" pitchFamily="34" charset="0"/>
+              </a:rPr>
+              <a:t>, C., Khoshgoftaar, T.M. &amp; Furht, B. </a:t>
+            </a:r>
+            <a:r>
+              <a:rPr lang="pt-BR" sz="1200" dirty="0" err="1">
+                <a:solidFill>
+                  <a:srgbClr val="222222"/>
+                </a:solidFill>
                 <a:latin typeface="Arial" panose="020B0604020202020204" pitchFamily="34" charset="0"/>
                 <a:cs typeface="Arial" panose="020B0604020202020204" pitchFamily="34" charset="0"/>
               </a:rPr>
               <a:t>Text</a:t>
             </a:r>
             <a:r>
-              <a:rPr lang="pt-BR" sz="1200" b="0" i="0" dirty="0">
-                <a:solidFill>
-                  <a:srgbClr val="333333"/>
-                </a:solidFill>
-                <a:effectLst/>
+              <a:rPr lang="pt-BR" sz="1200" dirty="0">
+                <a:solidFill>
+                  <a:srgbClr val="222222"/>
+                </a:solidFill>
                 <a:latin typeface="Arial" panose="020B0604020202020204" pitchFamily="34" charset="0"/>
                 <a:cs typeface="Arial" panose="020B0604020202020204" pitchFamily="34" charset="0"/>
               </a:rPr>
               <a:t> Data Augmentation for </a:t>
             </a:r>
             <a:r>
-              <a:rPr lang="pt-BR" sz="1200" b="0" i="0" dirty="0" err="1">
-                <a:solidFill>
-                  <a:srgbClr val="333333"/>
-                </a:solidFill>
-                <a:effectLst/>
+              <a:rPr lang="pt-BR" sz="1200" dirty="0" err="1">
+                <a:solidFill>
+                  <a:srgbClr val="222222"/>
+                </a:solidFill>
                 <a:latin typeface="Arial" panose="020B0604020202020204" pitchFamily="34" charset="0"/>
                 <a:cs typeface="Arial" panose="020B0604020202020204" pitchFamily="34" charset="0"/>
               </a:rPr>
               <a:t>Deep</a:t>
             </a:r>
             <a:r>
-              <a:rPr lang="pt-BR" sz="1200" b="0" i="0" dirty="0">
-                <a:solidFill>
-                  <a:srgbClr val="333333"/>
-                </a:solidFill>
-                <a:effectLst/>
-                <a:latin typeface="Arial" panose="020B0604020202020204" pitchFamily="34" charset="0"/>
-                <a:cs typeface="Arial" panose="020B0604020202020204" pitchFamily="34" charset="0"/>
-              </a:rPr>
-              <a:t> Learning. </a:t>
-            </a:r>
-            <a:r>
-              <a:rPr lang="pt-BR" sz="1200" b="0" i="1" dirty="0">
-                <a:solidFill>
-                  <a:srgbClr val="333333"/>
-                </a:solidFill>
-                <a:effectLst/>
-                <a:latin typeface="Arial" panose="020B0604020202020204" pitchFamily="34" charset="0"/>
-                <a:cs typeface="Arial" panose="020B0604020202020204" pitchFamily="34" charset="0"/>
-              </a:rPr>
-              <a:t>J Big Data</a:t>
-            </a:r>
-            <a:r>
-              <a:rPr lang="pt-BR" sz="1200" b="0" i="0" dirty="0">
-                <a:solidFill>
-                  <a:srgbClr val="333333"/>
-                </a:solidFill>
-                <a:effectLst/>
-                <a:latin typeface="Arial" panose="020B0604020202020204" pitchFamily="34" charset="0"/>
-                <a:cs typeface="Arial" panose="020B0604020202020204" pitchFamily="34" charset="0"/>
-              </a:rPr>
-              <a:t> </a:t>
-            </a:r>
-            <a:r>
-              <a:rPr lang="pt-BR" sz="1200" b="1" i="0" dirty="0">
-                <a:solidFill>
-                  <a:srgbClr val="333333"/>
-                </a:solidFill>
-                <a:effectLst/>
-                <a:latin typeface="Arial" panose="020B0604020202020204" pitchFamily="34" charset="0"/>
-                <a:cs typeface="Arial" panose="020B0604020202020204" pitchFamily="34" charset="0"/>
-              </a:rPr>
-              <a:t>8</a:t>
-            </a:r>
-            <a:r>
-              <a:rPr lang="pt-BR" sz="1200" b="0" i="0" dirty="0">
-                <a:solidFill>
-                  <a:srgbClr val="333333"/>
-                </a:solidFill>
-                <a:effectLst/>
-                <a:latin typeface="Arial" panose="020B0604020202020204" pitchFamily="34" charset="0"/>
-                <a:cs typeface="Arial" panose="020B0604020202020204" pitchFamily="34" charset="0"/>
-              </a:rPr>
-              <a:t>, 101 (2021).</a:t>
-            </a:r>
-          </a:p>
-          <a:p>
-            <a:pPr marL="0" indent="0" algn="just">
-              <a:buNone/>
+              <a:rPr lang="pt-BR" sz="1200" dirty="0">
+                <a:solidFill>
+                  <a:srgbClr val="222222"/>
+                </a:solidFill>
+                <a:latin typeface="Arial" panose="020B0604020202020204" pitchFamily="34" charset="0"/>
+                <a:cs typeface="Arial" panose="020B0604020202020204" pitchFamily="34" charset="0"/>
+              </a:rPr>
+              <a:t> Learning. J Big Data 8, 101 (2021).</a:t>
+            </a:r>
+          </a:p>
+          <a:p>
+            <a:pPr>
+              <a:buClr>
+                <a:schemeClr val="tx1"/>
+              </a:buClr>
+              <a:buFont typeface="Wingdings" panose="05000000000000000000" pitchFamily="2" charset="2"/>
+              <a:buChar char="Ø"/>
             </a:pPr>
             <a:r>
               <a:rPr lang="pt-BR" sz="1200" dirty="0">
                 <a:solidFill>
-                  <a:srgbClr val="333333"/>
-                </a:solidFill>
-                <a:latin typeface="Arial" panose="020B0604020202020204" pitchFamily="34" charset="0"/>
-                <a:cs typeface="Arial" panose="020B0604020202020204" pitchFamily="34" charset="0"/>
-              </a:rPr>
-              <a:t>Jason, Wei; Kai, </a:t>
+                  <a:srgbClr val="222222"/>
+                </a:solidFill>
+                <a:latin typeface="Arial" panose="020B0604020202020204" pitchFamily="34" charset="0"/>
+                <a:cs typeface="Arial" panose="020B0604020202020204" pitchFamily="34" charset="0"/>
+              </a:rPr>
+              <a:t> Jason, Wei; Kai, </a:t>
             </a:r>
             <a:r>
               <a:rPr lang="pt-BR" sz="1200" dirty="0" err="1">
                 <a:solidFill>
-                  <a:srgbClr val="333333"/>
+                  <a:srgbClr val="222222"/>
                 </a:solidFill>
                 <a:latin typeface="Arial" panose="020B0604020202020204" pitchFamily="34" charset="0"/>
                 <a:cs typeface="Arial" panose="020B0604020202020204" pitchFamily="34" charset="0"/>
@@ -10120,7 +13772,7 @@
             <a:r>
               <a:rPr lang="pt-BR" sz="1200" dirty="0">
                 <a:solidFill>
-                  <a:srgbClr val="333333"/>
+                  <a:srgbClr val="222222"/>
                 </a:solidFill>
                 <a:latin typeface="Arial" panose="020B0604020202020204" pitchFamily="34" charset="0"/>
                 <a:cs typeface="Arial" panose="020B0604020202020204" pitchFamily="34" charset="0"/>
@@ -10130,7 +13782,7 @@
             <a:r>
               <a:rPr lang="pt-BR" sz="1200" dirty="0">
                 <a:solidFill>
-                  <a:srgbClr val="333333"/>
+                  <a:srgbClr val="222222"/>
                 </a:solidFill>
                 <a:latin typeface="Arial" panose="020B0604020202020204" pitchFamily="34" charset="0"/>
                 <a:cs typeface="Arial" panose="020B0604020202020204" pitchFamily="34" charset="0"/>
@@ -10147,7 +13799,7 @@
             <a:r>
               <a:rPr lang="pt-BR" sz="1200" dirty="0" err="1">
                 <a:solidFill>
-                  <a:srgbClr val="333333"/>
+                  <a:srgbClr val="222222"/>
                 </a:solidFill>
                 <a:latin typeface="Arial" panose="020B0604020202020204" pitchFamily="34" charset="0"/>
                 <a:cs typeface="Arial" panose="020B0604020202020204" pitchFamily="34" charset="0"/>
@@ -10164,7 +13816,7 @@
             <a:r>
               <a:rPr lang="pt-BR" sz="1200" dirty="0">
                 <a:solidFill>
-                  <a:srgbClr val="333333"/>
+                  <a:srgbClr val="222222"/>
                 </a:solidFill>
                 <a:latin typeface="Arial" panose="020B0604020202020204" pitchFamily="34" charset="0"/>
                 <a:cs typeface="Arial" panose="020B0604020202020204" pitchFamily="34" charset="0"/>
@@ -10181,7 +13833,7 @@
             <a:r>
               <a:rPr lang="pt-BR" sz="1200" dirty="0" err="1">
                 <a:solidFill>
-                  <a:srgbClr val="333333"/>
+                  <a:srgbClr val="222222"/>
                 </a:solidFill>
                 <a:latin typeface="Arial" panose="020B0604020202020204" pitchFamily="34" charset="0"/>
                 <a:cs typeface="Arial" panose="020B0604020202020204" pitchFamily="34" charset="0"/>
@@ -10198,7 +13850,7 @@
             <a:r>
               <a:rPr lang="pt-BR" sz="1200" dirty="0">
                 <a:solidFill>
-                  <a:srgbClr val="333333"/>
+                  <a:srgbClr val="222222"/>
                 </a:solidFill>
                 <a:latin typeface="Arial" panose="020B0604020202020204" pitchFamily="34" charset="0"/>
                 <a:cs typeface="Arial" panose="020B0604020202020204" pitchFamily="34" charset="0"/>
@@ -10215,7 +13867,7 @@
             <a:r>
               <a:rPr lang="pt-BR" sz="1200" dirty="0" err="1">
                 <a:solidFill>
-                  <a:srgbClr val="333333"/>
+                  <a:srgbClr val="222222"/>
                 </a:solidFill>
                 <a:latin typeface="Arial" panose="020B0604020202020204" pitchFamily="34" charset="0"/>
                 <a:cs typeface="Arial" panose="020B0604020202020204" pitchFamily="34" charset="0"/>
@@ -10232,7 +13884,7 @@
             <a:r>
               <a:rPr lang="pt-BR" sz="1200" dirty="0">
                 <a:solidFill>
-                  <a:srgbClr val="333333"/>
+                  <a:srgbClr val="222222"/>
                 </a:solidFill>
                 <a:latin typeface="Arial" panose="020B0604020202020204" pitchFamily="34" charset="0"/>
                 <a:cs typeface="Arial" panose="020B0604020202020204" pitchFamily="34" charset="0"/>
@@ -10249,7 +13901,7 @@
             <a:r>
               <a:rPr lang="pt-BR" sz="1200" dirty="0" err="1">
                 <a:solidFill>
-                  <a:srgbClr val="333333"/>
+                  <a:srgbClr val="222222"/>
                 </a:solidFill>
                 <a:latin typeface="Arial" panose="020B0604020202020204" pitchFamily="34" charset="0"/>
                 <a:cs typeface="Arial" panose="020B0604020202020204" pitchFamily="34" charset="0"/>
@@ -10266,7 +13918,7 @@
             <a:r>
               <a:rPr lang="pt-BR" sz="1200" dirty="0">
                 <a:solidFill>
-                  <a:srgbClr val="333333"/>
+                  <a:srgbClr val="222222"/>
                 </a:solidFill>
                 <a:latin typeface="Arial" panose="020B0604020202020204" pitchFamily="34" charset="0"/>
                 <a:cs typeface="Arial" panose="020B0604020202020204" pitchFamily="34" charset="0"/>
@@ -10283,7 +13935,7 @@
             <a:r>
               <a:rPr lang="pt-BR" sz="1200" dirty="0" err="1">
                 <a:solidFill>
-                  <a:srgbClr val="333333"/>
+                  <a:srgbClr val="222222"/>
                 </a:solidFill>
                 <a:latin typeface="Arial" panose="020B0604020202020204" pitchFamily="34" charset="0"/>
                 <a:cs typeface="Arial" panose="020B0604020202020204" pitchFamily="34" charset="0"/>
@@ -10300,7 +13952,7 @@
             <a:r>
               <a:rPr lang="pt-BR" sz="1200" dirty="0">
                 <a:solidFill>
-                  <a:srgbClr val="333333"/>
+                  <a:srgbClr val="222222"/>
                 </a:solidFill>
                 <a:latin typeface="Arial" panose="020B0604020202020204" pitchFamily="34" charset="0"/>
                 <a:cs typeface="Arial" panose="020B0604020202020204" pitchFamily="34" charset="0"/>
@@ -10317,7 +13969,7 @@
             <a:r>
               <a:rPr lang="pt-BR" sz="1200" dirty="0" err="1">
                 <a:solidFill>
-                  <a:srgbClr val="333333"/>
+                  <a:srgbClr val="222222"/>
                 </a:solidFill>
                 <a:latin typeface="Arial" panose="020B0604020202020204" pitchFamily="34" charset="0"/>
                 <a:cs typeface="Arial" panose="020B0604020202020204" pitchFamily="34" charset="0"/>
@@ -10334,7 +13986,7 @@
             <a:r>
               <a:rPr lang="pt-BR" sz="1200" dirty="0">
                 <a:solidFill>
-                  <a:srgbClr val="333333"/>
+                  <a:srgbClr val="222222"/>
                 </a:solidFill>
                 <a:latin typeface="Arial" panose="020B0604020202020204" pitchFamily="34" charset="0"/>
                 <a:cs typeface="Arial" panose="020B0604020202020204" pitchFamily="34" charset="0"/>
@@ -10351,7 +14003,7 @@
             <a:r>
               <a:rPr lang="pt-BR" sz="1200" dirty="0" err="1">
                 <a:solidFill>
-                  <a:srgbClr val="333333"/>
+                  <a:srgbClr val="222222"/>
                 </a:solidFill>
                 <a:latin typeface="Arial" panose="020B0604020202020204" pitchFamily="34" charset="0"/>
                 <a:cs typeface="Arial" panose="020B0604020202020204" pitchFamily="34" charset="0"/>
@@ -10368,7 +14020,7 @@
             <a:r>
               <a:rPr lang="pt-BR" sz="1200" dirty="0">
                 <a:solidFill>
-                  <a:srgbClr val="333333"/>
+                  <a:srgbClr val="222222"/>
                 </a:solidFill>
                 <a:latin typeface="Arial" panose="020B0604020202020204" pitchFamily="34" charset="0"/>
                 <a:cs typeface="Arial" panose="020B0604020202020204" pitchFamily="34" charset="0"/>
@@ -10378,7 +14030,7 @@
             <a:r>
               <a:rPr lang="pt-BR" sz="1200" dirty="0" err="1">
                 <a:solidFill>
-                  <a:srgbClr val="333333"/>
+                  <a:srgbClr val="222222"/>
                 </a:solidFill>
                 <a:latin typeface="Arial" panose="020B0604020202020204" pitchFamily="34" charset="0"/>
                 <a:cs typeface="Arial" panose="020B0604020202020204" pitchFamily="34" charset="0"/>
@@ -10388,7 +14040,7 @@
             <a:r>
               <a:rPr lang="pt-BR" sz="1200" dirty="0">
                 <a:solidFill>
-                  <a:srgbClr val="333333"/>
+                  <a:srgbClr val="222222"/>
                 </a:solidFill>
                 <a:latin typeface="Arial" panose="020B0604020202020204" pitchFamily="34" charset="0"/>
                 <a:cs typeface="Arial" panose="020B0604020202020204" pitchFamily="34" charset="0"/>
@@ -10398,7 +14050,7 @@
             <a:r>
               <a:rPr lang="pt-BR" sz="1200" dirty="0" err="1">
                 <a:solidFill>
-                  <a:srgbClr val="333333"/>
+                  <a:srgbClr val="222222"/>
                 </a:solidFill>
                 <a:latin typeface="Arial" panose="020B0604020202020204" pitchFamily="34" charset="0"/>
                 <a:cs typeface="Arial" panose="020B0604020202020204" pitchFamily="34" charset="0"/>
@@ -10408,7 +14060,7 @@
             <a:r>
               <a:rPr lang="pt-BR" sz="1200" dirty="0">
                 <a:solidFill>
-                  <a:srgbClr val="333333"/>
+                  <a:srgbClr val="222222"/>
                 </a:solidFill>
                 <a:latin typeface="Arial" panose="020B0604020202020204" pitchFamily="34" charset="0"/>
                 <a:cs typeface="Arial" panose="020B0604020202020204" pitchFamily="34" charset="0"/>
@@ -10418,7 +14070,7 @@
             <a:r>
               <a:rPr lang="pt-BR" sz="1200" dirty="0" err="1">
                 <a:solidFill>
-                  <a:srgbClr val="333333"/>
+                  <a:srgbClr val="222222"/>
                 </a:solidFill>
                 <a:latin typeface="Arial" panose="020B0604020202020204" pitchFamily="34" charset="0"/>
                 <a:cs typeface="Arial" panose="020B0604020202020204" pitchFamily="34" charset="0"/>
@@ -10428,7 +14080,7 @@
             <a:r>
               <a:rPr lang="pt-BR" sz="1200" dirty="0">
                 <a:solidFill>
-                  <a:srgbClr val="333333"/>
+                  <a:srgbClr val="222222"/>
                 </a:solidFill>
                 <a:latin typeface="Arial" panose="020B0604020202020204" pitchFamily="34" charset="0"/>
                 <a:cs typeface="Arial" panose="020B0604020202020204" pitchFamily="34" charset="0"/>
@@ -10438,7 +14090,7 @@
             <a:r>
               <a:rPr lang="pt-BR" sz="1200" dirty="0" err="1">
                 <a:solidFill>
-                  <a:srgbClr val="333333"/>
+                  <a:srgbClr val="222222"/>
                 </a:solidFill>
                 <a:latin typeface="Arial" panose="020B0604020202020204" pitchFamily="34" charset="0"/>
                 <a:cs typeface="Arial" panose="020B0604020202020204" pitchFamily="34" charset="0"/>
@@ -10448,7 +14100,7 @@
             <a:r>
               <a:rPr lang="pt-BR" sz="1200" dirty="0">
                 <a:solidFill>
-                  <a:srgbClr val="333333"/>
+                  <a:srgbClr val="222222"/>
                 </a:solidFill>
                 <a:latin typeface="Arial" panose="020B0604020202020204" pitchFamily="34" charset="0"/>
                 <a:cs typeface="Arial" panose="020B0604020202020204" pitchFamily="34" charset="0"/>
@@ -10458,7 +14110,7 @@
             <a:r>
               <a:rPr lang="pt-BR" sz="1200" dirty="0" err="1">
                 <a:solidFill>
-                  <a:srgbClr val="333333"/>
+                  <a:srgbClr val="222222"/>
                 </a:solidFill>
                 <a:latin typeface="Arial" panose="020B0604020202020204" pitchFamily="34" charset="0"/>
                 <a:cs typeface="Arial" panose="020B0604020202020204" pitchFamily="34" charset="0"/>
@@ -10468,7 +14120,7 @@
             <a:r>
               <a:rPr lang="pt-BR" sz="1200" dirty="0">
                 <a:solidFill>
-                  <a:srgbClr val="333333"/>
+                  <a:srgbClr val="222222"/>
                 </a:solidFill>
                 <a:latin typeface="Arial" panose="020B0604020202020204" pitchFamily="34" charset="0"/>
                 <a:cs typeface="Arial" panose="020B0604020202020204" pitchFamily="34" charset="0"/>
@@ -10478,7 +14130,7 @@
             <a:r>
               <a:rPr lang="pt-BR" sz="1200" dirty="0" err="1">
                 <a:solidFill>
-                  <a:srgbClr val="333333"/>
+                  <a:srgbClr val="222222"/>
                 </a:solidFill>
                 <a:latin typeface="Arial" panose="020B0604020202020204" pitchFamily="34" charset="0"/>
                 <a:cs typeface="Arial" panose="020B0604020202020204" pitchFamily="34" charset="0"/>
@@ -10488,7 +14140,7 @@
             <a:r>
               <a:rPr lang="pt-BR" sz="1200" dirty="0">
                 <a:solidFill>
-                  <a:srgbClr val="333333"/>
+                  <a:srgbClr val="222222"/>
                 </a:solidFill>
                 <a:latin typeface="Arial" panose="020B0604020202020204" pitchFamily="34" charset="0"/>
                 <a:cs typeface="Arial" panose="020B0604020202020204" pitchFamily="34" charset="0"/>
@@ -10498,7 +14150,7 @@
             <a:r>
               <a:rPr lang="pt-BR" sz="1200" dirty="0" err="1">
                 <a:solidFill>
-                  <a:srgbClr val="333333"/>
+                  <a:srgbClr val="222222"/>
                 </a:solidFill>
                 <a:latin typeface="Arial" panose="020B0604020202020204" pitchFamily="34" charset="0"/>
                 <a:cs typeface="Arial" panose="020B0604020202020204" pitchFamily="34" charset="0"/>
@@ -10508,7 +14160,7 @@
             <a:r>
               <a:rPr lang="pt-BR" sz="1200" dirty="0">
                 <a:solidFill>
-                  <a:srgbClr val="333333"/>
+                  <a:srgbClr val="222222"/>
                 </a:solidFill>
                 <a:latin typeface="Arial" panose="020B0604020202020204" pitchFamily="34" charset="0"/>
                 <a:cs typeface="Arial" panose="020B0604020202020204" pitchFamily="34" charset="0"/>
@@ -10518,7 +14170,7 @@
             <a:r>
               <a:rPr lang="pt-BR" sz="1200" dirty="0" err="1">
                 <a:solidFill>
-                  <a:srgbClr val="333333"/>
+                  <a:srgbClr val="222222"/>
                 </a:solidFill>
                 <a:latin typeface="Arial" panose="020B0604020202020204" pitchFamily="34" charset="0"/>
                 <a:cs typeface="Arial" panose="020B0604020202020204" pitchFamily="34" charset="0"/>
@@ -10528,7 +14180,7 @@
             <a:r>
               <a:rPr lang="pt-BR" sz="1200" dirty="0">
                 <a:solidFill>
-                  <a:srgbClr val="333333"/>
+                  <a:srgbClr val="222222"/>
                 </a:solidFill>
                 <a:latin typeface="Arial" panose="020B0604020202020204" pitchFamily="34" charset="0"/>
                 <a:cs typeface="Arial" panose="020B0604020202020204" pitchFamily="34" charset="0"/>
@@ -10538,7 +14190,7 @@
             <a:r>
               <a:rPr lang="pt-BR" sz="1200" dirty="0" err="1">
                 <a:solidFill>
-                  <a:srgbClr val="333333"/>
+                  <a:srgbClr val="222222"/>
                 </a:solidFill>
                 <a:latin typeface="Arial" panose="020B0604020202020204" pitchFamily="34" charset="0"/>
                 <a:cs typeface="Arial" panose="020B0604020202020204" pitchFamily="34" charset="0"/>
@@ -10548,7 +14200,7 @@
             <a:r>
               <a:rPr lang="pt-BR" sz="1200" dirty="0">
                 <a:solidFill>
-                  <a:srgbClr val="333333"/>
+                  <a:srgbClr val="222222"/>
                 </a:solidFill>
                 <a:latin typeface="Arial" panose="020B0604020202020204" pitchFamily="34" charset="0"/>
                 <a:cs typeface="Arial" panose="020B0604020202020204" pitchFamily="34" charset="0"/>
@@ -10558,7 +14210,7 @@
             <a:r>
               <a:rPr lang="pt-BR" sz="1200" dirty="0" err="1">
                 <a:solidFill>
-                  <a:srgbClr val="333333"/>
+                  <a:srgbClr val="222222"/>
                 </a:solidFill>
                 <a:latin typeface="Arial" panose="020B0604020202020204" pitchFamily="34" charset="0"/>
                 <a:cs typeface="Arial" panose="020B0604020202020204" pitchFamily="34" charset="0"/>
@@ -10568,7 +14220,7 @@
             <a:r>
               <a:rPr lang="pt-BR" sz="1200" dirty="0">
                 <a:solidFill>
-                  <a:srgbClr val="333333"/>
+                  <a:srgbClr val="222222"/>
                 </a:solidFill>
                 <a:latin typeface="Arial" panose="020B0604020202020204" pitchFamily="34" charset="0"/>
                 <a:cs typeface="Arial" panose="020B0604020202020204" pitchFamily="34" charset="0"/>
@@ -10578,7 +14230,7 @@
             <a:r>
               <a:rPr lang="pt-BR" sz="1200" dirty="0" err="1">
                 <a:solidFill>
-                  <a:srgbClr val="333333"/>
+                  <a:srgbClr val="222222"/>
                 </a:solidFill>
                 <a:latin typeface="Arial" panose="020B0604020202020204" pitchFamily="34" charset="0"/>
                 <a:cs typeface="Arial" panose="020B0604020202020204" pitchFamily="34" charset="0"/>
@@ -10588,7 +14240,7 @@
             <a:r>
               <a:rPr lang="pt-BR" sz="1200" dirty="0">
                 <a:solidFill>
-                  <a:srgbClr val="333333"/>
+                  <a:srgbClr val="222222"/>
                 </a:solidFill>
                 <a:latin typeface="Arial" panose="020B0604020202020204" pitchFamily="34" charset="0"/>
                 <a:cs typeface="Arial" panose="020B0604020202020204" pitchFamily="34" charset="0"/>
@@ -10598,7 +14250,7 @@
             <a:r>
               <a:rPr lang="pt-BR" sz="1200" dirty="0" err="1">
                 <a:solidFill>
-                  <a:srgbClr val="333333"/>
+                  <a:srgbClr val="222222"/>
                 </a:solidFill>
                 <a:latin typeface="Arial" panose="020B0604020202020204" pitchFamily="34" charset="0"/>
                 <a:cs typeface="Arial" panose="020B0604020202020204" pitchFamily="34" charset="0"/>
@@ -10608,7 +14260,7 @@
             <a:r>
               <a:rPr lang="pt-BR" sz="1200" dirty="0">
                 <a:solidFill>
-                  <a:srgbClr val="333333"/>
+                  <a:srgbClr val="222222"/>
                 </a:solidFill>
                 <a:latin typeface="Arial" panose="020B0604020202020204" pitchFamily="34" charset="0"/>
                 <a:cs typeface="Arial" panose="020B0604020202020204" pitchFamily="34" charset="0"/>
@@ -10618,7 +14270,7 @@
             <a:r>
               <a:rPr lang="pt-BR" sz="1200" dirty="0" err="1">
                 <a:solidFill>
-                  <a:srgbClr val="333333"/>
+                  <a:srgbClr val="222222"/>
                 </a:solidFill>
                 <a:latin typeface="Arial" panose="020B0604020202020204" pitchFamily="34" charset="0"/>
                 <a:cs typeface="Arial" panose="020B0604020202020204" pitchFamily="34" charset="0"/>
@@ -10628,7 +14280,7 @@
             <a:r>
               <a:rPr lang="pt-BR" sz="1200" dirty="0">
                 <a:solidFill>
-                  <a:srgbClr val="333333"/>
+                  <a:srgbClr val="222222"/>
                 </a:solidFill>
                 <a:latin typeface="Arial" panose="020B0604020202020204" pitchFamily="34" charset="0"/>
                 <a:cs typeface="Arial" panose="020B0604020202020204" pitchFamily="34" charset="0"/>
@@ -10638,7 +14290,7 @@
             <a:r>
               <a:rPr lang="pt-BR" sz="1200" dirty="0" err="1">
                 <a:solidFill>
-                  <a:srgbClr val="333333"/>
+                  <a:srgbClr val="222222"/>
                 </a:solidFill>
                 <a:latin typeface="Arial" panose="020B0604020202020204" pitchFamily="34" charset="0"/>
                 <a:cs typeface="Arial" panose="020B0604020202020204" pitchFamily="34" charset="0"/>
@@ -10648,7 +14300,7 @@
             <a:r>
               <a:rPr lang="pt-BR" sz="1200" dirty="0">
                 <a:solidFill>
-                  <a:srgbClr val="333333"/>
+                  <a:srgbClr val="222222"/>
                 </a:solidFill>
                 <a:latin typeface="Arial" panose="020B0604020202020204" pitchFamily="34" charset="0"/>
                 <a:cs typeface="Arial" panose="020B0604020202020204" pitchFamily="34" charset="0"/>
@@ -10658,7 +14310,7 @@
             <a:r>
               <a:rPr lang="pt-BR" sz="1200" dirty="0" err="1">
                 <a:solidFill>
-                  <a:srgbClr val="333333"/>
+                  <a:srgbClr val="222222"/>
                 </a:solidFill>
                 <a:latin typeface="Arial" panose="020B0604020202020204" pitchFamily="34" charset="0"/>
                 <a:cs typeface="Arial" panose="020B0604020202020204" pitchFamily="34" charset="0"/>
@@ -10668,7 +14320,7 @@
             <a:r>
               <a:rPr lang="pt-BR" sz="1200" dirty="0">
                 <a:solidFill>
-                  <a:srgbClr val="333333"/>
+                  <a:srgbClr val="222222"/>
                 </a:solidFill>
                 <a:latin typeface="Arial" panose="020B0604020202020204" pitchFamily="34" charset="0"/>
                 <a:cs typeface="Arial" panose="020B0604020202020204" pitchFamily="34" charset="0"/>
@@ -10678,7 +14330,7 @@
             <a:r>
               <a:rPr lang="pt-BR" sz="1200" dirty="0" err="1">
                 <a:solidFill>
-                  <a:srgbClr val="333333"/>
+                  <a:srgbClr val="222222"/>
                 </a:solidFill>
                 <a:latin typeface="Arial" panose="020B0604020202020204" pitchFamily="34" charset="0"/>
                 <a:cs typeface="Arial" panose="020B0604020202020204" pitchFamily="34" charset="0"/>
@@ -10688,7 +14340,7 @@
             <a:r>
               <a:rPr lang="pt-BR" sz="1200" dirty="0">
                 <a:solidFill>
-                  <a:srgbClr val="333333"/>
+                  <a:srgbClr val="222222"/>
                 </a:solidFill>
                 <a:latin typeface="Arial" panose="020B0604020202020204" pitchFamily="34" charset="0"/>
                 <a:cs typeface="Arial" panose="020B0604020202020204" pitchFamily="34" charset="0"/>
@@ -10698,7 +14350,7 @@
             <a:r>
               <a:rPr lang="pt-BR" sz="1200" dirty="0" err="1">
                 <a:solidFill>
-                  <a:srgbClr val="333333"/>
+                  <a:srgbClr val="222222"/>
                 </a:solidFill>
                 <a:latin typeface="Arial" panose="020B0604020202020204" pitchFamily="34" charset="0"/>
                 <a:cs typeface="Arial" panose="020B0604020202020204" pitchFamily="34" charset="0"/>
@@ -10708,7 +14360,7 @@
             <a:r>
               <a:rPr lang="pt-BR" sz="1200" dirty="0">
                 <a:solidFill>
-                  <a:srgbClr val="333333"/>
+                  <a:srgbClr val="222222"/>
                 </a:solidFill>
                 <a:latin typeface="Arial" panose="020B0604020202020204" pitchFamily="34" charset="0"/>
                 <a:cs typeface="Arial" panose="020B0604020202020204" pitchFamily="34" charset="0"/>
@@ -10718,7 +14370,7 @@
             <a:r>
               <a:rPr lang="pt-BR" sz="1200" dirty="0" err="1">
                 <a:solidFill>
-                  <a:srgbClr val="333333"/>
+                  <a:srgbClr val="222222"/>
                 </a:solidFill>
                 <a:latin typeface="Arial" panose="020B0604020202020204" pitchFamily="34" charset="0"/>
                 <a:cs typeface="Arial" panose="020B0604020202020204" pitchFamily="34" charset="0"/>
@@ -10728,7 +14380,7 @@
             <a:r>
               <a:rPr lang="pt-BR" sz="1200" dirty="0">
                 <a:solidFill>
-                  <a:srgbClr val="333333"/>
+                  <a:srgbClr val="222222"/>
                 </a:solidFill>
                 <a:latin typeface="Arial" panose="020B0604020202020204" pitchFamily="34" charset="0"/>
                 <a:cs typeface="Arial" panose="020B0604020202020204" pitchFamily="34" charset="0"/>
@@ -10738,7 +14390,7 @@
             <a:r>
               <a:rPr lang="pt-BR" sz="1200" dirty="0" err="1">
                 <a:solidFill>
-                  <a:srgbClr val="333333"/>
+                  <a:srgbClr val="222222"/>
                 </a:solidFill>
                 <a:latin typeface="Arial" panose="020B0604020202020204" pitchFamily="34" charset="0"/>
                 <a:cs typeface="Arial" panose="020B0604020202020204" pitchFamily="34" charset="0"/>
@@ -10748,7 +14400,7 @@
             <a:r>
               <a:rPr lang="pt-BR" sz="1200" dirty="0">
                 <a:solidFill>
-                  <a:srgbClr val="333333"/>
+                  <a:srgbClr val="222222"/>
                 </a:solidFill>
                 <a:latin typeface="Arial" panose="020B0604020202020204" pitchFamily="34" charset="0"/>
                 <a:cs typeface="Arial" panose="020B0604020202020204" pitchFamily="34" charset="0"/>
@@ -10758,7 +14410,7 @@
             <a:r>
               <a:rPr lang="pt-BR" sz="1200" dirty="0" err="1">
                 <a:solidFill>
-                  <a:srgbClr val="333333"/>
+                  <a:srgbClr val="222222"/>
                 </a:solidFill>
                 <a:latin typeface="Arial" panose="020B0604020202020204" pitchFamily="34" charset="0"/>
                 <a:cs typeface="Arial" panose="020B0604020202020204" pitchFamily="34" charset="0"/>
@@ -10768,168 +14420,818 @@
             <a:r>
               <a:rPr lang="pt-BR" sz="1200" dirty="0">
                 <a:solidFill>
-                  <a:srgbClr val="333333"/>
+                  <a:srgbClr val="222222"/>
                 </a:solidFill>
                 <a:latin typeface="Arial" panose="020B0604020202020204" pitchFamily="34" charset="0"/>
                 <a:cs typeface="Arial" panose="020B0604020202020204" pitchFamily="34" charset="0"/>
               </a:rPr>
               <a:t>. 2019. </a:t>
             </a:r>
+          </a:p>
+          <a:p>
+            <a:pPr>
+              <a:buClr>
+                <a:schemeClr val="tx1"/>
+              </a:buClr>
+              <a:buFont typeface="Wingdings" panose="05000000000000000000" pitchFamily="2" charset="2"/>
+              <a:buChar char="Ø"/>
+            </a:pPr>
+            <a:r>
+              <a:rPr lang="pt-BR" sz="1200" dirty="0">
+                <a:solidFill>
+                  <a:srgbClr val="222222"/>
+                </a:solidFill>
+                <a:latin typeface="Arial" panose="020B0604020202020204" pitchFamily="34" charset="0"/>
+                <a:cs typeface="Arial" panose="020B0604020202020204" pitchFamily="34" charset="0"/>
+              </a:rPr>
+              <a:t> Benoit </a:t>
+            </a:r>
+            <a:r>
+              <a:rPr lang="pt-BR" sz="1200" dirty="0" err="1">
+                <a:solidFill>
+                  <a:srgbClr val="222222"/>
+                </a:solidFill>
+                <a:latin typeface="Arial" panose="020B0604020202020204" pitchFamily="34" charset="0"/>
+                <a:cs typeface="Arial" panose="020B0604020202020204" pitchFamily="34" charset="0"/>
+              </a:rPr>
+              <a:t>Liquet</a:t>
+            </a:r>
+            <a:r>
+              <a:rPr lang="pt-BR" sz="1200" dirty="0">
+                <a:solidFill>
+                  <a:srgbClr val="222222"/>
+                </a:solidFill>
+                <a:latin typeface="Arial" panose="020B0604020202020204" pitchFamily="34" charset="0"/>
+                <a:cs typeface="Arial" panose="020B0604020202020204" pitchFamily="34" charset="0"/>
+              </a:rPr>
+              <a:t>, </a:t>
+            </a:r>
+            <a:r>
+              <a:rPr lang="pt-BR" sz="1200" dirty="0" err="1">
+                <a:solidFill>
+                  <a:srgbClr val="222222"/>
+                </a:solidFill>
+                <a:latin typeface="Arial" panose="020B0604020202020204" pitchFamily="34" charset="0"/>
+                <a:cs typeface="Arial" panose="020B0604020202020204" pitchFamily="34" charset="0"/>
+              </a:rPr>
+              <a:t>Sarat</a:t>
+            </a:r>
+            <a:r>
+              <a:rPr lang="pt-BR" sz="1200" dirty="0">
+                <a:solidFill>
+                  <a:srgbClr val="222222"/>
+                </a:solidFill>
+                <a:latin typeface="Arial" panose="020B0604020202020204" pitchFamily="34" charset="0"/>
+                <a:cs typeface="Arial" panose="020B0604020202020204" pitchFamily="34" charset="0"/>
+              </a:rPr>
+              <a:t> Moka, </a:t>
+            </a:r>
+            <a:r>
+              <a:rPr lang="pt-BR" sz="1200" dirty="0" err="1">
+                <a:solidFill>
+                  <a:srgbClr val="222222"/>
+                </a:solidFill>
+                <a:latin typeface="Arial" panose="020B0604020202020204" pitchFamily="34" charset="0"/>
+                <a:cs typeface="Arial" panose="020B0604020202020204" pitchFamily="34" charset="0"/>
+              </a:rPr>
+              <a:t>and</a:t>
+            </a:r>
+            <a:r>
+              <a:rPr lang="pt-BR" sz="1200" dirty="0">
+                <a:solidFill>
+                  <a:srgbClr val="222222"/>
+                </a:solidFill>
+                <a:latin typeface="Arial" panose="020B0604020202020204" pitchFamily="34" charset="0"/>
+                <a:cs typeface="Arial" panose="020B0604020202020204" pitchFamily="34" charset="0"/>
+              </a:rPr>
+              <a:t> </a:t>
+            </a:r>
+            <a:r>
+              <a:rPr lang="pt-BR" sz="1200" dirty="0" err="1">
+                <a:solidFill>
+                  <a:srgbClr val="222222"/>
+                </a:solidFill>
+                <a:latin typeface="Arial" panose="020B0604020202020204" pitchFamily="34" charset="0"/>
+                <a:cs typeface="Arial" panose="020B0604020202020204" pitchFamily="34" charset="0"/>
+              </a:rPr>
+              <a:t>Yoni</a:t>
+            </a:r>
+            <a:r>
+              <a:rPr lang="pt-BR" sz="1200" dirty="0">
+                <a:solidFill>
+                  <a:srgbClr val="222222"/>
+                </a:solidFill>
+                <a:latin typeface="Arial" panose="020B0604020202020204" pitchFamily="34" charset="0"/>
+                <a:cs typeface="Arial" panose="020B0604020202020204" pitchFamily="34" charset="0"/>
+              </a:rPr>
+              <a:t> </a:t>
+            </a:r>
+            <a:r>
+              <a:rPr lang="pt-BR" sz="1200" dirty="0" err="1">
+                <a:solidFill>
+                  <a:srgbClr val="222222"/>
+                </a:solidFill>
+                <a:latin typeface="Arial" panose="020B0604020202020204" pitchFamily="34" charset="0"/>
+                <a:cs typeface="Arial" panose="020B0604020202020204" pitchFamily="34" charset="0"/>
+              </a:rPr>
+              <a:t>Nazarathy</a:t>
+            </a:r>
+            <a:r>
+              <a:rPr lang="pt-BR" sz="1200" dirty="0">
+                <a:solidFill>
+                  <a:srgbClr val="222222"/>
+                </a:solidFill>
+                <a:latin typeface="Arial" panose="020B0604020202020204" pitchFamily="34" charset="0"/>
+                <a:cs typeface="Arial" panose="020B0604020202020204" pitchFamily="34" charset="0"/>
+              </a:rPr>
+              <a:t>. </a:t>
+            </a:r>
+            <a:r>
+              <a:rPr lang="en-US" sz="1200" dirty="0">
+                <a:solidFill>
+                  <a:srgbClr val="222222"/>
+                </a:solidFill>
+                <a:latin typeface="Arial" panose="020B0604020202020204" pitchFamily="34" charset="0"/>
+                <a:cs typeface="Arial" panose="020B0604020202020204" pitchFamily="34" charset="0"/>
+              </a:rPr>
+              <a:t>The Mathematical Engineering of Deep Learning. 2019. </a:t>
+            </a:r>
+            <a:r>
+              <a:rPr lang="pt-BR" sz="1200" dirty="0">
+                <a:solidFill>
+                  <a:srgbClr val="222222"/>
+                </a:solidFill>
+                <a:latin typeface="Arial" panose="020B0604020202020204" pitchFamily="34" charset="0"/>
+                <a:cs typeface="Arial" panose="020B0604020202020204" pitchFamily="34" charset="0"/>
+              </a:rPr>
+              <a:t>Disponível em: https://deeplearningmath.org/</a:t>
+            </a:r>
+            <a:r>
+              <a:rPr lang="pt-BR" sz="1200" dirty="0" err="1">
+                <a:solidFill>
+                  <a:srgbClr val="222222"/>
+                </a:solidFill>
+                <a:latin typeface="Arial" panose="020B0604020202020204" pitchFamily="34" charset="0"/>
+                <a:cs typeface="Arial" panose="020B0604020202020204" pitchFamily="34" charset="0"/>
+              </a:rPr>
+              <a:t>sequence</a:t>
+            </a:r>
+            <a:r>
+              <a:rPr lang="pt-BR" sz="1200" dirty="0">
+                <a:solidFill>
+                  <a:srgbClr val="222222"/>
+                </a:solidFill>
+                <a:latin typeface="Arial" panose="020B0604020202020204" pitchFamily="34" charset="0"/>
+                <a:cs typeface="Arial" panose="020B0604020202020204" pitchFamily="34" charset="0"/>
+              </a:rPr>
+              <a:t>-models.  Acesso em: 20/10/2023</a:t>
+            </a:r>
+          </a:p>
+          <a:p>
+            <a:pPr>
+              <a:buClr>
+                <a:schemeClr val="tx1"/>
+              </a:buClr>
+              <a:buFont typeface="Wingdings" panose="05000000000000000000" pitchFamily="2" charset="2"/>
+              <a:buChar char="Ø"/>
+            </a:pPr>
+            <a:r>
+              <a:rPr lang="pt-BR" sz="1200" dirty="0">
+                <a:solidFill>
+                  <a:srgbClr val="222222"/>
+                </a:solidFill>
+                <a:latin typeface="Arial" panose="020B0604020202020204" pitchFamily="34" charset="0"/>
+                <a:cs typeface="Arial" panose="020B0604020202020204" pitchFamily="34" charset="0"/>
+              </a:rPr>
+              <a:t> Fabio Souza, Rodrigo Nogueira, &amp; Roberto Lotufo (2020). </a:t>
+            </a:r>
+            <a:r>
+              <a:rPr lang="pt-BR" sz="1200" dirty="0" err="1">
+                <a:solidFill>
+                  <a:srgbClr val="222222"/>
+                </a:solidFill>
+                <a:latin typeface="Arial" panose="020B0604020202020204" pitchFamily="34" charset="0"/>
+                <a:cs typeface="Arial" panose="020B0604020202020204" pitchFamily="34" charset="0"/>
+              </a:rPr>
+              <a:t>BERTimbau</a:t>
+            </a:r>
+            <a:r>
+              <a:rPr lang="pt-BR" sz="1200" dirty="0">
+                <a:solidFill>
+                  <a:srgbClr val="222222"/>
+                </a:solidFill>
+                <a:latin typeface="Arial" panose="020B0604020202020204" pitchFamily="34" charset="0"/>
+                <a:cs typeface="Arial" panose="020B0604020202020204" pitchFamily="34" charset="0"/>
+              </a:rPr>
+              <a:t>: </a:t>
+            </a:r>
+            <a:r>
+              <a:rPr lang="pt-BR" sz="1200" dirty="0" err="1">
+                <a:solidFill>
+                  <a:srgbClr val="222222"/>
+                </a:solidFill>
+                <a:latin typeface="Arial" panose="020B0604020202020204" pitchFamily="34" charset="0"/>
+                <a:cs typeface="Arial" panose="020B0604020202020204" pitchFamily="34" charset="0"/>
+              </a:rPr>
+              <a:t>pretrained</a:t>
+            </a:r>
+            <a:r>
+              <a:rPr lang="pt-BR" sz="1200" dirty="0">
+                <a:solidFill>
+                  <a:srgbClr val="222222"/>
+                </a:solidFill>
+                <a:latin typeface="Arial" panose="020B0604020202020204" pitchFamily="34" charset="0"/>
+                <a:cs typeface="Arial" panose="020B0604020202020204" pitchFamily="34" charset="0"/>
+              </a:rPr>
+              <a:t> BERT models for </a:t>
+            </a:r>
+            <a:r>
+              <a:rPr lang="pt-BR" sz="1200" dirty="0" err="1">
+                <a:solidFill>
+                  <a:srgbClr val="222222"/>
+                </a:solidFill>
+                <a:latin typeface="Arial" panose="020B0604020202020204" pitchFamily="34" charset="0"/>
+                <a:cs typeface="Arial" panose="020B0604020202020204" pitchFamily="34" charset="0"/>
+              </a:rPr>
+              <a:t>Brazilian</a:t>
+            </a:r>
+            <a:r>
+              <a:rPr lang="pt-BR" sz="1200" dirty="0">
+                <a:solidFill>
+                  <a:srgbClr val="222222"/>
+                </a:solidFill>
+                <a:latin typeface="Arial" panose="020B0604020202020204" pitchFamily="34" charset="0"/>
+                <a:cs typeface="Arial" panose="020B0604020202020204" pitchFamily="34" charset="0"/>
+              </a:rPr>
+              <a:t> </a:t>
+            </a:r>
+            <a:r>
+              <a:rPr lang="pt-BR" sz="1200" dirty="0" err="1">
+                <a:solidFill>
+                  <a:srgbClr val="222222"/>
+                </a:solidFill>
+                <a:latin typeface="Arial" panose="020B0604020202020204" pitchFamily="34" charset="0"/>
+                <a:cs typeface="Arial" panose="020B0604020202020204" pitchFamily="34" charset="0"/>
+              </a:rPr>
+              <a:t>Portuguese</a:t>
+            </a:r>
+            <a:r>
+              <a:rPr lang="pt-BR" sz="1200" dirty="0">
+                <a:solidFill>
+                  <a:srgbClr val="222222"/>
+                </a:solidFill>
+                <a:latin typeface="Arial" panose="020B0604020202020204" pitchFamily="34" charset="0"/>
+                <a:cs typeface="Arial" panose="020B0604020202020204" pitchFamily="34" charset="0"/>
+              </a:rPr>
+              <a:t>. In 9th </a:t>
+            </a:r>
+            <a:r>
+              <a:rPr lang="pt-BR" sz="1200" dirty="0" err="1">
+                <a:solidFill>
+                  <a:srgbClr val="222222"/>
+                </a:solidFill>
+                <a:latin typeface="Arial" panose="020B0604020202020204" pitchFamily="34" charset="0"/>
+                <a:cs typeface="Arial" panose="020B0604020202020204" pitchFamily="34" charset="0"/>
+              </a:rPr>
+              <a:t>Brazilian</a:t>
+            </a:r>
+            <a:r>
+              <a:rPr lang="pt-BR" sz="1200" dirty="0">
+                <a:solidFill>
+                  <a:srgbClr val="222222"/>
+                </a:solidFill>
+                <a:latin typeface="Arial" panose="020B0604020202020204" pitchFamily="34" charset="0"/>
+                <a:cs typeface="Arial" panose="020B0604020202020204" pitchFamily="34" charset="0"/>
+              </a:rPr>
+              <a:t> </a:t>
+            </a:r>
+            <a:r>
+              <a:rPr lang="pt-BR" sz="1200" dirty="0" err="1">
+                <a:solidFill>
+                  <a:srgbClr val="222222"/>
+                </a:solidFill>
+                <a:latin typeface="Arial" panose="020B0604020202020204" pitchFamily="34" charset="0"/>
+                <a:cs typeface="Arial" panose="020B0604020202020204" pitchFamily="34" charset="0"/>
+              </a:rPr>
+              <a:t>Conference</a:t>
+            </a:r>
+            <a:r>
+              <a:rPr lang="pt-BR" sz="1200" dirty="0">
+                <a:solidFill>
+                  <a:srgbClr val="222222"/>
+                </a:solidFill>
+                <a:latin typeface="Arial" panose="020B0604020202020204" pitchFamily="34" charset="0"/>
+                <a:cs typeface="Arial" panose="020B0604020202020204" pitchFamily="34" charset="0"/>
+              </a:rPr>
+              <a:t> </a:t>
+            </a:r>
+            <a:r>
+              <a:rPr lang="pt-BR" sz="1200" dirty="0" err="1">
+                <a:solidFill>
+                  <a:srgbClr val="222222"/>
+                </a:solidFill>
+                <a:latin typeface="Arial" panose="020B0604020202020204" pitchFamily="34" charset="0"/>
+                <a:cs typeface="Arial" panose="020B0604020202020204" pitchFamily="34" charset="0"/>
+              </a:rPr>
+              <a:t>on</a:t>
+            </a:r>
+            <a:r>
+              <a:rPr lang="pt-BR" sz="1200" dirty="0">
+                <a:solidFill>
+                  <a:srgbClr val="222222"/>
+                </a:solidFill>
+                <a:latin typeface="Arial" panose="020B0604020202020204" pitchFamily="34" charset="0"/>
+                <a:cs typeface="Arial" panose="020B0604020202020204" pitchFamily="34" charset="0"/>
+              </a:rPr>
+              <a:t> </a:t>
+            </a:r>
+            <a:r>
+              <a:rPr lang="pt-BR" sz="1200" dirty="0" err="1">
+                <a:solidFill>
+                  <a:srgbClr val="222222"/>
+                </a:solidFill>
+                <a:latin typeface="Arial" panose="020B0604020202020204" pitchFamily="34" charset="0"/>
+                <a:cs typeface="Arial" panose="020B0604020202020204" pitchFamily="34" charset="0"/>
+              </a:rPr>
+              <a:t>Intelligent</a:t>
+            </a:r>
+            <a:r>
+              <a:rPr lang="pt-BR" sz="1200" dirty="0">
+                <a:solidFill>
+                  <a:srgbClr val="222222"/>
+                </a:solidFill>
+                <a:latin typeface="Arial" panose="020B0604020202020204" pitchFamily="34" charset="0"/>
+                <a:cs typeface="Arial" panose="020B0604020202020204" pitchFamily="34" charset="0"/>
+              </a:rPr>
+              <a:t> Systems, BRACIS, Rio Grande do Sul, </a:t>
+            </a:r>
+            <a:r>
+              <a:rPr lang="pt-BR" sz="1200" dirty="0" err="1">
+                <a:solidFill>
+                  <a:srgbClr val="222222"/>
+                </a:solidFill>
+                <a:latin typeface="Arial" panose="020B0604020202020204" pitchFamily="34" charset="0"/>
+                <a:cs typeface="Arial" panose="020B0604020202020204" pitchFamily="34" charset="0"/>
+              </a:rPr>
+              <a:t>Brazil</a:t>
+            </a:r>
+            <a:r>
+              <a:rPr lang="pt-BR" sz="1200" dirty="0">
+                <a:solidFill>
+                  <a:srgbClr val="222222"/>
+                </a:solidFill>
+                <a:latin typeface="Arial" panose="020B0604020202020204" pitchFamily="34" charset="0"/>
+                <a:cs typeface="Arial" panose="020B0604020202020204" pitchFamily="34" charset="0"/>
+              </a:rPr>
+              <a:t>, </a:t>
+            </a:r>
+            <a:r>
+              <a:rPr lang="pt-BR" sz="1200" dirty="0" err="1">
+                <a:solidFill>
+                  <a:srgbClr val="222222"/>
+                </a:solidFill>
+                <a:latin typeface="Arial" panose="020B0604020202020204" pitchFamily="34" charset="0"/>
+                <a:cs typeface="Arial" panose="020B0604020202020204" pitchFamily="34" charset="0"/>
+              </a:rPr>
+              <a:t>October</a:t>
+            </a:r>
+            <a:r>
+              <a:rPr lang="pt-BR" sz="1200" dirty="0">
+                <a:solidFill>
+                  <a:srgbClr val="222222"/>
+                </a:solidFill>
+                <a:latin typeface="Arial" panose="020B0604020202020204" pitchFamily="34" charset="0"/>
+                <a:cs typeface="Arial" panose="020B0604020202020204" pitchFamily="34" charset="0"/>
+              </a:rPr>
+              <a:t> 20-23 (</a:t>
+            </a:r>
+            <a:r>
+              <a:rPr lang="pt-BR" sz="1200" dirty="0" err="1">
+                <a:solidFill>
+                  <a:srgbClr val="222222"/>
+                </a:solidFill>
+                <a:latin typeface="Arial" panose="020B0604020202020204" pitchFamily="34" charset="0"/>
+                <a:cs typeface="Arial" panose="020B0604020202020204" pitchFamily="34" charset="0"/>
+              </a:rPr>
+              <a:t>to</a:t>
+            </a:r>
+            <a:r>
+              <a:rPr lang="pt-BR" sz="1200" dirty="0">
+                <a:solidFill>
+                  <a:srgbClr val="222222"/>
+                </a:solidFill>
+                <a:latin typeface="Arial" panose="020B0604020202020204" pitchFamily="34" charset="0"/>
+                <a:cs typeface="Arial" panose="020B0604020202020204" pitchFamily="34" charset="0"/>
+              </a:rPr>
+              <a:t> </a:t>
+            </a:r>
+            <a:r>
+              <a:rPr lang="pt-BR" sz="1200" dirty="0" err="1">
+                <a:solidFill>
+                  <a:srgbClr val="222222"/>
+                </a:solidFill>
+                <a:latin typeface="Arial" panose="020B0604020202020204" pitchFamily="34" charset="0"/>
+                <a:cs typeface="Arial" panose="020B0604020202020204" pitchFamily="34" charset="0"/>
+              </a:rPr>
+              <a:t>appear</a:t>
+            </a:r>
+            <a:r>
+              <a:rPr lang="pt-BR" sz="1200" dirty="0">
+                <a:solidFill>
+                  <a:srgbClr val="222222"/>
+                </a:solidFill>
+                <a:latin typeface="Arial" panose="020B0604020202020204" pitchFamily="34" charset="0"/>
+                <a:cs typeface="Arial" panose="020B0604020202020204" pitchFamily="34" charset="0"/>
+              </a:rPr>
+              <a:t>).</a:t>
+            </a:r>
+          </a:p>
+          <a:p>
+            <a:pPr>
+              <a:buClr>
+                <a:schemeClr val="tx1"/>
+              </a:buClr>
+              <a:buFont typeface="Wingdings" panose="05000000000000000000" pitchFamily="2" charset="2"/>
+              <a:buChar char="Ø"/>
+            </a:pPr>
+            <a:r>
+              <a:rPr lang="pt-BR" sz="1200" dirty="0">
+                <a:solidFill>
+                  <a:srgbClr val="222222"/>
+                </a:solidFill>
+                <a:latin typeface="Arial" panose="020B0604020202020204" pitchFamily="34" charset="0"/>
+                <a:cs typeface="Arial" panose="020B0604020202020204" pitchFamily="34" charset="0"/>
+              </a:rPr>
+              <a:t> Nils </a:t>
+            </a:r>
+            <a:r>
+              <a:rPr lang="pt-BR" sz="1200" dirty="0" err="1">
+                <a:solidFill>
+                  <a:srgbClr val="222222"/>
+                </a:solidFill>
+                <a:latin typeface="Arial" panose="020B0604020202020204" pitchFamily="34" charset="0"/>
+                <a:cs typeface="Arial" panose="020B0604020202020204" pitchFamily="34" charset="0"/>
+              </a:rPr>
+              <a:t>Reimers</a:t>
+            </a:r>
+            <a:r>
+              <a:rPr lang="pt-BR" sz="1200" dirty="0">
+                <a:solidFill>
+                  <a:srgbClr val="222222"/>
+                </a:solidFill>
+                <a:latin typeface="Arial" panose="020B0604020202020204" pitchFamily="34" charset="0"/>
+                <a:cs typeface="Arial" panose="020B0604020202020204" pitchFamily="34" charset="0"/>
+              </a:rPr>
+              <a:t>, &amp; Iryna </a:t>
+            </a:r>
+            <a:r>
+              <a:rPr lang="pt-BR" sz="1200" dirty="0" err="1">
+                <a:solidFill>
+                  <a:srgbClr val="222222"/>
+                </a:solidFill>
+                <a:latin typeface="Arial" panose="020B0604020202020204" pitchFamily="34" charset="0"/>
+                <a:cs typeface="Arial" panose="020B0604020202020204" pitchFamily="34" charset="0"/>
+              </a:rPr>
+              <a:t>Gurevych</a:t>
+            </a:r>
+            <a:r>
+              <a:rPr lang="pt-BR" sz="1200" dirty="0">
+                <a:solidFill>
+                  <a:srgbClr val="222222"/>
+                </a:solidFill>
+                <a:latin typeface="Arial" panose="020B0604020202020204" pitchFamily="34" charset="0"/>
+                <a:cs typeface="Arial" panose="020B0604020202020204" pitchFamily="34" charset="0"/>
+              </a:rPr>
+              <a:t> (2019). </a:t>
+            </a:r>
+            <a:r>
+              <a:rPr lang="pt-BR" sz="1200" dirty="0" err="1">
+                <a:solidFill>
+                  <a:srgbClr val="222222"/>
+                </a:solidFill>
+                <a:latin typeface="Arial" panose="020B0604020202020204" pitchFamily="34" charset="0"/>
+                <a:cs typeface="Arial" panose="020B0604020202020204" pitchFamily="34" charset="0"/>
+              </a:rPr>
+              <a:t>Sentence</a:t>
+            </a:r>
+            <a:r>
+              <a:rPr lang="pt-BR" sz="1200" dirty="0">
+                <a:solidFill>
+                  <a:srgbClr val="222222"/>
+                </a:solidFill>
+                <a:latin typeface="Arial" panose="020B0604020202020204" pitchFamily="34" charset="0"/>
+                <a:cs typeface="Arial" panose="020B0604020202020204" pitchFamily="34" charset="0"/>
+              </a:rPr>
+              <a:t>-BERT: </a:t>
+            </a:r>
+            <a:r>
+              <a:rPr lang="pt-BR" sz="1200" dirty="0" err="1">
+                <a:solidFill>
+                  <a:srgbClr val="222222"/>
+                </a:solidFill>
+                <a:latin typeface="Arial" panose="020B0604020202020204" pitchFamily="34" charset="0"/>
+                <a:cs typeface="Arial" panose="020B0604020202020204" pitchFamily="34" charset="0"/>
+              </a:rPr>
+              <a:t>Sentence</a:t>
+            </a:r>
+            <a:r>
+              <a:rPr lang="pt-BR" sz="1200" dirty="0">
+                <a:solidFill>
+                  <a:srgbClr val="222222"/>
+                </a:solidFill>
+                <a:latin typeface="Arial" panose="020B0604020202020204" pitchFamily="34" charset="0"/>
+                <a:cs typeface="Arial" panose="020B0604020202020204" pitchFamily="34" charset="0"/>
+              </a:rPr>
+              <a:t> </a:t>
+            </a:r>
+            <a:r>
+              <a:rPr lang="pt-BR" sz="1200" dirty="0" err="1">
+                <a:solidFill>
+                  <a:srgbClr val="222222"/>
+                </a:solidFill>
+                <a:latin typeface="Arial" panose="020B0604020202020204" pitchFamily="34" charset="0"/>
+                <a:cs typeface="Arial" panose="020B0604020202020204" pitchFamily="34" charset="0"/>
+              </a:rPr>
+              <a:t>Embeddings</a:t>
+            </a:r>
+            <a:r>
+              <a:rPr lang="pt-BR" sz="1200" dirty="0">
+                <a:solidFill>
+                  <a:srgbClr val="222222"/>
+                </a:solidFill>
+                <a:latin typeface="Arial" panose="020B0604020202020204" pitchFamily="34" charset="0"/>
+                <a:cs typeface="Arial" panose="020B0604020202020204" pitchFamily="34" charset="0"/>
+              </a:rPr>
+              <a:t> </a:t>
+            </a:r>
+            <a:r>
+              <a:rPr lang="pt-BR" sz="1200" dirty="0" err="1">
+                <a:solidFill>
+                  <a:srgbClr val="222222"/>
+                </a:solidFill>
+                <a:latin typeface="Arial" panose="020B0604020202020204" pitchFamily="34" charset="0"/>
+                <a:cs typeface="Arial" panose="020B0604020202020204" pitchFamily="34" charset="0"/>
+              </a:rPr>
+              <a:t>using</a:t>
+            </a:r>
+            <a:r>
+              <a:rPr lang="pt-BR" sz="1200" dirty="0">
+                <a:solidFill>
+                  <a:srgbClr val="222222"/>
+                </a:solidFill>
+                <a:latin typeface="Arial" panose="020B0604020202020204" pitchFamily="34" charset="0"/>
+                <a:cs typeface="Arial" panose="020B0604020202020204" pitchFamily="34" charset="0"/>
+              </a:rPr>
+              <a:t> </a:t>
+            </a:r>
+            <a:r>
+              <a:rPr lang="pt-BR" sz="1200" dirty="0" err="1">
+                <a:solidFill>
+                  <a:srgbClr val="222222"/>
+                </a:solidFill>
+                <a:latin typeface="Arial" panose="020B0604020202020204" pitchFamily="34" charset="0"/>
+                <a:cs typeface="Arial" panose="020B0604020202020204" pitchFamily="34" charset="0"/>
+              </a:rPr>
+              <a:t>Siamese</a:t>
+            </a:r>
+            <a:r>
+              <a:rPr lang="pt-BR" sz="1200" dirty="0">
+                <a:solidFill>
+                  <a:srgbClr val="222222"/>
+                </a:solidFill>
+                <a:latin typeface="Arial" panose="020B0604020202020204" pitchFamily="34" charset="0"/>
+                <a:cs typeface="Arial" panose="020B0604020202020204" pitchFamily="34" charset="0"/>
+              </a:rPr>
+              <a:t> BERT-Networks. </a:t>
+            </a:r>
+            <a:r>
+              <a:rPr lang="pt-BR" sz="1200" dirty="0" err="1">
+                <a:solidFill>
+                  <a:srgbClr val="222222"/>
+                </a:solidFill>
+                <a:latin typeface="Arial" panose="020B0604020202020204" pitchFamily="34" charset="0"/>
+                <a:cs typeface="Arial" panose="020B0604020202020204" pitchFamily="34" charset="0"/>
+              </a:rPr>
+              <a:t>CoRR</a:t>
+            </a:r>
+            <a:r>
+              <a:rPr lang="pt-BR" sz="1200" dirty="0">
+                <a:solidFill>
+                  <a:srgbClr val="222222"/>
+                </a:solidFill>
+                <a:latin typeface="Arial" panose="020B0604020202020204" pitchFamily="34" charset="0"/>
+                <a:cs typeface="Arial" panose="020B0604020202020204" pitchFamily="34" charset="0"/>
+              </a:rPr>
+              <a:t>, </a:t>
+            </a:r>
+            <a:r>
+              <a:rPr lang="pt-BR" sz="1200" dirty="0" err="1">
+                <a:solidFill>
+                  <a:srgbClr val="222222"/>
+                </a:solidFill>
+                <a:latin typeface="Arial" panose="020B0604020202020204" pitchFamily="34" charset="0"/>
+                <a:cs typeface="Arial" panose="020B0604020202020204" pitchFamily="34" charset="0"/>
+              </a:rPr>
+              <a:t>abs</a:t>
+            </a:r>
+            <a:r>
+              <a:rPr lang="pt-BR" sz="1200" dirty="0">
+                <a:solidFill>
+                  <a:srgbClr val="222222"/>
+                </a:solidFill>
+                <a:latin typeface="Arial" panose="020B0604020202020204" pitchFamily="34" charset="0"/>
+                <a:cs typeface="Arial" panose="020B0604020202020204" pitchFamily="34" charset="0"/>
+              </a:rPr>
+              <a:t>/1908.10084.</a:t>
+            </a:r>
+          </a:p>
+          <a:p>
+            <a:pPr>
+              <a:buClr>
+                <a:schemeClr val="tx1"/>
+              </a:buClr>
+              <a:buFont typeface="Wingdings" panose="05000000000000000000" pitchFamily="2" charset="2"/>
+              <a:buChar char="Ø"/>
+            </a:pPr>
+            <a:r>
+              <a:rPr lang="pt-BR" sz="1200" dirty="0">
+                <a:solidFill>
+                  <a:srgbClr val="222222"/>
+                </a:solidFill>
+                <a:latin typeface="Arial" panose="020B0604020202020204" pitchFamily="34" charset="0"/>
+                <a:cs typeface="Arial" panose="020B0604020202020204" pitchFamily="34" charset="0"/>
+              </a:rPr>
+              <a:t> </a:t>
+            </a:r>
+            <a:r>
+              <a:rPr lang="pt-BR" sz="1200" dirty="0" err="1">
+                <a:solidFill>
+                  <a:srgbClr val="222222"/>
+                </a:solidFill>
+                <a:latin typeface="Arial" panose="020B0604020202020204" pitchFamily="34" charset="0"/>
+                <a:cs typeface="Arial" panose="020B0604020202020204" pitchFamily="34" charset="0"/>
+              </a:rPr>
+              <a:t>Jurafsky</a:t>
+            </a:r>
+            <a:r>
+              <a:rPr lang="pt-BR" sz="1200" dirty="0">
+                <a:solidFill>
+                  <a:srgbClr val="222222"/>
+                </a:solidFill>
+                <a:latin typeface="Arial" panose="020B0604020202020204" pitchFamily="34" charset="0"/>
+                <a:cs typeface="Arial" panose="020B0604020202020204" pitchFamily="34" charset="0"/>
+              </a:rPr>
+              <a:t>, Daniel; Martin, James H. Speech </a:t>
+            </a:r>
+            <a:r>
+              <a:rPr lang="pt-BR" sz="1200" dirty="0" err="1">
+                <a:solidFill>
+                  <a:srgbClr val="222222"/>
+                </a:solidFill>
+                <a:latin typeface="Arial" panose="020B0604020202020204" pitchFamily="34" charset="0"/>
+                <a:cs typeface="Arial" panose="020B0604020202020204" pitchFamily="34" charset="0"/>
+              </a:rPr>
+              <a:t>and</a:t>
+            </a:r>
+            <a:r>
+              <a:rPr lang="pt-BR" sz="1200" dirty="0">
+                <a:solidFill>
+                  <a:srgbClr val="222222"/>
+                </a:solidFill>
+                <a:latin typeface="Arial" panose="020B0604020202020204" pitchFamily="34" charset="0"/>
+                <a:cs typeface="Arial" panose="020B0604020202020204" pitchFamily="34" charset="0"/>
+              </a:rPr>
+              <a:t> </a:t>
+            </a:r>
+            <a:r>
+              <a:rPr lang="pt-BR" sz="1200" dirty="0" err="1">
+                <a:solidFill>
+                  <a:srgbClr val="222222"/>
+                </a:solidFill>
+                <a:latin typeface="Arial" panose="020B0604020202020204" pitchFamily="34" charset="0"/>
+                <a:cs typeface="Arial" panose="020B0604020202020204" pitchFamily="34" charset="0"/>
+              </a:rPr>
+              <a:t>Language</a:t>
+            </a:r>
+            <a:r>
+              <a:rPr lang="pt-BR" sz="1200" dirty="0">
+                <a:solidFill>
+                  <a:srgbClr val="222222"/>
+                </a:solidFill>
+                <a:latin typeface="Arial" panose="020B0604020202020204" pitchFamily="34" charset="0"/>
+                <a:cs typeface="Arial" panose="020B0604020202020204" pitchFamily="34" charset="0"/>
+              </a:rPr>
+              <a:t> </a:t>
+            </a:r>
+            <a:r>
+              <a:rPr lang="pt-BR" sz="1200" dirty="0" err="1">
+                <a:solidFill>
+                  <a:srgbClr val="222222"/>
+                </a:solidFill>
+                <a:latin typeface="Arial" panose="020B0604020202020204" pitchFamily="34" charset="0"/>
+                <a:cs typeface="Arial" panose="020B0604020202020204" pitchFamily="34" charset="0"/>
+              </a:rPr>
+              <a:t>Processing</a:t>
+            </a:r>
+            <a:r>
+              <a:rPr lang="pt-BR" sz="1200" dirty="0">
+                <a:solidFill>
+                  <a:srgbClr val="222222"/>
+                </a:solidFill>
+                <a:latin typeface="Arial" panose="020B0604020202020204" pitchFamily="34" charset="0"/>
+                <a:cs typeface="Arial" panose="020B0604020202020204" pitchFamily="34" charset="0"/>
+              </a:rPr>
+              <a:t>. </a:t>
+            </a:r>
+            <a:r>
+              <a:rPr lang="en-US" sz="1200" dirty="0">
+                <a:solidFill>
+                  <a:srgbClr val="222222"/>
+                </a:solidFill>
+                <a:latin typeface="Arial" panose="020B0604020202020204" pitchFamily="34" charset="0"/>
+                <a:cs typeface="Arial" panose="020B0604020202020204" pitchFamily="34" charset="0"/>
+              </a:rPr>
+              <a:t>An Introduction to Natural Language Processing, Computational Linguistics, and Speech Recognition. 3° ED. 2021.</a:t>
+            </a:r>
+            <a:endParaRPr lang="pt-BR" sz="1200" dirty="0">
+              <a:solidFill>
+                <a:srgbClr val="222222"/>
+              </a:solidFill>
+              <a:latin typeface="Arial" panose="020B0604020202020204" pitchFamily="34" charset="0"/>
+              <a:cs typeface="Arial" panose="020B0604020202020204" pitchFamily="34" charset="0"/>
+            </a:endParaRPr>
           </a:p>
           <a:p>
             <a:pPr marL="0" indent="0" algn="just">
               <a:buNone/>
             </a:pPr>
-            <a:r>
-              <a:rPr lang="pt-BR" sz="1200" dirty="0">
-                <a:solidFill>
-                  <a:srgbClr val="333333"/>
-                </a:solidFill>
-                <a:latin typeface="Arial" panose="020B0604020202020204" pitchFamily="34" charset="0"/>
-                <a:cs typeface="Arial" panose="020B0604020202020204" pitchFamily="34" charset="0"/>
-              </a:rPr>
-              <a:t>Benoit </a:t>
-            </a:r>
-            <a:r>
-              <a:rPr lang="pt-BR" sz="1200" dirty="0" err="1">
-                <a:solidFill>
-                  <a:srgbClr val="333333"/>
-                </a:solidFill>
-                <a:latin typeface="Arial" panose="020B0604020202020204" pitchFamily="34" charset="0"/>
-                <a:cs typeface="Arial" panose="020B0604020202020204" pitchFamily="34" charset="0"/>
-              </a:rPr>
-              <a:t>Liquet</a:t>
-            </a:r>
-            <a:r>
-              <a:rPr lang="pt-BR" sz="1200" dirty="0">
-                <a:solidFill>
-                  <a:srgbClr val="333333"/>
-                </a:solidFill>
-                <a:latin typeface="Arial" panose="020B0604020202020204" pitchFamily="34" charset="0"/>
-                <a:cs typeface="Arial" panose="020B0604020202020204" pitchFamily="34" charset="0"/>
-              </a:rPr>
-              <a:t>, </a:t>
-            </a:r>
-            <a:r>
-              <a:rPr lang="pt-BR" sz="1200" dirty="0" err="1">
-                <a:solidFill>
-                  <a:srgbClr val="333333"/>
-                </a:solidFill>
-                <a:latin typeface="Arial" panose="020B0604020202020204" pitchFamily="34" charset="0"/>
-                <a:cs typeface="Arial" panose="020B0604020202020204" pitchFamily="34" charset="0"/>
-              </a:rPr>
-              <a:t>Sarat</a:t>
-            </a:r>
-            <a:r>
-              <a:rPr lang="pt-BR" sz="1200" dirty="0">
-                <a:solidFill>
-                  <a:srgbClr val="333333"/>
-                </a:solidFill>
-                <a:latin typeface="Arial" panose="020B0604020202020204" pitchFamily="34" charset="0"/>
-                <a:cs typeface="Arial" panose="020B0604020202020204" pitchFamily="34" charset="0"/>
-              </a:rPr>
-              <a:t> Moka, </a:t>
-            </a:r>
-            <a:r>
-              <a:rPr lang="pt-BR" sz="1200" dirty="0" err="1">
-                <a:solidFill>
-                  <a:srgbClr val="333333"/>
-                </a:solidFill>
-                <a:latin typeface="Arial" panose="020B0604020202020204" pitchFamily="34" charset="0"/>
-                <a:cs typeface="Arial" panose="020B0604020202020204" pitchFamily="34" charset="0"/>
-              </a:rPr>
-              <a:t>and</a:t>
-            </a:r>
-            <a:r>
-              <a:rPr lang="pt-BR" sz="1200" dirty="0">
-                <a:solidFill>
-                  <a:srgbClr val="333333"/>
-                </a:solidFill>
-                <a:latin typeface="Arial" panose="020B0604020202020204" pitchFamily="34" charset="0"/>
-                <a:cs typeface="Arial" panose="020B0604020202020204" pitchFamily="34" charset="0"/>
-              </a:rPr>
-              <a:t> </a:t>
-            </a:r>
-            <a:r>
-              <a:rPr lang="pt-BR" sz="1200" dirty="0" err="1">
-                <a:solidFill>
-                  <a:srgbClr val="333333"/>
-                </a:solidFill>
-                <a:latin typeface="Arial" panose="020B0604020202020204" pitchFamily="34" charset="0"/>
-                <a:cs typeface="Arial" panose="020B0604020202020204" pitchFamily="34" charset="0"/>
-              </a:rPr>
-              <a:t>Yoni</a:t>
-            </a:r>
-            <a:r>
-              <a:rPr lang="pt-BR" sz="1200" dirty="0">
-                <a:solidFill>
-                  <a:srgbClr val="333333"/>
-                </a:solidFill>
-                <a:latin typeface="Arial" panose="020B0604020202020204" pitchFamily="34" charset="0"/>
-                <a:cs typeface="Arial" panose="020B0604020202020204" pitchFamily="34" charset="0"/>
-              </a:rPr>
-              <a:t> </a:t>
-            </a:r>
-            <a:r>
-              <a:rPr lang="pt-BR" sz="1200" dirty="0" err="1">
-                <a:solidFill>
-                  <a:srgbClr val="333333"/>
-                </a:solidFill>
-                <a:latin typeface="Arial" panose="020B0604020202020204" pitchFamily="34" charset="0"/>
-                <a:cs typeface="Arial" panose="020B0604020202020204" pitchFamily="34" charset="0"/>
-              </a:rPr>
-              <a:t>Nazarathy</a:t>
-            </a:r>
-            <a:r>
-              <a:rPr lang="pt-BR" sz="1200" dirty="0">
-                <a:solidFill>
-                  <a:srgbClr val="333333"/>
-                </a:solidFill>
-                <a:latin typeface="Arial" panose="020B0604020202020204" pitchFamily="34" charset="0"/>
-                <a:cs typeface="Arial" panose="020B0604020202020204" pitchFamily="34" charset="0"/>
-              </a:rPr>
-              <a:t>. </a:t>
-            </a:r>
-            <a:r>
-              <a:rPr lang="en-US" sz="1200" dirty="0">
-                <a:solidFill>
-                  <a:srgbClr val="333333"/>
-                </a:solidFill>
-                <a:latin typeface="Arial" panose="020B0604020202020204" pitchFamily="34" charset="0"/>
-                <a:cs typeface="Arial" panose="020B0604020202020204" pitchFamily="34" charset="0"/>
-              </a:rPr>
-              <a:t>The Mathematical Engineering of Deep Learning. 2019. </a:t>
-            </a:r>
-            <a:r>
-              <a:rPr lang="pt-BR" sz="1200" dirty="0">
-                <a:solidFill>
-                  <a:srgbClr val="333333"/>
-                </a:solidFill>
-                <a:latin typeface="Arial" panose="020B0604020202020204" pitchFamily="34" charset="0"/>
-                <a:cs typeface="Arial" panose="020B0604020202020204" pitchFamily="34" charset="0"/>
-              </a:rPr>
-              <a:t>Disponível em: https://deeplearningmath.org/</a:t>
-            </a:r>
-            <a:r>
-              <a:rPr lang="pt-BR" sz="1200" dirty="0" err="1">
-                <a:solidFill>
-                  <a:srgbClr val="333333"/>
-                </a:solidFill>
-                <a:latin typeface="Arial" panose="020B0604020202020204" pitchFamily="34" charset="0"/>
-                <a:cs typeface="Arial" panose="020B0604020202020204" pitchFamily="34" charset="0"/>
-              </a:rPr>
-              <a:t>sequence</a:t>
-            </a:r>
-            <a:r>
-              <a:rPr lang="pt-BR" sz="1200" dirty="0">
-                <a:solidFill>
-                  <a:srgbClr val="333333"/>
-                </a:solidFill>
-                <a:latin typeface="Arial" panose="020B0604020202020204" pitchFamily="34" charset="0"/>
-                <a:cs typeface="Arial" panose="020B0604020202020204" pitchFamily="34" charset="0"/>
-              </a:rPr>
-              <a:t>-models.  Acesso em: 20/10/2023</a:t>
-            </a:r>
+            <a:endParaRPr lang="pt-BR" sz="1200" dirty="0">
+              <a:solidFill>
+                <a:srgbClr val="333333"/>
+              </a:solidFill>
+              <a:latin typeface="Arial" panose="020B0604020202020204" pitchFamily="34" charset="0"/>
+              <a:cs typeface="Arial" panose="020B0604020202020204" pitchFamily="34" charset="0"/>
+            </a:endParaRPr>
+          </a:p>
+          <a:p>
+            <a:pPr marL="0" indent="0" algn="just">
+              <a:buNone/>
+            </a:pPr>
+            <a:endParaRPr lang="pt-BR" sz="1200" dirty="0">
+              <a:solidFill>
+                <a:srgbClr val="333333"/>
+              </a:solidFill>
+              <a:latin typeface="Arial" panose="020B0604020202020204" pitchFamily="34" charset="0"/>
+              <a:cs typeface="Arial" panose="020B0604020202020204" pitchFamily="34" charset="0"/>
+            </a:endParaRPr>
+          </a:p>
+          <a:p>
+            <a:pPr marL="0" indent="0" algn="just">
+              <a:buNone/>
+            </a:pPr>
+            <a:endParaRPr lang="pt-BR" sz="1200" dirty="0">
+              <a:solidFill>
+                <a:srgbClr val="333333"/>
+              </a:solidFill>
+              <a:latin typeface="Arial" panose="020B0604020202020204" pitchFamily="34" charset="0"/>
+              <a:cs typeface="Arial" panose="020B0604020202020204" pitchFamily="34" charset="0"/>
+            </a:endParaRPr>
+          </a:p>
+          <a:p>
+            <a:pPr marL="0" indent="0" algn="just">
+              <a:buNone/>
+            </a:pPr>
+            <a:endParaRPr lang="pt-BR" sz="1200" dirty="0">
+              <a:solidFill>
+                <a:srgbClr val="333333"/>
+              </a:solidFill>
+              <a:latin typeface="Arial" panose="020B0604020202020204" pitchFamily="34" charset="0"/>
+              <a:cs typeface="Arial" panose="020B0604020202020204" pitchFamily="34" charset="0"/>
+            </a:endParaRPr>
+          </a:p>
+          <a:p>
+            <a:pPr marL="0" indent="0" algn="just">
+              <a:buNone/>
+            </a:pPr>
+            <a:endParaRPr lang="pt-BR" sz="1200" dirty="0">
+              <a:solidFill>
+                <a:srgbClr val="333333"/>
+              </a:solidFill>
+              <a:latin typeface="Arial" panose="020B0604020202020204" pitchFamily="34" charset="0"/>
+              <a:cs typeface="Arial" panose="020B0604020202020204" pitchFamily="34" charset="0"/>
+            </a:endParaRPr>
+          </a:p>
+          <a:p>
+            <a:pPr marL="0" indent="0" algn="just">
+              <a:buNone/>
+            </a:pPr>
+            <a:endParaRPr lang="pt-BR" sz="1200" dirty="0">
+              <a:solidFill>
+                <a:srgbClr val="333333"/>
+              </a:solidFill>
+              <a:latin typeface="Arial" panose="020B0604020202020204" pitchFamily="34" charset="0"/>
+              <a:cs typeface="Arial" panose="020B0604020202020204" pitchFamily="34" charset="0"/>
+            </a:endParaRPr>
           </a:p>
           <a:p>
             <a:pPr marL="0" indent="0">
@@ -11018,916 +15320,6 @@
     <p:extLst>
       <p:ext uri="{BB962C8B-B14F-4D97-AF65-F5344CB8AC3E}">
         <p14:creationId xmlns:p14="http://schemas.microsoft.com/office/powerpoint/2010/main" val="4147454901"/>
-      </p:ext>
-    </p:extLst>
-  </p:cSld>
-  <p:clrMapOvr>
-    <a:masterClrMapping/>
-  </p:clrMapOvr>
-</p:sld>
-</file>
-
-<file path=ppt/slides/slide2.xml><?xml version="1.0" encoding="utf-8"?>
-<p:sld xmlns:a="http://schemas.openxmlformats.org/drawingml/2006/main" xmlns:r="http://schemas.openxmlformats.org/officeDocument/2006/relationships" xmlns:p="http://schemas.openxmlformats.org/presentationml/2006/main">
-  <p:cSld>
-    <p:spTree>
-      <p:nvGrpSpPr>
-        <p:cNvPr id="1" name=""/>
-        <p:cNvGrpSpPr/>
-        <p:nvPr/>
-      </p:nvGrpSpPr>
-      <p:grpSpPr>
-        <a:xfrm>
-          <a:off x="0" y="0"/>
-          <a:ext cx="0" cy="0"/>
-          <a:chOff x="0" y="0"/>
-          <a:chExt cx="0" cy="0"/>
-        </a:xfrm>
-      </p:grpSpPr>
-      <p:sp>
-        <p:nvSpPr>
-          <p:cNvPr id="2" name="Título 1">
-            <a:extLst>
-              <a:ext uri="{FF2B5EF4-FFF2-40B4-BE49-F238E27FC236}">
-                <a16:creationId xmlns:a16="http://schemas.microsoft.com/office/drawing/2014/main" id="{C5B8A185-C423-7566-5114-22B56B42BB59}"/>
-              </a:ext>
-            </a:extLst>
-          </p:cNvPr>
-          <p:cNvSpPr>
-            <a:spLocks noGrp="1"/>
-          </p:cNvSpPr>
-          <p:nvPr>
-            <p:ph type="title"/>
-          </p:nvPr>
-        </p:nvSpPr>
-        <p:spPr>
-          <a:xfrm>
-            <a:off x="1097280" y="692794"/>
-            <a:ext cx="2466316" cy="592224"/>
-          </a:xfrm>
-        </p:spPr>
-        <p:txBody>
-          <a:bodyPr>
-            <a:normAutofit/>
-          </a:bodyPr>
-          <a:lstStyle/>
-          <a:p>
-            <a:pPr marL="457200" indent="-457200">
-              <a:buFont typeface="Arial" panose="020B0604020202020204" pitchFamily="34" charset="0"/>
-              <a:buChar char="•"/>
-            </a:pPr>
-            <a:r>
-              <a:rPr lang="pt-BR" sz="2400" b="1" dirty="0">
-                <a:solidFill>
-                  <a:schemeClr val="tx1"/>
-                </a:solidFill>
-                <a:latin typeface="Arial" panose="020B0604020202020204" pitchFamily="34" charset="0"/>
-                <a:cs typeface="Arial" panose="020B0604020202020204" pitchFamily="34" charset="0"/>
-              </a:rPr>
-              <a:t>TÓPICOS</a:t>
-            </a:r>
-          </a:p>
-        </p:txBody>
-      </p:sp>
-      <p:pic>
-        <p:nvPicPr>
-          <p:cNvPr id="6" name="Imagem 5" descr="Janela de vidro&#10;&#10;Descrição gerada automaticamente com confiança média">
-            <a:extLst>
-              <a:ext uri="{FF2B5EF4-FFF2-40B4-BE49-F238E27FC236}">
-                <a16:creationId xmlns:a16="http://schemas.microsoft.com/office/drawing/2014/main" id="{8ABCD363-4854-25F6-25BD-A49672ECFD13}"/>
-              </a:ext>
-            </a:extLst>
-          </p:cNvPr>
-          <p:cNvPicPr>
-            <a:picLocks noChangeAspect="1"/>
-          </p:cNvPicPr>
-          <p:nvPr/>
-        </p:nvPicPr>
-        <p:blipFill>
-          <a:blip r:embed="rId2" cstate="print">
-            <a:extLst>
-              <a:ext uri="{28A0092B-C50C-407E-A947-70E740481C1C}">
-                <a14:useLocalDpi xmlns:a14="http://schemas.microsoft.com/office/drawing/2010/main" val="0"/>
-              </a:ext>
-            </a:extLst>
-          </a:blip>
-          <a:stretch>
-            <a:fillRect/>
-          </a:stretch>
-        </p:blipFill>
-        <p:spPr>
-          <a:xfrm>
-            <a:off x="118159" y="6470866"/>
-            <a:ext cx="373152" cy="332105"/>
-          </a:xfrm>
-          <a:prstGeom prst="rect">
-            <a:avLst/>
-          </a:prstGeom>
-        </p:spPr>
-      </p:pic>
-      <p:sp>
-        <p:nvSpPr>
-          <p:cNvPr id="9" name="CaixaDeTexto 8">
-            <a:extLst>
-              <a:ext uri="{FF2B5EF4-FFF2-40B4-BE49-F238E27FC236}">
-                <a16:creationId xmlns:a16="http://schemas.microsoft.com/office/drawing/2014/main" id="{BBBF1D8E-26C8-FD0C-C032-25A0D659C307}"/>
-              </a:ext>
-            </a:extLst>
-          </p:cNvPr>
-          <p:cNvSpPr txBox="1"/>
-          <p:nvPr/>
-        </p:nvSpPr>
-        <p:spPr>
-          <a:xfrm>
-            <a:off x="1260439" y="1898112"/>
-            <a:ext cx="4848314" cy="830997"/>
-          </a:xfrm>
-          <a:prstGeom prst="rect">
-            <a:avLst/>
-          </a:prstGeom>
-          <a:noFill/>
-        </p:spPr>
-        <p:txBody>
-          <a:bodyPr wrap="square" rtlCol="0">
-            <a:spAutoFit/>
-          </a:bodyPr>
-          <a:lstStyle/>
-          <a:p>
-            <a:pPr marL="342900" marR="0" lvl="0" indent="-342900" algn="l" defTabSz="457200" rtl="0" eaLnBrk="1" fontAlgn="auto" latinLnBrk="0" hangingPunct="1">
-              <a:lnSpc>
-                <a:spcPct val="100000"/>
-              </a:lnSpc>
-              <a:spcBef>
-                <a:spcPts val="0"/>
-              </a:spcBef>
-              <a:spcAft>
-                <a:spcPts val="0"/>
-              </a:spcAft>
-              <a:buClrTx/>
-              <a:buSzTx/>
-              <a:buFontTx/>
-              <a:buAutoNum type="arabicPeriod"/>
-              <a:tabLst/>
-              <a:defRPr/>
-            </a:pPr>
-            <a:r>
-              <a:rPr kumimoji="0" lang="pt-BR" sz="1600" b="1" i="0" u="none" strike="noStrike" kern="1200" cap="none" spc="0" normalizeH="0" baseline="0" noProof="0" dirty="0">
-                <a:ln>
-                  <a:noFill/>
-                </a:ln>
-                <a:solidFill>
-                  <a:prstClr val="black"/>
-                </a:solidFill>
-                <a:effectLst/>
-                <a:uLnTx/>
-                <a:uFillTx/>
-                <a:latin typeface="Arial" panose="020B0604020202020204" pitchFamily="34" charset="0"/>
-                <a:ea typeface="+mn-ea"/>
-                <a:cs typeface="Arial" panose="020B0604020202020204" pitchFamily="34" charset="0"/>
-              </a:rPr>
-              <a:t>INTRODUÇÃO</a:t>
-            </a:r>
-          </a:p>
-          <a:p>
-            <a:pPr marR="0" lvl="0" algn="l" defTabSz="457200" rtl="0" eaLnBrk="1" fontAlgn="auto" latinLnBrk="0" hangingPunct="1">
-              <a:lnSpc>
-                <a:spcPct val="100000"/>
-              </a:lnSpc>
-              <a:spcBef>
-                <a:spcPts val="0"/>
-              </a:spcBef>
-              <a:spcAft>
-                <a:spcPts val="0"/>
-              </a:spcAft>
-              <a:buClrTx/>
-              <a:buSzTx/>
-              <a:tabLst/>
-              <a:defRPr/>
-            </a:pPr>
-            <a:r>
-              <a:rPr lang="pt-BR" sz="1600" b="1" dirty="0">
-                <a:solidFill>
-                  <a:prstClr val="black"/>
-                </a:solidFill>
-                <a:latin typeface="Arial" panose="020B0604020202020204" pitchFamily="34" charset="0"/>
-                <a:cs typeface="Arial" panose="020B0604020202020204" pitchFamily="34" charset="0"/>
-              </a:rPr>
-              <a:t>	1.1. OBJETIVOS</a:t>
-            </a:r>
-            <a:endParaRPr kumimoji="0" lang="pt-BR" sz="1600" b="1" i="0" u="none" strike="noStrike" kern="1200" cap="none" spc="0" normalizeH="0" baseline="0" noProof="0" dirty="0">
-              <a:ln>
-                <a:noFill/>
-              </a:ln>
-              <a:solidFill>
-                <a:prstClr val="black"/>
-              </a:solidFill>
-              <a:effectLst/>
-              <a:uLnTx/>
-              <a:uFillTx/>
-              <a:latin typeface="Arial" panose="020B0604020202020204" pitchFamily="34" charset="0"/>
-              <a:ea typeface="+mn-ea"/>
-              <a:cs typeface="Arial" panose="020B0604020202020204" pitchFamily="34" charset="0"/>
-            </a:endParaRPr>
-          </a:p>
-          <a:p>
-            <a:pPr marL="457200" marR="0" lvl="1" indent="0" algn="l" defTabSz="457200" rtl="0" eaLnBrk="1" fontAlgn="auto" latinLnBrk="0" hangingPunct="1">
-              <a:lnSpc>
-                <a:spcPct val="100000"/>
-              </a:lnSpc>
-              <a:spcBef>
-                <a:spcPts val="0"/>
-              </a:spcBef>
-              <a:spcAft>
-                <a:spcPts val="0"/>
-              </a:spcAft>
-              <a:buClrTx/>
-              <a:buSzTx/>
-              <a:buFontTx/>
-              <a:buNone/>
-              <a:tabLst/>
-              <a:defRPr/>
-            </a:pPr>
-            <a:r>
-              <a:rPr kumimoji="0" lang="pt-BR" sz="1600" b="1" i="0" u="none" strike="noStrike" kern="1200" cap="none" spc="0" normalizeH="0" baseline="0" noProof="0" dirty="0">
-                <a:ln>
-                  <a:noFill/>
-                </a:ln>
-                <a:solidFill>
-                  <a:prstClr val="black"/>
-                </a:solidFill>
-                <a:effectLst/>
-                <a:uLnTx/>
-                <a:uFillTx/>
-                <a:latin typeface="Arial" panose="020B0604020202020204" pitchFamily="34" charset="0"/>
-                <a:ea typeface="+mn-ea"/>
-                <a:cs typeface="Arial" panose="020B0604020202020204" pitchFamily="34" charset="0"/>
-              </a:rPr>
-              <a:t>1.2. PRÉ-PROCESSAMENTO</a:t>
-            </a:r>
-          </a:p>
-        </p:txBody>
-      </p:sp>
-      <p:sp>
-        <p:nvSpPr>
-          <p:cNvPr id="10" name="CaixaDeTexto 9">
-            <a:extLst>
-              <a:ext uri="{FF2B5EF4-FFF2-40B4-BE49-F238E27FC236}">
-                <a16:creationId xmlns:a16="http://schemas.microsoft.com/office/drawing/2014/main" id="{0DF1E38E-ACFA-9FED-20CF-195C156972EC}"/>
-              </a:ext>
-            </a:extLst>
-          </p:cNvPr>
-          <p:cNvSpPr txBox="1"/>
-          <p:nvPr/>
-        </p:nvSpPr>
-        <p:spPr>
-          <a:xfrm>
-            <a:off x="1260424" y="4163935"/>
-            <a:ext cx="6815261" cy="338554"/>
-          </a:xfrm>
-          <a:prstGeom prst="rect">
-            <a:avLst/>
-          </a:prstGeom>
-          <a:noFill/>
-        </p:spPr>
-        <p:txBody>
-          <a:bodyPr wrap="square" rtlCol="0">
-            <a:spAutoFit/>
-          </a:bodyPr>
-          <a:lstStyle/>
-          <a:p>
-            <a:pPr marL="342900" marR="0" lvl="0" indent="-342900" algn="l" defTabSz="457200" rtl="0" eaLnBrk="1" fontAlgn="auto" latinLnBrk="0" hangingPunct="1">
-              <a:lnSpc>
-                <a:spcPct val="100000"/>
-              </a:lnSpc>
-              <a:spcBef>
-                <a:spcPts val="0"/>
-              </a:spcBef>
-              <a:spcAft>
-                <a:spcPts val="0"/>
-              </a:spcAft>
-              <a:buClrTx/>
-              <a:buSzTx/>
-              <a:buFontTx/>
-              <a:buAutoNum type="arabicPeriod" startAt="3"/>
-              <a:tabLst/>
-              <a:defRPr/>
-            </a:pPr>
-            <a:r>
-              <a:rPr lang="pt-BR" sz="1600" b="1" dirty="0">
-                <a:solidFill>
-                  <a:prstClr val="black"/>
-                </a:solidFill>
-                <a:latin typeface="Arial" panose="020B0604020202020204" pitchFamily="34" charset="0"/>
-                <a:cs typeface="Arial" panose="020B0604020202020204" pitchFamily="34" charset="0"/>
-              </a:rPr>
-              <a:t>REGULARIZAÇÃO PARA CONJUNTOS DE DADOS LIMITADOS</a:t>
-            </a:r>
-          </a:p>
-        </p:txBody>
-      </p:sp>
-      <p:sp>
-        <p:nvSpPr>
-          <p:cNvPr id="14" name="CaixaDeTexto 13">
-            <a:extLst>
-              <a:ext uri="{FF2B5EF4-FFF2-40B4-BE49-F238E27FC236}">
-                <a16:creationId xmlns:a16="http://schemas.microsoft.com/office/drawing/2014/main" id="{0F4E52A4-742B-A94D-4D57-DA7BF22B1D3A}"/>
-              </a:ext>
-            </a:extLst>
-          </p:cNvPr>
-          <p:cNvSpPr txBox="1"/>
-          <p:nvPr/>
-        </p:nvSpPr>
-        <p:spPr>
-          <a:xfrm>
-            <a:off x="1260423" y="4579410"/>
-            <a:ext cx="5110385" cy="1323439"/>
-          </a:xfrm>
-          <a:prstGeom prst="rect">
-            <a:avLst/>
-          </a:prstGeom>
-          <a:noFill/>
-        </p:spPr>
-        <p:txBody>
-          <a:bodyPr wrap="square" rtlCol="0">
-            <a:spAutoFit/>
-          </a:bodyPr>
-          <a:lstStyle/>
-          <a:p>
-            <a:pPr marL="342900" marR="0" lvl="0" indent="-342900" algn="l" defTabSz="457200" rtl="0" eaLnBrk="1" fontAlgn="auto" latinLnBrk="0" hangingPunct="1">
-              <a:lnSpc>
-                <a:spcPct val="100000"/>
-              </a:lnSpc>
-              <a:spcBef>
-                <a:spcPts val="0"/>
-              </a:spcBef>
-              <a:spcAft>
-                <a:spcPts val="0"/>
-              </a:spcAft>
-              <a:buClrTx/>
-              <a:buSzTx/>
-              <a:buFontTx/>
-              <a:buAutoNum type="arabicPeriod" startAt="4"/>
-              <a:tabLst/>
-              <a:defRPr/>
-            </a:pPr>
-            <a:r>
-              <a:rPr lang="pt-BR" sz="1600" b="1" dirty="0">
-                <a:solidFill>
-                  <a:prstClr val="black"/>
-                </a:solidFill>
-                <a:latin typeface="Arial" panose="020B0604020202020204" pitchFamily="34" charset="0"/>
-                <a:cs typeface="Arial" panose="020B0604020202020204" pitchFamily="34" charset="0"/>
-              </a:rPr>
-              <a:t>RESULTADOS E CONCLUSÃO</a:t>
-            </a:r>
-          </a:p>
-          <a:p>
-            <a:pPr marR="0" lvl="0" algn="l" defTabSz="457200" rtl="0" eaLnBrk="1" fontAlgn="auto" latinLnBrk="0" hangingPunct="1">
-              <a:lnSpc>
-                <a:spcPct val="100000"/>
-              </a:lnSpc>
-              <a:spcBef>
-                <a:spcPts val="0"/>
-              </a:spcBef>
-              <a:spcAft>
-                <a:spcPts val="0"/>
-              </a:spcAft>
-              <a:buClrTx/>
-              <a:buSzTx/>
-              <a:tabLst/>
-              <a:defRPr/>
-            </a:pPr>
-            <a:r>
-              <a:rPr kumimoji="0" lang="pt-BR" sz="1600" b="1" i="0" u="none" strike="noStrike" kern="1200" cap="none" spc="0" normalizeH="0" baseline="0" noProof="0" dirty="0">
-                <a:ln>
-                  <a:noFill/>
-                </a:ln>
-                <a:solidFill>
-                  <a:prstClr val="black"/>
-                </a:solidFill>
-                <a:effectLst/>
-                <a:uLnTx/>
-                <a:uFillTx/>
-                <a:latin typeface="Arial" panose="020B0604020202020204" pitchFamily="34" charset="0"/>
-                <a:ea typeface="+mn-ea"/>
-                <a:cs typeface="Arial" panose="020B0604020202020204" pitchFamily="34" charset="0"/>
-              </a:rPr>
-              <a:t>	</a:t>
-            </a:r>
-            <a:r>
-              <a:rPr lang="pt-BR" sz="1600" b="1" dirty="0">
-                <a:solidFill>
-                  <a:prstClr val="black"/>
-                </a:solidFill>
-                <a:latin typeface="Arial" panose="020B0604020202020204" pitchFamily="34" charset="0"/>
-                <a:cs typeface="Arial" panose="020B0604020202020204" pitchFamily="34" charset="0"/>
-              </a:rPr>
-              <a:t>4.1. Conjuntos de Dados</a:t>
-            </a:r>
-          </a:p>
-          <a:p>
-            <a:pPr marR="0" lvl="0" algn="l" defTabSz="457200" rtl="0" eaLnBrk="1" fontAlgn="auto" latinLnBrk="0" hangingPunct="1">
-              <a:lnSpc>
-                <a:spcPct val="100000"/>
-              </a:lnSpc>
-              <a:spcBef>
-                <a:spcPts val="0"/>
-              </a:spcBef>
-              <a:spcAft>
-                <a:spcPts val="0"/>
-              </a:spcAft>
-              <a:buClrTx/>
-              <a:buSzTx/>
-              <a:tabLst/>
-              <a:defRPr/>
-            </a:pPr>
-            <a:r>
-              <a:rPr lang="pt-BR" sz="1600" b="1" dirty="0">
-                <a:solidFill>
-                  <a:prstClr val="black"/>
-                </a:solidFill>
-                <a:latin typeface="Arial" panose="020B0604020202020204" pitchFamily="34" charset="0"/>
-                <a:cs typeface="Arial" panose="020B0604020202020204" pitchFamily="34" charset="0"/>
-              </a:rPr>
-              <a:t>	4.2. Diagramas dos modelos</a:t>
-            </a:r>
-          </a:p>
-          <a:p>
-            <a:pPr marR="0" lvl="0" algn="l" defTabSz="457200" rtl="0" eaLnBrk="1" fontAlgn="auto" latinLnBrk="0" hangingPunct="1">
-              <a:lnSpc>
-                <a:spcPct val="100000"/>
-              </a:lnSpc>
-              <a:spcBef>
-                <a:spcPts val="0"/>
-              </a:spcBef>
-              <a:spcAft>
-                <a:spcPts val="0"/>
-              </a:spcAft>
-              <a:buClrTx/>
-              <a:buSzTx/>
-              <a:tabLst/>
-              <a:defRPr/>
-            </a:pPr>
-            <a:r>
-              <a:rPr kumimoji="0" lang="pt-BR" sz="1600" b="1" i="0" u="none" strike="noStrike" kern="1200" cap="none" spc="0" normalizeH="0" baseline="0" noProof="0" dirty="0">
-                <a:ln>
-                  <a:noFill/>
-                </a:ln>
-                <a:solidFill>
-                  <a:prstClr val="black"/>
-                </a:solidFill>
-                <a:effectLst/>
-                <a:uLnTx/>
-                <a:uFillTx/>
-                <a:latin typeface="Arial" panose="020B0604020202020204" pitchFamily="34" charset="0"/>
-                <a:ea typeface="+mn-ea"/>
-                <a:cs typeface="Arial" panose="020B0604020202020204" pitchFamily="34" charset="0"/>
-              </a:rPr>
-              <a:t>	4.3. Resultados</a:t>
-            </a:r>
-            <a:endParaRPr lang="pt-BR" sz="1600" b="1" dirty="0">
-              <a:solidFill>
-                <a:prstClr val="black"/>
-              </a:solidFill>
-              <a:latin typeface="Arial" panose="020B0604020202020204" pitchFamily="34" charset="0"/>
-              <a:cs typeface="Arial" panose="020B0604020202020204" pitchFamily="34" charset="0"/>
-            </a:endParaRPr>
-          </a:p>
-          <a:p>
-            <a:pPr marR="0" lvl="0" algn="l" defTabSz="457200" rtl="0" eaLnBrk="1" fontAlgn="auto" latinLnBrk="0" hangingPunct="1">
-              <a:lnSpc>
-                <a:spcPct val="100000"/>
-              </a:lnSpc>
-              <a:spcBef>
-                <a:spcPts val="0"/>
-              </a:spcBef>
-              <a:spcAft>
-                <a:spcPts val="0"/>
-              </a:spcAft>
-              <a:buClrTx/>
-              <a:buSzTx/>
-              <a:tabLst/>
-              <a:defRPr/>
-            </a:pPr>
-            <a:r>
-              <a:rPr kumimoji="0" lang="pt-BR" sz="1600" b="1" i="0" u="none" strike="noStrike" kern="1200" cap="none" spc="0" normalizeH="0" baseline="0" noProof="0" dirty="0">
-                <a:ln>
-                  <a:noFill/>
-                </a:ln>
-                <a:solidFill>
-                  <a:prstClr val="black"/>
-                </a:solidFill>
-                <a:effectLst/>
-                <a:uLnTx/>
-                <a:uFillTx/>
-                <a:latin typeface="Arial" panose="020B0604020202020204" pitchFamily="34" charset="0"/>
-                <a:ea typeface="+mn-ea"/>
-                <a:cs typeface="Arial" panose="020B0604020202020204" pitchFamily="34" charset="0"/>
-              </a:rPr>
-              <a:t>	4.4</a:t>
-            </a:r>
-            <a:r>
-              <a:rPr lang="pt-BR" sz="1600" b="1" dirty="0">
-                <a:solidFill>
-                  <a:prstClr val="black"/>
-                </a:solidFill>
-                <a:latin typeface="Arial" panose="020B0604020202020204" pitchFamily="34" charset="0"/>
-                <a:cs typeface="Arial" panose="020B0604020202020204" pitchFamily="34" charset="0"/>
-              </a:rPr>
-              <a:t>. Conclusão</a:t>
-            </a:r>
-            <a:endParaRPr kumimoji="0" lang="pt-BR" sz="1600" b="1" i="0" u="none" strike="noStrike" kern="1200" cap="none" spc="0" normalizeH="0" baseline="0" noProof="0" dirty="0">
-              <a:ln>
-                <a:noFill/>
-              </a:ln>
-              <a:solidFill>
-                <a:prstClr val="black"/>
-              </a:solidFill>
-              <a:effectLst/>
-              <a:uLnTx/>
-              <a:uFillTx/>
-              <a:latin typeface="Arial" panose="020B0604020202020204" pitchFamily="34" charset="0"/>
-              <a:ea typeface="+mn-ea"/>
-              <a:cs typeface="Arial" panose="020B0604020202020204" pitchFamily="34" charset="0"/>
-            </a:endParaRPr>
-          </a:p>
-        </p:txBody>
-      </p:sp>
-      <p:sp>
-        <p:nvSpPr>
-          <p:cNvPr id="7" name="CaixaDeTexto 6">
-            <a:extLst>
-              <a:ext uri="{FF2B5EF4-FFF2-40B4-BE49-F238E27FC236}">
-                <a16:creationId xmlns:a16="http://schemas.microsoft.com/office/drawing/2014/main" id="{46E074DC-1F39-3464-1011-9DB3ED73FEBF}"/>
-              </a:ext>
-            </a:extLst>
-          </p:cNvPr>
-          <p:cNvSpPr txBox="1"/>
-          <p:nvPr/>
-        </p:nvSpPr>
-        <p:spPr>
-          <a:xfrm>
-            <a:off x="1260424" y="2767280"/>
-            <a:ext cx="5110385" cy="1323439"/>
-          </a:xfrm>
-          <a:prstGeom prst="rect">
-            <a:avLst/>
-          </a:prstGeom>
-          <a:noFill/>
-        </p:spPr>
-        <p:txBody>
-          <a:bodyPr wrap="square" rtlCol="0">
-            <a:spAutoFit/>
-          </a:bodyPr>
-          <a:lstStyle>
-            <a:defPPr>
-              <a:defRPr lang="en-US"/>
-            </a:defPPr>
-            <a:lvl1pPr marL="342900" indent="-342900">
-              <a:buAutoNum type="arabicPeriod" startAt="2"/>
-              <a:defRPr sz="1600" b="1">
-                <a:latin typeface="Arial" panose="020B0604020202020204" pitchFamily="34" charset="0"/>
-                <a:cs typeface="Arial" panose="020B0604020202020204" pitchFamily="34" charset="0"/>
-              </a:defRPr>
-            </a:lvl1pPr>
-          </a:lstStyle>
-          <a:p>
-            <a:pPr marL="0" marR="0" lvl="0" indent="0" algn="l" defTabSz="457200" rtl="0" eaLnBrk="1" fontAlgn="auto" latinLnBrk="0" hangingPunct="1">
-              <a:lnSpc>
-                <a:spcPct val="100000"/>
-              </a:lnSpc>
-              <a:spcBef>
-                <a:spcPts val="0"/>
-              </a:spcBef>
-              <a:spcAft>
-                <a:spcPts val="0"/>
-              </a:spcAft>
-              <a:buClrTx/>
-              <a:buSzTx/>
-              <a:buFontTx/>
-              <a:buNone/>
-              <a:tabLst/>
-              <a:defRPr/>
-            </a:pPr>
-            <a:r>
-              <a:rPr lang="pt-BR" dirty="0">
-                <a:solidFill>
-                  <a:prstClr val="black"/>
-                </a:solidFill>
-              </a:rPr>
-              <a:t>2</a:t>
-            </a:r>
-            <a:r>
-              <a:rPr kumimoji="0" lang="pt-BR" sz="1600" b="1" i="0" u="none" strike="noStrike" kern="1200" cap="none" spc="0" normalizeH="0" baseline="0" noProof="0" dirty="0">
-                <a:ln>
-                  <a:noFill/>
-                </a:ln>
-                <a:solidFill>
-                  <a:prstClr val="black"/>
-                </a:solidFill>
-                <a:effectLst/>
-                <a:uLnTx/>
-                <a:uFillTx/>
-                <a:latin typeface="Arial" panose="020B0604020202020204" pitchFamily="34" charset="0"/>
-                <a:ea typeface="+mn-ea"/>
-                <a:cs typeface="Arial" panose="020B0604020202020204" pitchFamily="34" charset="0"/>
-              </a:rPr>
-              <a:t>.   MODELOS</a:t>
-            </a:r>
-          </a:p>
-          <a:p>
-            <a:pPr marL="0" marR="0" lvl="0" indent="0" algn="l" defTabSz="457200" rtl="0" eaLnBrk="1" fontAlgn="auto" latinLnBrk="0" hangingPunct="1">
-              <a:lnSpc>
-                <a:spcPct val="100000"/>
-              </a:lnSpc>
-              <a:spcBef>
-                <a:spcPts val="0"/>
-              </a:spcBef>
-              <a:spcAft>
-                <a:spcPts val="0"/>
-              </a:spcAft>
-              <a:buClrTx/>
-              <a:buSzTx/>
-              <a:buFontTx/>
-              <a:buNone/>
-              <a:tabLst/>
-              <a:defRPr/>
-            </a:pPr>
-            <a:r>
-              <a:rPr kumimoji="0" lang="pt-BR" sz="1600" b="1" i="0" u="none" strike="noStrike" kern="1200" cap="none" spc="0" normalizeH="0" baseline="0" noProof="0" dirty="0">
-                <a:ln>
-                  <a:noFill/>
-                </a:ln>
-                <a:solidFill>
-                  <a:prstClr val="black"/>
-                </a:solidFill>
-                <a:effectLst/>
-                <a:uLnTx/>
-                <a:uFillTx/>
-                <a:latin typeface="Arial" panose="020B0604020202020204" pitchFamily="34" charset="0"/>
-                <a:ea typeface="+mn-ea"/>
-                <a:cs typeface="Arial" panose="020B0604020202020204" pitchFamily="34" charset="0"/>
-              </a:rPr>
-              <a:t>	2.1. </a:t>
-            </a:r>
-            <a:r>
-              <a:rPr lang="pt-BR" dirty="0">
-                <a:solidFill>
-                  <a:prstClr val="black"/>
-                </a:solidFill>
-              </a:rPr>
-              <a:t>RNN</a:t>
-            </a:r>
-            <a:endParaRPr kumimoji="0" lang="pt-BR" sz="1600" b="1" i="0" u="none" strike="noStrike" kern="1200" cap="none" spc="0" normalizeH="0" baseline="0" noProof="0" dirty="0">
-              <a:ln>
-                <a:noFill/>
-              </a:ln>
-              <a:solidFill>
-                <a:prstClr val="black"/>
-              </a:solidFill>
-              <a:effectLst/>
-              <a:uLnTx/>
-              <a:uFillTx/>
-              <a:latin typeface="Arial" panose="020B0604020202020204" pitchFamily="34" charset="0"/>
-              <a:ea typeface="+mn-ea"/>
-              <a:cs typeface="Arial" panose="020B0604020202020204" pitchFamily="34" charset="0"/>
-            </a:endParaRPr>
-          </a:p>
-          <a:p>
-            <a:pPr marL="0" marR="0" lvl="0" indent="0" algn="l" defTabSz="457200" rtl="0" eaLnBrk="1" fontAlgn="auto" latinLnBrk="0" hangingPunct="1">
-              <a:lnSpc>
-                <a:spcPct val="100000"/>
-              </a:lnSpc>
-              <a:spcBef>
-                <a:spcPts val="0"/>
-              </a:spcBef>
-              <a:spcAft>
-                <a:spcPts val="0"/>
-              </a:spcAft>
-              <a:buClrTx/>
-              <a:buSzTx/>
-              <a:buFontTx/>
-              <a:buNone/>
-              <a:tabLst/>
-              <a:defRPr/>
-            </a:pPr>
-            <a:r>
-              <a:rPr kumimoji="0" lang="pt-BR" sz="1600" b="1" i="0" u="none" strike="noStrike" kern="1200" cap="none" spc="0" normalizeH="0" baseline="0" noProof="0" dirty="0">
-                <a:ln>
-                  <a:noFill/>
-                </a:ln>
-                <a:solidFill>
-                  <a:prstClr val="black"/>
-                </a:solidFill>
-                <a:effectLst/>
-                <a:uLnTx/>
-                <a:uFillTx/>
-                <a:latin typeface="Arial" panose="020B0604020202020204" pitchFamily="34" charset="0"/>
-                <a:ea typeface="+mn-ea"/>
-                <a:cs typeface="Arial" panose="020B0604020202020204" pitchFamily="34" charset="0"/>
-              </a:rPr>
-              <a:t>	2.2. </a:t>
-            </a:r>
-            <a:r>
-              <a:rPr lang="pt-BR" dirty="0">
-                <a:solidFill>
-                  <a:prstClr val="black"/>
-                </a:solidFill>
-              </a:rPr>
-              <a:t>LSTM</a:t>
-            </a:r>
-          </a:p>
-          <a:p>
-            <a:pPr marL="0" marR="0" lvl="0" indent="0" algn="l" defTabSz="457200" rtl="0" eaLnBrk="1" fontAlgn="auto" latinLnBrk="0" hangingPunct="1">
-              <a:lnSpc>
-                <a:spcPct val="100000"/>
-              </a:lnSpc>
-              <a:spcBef>
-                <a:spcPts val="0"/>
-              </a:spcBef>
-              <a:spcAft>
-                <a:spcPts val="0"/>
-              </a:spcAft>
-              <a:buClrTx/>
-              <a:buSzTx/>
-              <a:buFontTx/>
-              <a:buNone/>
-              <a:tabLst/>
-              <a:defRPr/>
-            </a:pPr>
-            <a:r>
-              <a:rPr kumimoji="0" lang="pt-BR" sz="1600" b="1" i="0" u="none" strike="noStrike" kern="1200" cap="none" spc="0" normalizeH="0" baseline="0" noProof="0" dirty="0">
-                <a:ln>
-                  <a:noFill/>
-                </a:ln>
-                <a:solidFill>
-                  <a:prstClr val="black"/>
-                </a:solidFill>
-                <a:effectLst/>
-                <a:uLnTx/>
-                <a:uFillTx/>
-                <a:latin typeface="Arial" panose="020B0604020202020204" pitchFamily="34" charset="0"/>
-                <a:ea typeface="+mn-ea"/>
-                <a:cs typeface="Arial" panose="020B0604020202020204" pitchFamily="34" charset="0"/>
-              </a:rPr>
-              <a:t>	2.3. GRU</a:t>
-            </a:r>
-          </a:p>
-          <a:p>
-            <a:pPr marL="0" marR="0" lvl="0" indent="0" algn="l" defTabSz="457200" rtl="0" eaLnBrk="1" fontAlgn="auto" latinLnBrk="0" hangingPunct="1">
-              <a:lnSpc>
-                <a:spcPct val="100000"/>
-              </a:lnSpc>
-              <a:spcBef>
-                <a:spcPts val="0"/>
-              </a:spcBef>
-              <a:spcAft>
-                <a:spcPts val="0"/>
-              </a:spcAft>
-              <a:buClrTx/>
-              <a:buSzTx/>
-              <a:buFontTx/>
-              <a:buNone/>
-              <a:tabLst/>
-              <a:defRPr/>
-            </a:pPr>
-            <a:r>
-              <a:rPr lang="pt-BR" dirty="0">
-                <a:solidFill>
-                  <a:prstClr val="black"/>
-                </a:solidFill>
-              </a:rPr>
-              <a:t>	2.4. TRANSFORMERS</a:t>
-            </a:r>
-            <a:endParaRPr kumimoji="0" lang="pt-BR" sz="1600" b="1" i="0" u="none" strike="noStrike" kern="1200" cap="none" spc="0" normalizeH="0" baseline="0" noProof="0" dirty="0">
-              <a:ln>
-                <a:noFill/>
-              </a:ln>
-              <a:solidFill>
-                <a:prstClr val="black"/>
-              </a:solidFill>
-              <a:effectLst/>
-              <a:uLnTx/>
-              <a:uFillTx/>
-              <a:latin typeface="Arial" panose="020B0604020202020204" pitchFamily="34" charset="0"/>
-              <a:ea typeface="+mn-ea"/>
-              <a:cs typeface="Arial" panose="020B0604020202020204" pitchFamily="34" charset="0"/>
-            </a:endParaRPr>
-          </a:p>
-        </p:txBody>
-      </p:sp>
-      <p:sp>
-        <p:nvSpPr>
-          <p:cNvPr id="8" name="CaixaDeTexto 7">
-            <a:extLst>
-              <a:ext uri="{FF2B5EF4-FFF2-40B4-BE49-F238E27FC236}">
-                <a16:creationId xmlns:a16="http://schemas.microsoft.com/office/drawing/2014/main" id="{94F1279E-CFBC-EE9C-F5D2-500606FB6846}"/>
-              </a:ext>
-            </a:extLst>
-          </p:cNvPr>
-          <p:cNvSpPr txBox="1"/>
-          <p:nvPr/>
-        </p:nvSpPr>
-        <p:spPr>
-          <a:xfrm>
-            <a:off x="1260423" y="5940390"/>
-            <a:ext cx="5110385" cy="338554"/>
-          </a:xfrm>
-          <a:prstGeom prst="rect">
-            <a:avLst/>
-          </a:prstGeom>
-          <a:noFill/>
-        </p:spPr>
-        <p:txBody>
-          <a:bodyPr wrap="square" rtlCol="0">
-            <a:spAutoFit/>
-          </a:bodyPr>
-          <a:lstStyle/>
-          <a:p>
-            <a:pPr marL="0" marR="0" lvl="0" indent="0" algn="l" defTabSz="457200" rtl="0" eaLnBrk="1" fontAlgn="auto" latinLnBrk="0" hangingPunct="1">
-              <a:lnSpc>
-                <a:spcPct val="100000"/>
-              </a:lnSpc>
-              <a:spcBef>
-                <a:spcPts val="0"/>
-              </a:spcBef>
-              <a:spcAft>
-                <a:spcPts val="0"/>
-              </a:spcAft>
-              <a:buClrTx/>
-              <a:buSzTx/>
-              <a:buFontTx/>
-              <a:buNone/>
-              <a:tabLst/>
-              <a:defRPr/>
-            </a:pPr>
-            <a:r>
-              <a:rPr lang="pt-BR" sz="1600" b="1" dirty="0">
-                <a:solidFill>
-                  <a:prstClr val="black"/>
-                </a:solidFill>
-                <a:latin typeface="Arial" panose="020B0604020202020204" pitchFamily="34" charset="0"/>
-                <a:cs typeface="Arial" panose="020B0604020202020204" pitchFamily="34" charset="0"/>
-              </a:rPr>
-              <a:t>5</a:t>
-            </a:r>
-            <a:r>
-              <a:rPr kumimoji="0" lang="pt-BR" sz="1600" b="1" i="0" u="none" strike="noStrike" kern="1200" cap="none" spc="0" normalizeH="0" baseline="0" noProof="0" dirty="0">
-                <a:ln>
-                  <a:noFill/>
-                </a:ln>
-                <a:solidFill>
-                  <a:prstClr val="black"/>
-                </a:solidFill>
-                <a:effectLst/>
-                <a:uLnTx/>
-                <a:uFillTx/>
-                <a:latin typeface="Arial" panose="020B0604020202020204" pitchFamily="34" charset="0"/>
-                <a:ea typeface="+mn-ea"/>
-                <a:cs typeface="Arial" panose="020B0604020202020204" pitchFamily="34" charset="0"/>
-              </a:rPr>
-              <a:t>.	REFERÊNCIAS</a:t>
-            </a:r>
-          </a:p>
-        </p:txBody>
-      </p:sp>
-      <p:sp>
-        <p:nvSpPr>
-          <p:cNvPr id="3" name="Espaço Reservado para Rodapé 3">
-            <a:extLst>
-              <a:ext uri="{FF2B5EF4-FFF2-40B4-BE49-F238E27FC236}">
-                <a16:creationId xmlns:a16="http://schemas.microsoft.com/office/drawing/2014/main" id="{C1D22380-4927-5FFC-29E0-44F1DB4E55F6}"/>
-              </a:ext>
-            </a:extLst>
-          </p:cNvPr>
-          <p:cNvSpPr>
-            <a:spLocks noGrp="1"/>
-          </p:cNvSpPr>
-          <p:nvPr>
-            <p:ph type="ftr" sz="quarter" idx="11"/>
-          </p:nvPr>
-        </p:nvSpPr>
-        <p:spPr>
-          <a:xfrm>
-            <a:off x="3684596" y="6455648"/>
-            <a:ext cx="4822804" cy="365125"/>
-          </a:xfrm>
-        </p:spPr>
-        <p:txBody>
-          <a:bodyPr/>
-          <a:lstStyle/>
-          <a:p>
-            <a:r>
-              <a:rPr lang="pt-BR" dirty="0"/>
-              <a:t>Aprendizado Profundo - 2023</a:t>
-            </a:r>
-          </a:p>
-        </p:txBody>
-      </p:sp>
-    </p:spTree>
-    <p:extLst>
-      <p:ext uri="{BB962C8B-B14F-4D97-AF65-F5344CB8AC3E}">
-        <p14:creationId xmlns:p14="http://schemas.microsoft.com/office/powerpoint/2010/main" val="2536260634"/>
       </p:ext>
     </p:extLst>
   </p:cSld>
@@ -13077,6 +16469,540 @@
 </file>
 
 <file path=ppt/slides/slide6.xml><?xml version="1.0" encoding="utf-8"?>
+<p:sld xmlns:a="http://schemas.openxmlformats.org/drawingml/2006/main" xmlns:r="http://schemas.openxmlformats.org/officeDocument/2006/relationships" xmlns:p="http://schemas.openxmlformats.org/presentationml/2006/main" show="0">
+  <p:cSld>
+    <p:spTree>
+      <p:nvGrpSpPr>
+        <p:cNvPr id="1" name=""/>
+        <p:cNvGrpSpPr/>
+        <p:nvPr/>
+      </p:nvGrpSpPr>
+      <p:grpSpPr>
+        <a:xfrm>
+          <a:off x="0" y="0"/>
+          <a:ext cx="0" cy="0"/>
+          <a:chOff x="0" y="0"/>
+          <a:chExt cx="0" cy="0"/>
+        </a:xfrm>
+      </p:grpSpPr>
+      <p:sp>
+        <p:nvSpPr>
+          <p:cNvPr id="4" name="Espaço Reservado para Rodapé 3">
+            <a:extLst>
+              <a:ext uri="{FF2B5EF4-FFF2-40B4-BE49-F238E27FC236}">
+                <a16:creationId xmlns:a16="http://schemas.microsoft.com/office/drawing/2014/main" id="{9DFC12E2-7FA0-8350-C14D-6E71739B0B08}"/>
+              </a:ext>
+            </a:extLst>
+          </p:cNvPr>
+          <p:cNvSpPr>
+            <a:spLocks noGrp="1"/>
+          </p:cNvSpPr>
+          <p:nvPr>
+            <p:ph type="ftr" sz="quarter" idx="11"/>
+          </p:nvPr>
+        </p:nvSpPr>
+        <p:spPr>
+          <a:xfrm>
+            <a:off x="3684596" y="6455648"/>
+            <a:ext cx="4822804" cy="365125"/>
+          </a:xfrm>
+        </p:spPr>
+        <p:txBody>
+          <a:bodyPr/>
+          <a:lstStyle/>
+          <a:p>
+            <a:r>
+              <a:rPr lang="pt-BR" dirty="0"/>
+              <a:t>Aprendizado Profundo - 2023</a:t>
+            </a:r>
+          </a:p>
+        </p:txBody>
+      </p:sp>
+      <p:pic>
+        <p:nvPicPr>
+          <p:cNvPr id="5" name="Imagem 4" descr="Janela de vidro&#10;&#10;Descrição gerada automaticamente com confiança média">
+            <a:extLst>
+              <a:ext uri="{FF2B5EF4-FFF2-40B4-BE49-F238E27FC236}">
+                <a16:creationId xmlns:a16="http://schemas.microsoft.com/office/drawing/2014/main" id="{BB2E5054-EFC0-23A5-F50D-EB0BF450D86D}"/>
+              </a:ext>
+            </a:extLst>
+          </p:cNvPr>
+          <p:cNvPicPr>
+            <a:picLocks noChangeAspect="1"/>
+          </p:cNvPicPr>
+          <p:nvPr/>
+        </p:nvPicPr>
+        <p:blipFill>
+          <a:blip r:embed="rId2" cstate="print">
+            <a:extLst>
+              <a:ext uri="{28A0092B-C50C-407E-A947-70E740481C1C}">
+                <a14:useLocalDpi xmlns:a14="http://schemas.microsoft.com/office/drawing/2010/main" val="0"/>
+              </a:ext>
+            </a:extLst>
+          </a:blip>
+          <a:stretch>
+            <a:fillRect/>
+          </a:stretch>
+        </p:blipFill>
+        <p:spPr>
+          <a:xfrm>
+            <a:off x="118159" y="6470866"/>
+            <a:ext cx="373152" cy="332105"/>
+          </a:xfrm>
+          <a:prstGeom prst="rect">
+            <a:avLst/>
+          </a:prstGeom>
+        </p:spPr>
+      </p:pic>
+      <p:sp>
+        <p:nvSpPr>
+          <p:cNvPr id="6" name="Título 1">
+            <a:extLst>
+              <a:ext uri="{FF2B5EF4-FFF2-40B4-BE49-F238E27FC236}">
+                <a16:creationId xmlns:a16="http://schemas.microsoft.com/office/drawing/2014/main" id="{AFA4CF13-4960-D243-D7DB-23297A24A2D5}"/>
+              </a:ext>
+            </a:extLst>
+          </p:cNvPr>
+          <p:cNvSpPr>
+            <a:spLocks noGrp="1"/>
+          </p:cNvSpPr>
+          <p:nvPr>
+            <p:ph type="title"/>
+          </p:nvPr>
+        </p:nvSpPr>
+        <p:spPr>
+          <a:xfrm>
+            <a:off x="1097280" y="651850"/>
+            <a:ext cx="10058400" cy="696211"/>
+          </a:xfrm>
+        </p:spPr>
+        <p:txBody>
+          <a:bodyPr vert="horz" lIns="91440" tIns="45720" rIns="91440" bIns="45720" rtlCol="0" anchor="b">
+            <a:normAutofit/>
+          </a:bodyPr>
+          <a:lstStyle/>
+          <a:p>
+            <a:pPr marL="457200" indent="-457200">
+              <a:buFont typeface="Arial" panose="020B0604020202020204" pitchFamily="34" charset="0"/>
+              <a:buChar char="•"/>
+            </a:pPr>
+            <a:r>
+              <a:rPr lang="pt-BR" sz="2000" b="1" dirty="0">
+                <a:solidFill>
+                  <a:schemeClr val="tx1"/>
+                </a:solidFill>
+                <a:latin typeface="Arial" panose="020B0604020202020204" pitchFamily="34" charset="0"/>
+                <a:cs typeface="Arial" panose="020B0604020202020204" pitchFamily="34" charset="0"/>
+              </a:rPr>
+              <a:t>2. MODELOS</a:t>
+            </a:r>
+            <a:br>
+              <a:rPr lang="pt-BR" sz="2000" b="1" dirty="0">
+                <a:solidFill>
+                  <a:schemeClr val="tx1"/>
+                </a:solidFill>
+                <a:latin typeface="Arial" panose="020B0604020202020204" pitchFamily="34" charset="0"/>
+                <a:cs typeface="Arial" panose="020B0604020202020204" pitchFamily="34" charset="0"/>
+              </a:rPr>
+            </a:br>
+            <a:r>
+              <a:rPr lang="pt-BR" sz="2000" b="1" dirty="0">
+                <a:solidFill>
+                  <a:schemeClr val="tx1"/>
+                </a:solidFill>
+                <a:latin typeface="Arial" panose="020B0604020202020204" pitchFamily="34" charset="0"/>
+                <a:cs typeface="Arial" panose="020B0604020202020204" pitchFamily="34" charset="0"/>
+              </a:rPr>
+              <a:t>	</a:t>
+            </a:r>
+            <a:r>
+              <a:rPr lang="pt-BR" sz="1600" b="1" dirty="0">
+                <a:solidFill>
+                  <a:schemeClr val="tx1"/>
+                </a:solidFill>
+                <a:latin typeface="Arial" panose="020B0604020202020204" pitchFamily="34" charset="0"/>
+                <a:cs typeface="Arial" panose="020B0604020202020204" pitchFamily="34" charset="0"/>
+              </a:rPr>
+              <a:t>2.3. GRU</a:t>
+            </a:r>
+          </a:p>
+        </p:txBody>
+      </p:sp>
+      <p:sp>
+        <p:nvSpPr>
+          <p:cNvPr id="9" name="CaixaDeTexto 8">
+            <a:extLst>
+              <a:ext uri="{FF2B5EF4-FFF2-40B4-BE49-F238E27FC236}">
+                <a16:creationId xmlns:a16="http://schemas.microsoft.com/office/drawing/2014/main" id="{01C8F19B-E4C2-F56E-DD40-BC6699156770}"/>
+              </a:ext>
+            </a:extLst>
+          </p:cNvPr>
+          <p:cNvSpPr txBox="1"/>
+          <p:nvPr/>
+        </p:nvSpPr>
+        <p:spPr>
+          <a:xfrm>
+            <a:off x="1097280" y="2142965"/>
+            <a:ext cx="10409674" cy="1021786"/>
+          </a:xfrm>
+          <a:prstGeom prst="rect">
+            <a:avLst/>
+          </a:prstGeom>
+        </p:spPr>
+        <p:txBody>
+          <a:bodyPr vert="horz" lIns="0" tIns="45720" rIns="0" bIns="45720" rtlCol="0">
+            <a:normAutofit/>
+          </a:bodyPr>
+          <a:lstStyle>
+            <a:lvl1pPr marL="91440" indent="-91440" defTabSz="914400">
+              <a:lnSpc>
+                <a:spcPct val="90000"/>
+              </a:lnSpc>
+              <a:spcBef>
+                <a:spcPts val="1200"/>
+              </a:spcBef>
+              <a:spcAft>
+                <a:spcPts val="200"/>
+              </a:spcAft>
+              <a:buClr>
+                <a:schemeClr val="tx1"/>
+              </a:buClr>
+              <a:buSzPct val="100000"/>
+              <a:buFont typeface="Wingdings" panose="05000000000000000000" pitchFamily="2" charset="2"/>
+              <a:buChar char="Ø"/>
+              <a:defRPr sz="1400">
+                <a:solidFill>
+                  <a:srgbClr val="222222"/>
+                </a:solidFill>
+                <a:latin typeface="Arial" panose="020B0604020202020204" pitchFamily="34" charset="0"/>
+                <a:cs typeface="Arial" panose="020B0604020202020204" pitchFamily="34" charset="0"/>
+              </a:defRPr>
+            </a:lvl1pPr>
+            <a:lvl2pPr marL="384048" indent="-182880" defTabSz="914400">
+              <a:lnSpc>
+                <a:spcPct val="90000"/>
+              </a:lnSpc>
+              <a:spcBef>
+                <a:spcPts val="200"/>
+              </a:spcBef>
+              <a:spcAft>
+                <a:spcPts val="400"/>
+              </a:spcAft>
+              <a:buClr>
+                <a:schemeClr val="accent1"/>
+              </a:buClr>
+              <a:buFont typeface="Calibri" pitchFamily="34" charset="0"/>
+              <a:buChar char="◦"/>
+              <a:defRPr>
+                <a:solidFill>
+                  <a:schemeClr val="tx1">
+                    <a:lumMod val="75000"/>
+                    <a:lumOff val="25000"/>
+                  </a:schemeClr>
+                </a:solidFill>
+              </a:defRPr>
+            </a:lvl2pPr>
+            <a:lvl3pPr marL="566928" indent="-182880" defTabSz="914400">
+              <a:lnSpc>
+                <a:spcPct val="90000"/>
+              </a:lnSpc>
+              <a:spcBef>
+                <a:spcPts val="200"/>
+              </a:spcBef>
+              <a:spcAft>
+                <a:spcPts val="400"/>
+              </a:spcAft>
+              <a:buClr>
+                <a:schemeClr val="accent1"/>
+              </a:buClr>
+              <a:buFont typeface="Calibri" pitchFamily="34" charset="0"/>
+              <a:buChar char="◦"/>
+              <a:defRPr sz="1400">
+                <a:solidFill>
+                  <a:schemeClr val="tx1">
+                    <a:lumMod val="75000"/>
+                    <a:lumOff val="25000"/>
+                  </a:schemeClr>
+                </a:solidFill>
+              </a:defRPr>
+            </a:lvl3pPr>
+            <a:lvl4pPr marL="749808" indent="-182880" defTabSz="914400">
+              <a:lnSpc>
+                <a:spcPct val="90000"/>
+              </a:lnSpc>
+              <a:spcBef>
+                <a:spcPts val="200"/>
+              </a:spcBef>
+              <a:spcAft>
+                <a:spcPts val="400"/>
+              </a:spcAft>
+              <a:buClr>
+                <a:schemeClr val="accent1"/>
+              </a:buClr>
+              <a:buFont typeface="Calibri" pitchFamily="34" charset="0"/>
+              <a:buChar char="◦"/>
+              <a:defRPr sz="1400">
+                <a:solidFill>
+                  <a:schemeClr val="tx1">
+                    <a:lumMod val="75000"/>
+                    <a:lumOff val="25000"/>
+                  </a:schemeClr>
+                </a:solidFill>
+              </a:defRPr>
+            </a:lvl4pPr>
+            <a:lvl5pPr marL="932688" indent="-182880" defTabSz="914400">
+              <a:lnSpc>
+                <a:spcPct val="90000"/>
+              </a:lnSpc>
+              <a:spcBef>
+                <a:spcPts val="200"/>
+              </a:spcBef>
+              <a:spcAft>
+                <a:spcPts val="400"/>
+              </a:spcAft>
+              <a:buClr>
+                <a:schemeClr val="accent1"/>
+              </a:buClr>
+              <a:buFont typeface="Calibri" pitchFamily="34" charset="0"/>
+              <a:buChar char="◦"/>
+              <a:defRPr sz="1400">
+                <a:solidFill>
+                  <a:schemeClr val="tx1">
+                    <a:lumMod val="75000"/>
+                    <a:lumOff val="25000"/>
+                  </a:schemeClr>
+                </a:solidFill>
+              </a:defRPr>
+            </a:lvl5pPr>
+            <a:lvl6pPr marL="1100000" indent="-228600" defTabSz="914400">
+              <a:lnSpc>
+                <a:spcPct val="90000"/>
+              </a:lnSpc>
+              <a:spcBef>
+                <a:spcPts val="200"/>
+              </a:spcBef>
+              <a:spcAft>
+                <a:spcPts val="400"/>
+              </a:spcAft>
+              <a:buClr>
+                <a:schemeClr val="accent1"/>
+              </a:buClr>
+              <a:buFont typeface="Calibri" pitchFamily="34" charset="0"/>
+              <a:buChar char="◦"/>
+              <a:defRPr sz="1400">
+                <a:solidFill>
+                  <a:schemeClr val="tx1">
+                    <a:lumMod val="75000"/>
+                    <a:lumOff val="25000"/>
+                  </a:schemeClr>
+                </a:solidFill>
+              </a:defRPr>
+            </a:lvl6pPr>
+            <a:lvl7pPr marL="1300000" indent="-228600" defTabSz="914400">
+              <a:lnSpc>
+                <a:spcPct val="90000"/>
+              </a:lnSpc>
+              <a:spcBef>
+                <a:spcPts val="200"/>
+              </a:spcBef>
+              <a:spcAft>
+                <a:spcPts val="400"/>
+              </a:spcAft>
+              <a:buClr>
+                <a:schemeClr val="accent1"/>
+              </a:buClr>
+              <a:buFont typeface="Calibri" pitchFamily="34" charset="0"/>
+              <a:buChar char="◦"/>
+              <a:defRPr sz="1400">
+                <a:solidFill>
+                  <a:schemeClr val="tx1">
+                    <a:lumMod val="75000"/>
+                    <a:lumOff val="25000"/>
+                  </a:schemeClr>
+                </a:solidFill>
+              </a:defRPr>
+            </a:lvl7pPr>
+            <a:lvl8pPr marL="1500000" indent="-228600" defTabSz="914400">
+              <a:lnSpc>
+                <a:spcPct val="90000"/>
+              </a:lnSpc>
+              <a:spcBef>
+                <a:spcPts val="200"/>
+              </a:spcBef>
+              <a:spcAft>
+                <a:spcPts val="400"/>
+              </a:spcAft>
+              <a:buClr>
+                <a:schemeClr val="accent1"/>
+              </a:buClr>
+              <a:buFont typeface="Calibri" pitchFamily="34" charset="0"/>
+              <a:buChar char="◦"/>
+              <a:defRPr sz="1400">
+                <a:solidFill>
+                  <a:schemeClr val="tx1">
+                    <a:lumMod val="75000"/>
+                    <a:lumOff val="25000"/>
+                  </a:schemeClr>
+                </a:solidFill>
+              </a:defRPr>
+            </a:lvl8pPr>
+            <a:lvl9pPr marL="1700000" indent="-228600" defTabSz="914400">
+              <a:lnSpc>
+                <a:spcPct val="90000"/>
+              </a:lnSpc>
+              <a:spcBef>
+                <a:spcPts val="200"/>
+              </a:spcBef>
+              <a:spcAft>
+                <a:spcPts val="400"/>
+              </a:spcAft>
+              <a:buClr>
+                <a:schemeClr val="accent1"/>
+              </a:buClr>
+              <a:buFont typeface="Calibri" pitchFamily="34" charset="0"/>
+              <a:buChar char="◦"/>
+              <a:defRPr sz="1400">
+                <a:solidFill>
+                  <a:schemeClr val="tx1">
+                    <a:lumMod val="75000"/>
+                    <a:lumOff val="25000"/>
+                  </a:schemeClr>
+                </a:solidFill>
+              </a:defRPr>
+            </a:lvl9pPr>
+          </a:lstStyle>
+          <a:p>
+            <a:pPr algn="just"/>
+            <a:r>
+              <a:rPr lang="en-US" dirty="0"/>
+              <a:t> Combina forget e input gate em um </a:t>
+            </a:r>
+            <a:r>
+              <a:rPr lang="en-US" dirty="0" err="1"/>
+              <a:t>único</a:t>
+            </a:r>
+            <a:r>
+              <a:rPr lang="en-US" dirty="0"/>
+              <a:t> “Update Gate”, </a:t>
+            </a:r>
+            <a:r>
+              <a:rPr lang="en-US" dirty="0" err="1"/>
+              <a:t>além</a:t>
+            </a:r>
+            <a:r>
+              <a:rPr lang="en-US" dirty="0"/>
+              <a:t> de </a:t>
+            </a:r>
+            <a:r>
+              <a:rPr lang="en-US" dirty="0" err="1"/>
+              <a:t>combinar</a:t>
+            </a:r>
+            <a:r>
+              <a:rPr lang="en-US" dirty="0"/>
+              <a:t> cell state e hidden state, e </a:t>
+            </a:r>
+            <a:r>
+              <a:rPr lang="en-US" dirty="0" err="1"/>
+              <a:t>algumas</a:t>
+            </a:r>
+            <a:r>
+              <a:rPr lang="en-US" dirty="0"/>
+              <a:t> </a:t>
+            </a:r>
+            <a:r>
+              <a:rPr lang="en-US" dirty="0" err="1"/>
+              <a:t>outras</a:t>
+            </a:r>
+            <a:r>
+              <a:rPr lang="en-US" dirty="0"/>
+              <a:t> </a:t>
+            </a:r>
+            <a:r>
+              <a:rPr lang="en-US" dirty="0" err="1"/>
+              <a:t>mudanças</a:t>
+            </a:r>
+            <a:r>
+              <a:rPr lang="en-US" dirty="0"/>
+              <a:t>.</a:t>
+            </a:r>
+            <a:endParaRPr lang="pt-BR" dirty="0"/>
+          </a:p>
+        </p:txBody>
+      </p:sp>
+      <p:pic>
+        <p:nvPicPr>
+          <p:cNvPr id="11" name="Imagem 10">
+            <a:extLst>
+              <a:ext uri="{FF2B5EF4-FFF2-40B4-BE49-F238E27FC236}">
+                <a16:creationId xmlns:a16="http://schemas.microsoft.com/office/drawing/2014/main" id="{574ECCCA-FDCF-12FA-EDE7-F3DF3A0ACC0A}"/>
+              </a:ext>
+            </a:extLst>
+          </p:cNvPr>
+          <p:cNvPicPr>
+            <a:picLocks noChangeAspect="1"/>
+          </p:cNvPicPr>
+          <p:nvPr/>
+        </p:nvPicPr>
+        <p:blipFill>
+          <a:blip r:embed="rId3"/>
+          <a:stretch>
+            <a:fillRect/>
+          </a:stretch>
+        </p:blipFill>
+        <p:spPr>
+          <a:xfrm>
+            <a:off x="2150009" y="2803049"/>
+            <a:ext cx="3945991" cy="3197842"/>
+          </a:xfrm>
+          <a:prstGeom prst="rect">
+            <a:avLst/>
+          </a:prstGeom>
+        </p:spPr>
+      </p:pic>
+      <p:pic>
+        <p:nvPicPr>
+          <p:cNvPr id="13" name="Imagem 12">
+            <a:extLst>
+              <a:ext uri="{FF2B5EF4-FFF2-40B4-BE49-F238E27FC236}">
+                <a16:creationId xmlns:a16="http://schemas.microsoft.com/office/drawing/2014/main" id="{2A81B5CF-3D5A-A8A4-0684-3D580C350537}"/>
+              </a:ext>
+            </a:extLst>
+          </p:cNvPr>
+          <p:cNvPicPr>
+            <a:picLocks noChangeAspect="1"/>
+          </p:cNvPicPr>
+          <p:nvPr/>
+        </p:nvPicPr>
+        <p:blipFill>
+          <a:blip r:embed="rId4"/>
+          <a:stretch>
+            <a:fillRect/>
+          </a:stretch>
+        </p:blipFill>
+        <p:spPr>
+          <a:xfrm>
+            <a:off x="6406505" y="3693249"/>
+            <a:ext cx="3000375" cy="1638300"/>
+          </a:xfrm>
+          <a:prstGeom prst="rect">
+            <a:avLst/>
+          </a:prstGeom>
+        </p:spPr>
+      </p:pic>
+    </p:spTree>
+    <p:extLst>
+      <p:ext uri="{BB962C8B-B14F-4D97-AF65-F5344CB8AC3E}">
+        <p14:creationId xmlns:p14="http://schemas.microsoft.com/office/powerpoint/2010/main" val="3020478732"/>
+      </p:ext>
+    </p:extLst>
+  </p:cSld>
+  <p:clrMapOvr>
+    <a:masterClrMapping/>
+  </p:clrMapOvr>
+</p:sld>
+</file>
+
+<file path=ppt/slides/slide7.xml><?xml version="1.0" encoding="utf-8"?>
 <p:sld xmlns:a="http://schemas.openxmlformats.org/drawingml/2006/main" xmlns:r="http://schemas.openxmlformats.org/officeDocument/2006/relationships" xmlns:p="http://schemas.openxmlformats.org/presentationml/2006/main">
   <p:cSld>
     <p:spTree>
@@ -14756,540 +18682,6 @@
 </p:sld>
 </file>
 
-<file path=ppt/slides/slide7.xml><?xml version="1.0" encoding="utf-8"?>
-<p:sld xmlns:a="http://schemas.openxmlformats.org/drawingml/2006/main" xmlns:r="http://schemas.openxmlformats.org/officeDocument/2006/relationships" xmlns:p="http://schemas.openxmlformats.org/presentationml/2006/main">
-  <p:cSld>
-    <p:spTree>
-      <p:nvGrpSpPr>
-        <p:cNvPr id="1" name=""/>
-        <p:cNvGrpSpPr/>
-        <p:nvPr/>
-      </p:nvGrpSpPr>
-      <p:grpSpPr>
-        <a:xfrm>
-          <a:off x="0" y="0"/>
-          <a:ext cx="0" cy="0"/>
-          <a:chOff x="0" y="0"/>
-          <a:chExt cx="0" cy="0"/>
-        </a:xfrm>
-      </p:grpSpPr>
-      <p:sp>
-        <p:nvSpPr>
-          <p:cNvPr id="4" name="Espaço Reservado para Rodapé 3">
-            <a:extLst>
-              <a:ext uri="{FF2B5EF4-FFF2-40B4-BE49-F238E27FC236}">
-                <a16:creationId xmlns:a16="http://schemas.microsoft.com/office/drawing/2014/main" id="{9DFC12E2-7FA0-8350-C14D-6E71739B0B08}"/>
-              </a:ext>
-            </a:extLst>
-          </p:cNvPr>
-          <p:cNvSpPr>
-            <a:spLocks noGrp="1"/>
-          </p:cNvSpPr>
-          <p:nvPr>
-            <p:ph type="ftr" sz="quarter" idx="11"/>
-          </p:nvPr>
-        </p:nvSpPr>
-        <p:spPr>
-          <a:xfrm>
-            <a:off x="3684596" y="6455648"/>
-            <a:ext cx="4822804" cy="365125"/>
-          </a:xfrm>
-        </p:spPr>
-        <p:txBody>
-          <a:bodyPr/>
-          <a:lstStyle/>
-          <a:p>
-            <a:r>
-              <a:rPr lang="pt-BR" dirty="0"/>
-              <a:t>Aprendizado Profundo - 2023</a:t>
-            </a:r>
-          </a:p>
-        </p:txBody>
-      </p:sp>
-      <p:pic>
-        <p:nvPicPr>
-          <p:cNvPr id="5" name="Imagem 4" descr="Janela de vidro&#10;&#10;Descrição gerada automaticamente com confiança média">
-            <a:extLst>
-              <a:ext uri="{FF2B5EF4-FFF2-40B4-BE49-F238E27FC236}">
-                <a16:creationId xmlns:a16="http://schemas.microsoft.com/office/drawing/2014/main" id="{BB2E5054-EFC0-23A5-F50D-EB0BF450D86D}"/>
-              </a:ext>
-            </a:extLst>
-          </p:cNvPr>
-          <p:cNvPicPr>
-            <a:picLocks noChangeAspect="1"/>
-          </p:cNvPicPr>
-          <p:nvPr/>
-        </p:nvPicPr>
-        <p:blipFill>
-          <a:blip r:embed="rId2" cstate="print">
-            <a:extLst>
-              <a:ext uri="{28A0092B-C50C-407E-A947-70E740481C1C}">
-                <a14:useLocalDpi xmlns:a14="http://schemas.microsoft.com/office/drawing/2010/main" val="0"/>
-              </a:ext>
-            </a:extLst>
-          </a:blip>
-          <a:stretch>
-            <a:fillRect/>
-          </a:stretch>
-        </p:blipFill>
-        <p:spPr>
-          <a:xfrm>
-            <a:off x="118159" y="6470866"/>
-            <a:ext cx="373152" cy="332105"/>
-          </a:xfrm>
-          <a:prstGeom prst="rect">
-            <a:avLst/>
-          </a:prstGeom>
-        </p:spPr>
-      </p:pic>
-      <p:sp>
-        <p:nvSpPr>
-          <p:cNvPr id="6" name="Título 1">
-            <a:extLst>
-              <a:ext uri="{FF2B5EF4-FFF2-40B4-BE49-F238E27FC236}">
-                <a16:creationId xmlns:a16="http://schemas.microsoft.com/office/drawing/2014/main" id="{AFA4CF13-4960-D243-D7DB-23297A24A2D5}"/>
-              </a:ext>
-            </a:extLst>
-          </p:cNvPr>
-          <p:cNvSpPr>
-            <a:spLocks noGrp="1"/>
-          </p:cNvSpPr>
-          <p:nvPr>
-            <p:ph type="title"/>
-          </p:nvPr>
-        </p:nvSpPr>
-        <p:spPr>
-          <a:xfrm>
-            <a:off x="1097280" y="651850"/>
-            <a:ext cx="10058400" cy="696211"/>
-          </a:xfrm>
-        </p:spPr>
-        <p:txBody>
-          <a:bodyPr vert="horz" lIns="91440" tIns="45720" rIns="91440" bIns="45720" rtlCol="0" anchor="b">
-            <a:normAutofit/>
-          </a:bodyPr>
-          <a:lstStyle/>
-          <a:p>
-            <a:pPr marL="457200" indent="-457200">
-              <a:buFont typeface="Arial" panose="020B0604020202020204" pitchFamily="34" charset="0"/>
-              <a:buChar char="•"/>
-            </a:pPr>
-            <a:r>
-              <a:rPr lang="pt-BR" sz="2000" b="1" dirty="0">
-                <a:solidFill>
-                  <a:schemeClr val="tx1"/>
-                </a:solidFill>
-                <a:latin typeface="Arial" panose="020B0604020202020204" pitchFamily="34" charset="0"/>
-                <a:cs typeface="Arial" panose="020B0604020202020204" pitchFamily="34" charset="0"/>
-              </a:rPr>
-              <a:t>2. MODELOS</a:t>
-            </a:r>
-            <a:br>
-              <a:rPr lang="pt-BR" sz="2000" b="1" dirty="0">
-                <a:solidFill>
-                  <a:schemeClr val="tx1"/>
-                </a:solidFill>
-                <a:latin typeface="Arial" panose="020B0604020202020204" pitchFamily="34" charset="0"/>
-                <a:cs typeface="Arial" panose="020B0604020202020204" pitchFamily="34" charset="0"/>
-              </a:rPr>
-            </a:br>
-            <a:r>
-              <a:rPr lang="pt-BR" sz="2000" b="1" dirty="0">
-                <a:solidFill>
-                  <a:schemeClr val="tx1"/>
-                </a:solidFill>
-                <a:latin typeface="Arial" panose="020B0604020202020204" pitchFamily="34" charset="0"/>
-                <a:cs typeface="Arial" panose="020B0604020202020204" pitchFamily="34" charset="0"/>
-              </a:rPr>
-              <a:t>	</a:t>
-            </a:r>
-            <a:r>
-              <a:rPr lang="pt-BR" sz="1600" b="1" dirty="0">
-                <a:solidFill>
-                  <a:schemeClr val="tx1"/>
-                </a:solidFill>
-                <a:latin typeface="Arial" panose="020B0604020202020204" pitchFamily="34" charset="0"/>
-                <a:cs typeface="Arial" panose="020B0604020202020204" pitchFamily="34" charset="0"/>
-              </a:rPr>
-              <a:t>2.3. GRU</a:t>
-            </a:r>
-          </a:p>
-        </p:txBody>
-      </p:sp>
-      <p:sp>
-        <p:nvSpPr>
-          <p:cNvPr id="9" name="CaixaDeTexto 8">
-            <a:extLst>
-              <a:ext uri="{FF2B5EF4-FFF2-40B4-BE49-F238E27FC236}">
-                <a16:creationId xmlns:a16="http://schemas.microsoft.com/office/drawing/2014/main" id="{01C8F19B-E4C2-F56E-DD40-BC6699156770}"/>
-              </a:ext>
-            </a:extLst>
-          </p:cNvPr>
-          <p:cNvSpPr txBox="1"/>
-          <p:nvPr/>
-        </p:nvSpPr>
-        <p:spPr>
-          <a:xfrm>
-            <a:off x="1097280" y="2142965"/>
-            <a:ext cx="10409674" cy="1021786"/>
-          </a:xfrm>
-          <a:prstGeom prst="rect">
-            <a:avLst/>
-          </a:prstGeom>
-        </p:spPr>
-        <p:txBody>
-          <a:bodyPr vert="horz" lIns="0" tIns="45720" rIns="0" bIns="45720" rtlCol="0">
-            <a:normAutofit/>
-          </a:bodyPr>
-          <a:lstStyle>
-            <a:lvl1pPr marL="91440" indent="-91440" defTabSz="914400">
-              <a:lnSpc>
-                <a:spcPct val="90000"/>
-              </a:lnSpc>
-              <a:spcBef>
-                <a:spcPts val="1200"/>
-              </a:spcBef>
-              <a:spcAft>
-                <a:spcPts val="200"/>
-              </a:spcAft>
-              <a:buClr>
-                <a:schemeClr val="tx1"/>
-              </a:buClr>
-              <a:buSzPct val="100000"/>
-              <a:buFont typeface="Wingdings" panose="05000000000000000000" pitchFamily="2" charset="2"/>
-              <a:buChar char="Ø"/>
-              <a:defRPr sz="1400">
-                <a:solidFill>
-                  <a:srgbClr val="222222"/>
-                </a:solidFill>
-                <a:latin typeface="Arial" panose="020B0604020202020204" pitchFamily="34" charset="0"/>
-                <a:cs typeface="Arial" panose="020B0604020202020204" pitchFamily="34" charset="0"/>
-              </a:defRPr>
-            </a:lvl1pPr>
-            <a:lvl2pPr marL="384048" indent="-182880" defTabSz="914400">
-              <a:lnSpc>
-                <a:spcPct val="90000"/>
-              </a:lnSpc>
-              <a:spcBef>
-                <a:spcPts val="200"/>
-              </a:spcBef>
-              <a:spcAft>
-                <a:spcPts val="400"/>
-              </a:spcAft>
-              <a:buClr>
-                <a:schemeClr val="accent1"/>
-              </a:buClr>
-              <a:buFont typeface="Calibri" pitchFamily="34" charset="0"/>
-              <a:buChar char="◦"/>
-              <a:defRPr>
-                <a:solidFill>
-                  <a:schemeClr val="tx1">
-                    <a:lumMod val="75000"/>
-                    <a:lumOff val="25000"/>
-                  </a:schemeClr>
-                </a:solidFill>
-              </a:defRPr>
-            </a:lvl2pPr>
-            <a:lvl3pPr marL="566928" indent="-182880" defTabSz="914400">
-              <a:lnSpc>
-                <a:spcPct val="90000"/>
-              </a:lnSpc>
-              <a:spcBef>
-                <a:spcPts val="200"/>
-              </a:spcBef>
-              <a:spcAft>
-                <a:spcPts val="400"/>
-              </a:spcAft>
-              <a:buClr>
-                <a:schemeClr val="accent1"/>
-              </a:buClr>
-              <a:buFont typeface="Calibri" pitchFamily="34" charset="0"/>
-              <a:buChar char="◦"/>
-              <a:defRPr sz="1400">
-                <a:solidFill>
-                  <a:schemeClr val="tx1">
-                    <a:lumMod val="75000"/>
-                    <a:lumOff val="25000"/>
-                  </a:schemeClr>
-                </a:solidFill>
-              </a:defRPr>
-            </a:lvl3pPr>
-            <a:lvl4pPr marL="749808" indent="-182880" defTabSz="914400">
-              <a:lnSpc>
-                <a:spcPct val="90000"/>
-              </a:lnSpc>
-              <a:spcBef>
-                <a:spcPts val="200"/>
-              </a:spcBef>
-              <a:spcAft>
-                <a:spcPts val="400"/>
-              </a:spcAft>
-              <a:buClr>
-                <a:schemeClr val="accent1"/>
-              </a:buClr>
-              <a:buFont typeface="Calibri" pitchFamily="34" charset="0"/>
-              <a:buChar char="◦"/>
-              <a:defRPr sz="1400">
-                <a:solidFill>
-                  <a:schemeClr val="tx1">
-                    <a:lumMod val="75000"/>
-                    <a:lumOff val="25000"/>
-                  </a:schemeClr>
-                </a:solidFill>
-              </a:defRPr>
-            </a:lvl4pPr>
-            <a:lvl5pPr marL="932688" indent="-182880" defTabSz="914400">
-              <a:lnSpc>
-                <a:spcPct val="90000"/>
-              </a:lnSpc>
-              <a:spcBef>
-                <a:spcPts val="200"/>
-              </a:spcBef>
-              <a:spcAft>
-                <a:spcPts val="400"/>
-              </a:spcAft>
-              <a:buClr>
-                <a:schemeClr val="accent1"/>
-              </a:buClr>
-              <a:buFont typeface="Calibri" pitchFamily="34" charset="0"/>
-              <a:buChar char="◦"/>
-              <a:defRPr sz="1400">
-                <a:solidFill>
-                  <a:schemeClr val="tx1">
-                    <a:lumMod val="75000"/>
-                    <a:lumOff val="25000"/>
-                  </a:schemeClr>
-                </a:solidFill>
-              </a:defRPr>
-            </a:lvl5pPr>
-            <a:lvl6pPr marL="1100000" indent="-228600" defTabSz="914400">
-              <a:lnSpc>
-                <a:spcPct val="90000"/>
-              </a:lnSpc>
-              <a:spcBef>
-                <a:spcPts val="200"/>
-              </a:spcBef>
-              <a:spcAft>
-                <a:spcPts val="400"/>
-              </a:spcAft>
-              <a:buClr>
-                <a:schemeClr val="accent1"/>
-              </a:buClr>
-              <a:buFont typeface="Calibri" pitchFamily="34" charset="0"/>
-              <a:buChar char="◦"/>
-              <a:defRPr sz="1400">
-                <a:solidFill>
-                  <a:schemeClr val="tx1">
-                    <a:lumMod val="75000"/>
-                    <a:lumOff val="25000"/>
-                  </a:schemeClr>
-                </a:solidFill>
-              </a:defRPr>
-            </a:lvl6pPr>
-            <a:lvl7pPr marL="1300000" indent="-228600" defTabSz="914400">
-              <a:lnSpc>
-                <a:spcPct val="90000"/>
-              </a:lnSpc>
-              <a:spcBef>
-                <a:spcPts val="200"/>
-              </a:spcBef>
-              <a:spcAft>
-                <a:spcPts val="400"/>
-              </a:spcAft>
-              <a:buClr>
-                <a:schemeClr val="accent1"/>
-              </a:buClr>
-              <a:buFont typeface="Calibri" pitchFamily="34" charset="0"/>
-              <a:buChar char="◦"/>
-              <a:defRPr sz="1400">
-                <a:solidFill>
-                  <a:schemeClr val="tx1">
-                    <a:lumMod val="75000"/>
-                    <a:lumOff val="25000"/>
-                  </a:schemeClr>
-                </a:solidFill>
-              </a:defRPr>
-            </a:lvl7pPr>
-            <a:lvl8pPr marL="1500000" indent="-228600" defTabSz="914400">
-              <a:lnSpc>
-                <a:spcPct val="90000"/>
-              </a:lnSpc>
-              <a:spcBef>
-                <a:spcPts val="200"/>
-              </a:spcBef>
-              <a:spcAft>
-                <a:spcPts val="400"/>
-              </a:spcAft>
-              <a:buClr>
-                <a:schemeClr val="accent1"/>
-              </a:buClr>
-              <a:buFont typeface="Calibri" pitchFamily="34" charset="0"/>
-              <a:buChar char="◦"/>
-              <a:defRPr sz="1400">
-                <a:solidFill>
-                  <a:schemeClr val="tx1">
-                    <a:lumMod val="75000"/>
-                    <a:lumOff val="25000"/>
-                  </a:schemeClr>
-                </a:solidFill>
-              </a:defRPr>
-            </a:lvl8pPr>
-            <a:lvl9pPr marL="1700000" indent="-228600" defTabSz="914400">
-              <a:lnSpc>
-                <a:spcPct val="90000"/>
-              </a:lnSpc>
-              <a:spcBef>
-                <a:spcPts val="200"/>
-              </a:spcBef>
-              <a:spcAft>
-                <a:spcPts val="400"/>
-              </a:spcAft>
-              <a:buClr>
-                <a:schemeClr val="accent1"/>
-              </a:buClr>
-              <a:buFont typeface="Calibri" pitchFamily="34" charset="0"/>
-              <a:buChar char="◦"/>
-              <a:defRPr sz="1400">
-                <a:solidFill>
-                  <a:schemeClr val="tx1">
-                    <a:lumMod val="75000"/>
-                    <a:lumOff val="25000"/>
-                  </a:schemeClr>
-                </a:solidFill>
-              </a:defRPr>
-            </a:lvl9pPr>
-          </a:lstStyle>
-          <a:p>
-            <a:pPr algn="just"/>
-            <a:r>
-              <a:rPr lang="en-US" dirty="0"/>
-              <a:t> Combina forget e input gate em um </a:t>
-            </a:r>
-            <a:r>
-              <a:rPr lang="en-US" dirty="0" err="1"/>
-              <a:t>único</a:t>
-            </a:r>
-            <a:r>
-              <a:rPr lang="en-US" dirty="0"/>
-              <a:t> “Update Gate”, </a:t>
-            </a:r>
-            <a:r>
-              <a:rPr lang="en-US" dirty="0" err="1"/>
-              <a:t>além</a:t>
-            </a:r>
-            <a:r>
-              <a:rPr lang="en-US" dirty="0"/>
-              <a:t> de </a:t>
-            </a:r>
-            <a:r>
-              <a:rPr lang="en-US" dirty="0" err="1"/>
-              <a:t>combinar</a:t>
-            </a:r>
-            <a:r>
-              <a:rPr lang="en-US" dirty="0"/>
-              <a:t> cell state e hidden state, e </a:t>
-            </a:r>
-            <a:r>
-              <a:rPr lang="en-US" dirty="0" err="1"/>
-              <a:t>algumas</a:t>
-            </a:r>
-            <a:r>
-              <a:rPr lang="en-US" dirty="0"/>
-              <a:t> </a:t>
-            </a:r>
-            <a:r>
-              <a:rPr lang="en-US" dirty="0" err="1"/>
-              <a:t>outras</a:t>
-            </a:r>
-            <a:r>
-              <a:rPr lang="en-US" dirty="0"/>
-              <a:t> </a:t>
-            </a:r>
-            <a:r>
-              <a:rPr lang="en-US" dirty="0" err="1"/>
-              <a:t>mudanças</a:t>
-            </a:r>
-            <a:r>
-              <a:rPr lang="en-US" dirty="0"/>
-              <a:t>.</a:t>
-            </a:r>
-            <a:endParaRPr lang="pt-BR" dirty="0"/>
-          </a:p>
-        </p:txBody>
-      </p:sp>
-      <p:pic>
-        <p:nvPicPr>
-          <p:cNvPr id="11" name="Imagem 10">
-            <a:extLst>
-              <a:ext uri="{FF2B5EF4-FFF2-40B4-BE49-F238E27FC236}">
-                <a16:creationId xmlns:a16="http://schemas.microsoft.com/office/drawing/2014/main" id="{574ECCCA-FDCF-12FA-EDE7-F3DF3A0ACC0A}"/>
-              </a:ext>
-            </a:extLst>
-          </p:cNvPr>
-          <p:cNvPicPr>
-            <a:picLocks noChangeAspect="1"/>
-          </p:cNvPicPr>
-          <p:nvPr/>
-        </p:nvPicPr>
-        <p:blipFill>
-          <a:blip r:embed="rId3"/>
-          <a:stretch>
-            <a:fillRect/>
-          </a:stretch>
-        </p:blipFill>
-        <p:spPr>
-          <a:xfrm>
-            <a:off x="2150009" y="2803049"/>
-            <a:ext cx="3945991" cy="3197842"/>
-          </a:xfrm>
-          <a:prstGeom prst="rect">
-            <a:avLst/>
-          </a:prstGeom>
-        </p:spPr>
-      </p:pic>
-      <p:pic>
-        <p:nvPicPr>
-          <p:cNvPr id="13" name="Imagem 12">
-            <a:extLst>
-              <a:ext uri="{FF2B5EF4-FFF2-40B4-BE49-F238E27FC236}">
-                <a16:creationId xmlns:a16="http://schemas.microsoft.com/office/drawing/2014/main" id="{2A81B5CF-3D5A-A8A4-0684-3D580C350537}"/>
-              </a:ext>
-            </a:extLst>
-          </p:cNvPr>
-          <p:cNvPicPr>
-            <a:picLocks noChangeAspect="1"/>
-          </p:cNvPicPr>
-          <p:nvPr/>
-        </p:nvPicPr>
-        <p:blipFill>
-          <a:blip r:embed="rId4"/>
-          <a:stretch>
-            <a:fillRect/>
-          </a:stretch>
-        </p:blipFill>
-        <p:spPr>
-          <a:xfrm>
-            <a:off x="6406505" y="3693249"/>
-            <a:ext cx="3000375" cy="1638300"/>
-          </a:xfrm>
-          <a:prstGeom prst="rect">
-            <a:avLst/>
-          </a:prstGeom>
-        </p:spPr>
-      </p:pic>
-    </p:spTree>
-    <p:extLst>
-      <p:ext uri="{BB962C8B-B14F-4D97-AF65-F5344CB8AC3E}">
-        <p14:creationId xmlns:p14="http://schemas.microsoft.com/office/powerpoint/2010/main" val="3020478732"/>
-      </p:ext>
-    </p:extLst>
-  </p:cSld>
-  <p:clrMapOvr>
-    <a:masterClrMapping/>
-  </p:clrMapOvr>
-</p:sld>
-</file>
-
 <file path=ppt/slides/slide8.xml><?xml version="1.0" encoding="utf-8"?>
 <p:sld xmlns:a="http://schemas.openxmlformats.org/drawingml/2006/main" xmlns:r="http://schemas.openxmlformats.org/officeDocument/2006/relationships" xmlns:p="http://schemas.openxmlformats.org/presentationml/2006/main">
   <p:cSld>
@@ -15445,7 +18837,7 @@
                 <a:latin typeface="Arial" panose="020B0604020202020204" pitchFamily="34" charset="0"/>
                 <a:cs typeface="Arial" panose="020B0604020202020204" pitchFamily="34" charset="0"/>
               </a:rPr>
-              <a:t>2.4. Transformers</a:t>
+              <a:t>2.4. Transformers e BERT</a:t>
             </a:r>
           </a:p>
         </p:txBody>
@@ -15602,109 +18994,10 @@
       </p:grpSpPr>
       <p:sp>
         <p:nvSpPr>
-          <p:cNvPr id="3" name="Espaço Reservado para Conteúdo 2">
+          <p:cNvPr id="4" name="Espaço Reservado para Rodapé 3">
             <a:extLst>
               <a:ext uri="{FF2B5EF4-FFF2-40B4-BE49-F238E27FC236}">
-                <a16:creationId xmlns:a16="http://schemas.microsoft.com/office/drawing/2014/main" id="{805A83F4-46D9-B4ED-60A3-B7F54D2925C3}"/>
-              </a:ext>
-            </a:extLst>
-          </p:cNvPr>
-          <p:cNvSpPr>
-            <a:spLocks noGrp="1"/>
-          </p:cNvSpPr>
-          <p:nvPr>
-            <p:ph idx="1"/>
-          </p:nvPr>
-        </p:nvSpPr>
-        <p:spPr>
-          <a:xfrm>
-            <a:off x="943371" y="2875600"/>
-            <a:ext cx="10058400" cy="589648"/>
-          </a:xfrm>
-        </p:spPr>
-        <p:txBody>
-          <a:bodyPr/>
-          <a:lstStyle/>
-          <a:p>
-            <a:pPr defTabSz="457200">
-              <a:lnSpc>
-                <a:spcPct val="100000"/>
-              </a:lnSpc>
-              <a:spcBef>
-                <a:spcPts val="0"/>
-              </a:spcBef>
-              <a:spcAft>
-                <a:spcPts val="0"/>
-              </a:spcAft>
-              <a:buClrTx/>
-              <a:buSzTx/>
-              <a:buFont typeface="Wingdings" panose="05000000000000000000" pitchFamily="2" charset="2"/>
-              <a:buChar char="Ø"/>
-            </a:pPr>
-            <a:r>
-              <a:rPr lang="pt-BR" sz="1600" dirty="0">
-                <a:solidFill>
-                  <a:prstClr val="black"/>
-                </a:solidFill>
-                <a:latin typeface="Arial" panose="020B0604020202020204" pitchFamily="34" charset="0"/>
-                <a:cs typeface="Arial" panose="020B0604020202020204" pitchFamily="34" charset="0"/>
-              </a:rPr>
-              <a:t> Técnicas de Data Augmentation</a:t>
-            </a:r>
-          </a:p>
-        </p:txBody>
-      </p:sp>
-      <p:sp>
-        <p:nvSpPr>
-          <p:cNvPr id="4" name="Título 1">
-            <a:extLst>
-              <a:ext uri="{FF2B5EF4-FFF2-40B4-BE49-F238E27FC236}">
-                <a16:creationId xmlns:a16="http://schemas.microsoft.com/office/drawing/2014/main" id="{5CFFA940-D9EE-88CD-A223-2424EA93C53C}"/>
-              </a:ext>
-            </a:extLst>
-          </p:cNvPr>
-          <p:cNvSpPr>
-            <a:spLocks noGrp="1"/>
-          </p:cNvSpPr>
-          <p:nvPr>
-            <p:ph type="title"/>
-          </p:nvPr>
-        </p:nvSpPr>
-        <p:spPr>
-          <a:xfrm>
-            <a:off x="1097280" y="534154"/>
-            <a:ext cx="10058400" cy="813907"/>
-          </a:xfrm>
-        </p:spPr>
-        <p:txBody>
-          <a:bodyPr vert="horz" lIns="91440" tIns="45720" rIns="91440" bIns="45720" rtlCol="0" anchor="b">
-            <a:normAutofit/>
-          </a:bodyPr>
-          <a:lstStyle/>
-          <a:p>
-            <a:pPr marL="457200" indent="-457200">
-              <a:buFont typeface="Arial" panose="020B0604020202020204" pitchFamily="34" charset="0"/>
-              <a:buChar char="•"/>
-            </a:pPr>
-            <a:r>
-              <a:rPr lang="pt-BR" sz="2000" b="1" dirty="0">
-                <a:solidFill>
-                  <a:schemeClr val="tx1"/>
-                </a:solidFill>
-                <a:latin typeface="Arial" panose="020B0604020202020204" pitchFamily="34" charset="0"/>
-                <a:cs typeface="Arial" panose="020B0604020202020204" pitchFamily="34" charset="0"/>
-              </a:rPr>
-              <a:t>3. REGULARIZAÇÃO PARA CONJUNTOS DE DADOS LIMITADOS</a:t>
-            </a:r>
-          </a:p>
-        </p:txBody>
-      </p:sp>
-      <p:sp>
-        <p:nvSpPr>
-          <p:cNvPr id="5" name="Espaço Reservado para Rodapé 3">
-            <a:extLst>
-              <a:ext uri="{FF2B5EF4-FFF2-40B4-BE49-F238E27FC236}">
-                <a16:creationId xmlns:a16="http://schemas.microsoft.com/office/drawing/2014/main" id="{476549B4-AE53-07DC-6D00-76917EAECF44}"/>
+                <a16:creationId xmlns:a16="http://schemas.microsoft.com/office/drawing/2014/main" id="{54F5475D-649B-3E4C-5260-41F6D53510A1}"/>
               </a:ext>
             </a:extLst>
           </p:cNvPr>
@@ -15734,10 +19027,10 @@
       </p:sp>
       <p:pic>
         <p:nvPicPr>
-          <p:cNvPr id="6" name="Imagem 5" descr="Janela de vidro&#10;&#10;Descrição gerada automaticamente com confiança média">
+          <p:cNvPr id="5" name="Imagem 4" descr="Janela de vidro&#10;&#10;Descrição gerada automaticamente com confiança média">
             <a:extLst>
               <a:ext uri="{FF2B5EF4-FFF2-40B4-BE49-F238E27FC236}">
-                <a16:creationId xmlns:a16="http://schemas.microsoft.com/office/drawing/2014/main" id="{DB247F00-31E4-779D-51D2-45E3451637F5}"/>
+                <a16:creationId xmlns:a16="http://schemas.microsoft.com/office/drawing/2014/main" id="{8798A945-057A-0A71-EC62-BF030A111568}"/>
               </a:ext>
             </a:extLst>
           </p:cNvPr>
@@ -15768,513 +19061,272 @@
           </a:prstGeom>
         </p:spPr>
       </p:pic>
+      <p:sp>
+        <p:nvSpPr>
+          <p:cNvPr id="6" name="Título 1">
+            <a:extLst>
+              <a:ext uri="{FF2B5EF4-FFF2-40B4-BE49-F238E27FC236}">
+                <a16:creationId xmlns:a16="http://schemas.microsoft.com/office/drawing/2014/main" id="{BEF6BD4E-7A40-F8C7-659F-21B3B72D8D2F}"/>
+              </a:ext>
+            </a:extLst>
+          </p:cNvPr>
+          <p:cNvSpPr>
+            <a:spLocks noGrp="1"/>
+          </p:cNvSpPr>
+          <p:nvPr>
+            <p:ph type="title"/>
+          </p:nvPr>
+        </p:nvSpPr>
+        <p:spPr>
+          <a:xfrm>
+            <a:off x="1097280" y="651850"/>
+            <a:ext cx="10058400" cy="696211"/>
+          </a:xfrm>
+        </p:spPr>
+        <p:txBody>
+          <a:bodyPr vert="horz" lIns="91440" tIns="45720" rIns="91440" bIns="45720" rtlCol="0" anchor="b">
+            <a:normAutofit/>
+          </a:bodyPr>
+          <a:lstStyle/>
+          <a:p>
+            <a:pPr marL="457200" indent="-457200">
+              <a:buFont typeface="Arial" panose="020B0604020202020204" pitchFamily="34" charset="0"/>
+              <a:buChar char="•"/>
+            </a:pPr>
+            <a:r>
+              <a:rPr lang="pt-BR" sz="2000" b="1" dirty="0">
+                <a:solidFill>
+                  <a:schemeClr val="tx1"/>
+                </a:solidFill>
+                <a:latin typeface="Arial" panose="020B0604020202020204" pitchFamily="34" charset="0"/>
+                <a:cs typeface="Arial" panose="020B0604020202020204" pitchFamily="34" charset="0"/>
+              </a:rPr>
+              <a:t>2. MODELOS</a:t>
+            </a:r>
+            <a:br>
+              <a:rPr lang="pt-BR" sz="2000" b="1" dirty="0">
+                <a:solidFill>
+                  <a:schemeClr val="tx1"/>
+                </a:solidFill>
+                <a:latin typeface="Arial" panose="020B0604020202020204" pitchFamily="34" charset="0"/>
+                <a:cs typeface="Arial" panose="020B0604020202020204" pitchFamily="34" charset="0"/>
+              </a:rPr>
+            </a:br>
+            <a:r>
+              <a:rPr lang="pt-BR" sz="2000" b="1" dirty="0">
+                <a:solidFill>
+                  <a:schemeClr val="tx1"/>
+                </a:solidFill>
+                <a:latin typeface="Arial" panose="020B0604020202020204" pitchFamily="34" charset="0"/>
+                <a:cs typeface="Arial" panose="020B0604020202020204" pitchFamily="34" charset="0"/>
+              </a:rPr>
+              <a:t>	</a:t>
+            </a:r>
+            <a:r>
+              <a:rPr lang="pt-BR" sz="1600" b="1" dirty="0">
+                <a:solidFill>
+                  <a:schemeClr val="tx1"/>
+                </a:solidFill>
+                <a:latin typeface="Arial" panose="020B0604020202020204" pitchFamily="34" charset="0"/>
+                <a:cs typeface="Arial" panose="020B0604020202020204" pitchFamily="34" charset="0"/>
+              </a:rPr>
+              <a:t>2.4. Ferramentas</a:t>
+            </a:r>
+          </a:p>
+        </p:txBody>
+      </p:sp>
       <p:pic>
         <p:nvPicPr>
-          <p:cNvPr id="8" name="Imagem 7">
+          <p:cNvPr id="1026" name="Picture 2">
             <a:extLst>
               <a:ext uri="{FF2B5EF4-FFF2-40B4-BE49-F238E27FC236}">
-                <a16:creationId xmlns:a16="http://schemas.microsoft.com/office/drawing/2014/main" id="{45077CA0-11C9-CA00-03BB-1F808CEB43BE}"/>
+                <a16:creationId xmlns:a16="http://schemas.microsoft.com/office/drawing/2014/main" id="{56807B8D-6A53-CE9F-9DEE-92C3E74B6EEA}"/>
               </a:ext>
             </a:extLst>
           </p:cNvPr>
           <p:cNvPicPr>
-            <a:picLocks noChangeAspect="1"/>
+            <a:picLocks noChangeAspect="1" noChangeArrowheads="1"/>
           </p:cNvPicPr>
           <p:nvPr/>
         </p:nvPicPr>
         <p:blipFill>
-          <a:blip r:embed="rId3"/>
+          <a:blip r:embed="rId3">
+            <a:extLst>
+              <a:ext uri="{28A0092B-C50C-407E-A947-70E740481C1C}">
+                <a14:useLocalDpi xmlns:a14="http://schemas.microsoft.com/office/drawing/2010/main" val="0"/>
+              </a:ext>
+            </a:extLst>
+          </a:blip>
+          <a:srcRect/>
           <a:stretch>
             <a:fillRect/>
           </a:stretch>
         </p:blipFill>
-        <p:spPr>
+        <p:spPr bwMode="auto">
           <a:xfrm>
-            <a:off x="1443387" y="3356089"/>
-            <a:ext cx="4652611" cy="1291757"/>
-          </a:xfrm>
-          <a:prstGeom prst="rect">
-            <a:avLst/>
-          </a:prstGeom>
-        </p:spPr>
-      </p:pic>
-      <p:sp>
-        <p:nvSpPr>
-          <p:cNvPr id="9" name="Espaço Reservado para Conteúdo 2">
-            <a:extLst>
-              <a:ext uri="{FF2B5EF4-FFF2-40B4-BE49-F238E27FC236}">
-                <a16:creationId xmlns:a16="http://schemas.microsoft.com/office/drawing/2014/main" id="{CD841E3B-99FE-3F8C-778F-68A9E32407F6}"/>
-              </a:ext>
-            </a:extLst>
-          </p:cNvPr>
-          <p:cNvSpPr txBox="1">
-            <a:spLocks/>
-          </p:cNvSpPr>
-          <p:nvPr/>
-        </p:nvSpPr>
-        <p:spPr>
-          <a:xfrm>
-            <a:off x="943371" y="2285952"/>
-            <a:ext cx="10058400" cy="589648"/>
-          </a:xfrm>
-          <a:prstGeom prst="rect">
-            <a:avLst/>
-          </a:prstGeom>
-        </p:spPr>
-        <p:txBody>
-          <a:bodyPr vert="horz" lIns="0" tIns="45720" rIns="0" bIns="45720" rtlCol="0">
-            <a:normAutofit/>
-          </a:bodyPr>
-          <a:lstStyle>
-            <a:lvl1pPr marL="91440" indent="-91440" algn="l" defTabSz="914400" rtl="0" eaLnBrk="1" latinLnBrk="0" hangingPunct="1">
-              <a:lnSpc>
-                <a:spcPct val="90000"/>
-              </a:lnSpc>
-              <a:spcBef>
-                <a:spcPts val="1200"/>
-              </a:spcBef>
-              <a:spcAft>
-                <a:spcPts val="200"/>
-              </a:spcAft>
-              <a:buClr>
-                <a:schemeClr val="accent1"/>
-              </a:buClr>
-              <a:buSzPct val="100000"/>
-              <a:buFont typeface="Calibri" panose="020F0502020204030204" pitchFamily="34" charset="0"/>
-              <a:buChar char=" "/>
-              <a:defRPr sz="2000" kern="1200">
-                <a:solidFill>
-                  <a:schemeClr val="tx1">
-                    <a:lumMod val="75000"/>
-                    <a:lumOff val="25000"/>
-                  </a:schemeClr>
-                </a:solidFill>
-                <a:latin typeface="+mn-lt"/>
-                <a:ea typeface="+mn-ea"/>
-                <a:cs typeface="+mn-cs"/>
-              </a:defRPr>
-            </a:lvl1pPr>
-            <a:lvl2pPr marL="384048" indent="-182880" algn="l" defTabSz="914400" rtl="0" eaLnBrk="1" latinLnBrk="0" hangingPunct="1">
-              <a:lnSpc>
-                <a:spcPct val="90000"/>
-              </a:lnSpc>
-              <a:spcBef>
-                <a:spcPts val="200"/>
-              </a:spcBef>
-              <a:spcAft>
-                <a:spcPts val="400"/>
-              </a:spcAft>
-              <a:buClr>
-                <a:schemeClr val="accent1"/>
-              </a:buClr>
-              <a:buFont typeface="Calibri" pitchFamily="34" charset="0"/>
-              <a:buChar char="◦"/>
-              <a:defRPr sz="1800" kern="1200">
-                <a:solidFill>
-                  <a:schemeClr val="tx1">
-                    <a:lumMod val="75000"/>
-                    <a:lumOff val="25000"/>
-                  </a:schemeClr>
-                </a:solidFill>
-                <a:latin typeface="+mn-lt"/>
-                <a:ea typeface="+mn-ea"/>
-                <a:cs typeface="+mn-cs"/>
-              </a:defRPr>
-            </a:lvl2pPr>
-            <a:lvl3pPr marL="566928" indent="-182880" algn="l" defTabSz="914400" rtl="0" eaLnBrk="1" latinLnBrk="0" hangingPunct="1">
-              <a:lnSpc>
-                <a:spcPct val="90000"/>
-              </a:lnSpc>
-              <a:spcBef>
-                <a:spcPts val="200"/>
-              </a:spcBef>
-              <a:spcAft>
-                <a:spcPts val="400"/>
-              </a:spcAft>
-              <a:buClr>
-                <a:schemeClr val="accent1"/>
-              </a:buClr>
-              <a:buFont typeface="Calibri" pitchFamily="34" charset="0"/>
-              <a:buChar char="◦"/>
-              <a:defRPr sz="1400" kern="1200">
-                <a:solidFill>
-                  <a:schemeClr val="tx1">
-                    <a:lumMod val="75000"/>
-                    <a:lumOff val="25000"/>
-                  </a:schemeClr>
-                </a:solidFill>
-                <a:latin typeface="+mn-lt"/>
-                <a:ea typeface="+mn-ea"/>
-                <a:cs typeface="+mn-cs"/>
-              </a:defRPr>
-            </a:lvl3pPr>
-            <a:lvl4pPr marL="749808" indent="-182880" algn="l" defTabSz="914400" rtl="0" eaLnBrk="1" latinLnBrk="0" hangingPunct="1">
-              <a:lnSpc>
-                <a:spcPct val="90000"/>
-              </a:lnSpc>
-              <a:spcBef>
-                <a:spcPts val="200"/>
-              </a:spcBef>
-              <a:spcAft>
-                <a:spcPts val="400"/>
-              </a:spcAft>
-              <a:buClr>
-                <a:schemeClr val="accent1"/>
-              </a:buClr>
-              <a:buFont typeface="Calibri" pitchFamily="34" charset="0"/>
-              <a:buChar char="◦"/>
-              <a:defRPr sz="1400" kern="1200">
-                <a:solidFill>
-                  <a:schemeClr val="tx1">
-                    <a:lumMod val="75000"/>
-                    <a:lumOff val="25000"/>
-                  </a:schemeClr>
-                </a:solidFill>
-                <a:latin typeface="+mn-lt"/>
-                <a:ea typeface="+mn-ea"/>
-                <a:cs typeface="+mn-cs"/>
-              </a:defRPr>
-            </a:lvl4pPr>
-            <a:lvl5pPr marL="932688" indent="-182880" algn="l" defTabSz="914400" rtl="0" eaLnBrk="1" latinLnBrk="0" hangingPunct="1">
-              <a:lnSpc>
-                <a:spcPct val="90000"/>
-              </a:lnSpc>
-              <a:spcBef>
-                <a:spcPts val="200"/>
-              </a:spcBef>
-              <a:spcAft>
-                <a:spcPts val="400"/>
-              </a:spcAft>
-              <a:buClr>
-                <a:schemeClr val="accent1"/>
-              </a:buClr>
-              <a:buFont typeface="Calibri" pitchFamily="34" charset="0"/>
-              <a:buChar char="◦"/>
-              <a:defRPr sz="1400" kern="1200">
-                <a:solidFill>
-                  <a:schemeClr val="tx1">
-                    <a:lumMod val="75000"/>
-                    <a:lumOff val="25000"/>
-                  </a:schemeClr>
-                </a:solidFill>
-                <a:latin typeface="+mn-lt"/>
-                <a:ea typeface="+mn-ea"/>
-                <a:cs typeface="+mn-cs"/>
-              </a:defRPr>
-            </a:lvl5pPr>
-            <a:lvl6pPr marL="1100000" indent="-228600" algn="l" defTabSz="914400" rtl="0" eaLnBrk="1" latinLnBrk="0" hangingPunct="1">
-              <a:lnSpc>
-                <a:spcPct val="90000"/>
-              </a:lnSpc>
-              <a:spcBef>
-                <a:spcPts val="200"/>
-              </a:spcBef>
-              <a:spcAft>
-                <a:spcPts val="400"/>
-              </a:spcAft>
-              <a:buClr>
-                <a:schemeClr val="accent1"/>
-              </a:buClr>
-              <a:buFont typeface="Calibri" pitchFamily="34" charset="0"/>
-              <a:buChar char="◦"/>
-              <a:defRPr sz="1400" kern="1200">
-                <a:solidFill>
-                  <a:schemeClr val="tx1">
-                    <a:lumMod val="75000"/>
-                    <a:lumOff val="25000"/>
-                  </a:schemeClr>
-                </a:solidFill>
-                <a:latin typeface="+mn-lt"/>
-                <a:ea typeface="+mn-ea"/>
-                <a:cs typeface="+mn-cs"/>
-              </a:defRPr>
-            </a:lvl6pPr>
-            <a:lvl7pPr marL="1300000" indent="-228600" algn="l" defTabSz="914400" rtl="0" eaLnBrk="1" latinLnBrk="0" hangingPunct="1">
-              <a:lnSpc>
-                <a:spcPct val="90000"/>
-              </a:lnSpc>
-              <a:spcBef>
-                <a:spcPts val="200"/>
-              </a:spcBef>
-              <a:spcAft>
-                <a:spcPts val="400"/>
-              </a:spcAft>
-              <a:buClr>
-                <a:schemeClr val="accent1"/>
-              </a:buClr>
-              <a:buFont typeface="Calibri" pitchFamily="34" charset="0"/>
-              <a:buChar char="◦"/>
-              <a:defRPr sz="1400" kern="1200">
-                <a:solidFill>
-                  <a:schemeClr val="tx1">
-                    <a:lumMod val="75000"/>
-                    <a:lumOff val="25000"/>
-                  </a:schemeClr>
-                </a:solidFill>
-                <a:latin typeface="+mn-lt"/>
-                <a:ea typeface="+mn-ea"/>
-                <a:cs typeface="+mn-cs"/>
-              </a:defRPr>
-            </a:lvl7pPr>
-            <a:lvl8pPr marL="1500000" indent="-228600" algn="l" defTabSz="914400" rtl="0" eaLnBrk="1" latinLnBrk="0" hangingPunct="1">
-              <a:lnSpc>
-                <a:spcPct val="90000"/>
-              </a:lnSpc>
-              <a:spcBef>
-                <a:spcPts val="200"/>
-              </a:spcBef>
-              <a:spcAft>
-                <a:spcPts val="400"/>
-              </a:spcAft>
-              <a:buClr>
-                <a:schemeClr val="accent1"/>
-              </a:buClr>
-              <a:buFont typeface="Calibri" pitchFamily="34" charset="0"/>
-              <a:buChar char="◦"/>
-              <a:defRPr sz="1400" kern="1200">
-                <a:solidFill>
-                  <a:schemeClr val="tx1">
-                    <a:lumMod val="75000"/>
-                    <a:lumOff val="25000"/>
-                  </a:schemeClr>
-                </a:solidFill>
-                <a:latin typeface="+mn-lt"/>
-                <a:ea typeface="+mn-ea"/>
-                <a:cs typeface="+mn-cs"/>
-              </a:defRPr>
-            </a:lvl8pPr>
-            <a:lvl9pPr marL="1700000" indent="-228600" algn="l" defTabSz="914400" rtl="0" eaLnBrk="1" latinLnBrk="0" hangingPunct="1">
-              <a:lnSpc>
-                <a:spcPct val="90000"/>
-              </a:lnSpc>
-              <a:spcBef>
-                <a:spcPts val="200"/>
-              </a:spcBef>
-              <a:spcAft>
-                <a:spcPts val="400"/>
-              </a:spcAft>
-              <a:buClr>
-                <a:schemeClr val="accent1"/>
-              </a:buClr>
-              <a:buFont typeface="Calibri" pitchFamily="34" charset="0"/>
-              <a:buChar char="◦"/>
-              <a:defRPr sz="1400" kern="1200">
-                <a:solidFill>
-                  <a:schemeClr val="tx1">
-                    <a:lumMod val="75000"/>
-                    <a:lumOff val="25000"/>
-                  </a:schemeClr>
-                </a:solidFill>
-                <a:latin typeface="+mn-lt"/>
-                <a:ea typeface="+mn-ea"/>
-                <a:cs typeface="+mn-cs"/>
-              </a:defRPr>
-            </a:lvl9pPr>
-          </a:lstStyle>
-          <a:p>
-            <a:pPr defTabSz="457200">
-              <a:lnSpc>
-                <a:spcPct val="100000"/>
-              </a:lnSpc>
-              <a:spcBef>
-                <a:spcPts val="0"/>
-              </a:spcBef>
-              <a:spcAft>
-                <a:spcPts val="0"/>
-              </a:spcAft>
-              <a:buClrTx/>
-              <a:buSzTx/>
-              <a:buFont typeface="Wingdings" panose="05000000000000000000" pitchFamily="2" charset="2"/>
-              <a:buChar char="Ø"/>
-            </a:pPr>
-            <a:r>
-              <a:rPr lang="pt-BR" sz="1600" dirty="0">
-                <a:solidFill>
-                  <a:prstClr val="black"/>
-                </a:solidFill>
-                <a:latin typeface="Arial" panose="020B0604020202020204" pitchFamily="34" charset="0"/>
-                <a:cs typeface="Arial" panose="020B0604020202020204" pitchFamily="34" charset="0"/>
-              </a:rPr>
-              <a:t> Regularização reduz o erro do modelo</a:t>
-            </a:r>
-          </a:p>
-        </p:txBody>
-      </p:sp>
-      <p:sp>
-        <p:nvSpPr>
-          <p:cNvPr id="7" name="CaixaDeTexto 6">
-            <a:extLst>
-              <a:ext uri="{FF2B5EF4-FFF2-40B4-BE49-F238E27FC236}">
-                <a16:creationId xmlns:a16="http://schemas.microsoft.com/office/drawing/2014/main" id="{1A2905F7-51E8-E528-54F5-03936D0F07E8}"/>
-              </a:ext>
-            </a:extLst>
-          </p:cNvPr>
-          <p:cNvSpPr txBox="1"/>
-          <p:nvPr/>
-        </p:nvSpPr>
-        <p:spPr>
-          <a:xfrm>
-            <a:off x="1443387" y="4942670"/>
-            <a:ext cx="6097508" cy="923330"/>
+            <a:off x="1284631" y="2464254"/>
+            <a:ext cx="1468892" cy="2628544"/>
           </a:xfrm>
           <a:prstGeom prst="rect">
             <a:avLst/>
           </a:prstGeom>
           <a:noFill/>
+          <a:extLst>
+            <a:ext uri="{909E8E84-426E-40DD-AFC4-6F175D3DCCD1}">
+              <a14:hiddenFill xmlns:a14="http://schemas.microsoft.com/office/drawing/2010/main">
+                <a:solidFill>
+                  <a:srgbClr val="FFFFFF"/>
+                </a:solidFill>
+              </a14:hiddenFill>
+            </a:ext>
+          </a:extLst>
         </p:spPr>
-        <p:txBody>
-          <a:bodyPr wrap="square">
-            <a:spAutoFit/>
-          </a:bodyPr>
-          <a:lstStyle/>
-          <a:p>
-            <a:pPr marL="285750" indent="-285750" defTabSz="457200">
-              <a:lnSpc>
-                <a:spcPct val="100000"/>
-              </a:lnSpc>
-              <a:spcBef>
-                <a:spcPts val="0"/>
-              </a:spcBef>
-              <a:spcAft>
-                <a:spcPts val="0"/>
-              </a:spcAft>
-              <a:buClrTx/>
-              <a:buSzTx/>
-              <a:buFont typeface="Arial" panose="020B0604020202020204" pitchFamily="34" charset="0"/>
-              <a:buChar char="•"/>
-            </a:pPr>
-            <a:r>
-              <a:rPr lang="pt-BR" b="1" dirty="0">
-                <a:solidFill>
-                  <a:prstClr val="black"/>
-                </a:solidFill>
-                <a:latin typeface="Arial" panose="020B0604020202020204" pitchFamily="34" charset="0"/>
-                <a:cs typeface="Arial" panose="020B0604020202020204" pitchFamily="34" charset="0"/>
-              </a:rPr>
-              <a:t>	</a:t>
-            </a:r>
-            <a:r>
-              <a:rPr lang="pt-BR" sz="1800" dirty="0">
-                <a:solidFill>
-                  <a:prstClr val="black"/>
-                </a:solidFill>
-                <a:latin typeface="Arial" panose="020B0604020202020204" pitchFamily="34" charset="0"/>
-                <a:cs typeface="Arial" panose="020B0604020202020204" pitchFamily="34" charset="0"/>
-              </a:rPr>
-              <a:t>Back-</a:t>
-            </a:r>
-            <a:r>
-              <a:rPr lang="pt-BR" sz="1800" dirty="0" err="1">
-                <a:solidFill>
-                  <a:prstClr val="black"/>
-                </a:solidFill>
-                <a:latin typeface="Arial" panose="020B0604020202020204" pitchFamily="34" charset="0"/>
-                <a:cs typeface="Arial" panose="020B0604020202020204" pitchFamily="34" charset="0"/>
-              </a:rPr>
-              <a:t>Translation</a:t>
-            </a:r>
-            <a:endParaRPr lang="pt-BR" sz="1800" dirty="0">
-              <a:solidFill>
-                <a:prstClr val="black"/>
-              </a:solidFill>
-              <a:latin typeface="Arial" panose="020B0604020202020204" pitchFamily="34" charset="0"/>
-              <a:cs typeface="Arial" panose="020B0604020202020204" pitchFamily="34" charset="0"/>
-            </a:endParaRPr>
-          </a:p>
-          <a:p>
-            <a:pPr defTabSz="457200">
-              <a:lnSpc>
-                <a:spcPct val="100000"/>
-              </a:lnSpc>
-              <a:spcBef>
-                <a:spcPts val="0"/>
-              </a:spcBef>
-              <a:spcAft>
-                <a:spcPts val="0"/>
-              </a:spcAft>
-              <a:buClrTx/>
-              <a:buSzTx/>
-              <a:buFont typeface="Wingdings" panose="05000000000000000000" pitchFamily="2" charset="2"/>
-              <a:buChar char="Ø"/>
-            </a:pPr>
-            <a:endParaRPr lang="pt-BR" b="1" dirty="0">
-              <a:solidFill>
-                <a:prstClr val="black"/>
-              </a:solidFill>
-              <a:latin typeface="Arial" panose="020B0604020202020204" pitchFamily="34" charset="0"/>
-              <a:cs typeface="Arial" panose="020B0604020202020204" pitchFamily="34" charset="0"/>
-            </a:endParaRPr>
-          </a:p>
-          <a:p>
-            <a:pPr marL="285750" indent="-285750" defTabSz="457200">
-              <a:lnSpc>
-                <a:spcPct val="100000"/>
-              </a:lnSpc>
-              <a:spcBef>
-                <a:spcPts val="0"/>
-              </a:spcBef>
-              <a:spcAft>
-                <a:spcPts val="0"/>
-              </a:spcAft>
-              <a:buClrTx/>
-              <a:buSzTx/>
-              <a:buFont typeface="Arial" panose="020B0604020202020204" pitchFamily="34" charset="0"/>
-              <a:buChar char="•"/>
-            </a:pPr>
-            <a:r>
-              <a:rPr lang="pt-BR" dirty="0">
-                <a:solidFill>
-                  <a:prstClr val="black"/>
-                </a:solidFill>
-                <a:latin typeface="Arial" panose="020B0604020202020204" pitchFamily="34" charset="0"/>
-                <a:cs typeface="Arial" panose="020B0604020202020204" pitchFamily="34" charset="0"/>
-              </a:rPr>
-              <a:t>	</a:t>
-            </a:r>
-            <a:r>
-              <a:rPr lang="pt-BR" sz="1800" dirty="0">
-                <a:solidFill>
-                  <a:prstClr val="black"/>
-                </a:solidFill>
-                <a:latin typeface="Arial" panose="020B0604020202020204" pitchFamily="34" charset="0"/>
-                <a:cs typeface="Arial" panose="020B0604020202020204" pitchFamily="34" charset="0"/>
-              </a:rPr>
-              <a:t>Parafrasear amostras em modelos </a:t>
-            </a:r>
-            <a:r>
-              <a:rPr lang="pt-BR" sz="1800" dirty="0" err="1">
-                <a:solidFill>
-                  <a:prstClr val="black"/>
-                </a:solidFill>
-                <a:latin typeface="Arial" panose="020B0604020202020204" pitchFamily="34" charset="0"/>
-                <a:cs typeface="Arial" panose="020B0604020202020204" pitchFamily="34" charset="0"/>
-              </a:rPr>
-              <a:t>pré</a:t>
-            </a:r>
-            <a:r>
-              <a:rPr lang="pt-BR" sz="1800" dirty="0">
-                <a:solidFill>
-                  <a:prstClr val="black"/>
-                </a:solidFill>
-                <a:latin typeface="Arial" panose="020B0604020202020204" pitchFamily="34" charset="0"/>
-                <a:cs typeface="Arial" panose="020B0604020202020204" pitchFamily="34" charset="0"/>
-              </a:rPr>
-              <a:t>-treinados</a:t>
-            </a:r>
-            <a:endParaRPr lang="pt-BR" sz="1800" b="1" dirty="0">
-              <a:solidFill>
-                <a:prstClr val="black"/>
-              </a:solidFill>
-              <a:latin typeface="Arial" panose="020B0604020202020204" pitchFamily="34" charset="0"/>
-              <a:cs typeface="Arial" panose="020B0604020202020204" pitchFamily="34" charset="0"/>
-            </a:endParaRPr>
-          </a:p>
-        </p:txBody>
-      </p:sp>
+      </p:pic>
+      <p:pic>
+        <p:nvPicPr>
+          <p:cNvPr id="1028" name="Picture 4" descr="spacy · GitHub Topics · GitHub">
+            <a:extLst>
+              <a:ext uri="{FF2B5EF4-FFF2-40B4-BE49-F238E27FC236}">
+                <a16:creationId xmlns:a16="http://schemas.microsoft.com/office/drawing/2014/main" id="{856E2445-B2E5-D8B2-90A9-FDF9284C8C6C}"/>
+              </a:ext>
+            </a:extLst>
+          </p:cNvPr>
+          <p:cNvPicPr>
+            <a:picLocks noChangeAspect="1" noChangeArrowheads="1"/>
+          </p:cNvPicPr>
+          <p:nvPr/>
+        </p:nvPicPr>
+        <p:blipFill>
+          <a:blip r:embed="rId4">
+            <a:extLst>
+              <a:ext uri="{28A0092B-C50C-407E-A947-70E740481C1C}">
+                <a14:useLocalDpi xmlns:a14="http://schemas.microsoft.com/office/drawing/2010/main" val="0"/>
+              </a:ext>
+            </a:extLst>
+          </a:blip>
+          <a:srcRect/>
+          <a:stretch>
+            <a:fillRect/>
+          </a:stretch>
+        </p:blipFill>
+        <p:spPr bwMode="auto">
+          <a:xfrm>
+            <a:off x="3255823" y="2822406"/>
+            <a:ext cx="2131423" cy="2131423"/>
+          </a:xfrm>
+          <a:prstGeom prst="rect">
+            <a:avLst/>
+          </a:prstGeom>
+          <a:noFill/>
+          <a:extLst>
+            <a:ext uri="{909E8E84-426E-40DD-AFC4-6F175D3DCCD1}">
+              <a14:hiddenFill xmlns:a14="http://schemas.microsoft.com/office/drawing/2010/main">
+                <a:solidFill>
+                  <a:srgbClr val="FFFFFF"/>
+                </a:solidFill>
+              </a14:hiddenFill>
+            </a:ext>
+          </a:extLst>
+        </p:spPr>
+      </p:pic>
+      <p:pic>
+        <p:nvPicPr>
+          <p:cNvPr id="1030" name="Picture 6" descr="Logo complet de Hugging Face PNG transparents - StickPNG">
+            <a:extLst>
+              <a:ext uri="{FF2B5EF4-FFF2-40B4-BE49-F238E27FC236}">
+                <a16:creationId xmlns:a16="http://schemas.microsoft.com/office/drawing/2014/main" id="{8AD3AB13-5688-45FE-1F88-F96E8D13BE0F}"/>
+              </a:ext>
+            </a:extLst>
+          </p:cNvPr>
+          <p:cNvPicPr>
+            <a:picLocks noChangeAspect="1" noChangeArrowheads="1"/>
+          </p:cNvPicPr>
+          <p:nvPr/>
+        </p:nvPicPr>
+        <p:blipFill>
+          <a:blip r:embed="rId5">
+            <a:extLst>
+              <a:ext uri="{28A0092B-C50C-407E-A947-70E740481C1C}">
+                <a14:useLocalDpi xmlns:a14="http://schemas.microsoft.com/office/drawing/2010/main" val="0"/>
+              </a:ext>
+            </a:extLst>
+          </a:blip>
+          <a:srcRect/>
+          <a:stretch>
+            <a:fillRect/>
+          </a:stretch>
+        </p:blipFill>
+        <p:spPr bwMode="auto">
+          <a:xfrm>
+            <a:off x="5497650" y="3006443"/>
+            <a:ext cx="2698296" cy="1798864"/>
+          </a:xfrm>
+          <a:prstGeom prst="rect">
+            <a:avLst/>
+          </a:prstGeom>
+          <a:noFill/>
+          <a:extLst>
+            <a:ext uri="{909E8E84-426E-40DD-AFC4-6F175D3DCCD1}">
+              <a14:hiddenFill xmlns:a14="http://schemas.microsoft.com/office/drawing/2010/main">
+                <a:solidFill>
+                  <a:srgbClr val="FFFFFF"/>
+                </a:solidFill>
+              </a14:hiddenFill>
+            </a:ext>
+          </a:extLst>
+        </p:spPr>
+      </p:pic>
+      <p:pic>
+        <p:nvPicPr>
+          <p:cNvPr id="1032" name="Picture 8" descr="PyTorch">
+            <a:extLst>
+              <a:ext uri="{FF2B5EF4-FFF2-40B4-BE49-F238E27FC236}">
+                <a16:creationId xmlns:a16="http://schemas.microsoft.com/office/drawing/2014/main" id="{6290EFF4-0769-5040-FAE3-273B12F9EAC5}"/>
+              </a:ext>
+            </a:extLst>
+          </p:cNvPr>
+          <p:cNvPicPr>
+            <a:picLocks noChangeAspect="1" noChangeArrowheads="1"/>
+          </p:cNvPicPr>
+          <p:nvPr/>
+        </p:nvPicPr>
+        <p:blipFill>
+          <a:blip r:embed="rId6">
+            <a:extLst>
+              <a:ext uri="{28A0092B-C50C-407E-A947-70E740481C1C}">
+                <a14:useLocalDpi xmlns:a14="http://schemas.microsoft.com/office/drawing/2010/main" val="0"/>
+              </a:ext>
+            </a:extLst>
+          </a:blip>
+          <a:srcRect/>
+          <a:stretch>
+            <a:fillRect/>
+          </a:stretch>
+        </p:blipFill>
+        <p:spPr bwMode="auto">
+          <a:xfrm>
+            <a:off x="8339007" y="2673748"/>
+            <a:ext cx="2464254" cy="2464254"/>
+          </a:xfrm>
+          <a:prstGeom prst="rect">
+            <a:avLst/>
+          </a:prstGeom>
+          <a:noFill/>
+          <a:extLst>
+            <a:ext uri="{909E8E84-426E-40DD-AFC4-6F175D3DCCD1}">
+              <a14:hiddenFill xmlns:a14="http://schemas.microsoft.com/office/drawing/2010/main">
+                <a:solidFill>
+                  <a:srgbClr val="FFFFFF"/>
+                </a:solidFill>
+              </a14:hiddenFill>
+            </a:ext>
+          </a:extLst>
+        </p:spPr>
+      </p:pic>
     </p:spTree>
     <p:extLst>
       <p:ext uri="{BB962C8B-B14F-4D97-AF65-F5344CB8AC3E}">
-        <p14:creationId xmlns:p14="http://schemas.microsoft.com/office/powerpoint/2010/main" val="3364916802"/>
+        <p14:creationId xmlns:p14="http://schemas.microsoft.com/office/powerpoint/2010/main" val="2470333788"/>
       </p:ext>
     </p:extLst>
   </p:cSld>
